--- a/data-viz-02/component/tutorial-colors.pptx
+++ b/data-viz-02/component/tutorial-colors.pptx
@@ -3311,7 +3311,7 @@
       </p:sp>
       <p:pic>
         <p:nvPicPr>
-          <p:cNvPr descr="tutorial-colors_files/figure-pptx/rgb-gradient-3-1.png" id="0" name="Picture 1"/>
+          <p:cNvPr descr="../images/r/rgb-gradient-3.png" id="0" name="Picture 1"/>
           <p:cNvPicPr>
             <a:picLocks noGrp="1" noChangeAspect="1"/>
           </p:cNvPicPr>
@@ -3325,8 +3325,8 @@
         </p:blipFill>
         <p:spPr bwMode="auto">
           <a:xfrm>
-            <a:off x="1752600" y="1600200"/>
-            <a:ext cx="5651500" cy="4521200"/>
+            <a:off x="2311400" y="1600200"/>
+            <a:ext cx="4521200" cy="4521200"/>
           </a:xfrm>
           <a:prstGeom prst="rect">
             <a:avLst/>
@@ -3404,7 +3404,7 @@
       </p:sp>
       <p:pic>
         <p:nvPicPr>
-          <p:cNvPr descr="tutorial-colors_files/figure-pptx/rgb-gradient-4-1.png" id="0" name="Picture 1"/>
+          <p:cNvPr descr="../images/r/rgb-gradient-4.png" id="0" name="Picture 1"/>
           <p:cNvPicPr>
             <a:picLocks noGrp="1" noChangeAspect="1"/>
           </p:cNvPicPr>
@@ -3418,8 +3418,8 @@
         </p:blipFill>
         <p:spPr bwMode="auto">
           <a:xfrm>
-            <a:off x="1752600" y="1600200"/>
-            <a:ext cx="5651500" cy="4521200"/>
+            <a:off x="2311400" y="1600200"/>
+            <a:ext cx="4521200" cy="4521200"/>
           </a:xfrm>
           <a:prstGeom prst="rect">
             <a:avLst/>
@@ -3497,7 +3497,7 @@
       </p:sp>
       <p:pic>
         <p:nvPicPr>
-          <p:cNvPr descr="tutorial-colors_files/figure-pptx/rgb-gradient-5-1.png" id="0" name="Picture 1"/>
+          <p:cNvPr descr="../images/r/rgb-gradient-5.png" id="0" name="Picture 1"/>
           <p:cNvPicPr>
             <a:picLocks noGrp="1" noChangeAspect="1"/>
           </p:cNvPicPr>
@@ -3511,8 +3511,8 @@
         </p:blipFill>
         <p:spPr bwMode="auto">
           <a:xfrm>
-            <a:off x="1752600" y="1600200"/>
-            <a:ext cx="5651500" cy="4521200"/>
+            <a:off x="2311400" y="1600200"/>
+            <a:ext cx="4521200" cy="4521200"/>
           </a:xfrm>
           <a:prstGeom prst="rect">
             <a:avLst/>
@@ -3718,7 +3718,7 @@
       </p:sp>
       <p:pic>
         <p:nvPicPr>
-          <p:cNvPr descr="tutorial-colors_files/figure-pptx/intense-1.png" id="0" name="Picture 1"/>
+          <p:cNvPr descr="../images/r/intense.png" id="0" name="Picture 1"/>
           <p:cNvPicPr>
             <a:picLocks noGrp="1" noChangeAspect="1"/>
           </p:cNvPicPr>
@@ -3732,8 +3732,8 @@
         </p:blipFill>
         <p:spPr bwMode="auto">
           <a:xfrm>
-            <a:off x="1752600" y="1600200"/>
-            <a:ext cx="5651500" cy="4521200"/>
+            <a:off x="2311400" y="1600200"/>
+            <a:ext cx="4521200" cy="4521200"/>
           </a:xfrm>
           <a:prstGeom prst="rect">
             <a:avLst/>
@@ -3827,7 +3827,7 @@
       </p:sp>
       <p:pic>
         <p:nvPicPr>
-          <p:cNvPr descr="tutorial-colors_files/figure-pptx/both-1.png" id="0" name="Picture 1"/>
+          <p:cNvPr descr="../images/r/both.png" id="0" name="Picture 1"/>
           <p:cNvPicPr>
             <a:picLocks noGrp="1" noChangeAspect="1"/>
           </p:cNvPicPr>
@@ -3841,8 +3841,8 @@
         </p:blipFill>
         <p:spPr bwMode="auto">
           <a:xfrm>
-            <a:off x="1752600" y="1600200"/>
-            <a:ext cx="5651500" cy="4521200"/>
+            <a:off x="2311400" y="1600200"/>
+            <a:ext cx="4521200" cy="4521200"/>
           </a:xfrm>
           <a:prstGeom prst="rect">
             <a:avLst/>
@@ -3928,7 +3928,7 @@
       </p:sp>
       <p:pic>
         <p:nvPicPr>
-          <p:cNvPr descr="tutorial-colors_files/figure-pptx/reverse-1.png" id="0" name="Picture 1"/>
+          <p:cNvPr descr="../images/r/reverse.png" id="0" name="Picture 1"/>
           <p:cNvPicPr>
             <a:picLocks noGrp="1" noChangeAspect="1"/>
           </p:cNvPicPr>
@@ -3942,8 +3942,8 @@
         </p:blipFill>
         <p:spPr bwMode="auto">
           <a:xfrm>
-            <a:off x="1752600" y="1600200"/>
-            <a:ext cx="5651500" cy="4521200"/>
+            <a:off x="2311400" y="1600200"/>
+            <a:ext cx="4521200" cy="4521200"/>
           </a:xfrm>
           <a:prstGeom prst="rect">
             <a:avLst/>
@@ -4269,7 +4269,7 @@
       </p:sp>
       <p:pic>
         <p:nvPicPr>
-          <p:cNvPr descr="../images/julias-colour-wheel1.jpg" id="0" name="Picture 1"/>
+          <p:cNvPr descr="../images/external/julias-colour-wheel1.jpg" id="0" name="Picture 1"/>
           <p:cNvPicPr>
             <a:picLocks noGrp="1" noChangeAspect="1"/>
           </p:cNvPicPr>
@@ -4893,7 +4893,7 @@
       </p:sp>
       <p:pic>
         <p:nvPicPr>
-          <p:cNvPr descr="tutorial-colors_files/figure-pptx/color-cube-1-1.png" id="0" name="Picture 1"/>
+          <p:cNvPr descr="../images/r/color-cube-1.png" id="0" name="Picture 1"/>
           <p:cNvPicPr>
             <a:picLocks noGrp="1" noChangeAspect="1"/>
           </p:cNvPicPr>
@@ -4907,8 +4907,8 @@
         </p:blipFill>
         <p:spPr bwMode="auto">
           <a:xfrm>
-            <a:off x="1752600" y="1600200"/>
-            <a:ext cx="5651500" cy="4521200"/>
+            <a:off x="2311400" y="1600200"/>
+            <a:ext cx="4521200" cy="4521200"/>
           </a:xfrm>
           <a:prstGeom prst="rect">
             <a:avLst/>
@@ -5002,7 +5002,7 @@
       </p:sp>
       <p:pic>
         <p:nvPicPr>
-          <p:cNvPr descr="tutorial-colors_files/figure-pptx/color-cube-2-1.png" id="0" name="Picture 1"/>
+          <p:cNvPr descr="../images/r/color-cube-2.png" id="0" name="Picture 1"/>
           <p:cNvPicPr>
             <a:picLocks noGrp="1" noChangeAspect="1"/>
           </p:cNvPicPr>
@@ -5016,8 +5016,8 @@
         </p:blipFill>
         <p:spPr bwMode="auto">
           <a:xfrm>
-            <a:off x="1752600" y="1600200"/>
-            <a:ext cx="5651500" cy="4521200"/>
+            <a:off x="2311400" y="1600200"/>
+            <a:ext cx="4521200" cy="4521200"/>
           </a:xfrm>
           <a:prstGeom prst="rect">
             <a:avLst/>
@@ -5095,7 +5095,7 @@
       </p:sp>
       <p:pic>
         <p:nvPicPr>
-          <p:cNvPr descr="tutorial-colors_files/figure-pptx/rgb-gradient-1-1.png" id="0" name="Picture 1"/>
+          <p:cNvPr descr="../images/r/rgb-gradient-1.png" id="0" name="Picture 1"/>
           <p:cNvPicPr>
             <a:picLocks noGrp="1" noChangeAspect="1"/>
           </p:cNvPicPr>
@@ -5109,8 +5109,8 @@
         </p:blipFill>
         <p:spPr bwMode="auto">
           <a:xfrm>
-            <a:off x="1752600" y="1600200"/>
-            <a:ext cx="5651500" cy="4521200"/>
+            <a:off x="2311400" y="1600200"/>
+            <a:ext cx="4521200" cy="4521200"/>
           </a:xfrm>
           <a:prstGeom prst="rect">
             <a:avLst/>
@@ -5188,7 +5188,7 @@
       </p:sp>
       <p:pic>
         <p:nvPicPr>
-          <p:cNvPr descr="tutorial-colors_files/figure-pptx/rgb-gradient-2-1.png" id="0" name="Picture 1"/>
+          <p:cNvPr descr="../images/r/rgb-gradient-2.png" id="0" name="Picture 1"/>
           <p:cNvPicPr>
             <a:picLocks noGrp="1" noChangeAspect="1"/>
           </p:cNvPicPr>
@@ -5202,8 +5202,8 @@
         </p:blipFill>
         <p:spPr bwMode="auto">
           <a:xfrm>
-            <a:off x="1752600" y="1600200"/>
-            <a:ext cx="5651500" cy="4521200"/>
+            <a:off x="2311400" y="1600200"/>
+            <a:ext cx="4521200" cy="4521200"/>
           </a:xfrm>
           <a:prstGeom prst="rect">
             <a:avLst/>

--- a/data-viz-02/component/tutorial-colors.pptx
+++ b/data-viz-02/component/tutorial-colors.pptx
@@ -4,6 +4,9 @@
   <p:sldMasterIdLst>
     <p:sldMasterId id="2147483648" r:id="rId1"/>
   </p:sldMasterIdLst>
+  <p:notesMasterIdLst>
+    <p:NotesMasterId r:id="rId28"/>
+  </p:notesMasterIdLst>
   <p:sldIdLst>
     <p:sldId id="256" r:id="rId2"/>
     <p:sldId id="257" r:id="rId3"/>
@@ -22,6 +25,15 @@
     <p:sldId id="270" r:id="rId16"/>
     <p:sldId id="271" r:id="rId17"/>
     <p:sldId id="272" r:id="rId18"/>
+    <p:sldId id="273" r:id="rId19"/>
+    <p:sldId id="274" r:id="rId20"/>
+    <p:sldId id="275" r:id="rId21"/>
+    <p:sldId id="276" r:id="rId22"/>
+    <p:sldId id="277" r:id="rId23"/>
+    <p:sldId id="278" r:id="rId24"/>
+    <p:sldId id="279" r:id="rId25"/>
+    <p:sldId id="280" r:id="rId26"/>
+    <p:sldId id="281" r:id="rId27"/>
   </p:sldIdLst>
   <p:sldSz cx="9144000" cy="6858000" type="screen4x3"/>
   <p:notesSz cx="6858000" cy="9144000"/>
@@ -137,6 +149,5870 @@
     </p:ext>
   </p:extLst>
 </p:presentation>
+</file>
+
+<file path=ppt/notesMasters/notesMaster1.xml><?xml version="1.0" encoding="utf-8"?>
+<p:notesMaster xmlns:a="http://schemas.openxmlformats.org/drawingml/2006/main" xmlns:r="http://schemas.openxmlformats.org/officeDocument/2006/relationships" xmlns:p="http://schemas.openxmlformats.org/presentationml/2006/main">
+  <p:cSld>
+    <p:bg>
+      <p:bgRef idx="1001">
+        <a:schemeClr val="bg1"/>
+      </p:bgRef>
+    </p:bg>
+    <p:spTree>
+      <p:nvGrpSpPr>
+        <p:cNvPr id="1" name=""/>
+        <p:cNvGrpSpPr/>
+        <p:nvPr/>
+      </p:nvGrpSpPr>
+      <p:grpSpPr>
+        <a:xfrm>
+          <a:off x="0" y="0"/>
+          <a:ext cx="0" cy="0"/>
+          <a:chOff x="0" y="0"/>
+          <a:chExt cx="0" cy="0"/>
+        </a:xfrm>
+      </p:grpSpPr>
+      <p:sp>
+        <p:nvSpPr>
+          <p:cNvPr id="2" name="Header Placeholder 1"/>
+          <p:cNvSpPr>
+            <a:spLocks noGrp="1"/>
+          </p:cNvSpPr>
+          <p:nvPr>
+            <p:ph type="hdr" sz="quarter"/>
+          </p:nvPr>
+        </p:nvSpPr>
+        <p:spPr>
+          <a:xfrm>
+            <a:off x="0" y="0"/>
+            <a:ext cx="2971800" cy="458788"/>
+          </a:xfrm>
+          <a:prstGeom prst="rect">
+            <a:avLst/>
+          </a:prstGeom>
+        </p:spPr>
+        <p:txBody>
+          <a:bodyPr vert="horz" lIns="91440" tIns="45720" rIns="91440" bIns="45720" rtlCol="0"/>
+          <a:lstStyle>
+            <a:lvl1pPr algn="l">
+              <a:defRPr sz="1200"/>
+            </a:lvl1pPr>
+          </a:lstStyle>
+          <a:p>
+            <a:endParaRPr lang="en-US"/>
+          </a:p>
+        </p:txBody>
+      </p:sp>
+      <p:sp>
+        <p:nvSpPr>
+          <p:cNvPr id="3" name="Date Placeholder 2"/>
+          <p:cNvSpPr>
+            <a:spLocks noGrp="1"/>
+          </p:cNvSpPr>
+          <p:nvPr>
+            <p:ph type="dt" idx="1"/>
+          </p:nvPr>
+        </p:nvSpPr>
+        <p:spPr>
+          <a:xfrm>
+            <a:off x="3884613" y="0"/>
+            <a:ext cx="2971800" cy="458788"/>
+          </a:xfrm>
+          <a:prstGeom prst="rect">
+            <a:avLst/>
+          </a:prstGeom>
+        </p:spPr>
+        <p:txBody>
+          <a:bodyPr vert="horz" lIns="91440" tIns="45720" rIns="91440" bIns="45720" rtlCol="0"/>
+          <a:lstStyle>
+            <a:lvl1pPr algn="r">
+              <a:defRPr sz="1200"/>
+            </a:lvl1pPr>
+          </a:lstStyle>
+          <a:p>
+            <a:fld id="{0F9C1CCF-B725-44A7-AA57-5E433BD85C9F}" type="datetimeFigureOut">
+              <a:rPr lang="en-US" smtClean="0"/>
+              <a:t>2/17/2018</a:t>
+            </a:fld>
+            <a:endParaRPr lang="en-US"/>
+          </a:p>
+        </p:txBody>
+      </p:sp>
+      <p:sp>
+        <p:nvSpPr>
+          <p:cNvPr id="4" name="Slide Image Placeholder 3"/>
+          <p:cNvSpPr>
+            <a:spLocks noGrp="1" noRot="1" noChangeAspect="1"/>
+          </p:cNvSpPr>
+          <p:nvPr>
+            <p:ph type="sldImg" idx="2"/>
+          </p:nvPr>
+        </p:nvSpPr>
+        <p:spPr>
+          <a:xfrm>
+            <a:off x="1371600" y="1143000"/>
+            <a:ext cx="4114800" cy="3086100"/>
+          </a:xfrm>
+          <a:prstGeom prst="rect">
+            <a:avLst/>
+          </a:prstGeom>
+          <a:noFill/>
+          <a:ln w="12700">
+            <a:solidFill>
+              <a:prstClr val="black"/>
+            </a:solidFill>
+          </a:ln>
+        </p:spPr>
+        <p:txBody>
+          <a:bodyPr vert="horz" lIns="91440" tIns="45720" rIns="91440" bIns="45720" rtlCol="0" anchor="ctr"/>
+          <a:lstStyle/>
+          <a:p>
+            <a:endParaRPr lang="en-US"/>
+          </a:p>
+        </p:txBody>
+      </p:sp>
+      <p:sp>
+        <p:nvSpPr>
+          <p:cNvPr id="5" name="Notes Placeholder 4"/>
+          <p:cNvSpPr>
+            <a:spLocks noGrp="1"/>
+          </p:cNvSpPr>
+          <p:nvPr>
+            <p:ph type="body" sz="quarter" idx="3"/>
+          </p:nvPr>
+        </p:nvSpPr>
+        <p:spPr>
+          <a:xfrm>
+            <a:off x="685800" y="4400550"/>
+            <a:ext cx="5486400" cy="3600450"/>
+          </a:xfrm>
+          <a:prstGeom prst="rect">
+            <a:avLst/>
+          </a:prstGeom>
+        </p:spPr>
+        <p:txBody>
+          <a:bodyPr vert="horz" lIns="91440" tIns="45720" rIns="91440" bIns="45720" rtlCol="0"/>
+          <a:lstStyle/>
+          <a:p>
+            <a:pPr lvl="0"/>
+            <a:r>
+              <a:rPr lang="en-US" smtClean="0"/>
+              <a:t>Click to edit Master text styles</a:t>
+            </a:r>
+          </a:p>
+          <a:p>
+            <a:pPr lvl="1"/>
+            <a:r>
+              <a:rPr lang="en-US" smtClean="0"/>
+              <a:t>Second level</a:t>
+            </a:r>
+          </a:p>
+          <a:p>
+            <a:pPr lvl="2"/>
+            <a:r>
+              <a:rPr lang="en-US" smtClean="0"/>
+              <a:t>Third level</a:t>
+            </a:r>
+          </a:p>
+          <a:p>
+            <a:pPr lvl="3"/>
+            <a:r>
+              <a:rPr lang="en-US" smtClean="0"/>
+              <a:t>Fourth level</a:t>
+            </a:r>
+          </a:p>
+          <a:p>
+            <a:pPr lvl="4"/>
+            <a:r>
+              <a:rPr lang="en-US" smtClean="0"/>
+              <a:t>Fifth level</a:t>
+            </a:r>
+            <a:endParaRPr lang="en-US"/>
+          </a:p>
+        </p:txBody>
+      </p:sp>
+      <p:sp>
+        <p:nvSpPr>
+          <p:cNvPr id="6" name="Footer Placeholder 5"/>
+          <p:cNvSpPr>
+            <a:spLocks noGrp="1"/>
+          </p:cNvSpPr>
+          <p:nvPr>
+            <p:ph type="ftr" sz="quarter" idx="4"/>
+          </p:nvPr>
+        </p:nvSpPr>
+        <p:spPr>
+          <a:xfrm>
+            <a:off x="0" y="8685213"/>
+            <a:ext cx="2971800" cy="458787"/>
+          </a:xfrm>
+          <a:prstGeom prst="rect">
+            <a:avLst/>
+          </a:prstGeom>
+        </p:spPr>
+        <p:txBody>
+          <a:bodyPr vert="horz" lIns="91440" tIns="45720" rIns="91440" bIns="45720" rtlCol="0" anchor="b"/>
+          <a:lstStyle>
+            <a:lvl1pPr algn="l">
+              <a:defRPr sz="1200"/>
+            </a:lvl1pPr>
+          </a:lstStyle>
+          <a:p>
+            <a:endParaRPr lang="en-US"/>
+          </a:p>
+        </p:txBody>
+      </p:sp>
+      <p:sp>
+        <p:nvSpPr>
+          <p:cNvPr id="7" name="Slide Number Placeholder 6"/>
+          <p:cNvSpPr>
+            <a:spLocks noGrp="1"/>
+          </p:cNvSpPr>
+          <p:nvPr>
+            <p:ph type="sldNum" sz="quarter" idx="5"/>
+          </p:nvPr>
+        </p:nvSpPr>
+        <p:spPr>
+          <a:xfrm>
+            <a:off x="3884613" y="8685213"/>
+            <a:ext cx="2971800" cy="458787"/>
+          </a:xfrm>
+          <a:prstGeom prst="rect">
+            <a:avLst/>
+          </a:prstGeom>
+        </p:spPr>
+        <p:txBody>
+          <a:bodyPr vert="horz" lIns="91440" tIns="45720" rIns="91440" bIns="45720" rtlCol="0" anchor="b"/>
+          <a:lstStyle>
+            <a:lvl1pPr algn="r">
+              <a:defRPr sz="1200"/>
+            </a:lvl1pPr>
+          </a:lstStyle>
+          <a:p>
+            <a:fld id="{18BDFEC3-8487-43E8-A154-7C12CBC1FFF2}" type="slidenum">
+              <a:rPr lang="en-US" smtClean="0"/>
+              <a:t>‹#›</a:t>
+            </a:fld>
+            <a:endParaRPr lang="en-US"/>
+          </a:p>
+        </p:txBody>
+      </p:sp>
+    </p:spTree>
+    <p:extLst>
+      <p:ext uri="{BB962C8B-B14F-4D97-AF65-F5344CB8AC3E}">
+        <p14:creationId xmlns:p14="http://schemas.microsoft.com/office/powerpoint/2010/main" val="3782709779"/>
+      </p:ext>
+    </p:extLst>
+  </p:cSld>
+  <p:clrMap bg1="lt1" tx1="dk1" bg2="lt2" tx2="dk2" accent1="accent1" accent2="accent2" accent3="accent3" accent4="accent4" accent5="accent5" accent6="accent6" hlink="hlink" folHlink="folHlink"/>
+  <p:notesStyle>
+    <a:lvl1pPr marL="0" algn="l" defTabSz="914400" rtl="0" eaLnBrk="1" latinLnBrk="0" hangingPunct="1">
+      <a:defRPr sz="1200" kern="1200">
+        <a:solidFill>
+          <a:schemeClr val="tx1"/>
+        </a:solidFill>
+        <a:latin typeface="+mn-lt"/>
+        <a:ea typeface="+mn-ea"/>
+        <a:cs typeface="+mn-cs"/>
+      </a:defRPr>
+    </a:lvl1pPr>
+    <a:lvl2pPr marL="457200" algn="l" defTabSz="914400" rtl="0" eaLnBrk="1" latinLnBrk="0" hangingPunct="1">
+      <a:defRPr sz="1200" kern="1200">
+        <a:solidFill>
+          <a:schemeClr val="tx1"/>
+        </a:solidFill>
+        <a:latin typeface="+mn-lt"/>
+        <a:ea typeface="+mn-ea"/>
+        <a:cs typeface="+mn-cs"/>
+      </a:defRPr>
+    </a:lvl2pPr>
+    <a:lvl3pPr marL="914400" algn="l" defTabSz="914400" rtl="0" eaLnBrk="1" latinLnBrk="0" hangingPunct="1">
+      <a:defRPr sz="1200" kern="1200">
+        <a:solidFill>
+          <a:schemeClr val="tx1"/>
+        </a:solidFill>
+        <a:latin typeface="+mn-lt"/>
+        <a:ea typeface="+mn-ea"/>
+        <a:cs typeface="+mn-cs"/>
+      </a:defRPr>
+    </a:lvl3pPr>
+    <a:lvl4pPr marL="1371600" algn="l" defTabSz="914400" rtl="0" eaLnBrk="1" latinLnBrk="0" hangingPunct="1">
+      <a:defRPr sz="1200" kern="1200">
+        <a:solidFill>
+          <a:schemeClr val="tx1"/>
+        </a:solidFill>
+        <a:latin typeface="+mn-lt"/>
+        <a:ea typeface="+mn-ea"/>
+        <a:cs typeface="+mn-cs"/>
+      </a:defRPr>
+    </a:lvl4pPr>
+    <a:lvl5pPr marL="1828800" algn="l" defTabSz="914400" rtl="0" eaLnBrk="1" latinLnBrk="0" hangingPunct="1">
+      <a:defRPr sz="1200" kern="1200">
+        <a:solidFill>
+          <a:schemeClr val="tx1"/>
+        </a:solidFill>
+        <a:latin typeface="+mn-lt"/>
+        <a:ea typeface="+mn-ea"/>
+        <a:cs typeface="+mn-cs"/>
+      </a:defRPr>
+    </a:lvl5pPr>
+    <a:lvl6pPr marL="2286000" algn="l" defTabSz="914400" rtl="0" eaLnBrk="1" latinLnBrk="0" hangingPunct="1">
+      <a:defRPr sz="1200" kern="1200">
+        <a:solidFill>
+          <a:schemeClr val="tx1"/>
+        </a:solidFill>
+        <a:latin typeface="+mn-lt"/>
+        <a:ea typeface="+mn-ea"/>
+        <a:cs typeface="+mn-cs"/>
+      </a:defRPr>
+    </a:lvl6pPr>
+    <a:lvl7pPr marL="2743200" algn="l" defTabSz="914400" rtl="0" eaLnBrk="1" latinLnBrk="0" hangingPunct="1">
+      <a:defRPr sz="1200" kern="1200">
+        <a:solidFill>
+          <a:schemeClr val="tx1"/>
+        </a:solidFill>
+        <a:latin typeface="+mn-lt"/>
+        <a:ea typeface="+mn-ea"/>
+        <a:cs typeface="+mn-cs"/>
+      </a:defRPr>
+    </a:lvl7pPr>
+    <a:lvl8pPr marL="3200400" algn="l" defTabSz="914400" rtl="0" eaLnBrk="1" latinLnBrk="0" hangingPunct="1">
+      <a:defRPr sz="1200" kern="1200">
+        <a:solidFill>
+          <a:schemeClr val="tx1"/>
+        </a:solidFill>
+        <a:latin typeface="+mn-lt"/>
+        <a:ea typeface="+mn-ea"/>
+        <a:cs typeface="+mn-cs"/>
+      </a:defRPr>
+    </a:lvl8pPr>
+    <a:lvl9pPr marL="3657600" algn="l" defTabSz="914400" rtl="0" eaLnBrk="1" latinLnBrk="0" hangingPunct="1">
+      <a:defRPr sz="1200" kern="1200">
+        <a:solidFill>
+          <a:schemeClr val="tx1"/>
+        </a:solidFill>
+        <a:latin typeface="+mn-lt"/>
+        <a:ea typeface="+mn-ea"/>
+        <a:cs typeface="+mn-cs"/>
+      </a:defRPr>
+    </a:lvl9pPr>
+  </p:notesStyle>
+</p:notesMaster>
+</file>
+
+<file path=ppt/notesSlides/notesSlide1.xml><?xml version="1.0" encoding="utf-8"?>
+<p:notes xmlns:a="http://schemas.openxmlformats.org/drawingml/2006/main" xmlns:r="http://schemas.openxmlformats.org/officeDocument/2006/relationships" xmlns:p="http://schemas.openxmlformats.org/presentationml/2006/main">
+  <p:cSld>
+    <p:spTree>
+      <p:nvGrpSpPr>
+        <p:cNvPr id="1" name=""/>
+        <p:cNvGrpSpPr/>
+        <p:nvPr/>
+      </p:nvGrpSpPr>
+      <p:grpSpPr>
+        <a:xfrm>
+          <a:off x="0" y="0"/>
+          <a:ext cx="0" cy="0"/>
+          <a:chOff x="0" y="0"/>
+          <a:chExt cx="0" cy="0"/>
+        </a:xfrm>
+      </p:grpSpPr>
+      <p:sp>
+        <p:nvSpPr>
+          <p:cNvPr id="2" name="Slide Image Placeholder 1"/>
+          <p:cNvSpPr>
+            <a:spLocks noGrp="1" noRot="1" noChangeAspect="1"/>
+          </p:cNvSpPr>
+          <p:nvPr>
+            <p:ph type="sldImg"/>
+          </p:nvPr>
+        </p:nvSpPr>
+        <p:spPr/>
+      </p:sp>
+      <p:sp>
+        <p:nvSpPr>
+          <p:cNvPr id="3" name="Notes Placeholder 2"/>
+          <p:cNvSpPr>
+            <a:spLocks noGrp="1"/>
+          </p:cNvSpPr>
+          <p:nvPr>
+            <p:ph type="body" idx="1"/>
+          </p:nvPr>
+        </p:nvSpPr>
+        <p:spPr/>
+        <p:txBody>
+          <a:bodyPr/>
+          <a:lstStyle/>
+          <a:p>
+            <a:pPr lvl="0" marL="0" indent="0">
+              <a:buNone/>
+            </a:pPr>
+            <a:r>
+              <a:rPr/>
+              <a:t>There</a:t>
+            </a:r>
+            <a:r>
+              <a:rPr/>
+              <a:t> </a:t>
+            </a:r>
+            <a:r>
+              <a:rPr/>
+              <a:t>are</a:t>
+            </a:r>
+            <a:r>
+              <a:rPr/>
+              <a:t> </a:t>
+            </a:r>
+            <a:r>
+              <a:rPr/>
+              <a:t>three</a:t>
+            </a:r>
+            <a:r>
+              <a:rPr/>
+              <a:t> </a:t>
+            </a:r>
+            <a:r>
+              <a:rPr/>
+              <a:t>major</a:t>
+            </a:r>
+            <a:r>
+              <a:rPr/>
+              <a:t> </a:t>
+            </a:r>
+            <a:r>
+              <a:rPr/>
+              <a:t>color</a:t>
+            </a:r>
+            <a:r>
+              <a:rPr/>
+              <a:t> </a:t>
+            </a:r>
+            <a:r>
+              <a:rPr/>
+              <a:t>systems</a:t>
+            </a:r>
+            <a:r>
+              <a:rPr/>
+              <a:t> </a:t>
+            </a:r>
+            <a:r>
+              <a:rPr/>
+              <a:t>used</a:t>
+            </a:r>
+            <a:r>
+              <a:rPr/>
+              <a:t> </a:t>
+            </a:r>
+            <a:r>
+              <a:rPr/>
+              <a:t>on</a:t>
+            </a:r>
+            <a:r>
+              <a:rPr/>
+              <a:t> </a:t>
+            </a:r>
+            <a:r>
+              <a:rPr/>
+              <a:t>computers,</a:t>
+            </a:r>
+            <a:r>
+              <a:rPr/>
+              <a:t> </a:t>
+            </a:r>
+            <a:r>
+              <a:rPr/>
+              <a:t>RGB,</a:t>
+            </a:r>
+            <a:r>
+              <a:rPr/>
+              <a:t> </a:t>
+            </a:r>
+            <a:r>
+              <a:rPr/>
+              <a:t>HSV,</a:t>
+            </a:r>
+            <a:r>
+              <a:rPr/>
+              <a:t> </a:t>
+            </a:r>
+            <a:r>
+              <a:rPr/>
+              <a:t>and</a:t>
+            </a:r>
+            <a:r>
+              <a:rPr/>
+              <a:t> </a:t>
+            </a:r>
+            <a:r>
+              <a:rPr/>
+              <a:t>CYMK.</a:t>
+            </a:r>
+            <a:r>
+              <a:rPr/>
+              <a:t> </a:t>
+            </a:r>
+            <a:r>
+              <a:rPr/>
+              <a:t>I’ll</a:t>
+            </a:r>
+            <a:r>
+              <a:rPr/>
+              <a:t> </a:t>
+            </a:r>
+            <a:r>
+              <a:rPr/>
+              <a:t>discuss</a:t>
+            </a:r>
+            <a:r>
+              <a:rPr/>
+              <a:t> </a:t>
+            </a:r>
+            <a:r>
+              <a:rPr/>
+              <a:t>RGB</a:t>
+            </a:r>
+            <a:r>
+              <a:rPr/>
+              <a:t> </a:t>
+            </a:r>
+            <a:r>
+              <a:rPr/>
+              <a:t>in</a:t>
+            </a:r>
+            <a:r>
+              <a:rPr/>
+              <a:t> </a:t>
+            </a:r>
+            <a:r>
+              <a:rPr/>
+              <a:t>detail,</a:t>
+            </a:r>
+            <a:r>
+              <a:rPr/>
+              <a:t> </a:t>
+            </a:r>
+            <a:r>
+              <a:rPr/>
+              <a:t>and</a:t>
+            </a:r>
+            <a:r>
+              <a:rPr/>
+              <a:t> </a:t>
+            </a:r>
+            <a:r>
+              <a:rPr/>
+              <a:t>touch</a:t>
+            </a:r>
+            <a:r>
+              <a:rPr/>
+              <a:t> </a:t>
+            </a:r>
+            <a:r>
+              <a:rPr/>
+              <a:t>briefly</a:t>
+            </a:r>
+            <a:r>
+              <a:rPr/>
+              <a:t> </a:t>
+            </a:r>
+            <a:r>
+              <a:rPr/>
+              <a:t>on</a:t>
+            </a:r>
+            <a:r>
+              <a:rPr/>
+              <a:t> </a:t>
+            </a:r>
+            <a:r>
+              <a:rPr/>
+              <a:t>the</a:t>
+            </a:r>
+            <a:r>
+              <a:rPr/>
+              <a:t> </a:t>
+            </a:r>
+            <a:r>
+              <a:rPr/>
+              <a:t>other</a:t>
+            </a:r>
+            <a:r>
+              <a:rPr/>
+              <a:t> </a:t>
+            </a:r>
+            <a:r>
+              <a:rPr/>
+              <a:t>systems.</a:t>
+            </a:r>
+            <a:r>
+              <a:rPr/>
+              <a:t> </a:t>
+            </a:r>
+            <a:r>
+              <a:rPr/>
+              <a:t>But</a:t>
+            </a:r>
+            <a:r>
+              <a:rPr/>
+              <a:t> </a:t>
+            </a:r>
+            <a:r>
+              <a:rPr/>
+              <a:t>you</a:t>
+            </a:r>
+            <a:r>
+              <a:rPr/>
+              <a:t> </a:t>
+            </a:r>
+            <a:r>
+              <a:rPr/>
+              <a:t>need</a:t>
+            </a:r>
+            <a:r>
+              <a:rPr/>
+              <a:t> </a:t>
+            </a:r>
+            <a:r>
+              <a:rPr/>
+              <a:t>to</a:t>
+            </a:r>
+            <a:r>
+              <a:rPr/>
+              <a:t> </a:t>
+            </a:r>
+            <a:r>
+              <a:rPr/>
+              <a:t>realize</a:t>
+            </a:r>
+            <a:r>
+              <a:rPr/>
+              <a:t> </a:t>
+            </a:r>
+            <a:r>
+              <a:rPr/>
+              <a:t>that</a:t>
+            </a:r>
+            <a:r>
+              <a:rPr/>
+              <a:t> </a:t>
+            </a:r>
+            <a:r>
+              <a:rPr/>
+              <a:t>how</a:t>
+            </a:r>
+            <a:r>
+              <a:rPr/>
+              <a:t> </a:t>
+            </a:r>
+            <a:r>
+              <a:rPr/>
+              <a:t>colors</a:t>
+            </a:r>
+            <a:r>
+              <a:rPr/>
+              <a:t> </a:t>
+            </a:r>
+            <a:r>
+              <a:rPr/>
+              <a:t>work</a:t>
+            </a:r>
+            <a:r>
+              <a:rPr/>
+              <a:t> </a:t>
+            </a:r>
+            <a:r>
+              <a:rPr/>
+              <a:t>on</a:t>
+            </a:r>
+            <a:r>
+              <a:rPr/>
+              <a:t> </a:t>
+            </a:r>
+            <a:r>
+              <a:rPr/>
+              <a:t>a</a:t>
+            </a:r>
+            <a:r>
+              <a:rPr/>
+              <a:t> </a:t>
+            </a:r>
+            <a:r>
+              <a:rPr/>
+              <a:t>computer</a:t>
+            </a:r>
+            <a:r>
+              <a:rPr/>
+              <a:t> </a:t>
+            </a:r>
+            <a:r>
+              <a:rPr/>
+              <a:t>was</a:t>
+            </a:r>
+            <a:r>
+              <a:rPr/>
+              <a:t> </a:t>
+            </a:r>
+            <a:r>
+              <a:rPr/>
+              <a:t>not</a:t>
+            </a:r>
+            <a:r>
+              <a:rPr/>
+              <a:t> </a:t>
+            </a:r>
+            <a:r>
+              <a:rPr/>
+              <a:t>the</a:t>
+            </a:r>
+            <a:r>
+              <a:rPr/>
+              <a:t> </a:t>
+            </a:r>
+            <a:r>
+              <a:rPr/>
+              <a:t>way</a:t>
+            </a:r>
+            <a:r>
+              <a:rPr/>
+              <a:t> </a:t>
+            </a:r>
+            <a:r>
+              <a:rPr/>
+              <a:t>you</a:t>
+            </a:r>
+            <a:r>
+              <a:rPr/>
+              <a:t> </a:t>
+            </a:r>
+            <a:r>
+              <a:rPr/>
+              <a:t>learned</a:t>
+            </a:r>
+            <a:r>
+              <a:rPr/>
+              <a:t> </a:t>
+            </a:r>
+            <a:r>
+              <a:rPr/>
+              <a:t>in</a:t>
+            </a:r>
+            <a:r>
+              <a:rPr/>
+              <a:t> </a:t>
+            </a:r>
+            <a:r>
+              <a:rPr/>
+              <a:t>Kindergarten.</a:t>
+            </a:r>
+            <a:r>
+              <a:rPr/>
+              <a:t> </a:t>
+            </a:r>
+            <a:r>
+              <a:rPr/>
+              <a:t>A</a:t>
+            </a:r>
+            <a:r>
+              <a:rPr/>
+              <a:t> </a:t>
+            </a:r>
+            <a:r>
+              <a:rPr/>
+              <a:t>solid</a:t>
+            </a:r>
+            <a:r>
+              <a:rPr/>
+              <a:t> </a:t>
+            </a:r>
+            <a:r>
+              <a:rPr/>
+              <a:t>understanding</a:t>
+            </a:r>
+            <a:r>
+              <a:rPr/>
+              <a:t> </a:t>
+            </a:r>
+            <a:r>
+              <a:rPr/>
+              <a:t>of</a:t>
+            </a:r>
+            <a:r>
+              <a:rPr/>
+              <a:t> </a:t>
+            </a:r>
+            <a:r>
+              <a:rPr/>
+              <a:t>the</a:t>
+            </a:r>
+            <a:r>
+              <a:rPr/>
+              <a:t> </a:t>
+            </a:r>
+            <a:r>
+              <a:rPr/>
+              <a:t>RGB</a:t>
+            </a:r>
+            <a:r>
+              <a:rPr/>
+              <a:t> </a:t>
+            </a:r>
+            <a:r>
+              <a:rPr/>
+              <a:t>color</a:t>
+            </a:r>
+            <a:r>
+              <a:rPr/>
+              <a:t> </a:t>
+            </a:r>
+            <a:r>
+              <a:rPr/>
+              <a:t>system</a:t>
+            </a:r>
+            <a:r>
+              <a:rPr/>
+              <a:t> </a:t>
+            </a:r>
+            <a:r>
+              <a:rPr/>
+              <a:t>also</a:t>
+            </a:r>
+            <a:r>
+              <a:rPr/>
+              <a:t> </a:t>
+            </a:r>
+            <a:r>
+              <a:rPr/>
+              <a:t>requires</a:t>
+            </a:r>
+            <a:r>
+              <a:rPr/>
+              <a:t> </a:t>
+            </a:r>
+            <a:r>
+              <a:rPr/>
+              <a:t>you</a:t>
+            </a:r>
+            <a:r>
+              <a:rPr/>
+              <a:t> </a:t>
+            </a:r>
+            <a:r>
+              <a:rPr/>
+              <a:t>to</a:t>
+            </a:r>
+            <a:r>
+              <a:rPr/>
+              <a:t> </a:t>
+            </a:r>
+            <a:r>
+              <a:rPr/>
+              <a:t>work</a:t>
+            </a:r>
+            <a:r>
+              <a:rPr/>
+              <a:t> </a:t>
+            </a:r>
+            <a:r>
+              <a:rPr/>
+              <a:t>comfortably</a:t>
+            </a:r>
+            <a:r>
+              <a:rPr/>
+              <a:t> </a:t>
+            </a:r>
+            <a:r>
+              <a:rPr/>
+              <a:t>with</a:t>
+            </a:r>
+            <a:r>
+              <a:rPr/>
+              <a:t> </a:t>
+            </a:r>
+            <a:r>
+              <a:rPr/>
+              <a:t>hexadecimal</a:t>
+            </a:r>
+            <a:r>
+              <a:rPr/>
+              <a:t> </a:t>
+            </a:r>
+            <a:r>
+              <a:rPr/>
+              <a:t>codes,</a:t>
+            </a:r>
+            <a:r>
+              <a:rPr/>
+              <a:t> </a:t>
+            </a:r>
+            <a:r>
+              <a:rPr/>
+              <a:t>so</a:t>
+            </a:r>
+            <a:r>
+              <a:rPr/>
+              <a:t> </a:t>
+            </a:r>
+            <a:r>
+              <a:rPr/>
+              <a:t>I</a:t>
+            </a:r>
+            <a:r>
+              <a:rPr/>
+              <a:t> </a:t>
+            </a:r>
+            <a:r>
+              <a:rPr/>
+              <a:t>have</a:t>
+            </a:r>
+            <a:r>
+              <a:rPr/>
+              <a:t> </a:t>
+            </a:r>
+            <a:r>
+              <a:rPr/>
+              <a:t>a</a:t>
+            </a:r>
+            <a:r>
+              <a:rPr/>
+              <a:t> </a:t>
+            </a:r>
+            <a:r>
+              <a:rPr/>
+              <a:t>brief</a:t>
+            </a:r>
+            <a:r>
+              <a:rPr/>
+              <a:t> </a:t>
+            </a:r>
+            <a:r>
+              <a:rPr/>
+              <a:t>review</a:t>
+            </a:r>
+            <a:r>
+              <a:rPr/>
+              <a:t> </a:t>
+            </a:r>
+            <a:r>
+              <a:rPr/>
+              <a:t>of</a:t>
+            </a:r>
+            <a:r>
+              <a:rPr/>
+              <a:t> </a:t>
+            </a:r>
+            <a:r>
+              <a:rPr/>
+              <a:t>that</a:t>
+            </a:r>
+            <a:r>
+              <a:rPr/>
+              <a:t> </a:t>
+            </a:r>
+            <a:r>
+              <a:rPr/>
+              <a:t>as</a:t>
+            </a:r>
+            <a:r>
+              <a:rPr/>
+              <a:t> </a:t>
+            </a:r>
+            <a:r>
+              <a:rPr/>
+              <a:t>well.</a:t>
+            </a:r>
+          </a:p>
+        </p:txBody>
+      </p:sp>
+      <p:sp>
+        <p:nvSpPr>
+          <p:cNvPr id="4" name="Slide Number Placeholder 3"/>
+          <p:cNvSpPr>
+            <a:spLocks noGrp="1"/>
+          </p:cNvSpPr>
+          <p:nvPr>
+            <p:ph type="sldNum" sz="quarter" idx="10"/>
+          </p:nvPr>
+        </p:nvSpPr>
+        <p:spPr/>
+        <p:txBody>
+          <a:bodyPr/>
+          <a:lstStyle/>
+          <a:p>
+            <a:fld id="{18BDFEC3-8487-43E8-A154-7C12CBC1FFF2}" type="slidenum">
+              <a:rPr lang="en-US"/>
+              <a:t>2</a:t>
+            </a:fld>
+            <a:endParaRPr lang="en-US"/>
+          </a:p>
+        </p:txBody>
+      </p:sp>
+    </p:spTree>
+  </p:cSld>
+</p:notes>
+</file>
+
+<file path=ppt/notesSlides/notesSlide2.xml><?xml version="1.0" encoding="utf-8"?>
+<p:notes xmlns:a="http://schemas.openxmlformats.org/drawingml/2006/main" xmlns:r="http://schemas.openxmlformats.org/officeDocument/2006/relationships" xmlns:p="http://schemas.openxmlformats.org/presentationml/2006/main">
+  <p:cSld>
+    <p:spTree>
+      <p:nvGrpSpPr>
+        <p:cNvPr id="1" name=""/>
+        <p:cNvGrpSpPr/>
+        <p:nvPr/>
+      </p:nvGrpSpPr>
+      <p:grpSpPr>
+        <a:xfrm>
+          <a:off x="0" y="0"/>
+          <a:ext cx="0" cy="0"/>
+          <a:chOff x="0" y="0"/>
+          <a:chExt cx="0" cy="0"/>
+        </a:xfrm>
+      </p:grpSpPr>
+      <p:sp>
+        <p:nvSpPr>
+          <p:cNvPr id="2" name="Slide Image Placeholder 1"/>
+          <p:cNvSpPr>
+            <a:spLocks noGrp="1" noRot="1" noChangeAspect="1"/>
+          </p:cNvSpPr>
+          <p:nvPr>
+            <p:ph type="sldImg"/>
+          </p:nvPr>
+        </p:nvSpPr>
+        <p:spPr/>
+      </p:sp>
+      <p:sp>
+        <p:nvSpPr>
+          <p:cNvPr id="3" name="Notes Placeholder 2"/>
+          <p:cNvSpPr>
+            <a:spLocks noGrp="1"/>
+          </p:cNvSpPr>
+          <p:nvPr>
+            <p:ph type="body" idx="1"/>
+          </p:nvPr>
+        </p:nvSpPr>
+        <p:spPr/>
+        <p:txBody>
+          <a:bodyPr/>
+          <a:lstStyle/>
+          <a:p>
+            <a:pPr lvl="0" marL="0" indent="0">
+              <a:buNone/>
+            </a:pPr>
+            <a:r>
+              <a:rPr/>
+              <a:t>It</a:t>
+            </a:r>
+            <a:r>
+              <a:rPr/>
+              <a:t> </a:t>
+            </a:r>
+            <a:r>
+              <a:rPr/>
+              <a:t>was</a:t>
+            </a:r>
+            <a:r>
+              <a:rPr/>
+              <a:t> </a:t>
+            </a:r>
+            <a:r>
+              <a:rPr/>
+              <a:t>probably</a:t>
+            </a:r>
+            <a:r>
+              <a:rPr/>
+              <a:t> </a:t>
+            </a:r>
+            <a:r>
+              <a:rPr/>
+              <a:t>in</a:t>
+            </a:r>
+            <a:r>
+              <a:rPr/>
+              <a:t> </a:t>
+            </a:r>
+            <a:r>
+              <a:rPr/>
+              <a:t>Kindergarten</a:t>
+            </a:r>
+            <a:r>
+              <a:rPr/>
+              <a:t> </a:t>
+            </a:r>
+            <a:r>
+              <a:rPr/>
+              <a:t>where</a:t>
+            </a:r>
+            <a:r>
+              <a:rPr/>
+              <a:t> </a:t>
+            </a:r>
+            <a:r>
+              <a:rPr/>
+              <a:t>you</a:t>
+            </a:r>
+            <a:r>
+              <a:rPr/>
+              <a:t> </a:t>
+            </a:r>
+            <a:r>
+              <a:rPr/>
+              <a:t>learned</a:t>
+            </a:r>
+            <a:r>
+              <a:rPr/>
+              <a:t> </a:t>
+            </a:r>
+            <a:r>
+              <a:rPr/>
+              <a:t>the</a:t>
+            </a:r>
+            <a:r>
+              <a:rPr/>
+              <a:t> </a:t>
+            </a:r>
+            <a:r>
+              <a:rPr/>
+              <a:t>basic</a:t>
+            </a:r>
+            <a:r>
+              <a:rPr/>
+              <a:t> </a:t>
+            </a:r>
+            <a:r>
+              <a:rPr/>
+              <a:t>way</a:t>
+            </a:r>
+            <a:r>
+              <a:rPr/>
+              <a:t> </a:t>
+            </a:r>
+            <a:r>
+              <a:rPr/>
+              <a:t>to</a:t>
+            </a:r>
+            <a:r>
+              <a:rPr/>
+              <a:t> </a:t>
+            </a:r>
+            <a:r>
+              <a:rPr/>
+              <a:t>combine</a:t>
+            </a:r>
+            <a:r>
+              <a:rPr/>
+              <a:t> </a:t>
+            </a:r>
+            <a:r>
+              <a:rPr/>
+              <a:t>primary</a:t>
+            </a:r>
+            <a:r>
+              <a:rPr/>
+              <a:t> </a:t>
+            </a:r>
+            <a:r>
+              <a:rPr/>
+              <a:t>colors.</a:t>
+            </a:r>
+            <a:r>
+              <a:rPr/>
+              <a:t> </a:t>
+            </a:r>
+            <a:r>
+              <a:rPr/>
+              <a:t>Yellow</a:t>
+            </a:r>
+            <a:r>
+              <a:rPr/>
+              <a:t> </a:t>
+            </a:r>
+            <a:r>
+              <a:rPr/>
+              <a:t>plus</a:t>
+            </a:r>
+            <a:r>
+              <a:rPr/>
+              <a:t> </a:t>
+            </a:r>
+            <a:r>
+              <a:rPr/>
+              <a:t>red</a:t>
+            </a:r>
+            <a:r>
+              <a:rPr/>
+              <a:t> </a:t>
+            </a:r>
+            <a:r>
+              <a:rPr/>
+              <a:t>equals</a:t>
+            </a:r>
+            <a:r>
+              <a:rPr/>
+              <a:t> </a:t>
+            </a:r>
+            <a:r>
+              <a:rPr/>
+              <a:t>orange,</a:t>
+            </a:r>
+            <a:r>
+              <a:rPr/>
+              <a:t> </a:t>
+            </a:r>
+            <a:r>
+              <a:rPr/>
+              <a:t>Yellow</a:t>
+            </a:r>
+            <a:r>
+              <a:rPr/>
+              <a:t> </a:t>
+            </a:r>
+            <a:r>
+              <a:rPr/>
+              <a:t>plus</a:t>
+            </a:r>
+            <a:r>
+              <a:rPr/>
+              <a:t> </a:t>
+            </a:r>
+            <a:r>
+              <a:rPr/>
+              <a:t>blue</a:t>
+            </a:r>
+            <a:r>
+              <a:rPr/>
+              <a:t> </a:t>
+            </a:r>
+            <a:r>
+              <a:rPr/>
+              <a:t>equals</a:t>
+            </a:r>
+            <a:r>
+              <a:rPr/>
+              <a:t> </a:t>
+            </a:r>
+            <a:r>
+              <a:rPr/>
+              <a:t>green.</a:t>
+            </a:r>
+            <a:r>
+              <a:rPr/>
+              <a:t> </a:t>
+            </a:r>
+            <a:r>
+              <a:rPr/>
+              <a:t>Red</a:t>
+            </a:r>
+            <a:r>
+              <a:rPr/>
+              <a:t> </a:t>
+            </a:r>
+            <a:r>
+              <a:rPr/>
+              <a:t>plus</a:t>
+            </a:r>
+            <a:r>
+              <a:rPr/>
+              <a:t> </a:t>
+            </a:r>
+            <a:r>
+              <a:rPr/>
+              <a:t>blue</a:t>
+            </a:r>
+            <a:r>
+              <a:rPr/>
+              <a:t> </a:t>
+            </a:r>
+            <a:r>
+              <a:rPr/>
+              <a:t>equals</a:t>
+            </a:r>
+            <a:r>
+              <a:rPr/>
+              <a:t> </a:t>
+            </a:r>
+            <a:r>
+              <a:rPr/>
+              <a:t>purple/violoet.</a:t>
+            </a:r>
+          </a:p>
+          <a:p>
+            <a:pPr lvl="0" marL="0" indent="0">
+              <a:buNone/>
+            </a:pPr>
+          </a:p>
+          <a:p>
+            <a:pPr lvl="0" marL="0" indent="0">
+              <a:buNone/>
+            </a:pPr>
+            <a:r>
+              <a:rPr/>
+              <a:t>It</a:t>
+            </a:r>
+            <a:r>
+              <a:rPr/>
+              <a:t> </a:t>
+            </a:r>
+            <a:r>
+              <a:rPr/>
+              <a:t>doesn’t</a:t>
+            </a:r>
+            <a:r>
+              <a:rPr/>
+              <a:t> </a:t>
+            </a:r>
+            <a:r>
+              <a:rPr/>
+              <a:t>work</a:t>
+            </a:r>
+            <a:r>
+              <a:rPr/>
+              <a:t> </a:t>
+            </a:r>
+            <a:r>
+              <a:rPr/>
+              <a:t>that</a:t>
+            </a:r>
+            <a:r>
+              <a:rPr/>
+              <a:t> </a:t>
+            </a:r>
+            <a:r>
+              <a:rPr/>
+              <a:t>way</a:t>
+            </a:r>
+            <a:r>
+              <a:rPr/>
+              <a:t> </a:t>
+            </a:r>
+            <a:r>
+              <a:rPr/>
+              <a:t>on</a:t>
+            </a:r>
+            <a:r>
+              <a:rPr/>
+              <a:t> </a:t>
+            </a:r>
+            <a:r>
+              <a:rPr/>
+              <a:t>a</a:t>
+            </a:r>
+            <a:r>
+              <a:rPr/>
+              <a:t> </a:t>
+            </a:r>
+            <a:r>
+              <a:rPr/>
+              <a:t>computer</a:t>
+            </a:r>
+            <a:r>
+              <a:rPr/>
+              <a:t> </a:t>
+            </a:r>
+            <a:r>
+              <a:rPr/>
+              <a:t>screen</a:t>
+            </a:r>
+            <a:r>
+              <a:rPr/>
+              <a:t> </a:t>
+            </a:r>
+            <a:r>
+              <a:rPr/>
+              <a:t>because</a:t>
+            </a:r>
+            <a:r>
+              <a:rPr/>
+              <a:t> </a:t>
+            </a:r>
+            <a:r>
+              <a:rPr/>
+              <a:t>the</a:t>
+            </a:r>
+            <a:r>
+              <a:rPr/>
+              <a:t> </a:t>
+            </a:r>
+            <a:r>
+              <a:rPr/>
+              <a:t>screen.</a:t>
+            </a:r>
+            <a:r>
+              <a:rPr/>
+              <a:t> </a:t>
+            </a:r>
+            <a:r>
+              <a:rPr/>
+              <a:t>Computer</a:t>
+            </a:r>
+            <a:r>
+              <a:rPr/>
+              <a:t> </a:t>
+            </a:r>
+            <a:r>
+              <a:rPr/>
+              <a:t>screens</a:t>
+            </a:r>
+            <a:r>
+              <a:rPr/>
+              <a:t> </a:t>
+            </a:r>
+            <a:r>
+              <a:rPr/>
+              <a:t>use</a:t>
+            </a:r>
+            <a:r>
+              <a:rPr/>
+              <a:t> </a:t>
+            </a:r>
+            <a:r>
+              <a:rPr/>
+              <a:t>light</a:t>
+            </a:r>
+            <a:r>
+              <a:rPr/>
+              <a:t> </a:t>
+            </a:r>
+            <a:r>
+              <a:rPr/>
+              <a:t>to</a:t>
+            </a:r>
+            <a:r>
+              <a:rPr/>
+              <a:t> </a:t>
+            </a:r>
+            <a:r>
+              <a:rPr/>
+              <a:t>create</a:t>
+            </a:r>
+            <a:r>
+              <a:rPr/>
+              <a:t> </a:t>
+            </a:r>
+            <a:r>
+              <a:rPr/>
+              <a:t>colors</a:t>
+            </a:r>
+            <a:r>
+              <a:rPr/>
+              <a:t> </a:t>
+            </a:r>
+            <a:r>
+              <a:rPr/>
+              <a:t>and</a:t>
+            </a:r>
+            <a:r>
+              <a:rPr/>
+              <a:t> </a:t>
+            </a:r>
+            <a:r>
+              <a:rPr/>
+              <a:t>lights</a:t>
+            </a:r>
+            <a:r>
+              <a:rPr/>
+              <a:t> </a:t>
+            </a:r>
+            <a:r>
+              <a:rPr/>
+              <a:t>blend</a:t>
+            </a:r>
+            <a:r>
+              <a:rPr/>
+              <a:t> </a:t>
+            </a:r>
+            <a:r>
+              <a:rPr/>
+              <a:t>in</a:t>
+            </a:r>
+            <a:r>
+              <a:rPr/>
+              <a:t> </a:t>
+            </a:r>
+            <a:r>
+              <a:rPr/>
+              <a:t>different</a:t>
+            </a:r>
+            <a:r>
+              <a:rPr/>
+              <a:t> </a:t>
+            </a:r>
+            <a:r>
+              <a:rPr/>
+              <a:t>ways</a:t>
+            </a:r>
+            <a:r>
+              <a:rPr/>
+              <a:t> </a:t>
+            </a:r>
+            <a:r>
+              <a:rPr/>
+              <a:t>than</a:t>
+            </a:r>
+            <a:r>
+              <a:rPr/>
+              <a:t> </a:t>
+            </a:r>
+            <a:r>
+              <a:rPr/>
+              <a:t>paints</a:t>
+            </a:r>
+            <a:r>
+              <a:rPr/>
+              <a:t> </a:t>
+            </a:r>
+            <a:r>
+              <a:rPr/>
+              <a:t>or</a:t>
+            </a:r>
+            <a:r>
+              <a:rPr/>
+              <a:t> </a:t>
+            </a:r>
+            <a:r>
+              <a:rPr/>
+              <a:t>crayons.</a:t>
+            </a:r>
+          </a:p>
+          <a:p>
+            <a:pPr lvl="0" marL="0" indent="0">
+              <a:buNone/>
+            </a:pPr>
+          </a:p>
+          <a:p>
+            <a:pPr lvl="0" marL="0" indent="0">
+              <a:buNone/>
+            </a:pPr>
+            <a:r>
+              <a:rPr/>
+              <a:t>Before</a:t>
+            </a:r>
+            <a:r>
+              <a:rPr/>
+              <a:t> </a:t>
+            </a:r>
+            <a:r>
+              <a:rPr/>
+              <a:t>you</a:t>
+            </a:r>
+            <a:r>
+              <a:rPr/>
+              <a:t> </a:t>
+            </a:r>
+            <a:r>
+              <a:rPr/>
+              <a:t>tackle</a:t>
+            </a:r>
+            <a:r>
+              <a:rPr/>
+              <a:t> </a:t>
+            </a:r>
+            <a:r>
+              <a:rPr/>
+              <a:t>ths</a:t>
+            </a:r>
+            <a:r>
+              <a:rPr/>
+              <a:t> </a:t>
+            </a:r>
+            <a:r>
+              <a:rPr/>
+              <a:t>computer</a:t>
+            </a:r>
+            <a:r>
+              <a:rPr/>
+              <a:t> </a:t>
+            </a:r>
+            <a:r>
+              <a:rPr/>
+              <a:t>system</a:t>
+            </a:r>
+            <a:r>
+              <a:rPr/>
+              <a:t> </a:t>
+            </a:r>
+            <a:r>
+              <a:rPr/>
+              <a:t>for</a:t>
+            </a:r>
+            <a:r>
+              <a:rPr/>
+              <a:t> </a:t>
+            </a:r>
+            <a:r>
+              <a:rPr/>
+              <a:t>colors,</a:t>
+            </a:r>
+            <a:r>
+              <a:rPr/>
+              <a:t> </a:t>
+            </a:r>
+            <a:r>
+              <a:rPr/>
+              <a:t>you</a:t>
+            </a:r>
+            <a:r>
+              <a:rPr/>
+              <a:t> </a:t>
+            </a:r>
+            <a:r>
+              <a:rPr/>
+              <a:t>need</a:t>
+            </a:r>
+            <a:r>
+              <a:rPr/>
+              <a:t> </a:t>
+            </a:r>
+            <a:r>
+              <a:rPr/>
+              <a:t>to</a:t>
+            </a:r>
+            <a:r>
+              <a:rPr/>
+              <a:t> </a:t>
+            </a:r>
+            <a:r>
+              <a:rPr/>
+              <a:t>review</a:t>
+            </a:r>
+            <a:r>
+              <a:rPr/>
+              <a:t> </a:t>
+            </a:r>
+            <a:r>
+              <a:rPr/>
+              <a:t>binary</a:t>
+            </a:r>
+            <a:r>
+              <a:rPr/>
+              <a:t> </a:t>
+            </a:r>
+            <a:r>
+              <a:rPr/>
+              <a:t>and</a:t>
+            </a:r>
+            <a:r>
+              <a:rPr/>
+              <a:t> </a:t>
+            </a:r>
+            <a:r>
+              <a:rPr/>
+              <a:t>hexadecimal</a:t>
+            </a:r>
+            <a:r>
+              <a:rPr/>
+              <a:t> </a:t>
+            </a:r>
+            <a:r>
+              <a:rPr/>
+              <a:t>number</a:t>
+            </a:r>
+            <a:r>
+              <a:rPr/>
+              <a:t> </a:t>
+            </a:r>
+            <a:r>
+              <a:rPr/>
+              <a:t>systems.</a:t>
+            </a:r>
+          </a:p>
+        </p:txBody>
+      </p:sp>
+      <p:sp>
+        <p:nvSpPr>
+          <p:cNvPr id="4" name="Slide Number Placeholder 3"/>
+          <p:cNvSpPr>
+            <a:spLocks noGrp="1"/>
+          </p:cNvSpPr>
+          <p:nvPr>
+            <p:ph type="sldNum" sz="quarter" idx="10"/>
+          </p:nvPr>
+        </p:nvSpPr>
+        <p:spPr/>
+        <p:txBody>
+          <a:bodyPr/>
+          <a:lstStyle/>
+          <a:p>
+            <a:fld id="{18BDFEC3-8487-43E8-A154-7C12CBC1FFF2}" type="slidenum">
+              <a:rPr lang="en-US"/>
+              <a:t>3</a:t>
+            </a:fld>
+            <a:endParaRPr lang="en-US"/>
+          </a:p>
+        </p:txBody>
+      </p:sp>
+    </p:spTree>
+  </p:cSld>
+</p:notes>
+</file>
+
+<file path=ppt/notesSlides/notesSlide3.xml><?xml version="1.0" encoding="utf-8"?>
+<p:notes xmlns:a="http://schemas.openxmlformats.org/drawingml/2006/main" xmlns:r="http://schemas.openxmlformats.org/officeDocument/2006/relationships" xmlns:p="http://schemas.openxmlformats.org/presentationml/2006/main">
+  <p:cSld>
+    <p:spTree>
+      <p:nvGrpSpPr>
+        <p:cNvPr id="1" name=""/>
+        <p:cNvGrpSpPr/>
+        <p:nvPr/>
+      </p:nvGrpSpPr>
+      <p:grpSpPr>
+        <a:xfrm>
+          <a:off x="0" y="0"/>
+          <a:ext cx="0" cy="0"/>
+          <a:chOff x="0" y="0"/>
+          <a:chExt cx="0" cy="0"/>
+        </a:xfrm>
+      </p:grpSpPr>
+      <p:sp>
+        <p:nvSpPr>
+          <p:cNvPr id="2" name="Slide Image Placeholder 1"/>
+          <p:cNvSpPr>
+            <a:spLocks noGrp="1" noRot="1" noChangeAspect="1"/>
+          </p:cNvSpPr>
+          <p:nvPr>
+            <p:ph type="sldImg"/>
+          </p:nvPr>
+        </p:nvSpPr>
+        <p:spPr/>
+      </p:sp>
+      <p:sp>
+        <p:nvSpPr>
+          <p:cNvPr id="3" name="Notes Placeholder 2"/>
+          <p:cNvSpPr>
+            <a:spLocks noGrp="1"/>
+          </p:cNvSpPr>
+          <p:nvPr>
+            <p:ph type="body" idx="1"/>
+          </p:nvPr>
+        </p:nvSpPr>
+        <p:spPr/>
+        <p:txBody>
+          <a:bodyPr/>
+          <a:lstStyle/>
+          <a:p>
+            <a:pPr lvl="0" marL="0" indent="0">
+              <a:buNone/>
+            </a:pPr>
+            <a:r>
+              <a:rPr/>
+              <a:t>Let</a:t>
+            </a:r>
+            <a:r>
+              <a:rPr/>
+              <a:t> </a:t>
+            </a:r>
+            <a:r>
+              <a:rPr/>
+              <a:t>me</a:t>
+            </a:r>
+            <a:r>
+              <a:rPr/>
+              <a:t> </a:t>
+            </a:r>
+            <a:r>
+              <a:rPr/>
+              <a:t>share</a:t>
+            </a:r>
+            <a:r>
+              <a:rPr/>
+              <a:t> </a:t>
+            </a:r>
+            <a:r>
+              <a:rPr/>
+              <a:t>a</a:t>
+            </a:r>
+            <a:r>
+              <a:rPr/>
+              <a:t> </a:t>
+            </a:r>
+            <a:r>
+              <a:rPr/>
+              <a:t>bad</a:t>
+            </a:r>
+            <a:r>
+              <a:rPr/>
+              <a:t> </a:t>
+            </a:r>
+            <a:r>
+              <a:rPr/>
+              <a:t>joke</a:t>
+            </a:r>
+            <a:r>
+              <a:rPr/>
+              <a:t> </a:t>
+            </a:r>
+            <a:r>
+              <a:rPr/>
+              <a:t>about</a:t>
+            </a:r>
+            <a:r>
+              <a:rPr/>
+              <a:t> </a:t>
+            </a:r>
+            <a:r>
+              <a:rPr/>
+              <a:t>binary</a:t>
+            </a:r>
+            <a:r>
+              <a:rPr/>
+              <a:t> </a:t>
+            </a:r>
+            <a:r>
+              <a:rPr/>
+              <a:t>numbers.</a:t>
+            </a:r>
+            <a:r>
+              <a:rPr/>
+              <a:t> </a:t>
+            </a:r>
+            <a:r>
+              <a:rPr/>
+              <a:t>Actually,</a:t>
+            </a:r>
+            <a:r>
+              <a:rPr/>
+              <a:t> </a:t>
+            </a:r>
+            <a:r>
+              <a:rPr/>
+              <a:t>you</a:t>
+            </a:r>
+            <a:r>
+              <a:rPr/>
+              <a:t> </a:t>
+            </a:r>
+            <a:r>
+              <a:rPr/>
+              <a:t>need</a:t>
+            </a:r>
+            <a:r>
+              <a:rPr/>
+              <a:t> </a:t>
+            </a:r>
+            <a:r>
+              <a:rPr/>
+              <a:t>to</a:t>
+            </a:r>
+            <a:r>
+              <a:rPr/>
+              <a:t> </a:t>
+            </a:r>
+            <a:r>
+              <a:rPr/>
+              <a:t>read</a:t>
+            </a:r>
+            <a:r>
+              <a:rPr/>
+              <a:t> </a:t>
+            </a:r>
+            <a:r>
+              <a:rPr/>
+              <a:t>it</a:t>
+            </a:r>
+            <a:r>
+              <a:rPr/>
+              <a:t> </a:t>
+            </a:r>
+            <a:r>
+              <a:rPr/>
+              <a:t>because</a:t>
+            </a:r>
+            <a:r>
+              <a:rPr/>
+              <a:t> </a:t>
+            </a:r>
+            <a:r>
+              <a:rPr/>
+              <a:t>the</a:t>
+            </a:r>
+            <a:r>
+              <a:rPr/>
+              <a:t> </a:t>
+            </a:r>
+            <a:r>
+              <a:rPr/>
+              <a:t>digits</a:t>
+            </a:r>
+            <a:r>
+              <a:rPr/>
+              <a:t> </a:t>
+            </a:r>
+            <a:r>
+              <a:rPr/>
+              <a:t>“</a:t>
+            </a:r>
+            <a:r>
+              <a:rPr/>
+              <a:t>1</a:t>
+            </a:r>
+            <a:r>
+              <a:rPr/>
+              <a:t>”</a:t>
+            </a:r>
+            <a:r>
+              <a:rPr/>
+              <a:t>-</a:t>
+            </a:r>
+            <a:r>
+              <a:rPr/>
+              <a:t>“</a:t>
+            </a:r>
+            <a:r>
+              <a:rPr/>
+              <a:t>0</a:t>
+            </a:r>
+            <a:r>
+              <a:rPr/>
+              <a:t>”</a:t>
+            </a:r>
+            <a:r>
+              <a:rPr/>
+              <a:t> </a:t>
+            </a:r>
+            <a:r>
+              <a:rPr/>
+              <a:t>represent</a:t>
+            </a:r>
+            <a:r>
+              <a:rPr/>
+              <a:t> </a:t>
+            </a:r>
+            <a:r>
+              <a:rPr/>
+              <a:t>something</a:t>
+            </a:r>
+            <a:r>
+              <a:rPr/>
+              <a:t> </a:t>
+            </a:r>
+            <a:r>
+              <a:rPr/>
+              <a:t>entirely</a:t>
+            </a:r>
+            <a:r>
+              <a:rPr/>
+              <a:t> </a:t>
+            </a:r>
+            <a:r>
+              <a:rPr/>
+              <a:t>different</a:t>
+            </a:r>
+            <a:r>
+              <a:rPr/>
+              <a:t> </a:t>
+            </a:r>
+            <a:r>
+              <a:rPr/>
+              <a:t>in</a:t>
+            </a:r>
+            <a:r>
+              <a:rPr/>
+              <a:t> </a:t>
+            </a:r>
+            <a:r>
+              <a:rPr/>
+              <a:t>the</a:t>
+            </a:r>
+            <a:r>
+              <a:rPr/>
+              <a:t> </a:t>
+            </a:r>
+            <a:r>
+              <a:rPr/>
+              <a:t>world</a:t>
+            </a:r>
+            <a:r>
+              <a:rPr/>
+              <a:t> </a:t>
+            </a:r>
+            <a:r>
+              <a:rPr/>
+              <a:t>of</a:t>
+            </a:r>
+            <a:r>
+              <a:rPr/>
+              <a:t> </a:t>
+            </a:r>
+            <a:r>
+              <a:rPr/>
+              <a:t>binary</a:t>
+            </a:r>
+            <a:r>
+              <a:rPr/>
+              <a:t> </a:t>
+            </a:r>
+            <a:r>
+              <a:rPr/>
+              <a:t>numbers.</a:t>
+            </a:r>
+          </a:p>
+          <a:p>
+            <a:pPr lvl="0" marL="0" indent="0">
+              <a:buNone/>
+            </a:pPr>
+          </a:p>
+          <a:p>
+            <a:pPr lvl="0" marL="0" indent="0">
+              <a:buNone/>
+            </a:pPr>
+            <a:r>
+              <a:rPr/>
+              <a:t>Here’s</a:t>
+            </a:r>
+            <a:r>
+              <a:rPr/>
+              <a:t> </a:t>
+            </a:r>
+            <a:r>
+              <a:rPr/>
+              <a:t>an</a:t>
+            </a:r>
+            <a:r>
+              <a:rPr/>
+              <a:t> </a:t>
+            </a:r>
+            <a:r>
+              <a:rPr/>
+              <a:t>example</a:t>
+            </a:r>
+            <a:r>
+              <a:rPr/>
+              <a:t> </a:t>
+            </a:r>
+            <a:r>
+              <a:rPr/>
+              <a:t>of</a:t>
+            </a:r>
+            <a:r>
+              <a:rPr/>
+              <a:t> </a:t>
+            </a:r>
+            <a:r>
+              <a:rPr/>
+              <a:t>how</a:t>
+            </a:r>
+            <a:r>
+              <a:rPr/>
+              <a:t> </a:t>
+            </a:r>
+            <a:r>
+              <a:rPr/>
+              <a:t>to</a:t>
+            </a:r>
+            <a:r>
+              <a:rPr/>
+              <a:t> </a:t>
+            </a:r>
+            <a:r>
+              <a:rPr/>
+              <a:t>decode</a:t>
+            </a:r>
+            <a:r>
+              <a:rPr/>
+              <a:t> </a:t>
+            </a:r>
+            <a:r>
+              <a:rPr/>
+              <a:t>the</a:t>
+            </a:r>
+            <a:r>
+              <a:rPr/>
+              <a:t> </a:t>
+            </a:r>
+            <a:r>
+              <a:rPr/>
+              <a:t>binary</a:t>
+            </a:r>
+            <a:r>
+              <a:rPr/>
+              <a:t> </a:t>
+            </a:r>
+            <a:r>
+              <a:rPr/>
+              <a:t>number</a:t>
+            </a:r>
+            <a:r>
+              <a:rPr/>
+              <a:t> </a:t>
+            </a:r>
+            <a:r>
+              <a:rPr/>
+              <a:t>1001</a:t>
+            </a:r>
+            <a:r>
+              <a:rPr/>
+              <a:t> </a:t>
+            </a:r>
+            <a:r>
+              <a:rPr/>
+              <a:t>1100.</a:t>
+            </a:r>
+          </a:p>
+          <a:p>
+            <a:pPr lvl="0" marL="0" indent="0">
+              <a:buNone/>
+            </a:pPr>
+          </a:p>
+          <a:p>
+            <a:pPr lvl="0" marL="0" indent="0">
+              <a:buNone/>
+            </a:pPr>
+            <a:r>
+              <a:rPr/>
+              <a:t>Binary</a:t>
+            </a:r>
+            <a:r>
+              <a:rPr/>
+              <a:t> </a:t>
+            </a:r>
+            <a:r>
+              <a:rPr/>
+              <a:t>numbers</a:t>
+            </a:r>
+            <a:r>
+              <a:rPr/>
+              <a:t> </a:t>
+            </a:r>
+            <a:r>
+              <a:rPr/>
+              <a:t>use</a:t>
+            </a:r>
+            <a:r>
+              <a:rPr/>
+              <a:t> </a:t>
+            </a:r>
+            <a:r>
+              <a:rPr/>
+              <a:t>powers</a:t>
+            </a:r>
+            <a:r>
+              <a:rPr/>
+              <a:t> </a:t>
+            </a:r>
+            <a:r>
+              <a:rPr/>
+              <a:t>of</a:t>
+            </a:r>
+            <a:r>
+              <a:rPr/>
+              <a:t> </a:t>
+            </a:r>
+            <a:r>
+              <a:rPr/>
+              <a:t>two:</a:t>
+            </a:r>
+            <a:r>
+              <a:rPr/>
+              <a:t> </a:t>
+            </a:r>
+            <a:r>
+              <a:rPr/>
+              <a:t>1,</a:t>
+            </a:r>
+            <a:r>
+              <a:rPr/>
+              <a:t> </a:t>
+            </a:r>
+            <a:r>
+              <a:rPr/>
+              <a:t>2,</a:t>
+            </a:r>
+            <a:r>
+              <a:rPr/>
+              <a:t> </a:t>
+            </a:r>
+            <a:r>
+              <a:rPr/>
+              <a:t>4,</a:t>
+            </a:r>
+            <a:r>
+              <a:rPr/>
+              <a:t> </a:t>
+            </a:r>
+            <a:r>
+              <a:rPr/>
+              <a:t>8,</a:t>
+            </a:r>
+            <a:r>
+              <a:rPr/>
+              <a:t> </a:t>
+            </a:r>
+            <a:r>
+              <a:rPr/>
+              <a:t>16,</a:t>
+            </a:r>
+            <a:r>
+              <a:rPr/>
+              <a:t> </a:t>
+            </a:r>
+            <a:r>
+              <a:rPr/>
+              <a:t>etc.</a:t>
+            </a:r>
+            <a:r>
+              <a:rPr/>
+              <a:t> </a:t>
+            </a:r>
+            <a:r>
+              <a:rPr/>
+              <a:t>Eight</a:t>
+            </a:r>
+            <a:r>
+              <a:rPr/>
+              <a:t> </a:t>
+            </a:r>
+            <a:r>
+              <a:rPr/>
+              <a:t>binary</a:t>
+            </a:r>
+            <a:r>
+              <a:rPr/>
+              <a:t> </a:t>
+            </a:r>
+            <a:r>
+              <a:rPr/>
+              <a:t>digits</a:t>
+            </a:r>
+            <a:r>
+              <a:rPr/>
+              <a:t> </a:t>
+            </a:r>
+            <a:r>
+              <a:rPr/>
+              <a:t>can</a:t>
+            </a:r>
+            <a:r>
+              <a:rPr/>
+              <a:t> </a:t>
+            </a:r>
+            <a:r>
+              <a:rPr/>
+              <a:t>represent</a:t>
+            </a:r>
+            <a:r>
+              <a:rPr/>
+              <a:t> </a:t>
+            </a:r>
+            <a:r>
+              <a:rPr/>
+              <a:t>any</a:t>
+            </a:r>
+            <a:r>
+              <a:rPr/>
+              <a:t> </a:t>
+            </a:r>
+            <a:r>
+              <a:rPr/>
+              <a:t>number</a:t>
+            </a:r>
+            <a:r>
+              <a:rPr/>
+              <a:t> </a:t>
+            </a:r>
+            <a:r>
+              <a:rPr/>
+              <a:t>from</a:t>
+            </a:r>
+            <a:r>
+              <a:rPr/>
+              <a:t> </a:t>
+            </a:r>
+            <a:r>
+              <a:rPr/>
+              <a:t>0</a:t>
+            </a:r>
+            <a:r>
+              <a:rPr/>
+              <a:t> </a:t>
+            </a:r>
+            <a:r>
+              <a:rPr/>
+              <a:t>to</a:t>
+            </a:r>
+            <a:r>
+              <a:rPr/>
+              <a:t> </a:t>
+            </a:r>
+            <a:r>
+              <a:rPr/>
+              <a:t>255.</a:t>
+            </a:r>
+          </a:p>
+        </p:txBody>
+      </p:sp>
+      <p:sp>
+        <p:nvSpPr>
+          <p:cNvPr id="4" name="Slide Number Placeholder 3"/>
+          <p:cNvSpPr>
+            <a:spLocks noGrp="1"/>
+          </p:cNvSpPr>
+          <p:nvPr>
+            <p:ph type="sldNum" sz="quarter" idx="10"/>
+          </p:nvPr>
+        </p:nvSpPr>
+        <p:spPr/>
+        <p:txBody>
+          <a:bodyPr/>
+          <a:lstStyle/>
+          <a:p>
+            <a:fld id="{18BDFEC3-8487-43E8-A154-7C12CBC1FFF2}" type="slidenum">
+              <a:rPr lang="en-US"/>
+              <a:t>4</a:t>
+            </a:fld>
+            <a:endParaRPr lang="en-US"/>
+          </a:p>
+        </p:txBody>
+      </p:sp>
+    </p:spTree>
+  </p:cSld>
+</p:notes>
+</file>
+
+<file path=ppt/notesSlides/notesSlide4.xml><?xml version="1.0" encoding="utf-8"?>
+<p:notes xmlns:a="http://schemas.openxmlformats.org/drawingml/2006/main" xmlns:r="http://schemas.openxmlformats.org/officeDocument/2006/relationships" xmlns:p="http://schemas.openxmlformats.org/presentationml/2006/main">
+  <p:cSld>
+    <p:spTree>
+      <p:nvGrpSpPr>
+        <p:cNvPr id="1" name=""/>
+        <p:cNvGrpSpPr/>
+        <p:nvPr/>
+      </p:nvGrpSpPr>
+      <p:grpSpPr>
+        <a:xfrm>
+          <a:off x="0" y="0"/>
+          <a:ext cx="0" cy="0"/>
+          <a:chOff x="0" y="0"/>
+          <a:chExt cx="0" cy="0"/>
+        </a:xfrm>
+      </p:grpSpPr>
+      <p:sp>
+        <p:nvSpPr>
+          <p:cNvPr id="2" name="Slide Image Placeholder 1"/>
+          <p:cNvSpPr>
+            <a:spLocks noGrp="1" noRot="1" noChangeAspect="1"/>
+          </p:cNvSpPr>
+          <p:nvPr>
+            <p:ph type="sldImg"/>
+          </p:nvPr>
+        </p:nvSpPr>
+        <p:spPr/>
+      </p:sp>
+      <p:sp>
+        <p:nvSpPr>
+          <p:cNvPr id="3" name="Notes Placeholder 2"/>
+          <p:cNvSpPr>
+            <a:spLocks noGrp="1"/>
+          </p:cNvSpPr>
+          <p:nvPr>
+            <p:ph type="body" idx="1"/>
+          </p:nvPr>
+        </p:nvSpPr>
+        <p:spPr/>
+        <p:txBody>
+          <a:bodyPr/>
+          <a:lstStyle/>
+          <a:p>
+            <a:pPr lvl="0" marL="0" indent="0">
+              <a:buNone/>
+            </a:pPr>
+            <a:r>
+              <a:rPr/>
+              <a:t>Binary</a:t>
+            </a:r>
+            <a:r>
+              <a:rPr/>
+              <a:t> </a:t>
+            </a:r>
+            <a:r>
+              <a:rPr/>
+              <a:t>representations</a:t>
+            </a:r>
+            <a:r>
+              <a:rPr/>
+              <a:t> </a:t>
+            </a:r>
+            <a:r>
+              <a:rPr/>
+              <a:t>get</a:t>
+            </a:r>
+            <a:r>
+              <a:rPr/>
+              <a:t> </a:t>
+            </a:r>
+            <a:r>
+              <a:rPr/>
+              <a:t>unwieldy</a:t>
+            </a:r>
+            <a:r>
+              <a:rPr/>
+              <a:t> </a:t>
+            </a:r>
+            <a:r>
+              <a:rPr/>
+              <a:t>very</a:t>
+            </a:r>
+            <a:r>
+              <a:rPr/>
+              <a:t> </a:t>
+            </a:r>
+            <a:r>
+              <a:rPr/>
+              <a:t>quickly,</a:t>
+            </a:r>
+            <a:r>
+              <a:rPr/>
+              <a:t> </a:t>
+            </a:r>
+            <a:r>
+              <a:rPr/>
+              <a:t>and</a:t>
+            </a:r>
+            <a:r>
+              <a:rPr/>
+              <a:t> </a:t>
+            </a:r>
+            <a:r>
+              <a:rPr/>
+              <a:t>the</a:t>
+            </a:r>
+            <a:r>
+              <a:rPr/>
+              <a:t> </a:t>
+            </a:r>
+            <a:r>
+              <a:rPr/>
+              <a:t>hexadecimal</a:t>
+            </a:r>
+            <a:r>
+              <a:rPr/>
+              <a:t> </a:t>
+            </a:r>
+            <a:r>
+              <a:rPr/>
+              <a:t>format</a:t>
+            </a:r>
+            <a:r>
+              <a:rPr/>
+              <a:t> </a:t>
+            </a:r>
+            <a:r>
+              <a:rPr/>
+              <a:t>provides</a:t>
+            </a:r>
+            <a:r>
+              <a:rPr/>
+              <a:t> </a:t>
+            </a:r>
+            <a:r>
+              <a:rPr/>
+              <a:t>a</a:t>
+            </a:r>
+            <a:r>
+              <a:rPr/>
+              <a:t> </a:t>
+            </a:r>
+            <a:r>
+              <a:rPr/>
+              <a:t>much</a:t>
+            </a:r>
+            <a:r>
+              <a:rPr/>
+              <a:t> </a:t>
+            </a:r>
+            <a:r>
+              <a:rPr/>
+              <a:t>tighter</a:t>
+            </a:r>
+            <a:r>
+              <a:rPr/>
+              <a:t> </a:t>
+            </a:r>
+            <a:r>
+              <a:rPr/>
+              <a:t>representation</a:t>
+            </a:r>
+            <a:r>
+              <a:rPr/>
+              <a:t> </a:t>
+            </a:r>
+            <a:r>
+              <a:rPr/>
+              <a:t>that</a:t>
+            </a:r>
+            <a:r>
+              <a:rPr/>
+              <a:t> </a:t>
+            </a:r>
+            <a:r>
+              <a:rPr/>
+              <a:t>still</a:t>
+            </a:r>
+            <a:r>
+              <a:rPr/>
+              <a:t> </a:t>
+            </a:r>
+            <a:r>
+              <a:rPr/>
+              <a:t>has</a:t>
+            </a:r>
+            <a:r>
+              <a:rPr/>
+              <a:t> </a:t>
+            </a:r>
+            <a:r>
+              <a:rPr/>
+              <a:t>the</a:t>
+            </a:r>
+            <a:r>
+              <a:rPr/>
+              <a:t> </a:t>
+            </a:r>
+            <a:r>
+              <a:rPr/>
+              <a:t>spirit</a:t>
+            </a:r>
+            <a:r>
+              <a:rPr/>
+              <a:t> </a:t>
+            </a:r>
+            <a:r>
+              <a:rPr/>
+              <a:t>of</a:t>
+            </a:r>
+            <a:r>
+              <a:rPr/>
+              <a:t> </a:t>
+            </a:r>
+            <a:r>
+              <a:rPr/>
+              <a:t>binary.</a:t>
+            </a:r>
+          </a:p>
+          <a:p>
+            <a:pPr lvl="0" marL="0" indent="0">
+              <a:buNone/>
+            </a:pPr>
+          </a:p>
+          <a:p>
+            <a:pPr lvl="0" marL="0" indent="0">
+              <a:buNone/>
+            </a:pPr>
+            <a:r>
+              <a:rPr/>
+              <a:t>Hexadecimal</a:t>
+            </a:r>
+            <a:r>
+              <a:rPr/>
+              <a:t> </a:t>
+            </a:r>
+            <a:r>
+              <a:rPr/>
+              <a:t>means</a:t>
+            </a:r>
+            <a:r>
+              <a:rPr/>
+              <a:t> </a:t>
+            </a:r>
+            <a:r>
+              <a:rPr/>
+              <a:t>powers</a:t>
+            </a:r>
+            <a:r>
+              <a:rPr/>
+              <a:t> </a:t>
+            </a:r>
+            <a:r>
+              <a:rPr/>
+              <a:t>of</a:t>
+            </a:r>
+            <a:r>
+              <a:rPr/>
+              <a:t> </a:t>
+            </a:r>
+            <a:r>
+              <a:rPr/>
+              <a:t>16</a:t>
+            </a:r>
+            <a:r>
+              <a:rPr/>
+              <a:t> </a:t>
+            </a:r>
+            <a:r>
+              <a:rPr/>
+              <a:t>and</a:t>
+            </a:r>
+            <a:r>
+              <a:rPr/>
+              <a:t> </a:t>
+            </a:r>
+            <a:r>
+              <a:rPr/>
+              <a:t>you</a:t>
+            </a:r>
+            <a:r>
+              <a:rPr/>
+              <a:t> </a:t>
+            </a:r>
+            <a:r>
+              <a:rPr/>
+              <a:t>can</a:t>
+            </a:r>
+            <a:r>
+              <a:rPr/>
+              <a:t> </a:t>
+            </a:r>
+            <a:r>
+              <a:rPr/>
+              <a:t>represent</a:t>
+            </a:r>
+            <a:r>
+              <a:rPr/>
+              <a:t> </a:t>
+            </a:r>
+            <a:r>
+              <a:rPr/>
+              <a:t>numbers</a:t>
+            </a:r>
+            <a:r>
+              <a:rPr/>
+              <a:t> </a:t>
+            </a:r>
+            <a:r>
+              <a:rPr/>
+              <a:t>up</a:t>
+            </a:r>
+            <a:r>
+              <a:rPr/>
+              <a:t> </a:t>
+            </a:r>
+            <a:r>
+              <a:rPr/>
+              <a:t>to</a:t>
+            </a:r>
+            <a:r>
+              <a:rPr/>
+              <a:t> </a:t>
+            </a:r>
+            <a:r>
+              <a:rPr/>
+              <a:t>(but</a:t>
+            </a:r>
+            <a:r>
+              <a:rPr/>
+              <a:t> </a:t>
+            </a:r>
+            <a:r>
+              <a:rPr/>
+              <a:t>not</a:t>
+            </a:r>
+            <a:r>
+              <a:rPr/>
+              <a:t> </a:t>
+            </a:r>
+            <a:r>
+              <a:rPr/>
+              <a:t>including)</a:t>
+            </a:r>
+            <a:r>
+              <a:rPr/>
+              <a:t> </a:t>
+            </a:r>
+            <a:r>
+              <a:rPr/>
+              <a:t>16</a:t>
+            </a:r>
+            <a:r>
+              <a:rPr/>
+              <a:t> </a:t>
+            </a:r>
+            <a:r>
+              <a:rPr/>
+              <a:t>using</a:t>
+            </a:r>
+            <a:r>
+              <a:rPr/>
+              <a:t> </a:t>
+            </a:r>
+            <a:r>
+              <a:rPr/>
+              <a:t>four</a:t>
+            </a:r>
+            <a:r>
+              <a:rPr/>
+              <a:t> </a:t>
+            </a:r>
+            <a:r>
+              <a:rPr/>
+              <a:t>binary</a:t>
+            </a:r>
+            <a:r>
+              <a:rPr/>
+              <a:t> </a:t>
+            </a:r>
+            <a:r>
+              <a:rPr/>
+              <a:t>digits.</a:t>
+            </a:r>
+            <a:r>
+              <a:rPr/>
+              <a:t> </a:t>
+            </a:r>
+            <a:r>
+              <a:rPr/>
+              <a:t>The</a:t>
+            </a:r>
+            <a:r>
+              <a:rPr/>
+              <a:t> </a:t>
+            </a:r>
+            <a:r>
+              <a:rPr/>
+              <a:t>ehxadecimal</a:t>
+            </a:r>
+            <a:r>
+              <a:rPr/>
+              <a:t> </a:t>
+            </a:r>
+            <a:r>
+              <a:rPr/>
+              <a:t>digits</a:t>
+            </a:r>
+            <a:r>
+              <a:rPr/>
+              <a:t> </a:t>
+            </a:r>
+            <a:r>
+              <a:rPr/>
+              <a:t>start</a:t>
+            </a:r>
+            <a:r>
+              <a:rPr/>
+              <a:t> </a:t>
+            </a:r>
+            <a:r>
+              <a:rPr/>
+              <a:t>out</a:t>
+            </a:r>
+            <a:r>
+              <a:rPr/>
+              <a:t> </a:t>
+            </a:r>
+            <a:r>
+              <a:rPr/>
+              <a:t>like</a:t>
+            </a:r>
+            <a:r>
+              <a:rPr/>
+              <a:t> </a:t>
+            </a:r>
+            <a:r>
+              <a:rPr/>
+              <a:t>normal</a:t>
+            </a:r>
+            <a:r>
+              <a:rPr/>
+              <a:t> </a:t>
+            </a:r>
+            <a:r>
+              <a:rPr/>
+              <a:t>digits,</a:t>
+            </a:r>
+            <a:r>
+              <a:rPr/>
+              <a:t> </a:t>
+            </a:r>
+            <a:r>
+              <a:rPr/>
+              <a:t>0,</a:t>
+            </a:r>
+            <a:r>
+              <a:rPr/>
+              <a:t> </a:t>
+            </a:r>
+            <a:r>
+              <a:rPr/>
+              <a:t>1,</a:t>
+            </a:r>
+            <a:r>
+              <a:rPr/>
+              <a:t> </a:t>
+            </a:r>
+            <a:r>
+              <a:rPr/>
+              <a:t>2,</a:t>
+            </a:r>
+            <a:r>
+              <a:rPr/>
+              <a:t> </a:t>
+            </a:r>
+            <a:r>
+              <a:rPr/>
+              <a:t>etc.</a:t>
+            </a:r>
+            <a:r>
+              <a:rPr/>
+              <a:t> </a:t>
+            </a:r>
+            <a:r>
+              <a:rPr/>
+              <a:t>but</a:t>
+            </a:r>
+            <a:r>
+              <a:rPr/>
+              <a:t> </a:t>
+            </a:r>
+            <a:r>
+              <a:rPr/>
+              <a:t>once</a:t>
+            </a:r>
+            <a:r>
+              <a:rPr/>
+              <a:t> </a:t>
+            </a:r>
+            <a:r>
+              <a:rPr/>
+              <a:t>you</a:t>
+            </a:r>
+            <a:r>
+              <a:rPr/>
+              <a:t> </a:t>
+            </a:r>
+            <a:r>
+              <a:rPr/>
+              <a:t>get</a:t>
+            </a:r>
+            <a:r>
+              <a:rPr/>
+              <a:t> </a:t>
+            </a:r>
+            <a:r>
+              <a:rPr/>
+              <a:t>up</a:t>
+            </a:r>
+            <a:r>
+              <a:rPr/>
+              <a:t> </a:t>
+            </a:r>
+            <a:r>
+              <a:rPr/>
+              <a:t>to</a:t>
+            </a:r>
+            <a:r>
+              <a:rPr/>
+              <a:t> </a:t>
+            </a:r>
+            <a:r>
+              <a:rPr/>
+              <a:t>nine</a:t>
+            </a:r>
+            <a:r>
+              <a:rPr/>
+              <a:t> </a:t>
+            </a:r>
+            <a:r>
+              <a:rPr/>
+              <a:t>you</a:t>
+            </a:r>
+            <a:r>
+              <a:rPr/>
+              <a:t> </a:t>
+            </a:r>
+            <a:r>
+              <a:rPr/>
+              <a:t>run</a:t>
+            </a:r>
+            <a:r>
+              <a:rPr/>
+              <a:t> </a:t>
+            </a:r>
+            <a:r>
+              <a:rPr/>
+              <a:t>out</a:t>
+            </a:r>
+            <a:r>
+              <a:rPr/>
+              <a:t> </a:t>
+            </a:r>
+            <a:r>
+              <a:rPr/>
+              <a:t>of</a:t>
+            </a:r>
+            <a:r>
+              <a:rPr/>
+              <a:t> </a:t>
+            </a:r>
+            <a:r>
+              <a:rPr/>
+              <a:t>single</a:t>
+            </a:r>
+            <a:r>
+              <a:rPr/>
+              <a:t> </a:t>
+            </a:r>
+            <a:r>
+              <a:rPr/>
+              <a:t>digits.</a:t>
+            </a:r>
+            <a:r>
+              <a:rPr/>
+              <a:t> </a:t>
+            </a:r>
+            <a:r>
+              <a:rPr/>
+              <a:t>So</a:t>
+            </a:r>
+            <a:r>
+              <a:rPr/>
+              <a:t> </a:t>
+            </a:r>
+            <a:r>
+              <a:rPr/>
+              <a:t>the</a:t>
+            </a:r>
+            <a:r>
+              <a:rPr/>
+              <a:t> </a:t>
+            </a:r>
+            <a:r>
+              <a:rPr/>
+              <a:t>value</a:t>
+            </a:r>
+            <a:r>
+              <a:rPr/>
+              <a:t> </a:t>
+            </a:r>
+            <a:r>
+              <a:rPr/>
+              <a:t>of</a:t>
+            </a:r>
+            <a:r>
+              <a:rPr/>
+              <a:t> </a:t>
+            </a:r>
+            <a:r>
+              <a:rPr/>
+              <a:t>10</a:t>
+            </a:r>
+            <a:r>
+              <a:rPr/>
+              <a:t> </a:t>
+            </a:r>
+            <a:r>
+              <a:rPr/>
+              <a:t>is</a:t>
+            </a:r>
+            <a:r>
+              <a:rPr/>
+              <a:t> </a:t>
+            </a:r>
+            <a:r>
+              <a:rPr/>
+              <a:t>represented</a:t>
+            </a:r>
+            <a:r>
+              <a:rPr/>
+              <a:t> </a:t>
+            </a:r>
+            <a:r>
+              <a:rPr/>
+              <a:t>by</a:t>
+            </a:r>
+            <a:r>
+              <a:rPr/>
+              <a:t> </a:t>
+            </a:r>
+            <a:r>
+              <a:rPr/>
+              <a:t>the</a:t>
+            </a:r>
+            <a:r>
+              <a:rPr/>
+              <a:t> </a:t>
+            </a:r>
+            <a:r>
+              <a:rPr/>
+              <a:t>letter</a:t>
+            </a:r>
+            <a:r>
+              <a:rPr/>
+              <a:t> </a:t>
+            </a:r>
+            <a:r>
+              <a:rPr/>
+              <a:t>A,</a:t>
+            </a:r>
+            <a:r>
+              <a:rPr/>
+              <a:t> </a:t>
+            </a:r>
+            <a:r>
+              <a:rPr/>
+              <a:t>the</a:t>
+            </a:r>
+            <a:r>
+              <a:rPr/>
+              <a:t> </a:t>
+            </a:r>
+            <a:r>
+              <a:rPr/>
+              <a:t>value</a:t>
+            </a:r>
+            <a:r>
+              <a:rPr/>
+              <a:t> </a:t>
+            </a:r>
+            <a:r>
+              <a:rPr/>
+              <a:t>of</a:t>
+            </a:r>
+            <a:r>
+              <a:rPr/>
+              <a:t> </a:t>
+            </a:r>
+            <a:r>
+              <a:rPr/>
+              <a:t>11</a:t>
+            </a:r>
+            <a:r>
+              <a:rPr/>
+              <a:t> </a:t>
+            </a:r>
+            <a:r>
+              <a:rPr/>
+              <a:t>by</a:t>
+            </a:r>
+            <a:r>
+              <a:rPr/>
+              <a:t> </a:t>
+            </a:r>
+            <a:r>
+              <a:rPr/>
+              <a:t>B,</a:t>
+            </a:r>
+            <a:r>
+              <a:rPr/>
+              <a:t> </a:t>
+            </a:r>
+            <a:r>
+              <a:rPr/>
+              <a:t>etc.</a:t>
+            </a:r>
+            <a:r>
+              <a:rPr/>
+              <a:t> </a:t>
+            </a:r>
+            <a:r>
+              <a:rPr/>
+              <a:t>through</a:t>
+            </a:r>
+            <a:r>
+              <a:rPr/>
+              <a:t> </a:t>
+            </a:r>
+            <a:r>
+              <a:rPr/>
+              <a:t>the</a:t>
+            </a:r>
+            <a:r>
+              <a:rPr/>
+              <a:t> </a:t>
+            </a:r>
+            <a:r>
+              <a:rPr/>
+              <a:t>letter</a:t>
+            </a:r>
+            <a:r>
+              <a:rPr/>
+              <a:t> </a:t>
+            </a:r>
+            <a:r>
+              <a:rPr/>
+              <a:t>F</a:t>
+            </a:r>
+            <a:r>
+              <a:rPr/>
+              <a:t> </a:t>
+            </a:r>
+            <a:r>
+              <a:rPr/>
+              <a:t>which</a:t>
+            </a:r>
+            <a:r>
+              <a:rPr/>
+              <a:t> </a:t>
+            </a:r>
+            <a:r>
+              <a:rPr/>
+              <a:t>represents</a:t>
+            </a:r>
+            <a:r>
+              <a:rPr/>
+              <a:t> </a:t>
+            </a:r>
+            <a:r>
+              <a:rPr/>
+              <a:t>15.</a:t>
+            </a:r>
+            <a:r>
+              <a:rPr/>
+              <a:t> </a:t>
+            </a:r>
+            <a:r>
+              <a:rPr/>
+              <a:t>At</a:t>
+            </a:r>
+            <a:r>
+              <a:rPr/>
+              <a:t> </a:t>
+            </a:r>
+            <a:r>
+              <a:rPr/>
+              <a:t>sixten,</a:t>
+            </a:r>
+            <a:r>
+              <a:rPr/>
+              <a:t> </a:t>
+            </a:r>
+            <a:r>
+              <a:rPr/>
+              <a:t>you</a:t>
+            </a:r>
+            <a:r>
+              <a:rPr/>
+              <a:t> </a:t>
+            </a:r>
+            <a:r>
+              <a:rPr/>
+              <a:t>roll</a:t>
+            </a:r>
+            <a:r>
+              <a:rPr/>
+              <a:t> </a:t>
+            </a:r>
+            <a:r>
+              <a:rPr/>
+              <a:t>over</a:t>
+            </a:r>
+            <a:r>
+              <a:rPr/>
+              <a:t> </a:t>
+            </a:r>
+            <a:r>
+              <a:rPr/>
+              <a:t>to</a:t>
+            </a:r>
+            <a:r>
+              <a:rPr/>
+              <a:t> </a:t>
+            </a:r>
+            <a:r>
+              <a:rPr/>
+              <a:t>the</a:t>
+            </a:r>
+            <a:r>
+              <a:rPr/>
+              <a:t> </a:t>
+            </a:r>
+            <a:r>
+              <a:rPr/>
+              <a:t>next</a:t>
+            </a:r>
+            <a:r>
+              <a:rPr/>
+              <a:t> </a:t>
+            </a:r>
+            <a:r>
+              <a:rPr/>
+              <a:t>place.</a:t>
+            </a:r>
+          </a:p>
+          <a:p>
+            <a:pPr lvl="0" marL="0" indent="0">
+              <a:buNone/>
+            </a:pPr>
+          </a:p>
+          <a:p>
+            <a:pPr lvl="0" marL="0" indent="0">
+              <a:buNone/>
+            </a:pPr>
+            <a:r>
+              <a:rPr/>
+              <a:t>So</a:t>
+            </a:r>
+            <a:r>
+              <a:rPr/>
+              <a:t> </a:t>
+            </a:r>
+            <a:r>
+              <a:rPr/>
+              <a:t>you</a:t>
+            </a:r>
+            <a:r>
+              <a:rPr/>
+              <a:t> </a:t>
+            </a:r>
+            <a:r>
+              <a:rPr/>
+              <a:t>count</a:t>
+            </a:r>
+            <a:r>
+              <a:rPr/>
+              <a:t> </a:t>
+            </a:r>
+            <a:r>
+              <a:rPr/>
+              <a:t>in</a:t>
+            </a:r>
+            <a:r>
+              <a:rPr/>
+              <a:t> </a:t>
+            </a:r>
+            <a:r>
+              <a:rPr/>
+              <a:t>hexadecimal</a:t>
+            </a:r>
+            <a:r>
+              <a:rPr/>
+              <a:t> </a:t>
+            </a:r>
+            <a:r>
+              <a:rPr/>
+              <a:t>like</a:t>
+            </a:r>
+            <a:r>
+              <a:rPr/>
+              <a:t> </a:t>
+            </a:r>
+            <a:r>
+              <a:rPr/>
+              <a:t>0,</a:t>
+            </a:r>
+            <a:r>
+              <a:rPr/>
+              <a:t> </a:t>
+            </a:r>
+            <a:r>
+              <a:rPr/>
+              <a:t>1,</a:t>
+            </a:r>
+            <a:r>
+              <a:rPr/>
+              <a:t> </a:t>
+            </a:r>
+            <a:r>
+              <a:rPr/>
+              <a:t>2,</a:t>
+            </a:r>
+            <a:r>
+              <a:rPr/>
+              <a:t> </a:t>
+            </a:r>
+            <a:r>
+              <a:rPr/>
+              <a:t>3,</a:t>
+            </a:r>
+            <a:r>
+              <a:rPr/>
+              <a:t> </a:t>
+            </a:r>
+            <a:r>
+              <a:rPr/>
+              <a:t>4,</a:t>
+            </a:r>
+            <a:r>
+              <a:rPr/>
+              <a:t> </a:t>
+            </a:r>
+            <a:r>
+              <a:rPr/>
+              <a:t>5,</a:t>
+            </a:r>
+            <a:r>
+              <a:rPr/>
+              <a:t> </a:t>
+            </a:r>
+            <a:r>
+              <a:rPr/>
+              <a:t>6,</a:t>
+            </a:r>
+            <a:r>
+              <a:rPr/>
+              <a:t> </a:t>
+            </a:r>
+            <a:r>
+              <a:rPr/>
+              <a:t>7,</a:t>
+            </a:r>
+            <a:r>
+              <a:rPr/>
+              <a:t> </a:t>
+            </a:r>
+            <a:r>
+              <a:rPr/>
+              <a:t>8,</a:t>
+            </a:r>
+            <a:r>
+              <a:rPr/>
+              <a:t> </a:t>
+            </a:r>
+            <a:r>
+              <a:rPr/>
+              <a:t>9,</a:t>
+            </a:r>
+            <a:r>
+              <a:rPr/>
+              <a:t> </a:t>
+            </a:r>
+            <a:r>
+              <a:rPr/>
+              <a:t>A,</a:t>
+            </a:r>
+            <a:r>
+              <a:rPr/>
+              <a:t> </a:t>
+            </a:r>
+            <a:r>
+              <a:rPr/>
+              <a:t>B,</a:t>
+            </a:r>
+            <a:r>
+              <a:rPr/>
+              <a:t> </a:t>
+            </a:r>
+            <a:r>
+              <a:rPr/>
+              <a:t>C,</a:t>
+            </a:r>
+            <a:r>
+              <a:rPr/>
+              <a:t> </a:t>
+            </a:r>
+            <a:r>
+              <a:rPr/>
+              <a:t>D,</a:t>
+            </a:r>
+            <a:r>
+              <a:rPr/>
+              <a:t> </a:t>
+            </a:r>
+            <a:r>
+              <a:rPr/>
+              <a:t>E,</a:t>
+            </a:r>
+            <a:r>
+              <a:rPr/>
+              <a:t> </a:t>
+            </a:r>
+            <a:r>
+              <a:rPr/>
+              <a:t>F,</a:t>
+            </a:r>
+            <a:r>
+              <a:rPr/>
+              <a:t> </a:t>
+            </a:r>
+            <a:r>
+              <a:rPr/>
+              <a:t>10,</a:t>
+            </a:r>
+            <a:r>
+              <a:rPr/>
+              <a:t> </a:t>
+            </a:r>
+            <a:r>
+              <a:rPr/>
+              <a:t>11,</a:t>
+            </a:r>
+            <a:r>
+              <a:rPr/>
+              <a:t> </a:t>
+            </a:r>
+            <a:r>
+              <a:rPr/>
+              <a:t>…</a:t>
+            </a:r>
+          </a:p>
+          <a:p>
+            <a:pPr lvl="0" marL="0" indent="0">
+              <a:buNone/>
+            </a:pPr>
+          </a:p>
+          <a:p>
+            <a:pPr lvl="0" marL="0" indent="0">
+              <a:buNone/>
+            </a:pPr>
+            <a:r>
+              <a:rPr/>
+              <a:t>Split</a:t>
+            </a:r>
+            <a:r>
+              <a:rPr/>
+              <a:t> </a:t>
+            </a:r>
+            <a:r>
+              <a:rPr/>
+              <a:t>the</a:t>
+            </a:r>
+            <a:r>
+              <a:rPr/>
+              <a:t> </a:t>
+            </a:r>
+            <a:r>
+              <a:rPr/>
+              <a:t>eight</a:t>
+            </a:r>
+            <a:r>
+              <a:rPr/>
+              <a:t> </a:t>
+            </a:r>
+            <a:r>
+              <a:rPr/>
+              <a:t>digit</a:t>
+            </a:r>
+            <a:r>
+              <a:rPr/>
+              <a:t> </a:t>
+            </a:r>
+            <a:r>
+              <a:rPr/>
+              <a:t>binary</a:t>
+            </a:r>
+            <a:r>
+              <a:rPr/>
+              <a:t> </a:t>
+            </a:r>
+            <a:r>
+              <a:rPr/>
+              <a:t>number</a:t>
+            </a:r>
+            <a:r>
+              <a:rPr/>
+              <a:t> </a:t>
+            </a:r>
+            <a:r>
+              <a:rPr/>
+              <a:t>1001</a:t>
+            </a:r>
+            <a:r>
+              <a:rPr/>
+              <a:t> </a:t>
+            </a:r>
+            <a:r>
+              <a:rPr/>
+              <a:t>1100</a:t>
+            </a:r>
+            <a:r>
+              <a:rPr/>
+              <a:t> </a:t>
+            </a:r>
+            <a:r>
+              <a:rPr/>
+              <a:t>into</a:t>
+            </a:r>
+            <a:r>
+              <a:rPr/>
+              <a:t> </a:t>
+            </a:r>
+            <a:r>
+              <a:rPr/>
+              <a:t>groups</a:t>
+            </a:r>
+            <a:r>
+              <a:rPr/>
+              <a:t> </a:t>
+            </a:r>
+            <a:r>
+              <a:rPr/>
+              <a:t>of</a:t>
+            </a:r>
+            <a:r>
+              <a:rPr/>
+              <a:t> </a:t>
+            </a:r>
+            <a:r>
+              <a:rPr/>
+              <a:t>four</a:t>
+            </a:r>
+            <a:r>
+              <a:rPr/>
+              <a:t> </a:t>
+            </a:r>
+            <a:r>
+              <a:rPr/>
+              <a:t>binary</a:t>
+            </a:r>
+            <a:r>
+              <a:rPr/>
+              <a:t> </a:t>
+            </a:r>
+            <a:r>
+              <a:rPr/>
+              <a:t>digits.</a:t>
+            </a:r>
+            <a:r>
+              <a:rPr/>
+              <a:t> </a:t>
+            </a:r>
+            <a:r>
+              <a:rPr/>
+              <a:t>The</a:t>
+            </a:r>
+            <a:r>
+              <a:rPr/>
+              <a:t> </a:t>
+            </a:r>
+            <a:r>
+              <a:rPr/>
+              <a:t>binary</a:t>
+            </a:r>
+            <a:r>
+              <a:rPr/>
+              <a:t> </a:t>
+            </a:r>
+            <a:r>
+              <a:rPr/>
+              <a:t>1001</a:t>
+            </a:r>
+            <a:r>
+              <a:rPr/>
+              <a:t> </a:t>
+            </a:r>
+            <a:r>
+              <a:rPr/>
+              <a:t>is</a:t>
+            </a:r>
+            <a:r>
+              <a:rPr/>
+              <a:t> </a:t>
+            </a:r>
+            <a:r>
+              <a:rPr/>
+              <a:t>equal</a:t>
+            </a:r>
+            <a:r>
+              <a:rPr/>
+              <a:t> </a:t>
+            </a:r>
+            <a:r>
+              <a:rPr/>
+              <a:t>to</a:t>
+            </a:r>
+            <a:r>
+              <a:rPr/>
+              <a:t> </a:t>
+            </a:r>
+            <a:r>
+              <a:rPr/>
+              <a:t>9</a:t>
+            </a:r>
+            <a:r>
+              <a:rPr/>
+              <a:t> </a:t>
+            </a:r>
+            <a:r>
+              <a:rPr/>
+              <a:t>and</a:t>
+            </a:r>
+            <a:r>
+              <a:rPr/>
+              <a:t> </a:t>
+            </a:r>
+            <a:r>
+              <a:rPr/>
+              <a:t>the</a:t>
+            </a:r>
+            <a:r>
+              <a:rPr/>
+              <a:t> </a:t>
+            </a:r>
+            <a:r>
+              <a:rPr/>
+              <a:t>binary</a:t>
+            </a:r>
+            <a:r>
+              <a:rPr/>
+              <a:t> </a:t>
+            </a:r>
+            <a:r>
+              <a:rPr/>
+              <a:t>1100</a:t>
+            </a:r>
+            <a:r>
+              <a:rPr/>
+              <a:t> </a:t>
+            </a:r>
+            <a:r>
+              <a:rPr/>
+              <a:t>is</a:t>
+            </a:r>
+            <a:r>
+              <a:rPr/>
+              <a:t> </a:t>
+            </a:r>
+            <a:r>
+              <a:rPr/>
+              <a:t>equal</a:t>
+            </a:r>
+            <a:r>
+              <a:rPr/>
+              <a:t> </a:t>
+            </a:r>
+            <a:r>
+              <a:rPr/>
+              <a:t>to</a:t>
+            </a:r>
+            <a:r>
+              <a:rPr/>
+              <a:t> </a:t>
+            </a:r>
+            <a:r>
+              <a:rPr/>
+              <a:t>12</a:t>
+            </a:r>
+            <a:r>
+              <a:rPr/>
+              <a:t> </a:t>
+            </a:r>
+            <a:r>
+              <a:rPr/>
+              <a:t>or</a:t>
+            </a:r>
+            <a:r>
+              <a:rPr/>
+              <a:t> </a:t>
+            </a:r>
+            <a:r>
+              <a:rPr/>
+              <a:t>C.</a:t>
+            </a:r>
+            <a:r>
+              <a:rPr/>
+              <a:t> </a:t>
+            </a:r>
+            <a:r>
+              <a:rPr/>
+              <a:t>So</a:t>
+            </a:r>
+            <a:r>
+              <a:rPr/>
+              <a:t> </a:t>
+            </a:r>
+            <a:r>
+              <a:rPr/>
+              <a:t>the</a:t>
+            </a:r>
+            <a:r>
+              <a:rPr/>
+              <a:t> </a:t>
+            </a:r>
+            <a:r>
+              <a:rPr/>
+              <a:t>hexadecimal</a:t>
+            </a:r>
+            <a:r>
+              <a:rPr/>
+              <a:t> </a:t>
+            </a:r>
+            <a:r>
+              <a:rPr/>
+              <a:t>equivalent</a:t>
+            </a:r>
+            <a:r>
+              <a:rPr/>
+              <a:t> </a:t>
+            </a:r>
+            <a:r>
+              <a:rPr/>
+              <a:t>is</a:t>
+            </a:r>
+            <a:r>
+              <a:rPr/>
+              <a:t> </a:t>
+            </a:r>
+            <a:r>
+              <a:rPr/>
+              <a:t>9C.</a:t>
+            </a:r>
+            <a:r>
+              <a:rPr/>
+              <a:t> </a:t>
+            </a:r>
+            <a:r>
+              <a:rPr/>
+              <a:t>You</a:t>
+            </a:r>
+            <a:r>
+              <a:rPr/>
+              <a:t> </a:t>
+            </a:r>
+            <a:r>
+              <a:rPr/>
+              <a:t>can</a:t>
+            </a:r>
+            <a:r>
+              <a:rPr/>
+              <a:t> </a:t>
+            </a:r>
+            <a:r>
+              <a:rPr/>
+              <a:t>represent</a:t>
+            </a:r>
+            <a:r>
+              <a:rPr/>
+              <a:t> </a:t>
+            </a:r>
+            <a:r>
+              <a:rPr/>
+              <a:t>this</a:t>
+            </a:r>
+            <a:r>
+              <a:rPr/>
+              <a:t> </a:t>
+            </a:r>
+            <a:r>
+              <a:rPr/>
+              <a:t>using</a:t>
+            </a:r>
+            <a:r>
+              <a:rPr/>
+              <a:t> </a:t>
+            </a:r>
+            <a:r>
+              <a:rPr/>
+              <a:t>powers</a:t>
+            </a:r>
+            <a:r>
+              <a:rPr/>
+              <a:t> </a:t>
+            </a:r>
+            <a:r>
+              <a:rPr/>
+              <a:t>of</a:t>
+            </a:r>
+            <a:r>
+              <a:rPr/>
+              <a:t> </a:t>
+            </a:r>
+            <a:r>
+              <a:rPr/>
+              <a:t>16,</a:t>
+            </a:r>
+            <a:r>
+              <a:rPr/>
+              <a:t> </a:t>
+            </a:r>
+            <a:r>
+              <a:rPr/>
+              <a:t>9</a:t>
+            </a:r>
+            <a:r>
+              <a:rPr/>
+              <a:t> </a:t>
+            </a:r>
+            <a:r>
+              <a:rPr/>
+              <a:t>times</a:t>
+            </a:r>
+            <a:r>
+              <a:rPr/>
+              <a:t> </a:t>
+            </a:r>
+            <a:r>
+              <a:rPr/>
+              <a:t>16</a:t>
+            </a:r>
+            <a:r>
+              <a:rPr/>
+              <a:t> </a:t>
+            </a:r>
+            <a:r>
+              <a:rPr/>
+              <a:t>to</a:t>
+            </a:r>
+            <a:r>
+              <a:rPr/>
+              <a:t> </a:t>
+            </a:r>
+            <a:r>
+              <a:rPr/>
+              <a:t>the</a:t>
+            </a:r>
+            <a:r>
+              <a:rPr/>
+              <a:t> </a:t>
+            </a:r>
+            <a:r>
+              <a:rPr/>
+              <a:t>first</a:t>
+            </a:r>
+            <a:r>
+              <a:rPr/>
+              <a:t> </a:t>
+            </a:r>
+            <a:r>
+              <a:rPr/>
+              <a:t>power</a:t>
+            </a:r>
+            <a:r>
+              <a:rPr/>
+              <a:t> </a:t>
+            </a:r>
+            <a:r>
+              <a:rPr/>
+              <a:t>plus</a:t>
+            </a:r>
+            <a:r>
+              <a:rPr/>
+              <a:t> </a:t>
+            </a:r>
+            <a:r>
+              <a:rPr/>
+              <a:t>twelve</a:t>
+            </a:r>
+            <a:r>
+              <a:rPr/>
+              <a:t> </a:t>
+            </a:r>
+            <a:r>
+              <a:rPr/>
+              <a:t>times</a:t>
+            </a:r>
+            <a:r>
+              <a:rPr/>
+              <a:t> </a:t>
+            </a:r>
+            <a:r>
+              <a:rPr/>
+              <a:t>16</a:t>
+            </a:r>
+            <a:r>
+              <a:rPr/>
+              <a:t> </a:t>
+            </a:r>
+            <a:r>
+              <a:rPr/>
+              <a:t>to</a:t>
+            </a:r>
+            <a:r>
+              <a:rPr/>
+              <a:t> </a:t>
+            </a:r>
+            <a:r>
+              <a:rPr/>
+              <a:t>the</a:t>
+            </a:r>
+            <a:r>
+              <a:rPr/>
+              <a:t> </a:t>
+            </a:r>
+            <a:r>
+              <a:rPr/>
+              <a:t>zeroth</a:t>
+            </a:r>
+            <a:r>
+              <a:rPr/>
+              <a:t> </a:t>
+            </a:r>
+            <a:r>
+              <a:rPr/>
+              <a:t>power.</a:t>
+            </a:r>
+            <a:r>
+              <a:rPr/>
+              <a:t> </a:t>
+            </a:r>
+            <a:r>
+              <a:rPr/>
+              <a:t>That</a:t>
+            </a:r>
+            <a:r>
+              <a:rPr/>
+              <a:t> </a:t>
+            </a:r>
+            <a:r>
+              <a:rPr/>
+              <a:t>works</a:t>
+            </a:r>
+            <a:r>
+              <a:rPr/>
+              <a:t> </a:t>
+            </a:r>
+            <a:r>
+              <a:rPr/>
+              <a:t>out</a:t>
+            </a:r>
+            <a:r>
+              <a:rPr/>
+              <a:t> </a:t>
+            </a:r>
+            <a:r>
+              <a:rPr/>
+              <a:t>to</a:t>
+            </a:r>
+            <a:r>
+              <a:rPr/>
+              <a:t> </a:t>
+            </a:r>
+            <a:r>
+              <a:rPr/>
+              <a:t>156.</a:t>
+            </a:r>
+          </a:p>
+          <a:p>
+            <a:pPr lvl="0" marL="0" indent="0">
+              <a:buNone/>
+            </a:pPr>
+          </a:p>
+          <a:p>
+            <a:pPr lvl="0" marL="0" indent="0">
+              <a:buNone/>
+            </a:pPr>
+            <a:r>
+              <a:rPr/>
+              <a:t>Tow</a:t>
+            </a:r>
+            <a:r>
+              <a:rPr/>
+              <a:t> </a:t>
+            </a:r>
+            <a:r>
+              <a:rPr/>
+              <a:t>hexadecimal</a:t>
+            </a:r>
+            <a:r>
+              <a:rPr/>
+              <a:t> </a:t>
+            </a:r>
+            <a:r>
+              <a:rPr/>
+              <a:t>digits</a:t>
+            </a:r>
+            <a:r>
+              <a:rPr/>
+              <a:t> </a:t>
+            </a:r>
+            <a:r>
+              <a:rPr/>
+              <a:t>just</a:t>
+            </a:r>
+            <a:r>
+              <a:rPr/>
+              <a:t> </a:t>
+            </a:r>
+            <a:r>
+              <a:rPr/>
+              <a:t>like</a:t>
+            </a:r>
+            <a:r>
+              <a:rPr/>
+              <a:t> </a:t>
+            </a:r>
+            <a:r>
+              <a:rPr/>
+              <a:t>eight</a:t>
+            </a:r>
+            <a:r>
+              <a:rPr/>
+              <a:t> </a:t>
+            </a:r>
+            <a:r>
+              <a:rPr/>
+              <a:t>binary</a:t>
+            </a:r>
+            <a:r>
+              <a:rPr/>
+              <a:t> </a:t>
+            </a:r>
+            <a:r>
+              <a:rPr/>
+              <a:t>digits</a:t>
+            </a:r>
+            <a:r>
+              <a:rPr/>
+              <a:t> </a:t>
+            </a:r>
+            <a:r>
+              <a:rPr/>
+              <a:t>can</a:t>
+            </a:r>
+            <a:r>
+              <a:rPr/>
+              <a:t> </a:t>
+            </a:r>
+            <a:r>
+              <a:rPr/>
+              <a:t>represent</a:t>
+            </a:r>
+            <a:r>
+              <a:rPr/>
+              <a:t> </a:t>
+            </a:r>
+            <a:r>
+              <a:rPr/>
+              <a:t>the</a:t>
+            </a:r>
+            <a:r>
+              <a:rPr/>
+              <a:t> </a:t>
+            </a:r>
+            <a:r>
+              <a:rPr/>
+              <a:t>numbers</a:t>
+            </a:r>
+            <a:r>
+              <a:rPr/>
+              <a:t> </a:t>
+            </a:r>
+            <a:r>
+              <a:rPr/>
+              <a:t>0</a:t>
+            </a:r>
+            <a:r>
+              <a:rPr/>
+              <a:t> </a:t>
+            </a:r>
+            <a:r>
+              <a:rPr/>
+              <a:t>to</a:t>
+            </a:r>
+            <a:r>
+              <a:rPr/>
+              <a:t> </a:t>
+            </a:r>
+            <a:r>
+              <a:rPr/>
+              <a:t>255,</a:t>
+            </a:r>
+            <a:r>
+              <a:rPr/>
+              <a:t> </a:t>
+            </a:r>
+            <a:r>
+              <a:rPr/>
+              <a:t>with</a:t>
+            </a:r>
+            <a:r>
+              <a:rPr/>
+              <a:t> </a:t>
+            </a:r>
+            <a:r>
+              <a:rPr/>
+              <a:t>00</a:t>
+            </a:r>
+            <a:r>
+              <a:rPr/>
+              <a:t> </a:t>
+            </a:r>
+            <a:r>
+              <a:rPr/>
+              <a:t>hexadecimal</a:t>
+            </a:r>
+            <a:r>
+              <a:rPr/>
+              <a:t> </a:t>
+            </a:r>
+            <a:r>
+              <a:rPr/>
+              <a:t>equaling</a:t>
+            </a:r>
+            <a:r>
+              <a:rPr/>
+              <a:t> </a:t>
+            </a:r>
+            <a:r>
+              <a:rPr/>
+              <a:t>0</a:t>
+            </a:r>
+            <a:r>
+              <a:rPr/>
+              <a:t> </a:t>
+            </a:r>
+            <a:r>
+              <a:rPr/>
+              <a:t>and</a:t>
+            </a:r>
+            <a:r>
+              <a:rPr/>
+              <a:t> </a:t>
+            </a:r>
+            <a:r>
+              <a:rPr/>
+              <a:t>FF</a:t>
+            </a:r>
+            <a:r>
+              <a:rPr/>
+              <a:t> </a:t>
+            </a:r>
+            <a:r>
+              <a:rPr/>
+              <a:t>hexadecimal</a:t>
+            </a:r>
+            <a:r>
+              <a:rPr/>
+              <a:t> </a:t>
+            </a:r>
+            <a:r>
+              <a:rPr/>
+              <a:t>equaling</a:t>
+            </a:r>
+            <a:r>
+              <a:rPr/>
+              <a:t> </a:t>
+            </a:r>
+            <a:r>
+              <a:rPr/>
+              <a:t>255</a:t>
+            </a:r>
+            <a:r>
+              <a:rPr/>
+              <a:t> </a:t>
+            </a:r>
+            <a:r>
+              <a:rPr/>
+              <a:t>(15*16+15).</a:t>
+            </a:r>
+          </a:p>
+          <a:p>
+            <a:pPr lvl="0" marL="0" indent="0">
+              <a:buNone/>
+            </a:pPr>
+          </a:p>
+          <a:p>
+            <a:pPr lvl="0" marL="0" indent="0">
+              <a:buNone/>
+            </a:pPr>
+            <a:r>
+              <a:rPr/>
+              <a:t>Use</a:t>
+            </a:r>
+            <a:r>
+              <a:rPr/>
+              <a:t> </a:t>
+            </a:r>
+            <a:r>
+              <a:rPr/>
+              <a:t>the</a:t>
+            </a:r>
+            <a:r>
+              <a:rPr/>
+              <a:t> </a:t>
+            </a:r>
+            <a:r>
+              <a:rPr/>
+              <a:t>prefix</a:t>
+            </a:r>
+            <a:r>
+              <a:rPr/>
+              <a:t> </a:t>
+            </a:r>
+            <a:r>
+              <a:rPr/>
+              <a:t>of</a:t>
+            </a:r>
+            <a:r>
+              <a:rPr/>
+              <a:t> </a:t>
+            </a:r>
+            <a:r>
+              <a:rPr/>
+              <a:t>a</a:t>
+            </a:r>
+            <a:r>
+              <a:rPr/>
+              <a:t> </a:t>
+            </a:r>
+            <a:r>
+              <a:rPr/>
+              <a:t>pound</a:t>
+            </a:r>
+            <a:r>
+              <a:rPr/>
+              <a:t> </a:t>
+            </a:r>
+            <a:r>
+              <a:rPr/>
+              <a:t>sign</a:t>
+            </a:r>
+            <a:r>
+              <a:rPr/>
+              <a:t> </a:t>
+            </a:r>
+            <a:r>
+              <a:rPr/>
+              <a:t>(has</a:t>
+            </a:r>
+            <a:r>
+              <a:rPr/>
+              <a:t> </a:t>
+            </a:r>
+            <a:r>
+              <a:rPr/>
+              <a:t>tag)</a:t>
+            </a:r>
+            <a:r>
+              <a:rPr/>
+              <a:t> </a:t>
+            </a:r>
+            <a:r>
+              <a:rPr/>
+              <a:t>to</a:t>
+            </a:r>
+            <a:r>
+              <a:rPr/>
+              <a:t> </a:t>
+            </a:r>
+            <a:r>
+              <a:rPr/>
+              <a:t>tell</a:t>
+            </a:r>
+            <a:r>
+              <a:rPr/>
+              <a:t> </a:t>
+            </a:r>
+            <a:r>
+              <a:rPr/>
+              <a:t>the</a:t>
+            </a:r>
+            <a:r>
+              <a:rPr/>
+              <a:t> </a:t>
+            </a:r>
+            <a:r>
+              <a:rPr/>
+              <a:t>computer</a:t>
+            </a:r>
+            <a:r>
+              <a:rPr/>
+              <a:t> </a:t>
+            </a:r>
+            <a:r>
+              <a:rPr/>
+              <a:t>that</a:t>
+            </a:r>
+            <a:r>
+              <a:rPr/>
+              <a:t> </a:t>
+            </a:r>
+            <a:r>
+              <a:rPr/>
+              <a:t>you</a:t>
+            </a:r>
+            <a:r>
+              <a:rPr/>
+              <a:t> </a:t>
+            </a:r>
+            <a:r>
+              <a:rPr/>
+              <a:t>are</a:t>
+            </a:r>
+            <a:r>
+              <a:rPr/>
+              <a:t> </a:t>
+            </a:r>
+            <a:r>
+              <a:rPr/>
+              <a:t>speaking</a:t>
+            </a:r>
+            <a:r>
+              <a:rPr/>
+              <a:t> </a:t>
+            </a:r>
+            <a:r>
+              <a:rPr/>
+              <a:t>to</a:t>
+            </a:r>
+            <a:r>
+              <a:rPr/>
+              <a:t> </a:t>
+            </a:r>
+            <a:r>
+              <a:rPr/>
+              <a:t>it</a:t>
+            </a:r>
+            <a:r>
+              <a:rPr/>
+              <a:t> </a:t>
+            </a:r>
+            <a:r>
+              <a:rPr/>
+              <a:t>in</a:t>
+            </a:r>
+            <a:r>
+              <a:rPr/>
+              <a:t> </a:t>
+            </a:r>
+            <a:r>
+              <a:rPr/>
+              <a:t>hexadecimal.</a:t>
+            </a:r>
+          </a:p>
+        </p:txBody>
+      </p:sp>
+      <p:sp>
+        <p:nvSpPr>
+          <p:cNvPr id="4" name="Slide Number Placeholder 3"/>
+          <p:cNvSpPr>
+            <a:spLocks noGrp="1"/>
+          </p:cNvSpPr>
+          <p:nvPr>
+            <p:ph type="sldNum" sz="quarter" idx="10"/>
+          </p:nvPr>
+        </p:nvSpPr>
+        <p:spPr/>
+        <p:txBody>
+          <a:bodyPr/>
+          <a:lstStyle/>
+          <a:p>
+            <a:fld id="{18BDFEC3-8487-43E8-A154-7C12CBC1FFF2}" type="slidenum">
+              <a:rPr lang="en-US"/>
+              <a:t>5</a:t>
+            </a:fld>
+            <a:endParaRPr lang="en-US"/>
+          </a:p>
+        </p:txBody>
+      </p:sp>
+    </p:spTree>
+  </p:cSld>
+</p:notes>
+</file>
+
+<file path=ppt/notesSlides/notesSlide5.xml><?xml version="1.0" encoding="utf-8"?>
+<p:notes xmlns:a="http://schemas.openxmlformats.org/drawingml/2006/main" xmlns:r="http://schemas.openxmlformats.org/officeDocument/2006/relationships" xmlns:p="http://schemas.openxmlformats.org/presentationml/2006/main">
+  <p:cSld>
+    <p:spTree>
+      <p:nvGrpSpPr>
+        <p:cNvPr id="1" name=""/>
+        <p:cNvGrpSpPr/>
+        <p:nvPr/>
+      </p:nvGrpSpPr>
+      <p:grpSpPr>
+        <a:xfrm>
+          <a:off x="0" y="0"/>
+          <a:ext cx="0" cy="0"/>
+          <a:chOff x="0" y="0"/>
+          <a:chExt cx="0" cy="0"/>
+        </a:xfrm>
+      </p:grpSpPr>
+      <p:sp>
+        <p:nvSpPr>
+          <p:cNvPr id="2" name="Slide Image Placeholder 1"/>
+          <p:cNvSpPr>
+            <a:spLocks noGrp="1" noRot="1" noChangeAspect="1"/>
+          </p:cNvSpPr>
+          <p:nvPr>
+            <p:ph type="sldImg"/>
+          </p:nvPr>
+        </p:nvSpPr>
+        <p:spPr/>
+      </p:sp>
+      <p:sp>
+        <p:nvSpPr>
+          <p:cNvPr id="3" name="Notes Placeholder 2"/>
+          <p:cNvSpPr>
+            <a:spLocks noGrp="1"/>
+          </p:cNvSpPr>
+          <p:nvPr>
+            <p:ph type="body" idx="1"/>
+          </p:nvPr>
+        </p:nvSpPr>
+        <p:spPr/>
+        <p:txBody>
+          <a:bodyPr/>
+          <a:lstStyle/>
+          <a:p>
+            <a:pPr lvl="0" marL="0" indent="0">
+              <a:buNone/>
+            </a:pPr>
+            <a:r>
+              <a:rPr/>
+              <a:t>The</a:t>
+            </a:r>
+            <a:r>
+              <a:rPr/>
+              <a:t> </a:t>
+            </a:r>
+            <a:r>
+              <a:rPr/>
+              <a:t>RGB</a:t>
+            </a:r>
+            <a:r>
+              <a:rPr/>
+              <a:t> </a:t>
+            </a:r>
+            <a:r>
+              <a:rPr/>
+              <a:t>format</a:t>
+            </a:r>
+            <a:r>
+              <a:rPr/>
+              <a:t> </a:t>
+            </a:r>
+            <a:r>
+              <a:rPr/>
+              <a:t>uses</a:t>
+            </a:r>
+            <a:r>
+              <a:rPr/>
+              <a:t> </a:t>
+            </a:r>
+            <a:r>
+              <a:rPr/>
+              <a:t>six</a:t>
+            </a:r>
+            <a:r>
+              <a:rPr/>
+              <a:t> </a:t>
+            </a:r>
+            <a:r>
+              <a:rPr/>
+              <a:t>hexadecimal</a:t>
+            </a:r>
+            <a:r>
+              <a:rPr/>
+              <a:t> </a:t>
+            </a:r>
+            <a:r>
+              <a:rPr/>
+              <a:t>digits</a:t>
+            </a:r>
+            <a:r>
+              <a:rPr/>
+              <a:t> </a:t>
+            </a:r>
+            <a:r>
+              <a:rPr/>
+              <a:t>to</a:t>
+            </a:r>
+            <a:r>
+              <a:rPr/>
+              <a:t> </a:t>
+            </a:r>
+            <a:r>
+              <a:rPr/>
+              <a:t>represent</a:t>
+            </a:r>
+            <a:r>
+              <a:rPr/>
+              <a:t> </a:t>
+            </a:r>
+            <a:r>
+              <a:rPr/>
+              <a:t>colors.</a:t>
+            </a:r>
+            <a:r>
+              <a:rPr/>
+              <a:t> </a:t>
+            </a:r>
+            <a:r>
+              <a:rPr/>
+              <a:t>A</a:t>
+            </a:r>
+            <a:r>
+              <a:rPr/>
+              <a:t> </a:t>
+            </a:r>
+            <a:r>
+              <a:rPr/>
+              <a:t>hexidecimal</a:t>
+            </a:r>
+            <a:r>
+              <a:rPr/>
+              <a:t> </a:t>
+            </a:r>
+            <a:r>
+              <a:rPr/>
+              <a:t>of</a:t>
+            </a:r>
+            <a:r>
+              <a:rPr/>
+              <a:t> </a:t>
+            </a:r>
+            <a:r>
+              <a:rPr/>
+              <a:t>all</a:t>
+            </a:r>
+            <a:r>
+              <a:rPr/>
+              <a:t> </a:t>
+            </a:r>
+            <a:r>
+              <a:rPr/>
+              <a:t>zeros</a:t>
+            </a:r>
+            <a:r>
+              <a:rPr/>
+              <a:t> </a:t>
+            </a:r>
+            <a:r>
+              <a:rPr/>
+              <a:t>is</a:t>
+            </a:r>
+            <a:r>
+              <a:rPr/>
+              <a:t> </a:t>
+            </a:r>
+            <a:r>
+              <a:rPr/>
+              <a:t>pure</a:t>
+            </a:r>
+            <a:r>
+              <a:rPr/>
+              <a:t> </a:t>
+            </a:r>
+            <a:r>
+              <a:rPr/>
+              <a:t>black</a:t>
+            </a:r>
+            <a:r>
+              <a:rPr/>
+              <a:t> </a:t>
+            </a:r>
+            <a:r>
+              <a:rPr/>
+              <a:t>and</a:t>
+            </a:r>
+            <a:r>
+              <a:rPr/>
+              <a:t> </a:t>
+            </a:r>
+            <a:r>
+              <a:rPr/>
+              <a:t>at</a:t>
+            </a:r>
+            <a:r>
+              <a:rPr/>
+              <a:t> </a:t>
+            </a:r>
+            <a:r>
+              <a:rPr/>
+              <a:t>the</a:t>
+            </a:r>
+            <a:r>
+              <a:rPr/>
+              <a:t> </a:t>
+            </a:r>
+            <a:r>
+              <a:rPr/>
+              <a:t>other</a:t>
+            </a:r>
+            <a:r>
+              <a:rPr/>
+              <a:t> </a:t>
+            </a:r>
+            <a:r>
+              <a:rPr/>
+              <a:t>extreme,</a:t>
+            </a:r>
+            <a:r>
+              <a:rPr/>
+              <a:t> </a:t>
+            </a:r>
+            <a:r>
+              <a:rPr/>
+              <a:t>a</a:t>
+            </a:r>
+            <a:r>
+              <a:rPr/>
+              <a:t> </a:t>
+            </a:r>
+            <a:r>
+              <a:rPr/>
+              <a:t>hexidecimal</a:t>
+            </a:r>
+            <a:r>
+              <a:rPr/>
+              <a:t> </a:t>
+            </a:r>
+            <a:r>
+              <a:rPr/>
+              <a:t>of</a:t>
+            </a:r>
+            <a:r>
+              <a:rPr/>
+              <a:t> </a:t>
+            </a:r>
+            <a:r>
+              <a:rPr/>
+              <a:t>all</a:t>
+            </a:r>
+            <a:r>
+              <a:rPr/>
+              <a:t> </a:t>
+            </a:r>
+            <a:r>
+              <a:rPr/>
+              <a:t>F’s</a:t>
+            </a:r>
+            <a:r>
+              <a:rPr/>
+              <a:t> </a:t>
+            </a:r>
+            <a:r>
+              <a:rPr/>
+              <a:t>is</a:t>
+            </a:r>
+            <a:r>
+              <a:rPr/>
+              <a:t> </a:t>
+            </a:r>
+            <a:r>
+              <a:rPr/>
+              <a:t>pure</a:t>
+            </a:r>
+            <a:r>
+              <a:rPr/>
+              <a:t> </a:t>
+            </a:r>
+            <a:r>
+              <a:rPr/>
+              <a:t>white.</a:t>
+            </a:r>
+            <a:r>
+              <a:rPr/>
+              <a:t> </a:t>
+            </a:r>
+            <a:r>
+              <a:rPr/>
+              <a:t>The</a:t>
+            </a:r>
+            <a:r>
+              <a:rPr/>
+              <a:t> </a:t>
+            </a:r>
+            <a:r>
+              <a:rPr/>
+              <a:t>first</a:t>
+            </a:r>
+            <a:r>
+              <a:rPr/>
+              <a:t> </a:t>
+            </a:r>
+            <a:r>
+              <a:rPr/>
+              <a:t>two</a:t>
+            </a:r>
+            <a:r>
+              <a:rPr/>
+              <a:t> </a:t>
+            </a:r>
+            <a:r>
+              <a:rPr/>
+              <a:t>hexidecimal</a:t>
+            </a:r>
+            <a:r>
+              <a:rPr/>
+              <a:t> </a:t>
+            </a:r>
+            <a:r>
+              <a:rPr/>
+              <a:t>digits</a:t>
+            </a:r>
+            <a:r>
+              <a:rPr/>
+              <a:t> </a:t>
+            </a:r>
+            <a:r>
+              <a:rPr/>
+              <a:t>represent</a:t>
+            </a:r>
+            <a:r>
+              <a:rPr/>
+              <a:t> </a:t>
+            </a:r>
+            <a:r>
+              <a:rPr/>
+              <a:t>the</a:t>
+            </a:r>
+            <a:r>
+              <a:rPr/>
+              <a:t> </a:t>
+            </a:r>
+            <a:r>
+              <a:rPr/>
+              <a:t>red</a:t>
+            </a:r>
+            <a:r>
+              <a:rPr/>
+              <a:t> </a:t>
+            </a:r>
+            <a:r>
+              <a:rPr/>
+              <a:t>channel.</a:t>
+            </a:r>
+            <a:r>
+              <a:rPr/>
+              <a:t> </a:t>
+            </a:r>
+            <a:r>
+              <a:rPr/>
+              <a:t>The</a:t>
+            </a:r>
+            <a:r>
+              <a:rPr/>
+              <a:t> </a:t>
+            </a:r>
+            <a:r>
+              <a:rPr/>
+              <a:t>highest</a:t>
+            </a:r>
+            <a:r>
+              <a:rPr/>
+              <a:t> </a:t>
+            </a:r>
+            <a:r>
+              <a:rPr/>
+              <a:t>value</a:t>
+            </a:r>
+            <a:r>
+              <a:rPr/>
+              <a:t> </a:t>
+            </a:r>
+            <a:r>
+              <a:rPr/>
+              <a:t>FF</a:t>
+            </a:r>
+            <a:r>
+              <a:rPr/>
+              <a:t> </a:t>
+            </a:r>
+            <a:r>
+              <a:rPr/>
+              <a:t>for</a:t>
+            </a:r>
+            <a:r>
+              <a:rPr/>
+              <a:t> </a:t>
+            </a:r>
+            <a:r>
+              <a:rPr/>
+              <a:t>the</a:t>
+            </a:r>
+            <a:r>
+              <a:rPr/>
+              <a:t> </a:t>
+            </a:r>
+            <a:r>
+              <a:rPr/>
+              <a:t>red</a:t>
+            </a:r>
+            <a:r>
+              <a:rPr/>
+              <a:t> </a:t>
+            </a:r>
+            <a:r>
+              <a:rPr/>
+              <a:t>channel</a:t>
+            </a:r>
+            <a:r>
+              <a:rPr/>
+              <a:t> </a:t>
+            </a:r>
+            <a:r>
+              <a:rPr/>
+              <a:t>combined</a:t>
+            </a:r>
+            <a:r>
+              <a:rPr/>
+              <a:t> </a:t>
+            </a:r>
+            <a:r>
+              <a:rPr/>
+              <a:t>with</a:t>
+            </a:r>
+            <a:r>
+              <a:rPr/>
+              <a:t> </a:t>
+            </a:r>
+            <a:r>
+              <a:rPr/>
+              <a:t>zeros</a:t>
+            </a:r>
+            <a:r>
+              <a:rPr/>
+              <a:t> </a:t>
+            </a:r>
+            <a:r>
+              <a:rPr/>
+              <a:t>for</a:t>
+            </a:r>
+            <a:r>
+              <a:rPr/>
+              <a:t> </a:t>
+            </a:r>
+            <a:r>
+              <a:rPr/>
+              <a:t>the</a:t>
+            </a:r>
+            <a:r>
+              <a:rPr/>
+              <a:t> </a:t>
+            </a:r>
+            <a:r>
+              <a:rPr/>
+              <a:t>other</a:t>
+            </a:r>
+            <a:r>
+              <a:rPr/>
+              <a:t> </a:t>
+            </a:r>
+            <a:r>
+              <a:rPr/>
+              <a:t>two</a:t>
+            </a:r>
+            <a:r>
+              <a:rPr/>
+              <a:t> </a:t>
+            </a:r>
+            <a:r>
+              <a:rPr/>
+              <a:t>channels</a:t>
+            </a:r>
+            <a:r>
+              <a:rPr/>
+              <a:t> </a:t>
+            </a:r>
+            <a:r>
+              <a:rPr/>
+              <a:t>(#FF0000)</a:t>
+            </a:r>
+            <a:r>
+              <a:rPr/>
+              <a:t> </a:t>
+            </a:r>
+            <a:r>
+              <a:rPr/>
+              <a:t>equals</a:t>
+            </a:r>
+            <a:r>
+              <a:rPr/>
+              <a:t> </a:t>
+            </a:r>
+            <a:r>
+              <a:rPr/>
+              <a:t>pure</a:t>
+            </a:r>
+            <a:r>
+              <a:rPr/>
+              <a:t> </a:t>
+            </a:r>
+            <a:r>
+              <a:rPr/>
+              <a:t>red.</a:t>
+            </a:r>
+            <a:r>
+              <a:rPr/>
+              <a:t> </a:t>
+            </a:r>
+            <a:r>
+              <a:rPr/>
+              <a:t>The</a:t>
+            </a:r>
+            <a:r>
+              <a:rPr/>
+              <a:t> </a:t>
+            </a:r>
+            <a:r>
+              <a:rPr/>
+              <a:t>next</a:t>
+            </a:r>
+            <a:r>
+              <a:rPr/>
+              <a:t> </a:t>
+            </a:r>
+            <a:r>
+              <a:rPr/>
+              <a:t>two</a:t>
+            </a:r>
+            <a:r>
+              <a:rPr/>
+              <a:t> </a:t>
+            </a:r>
+            <a:r>
+              <a:rPr/>
+              <a:t>digits</a:t>
+            </a:r>
+            <a:r>
+              <a:rPr/>
+              <a:t> </a:t>
+            </a:r>
+            <a:r>
+              <a:rPr/>
+              <a:t>represent</a:t>
+            </a:r>
+            <a:r>
+              <a:rPr/>
+              <a:t> </a:t>
+            </a:r>
+            <a:r>
+              <a:rPr/>
+              <a:t>the</a:t>
+            </a:r>
+            <a:r>
+              <a:rPr/>
+              <a:t> </a:t>
+            </a:r>
+            <a:r>
+              <a:rPr/>
+              <a:t>green</a:t>
+            </a:r>
+            <a:r>
+              <a:rPr/>
+              <a:t> </a:t>
+            </a:r>
+            <a:r>
+              <a:rPr/>
+              <a:t>channel.</a:t>
+            </a:r>
+            <a:r>
+              <a:rPr/>
+              <a:t> </a:t>
+            </a:r>
+            <a:r>
+              <a:rPr/>
+              <a:t>#00FF00,</a:t>
+            </a:r>
+            <a:r>
+              <a:rPr/>
+              <a:t> </a:t>
+            </a:r>
+            <a:r>
+              <a:rPr/>
+              <a:t>giving</a:t>
+            </a:r>
+            <a:r>
+              <a:rPr/>
+              <a:t> </a:t>
+            </a:r>
+            <a:r>
+              <a:rPr/>
+              <a:t>the</a:t>
+            </a:r>
+            <a:r>
+              <a:rPr/>
+              <a:t> </a:t>
+            </a:r>
+            <a:r>
+              <a:rPr/>
+              <a:t>maximum</a:t>
+            </a:r>
+            <a:r>
+              <a:rPr/>
+              <a:t> </a:t>
+            </a:r>
+            <a:r>
+              <a:rPr/>
+              <a:t>to</a:t>
+            </a:r>
+            <a:r>
+              <a:rPr/>
+              <a:t> </a:t>
+            </a:r>
+            <a:r>
+              <a:rPr/>
+              <a:t>the</a:t>
+            </a:r>
+            <a:r>
+              <a:rPr/>
+              <a:t> </a:t>
+            </a:r>
+            <a:r>
+              <a:rPr/>
+              <a:t>green</a:t>
+            </a:r>
+            <a:r>
+              <a:rPr/>
+              <a:t> </a:t>
+            </a:r>
+            <a:r>
+              <a:rPr/>
+              <a:t>channel</a:t>
+            </a:r>
+            <a:r>
+              <a:rPr/>
+              <a:t> </a:t>
+            </a:r>
+            <a:r>
+              <a:rPr/>
+              <a:t>and</a:t>
+            </a:r>
+            <a:r>
+              <a:rPr/>
+              <a:t> </a:t>
+            </a:r>
+            <a:r>
+              <a:rPr/>
+              <a:t>the</a:t>
+            </a:r>
+            <a:r>
+              <a:rPr/>
+              <a:t> </a:t>
+            </a:r>
+            <a:r>
+              <a:rPr/>
+              <a:t>minimum</a:t>
+            </a:r>
+            <a:r>
+              <a:rPr/>
+              <a:t> </a:t>
+            </a:r>
+            <a:r>
+              <a:rPr/>
+              <a:t>to</a:t>
+            </a:r>
+            <a:r>
+              <a:rPr/>
+              <a:t> </a:t>
+            </a:r>
+            <a:r>
+              <a:rPr/>
+              <a:t>the</a:t>
+            </a:r>
+            <a:r>
+              <a:rPr/>
+              <a:t> </a:t>
+            </a:r>
+            <a:r>
+              <a:rPr/>
+              <a:t>other</a:t>
+            </a:r>
+            <a:r>
+              <a:rPr/>
+              <a:t> </a:t>
+            </a:r>
+            <a:r>
+              <a:rPr/>
+              <a:t>two</a:t>
+            </a:r>
+            <a:r>
+              <a:rPr/>
+              <a:t> </a:t>
+            </a:r>
+            <a:r>
+              <a:rPr/>
+              <a:t>channels</a:t>
+            </a:r>
+            <a:r>
+              <a:rPr/>
+              <a:t> </a:t>
+            </a:r>
+            <a:r>
+              <a:rPr/>
+              <a:t>produces</a:t>
+            </a:r>
+            <a:r>
+              <a:rPr/>
+              <a:t> </a:t>
+            </a:r>
+            <a:r>
+              <a:rPr/>
+              <a:t>a</a:t>
+            </a:r>
+            <a:r>
+              <a:rPr/>
+              <a:t> </a:t>
+            </a:r>
+            <a:r>
+              <a:rPr/>
+              <a:t>pure</a:t>
+            </a:r>
+            <a:r>
+              <a:rPr/>
+              <a:t> </a:t>
+            </a:r>
+            <a:r>
+              <a:rPr/>
+              <a:t>green.</a:t>
+            </a:r>
+            <a:r>
+              <a:rPr/>
+              <a:t> </a:t>
+            </a:r>
+            <a:r>
+              <a:rPr/>
+              <a:t>The</a:t>
+            </a:r>
+            <a:r>
+              <a:rPr/>
+              <a:t> </a:t>
+            </a:r>
+            <a:r>
+              <a:rPr/>
+              <a:t>last</a:t>
+            </a:r>
+            <a:r>
+              <a:rPr/>
+              <a:t> </a:t>
+            </a:r>
+            <a:r>
+              <a:rPr/>
+              <a:t>two</a:t>
+            </a:r>
+            <a:r>
+              <a:rPr/>
+              <a:t> </a:t>
+            </a:r>
+            <a:r>
+              <a:rPr/>
+              <a:t>digits</a:t>
+            </a:r>
+            <a:r>
+              <a:rPr/>
+              <a:t> </a:t>
+            </a:r>
+            <a:r>
+              <a:rPr/>
+              <a:t>represent</a:t>
+            </a:r>
+            <a:r>
+              <a:rPr/>
+              <a:t> </a:t>
+            </a:r>
+            <a:r>
+              <a:rPr/>
+              <a:t>the</a:t>
+            </a:r>
+            <a:r>
+              <a:rPr/>
+              <a:t> </a:t>
+            </a:r>
+            <a:r>
+              <a:rPr/>
+              <a:t>blue</a:t>
+            </a:r>
+            <a:r>
+              <a:rPr/>
+              <a:t> </a:t>
+            </a:r>
+            <a:r>
+              <a:rPr/>
+              <a:t>channel,</a:t>
+            </a:r>
+            <a:r>
+              <a:rPr/>
+              <a:t> </a:t>
+            </a:r>
+            <a:r>
+              <a:rPr/>
+              <a:t>and</a:t>
+            </a:r>
+            <a:r>
+              <a:rPr/>
+              <a:t> </a:t>
+            </a:r>
+            <a:r>
+              <a:rPr/>
+              <a:t>#0000FF</a:t>
+            </a:r>
+            <a:r>
+              <a:rPr/>
+              <a:t> </a:t>
+            </a:r>
+            <a:r>
+              <a:rPr/>
+              <a:t>represents</a:t>
+            </a:r>
+            <a:r>
+              <a:rPr/>
+              <a:t> </a:t>
+            </a:r>
+            <a:r>
+              <a:rPr/>
+              <a:t>pure</a:t>
+            </a:r>
+            <a:r>
+              <a:rPr/>
+              <a:t> </a:t>
+            </a:r>
+            <a:r>
+              <a:rPr/>
+              <a:t>blue.</a:t>
+            </a:r>
+          </a:p>
+        </p:txBody>
+      </p:sp>
+      <p:sp>
+        <p:nvSpPr>
+          <p:cNvPr id="4" name="Slide Number Placeholder 3"/>
+          <p:cNvSpPr>
+            <a:spLocks noGrp="1"/>
+          </p:cNvSpPr>
+          <p:nvPr>
+            <p:ph type="sldNum" sz="quarter" idx="10"/>
+          </p:nvPr>
+        </p:nvSpPr>
+        <p:spPr/>
+        <p:txBody>
+          <a:bodyPr/>
+          <a:lstStyle/>
+          <a:p>
+            <a:fld id="{18BDFEC3-8487-43E8-A154-7C12CBC1FFF2}" type="slidenum">
+              <a:rPr lang="en-US"/>
+              <a:t>6</a:t>
+            </a:fld>
+            <a:endParaRPr lang="en-US"/>
+          </a:p>
+        </p:txBody>
+      </p:sp>
+    </p:spTree>
+  </p:cSld>
+</p:notes>
+</file>
+
+<file path=ppt/notesSlides/notesSlide6.xml><?xml version="1.0" encoding="utf-8"?>
+<p:notes xmlns:a="http://schemas.openxmlformats.org/drawingml/2006/main" xmlns:r="http://schemas.openxmlformats.org/officeDocument/2006/relationships" xmlns:p="http://schemas.openxmlformats.org/presentationml/2006/main">
+  <p:cSld>
+    <p:spTree>
+      <p:nvGrpSpPr>
+        <p:cNvPr id="1" name=""/>
+        <p:cNvGrpSpPr/>
+        <p:nvPr/>
+      </p:nvGrpSpPr>
+      <p:grpSpPr>
+        <a:xfrm>
+          <a:off x="0" y="0"/>
+          <a:ext cx="0" cy="0"/>
+          <a:chOff x="0" y="0"/>
+          <a:chExt cx="0" cy="0"/>
+        </a:xfrm>
+      </p:grpSpPr>
+      <p:sp>
+        <p:nvSpPr>
+          <p:cNvPr id="2" name="Slide Image Placeholder 1"/>
+          <p:cNvSpPr>
+            <a:spLocks noGrp="1" noRot="1" noChangeAspect="1"/>
+          </p:cNvSpPr>
+          <p:nvPr>
+            <p:ph type="sldImg"/>
+          </p:nvPr>
+        </p:nvSpPr>
+        <p:spPr/>
+      </p:sp>
+      <p:sp>
+        <p:nvSpPr>
+          <p:cNvPr id="3" name="Notes Placeholder 2"/>
+          <p:cNvSpPr>
+            <a:spLocks noGrp="1"/>
+          </p:cNvSpPr>
+          <p:nvPr>
+            <p:ph type="body" idx="1"/>
+          </p:nvPr>
+        </p:nvSpPr>
+        <p:spPr/>
+        <p:txBody>
+          <a:bodyPr/>
+          <a:lstStyle/>
+          <a:p>
+            <a:pPr lvl="0" marL="0" indent="0">
+              <a:buNone/>
+            </a:pPr>
+            <a:r>
+              <a:rPr/>
+              <a:t>You</a:t>
+            </a:r>
+            <a:r>
+              <a:rPr/>
+              <a:t> </a:t>
+            </a:r>
+            <a:r>
+              <a:rPr/>
+              <a:t>can</a:t>
+            </a:r>
+            <a:r>
+              <a:rPr/>
+              <a:t> </a:t>
+            </a:r>
+            <a:r>
+              <a:rPr/>
+              <a:t>combine</a:t>
+            </a:r>
+            <a:r>
+              <a:rPr/>
+              <a:t> </a:t>
+            </a:r>
+            <a:r>
+              <a:rPr/>
+              <a:t>the</a:t>
+            </a:r>
+            <a:r>
+              <a:rPr/>
+              <a:t> </a:t>
+            </a:r>
+            <a:r>
+              <a:rPr/>
+              <a:t>red,</a:t>
+            </a:r>
+            <a:r>
+              <a:rPr/>
+              <a:t> </a:t>
+            </a:r>
+            <a:r>
+              <a:rPr/>
+              <a:t>green,</a:t>
+            </a:r>
+            <a:r>
+              <a:rPr/>
+              <a:t> </a:t>
+            </a:r>
+            <a:r>
+              <a:rPr/>
+              <a:t>and</a:t>
+            </a:r>
+            <a:r>
+              <a:rPr/>
+              <a:t> </a:t>
+            </a:r>
+            <a:r>
+              <a:rPr/>
+              <a:t>blue</a:t>
+            </a:r>
+            <a:r>
+              <a:rPr/>
+              <a:t> </a:t>
+            </a:r>
+            <a:r>
+              <a:rPr/>
+              <a:t>channels</a:t>
+            </a:r>
+            <a:r>
+              <a:rPr/>
+              <a:t> </a:t>
+            </a:r>
+            <a:r>
+              <a:rPr/>
+              <a:t>to</a:t>
+            </a:r>
+            <a:r>
+              <a:rPr/>
+              <a:t> </a:t>
+            </a:r>
+            <a:r>
+              <a:rPr/>
+              <a:t>produce</a:t>
+            </a:r>
+            <a:r>
+              <a:rPr/>
+              <a:t> </a:t>
+            </a:r>
+            <a:r>
+              <a:rPr/>
+              <a:t>three</a:t>
+            </a:r>
+            <a:r>
+              <a:rPr/>
+              <a:t> </a:t>
+            </a:r>
+            <a:r>
+              <a:rPr/>
+              <a:t>more</a:t>
+            </a:r>
+            <a:r>
+              <a:rPr/>
+              <a:t> </a:t>
+            </a:r>
+            <a:r>
+              <a:rPr/>
+              <a:t>colors:</a:t>
+            </a:r>
+            <a:r>
+              <a:rPr/>
+              <a:t> </a:t>
+            </a:r>
+            <a:r>
+              <a:rPr/>
+              <a:t>yellow,</a:t>
+            </a:r>
+            <a:r>
+              <a:rPr/>
+              <a:t> </a:t>
+            </a:r>
+            <a:r>
+              <a:rPr/>
+              <a:t>magenta,</a:t>
+            </a:r>
+            <a:r>
+              <a:rPr/>
+              <a:t> </a:t>
+            </a:r>
+            <a:r>
+              <a:rPr/>
+              <a:t>and</a:t>
+            </a:r>
+            <a:r>
+              <a:rPr/>
+              <a:t> </a:t>
+            </a:r>
+            <a:r>
+              <a:rPr/>
+              <a:t>cyan.</a:t>
+            </a:r>
+          </a:p>
+        </p:txBody>
+      </p:sp>
+      <p:sp>
+        <p:nvSpPr>
+          <p:cNvPr id="4" name="Slide Number Placeholder 3"/>
+          <p:cNvSpPr>
+            <a:spLocks noGrp="1"/>
+          </p:cNvSpPr>
+          <p:nvPr>
+            <p:ph type="sldNum" sz="quarter" idx="10"/>
+          </p:nvPr>
+        </p:nvSpPr>
+        <p:spPr/>
+        <p:txBody>
+          <a:bodyPr/>
+          <a:lstStyle/>
+          <a:p>
+            <a:fld id="{18BDFEC3-8487-43E8-A154-7C12CBC1FFF2}" type="slidenum">
+              <a:rPr lang="en-US"/>
+              <a:t>7</a:t>
+            </a:fld>
+            <a:endParaRPr lang="en-US"/>
+          </a:p>
+        </p:txBody>
+      </p:sp>
+    </p:spTree>
+  </p:cSld>
+</p:notes>
+</file>
+
+<file path=ppt/notesSlides/notesSlide7.xml><?xml version="1.0" encoding="utf-8"?>
+<p:notes xmlns:a="http://schemas.openxmlformats.org/drawingml/2006/main" xmlns:r="http://schemas.openxmlformats.org/officeDocument/2006/relationships" xmlns:p="http://schemas.openxmlformats.org/presentationml/2006/main">
+  <p:cSld>
+    <p:spTree>
+      <p:nvGrpSpPr>
+        <p:cNvPr id="1" name=""/>
+        <p:cNvGrpSpPr/>
+        <p:nvPr/>
+      </p:nvGrpSpPr>
+      <p:grpSpPr>
+        <a:xfrm>
+          <a:off x="0" y="0"/>
+          <a:ext cx="0" cy="0"/>
+          <a:chOff x="0" y="0"/>
+          <a:chExt cx="0" cy="0"/>
+        </a:xfrm>
+      </p:grpSpPr>
+      <p:sp>
+        <p:nvSpPr>
+          <p:cNvPr id="2" name="Slide Image Placeholder 1"/>
+          <p:cNvSpPr>
+            <a:spLocks noGrp="1" noRot="1" noChangeAspect="1"/>
+          </p:cNvSpPr>
+          <p:nvPr>
+            <p:ph type="sldImg"/>
+          </p:nvPr>
+        </p:nvSpPr>
+        <p:spPr/>
+      </p:sp>
+      <p:sp>
+        <p:nvSpPr>
+          <p:cNvPr id="3" name="Notes Placeholder 2"/>
+          <p:cNvSpPr>
+            <a:spLocks noGrp="1"/>
+          </p:cNvSpPr>
+          <p:nvPr>
+            <p:ph type="body" idx="1"/>
+          </p:nvPr>
+        </p:nvSpPr>
+        <p:spPr/>
+        <p:txBody>
+          <a:bodyPr/>
+          <a:lstStyle/>
+          <a:p>
+            <a:pPr lvl="0" marL="0" indent="0">
+              <a:buNone/>
+            </a:pPr>
+            <a:r>
+              <a:rPr/>
+              <a:t>Combine</a:t>
+            </a:r>
+            <a:r>
+              <a:rPr/>
+              <a:t> </a:t>
+            </a:r>
+            <a:r>
+              <a:rPr/>
+              <a:t>yellow,</a:t>
+            </a:r>
+            <a:r>
+              <a:rPr/>
+              <a:t> </a:t>
+            </a:r>
+            <a:r>
+              <a:rPr/>
+              <a:t>megenta,</a:t>
+            </a:r>
+            <a:r>
+              <a:rPr/>
+              <a:t> </a:t>
+            </a:r>
+            <a:r>
+              <a:rPr/>
+              <a:t>and</a:t>
+            </a:r>
+            <a:r>
+              <a:rPr/>
+              <a:t> </a:t>
+            </a:r>
+            <a:r>
+              <a:rPr/>
+              <a:t>cyan</a:t>
+            </a:r>
+            <a:r>
+              <a:rPr/>
+              <a:t> </a:t>
+            </a:r>
+            <a:r>
+              <a:rPr/>
+              <a:t>with</a:t>
+            </a:r>
+            <a:r>
+              <a:rPr/>
+              <a:t> </a:t>
+            </a:r>
+            <a:r>
+              <a:rPr/>
+              <a:t>the</a:t>
+            </a:r>
+            <a:r>
+              <a:rPr/>
+              <a:t> </a:t>
+            </a:r>
+            <a:r>
+              <a:rPr/>
+              <a:t>complementary</a:t>
+            </a:r>
+            <a:r>
+              <a:rPr/>
+              <a:t> </a:t>
+            </a:r>
+            <a:r>
+              <a:rPr/>
+              <a:t>colors</a:t>
+            </a:r>
+            <a:r>
+              <a:rPr/>
+              <a:t> </a:t>
+            </a:r>
+            <a:r>
+              <a:rPr/>
+              <a:t>(blue,</a:t>
+            </a:r>
+            <a:r>
+              <a:rPr/>
+              <a:t> </a:t>
+            </a:r>
+            <a:r>
+              <a:rPr/>
+              <a:t>green,</a:t>
+            </a:r>
+            <a:r>
+              <a:rPr/>
+              <a:t> </a:t>
+            </a:r>
+            <a:r>
+              <a:rPr/>
+              <a:t>and</a:t>
+            </a:r>
+            <a:r>
+              <a:rPr/>
+              <a:t> </a:t>
+            </a:r>
+            <a:r>
+              <a:rPr/>
+              <a:t>red,</a:t>
+            </a:r>
+            <a:r>
+              <a:rPr/>
+              <a:t> </a:t>
+            </a:r>
+            <a:r>
+              <a:rPr/>
+              <a:t>respectively)</a:t>
+            </a:r>
+            <a:r>
+              <a:rPr/>
+              <a:t> </a:t>
+            </a:r>
+            <a:r>
+              <a:rPr/>
+              <a:t>to</a:t>
+            </a:r>
+            <a:r>
+              <a:rPr/>
+              <a:t> </a:t>
+            </a:r>
+            <a:r>
+              <a:rPr/>
+              <a:t>get</a:t>
+            </a:r>
+            <a:r>
+              <a:rPr/>
+              <a:t> </a:t>
+            </a:r>
+            <a:r>
+              <a:rPr/>
+              <a:t>white.</a:t>
+            </a:r>
+          </a:p>
+          <a:p>
+            <a:pPr lvl="0" marL="0" indent="0">
+              <a:buNone/>
+            </a:pPr>
+          </a:p>
+          <a:p>
+            <a:pPr lvl="0" marL="0" indent="0">
+              <a:buNone/>
+            </a:pPr>
+            <a:r>
+              <a:rPr/>
+              <a:t>The</a:t>
+            </a:r>
+            <a:r>
+              <a:rPr/>
+              <a:t> </a:t>
+            </a:r>
+            <a:r>
+              <a:rPr/>
+              <a:t>RGB</a:t>
+            </a:r>
+            <a:r>
+              <a:rPr/>
+              <a:t> </a:t>
+            </a:r>
+            <a:r>
+              <a:rPr/>
+              <a:t>color</a:t>
+            </a:r>
+            <a:r>
+              <a:rPr/>
+              <a:t> </a:t>
+            </a:r>
+            <a:r>
+              <a:rPr/>
+              <a:t>system</a:t>
+            </a:r>
+            <a:r>
+              <a:rPr/>
+              <a:t> </a:t>
+            </a:r>
+            <a:r>
+              <a:rPr/>
+              <a:t>is</a:t>
+            </a:r>
+            <a:r>
+              <a:rPr/>
+              <a:t> </a:t>
+            </a:r>
+            <a:r>
+              <a:rPr/>
+              <a:t>called</a:t>
+            </a:r>
+            <a:r>
+              <a:rPr/>
+              <a:t> </a:t>
+            </a:r>
+            <a:r>
+              <a:rPr/>
+              <a:t>an</a:t>
+            </a:r>
+            <a:r>
+              <a:rPr/>
+              <a:t> </a:t>
+            </a:r>
+            <a:r>
+              <a:rPr/>
+              <a:t>additive</a:t>
+            </a:r>
+            <a:r>
+              <a:rPr/>
+              <a:t> </a:t>
+            </a:r>
+            <a:r>
+              <a:rPr/>
+              <a:t>system</a:t>
+            </a:r>
+            <a:r>
+              <a:rPr/>
+              <a:t> </a:t>
+            </a:r>
+            <a:r>
+              <a:rPr/>
+              <a:t>because</a:t>
+            </a:r>
+            <a:r>
+              <a:rPr/>
+              <a:t> </a:t>
+            </a:r>
+            <a:r>
+              <a:rPr/>
+              <a:t>as</a:t>
+            </a:r>
+            <a:r>
+              <a:rPr/>
+              <a:t> </a:t>
+            </a:r>
+            <a:r>
+              <a:rPr/>
+              <a:t>you</a:t>
+            </a:r>
+            <a:r>
+              <a:rPr/>
+              <a:t> </a:t>
+            </a:r>
+            <a:r>
+              <a:rPr/>
+              <a:t>add</a:t>
+            </a:r>
+            <a:r>
+              <a:rPr/>
+              <a:t> </a:t>
+            </a:r>
+            <a:r>
+              <a:rPr/>
+              <a:t>more</a:t>
+            </a:r>
+            <a:r>
+              <a:rPr/>
+              <a:t> </a:t>
+            </a:r>
+            <a:r>
+              <a:rPr/>
+              <a:t>colors,</a:t>
+            </a:r>
+            <a:r>
+              <a:rPr/>
+              <a:t> </a:t>
+            </a:r>
+            <a:r>
+              <a:rPr/>
+              <a:t>you</a:t>
+            </a:r>
+            <a:r>
+              <a:rPr/>
+              <a:t> </a:t>
+            </a:r>
+            <a:r>
+              <a:rPr/>
+              <a:t>add</a:t>
+            </a:r>
+            <a:r>
+              <a:rPr/>
+              <a:t> </a:t>
+            </a:r>
+            <a:r>
+              <a:rPr/>
+              <a:t>to</a:t>
+            </a:r>
+            <a:r>
+              <a:rPr/>
+              <a:t> </a:t>
+            </a:r>
+            <a:r>
+              <a:rPr/>
+              <a:t>the</a:t>
+            </a:r>
+            <a:r>
+              <a:rPr/>
+              <a:t> </a:t>
+            </a:r>
+            <a:r>
+              <a:rPr/>
+              <a:t>brightness.</a:t>
+            </a:r>
+            <a:r>
+              <a:rPr/>
+              <a:t> </a:t>
+            </a:r>
+            <a:r>
+              <a:rPr/>
+              <a:t>Eventaully,</a:t>
+            </a:r>
+            <a:r>
+              <a:rPr/>
+              <a:t> </a:t>
+            </a:r>
+            <a:r>
+              <a:rPr/>
+              <a:t>you</a:t>
+            </a:r>
+            <a:r>
+              <a:rPr/>
+              <a:t> </a:t>
+            </a:r>
+            <a:r>
+              <a:rPr/>
+              <a:t>get</a:t>
+            </a:r>
+            <a:r>
+              <a:rPr/>
+              <a:t> </a:t>
+            </a:r>
+            <a:r>
+              <a:rPr/>
+              <a:t>all</a:t>
+            </a:r>
+            <a:r>
+              <a:rPr/>
+              <a:t> </a:t>
+            </a:r>
+            <a:r>
+              <a:rPr/>
+              <a:t>the</a:t>
+            </a:r>
+            <a:r>
+              <a:rPr/>
+              <a:t> </a:t>
+            </a:r>
+            <a:r>
+              <a:rPr/>
+              <a:t>way</a:t>
+            </a:r>
+            <a:r>
+              <a:rPr/>
+              <a:t> </a:t>
+            </a:r>
+            <a:r>
+              <a:rPr/>
+              <a:t>to</a:t>
+            </a:r>
+            <a:r>
+              <a:rPr/>
+              <a:t> </a:t>
+            </a:r>
+            <a:r>
+              <a:rPr/>
+              <a:t>white.</a:t>
+            </a:r>
+          </a:p>
+        </p:txBody>
+      </p:sp>
+      <p:sp>
+        <p:nvSpPr>
+          <p:cNvPr id="4" name="Slide Number Placeholder 3"/>
+          <p:cNvSpPr>
+            <a:spLocks noGrp="1"/>
+          </p:cNvSpPr>
+          <p:nvPr>
+            <p:ph type="sldNum" sz="quarter" idx="10"/>
+          </p:nvPr>
+        </p:nvSpPr>
+        <p:spPr/>
+        <p:txBody>
+          <a:bodyPr/>
+          <a:lstStyle/>
+          <a:p>
+            <a:fld id="{18BDFEC3-8487-43E8-A154-7C12CBC1FFF2}" type="slidenum">
+              <a:rPr lang="en-US"/>
+              <a:t>8</a:t>
+            </a:fld>
+            <a:endParaRPr lang="en-US"/>
+          </a:p>
+        </p:txBody>
+      </p:sp>
+    </p:spTree>
+  </p:cSld>
+</p:notes>
 </file>
 
 <file path=ppt/slideLayouts/slideLayout1.xml><?xml version="1.0" encoding="utf-8"?>
@@ -3296,22 +9172,38 @@
             </a:r>
             <a:r>
               <a:rPr/>
-              <a:t>Gradients</a:t>
-            </a:r>
-            <a:r>
-              <a:rPr/>
-              <a:t> </a:t>
-            </a:r>
-            <a:r>
-              <a:rPr/>
-              <a:t>(3/5)</a:t>
+              <a:t>The</a:t>
+            </a:r>
+            <a:r>
+              <a:rPr/>
+              <a:t> </a:t>
+            </a:r>
+            <a:r>
+              <a:rPr/>
+              <a:t>color</a:t>
+            </a:r>
+            <a:r>
+              <a:rPr/>
+              <a:t> </a:t>
+            </a:r>
+            <a:r>
+              <a:rPr/>
+              <a:t>cube</a:t>
+            </a:r>
+            <a:r>
+              <a:rPr/>
+              <a:t> </a:t>
+            </a:r>
+            <a:r>
+              <a:rPr/>
+              <a:t>(2/2)</a:t>
             </a:r>
           </a:p>
         </p:txBody>
       </p:sp>
       <p:pic>
         <p:nvPicPr>
-          <p:cNvPr descr="../images/r/rgb-gradient-3.png" id="0" name="Picture 1"/>
+          <p:cNvPr descr="../images/r/color-cube-2.png" id="0" name="Picture 1"/>
           <p:cNvPicPr>
             <a:picLocks noGrp="1" noChangeAspect="1"/>
           </p:cNvPicPr>
@@ -3325,8 +9217,8 @@
         </p:blipFill>
         <p:spPr bwMode="auto">
           <a:xfrm>
-            <a:off x="2311400" y="1600200"/>
-            <a:ext cx="4521200" cy="4521200"/>
+            <a:off x="2565400" y="1600200"/>
+            <a:ext cx="4013200" cy="4013200"/>
           </a:xfrm>
           <a:prstGeom prst="rect">
             <a:avLst/>
@@ -3339,6 +9231,100 @@
           </a:ln>
         </p:spPr>
       </p:pic>
+      <p:sp>
+        <p:nvSpPr>
+          <p:cNvPr id="1" name="TextBox 3"/>
+          <p:cNvSpPr txBox="1"/>
+          <p:nvPr/>
+        </p:nvSpPr>
+        <p:spPr>
+          <a:xfrm>
+            <a:off x="457200" y="5613400"/>
+            <a:ext cx="8229600" cy="508000"/>
+          </a:xfrm>
+          <a:prstGeom prst="rect">
+            <a:avLst/>
+          </a:prstGeom>
+          <a:noFill/>
+        </p:spPr>
+        <p:txBody>
+          <a:bodyPr/>
+          <a:lstStyle/>
+          <a:p>
+            <a:pPr lvl="0" marL="0" indent="0" algn="ctr">
+              <a:buNone/>
+            </a:pPr>
+            <a:r>
+              <a:rPr/>
+              <a:t>The</a:t>
+            </a:r>
+            <a:r>
+              <a:rPr/>
+              <a:t> </a:t>
+            </a:r>
+            <a:r>
+              <a:rPr/>
+              <a:t>full</a:t>
+            </a:r>
+            <a:r>
+              <a:rPr/>
+              <a:t> </a:t>
+            </a:r>
+            <a:r>
+              <a:rPr/>
+              <a:t>color</a:t>
+            </a:r>
+            <a:r>
+              <a:rPr/>
+              <a:t> </a:t>
+            </a:r>
+            <a:r>
+              <a:rPr/>
+              <a:t>cube</a:t>
+            </a:r>
+            <a:r>
+              <a:rPr/>
+              <a:t> </a:t>
+            </a:r>
+            <a:r>
+              <a:rPr/>
+              <a:t>with</a:t>
+            </a:r>
+            <a:r>
+              <a:rPr/>
+              <a:t> </a:t>
+            </a:r>
+            <a:r>
+              <a:rPr/>
+              <a:t>a</a:t>
+            </a:r>
+            <a:r>
+              <a:rPr/>
+              <a:t> </a:t>
+            </a:r>
+            <a:r>
+              <a:rPr/>
+              <a:t>front</a:t>
+            </a:r>
+            <a:r>
+              <a:rPr/>
+              <a:t> </a:t>
+            </a:r>
+            <a:r>
+              <a:rPr/>
+              <a:t>white</a:t>
+            </a:r>
+            <a:r>
+              <a:rPr/>
+              <a:t> </a:t>
+            </a:r>
+            <a:r>
+              <a:rPr/>
+              <a:t>vertex</a:t>
+            </a:r>
+          </a:p>
+        </p:txBody>
+      </p:sp>
     </p:spTree>
   </p:cSld>
 </p:sld>
@@ -3397,14 +9383,38 @@
             </a:r>
             <a:r>
               <a:rPr/>
-              <a:t>(4/5)</a:t>
+              <a:t>of</a:t>
+            </a:r>
+            <a:r>
+              <a:rPr/>
+              <a:t> </a:t>
+            </a:r>
+            <a:r>
+              <a:rPr/>
+              <a:t>black</a:t>
+            </a:r>
+            <a:r>
+              <a:rPr/>
+              <a:t> </a:t>
+            </a:r>
+            <a:r>
+              <a:rPr/>
+              <a:t>to</a:t>
+            </a:r>
+            <a:r>
+              <a:rPr/>
+              <a:t> </a:t>
+            </a:r>
+            <a:r>
+              <a:rPr/>
+              <a:t>red</a:t>
             </a:r>
           </a:p>
         </p:txBody>
       </p:sp>
       <p:pic>
         <p:nvPicPr>
-          <p:cNvPr descr="../images/r/rgb-gradient-4.png" id="0" name="Picture 1"/>
+          <p:cNvPr descr="../images/r/gradient-black-to-red.png" id="0" name="Picture 1"/>
           <p:cNvPicPr>
             <a:picLocks noGrp="1" noChangeAspect="1"/>
           </p:cNvPicPr>
@@ -3490,14 +9500,38 @@
             </a:r>
             <a:r>
               <a:rPr/>
-              <a:t>(5/5)</a:t>
+              <a:t>of</a:t>
+            </a:r>
+            <a:r>
+              <a:rPr/>
+              <a:t> </a:t>
+            </a:r>
+            <a:r>
+              <a:rPr/>
+              <a:t>black</a:t>
+            </a:r>
+            <a:r>
+              <a:rPr/>
+              <a:t> </a:t>
+            </a:r>
+            <a:r>
+              <a:rPr/>
+              <a:t>to</a:t>
+            </a:r>
+            <a:r>
+              <a:rPr/>
+              <a:t> </a:t>
+            </a:r>
+            <a:r>
+              <a:rPr/>
+              <a:t>green</a:t>
             </a:r>
           </a:p>
         </p:txBody>
       </p:sp>
       <p:pic>
         <p:nvPicPr>
-          <p:cNvPr descr="../images/r/rgb-gradient-5.png" id="0" name="Picture 1"/>
+          <p:cNvPr descr="../images/r/gradient-black-to-green.png" id="0" name="Picture 1"/>
           <p:cNvPicPr>
             <a:picLocks noGrp="1" noChangeAspect="1"/>
           </p:cNvPicPr>
@@ -3575,44 +9609,73 @@
             </a:r>
             <a:r>
               <a:rPr/>
-              <a:t>RGB</a:t>
-            </a:r>
-            <a:r>
-              <a:rPr/>
-              <a:t> </a:t>
-            </a:r>
-            <a:r>
-              <a:rPr/>
-              <a:t>combinations</a:t>
+              <a:t>Gradients</a:t>
+            </a:r>
+            <a:r>
+              <a:rPr/>
+              <a:t> </a:t>
+            </a:r>
+            <a:r>
+              <a:rPr/>
+              <a:t>of</a:t>
+            </a:r>
+            <a:r>
+              <a:rPr/>
+              <a:t> </a:t>
+            </a:r>
+            <a:r>
+              <a:rPr/>
+              <a:t>black</a:t>
+            </a:r>
+            <a:r>
+              <a:rPr/>
+              <a:t> </a:t>
+            </a:r>
+            <a:r>
+              <a:rPr/>
+              <a:t>to</a:t>
+            </a:r>
+            <a:r>
+              <a:rPr/>
+              <a:t> </a:t>
+            </a:r>
+            <a:r>
+              <a:rPr/>
+              <a:t>blue</a:t>
             </a:r>
           </a:p>
         </p:txBody>
       </p:sp>
-      <p:sp>
-        <p:nvSpPr>
-          <p:cNvPr id="3" name="Content Placeholder 2"/>
-          <p:cNvSpPr>
-            <a:spLocks noGrp="1"/>
-          </p:cNvSpPr>
-          <p:nvPr>
-            <p:ph idx="1"/>
-          </p:nvPr>
-        </p:nvSpPr>
-        <p:spPr/>
-        <p:txBody>
-          <a:bodyPr/>
-          <a:lstStyle/>
-          <a:p>
-            <a:pPr lvl="0" marL="0" indent="0">
-              <a:buNone/>
-            </a:pPr>
-            <a:r>
-              <a:rPr/>
-              <a:t>Additive color mixing: adding red to green yields yellow; adding green to blue yields cyan; adding blue to red yields magenta; adding all three primary colors together yields white.</a:t>
-            </a:r>
-          </a:p>
-        </p:txBody>
-      </p:sp>
+      <p:pic>
+        <p:nvPicPr>
+          <p:cNvPr descr="../images/r/gradient-black-to-blue.png" id="0" name="Picture 1"/>
+          <p:cNvPicPr>
+            <a:picLocks noGrp="1" noChangeAspect="1"/>
+          </p:cNvPicPr>
+          <p:nvPr/>
+        </p:nvPicPr>
+        <p:blipFill>
+          <a:blip r:embed="rId2"/>
+          <a:stretch>
+            <a:fillRect/>
+          </a:stretch>
+        </p:blipFill>
+        <p:spPr bwMode="auto">
+          <a:xfrm>
+            <a:off x="2311400" y="1600200"/>
+            <a:ext cx="4521200" cy="4521200"/>
+          </a:xfrm>
+          <a:prstGeom prst="rect">
+            <a:avLst/>
+          </a:prstGeom>
+          <a:noFill/>
+          <a:ln w="9525">
+            <a:noFill/>
+            <a:headEnd/>
+            <a:tailEnd/>
+          </a:ln>
+        </p:spPr>
+      </p:pic>
     </p:spTree>
   </p:cSld>
 </p:sld>
@@ -3663,62 +9726,46 @@
             </a:r>
             <a:r>
               <a:rPr/>
-              <a:t>Contrasting</a:t>
-            </a:r>
-            <a:r>
-              <a:rPr/>
-              <a:t> </a:t>
-            </a:r>
-            <a:r>
-              <a:rPr/>
-              <a:t>pure</a:t>
-            </a:r>
-            <a:r>
-              <a:rPr/>
-              <a:t> </a:t>
-            </a:r>
-            <a:r>
-              <a:rPr/>
-              <a:t>colors</a:t>
-            </a:r>
-            <a:r>
-              <a:rPr/>
-              <a:t> </a:t>
-            </a:r>
-            <a:r>
-              <a:rPr/>
-              <a:t>often</a:t>
-            </a:r>
-            <a:r>
-              <a:rPr/>
-              <a:t> </a:t>
-            </a:r>
-            <a:r>
-              <a:rPr/>
-              <a:t>appear</a:t>
-            </a:r>
-            <a:r>
-              <a:rPr/>
-              <a:t> </a:t>
-            </a:r>
-            <a:r>
-              <a:rPr/>
-              <a:t>too</a:t>
-            </a:r>
-            <a:r>
-              <a:rPr/>
-              <a:t> </a:t>
-            </a:r>
-            <a:r>
-              <a:rPr/>
-              <a:t>intense</a:t>
+              <a:t>Gradients</a:t>
+            </a:r>
+            <a:r>
+              <a:rPr/>
+              <a:t> </a:t>
+            </a:r>
+            <a:r>
+              <a:rPr/>
+              <a:t>of</a:t>
+            </a:r>
+            <a:r>
+              <a:rPr/>
+              <a:t> </a:t>
+            </a:r>
+            <a:r>
+              <a:rPr/>
+              <a:t>red</a:t>
+            </a:r>
+            <a:r>
+              <a:rPr/>
+              <a:t> </a:t>
+            </a:r>
+            <a:r>
+              <a:rPr/>
+              <a:t>to</a:t>
+            </a:r>
+            <a:r>
+              <a:rPr/>
+              <a:t> </a:t>
+            </a:r>
+            <a:r>
+              <a:rPr/>
+              <a:t>white</a:t>
             </a:r>
           </a:p>
         </p:txBody>
       </p:sp>
       <p:pic>
         <p:nvPicPr>
-          <p:cNvPr descr="../images/r/intense.png" id="0" name="Picture 1"/>
+          <p:cNvPr descr="../images/r/gradient-red-to-white.png" id="0" name="Picture 1"/>
           <p:cNvPicPr>
             <a:picLocks noGrp="1" noChangeAspect="1"/>
           </p:cNvPicPr>
@@ -3796,38 +9843,46 @@
             </a:r>
             <a:r>
               <a:rPr/>
-              <a:t>Lighter</a:t>
-            </a:r>
-            <a:r>
-              <a:rPr/>
-              <a:t> </a:t>
-            </a:r>
-            <a:r>
-              <a:rPr/>
-              <a:t>background,</a:t>
-            </a:r>
-            <a:r>
-              <a:rPr/>
-              <a:t> </a:t>
-            </a:r>
-            <a:r>
-              <a:rPr/>
-              <a:t>darker</a:t>
-            </a:r>
-            <a:r>
-              <a:rPr/>
-              <a:t> </a:t>
-            </a:r>
-            <a:r>
-              <a:rPr/>
-              <a:t>foreground</a:t>
+              <a:t>Gradient</a:t>
+            </a:r>
+            <a:r>
+              <a:rPr/>
+              <a:t> </a:t>
+            </a:r>
+            <a:r>
+              <a:rPr/>
+              <a:t>of</a:t>
+            </a:r>
+            <a:r>
+              <a:rPr/>
+              <a:t> </a:t>
+            </a:r>
+            <a:r>
+              <a:rPr/>
+              <a:t>green</a:t>
+            </a:r>
+            <a:r>
+              <a:rPr/>
+              <a:t> </a:t>
+            </a:r>
+            <a:r>
+              <a:rPr/>
+              <a:t>to</a:t>
+            </a:r>
+            <a:r>
+              <a:rPr/>
+              <a:t> </a:t>
+            </a:r>
+            <a:r>
+              <a:rPr/>
+              <a:t>white</a:t>
             </a:r>
           </a:p>
         </p:txBody>
       </p:sp>
       <p:pic>
         <p:nvPicPr>
-          <p:cNvPr descr="../images/r/both.png" id="0" name="Picture 1"/>
+          <p:cNvPr descr="../images/r/gradient-green-to-white.png" id="0" name="Picture 1"/>
           <p:cNvPicPr>
             <a:picLocks noGrp="1" noChangeAspect="1"/>
           </p:cNvPicPr>
@@ -3905,30 +9960,46 @@
             </a:r>
             <a:r>
               <a:rPr/>
-              <a:t>or</a:t>
-            </a:r>
-            <a:r>
-              <a:rPr/>
-              <a:t> </a:t>
-            </a:r>
-            <a:r>
-              <a:rPr/>
-              <a:t>the</a:t>
-            </a:r>
-            <a:r>
-              <a:rPr/>
-              <a:t> </a:t>
-            </a:r>
-            <a:r>
-              <a:rPr/>
-              <a:t>reverse</a:t>
+              <a:t>Gradient</a:t>
+            </a:r>
+            <a:r>
+              <a:rPr/>
+              <a:t> </a:t>
+            </a:r>
+            <a:r>
+              <a:rPr/>
+              <a:t>of</a:t>
+            </a:r>
+            <a:r>
+              <a:rPr/>
+              <a:t> </a:t>
+            </a:r>
+            <a:r>
+              <a:rPr/>
+              <a:t>blue</a:t>
+            </a:r>
+            <a:r>
+              <a:rPr/>
+              <a:t> </a:t>
+            </a:r>
+            <a:r>
+              <a:rPr/>
+              <a:t>to</a:t>
+            </a:r>
+            <a:r>
+              <a:rPr/>
+              <a:t> </a:t>
+            </a:r>
+            <a:r>
+              <a:rPr/>
+              <a:t>white</a:t>
             </a:r>
           </a:p>
         </p:txBody>
       </p:sp>
       <p:pic>
         <p:nvPicPr>
-          <p:cNvPr descr="../images/r/reverse.png" id="0" name="Picture 1"/>
+          <p:cNvPr descr="../images/r/gradient-blue-to-white.png" id="0" name="Picture 1"/>
           <p:cNvPicPr>
             <a:picLocks noGrp="1" noChangeAspect="1"/>
           </p:cNvPicPr>
@@ -4006,7 +10077,201 @@
             </a:r>
             <a:r>
               <a:rPr/>
-              <a:t>review</a:t>
+              <a:t>Gradients</a:t>
+            </a:r>
+            <a:r>
+              <a:rPr/>
+              <a:t> </a:t>
+            </a:r>
+            <a:r>
+              <a:rPr/>
+              <a:t>(4/5)</a:t>
+            </a:r>
+          </a:p>
+        </p:txBody>
+      </p:sp>
+      <p:pic>
+        <p:nvPicPr>
+          <p:cNvPr descr="../images/r/rgb-gradient-4.png" id="0" name="Picture 1"/>
+          <p:cNvPicPr>
+            <a:picLocks noGrp="1" noChangeAspect="1"/>
+          </p:cNvPicPr>
+          <p:nvPr/>
+        </p:nvPicPr>
+        <p:blipFill>
+          <a:blip r:embed="rId2"/>
+          <a:stretch>
+            <a:fillRect/>
+          </a:stretch>
+        </p:blipFill>
+        <p:spPr bwMode="auto">
+          <a:xfrm>
+            <a:off x="2311400" y="1600200"/>
+            <a:ext cx="4521200" cy="4521200"/>
+          </a:xfrm>
+          <a:prstGeom prst="rect">
+            <a:avLst/>
+          </a:prstGeom>
+          <a:noFill/>
+          <a:ln w="9525">
+            <a:noFill/>
+            <a:headEnd/>
+            <a:tailEnd/>
+          </a:ln>
+        </p:spPr>
+      </p:pic>
+    </p:spTree>
+  </p:cSld>
+</p:sld>
+</file>
+
+<file path=ppt/slides/slide18.xml><?xml version="1.0" encoding="utf-8"?>
+<p:sld xmlns:a="http://schemas.openxmlformats.org/drawingml/2006/main" xmlns:r="http://schemas.openxmlformats.org/officeDocument/2006/relationships" xmlns:p="http://schemas.openxmlformats.org/presentationml/2006/main">
+  <p:cSld>
+    <p:spTree>
+      <p:nvGrpSpPr>
+        <p:cNvPr id="1" name=""/>
+        <p:cNvGrpSpPr/>
+        <p:nvPr/>
+      </p:nvGrpSpPr>
+      <p:grpSpPr>
+        <a:xfrm>
+          <a:off x="0" y="0"/>
+          <a:ext cx="0" cy="0"/>
+          <a:chOff x="0" y="0"/>
+          <a:chExt cx="0" cy="0"/>
+        </a:xfrm>
+      </p:grpSpPr>
+      <p:sp>
+        <p:nvSpPr>
+          <p:cNvPr id="2" name="Title 1"/>
+          <p:cNvSpPr>
+            <a:spLocks noGrp="1"/>
+          </p:cNvSpPr>
+          <p:nvPr>
+            <p:ph type="title"/>
+          </p:nvPr>
+        </p:nvSpPr>
+        <p:spPr/>
+        <p:txBody>
+          <a:bodyPr/>
+          <a:lstStyle/>
+          <a:p>
+            <a:pPr lvl="0" marL="0" indent="0">
+              <a:buNone/>
+            </a:pPr>
+            <a:r>
+              <a:rPr/>
+              <a:t>Colors,</a:t>
+            </a:r>
+            <a:r>
+              <a:rPr/>
+              <a:t> </a:t>
+            </a:r>
+            <a:r>
+              <a:rPr/>
+              <a:t>Gradients</a:t>
+            </a:r>
+            <a:r>
+              <a:rPr/>
+              <a:t> </a:t>
+            </a:r>
+            <a:r>
+              <a:rPr/>
+              <a:t>(5/5)</a:t>
+            </a:r>
+          </a:p>
+        </p:txBody>
+      </p:sp>
+      <p:pic>
+        <p:nvPicPr>
+          <p:cNvPr descr="../images/r/rgb-gradient-5.png" id="0" name="Picture 1"/>
+          <p:cNvPicPr>
+            <a:picLocks noGrp="1" noChangeAspect="1"/>
+          </p:cNvPicPr>
+          <p:nvPr/>
+        </p:nvPicPr>
+        <p:blipFill>
+          <a:blip r:embed="rId2"/>
+          <a:stretch>
+            <a:fillRect/>
+          </a:stretch>
+        </p:blipFill>
+        <p:spPr bwMode="auto">
+          <a:xfrm>
+            <a:off x="2311400" y="1600200"/>
+            <a:ext cx="4521200" cy="4521200"/>
+          </a:xfrm>
+          <a:prstGeom prst="rect">
+            <a:avLst/>
+          </a:prstGeom>
+          <a:noFill/>
+          <a:ln w="9525">
+            <a:noFill/>
+            <a:headEnd/>
+            <a:tailEnd/>
+          </a:ln>
+        </p:spPr>
+      </p:pic>
+    </p:spTree>
+  </p:cSld>
+</p:sld>
+</file>
+
+<file path=ppt/slides/slide19.xml><?xml version="1.0" encoding="utf-8"?>
+<p:sld xmlns:a="http://schemas.openxmlformats.org/drawingml/2006/main" xmlns:r="http://schemas.openxmlformats.org/officeDocument/2006/relationships" xmlns:p="http://schemas.openxmlformats.org/presentationml/2006/main">
+  <p:cSld>
+    <p:spTree>
+      <p:nvGrpSpPr>
+        <p:cNvPr id="1" name=""/>
+        <p:cNvGrpSpPr/>
+        <p:nvPr/>
+      </p:nvGrpSpPr>
+      <p:grpSpPr>
+        <a:xfrm>
+          <a:off x="0" y="0"/>
+          <a:ext cx="0" cy="0"/>
+          <a:chOff x="0" y="0"/>
+          <a:chExt cx="0" cy="0"/>
+        </a:xfrm>
+      </p:grpSpPr>
+      <p:sp>
+        <p:nvSpPr>
+          <p:cNvPr id="2" name="Title 1"/>
+          <p:cNvSpPr>
+            <a:spLocks noGrp="1"/>
+          </p:cNvSpPr>
+          <p:nvPr>
+            <p:ph type="title"/>
+          </p:nvPr>
+        </p:nvSpPr>
+        <p:spPr/>
+        <p:txBody>
+          <a:bodyPr/>
+          <a:lstStyle/>
+          <a:p>
+            <a:pPr lvl="0" marL="0" indent="0">
+              <a:buNone/>
+            </a:pPr>
+            <a:r>
+              <a:rPr/>
+              <a:t>Colors,</a:t>
+            </a:r>
+            <a:r>
+              <a:rPr/>
+              <a:t> </a:t>
+            </a:r>
+            <a:r>
+              <a:rPr/>
+              <a:t>RGB</a:t>
+            </a:r>
+            <a:r>
+              <a:rPr/>
+              <a:t> </a:t>
+            </a:r>
+            <a:r>
+              <a:rPr/>
+              <a:t>combinations</a:t>
             </a:r>
           </a:p>
         </p:txBody>
@@ -4026,24 +10291,12 @@
           <a:bodyPr/>
           <a:lstStyle/>
           <a:p>
-            <a:pPr lvl="1"/>
-            <a:r>
-              <a:rPr/>
-              <a:t>Kindergarten view of colors</a:t>
-            </a:r>
-          </a:p>
-          <a:p>
-            <a:pPr lvl="1"/>
-            <a:r>
-              <a:rPr/>
-              <a:t>Review hexadecimal codes</a:t>
-            </a:r>
-          </a:p>
-          <a:p>
-            <a:pPr lvl="1"/>
-            <a:r>
-              <a:rPr/>
-              <a:t>RGB color system</a:t>
+            <a:pPr lvl="0" marL="0" indent="0">
+              <a:buNone/>
+            </a:pPr>
+            <a:r>
+              <a:rPr/>
+              <a:t>Additive color mixing: adding red to green yields yellow; adding green to blue yields cyan; adding blue to red yields magenta; adding all three primary colors together yields white.</a:t>
             </a:r>
           </a:p>
         </p:txBody>
@@ -4143,7 +10396,757 @@
             <a:pPr lvl="1"/>
             <a:r>
               <a:rPr/>
+              <a:t>Color systems</a:t>
+            </a:r>
+          </a:p>
+          <a:p>
+            <a:pPr lvl="2"/>
+            <a:r>
+              <a:rPr/>
+              <a:t>RGB</a:t>
+            </a:r>
+          </a:p>
+          <a:p>
+            <a:pPr lvl="2"/>
+            <a:r>
+              <a:rPr/>
+              <a:t>HSV</a:t>
+            </a:r>
+          </a:p>
+          <a:p>
+            <a:pPr lvl="2"/>
+            <a:r>
+              <a:rPr/>
+              <a:t>CYMK</a:t>
+            </a:r>
+          </a:p>
+        </p:txBody>
+      </p:sp>
+    </p:spTree>
+  </p:cSld>
+</p:sld>
+</file>
+
+<file path=ppt/slides/slide20.xml><?xml version="1.0" encoding="utf-8"?>
+<p:sld xmlns:a="http://schemas.openxmlformats.org/drawingml/2006/main" xmlns:r="http://schemas.openxmlformats.org/officeDocument/2006/relationships" xmlns:p="http://schemas.openxmlformats.org/presentationml/2006/main">
+  <p:cSld>
+    <p:spTree>
+      <p:nvGrpSpPr>
+        <p:cNvPr id="1" name=""/>
+        <p:cNvGrpSpPr/>
+        <p:nvPr/>
+      </p:nvGrpSpPr>
+      <p:grpSpPr>
+        <a:xfrm>
+          <a:off x="0" y="0"/>
+          <a:ext cx="0" cy="0"/>
+          <a:chOff x="0" y="0"/>
+          <a:chExt cx="0" cy="0"/>
+        </a:xfrm>
+      </p:grpSpPr>
+      <p:sp>
+        <p:nvSpPr>
+          <p:cNvPr id="2" name="Title 1"/>
+          <p:cNvSpPr>
+            <a:spLocks noGrp="1"/>
+          </p:cNvSpPr>
+          <p:nvPr>
+            <p:ph type="title"/>
+          </p:nvPr>
+        </p:nvSpPr>
+        <p:spPr/>
+        <p:txBody>
+          <a:bodyPr/>
+          <a:lstStyle/>
+          <a:p>
+            <a:pPr lvl="0" marL="0" indent="0">
+              <a:buNone/>
+            </a:pPr>
+            <a:r>
+              <a:rPr/>
+              <a:t>Colors,</a:t>
+            </a:r>
+            <a:r>
+              <a:rPr/>
+              <a:t> </a:t>
+            </a:r>
+            <a:r>
+              <a:rPr/>
+              <a:t>Contrasting</a:t>
+            </a:r>
+            <a:r>
+              <a:rPr/>
+              <a:t> </a:t>
+            </a:r>
+            <a:r>
+              <a:rPr/>
+              <a:t>pure</a:t>
+            </a:r>
+            <a:r>
+              <a:rPr/>
+              <a:t> </a:t>
+            </a:r>
+            <a:r>
+              <a:rPr/>
+              <a:t>colors</a:t>
+            </a:r>
+            <a:r>
+              <a:rPr/>
+              <a:t> </a:t>
+            </a:r>
+            <a:r>
+              <a:rPr/>
+              <a:t>often</a:t>
+            </a:r>
+            <a:r>
+              <a:rPr/>
+              <a:t> </a:t>
+            </a:r>
+            <a:r>
+              <a:rPr/>
+              <a:t>appear</a:t>
+            </a:r>
+            <a:r>
+              <a:rPr/>
+              <a:t> </a:t>
+            </a:r>
+            <a:r>
+              <a:rPr/>
+              <a:t>too</a:t>
+            </a:r>
+            <a:r>
+              <a:rPr/>
+              <a:t> </a:t>
+            </a:r>
+            <a:r>
+              <a:rPr/>
+              <a:t>intense</a:t>
+            </a:r>
+          </a:p>
+        </p:txBody>
+      </p:sp>
+      <p:pic>
+        <p:nvPicPr>
+          <p:cNvPr descr="../images/r/intense.png" id="0" name="Picture 1"/>
+          <p:cNvPicPr>
+            <a:picLocks noGrp="1" noChangeAspect="1"/>
+          </p:cNvPicPr>
+          <p:nvPr/>
+        </p:nvPicPr>
+        <p:blipFill>
+          <a:blip r:embed="rId2"/>
+          <a:stretch>
+            <a:fillRect/>
+          </a:stretch>
+        </p:blipFill>
+        <p:spPr bwMode="auto">
+          <a:xfrm>
+            <a:off x="2311400" y="1600200"/>
+            <a:ext cx="4521200" cy="4521200"/>
+          </a:xfrm>
+          <a:prstGeom prst="rect">
+            <a:avLst/>
+          </a:prstGeom>
+          <a:noFill/>
+          <a:ln w="9525">
+            <a:noFill/>
+            <a:headEnd/>
+            <a:tailEnd/>
+          </a:ln>
+        </p:spPr>
+      </p:pic>
+    </p:spTree>
+  </p:cSld>
+</p:sld>
+</file>
+
+<file path=ppt/slides/slide21.xml><?xml version="1.0" encoding="utf-8"?>
+<p:sld xmlns:a="http://schemas.openxmlformats.org/drawingml/2006/main" xmlns:r="http://schemas.openxmlformats.org/officeDocument/2006/relationships" xmlns:p="http://schemas.openxmlformats.org/presentationml/2006/main">
+  <p:cSld>
+    <p:spTree>
+      <p:nvGrpSpPr>
+        <p:cNvPr id="1" name=""/>
+        <p:cNvGrpSpPr/>
+        <p:nvPr/>
+      </p:nvGrpSpPr>
+      <p:grpSpPr>
+        <a:xfrm>
+          <a:off x="0" y="0"/>
+          <a:ext cx="0" cy="0"/>
+          <a:chOff x="0" y="0"/>
+          <a:chExt cx="0" cy="0"/>
+        </a:xfrm>
+      </p:grpSpPr>
+      <p:sp>
+        <p:nvSpPr>
+          <p:cNvPr id="2" name="Title 1"/>
+          <p:cNvSpPr>
+            <a:spLocks noGrp="1"/>
+          </p:cNvSpPr>
+          <p:nvPr>
+            <p:ph type="title"/>
+          </p:nvPr>
+        </p:nvSpPr>
+        <p:spPr/>
+        <p:txBody>
+          <a:bodyPr/>
+          <a:lstStyle/>
+          <a:p>
+            <a:pPr lvl="0" marL="0" indent="0">
+              <a:buNone/>
+            </a:pPr>
+            <a:r>
+              <a:rPr/>
+              <a:t>Colors,</a:t>
+            </a:r>
+            <a:r>
+              <a:rPr/>
+              <a:t> </a:t>
+            </a:r>
+            <a:r>
+              <a:rPr/>
+              <a:t>Lighter</a:t>
+            </a:r>
+            <a:r>
+              <a:rPr/>
+              <a:t> </a:t>
+            </a:r>
+            <a:r>
+              <a:rPr/>
+              <a:t>background,</a:t>
+            </a:r>
+            <a:r>
+              <a:rPr/>
+              <a:t> </a:t>
+            </a:r>
+            <a:r>
+              <a:rPr/>
+              <a:t>darker</a:t>
+            </a:r>
+            <a:r>
+              <a:rPr/>
+              <a:t> </a:t>
+            </a:r>
+            <a:r>
+              <a:rPr/>
+              <a:t>foreground</a:t>
+            </a:r>
+          </a:p>
+        </p:txBody>
+      </p:sp>
+      <p:pic>
+        <p:nvPicPr>
+          <p:cNvPr descr="../images/r/both.png" id="0" name="Picture 1"/>
+          <p:cNvPicPr>
+            <a:picLocks noGrp="1" noChangeAspect="1"/>
+          </p:cNvPicPr>
+          <p:nvPr/>
+        </p:nvPicPr>
+        <p:blipFill>
+          <a:blip r:embed="rId2"/>
+          <a:stretch>
+            <a:fillRect/>
+          </a:stretch>
+        </p:blipFill>
+        <p:spPr bwMode="auto">
+          <a:xfrm>
+            <a:off x="2311400" y="1600200"/>
+            <a:ext cx="4521200" cy="4521200"/>
+          </a:xfrm>
+          <a:prstGeom prst="rect">
+            <a:avLst/>
+          </a:prstGeom>
+          <a:noFill/>
+          <a:ln w="9525">
+            <a:noFill/>
+            <a:headEnd/>
+            <a:tailEnd/>
+          </a:ln>
+        </p:spPr>
+      </p:pic>
+    </p:spTree>
+  </p:cSld>
+</p:sld>
+</file>
+
+<file path=ppt/slides/slide22.xml><?xml version="1.0" encoding="utf-8"?>
+<p:sld xmlns:a="http://schemas.openxmlformats.org/drawingml/2006/main" xmlns:r="http://schemas.openxmlformats.org/officeDocument/2006/relationships" xmlns:p="http://schemas.openxmlformats.org/presentationml/2006/main">
+  <p:cSld>
+    <p:spTree>
+      <p:nvGrpSpPr>
+        <p:cNvPr id="1" name=""/>
+        <p:cNvGrpSpPr/>
+        <p:nvPr/>
+      </p:nvGrpSpPr>
+      <p:grpSpPr>
+        <a:xfrm>
+          <a:off x="0" y="0"/>
+          <a:ext cx="0" cy="0"/>
+          <a:chOff x="0" y="0"/>
+          <a:chExt cx="0" cy="0"/>
+        </a:xfrm>
+      </p:grpSpPr>
+      <p:sp>
+        <p:nvSpPr>
+          <p:cNvPr id="2" name="Title 1"/>
+          <p:cNvSpPr>
+            <a:spLocks noGrp="1"/>
+          </p:cNvSpPr>
+          <p:nvPr>
+            <p:ph type="title"/>
+          </p:nvPr>
+        </p:nvSpPr>
+        <p:spPr/>
+        <p:txBody>
+          <a:bodyPr/>
+          <a:lstStyle/>
+          <a:p>
+            <a:pPr lvl="0" marL="0" indent="0">
+              <a:buNone/>
+            </a:pPr>
+            <a:r>
+              <a:rPr/>
+              <a:t>Colors,</a:t>
+            </a:r>
+            <a:r>
+              <a:rPr/>
+              <a:t> </a:t>
+            </a:r>
+            <a:r>
+              <a:rPr/>
+              <a:t>or</a:t>
+            </a:r>
+            <a:r>
+              <a:rPr/>
+              <a:t> </a:t>
+            </a:r>
+            <a:r>
+              <a:rPr/>
+              <a:t>the</a:t>
+            </a:r>
+            <a:r>
+              <a:rPr/>
+              <a:t> </a:t>
+            </a:r>
+            <a:r>
+              <a:rPr/>
+              <a:t>reverse</a:t>
+            </a:r>
+          </a:p>
+        </p:txBody>
+      </p:sp>
+      <p:pic>
+        <p:nvPicPr>
+          <p:cNvPr descr="../images/r/reverse.png" id="0" name="Picture 1"/>
+          <p:cNvPicPr>
+            <a:picLocks noGrp="1" noChangeAspect="1"/>
+          </p:cNvPicPr>
+          <p:nvPr/>
+        </p:nvPicPr>
+        <p:blipFill>
+          <a:blip r:embed="rId2"/>
+          <a:stretch>
+            <a:fillRect/>
+          </a:stretch>
+        </p:blipFill>
+        <p:spPr bwMode="auto">
+          <a:xfrm>
+            <a:off x="2311400" y="1600200"/>
+            <a:ext cx="4521200" cy="4521200"/>
+          </a:xfrm>
+          <a:prstGeom prst="rect">
+            <a:avLst/>
+          </a:prstGeom>
+          <a:noFill/>
+          <a:ln w="9525">
+            <a:noFill/>
+            <a:headEnd/>
+            <a:tailEnd/>
+          </a:ln>
+        </p:spPr>
+      </p:pic>
+    </p:spTree>
+  </p:cSld>
+</p:sld>
+</file>
+
+<file path=ppt/slides/slide23.xml><?xml version="1.0" encoding="utf-8"?>
+<p:sld xmlns:a="http://schemas.openxmlformats.org/drawingml/2006/main" xmlns:r="http://schemas.openxmlformats.org/officeDocument/2006/relationships" xmlns:p="http://schemas.openxmlformats.org/presentationml/2006/main">
+  <p:cSld>
+    <p:spTree>
+      <p:nvGrpSpPr>
+        <p:cNvPr id="1" name=""/>
+        <p:cNvGrpSpPr/>
+        <p:nvPr/>
+      </p:nvGrpSpPr>
+      <p:grpSpPr>
+        <a:xfrm>
+          <a:off x="0" y="0"/>
+          <a:ext cx="0" cy="0"/>
+          <a:chOff x="0" y="0"/>
+          <a:chExt cx="0" cy="0"/>
+        </a:xfrm>
+      </p:grpSpPr>
+      <p:sp>
+        <p:nvSpPr>
+          <p:cNvPr id="2" name="Title 1"/>
+          <p:cNvSpPr>
+            <a:spLocks noGrp="1"/>
+          </p:cNvSpPr>
+          <p:nvPr>
+            <p:ph type="title"/>
+          </p:nvPr>
+        </p:nvSpPr>
+        <p:spPr/>
+        <p:txBody>
+          <a:bodyPr/>
+          <a:lstStyle/>
+          <a:p>
+            <a:pPr lvl="0" marL="0" indent="0">
+              <a:buNone/>
+            </a:pPr>
+            <a:r>
+              <a:rPr/>
+              <a:t>Colors,</a:t>
+            </a:r>
+            <a:r>
+              <a:rPr/>
+              <a:t> </a:t>
+            </a:r>
+            <a:r>
+              <a:rPr/>
+              <a:t>HSV</a:t>
+            </a:r>
+            <a:r>
+              <a:rPr/>
+              <a:t> </a:t>
+            </a:r>
+            <a:r>
+              <a:rPr/>
+              <a:t>system</a:t>
+            </a:r>
+          </a:p>
+        </p:txBody>
+      </p:sp>
+      <p:sp>
+        <p:nvSpPr>
+          <p:cNvPr id="3" name="Content Placeholder 2"/>
+          <p:cNvSpPr>
+            <a:spLocks noGrp="1"/>
+          </p:cNvSpPr>
+          <p:nvPr>
+            <p:ph idx="1"/>
+          </p:nvPr>
+        </p:nvSpPr>
+        <p:spPr/>
+        <p:txBody>
+          <a:bodyPr/>
+          <a:lstStyle/>
+          <a:p>
+            <a:pPr lvl="1"/>
+            <a:r>
+              <a:rPr/>
+              <a:t>(To be added)</a:t>
+            </a:r>
+          </a:p>
+        </p:txBody>
+      </p:sp>
+    </p:spTree>
+  </p:cSld>
+</p:sld>
+</file>
+
+<file path=ppt/slides/slide24.xml><?xml version="1.0" encoding="utf-8"?>
+<p:sld xmlns:a="http://schemas.openxmlformats.org/drawingml/2006/main" xmlns:r="http://schemas.openxmlformats.org/officeDocument/2006/relationships" xmlns:p="http://schemas.openxmlformats.org/presentationml/2006/main">
+  <p:cSld>
+    <p:spTree>
+      <p:nvGrpSpPr>
+        <p:cNvPr id="1" name=""/>
+        <p:cNvGrpSpPr/>
+        <p:nvPr/>
+      </p:nvGrpSpPr>
+      <p:grpSpPr>
+        <a:xfrm>
+          <a:off x="0" y="0"/>
+          <a:ext cx="0" cy="0"/>
+          <a:chOff x="0" y="0"/>
+          <a:chExt cx="0" cy="0"/>
+        </a:xfrm>
+      </p:grpSpPr>
+      <p:sp>
+        <p:nvSpPr>
+          <p:cNvPr id="2" name="Title 1"/>
+          <p:cNvSpPr>
+            <a:spLocks noGrp="1"/>
+          </p:cNvSpPr>
+          <p:nvPr>
+            <p:ph type="title"/>
+          </p:nvPr>
+        </p:nvSpPr>
+        <p:spPr/>
+        <p:txBody>
+          <a:bodyPr/>
+          <a:lstStyle/>
+          <a:p>
+            <a:pPr lvl="0" marL="0" indent="0">
+              <a:buNone/>
+            </a:pPr>
+            <a:r>
+              <a:rPr/>
+              <a:t>Colors,</a:t>
+            </a:r>
+            <a:r>
+              <a:rPr/>
+              <a:t> </a:t>
+            </a:r>
+            <a:r>
+              <a:rPr/>
+              <a:t>discrete</a:t>
+            </a:r>
+            <a:r>
+              <a:rPr/>
+              <a:t> </a:t>
+            </a:r>
+            <a:r>
+              <a:rPr/>
+              <a:t>color</a:t>
+            </a:r>
+            <a:r>
+              <a:rPr/>
+              <a:t> </a:t>
+            </a:r>
+            <a:r>
+              <a:rPr/>
+              <a:t>palletes</a:t>
+            </a:r>
+          </a:p>
+        </p:txBody>
+      </p:sp>
+      <p:sp>
+        <p:nvSpPr>
+          <p:cNvPr id="3" name="Content Placeholder 2"/>
+          <p:cNvSpPr>
+            <a:spLocks noGrp="1"/>
+          </p:cNvSpPr>
+          <p:nvPr>
+            <p:ph idx="1"/>
+          </p:nvPr>
+        </p:nvSpPr>
+        <p:spPr/>
+        <p:txBody>
+          <a:bodyPr/>
+          <a:lstStyle/>
+          <a:p>
+            <a:pPr lvl="1"/>
+            <a:r>
+              <a:rPr/>
+              <a:t>(To be added)</a:t>
+            </a:r>
+          </a:p>
+        </p:txBody>
+      </p:sp>
+    </p:spTree>
+  </p:cSld>
+</p:sld>
+</file>
+
+<file path=ppt/slides/slide25.xml><?xml version="1.0" encoding="utf-8"?>
+<p:sld xmlns:a="http://schemas.openxmlformats.org/drawingml/2006/main" xmlns:r="http://schemas.openxmlformats.org/officeDocument/2006/relationships" xmlns:p="http://schemas.openxmlformats.org/presentationml/2006/main">
+  <p:cSld>
+    <p:spTree>
+      <p:nvGrpSpPr>
+        <p:cNvPr id="1" name=""/>
+        <p:cNvGrpSpPr/>
+        <p:nvPr/>
+      </p:nvGrpSpPr>
+      <p:grpSpPr>
+        <a:xfrm>
+          <a:off x="0" y="0"/>
+          <a:ext cx="0" cy="0"/>
+          <a:chOff x="0" y="0"/>
+          <a:chExt cx="0" cy="0"/>
+        </a:xfrm>
+      </p:grpSpPr>
+      <p:sp>
+        <p:nvSpPr>
+          <p:cNvPr id="2" name="Title 1"/>
+          <p:cNvSpPr>
+            <a:spLocks noGrp="1"/>
+          </p:cNvSpPr>
+          <p:nvPr>
+            <p:ph type="title"/>
+          </p:nvPr>
+        </p:nvSpPr>
+        <p:spPr/>
+        <p:txBody>
+          <a:bodyPr/>
+          <a:lstStyle/>
+          <a:p>
+            <a:pPr lvl="0" marL="0" indent="0">
+              <a:buNone/>
+            </a:pPr>
+            <a:r>
+              <a:rPr/>
+              <a:t>Colors,</a:t>
+            </a:r>
+            <a:r>
+              <a:rPr/>
+              <a:t> </a:t>
+            </a:r>
+            <a:r>
+              <a:rPr/>
+              <a:t>CYMK</a:t>
+            </a:r>
+            <a:r>
+              <a:rPr/>
+              <a:t> </a:t>
+            </a:r>
+            <a:r>
+              <a:rPr/>
+              <a:t>system</a:t>
+            </a:r>
+          </a:p>
+        </p:txBody>
+      </p:sp>
+      <p:sp>
+        <p:nvSpPr>
+          <p:cNvPr id="3" name="Content Placeholder 2"/>
+          <p:cNvSpPr>
+            <a:spLocks noGrp="1"/>
+          </p:cNvSpPr>
+          <p:nvPr>
+            <p:ph idx="1"/>
+          </p:nvPr>
+        </p:nvSpPr>
+        <p:spPr/>
+        <p:txBody>
+          <a:bodyPr/>
+          <a:lstStyle/>
+          <a:p>
+            <a:pPr lvl="1"/>
+            <a:r>
+              <a:rPr/>
+              <a:t>(To be added)</a:t>
+            </a:r>
+          </a:p>
+        </p:txBody>
+      </p:sp>
+    </p:spTree>
+  </p:cSld>
+</p:sld>
+</file>
+
+<file path=ppt/slides/slide26.xml><?xml version="1.0" encoding="utf-8"?>
+<p:sld xmlns:a="http://schemas.openxmlformats.org/drawingml/2006/main" xmlns:r="http://schemas.openxmlformats.org/officeDocument/2006/relationships" xmlns:p="http://schemas.openxmlformats.org/presentationml/2006/main">
+  <p:cSld>
+    <p:spTree>
+      <p:nvGrpSpPr>
+        <p:cNvPr id="1" name=""/>
+        <p:cNvGrpSpPr/>
+        <p:nvPr/>
+      </p:nvGrpSpPr>
+      <p:grpSpPr>
+        <a:xfrm>
+          <a:off x="0" y="0"/>
+          <a:ext cx="0" cy="0"/>
+          <a:chOff x="0" y="0"/>
+          <a:chExt cx="0" cy="0"/>
+        </a:xfrm>
+      </p:grpSpPr>
+      <p:sp>
+        <p:nvSpPr>
+          <p:cNvPr id="2" name="Title 1"/>
+          <p:cNvSpPr>
+            <a:spLocks noGrp="1"/>
+          </p:cNvSpPr>
+          <p:nvPr>
+            <p:ph type="title"/>
+          </p:nvPr>
+        </p:nvSpPr>
+        <p:spPr/>
+        <p:txBody>
+          <a:bodyPr/>
+          <a:lstStyle/>
+          <a:p>
+            <a:pPr lvl="0" marL="0" indent="0">
+              <a:buNone/>
+            </a:pPr>
+            <a:r>
+              <a:rPr/>
+              <a:t>Colors,</a:t>
+            </a:r>
+            <a:r>
+              <a:rPr/>
+              <a:t> </a:t>
+            </a:r>
+            <a:r>
+              <a:rPr/>
+              <a:t>review</a:t>
+            </a:r>
+          </a:p>
+        </p:txBody>
+      </p:sp>
+      <p:sp>
+        <p:nvSpPr>
+          <p:cNvPr id="3" name="Content Placeholder 2"/>
+          <p:cNvSpPr>
+            <a:spLocks noGrp="1"/>
+          </p:cNvSpPr>
+          <p:nvPr>
+            <p:ph idx="1"/>
+          </p:nvPr>
+        </p:nvSpPr>
+        <p:spPr/>
+        <p:txBody>
+          <a:bodyPr/>
+          <a:lstStyle/>
+          <a:p>
+            <a:pPr lvl="1"/>
+            <a:r>
+              <a:rPr/>
+              <a:t>Kindergarten view of colors</a:t>
+            </a:r>
+          </a:p>
+          <a:p>
+            <a:pPr lvl="1"/>
+            <a:r>
+              <a:rPr/>
+              <a:t>Review hexadecimal codes</a:t>
+            </a:r>
+          </a:p>
+          <a:p>
+            <a:pPr lvl="1"/>
+            <a:r>
+              <a:rPr/>
               <a:t>RGB color system</a:t>
+            </a:r>
+          </a:p>
+          <a:p>
+            <a:pPr lvl="2"/>
+            <a:r>
+              <a:rPr/>
+              <a:t>Gradients</a:t>
+            </a:r>
+          </a:p>
+          <a:p>
+            <a:pPr lvl="1"/>
+            <a:r>
+              <a:rPr/>
+              <a:t>HSV color system</a:t>
+            </a:r>
+          </a:p>
+          <a:p>
+            <a:pPr lvl="2"/>
+            <a:r>
+              <a:rPr/>
+              <a:t>Discrete color palettes</a:t>
+            </a:r>
+          </a:p>
+          <a:p>
+            <a:pPr lvl="1"/>
+            <a:r>
+              <a:rPr/>
+              <a:t>CYMK system</a:t>
             </a:r>
           </a:p>
         </p:txBody>
@@ -4276,7 +11279,7 @@
           <p:nvPr/>
         </p:nvPicPr>
         <p:blipFill>
-          <a:blip r:embed="rId2"/>
+          <a:blip r:embed="rId3"/>
           <a:stretch>
             <a:fillRect/>
           </a:stretch>
@@ -4347,7 +11350,7 @@
             </a:r>
             <a:r>
               <a:rPr/>
-              <a:t>Hexadecimal</a:t>
+              <a:t>Binary</a:t>
             </a:r>
             <a:r>
               <a:rPr/>
@@ -4577,6 +11580,96 @@
                 <a:pPr lvl="1"/>
                 <a:r>
                   <a:rPr/>
+                  <a:t>Eight binary digits represent the numbers 0-255</a:t>
+                </a:r>
+              </a:p>
+            </p:txBody>
+          </p:sp>
+        </mc:Choice>
+      </mc:AlternateContent>
+    </p:spTree>
+  </p:cSld>
+</p:sld>
+</file>
+
+<file path=ppt/slides/slide5.xml><?xml version="1.0" encoding="utf-8"?>
+<p:sld xmlns:a="http://schemas.openxmlformats.org/drawingml/2006/main" xmlns:r="http://schemas.openxmlformats.org/officeDocument/2006/relationships" xmlns:p="http://schemas.openxmlformats.org/presentationml/2006/main">
+  <p:cSld>
+    <p:spTree>
+      <p:nvGrpSpPr>
+        <p:cNvPr id="1" name=""/>
+        <p:cNvGrpSpPr/>
+        <p:nvPr/>
+      </p:nvGrpSpPr>
+      <p:grpSpPr>
+        <a:xfrm>
+          <a:off x="0" y="0"/>
+          <a:ext cx="0" cy="0"/>
+          <a:chOff x="0" y="0"/>
+          <a:chExt cx="0" cy="0"/>
+        </a:xfrm>
+      </p:grpSpPr>
+      <p:sp>
+        <p:nvSpPr>
+          <p:cNvPr id="2" name="Title 1"/>
+          <p:cNvSpPr>
+            <a:spLocks noGrp="1"/>
+          </p:cNvSpPr>
+          <p:nvPr>
+            <p:ph type="title"/>
+          </p:nvPr>
+        </p:nvSpPr>
+        <p:spPr/>
+        <p:txBody>
+          <a:bodyPr/>
+          <a:lstStyle/>
+          <a:p>
+            <a:pPr lvl="0" marL="0" indent="0">
+              <a:buNone/>
+            </a:pPr>
+            <a:r>
+              <a:rPr/>
+              <a:t>Colors,</a:t>
+            </a:r>
+            <a:r>
+              <a:rPr/>
+              <a:t> </a:t>
+            </a:r>
+            <a:r>
+              <a:rPr/>
+              <a:t>Hexadecimal</a:t>
+            </a:r>
+            <a:r>
+              <a:rPr/>
+              <a:t> </a:t>
+            </a:r>
+            <a:r>
+              <a:rPr/>
+              <a:t>codes</a:t>
+            </a:r>
+          </a:p>
+        </p:txBody>
+      </p:sp>
+      <mc:AlternateContent xmlns:mc="http://schemas.openxmlformats.org/markup-compatibility/2006">
+        <mc:Choice xmlns:a14="http://schemas.microsoft.com/office/drawing/2010/main" Requires="a14">
+          <p:sp>
+            <p:nvSpPr>
+              <p:cNvPr id="3" name="Content Placeholder 2"/>
+              <p:cNvSpPr>
+                <a:spLocks noGrp="1"/>
+              </p:cNvSpPr>
+              <p:nvPr>
+                <p:ph idx="1"/>
+              </p:nvPr>
+            </p:nvSpPr>
+            <p:spPr/>
+            <p:txBody>
+              <a:bodyPr/>
+              <a:lstStyle/>
+              <a:p>
+                <a:pPr lvl="1"/>
+                <a:r>
+                  <a:rPr/>
                   <a:t>Hexadecimal digits (base 16)</a:t>
                 </a:r>
               </a:p>
@@ -4665,153 +11758,17 @@
                   <a:t>00 (base 16) = 0, FF (base 16) = 255</a:t>
                 </a:r>
               </a:p>
+              <a:p>
+                <a:pPr lvl="1"/>
+                <a:r>
+                  <a:rPr/>
+                  <a:t>A # prefix implies hexadecimal in most computer languages.</a:t>
+                </a:r>
+              </a:p>
             </p:txBody>
           </p:sp>
         </mc:Choice>
       </mc:AlternateContent>
-    </p:spTree>
-  </p:cSld>
-</p:sld>
-</file>
-
-<file path=ppt/slides/slide5.xml><?xml version="1.0" encoding="utf-8"?>
-<p:sld xmlns:a="http://schemas.openxmlformats.org/drawingml/2006/main" xmlns:r="http://schemas.openxmlformats.org/officeDocument/2006/relationships" xmlns:p="http://schemas.openxmlformats.org/presentationml/2006/main">
-  <p:cSld>
-    <p:spTree>
-      <p:nvGrpSpPr>
-        <p:cNvPr id="1" name=""/>
-        <p:cNvGrpSpPr/>
-        <p:nvPr/>
-      </p:nvGrpSpPr>
-      <p:grpSpPr>
-        <a:xfrm>
-          <a:off x="0" y="0"/>
-          <a:ext cx="0" cy="0"/>
-          <a:chOff x="0" y="0"/>
-          <a:chExt cx="0" cy="0"/>
-        </a:xfrm>
-      </p:grpSpPr>
-      <p:sp>
-        <p:nvSpPr>
-          <p:cNvPr id="2" name="Title 1"/>
-          <p:cNvSpPr>
-            <a:spLocks noGrp="1"/>
-          </p:cNvSpPr>
-          <p:nvPr>
-            <p:ph type="title"/>
-          </p:nvPr>
-        </p:nvSpPr>
-        <p:spPr/>
-        <p:txBody>
-          <a:bodyPr/>
-          <a:lstStyle/>
-          <a:p>
-            <a:pPr lvl="0" marL="0" indent="0">
-              <a:buNone/>
-            </a:pPr>
-            <a:r>
-              <a:rPr/>
-              <a:t>Colors,</a:t>
-            </a:r>
-            <a:r>
-              <a:rPr/>
-              <a:t> </a:t>
-            </a:r>
-            <a:r>
-              <a:rPr/>
-              <a:t>Codes</a:t>
-            </a:r>
-            <a:r>
-              <a:rPr/>
-              <a:t> </a:t>
-            </a:r>
-            <a:r>
-              <a:rPr/>
-              <a:t>for</a:t>
-            </a:r>
-            <a:r>
-              <a:rPr/>
-              <a:t> </a:t>
-            </a:r>
-            <a:r>
-              <a:rPr/>
-              <a:t>colors</a:t>
-            </a:r>
-          </a:p>
-        </p:txBody>
-      </p:sp>
-      <p:sp>
-        <p:nvSpPr>
-          <p:cNvPr id="3" name="Content Placeholder 2"/>
-          <p:cNvSpPr>
-            <a:spLocks noGrp="1"/>
-          </p:cNvSpPr>
-          <p:nvPr>
-            <p:ph idx="1"/>
-          </p:nvPr>
-        </p:nvSpPr>
-        <p:spPr/>
-        <p:txBody>
-          <a:bodyPr/>
-          <a:lstStyle/>
-          <a:p>
-            <a:pPr lvl="1"/>
-            <a:r>
-              <a:rPr/>
-              <a:t>#rrggbb format</a:t>
-            </a:r>
-          </a:p>
-          <a:p>
-            <a:pPr lvl="2"/>
-            <a:r>
-              <a:rPr/>
-              <a:t>#000000 is pure black</a:t>
-            </a:r>
-          </a:p>
-          <a:p>
-            <a:pPr lvl="2"/>
-            <a:r>
-              <a:rPr/>
-              <a:t>#FFFFFF is pure white</a:t>
-            </a:r>
-          </a:p>
-          <a:p>
-            <a:pPr lvl="2"/>
-            <a:r>
-              <a:rPr/>
-              <a:t>#FF0000 is pure red</a:t>
-            </a:r>
-          </a:p>
-          <a:p>
-            <a:pPr lvl="2"/>
-            <a:r>
-              <a:rPr/>
-              <a:t>#00FF00 is pure green</a:t>
-            </a:r>
-          </a:p>
-          <a:p>
-            <a:pPr lvl="2"/>
-            <a:r>
-              <a:rPr/>
-              <a:t>#0000FF is pure blue</a:t>
-            </a:r>
-          </a:p>
-          <a:p>
-            <a:pPr lvl="1"/>
-            <a:r>
-              <a:rPr/>
-              <a:t>You can mix and match to get 16,777,216 colors</a:t>
-            </a:r>
-          </a:p>
-          <a:p>
-            <a:pPr lvl="2"/>
-            <a:r>
-              <a:rPr/>
-              <a:t>#800080 is purple, #FF69B4 is pink, #40e0d0 is turquoise</a:t>
-            </a:r>
-          </a:p>
-        </p:txBody>
-      </p:sp>
     </p:spTree>
   </p:cSld>
 </p:sld>
@@ -4862,65 +11819,99 @@
             </a:r>
             <a:r>
               <a:rPr/>
-              <a:t>The</a:t>
-            </a:r>
-            <a:r>
-              <a:rPr/>
-              <a:t> </a:t>
-            </a:r>
-            <a:r>
-              <a:rPr/>
-              <a:t>color</a:t>
-            </a:r>
-            <a:r>
-              <a:rPr/>
-              <a:t> </a:t>
-            </a:r>
-            <a:r>
-              <a:rPr/>
-              <a:t>cube</a:t>
-            </a:r>
-            <a:r>
-              <a:rPr/>
-              <a:t> </a:t>
-            </a:r>
-            <a:r>
-              <a:rPr/>
-              <a:t>(1/2)</a:t>
+              <a:t>Codes</a:t>
+            </a:r>
+            <a:r>
+              <a:rPr/>
+              <a:t> </a:t>
+            </a:r>
+            <a:r>
+              <a:rPr/>
+              <a:t>for</a:t>
+            </a:r>
+            <a:r>
+              <a:rPr/>
+              <a:t> </a:t>
+            </a:r>
+            <a:r>
+              <a:rPr/>
+              <a:t>colors</a:t>
             </a:r>
           </a:p>
         </p:txBody>
       </p:sp>
-      <p:pic>
-        <p:nvPicPr>
-          <p:cNvPr descr="../images/r/color-cube-1.png" id="0" name="Picture 1"/>
-          <p:cNvPicPr>
-            <a:picLocks noGrp="1" noChangeAspect="1"/>
-          </p:cNvPicPr>
-          <p:nvPr/>
-        </p:nvPicPr>
-        <p:blipFill>
-          <a:blip r:embed="rId2"/>
-          <a:stretch>
-            <a:fillRect/>
-          </a:stretch>
-        </p:blipFill>
-        <p:spPr bwMode="auto">
-          <a:xfrm>
-            <a:off x="2311400" y="1600200"/>
-            <a:ext cx="4521200" cy="4521200"/>
-          </a:xfrm>
-          <a:prstGeom prst="rect">
-            <a:avLst/>
-          </a:prstGeom>
-          <a:noFill/>
-          <a:ln w="9525">
-            <a:noFill/>
-            <a:headEnd/>
-            <a:tailEnd/>
-          </a:ln>
-        </p:spPr>
-      </p:pic>
+      <p:sp>
+        <p:nvSpPr>
+          <p:cNvPr id="3" name="Content Placeholder 2"/>
+          <p:cNvSpPr>
+            <a:spLocks noGrp="1"/>
+          </p:cNvSpPr>
+          <p:nvPr>
+            <p:ph idx="1"/>
+          </p:nvPr>
+        </p:nvSpPr>
+        <p:spPr/>
+        <p:txBody>
+          <a:bodyPr/>
+          <a:lstStyle/>
+          <a:p>
+            <a:pPr lvl="1"/>
+            <a:r>
+              <a:rPr/>
+              <a:t>#rrggbb format</a:t>
+            </a:r>
+          </a:p>
+          <a:p>
+            <a:pPr lvl="2"/>
+            <a:r>
+              <a:rPr/>
+              <a:t>#000000 is pure black</a:t>
+            </a:r>
+          </a:p>
+          <a:p>
+            <a:pPr lvl="2"/>
+            <a:r>
+              <a:rPr/>
+              <a:t>#FFFFFF is pure white</a:t>
+            </a:r>
+          </a:p>
+          <a:p>
+            <a:pPr lvl="2"/>
+            <a:r>
+              <a:rPr/>
+              <a:t>#FF0000 is pure red</a:t>
+            </a:r>
+          </a:p>
+          <a:p>
+            <a:pPr lvl="2"/>
+            <a:r>
+              <a:rPr/>
+              <a:t>#00FF00 is pure green</a:t>
+            </a:r>
+          </a:p>
+          <a:p>
+            <a:pPr lvl="2"/>
+            <a:r>
+              <a:rPr/>
+              <a:t>#0000FF is pure blue</a:t>
+            </a:r>
+          </a:p>
+          <a:p>
+            <a:pPr lvl="1"/>
+            <a:r>
+              <a:rPr/>
+              <a:t>You can mix and match to get 16,777,216 colors</a:t>
+            </a:r>
+          </a:p>
+          <a:p>
+            <a:pPr lvl="2"/>
+            <a:r>
+              <a:rPr/>
+              <a:t>#800080 is purple, #FF69B4 is pink, #40e0d0 is turquoise</a:t>
+            </a:r>
+          </a:p>
+        </p:txBody>
+      </p:sp>
     </p:spTree>
   </p:cSld>
 </p:sld>
@@ -4971,65 +11962,63 @@
             </a:r>
             <a:r>
               <a:rPr/>
-              <a:t>The</a:t>
-            </a:r>
-            <a:r>
-              <a:rPr/>
-              <a:t> </a:t>
-            </a:r>
-            <a:r>
-              <a:rPr/>
-              <a:t>color</a:t>
-            </a:r>
-            <a:r>
-              <a:rPr/>
-              <a:t> </a:t>
-            </a:r>
-            <a:r>
-              <a:rPr/>
-              <a:t>cube</a:t>
-            </a:r>
-            <a:r>
-              <a:rPr/>
-              <a:t> </a:t>
-            </a:r>
-            <a:r>
-              <a:rPr/>
-              <a:t>(2/2)</a:t>
+              <a:t>RGB</a:t>
+            </a:r>
+            <a:r>
+              <a:rPr/>
+              <a:t> </a:t>
+            </a:r>
+            <a:r>
+              <a:rPr/>
+              <a:t>combinations</a:t>
             </a:r>
           </a:p>
         </p:txBody>
       </p:sp>
-      <p:pic>
-        <p:nvPicPr>
-          <p:cNvPr descr="../images/r/color-cube-2.png" id="0" name="Picture 1"/>
-          <p:cNvPicPr>
-            <a:picLocks noGrp="1" noChangeAspect="1"/>
-          </p:cNvPicPr>
-          <p:nvPr/>
-        </p:nvPicPr>
-        <p:blipFill>
-          <a:blip r:embed="rId2"/>
-          <a:stretch>
-            <a:fillRect/>
-          </a:stretch>
-        </p:blipFill>
-        <p:spPr bwMode="auto">
-          <a:xfrm>
-            <a:off x="2311400" y="1600200"/>
-            <a:ext cx="4521200" cy="4521200"/>
-          </a:xfrm>
-          <a:prstGeom prst="rect">
-            <a:avLst/>
-          </a:prstGeom>
-          <a:noFill/>
-          <a:ln w="9525">
-            <a:noFill/>
-            <a:headEnd/>
-            <a:tailEnd/>
-          </a:ln>
-        </p:spPr>
-      </p:pic>
+      <p:sp>
+        <p:nvSpPr>
+          <p:cNvPr id="3" name="Content Placeholder 2"/>
+          <p:cNvSpPr>
+            <a:spLocks noGrp="1"/>
+          </p:cNvSpPr>
+          <p:nvPr>
+            <p:ph idx="1"/>
+          </p:nvPr>
+        </p:nvSpPr>
+        <p:spPr/>
+        <p:txBody>
+          <a:bodyPr/>
+          <a:lstStyle/>
+          <a:p>
+            <a:pPr lvl="1"/>
+            <a:r>
+              <a:rPr/>
+              <a:t>Red, green, and blue combinations produce yellow, magenta, and cyan.</a:t>
+            </a:r>
+          </a:p>
+          <a:p>
+            <a:pPr lvl="2"/>
+            <a:r>
+              <a:rPr/>
+              <a:t>#FF0000 (pure red) plus ##00FF00 (pure green) equals #FFFF00 (pure yellow)</a:t>
+            </a:r>
+          </a:p>
+          <a:p>
+            <a:pPr lvl="2"/>
+            <a:r>
+              <a:rPr/>
+              <a:t>#FF0000 (pure red) plus #0000FF (pure blue) equals #FF00FF (pure magenta)</a:t>
+            </a:r>
+          </a:p>
+          <a:p>
+            <a:pPr lvl="2"/>
+            <a:r>
+              <a:rPr/>
+              <a:t>#00FF00 (pure green) plus #0000FF (pure blue) equals #00FFFF (pure cyan)</a:t>
+            </a:r>
+          </a:p>
+        </p:txBody>
+      </p:sp>
     </p:spTree>
   </p:cSld>
 </p:sld>
@@ -5080,49 +12069,71 @@
             </a:r>
             <a:r>
               <a:rPr/>
-              <a:t>Gradients</a:t>
-            </a:r>
-            <a:r>
-              <a:rPr/>
-              <a:t> </a:t>
-            </a:r>
-            <a:r>
-              <a:rPr/>
-              <a:t>(1/5)</a:t>
+              <a:t>more</a:t>
+            </a:r>
+            <a:r>
+              <a:rPr/>
+              <a:t> </a:t>
+            </a:r>
+            <a:r>
+              <a:rPr/>
+              <a:t>RGB</a:t>
+            </a:r>
+            <a:r>
+              <a:rPr/>
+              <a:t> </a:t>
+            </a:r>
+            <a:r>
+              <a:rPr/>
+              <a:t>combinations</a:t>
             </a:r>
           </a:p>
         </p:txBody>
       </p:sp>
-      <p:pic>
-        <p:nvPicPr>
-          <p:cNvPr descr="../images/r/rgb-gradient-1.png" id="0" name="Picture 1"/>
-          <p:cNvPicPr>
-            <a:picLocks noGrp="1" noChangeAspect="1"/>
-          </p:cNvPicPr>
-          <p:nvPr/>
-        </p:nvPicPr>
-        <p:blipFill>
-          <a:blip r:embed="rId2"/>
-          <a:stretch>
-            <a:fillRect/>
-          </a:stretch>
-        </p:blipFill>
-        <p:spPr bwMode="auto">
-          <a:xfrm>
-            <a:off x="2311400" y="1600200"/>
-            <a:ext cx="4521200" cy="4521200"/>
-          </a:xfrm>
-          <a:prstGeom prst="rect">
-            <a:avLst/>
-          </a:prstGeom>
-          <a:noFill/>
-          <a:ln w="9525">
-            <a:noFill/>
-            <a:headEnd/>
-            <a:tailEnd/>
-          </a:ln>
-        </p:spPr>
-      </p:pic>
+      <p:sp>
+        <p:nvSpPr>
+          <p:cNvPr id="3" name="Content Placeholder 2"/>
+          <p:cNvSpPr>
+            <a:spLocks noGrp="1"/>
+          </p:cNvSpPr>
+          <p:nvPr>
+            <p:ph idx="1"/>
+          </p:nvPr>
+        </p:nvSpPr>
+        <p:spPr/>
+        <p:txBody>
+          <a:bodyPr/>
+          <a:lstStyle/>
+          <a:p>
+            <a:pPr lvl="1"/>
+            <a:r>
+              <a:rPr/>
+              <a:t>Add the third color to produce white</a:t>
+            </a:r>
+          </a:p>
+          <a:p>
+            <a:pPr lvl="2"/>
+            <a:r>
+              <a:rPr/>
+              <a:t>#FFFF00 (pure yellow) plus #0000FF (pure blue) equals #FFFFFF (pure white)</a:t>
+            </a:r>
+          </a:p>
+          <a:p>
+            <a:pPr lvl="2"/>
+            <a:r>
+              <a:rPr/>
+              <a:t>#FF00FF (pure magenta) plus #00FF00 (pure green) equals #FFFFFF (pure white)</a:t>
+            </a:r>
+          </a:p>
+          <a:p>
+            <a:pPr lvl="2"/>
+            <a:r>
+              <a:rPr/>
+              <a:t>#00FFFF (pure cyan) plus #FF0000 (pure red) equals #FFFFFF (pure white)</a:t>
+            </a:r>
+          </a:p>
+        </p:txBody>
+      </p:sp>
     </p:spTree>
   </p:cSld>
 </p:sld>
@@ -5173,22 +12184,38 @@
             </a:r>
             <a:r>
               <a:rPr/>
-              <a:t>Gradients</a:t>
-            </a:r>
-            <a:r>
-              <a:rPr/>
-              <a:t> </a:t>
-            </a:r>
-            <a:r>
-              <a:rPr/>
-              <a:t>(2/5)</a:t>
+              <a:t>The</a:t>
+            </a:r>
+            <a:r>
+              <a:rPr/>
+              <a:t> </a:t>
+            </a:r>
+            <a:r>
+              <a:rPr/>
+              <a:t>color</a:t>
+            </a:r>
+            <a:r>
+              <a:rPr/>
+              <a:t> </a:t>
+            </a:r>
+            <a:r>
+              <a:rPr/>
+              <a:t>cube</a:t>
+            </a:r>
+            <a:r>
+              <a:rPr/>
+              <a:t> </a:t>
+            </a:r>
+            <a:r>
+              <a:rPr/>
+              <a:t>(1/2)</a:t>
             </a:r>
           </a:p>
         </p:txBody>
       </p:sp>
       <p:pic>
         <p:nvPicPr>
-          <p:cNvPr descr="../images/r/rgb-gradient-2.png" id="0" name="Picture 1"/>
+          <p:cNvPr descr="../images/r/color-cube-1.png" id="0" name="Picture 1"/>
           <p:cNvPicPr>
             <a:picLocks noGrp="1" noChangeAspect="1"/>
           </p:cNvPicPr>
@@ -5202,8 +12229,8 @@
         </p:blipFill>
         <p:spPr bwMode="auto">
           <a:xfrm>
-            <a:off x="2311400" y="1600200"/>
-            <a:ext cx="4521200" cy="4521200"/>
+            <a:off x="2565400" y="1600200"/>
+            <a:ext cx="4013200" cy="4013200"/>
           </a:xfrm>
           <a:prstGeom prst="rect">
             <a:avLst/>
@@ -5216,6 +12243,84 @@
           </a:ln>
         </p:spPr>
       </p:pic>
+      <p:sp>
+        <p:nvSpPr>
+          <p:cNvPr id="1" name="TextBox 3"/>
+          <p:cNvSpPr txBox="1"/>
+          <p:nvPr/>
+        </p:nvSpPr>
+        <p:spPr>
+          <a:xfrm>
+            <a:off x="457200" y="5613400"/>
+            <a:ext cx="8229600" cy="508000"/>
+          </a:xfrm>
+          <a:prstGeom prst="rect">
+            <a:avLst/>
+          </a:prstGeom>
+          <a:noFill/>
+        </p:spPr>
+        <p:txBody>
+          <a:bodyPr/>
+          <a:lstStyle/>
+          <a:p>
+            <a:pPr lvl="0" marL="0" indent="0" algn="ctr">
+              <a:buNone/>
+            </a:pPr>
+            <a:r>
+              <a:rPr/>
+              <a:t>The</a:t>
+            </a:r>
+            <a:r>
+              <a:rPr/>
+              <a:t> </a:t>
+            </a:r>
+            <a:r>
+              <a:rPr/>
+              <a:t>three</a:t>
+            </a:r>
+            <a:r>
+              <a:rPr/>
+              <a:t> </a:t>
+            </a:r>
+            <a:r>
+              <a:rPr/>
+              <a:t>axes</a:t>
+            </a:r>
+            <a:r>
+              <a:rPr/>
+              <a:t> </a:t>
+            </a:r>
+            <a:r>
+              <a:rPr/>
+              <a:t>of</a:t>
+            </a:r>
+            <a:r>
+              <a:rPr/>
+              <a:t> </a:t>
+            </a:r>
+            <a:r>
+              <a:rPr/>
+              <a:t>the</a:t>
+            </a:r>
+            <a:r>
+              <a:rPr/>
+              <a:t> </a:t>
+            </a:r>
+            <a:r>
+              <a:rPr/>
+              <a:t>color</a:t>
+            </a:r>
+            <a:r>
+              <a:rPr/>
+              <a:t> </a:t>
+            </a:r>
+            <a:r>
+              <a:rPr/>
+              <a:t>cube</a:t>
+            </a:r>
+          </a:p>
+        </p:txBody>
+      </p:sp>
     </p:spTree>
   </p:cSld>
 </p:sld>
@@ -5539,4 +12644,265 @@
   </a:objectDefaults>
   <a:extraClrSchemeLst/>
 </a:theme>
+</file>
+
+<file path=ppt/theme/theme2.xml><?xml version="1.0" encoding="utf-8"?>
+<a:theme xmlns:a="http://schemas.openxmlformats.org/drawingml/2006/main" name="Office Theme">
+  <a:themeElements>
+    <a:clrScheme name="Office">
+      <a:dk1>
+        <a:sysClr val="windowText" lastClr="000000"/>
+      </a:dk1>
+      <a:lt1>
+        <a:sysClr val="window" lastClr="FFFFFF"/>
+      </a:lt1>
+      <a:dk2>
+        <a:srgbClr val="44546A"/>
+      </a:dk2>
+      <a:lt2>
+        <a:srgbClr val="E7E6E6"/>
+      </a:lt2>
+      <a:accent1>
+        <a:srgbClr val="5B9BD5"/>
+      </a:accent1>
+      <a:accent2>
+        <a:srgbClr val="ED7D31"/>
+      </a:accent2>
+      <a:accent3>
+        <a:srgbClr val="A5A5A5"/>
+      </a:accent3>
+      <a:accent4>
+        <a:srgbClr val="FFC000"/>
+      </a:accent4>
+      <a:accent5>
+        <a:srgbClr val="4472C4"/>
+      </a:accent5>
+      <a:accent6>
+        <a:srgbClr val="70AD47"/>
+      </a:accent6>
+      <a:hlink>
+        <a:srgbClr val="0563C1"/>
+      </a:hlink>
+      <a:folHlink>
+        <a:srgbClr val="954F72"/>
+      </a:folHlink>
+    </a:clrScheme>
+    <a:fontScheme name="Office">
+      <a:majorFont>
+        <a:latin typeface="Calibri Light" panose="020F0302020204030204"/>
+        <a:ea typeface=""/>
+        <a:cs typeface=""/>
+        <a:font script="Jpan" typeface="ＭＳ Ｐゴシック"/>
+        <a:font script="Hang" typeface="맑은 고딕"/>
+        <a:font script="Hans" typeface="宋体"/>
+        <a:font script="Hant" typeface="新細明體"/>
+        <a:font script="Arab" typeface="Times New Roman"/>
+        <a:font script="Hebr" typeface="Times New Roman"/>
+        <a:font script="Thai" typeface="Angsana New"/>
+        <a:font script="Ethi" typeface="Nyala"/>
+        <a:font script="Beng" typeface="Vrinda"/>
+        <a:font script="Gujr" typeface="Shruti"/>
+        <a:font script="Khmr" typeface="MoolBoran"/>
+        <a:font script="Knda" typeface="Tunga"/>
+        <a:font script="Guru" typeface="Raavi"/>
+        <a:font script="Cans" typeface="Euphemia"/>
+        <a:font script="Cher" typeface="Plantagenet Cherokee"/>
+        <a:font script="Yiii" typeface="Microsoft Yi Baiti"/>
+        <a:font script="Tibt" typeface="Microsoft Himalaya"/>
+        <a:font script="Thaa" typeface="MV Boli"/>
+        <a:font script="Deva" typeface="Mangal"/>
+        <a:font script="Telu" typeface="Gautami"/>
+        <a:font script="Taml" typeface="Latha"/>
+        <a:font script="Syrc" typeface="Estrangelo Edessa"/>
+        <a:font script="Orya" typeface="Kalinga"/>
+        <a:font script="Mlym" typeface="Kartika"/>
+        <a:font script="Laoo" typeface="DokChampa"/>
+        <a:font script="Sinh" typeface="Iskoola Pota"/>
+        <a:font script="Mong" typeface="Mongolian Baiti"/>
+        <a:font script="Viet" typeface="Times New Roman"/>
+        <a:font script="Uigh" typeface="Microsoft Uighur"/>
+        <a:font script="Geor" typeface="Sylfaen"/>
+      </a:majorFont>
+      <a:minorFont>
+        <a:latin typeface="Calibri" panose="020F0502020204030204"/>
+        <a:ea typeface=""/>
+        <a:cs typeface=""/>
+        <a:font script="Jpan" typeface="ＭＳ Ｐゴシック"/>
+        <a:font script="Hang" typeface="맑은 고딕"/>
+        <a:font script="Hans" typeface="宋体"/>
+        <a:font script="Hant" typeface="新細明體"/>
+        <a:font script="Arab" typeface="Arial"/>
+        <a:font script="Hebr" typeface="Arial"/>
+        <a:font script="Thai" typeface="Cordia New"/>
+        <a:font script="Ethi" typeface="Nyala"/>
+        <a:font script="Beng" typeface="Vrinda"/>
+        <a:font script="Gujr" typeface="Shruti"/>
+        <a:font script="Khmr" typeface="DaunPenh"/>
+        <a:font script="Knda" typeface="Tunga"/>
+        <a:font script="Guru" typeface="Raavi"/>
+        <a:font script="Cans" typeface="Euphemia"/>
+        <a:font script="Cher" typeface="Plantagenet Cherokee"/>
+        <a:font script="Yiii" typeface="Microsoft Yi Baiti"/>
+        <a:font script="Tibt" typeface="Microsoft Himalaya"/>
+        <a:font script="Thaa" typeface="MV Boli"/>
+        <a:font script="Deva" typeface="Mangal"/>
+        <a:font script="Telu" typeface="Gautami"/>
+        <a:font script="Taml" typeface="Latha"/>
+        <a:font script="Syrc" typeface="Estrangelo Edessa"/>
+        <a:font script="Orya" typeface="Kalinga"/>
+        <a:font script="Mlym" typeface="Kartika"/>
+        <a:font script="Laoo" typeface="DokChampa"/>
+        <a:font script="Sinh" typeface="Iskoola Pota"/>
+        <a:font script="Mong" typeface="Mongolian Baiti"/>
+        <a:font script="Viet" typeface="Arial"/>
+        <a:font script="Uigh" typeface="Microsoft Uighur"/>
+        <a:font script="Geor" typeface="Sylfaen"/>
+      </a:minorFont>
+    </a:fontScheme>
+    <a:fmtScheme name="Office">
+      <a:fillStyleLst>
+        <a:solidFill>
+          <a:schemeClr val="phClr"/>
+        </a:solidFill>
+        <a:gradFill rotWithShape="1">
+          <a:gsLst>
+            <a:gs pos="0">
+              <a:schemeClr val="phClr">
+                <a:lumMod val="110000"/>
+                <a:satMod val="105000"/>
+                <a:tint val="67000"/>
+              </a:schemeClr>
+            </a:gs>
+            <a:gs pos="50000">
+              <a:schemeClr val="phClr">
+                <a:lumMod val="105000"/>
+                <a:satMod val="103000"/>
+                <a:tint val="73000"/>
+              </a:schemeClr>
+            </a:gs>
+            <a:gs pos="100000">
+              <a:schemeClr val="phClr">
+                <a:lumMod val="105000"/>
+                <a:satMod val="109000"/>
+                <a:tint val="81000"/>
+              </a:schemeClr>
+            </a:gs>
+          </a:gsLst>
+          <a:lin ang="5400000" scaled="0"/>
+        </a:gradFill>
+        <a:gradFill rotWithShape="1">
+          <a:gsLst>
+            <a:gs pos="0">
+              <a:schemeClr val="phClr">
+                <a:satMod val="103000"/>
+                <a:lumMod val="102000"/>
+                <a:tint val="94000"/>
+              </a:schemeClr>
+            </a:gs>
+            <a:gs pos="50000">
+              <a:schemeClr val="phClr">
+                <a:satMod val="110000"/>
+                <a:lumMod val="100000"/>
+                <a:shade val="100000"/>
+              </a:schemeClr>
+            </a:gs>
+            <a:gs pos="100000">
+              <a:schemeClr val="phClr">
+                <a:lumMod val="99000"/>
+                <a:satMod val="120000"/>
+                <a:shade val="78000"/>
+              </a:schemeClr>
+            </a:gs>
+          </a:gsLst>
+          <a:lin ang="5400000" scaled="0"/>
+        </a:gradFill>
+      </a:fillStyleLst>
+      <a:lnStyleLst>
+        <a:ln w="6350" cap="flat" cmpd="sng" algn="ctr">
+          <a:solidFill>
+            <a:schemeClr val="phClr"/>
+          </a:solidFill>
+          <a:prstDash val="solid"/>
+          <a:miter lim="800000"/>
+        </a:ln>
+        <a:ln w="12700" cap="flat" cmpd="sng" algn="ctr">
+          <a:solidFill>
+            <a:schemeClr val="phClr"/>
+          </a:solidFill>
+          <a:prstDash val="solid"/>
+          <a:miter lim="800000"/>
+        </a:ln>
+        <a:ln w="19050" cap="flat" cmpd="sng" algn="ctr">
+          <a:solidFill>
+            <a:schemeClr val="phClr"/>
+          </a:solidFill>
+          <a:prstDash val="solid"/>
+          <a:miter lim="800000"/>
+        </a:ln>
+      </a:lnStyleLst>
+      <a:effectStyleLst>
+        <a:effectStyle>
+          <a:effectLst/>
+        </a:effectStyle>
+        <a:effectStyle>
+          <a:effectLst/>
+        </a:effectStyle>
+        <a:effectStyle>
+          <a:effectLst>
+            <a:outerShdw blurRad="57150" dist="19050" dir="5400000" algn="ctr" rotWithShape="0">
+              <a:srgbClr val="000000">
+                <a:alpha val="63000"/>
+              </a:srgbClr>
+            </a:outerShdw>
+          </a:effectLst>
+        </a:effectStyle>
+      </a:effectStyleLst>
+      <a:bgFillStyleLst>
+        <a:solidFill>
+          <a:schemeClr val="phClr"/>
+        </a:solidFill>
+        <a:solidFill>
+          <a:schemeClr val="phClr">
+            <a:tint val="95000"/>
+            <a:satMod val="170000"/>
+          </a:schemeClr>
+        </a:solidFill>
+        <a:gradFill rotWithShape="1">
+          <a:gsLst>
+            <a:gs pos="0">
+              <a:schemeClr val="phClr">
+                <a:tint val="93000"/>
+                <a:satMod val="150000"/>
+                <a:shade val="98000"/>
+                <a:lumMod val="102000"/>
+              </a:schemeClr>
+            </a:gs>
+            <a:gs pos="50000">
+              <a:schemeClr val="phClr">
+                <a:tint val="98000"/>
+                <a:satMod val="130000"/>
+                <a:shade val="90000"/>
+                <a:lumMod val="103000"/>
+              </a:schemeClr>
+            </a:gs>
+            <a:gs pos="100000">
+              <a:schemeClr val="phClr">
+                <a:shade val="63000"/>
+                <a:satMod val="120000"/>
+              </a:schemeClr>
+            </a:gs>
+          </a:gsLst>
+          <a:lin ang="5400000" scaled="0"/>
+        </a:gradFill>
+      </a:bgFillStyleLst>
+    </a:fmtScheme>
+  </a:themeElements>
+  <a:objectDefaults/>
+  <a:extraClrSchemeLst/>
+  <a:extLst>
+    <a:ext uri="{05A4C25C-085E-4340-85A3-A5531E510DB2}">
+      <thm15:themeFamily xmlns:thm15="http://schemas.microsoft.com/office/thememl/2012/main" name="Office Theme" id="{62F939B6-93AF-4DB8-9C6B-D6C7DFDC589F}" vid="{4A3C46E8-61CC-4603-A589-7422A47A8E4A}"/>
+    </a:ext>
+  </a:extLst>
+</a:theme>
 </file>
--- a/data-viz-02/component/tutorial-colors.pptx
+++ b/data-viz-02/component/tutorial-colors.pptx
@@ -1151,6 +1151,4008 @@
 </p:notes>
 </file>
 
+<file path=ppt/notesSlides/notesSlide10.xml><?xml version="1.0" encoding="utf-8"?>
+<p:notes xmlns:a="http://schemas.openxmlformats.org/drawingml/2006/main" xmlns:r="http://schemas.openxmlformats.org/officeDocument/2006/relationships" xmlns:p="http://schemas.openxmlformats.org/presentationml/2006/main">
+  <p:cSld>
+    <p:spTree>
+      <p:nvGrpSpPr>
+        <p:cNvPr id="1" name=""/>
+        <p:cNvGrpSpPr/>
+        <p:nvPr/>
+      </p:nvGrpSpPr>
+      <p:grpSpPr>
+        <a:xfrm>
+          <a:off x="0" y="0"/>
+          <a:ext cx="0" cy="0"/>
+          <a:chOff x="0" y="0"/>
+          <a:chExt cx="0" cy="0"/>
+        </a:xfrm>
+      </p:grpSpPr>
+      <p:sp>
+        <p:nvSpPr>
+          <p:cNvPr id="2" name="Slide Image Placeholder 1"/>
+          <p:cNvSpPr>
+            <a:spLocks noGrp="1" noRot="1" noChangeAspect="1"/>
+          </p:cNvSpPr>
+          <p:nvPr>
+            <p:ph type="sldImg"/>
+          </p:nvPr>
+        </p:nvSpPr>
+        <p:spPr/>
+      </p:sp>
+      <p:sp>
+        <p:nvSpPr>
+          <p:cNvPr id="3" name="Notes Placeholder 2"/>
+          <p:cNvSpPr>
+            <a:spLocks noGrp="1"/>
+          </p:cNvSpPr>
+          <p:nvPr>
+            <p:ph type="body" idx="1"/>
+          </p:nvPr>
+        </p:nvSpPr>
+        <p:spPr/>
+        <p:txBody>
+          <a:bodyPr/>
+          <a:lstStyle/>
+          <a:p>
+            <a:pPr lvl="0" marL="0" indent="0">
+              <a:buNone/>
+            </a:pPr>
+            <a:r>
+              <a:rPr/>
+              <a:t>You</a:t>
+            </a:r>
+            <a:r>
+              <a:rPr/>
+              <a:t> </a:t>
+            </a:r>
+            <a:r>
+              <a:rPr/>
+              <a:t>can</a:t>
+            </a:r>
+            <a:r>
+              <a:rPr/>
+              <a:t> </a:t>
+            </a:r>
+            <a:r>
+              <a:rPr/>
+              <a:t>develop</a:t>
+            </a:r>
+            <a:r>
+              <a:rPr/>
+              <a:t> </a:t>
+            </a:r>
+            <a:r>
+              <a:rPr/>
+              <a:t>gradients,</a:t>
+            </a:r>
+            <a:r>
+              <a:rPr/>
+              <a:t> </a:t>
+            </a:r>
+            <a:r>
+              <a:rPr/>
+              <a:t>gradual</a:t>
+            </a:r>
+            <a:r>
+              <a:rPr/>
+              <a:t> </a:t>
+            </a:r>
+            <a:r>
+              <a:rPr/>
+              <a:t>and</a:t>
+            </a:r>
+            <a:r>
+              <a:rPr/>
+              <a:t> </a:t>
+            </a:r>
+            <a:r>
+              <a:rPr/>
+              <a:t>continuous</a:t>
+            </a:r>
+            <a:r>
+              <a:rPr/>
+              <a:t> </a:t>
+            </a:r>
+            <a:r>
+              <a:rPr/>
+              <a:t>changes</a:t>
+            </a:r>
+            <a:r>
+              <a:rPr/>
+              <a:t> </a:t>
+            </a:r>
+            <a:r>
+              <a:rPr/>
+              <a:t>in</a:t>
+            </a:r>
+            <a:r>
+              <a:rPr/>
+              <a:t> </a:t>
+            </a:r>
+            <a:r>
+              <a:rPr/>
+              <a:t>color,</a:t>
+            </a:r>
+            <a:r>
+              <a:rPr/>
+              <a:t> </a:t>
+            </a:r>
+            <a:r>
+              <a:rPr/>
+              <a:t>by</a:t>
+            </a:r>
+            <a:r>
+              <a:rPr/>
+              <a:t> </a:t>
+            </a:r>
+            <a:r>
+              <a:rPr/>
+              <a:t>varying</a:t>
+            </a:r>
+            <a:r>
+              <a:rPr/>
+              <a:t> </a:t>
+            </a:r>
+            <a:r>
+              <a:rPr/>
+              <a:t>the</a:t>
+            </a:r>
+            <a:r>
+              <a:rPr/>
+              <a:t> </a:t>
+            </a:r>
+            <a:r>
+              <a:rPr/>
+              <a:t>channels</a:t>
+            </a:r>
+            <a:r>
+              <a:rPr/>
+              <a:t> </a:t>
+            </a:r>
+            <a:r>
+              <a:rPr/>
+              <a:t>from</a:t>
+            </a:r>
+            <a:r>
+              <a:rPr/>
+              <a:t> </a:t>
+            </a:r>
+            <a:r>
+              <a:rPr/>
+              <a:t>lowest</a:t>
+            </a:r>
+            <a:r>
+              <a:rPr/>
+              <a:t> </a:t>
+            </a:r>
+            <a:r>
+              <a:rPr/>
+              <a:t>to</a:t>
+            </a:r>
+            <a:r>
+              <a:rPr/>
+              <a:t> </a:t>
+            </a:r>
+            <a:r>
+              <a:rPr/>
+              <a:t>highest.</a:t>
+            </a:r>
+            <a:r>
+              <a:rPr/>
+              <a:t> </a:t>
+            </a:r>
+            <a:r>
+              <a:rPr/>
+              <a:t>If</a:t>
+            </a:r>
+            <a:r>
+              <a:rPr/>
+              <a:t> </a:t>
+            </a:r>
+            <a:r>
+              <a:rPr/>
+              <a:t>you</a:t>
+            </a:r>
+            <a:r>
+              <a:rPr/>
+              <a:t> </a:t>
+            </a:r>
+            <a:r>
+              <a:rPr/>
+              <a:t>let</a:t>
+            </a:r>
+            <a:r>
+              <a:rPr/>
+              <a:t> </a:t>
+            </a:r>
+            <a:r>
+              <a:rPr/>
+              <a:t>the</a:t>
+            </a:r>
+            <a:r>
+              <a:rPr/>
+              <a:t> </a:t>
+            </a:r>
+            <a:r>
+              <a:rPr/>
+              <a:t>red</a:t>
+            </a:r>
+            <a:r>
+              <a:rPr/>
+              <a:t> </a:t>
+            </a:r>
+            <a:r>
+              <a:rPr/>
+              <a:t>channel</a:t>
+            </a:r>
+            <a:r>
+              <a:rPr/>
+              <a:t> </a:t>
+            </a:r>
+            <a:r>
+              <a:rPr/>
+              <a:t>range</a:t>
+            </a:r>
+            <a:r>
+              <a:rPr/>
+              <a:t> </a:t>
+            </a:r>
+            <a:r>
+              <a:rPr/>
+              <a:t>from</a:t>
+            </a:r>
+            <a:r>
+              <a:rPr/>
+              <a:t> </a:t>
+            </a:r>
+            <a:r>
+              <a:rPr/>
+              <a:t>00</a:t>
+            </a:r>
+            <a:r>
+              <a:rPr/>
+              <a:t> </a:t>
+            </a:r>
+            <a:r>
+              <a:rPr/>
+              <a:t>to</a:t>
+            </a:r>
+            <a:r>
+              <a:rPr/>
+              <a:t> </a:t>
+            </a:r>
+            <a:r>
+              <a:rPr/>
+              <a:t>FF</a:t>
+            </a:r>
+            <a:r>
+              <a:rPr/>
+              <a:t> </a:t>
+            </a:r>
+            <a:r>
+              <a:rPr/>
+              <a:t>and</a:t>
+            </a:r>
+            <a:r>
+              <a:rPr/>
+              <a:t> </a:t>
+            </a:r>
+            <a:r>
+              <a:rPr/>
+              <a:t>keep</a:t>
+            </a:r>
+            <a:r>
+              <a:rPr/>
+              <a:t> </a:t>
+            </a:r>
+            <a:r>
+              <a:rPr/>
+              <a:t>the</a:t>
+            </a:r>
+            <a:r>
+              <a:rPr/>
+              <a:t> </a:t>
+            </a:r>
+            <a:r>
+              <a:rPr/>
+              <a:t>other</a:t>
+            </a:r>
+            <a:r>
+              <a:rPr/>
+              <a:t> </a:t>
+            </a:r>
+            <a:r>
+              <a:rPr/>
+              <a:t>channels</a:t>
+            </a:r>
+            <a:r>
+              <a:rPr/>
+              <a:t> </a:t>
+            </a:r>
+            <a:r>
+              <a:rPr/>
+              <a:t>at</a:t>
+            </a:r>
+            <a:r>
+              <a:rPr/>
+              <a:t> </a:t>
+            </a:r>
+            <a:r>
+              <a:rPr/>
+              <a:t>zero,</a:t>
+            </a:r>
+            <a:r>
+              <a:rPr/>
+              <a:t> </a:t>
+            </a:r>
+            <a:r>
+              <a:rPr/>
+              <a:t>you</a:t>
+            </a:r>
+            <a:r>
+              <a:rPr/>
+              <a:t> </a:t>
+            </a:r>
+            <a:r>
+              <a:rPr/>
+              <a:t>get</a:t>
+            </a:r>
+            <a:r>
+              <a:rPr/>
+              <a:t> </a:t>
+            </a:r>
+            <a:r>
+              <a:rPr/>
+              <a:t>a</a:t>
+            </a:r>
+            <a:r>
+              <a:rPr/>
+              <a:t> </a:t>
+            </a:r>
+            <a:r>
+              <a:rPr/>
+              <a:t>gradient</a:t>
+            </a:r>
+            <a:r>
+              <a:rPr/>
+              <a:t> </a:t>
+            </a:r>
+            <a:r>
+              <a:rPr/>
+              <a:t>from</a:t>
+            </a:r>
+            <a:r>
+              <a:rPr/>
+              <a:t> </a:t>
+            </a:r>
+            <a:r>
+              <a:rPr/>
+              <a:t>black</a:t>
+            </a:r>
+            <a:r>
+              <a:rPr/>
+              <a:t> </a:t>
+            </a:r>
+            <a:r>
+              <a:rPr/>
+              <a:t>through</a:t>
+            </a:r>
+            <a:r>
+              <a:rPr/>
+              <a:t> </a:t>
+            </a:r>
+            <a:r>
+              <a:rPr/>
+              <a:t>dark</a:t>
+            </a:r>
+            <a:r>
+              <a:rPr/>
+              <a:t> </a:t>
+            </a:r>
+            <a:r>
+              <a:rPr/>
+              <a:t>shades</a:t>
+            </a:r>
+            <a:r>
+              <a:rPr/>
+              <a:t> </a:t>
+            </a:r>
+            <a:r>
+              <a:rPr/>
+              <a:t>of</a:t>
+            </a:r>
+            <a:r>
+              <a:rPr/>
+              <a:t> </a:t>
+            </a:r>
+            <a:r>
+              <a:rPr/>
+              <a:t>red</a:t>
+            </a:r>
+            <a:r>
+              <a:rPr/>
+              <a:t> </a:t>
+            </a:r>
+            <a:r>
+              <a:rPr/>
+              <a:t>to</a:t>
+            </a:r>
+            <a:r>
+              <a:rPr/>
+              <a:t> </a:t>
+            </a:r>
+            <a:r>
+              <a:rPr/>
+              <a:t>pure</a:t>
+            </a:r>
+            <a:r>
+              <a:rPr/>
+              <a:t> </a:t>
+            </a:r>
+            <a:r>
+              <a:rPr/>
+              <a:t>red.</a:t>
+            </a:r>
+          </a:p>
+          <a:p>
+            <a:pPr lvl="0" marL="0" indent="0">
+              <a:buNone/>
+            </a:pPr>
+          </a:p>
+          <a:p>
+            <a:pPr lvl="0" marL="0" indent="0">
+              <a:buNone/>
+            </a:pPr>
+            <a:r>
+              <a:rPr/>
+              <a:t>The</a:t>
+            </a:r>
+            <a:r>
+              <a:rPr/>
+              <a:t> </a:t>
+            </a:r>
+            <a:r>
+              <a:rPr/>
+              <a:t>figure</a:t>
+            </a:r>
+            <a:r>
+              <a:rPr/>
+              <a:t> </a:t>
+            </a:r>
+            <a:r>
+              <a:rPr/>
+              <a:t>only</a:t>
+            </a:r>
+            <a:r>
+              <a:rPr/>
+              <a:t> </a:t>
+            </a:r>
+            <a:r>
+              <a:rPr/>
+              <a:t>shows</a:t>
+            </a:r>
+            <a:r>
+              <a:rPr/>
+              <a:t> </a:t>
+            </a:r>
+            <a:r>
+              <a:rPr/>
+              <a:t>six</a:t>
+            </a:r>
+            <a:r>
+              <a:rPr/>
+              <a:t> </a:t>
+            </a:r>
+            <a:r>
+              <a:rPr/>
+              <a:t>values</a:t>
+            </a:r>
+            <a:r>
+              <a:rPr/>
+              <a:t> </a:t>
+            </a:r>
+            <a:r>
+              <a:rPr/>
+              <a:t>for</a:t>
+            </a:r>
+            <a:r>
+              <a:rPr/>
+              <a:t> </a:t>
+            </a:r>
+            <a:r>
+              <a:rPr/>
+              <a:t>the</a:t>
+            </a:r>
+            <a:r>
+              <a:rPr/>
+              <a:t> </a:t>
+            </a:r>
+            <a:r>
+              <a:rPr/>
+              <a:t>gradient</a:t>
+            </a:r>
+            <a:r>
+              <a:rPr/>
+              <a:t> </a:t>
+            </a:r>
+            <a:r>
+              <a:rPr/>
+              <a:t>(red</a:t>
+            </a:r>
+            <a:r>
+              <a:rPr/>
+              <a:t> </a:t>
+            </a:r>
+            <a:r>
+              <a:rPr/>
+              <a:t>channels</a:t>
+            </a:r>
+            <a:r>
+              <a:rPr/>
+              <a:t> </a:t>
+            </a:r>
+            <a:r>
+              <a:rPr/>
+              <a:t>ranging</a:t>
+            </a:r>
+            <a:r>
+              <a:rPr/>
+              <a:t> </a:t>
+            </a:r>
+            <a:r>
+              <a:rPr/>
+              <a:t>from</a:t>
+            </a:r>
+            <a:r>
+              <a:rPr/>
+              <a:t> </a:t>
+            </a:r>
+            <a:r>
+              <a:rPr/>
+              <a:t>00</a:t>
+            </a:r>
+            <a:r>
+              <a:rPr/>
+              <a:t> </a:t>
+            </a:r>
+            <a:r>
+              <a:rPr/>
+              <a:t>to</a:t>
+            </a:r>
+            <a:r>
+              <a:rPr/>
+              <a:t> </a:t>
+            </a:r>
+            <a:r>
+              <a:rPr/>
+              <a:t>33,</a:t>
+            </a:r>
+            <a:r>
+              <a:rPr/>
+              <a:t> </a:t>
+            </a:r>
+            <a:r>
+              <a:rPr/>
+              <a:t>to</a:t>
+            </a:r>
+            <a:r>
+              <a:rPr/>
+              <a:t> </a:t>
+            </a:r>
+            <a:r>
+              <a:rPr/>
+              <a:t>66</a:t>
+            </a:r>
+            <a:r>
+              <a:rPr/>
+              <a:t> </a:t>
+            </a:r>
+            <a:r>
+              <a:rPr/>
+              <a:t>to</a:t>
+            </a:r>
+            <a:r>
+              <a:rPr/>
+              <a:t> </a:t>
+            </a:r>
+            <a:r>
+              <a:rPr/>
+              <a:t>99</a:t>
+            </a:r>
+            <a:r>
+              <a:rPr/>
+              <a:t> </a:t>
+            </a:r>
+            <a:r>
+              <a:rPr/>
+              <a:t>to</a:t>
+            </a:r>
+            <a:r>
+              <a:rPr/>
+              <a:t> </a:t>
+            </a:r>
+            <a:r>
+              <a:rPr/>
+              <a:t>CC),</a:t>
+            </a:r>
+            <a:r>
+              <a:rPr/>
+              <a:t> </a:t>
+            </a:r>
+            <a:r>
+              <a:rPr/>
+              <a:t>but</a:t>
+            </a:r>
+            <a:r>
+              <a:rPr/>
+              <a:t> </a:t>
+            </a:r>
+            <a:r>
+              <a:rPr/>
+              <a:t>you</a:t>
+            </a:r>
+            <a:r>
+              <a:rPr/>
+              <a:t> </a:t>
+            </a:r>
+            <a:r>
+              <a:rPr/>
+              <a:t>can</a:t>
+            </a:r>
+            <a:r>
+              <a:rPr/>
+              <a:t> </a:t>
+            </a:r>
+            <a:r>
+              <a:rPr/>
+              <a:t>produce</a:t>
+            </a:r>
+            <a:r>
+              <a:rPr/>
+              <a:t> </a:t>
+            </a:r>
+            <a:r>
+              <a:rPr/>
+              <a:t>255</a:t>
+            </a:r>
+            <a:r>
+              <a:rPr/>
+              <a:t> </a:t>
+            </a:r>
+            <a:r>
+              <a:rPr/>
+              <a:t>different</a:t>
+            </a:r>
+            <a:r>
+              <a:rPr/>
+              <a:t> </a:t>
+            </a:r>
+            <a:r>
+              <a:rPr/>
+              <a:t>shades</a:t>
+            </a:r>
+            <a:r>
+              <a:rPr/>
+              <a:t> </a:t>
+            </a:r>
+            <a:r>
+              <a:rPr/>
+              <a:t>between</a:t>
+            </a:r>
+            <a:r>
+              <a:rPr/>
+              <a:t> </a:t>
+            </a:r>
+            <a:r>
+              <a:rPr/>
+              <a:t>black</a:t>
+            </a:r>
+            <a:r>
+              <a:rPr/>
+              <a:t> </a:t>
+            </a:r>
+            <a:r>
+              <a:rPr/>
+              <a:t>and</a:t>
+            </a:r>
+            <a:r>
+              <a:rPr/>
+              <a:t> </a:t>
+            </a:r>
+            <a:r>
+              <a:rPr/>
+              <a:t>red.</a:t>
+            </a:r>
+          </a:p>
+        </p:txBody>
+      </p:sp>
+      <p:sp>
+        <p:nvSpPr>
+          <p:cNvPr id="4" name="Slide Number Placeholder 3"/>
+          <p:cNvSpPr>
+            <a:spLocks noGrp="1"/>
+          </p:cNvSpPr>
+          <p:nvPr>
+            <p:ph type="sldNum" sz="quarter" idx="10"/>
+          </p:nvPr>
+        </p:nvSpPr>
+        <p:spPr/>
+        <p:txBody>
+          <a:bodyPr/>
+          <a:lstStyle/>
+          <a:p>
+            <a:fld id="{18BDFEC3-8487-43E8-A154-7C12CBC1FFF2}" type="slidenum">
+              <a:rPr lang="en-US"/>
+              <a:t>11</a:t>
+            </a:fld>
+            <a:endParaRPr lang="en-US"/>
+          </a:p>
+        </p:txBody>
+      </p:sp>
+    </p:spTree>
+  </p:cSld>
+</p:notes>
+</file>
+
+<file path=ppt/notesSlides/notesSlide11.xml><?xml version="1.0" encoding="utf-8"?>
+<p:notes xmlns:a="http://schemas.openxmlformats.org/drawingml/2006/main" xmlns:r="http://schemas.openxmlformats.org/officeDocument/2006/relationships" xmlns:p="http://schemas.openxmlformats.org/presentationml/2006/main">
+  <p:cSld>
+    <p:spTree>
+      <p:nvGrpSpPr>
+        <p:cNvPr id="1" name=""/>
+        <p:cNvGrpSpPr/>
+        <p:nvPr/>
+      </p:nvGrpSpPr>
+      <p:grpSpPr>
+        <a:xfrm>
+          <a:off x="0" y="0"/>
+          <a:ext cx="0" cy="0"/>
+          <a:chOff x="0" y="0"/>
+          <a:chExt cx="0" cy="0"/>
+        </a:xfrm>
+      </p:grpSpPr>
+      <p:sp>
+        <p:nvSpPr>
+          <p:cNvPr id="2" name="Slide Image Placeholder 1"/>
+          <p:cNvSpPr>
+            <a:spLocks noGrp="1" noRot="1" noChangeAspect="1"/>
+          </p:cNvSpPr>
+          <p:nvPr>
+            <p:ph type="sldImg"/>
+          </p:nvPr>
+        </p:nvSpPr>
+        <p:spPr/>
+      </p:sp>
+      <p:sp>
+        <p:nvSpPr>
+          <p:cNvPr id="3" name="Notes Placeholder 2"/>
+          <p:cNvSpPr>
+            <a:spLocks noGrp="1"/>
+          </p:cNvSpPr>
+          <p:nvPr>
+            <p:ph type="body" idx="1"/>
+          </p:nvPr>
+        </p:nvSpPr>
+        <p:spPr/>
+        <p:txBody>
+          <a:bodyPr/>
+          <a:lstStyle/>
+          <a:p>
+            <a:pPr lvl="0" marL="0" indent="0">
+              <a:buNone/>
+            </a:pPr>
+            <a:r>
+              <a:rPr/>
+              <a:t>Similarly,</a:t>
+            </a:r>
+            <a:r>
+              <a:rPr/>
+              <a:t> </a:t>
+            </a:r>
+            <a:r>
+              <a:rPr/>
+              <a:t>if</a:t>
+            </a:r>
+            <a:r>
+              <a:rPr/>
+              <a:t> </a:t>
+            </a:r>
+            <a:r>
+              <a:rPr/>
+              <a:t>you</a:t>
+            </a:r>
+            <a:r>
+              <a:rPr/>
+              <a:t> </a:t>
+            </a:r>
+            <a:r>
+              <a:rPr/>
+              <a:t>let</a:t>
+            </a:r>
+            <a:r>
+              <a:rPr/>
+              <a:t> </a:t>
+            </a:r>
+            <a:r>
+              <a:rPr/>
+              <a:t>the</a:t>
+            </a:r>
+            <a:r>
+              <a:rPr/>
+              <a:t> </a:t>
+            </a:r>
+            <a:r>
+              <a:rPr/>
+              <a:t>green</a:t>
+            </a:r>
+            <a:r>
+              <a:rPr/>
+              <a:t> </a:t>
+            </a:r>
+            <a:r>
+              <a:rPr/>
+              <a:t>channel</a:t>
+            </a:r>
+            <a:r>
+              <a:rPr/>
+              <a:t> </a:t>
+            </a:r>
+            <a:r>
+              <a:rPr/>
+              <a:t>vary</a:t>
+            </a:r>
+            <a:r>
+              <a:rPr/>
+              <a:t> </a:t>
+            </a:r>
+            <a:r>
+              <a:rPr/>
+              <a:t>from</a:t>
+            </a:r>
+            <a:r>
+              <a:rPr/>
+              <a:t> </a:t>
+            </a:r>
+            <a:r>
+              <a:rPr/>
+              <a:t>00</a:t>
+            </a:r>
+            <a:r>
+              <a:rPr/>
+              <a:t> </a:t>
+            </a:r>
+            <a:r>
+              <a:rPr/>
+              <a:t>to</a:t>
+            </a:r>
+            <a:r>
+              <a:rPr/>
+              <a:t> </a:t>
+            </a:r>
+            <a:r>
+              <a:rPr/>
+              <a:t>FF</a:t>
+            </a:r>
+            <a:r>
+              <a:rPr/>
+              <a:t> </a:t>
+            </a:r>
+            <a:r>
+              <a:rPr/>
+              <a:t>and</a:t>
+            </a:r>
+            <a:r>
+              <a:rPr/>
+              <a:t> </a:t>
+            </a:r>
+            <a:r>
+              <a:rPr/>
+              <a:t>hold</a:t>
+            </a:r>
+            <a:r>
+              <a:rPr/>
+              <a:t> </a:t>
+            </a:r>
+            <a:r>
+              <a:rPr/>
+              <a:t>the</a:t>
+            </a:r>
+            <a:r>
+              <a:rPr/>
+              <a:t> </a:t>
+            </a:r>
+            <a:r>
+              <a:rPr/>
+              <a:t>red</a:t>
+            </a:r>
+            <a:r>
+              <a:rPr/>
+              <a:t> </a:t>
+            </a:r>
+            <a:r>
+              <a:rPr/>
+              <a:t>and</a:t>
+            </a:r>
+            <a:r>
+              <a:rPr/>
+              <a:t> </a:t>
+            </a:r>
+            <a:r>
+              <a:rPr/>
+              <a:t>blue</a:t>
+            </a:r>
+            <a:r>
+              <a:rPr/>
+              <a:t> </a:t>
+            </a:r>
+            <a:r>
+              <a:rPr/>
+              <a:t>channels</a:t>
+            </a:r>
+            <a:r>
+              <a:rPr/>
+              <a:t> </a:t>
+            </a:r>
+            <a:r>
+              <a:rPr/>
+              <a:t>at</a:t>
+            </a:r>
+            <a:r>
+              <a:rPr/>
+              <a:t> </a:t>
+            </a:r>
+            <a:r>
+              <a:rPr/>
+              <a:t>zero,</a:t>
+            </a:r>
+            <a:r>
+              <a:rPr/>
+              <a:t> </a:t>
+            </a:r>
+            <a:r>
+              <a:rPr/>
+              <a:t>you</a:t>
+            </a:r>
+            <a:r>
+              <a:rPr/>
+              <a:t> </a:t>
+            </a:r>
+            <a:r>
+              <a:rPr/>
+              <a:t>get</a:t>
+            </a:r>
+            <a:r>
+              <a:rPr/>
+              <a:t> </a:t>
+            </a:r>
+            <a:r>
+              <a:rPr/>
+              <a:t>a</a:t>
+            </a:r>
+            <a:r>
+              <a:rPr/>
+              <a:t> </a:t>
+            </a:r>
+            <a:r>
+              <a:rPr/>
+              <a:t>gradient</a:t>
+            </a:r>
+            <a:r>
+              <a:rPr/>
+              <a:t> </a:t>
+            </a:r>
+            <a:r>
+              <a:rPr/>
+              <a:t>that</a:t>
+            </a:r>
+            <a:r>
+              <a:rPr/>
+              <a:t> </a:t>
+            </a:r>
+            <a:r>
+              <a:rPr/>
+              <a:t>goes</a:t>
+            </a:r>
+            <a:r>
+              <a:rPr/>
+              <a:t> </a:t>
+            </a:r>
+            <a:r>
+              <a:rPr/>
+              <a:t>from</a:t>
+            </a:r>
+            <a:r>
+              <a:rPr/>
+              <a:t> </a:t>
+            </a:r>
+            <a:r>
+              <a:rPr/>
+              <a:t>black</a:t>
+            </a:r>
+            <a:r>
+              <a:rPr/>
+              <a:t> </a:t>
+            </a:r>
+            <a:r>
+              <a:rPr/>
+              <a:t>through</a:t>
+            </a:r>
+            <a:r>
+              <a:rPr/>
+              <a:t> </a:t>
+            </a:r>
+            <a:r>
+              <a:rPr/>
+              <a:t>dark</a:t>
+            </a:r>
+            <a:r>
+              <a:rPr/>
+              <a:t> </a:t>
+            </a:r>
+            <a:r>
+              <a:rPr/>
+              <a:t>shades</a:t>
+            </a:r>
+            <a:r>
+              <a:rPr/>
+              <a:t> </a:t>
+            </a:r>
+            <a:r>
+              <a:rPr/>
+              <a:t>of</a:t>
+            </a:r>
+            <a:r>
+              <a:rPr/>
+              <a:t> </a:t>
+            </a:r>
+            <a:r>
+              <a:rPr/>
+              <a:t>green</a:t>
+            </a:r>
+            <a:r>
+              <a:rPr/>
+              <a:t> </a:t>
+            </a:r>
+            <a:r>
+              <a:rPr/>
+              <a:t>to</a:t>
+            </a:r>
+            <a:r>
+              <a:rPr/>
+              <a:t> </a:t>
+            </a:r>
+            <a:r>
+              <a:rPr/>
+              <a:t>pure</a:t>
+            </a:r>
+            <a:r>
+              <a:rPr/>
+              <a:t> </a:t>
+            </a:r>
+            <a:r>
+              <a:rPr/>
+              <a:t>green.</a:t>
+            </a:r>
+          </a:p>
+        </p:txBody>
+      </p:sp>
+      <p:sp>
+        <p:nvSpPr>
+          <p:cNvPr id="4" name="Slide Number Placeholder 3"/>
+          <p:cNvSpPr>
+            <a:spLocks noGrp="1"/>
+          </p:cNvSpPr>
+          <p:nvPr>
+            <p:ph type="sldNum" sz="quarter" idx="10"/>
+          </p:nvPr>
+        </p:nvSpPr>
+        <p:spPr/>
+        <p:txBody>
+          <a:bodyPr/>
+          <a:lstStyle/>
+          <a:p>
+            <a:fld id="{18BDFEC3-8487-43E8-A154-7C12CBC1FFF2}" type="slidenum">
+              <a:rPr lang="en-US"/>
+              <a:t>12</a:t>
+            </a:fld>
+            <a:endParaRPr lang="en-US"/>
+          </a:p>
+        </p:txBody>
+      </p:sp>
+    </p:spTree>
+  </p:cSld>
+</p:notes>
+</file>
+
+<file path=ppt/notesSlides/notesSlide12.xml><?xml version="1.0" encoding="utf-8"?>
+<p:notes xmlns:a="http://schemas.openxmlformats.org/drawingml/2006/main" xmlns:r="http://schemas.openxmlformats.org/officeDocument/2006/relationships" xmlns:p="http://schemas.openxmlformats.org/presentationml/2006/main">
+  <p:cSld>
+    <p:spTree>
+      <p:nvGrpSpPr>
+        <p:cNvPr id="1" name=""/>
+        <p:cNvGrpSpPr/>
+        <p:nvPr/>
+      </p:nvGrpSpPr>
+      <p:grpSpPr>
+        <a:xfrm>
+          <a:off x="0" y="0"/>
+          <a:ext cx="0" cy="0"/>
+          <a:chOff x="0" y="0"/>
+          <a:chExt cx="0" cy="0"/>
+        </a:xfrm>
+      </p:grpSpPr>
+      <p:sp>
+        <p:nvSpPr>
+          <p:cNvPr id="2" name="Slide Image Placeholder 1"/>
+          <p:cNvSpPr>
+            <a:spLocks noGrp="1" noRot="1" noChangeAspect="1"/>
+          </p:cNvSpPr>
+          <p:nvPr>
+            <p:ph type="sldImg"/>
+          </p:nvPr>
+        </p:nvSpPr>
+        <p:spPr/>
+      </p:sp>
+      <p:sp>
+        <p:nvSpPr>
+          <p:cNvPr id="3" name="Notes Placeholder 2"/>
+          <p:cNvSpPr>
+            <a:spLocks noGrp="1"/>
+          </p:cNvSpPr>
+          <p:nvPr>
+            <p:ph type="body" idx="1"/>
+          </p:nvPr>
+        </p:nvSpPr>
+        <p:spPr/>
+        <p:txBody>
+          <a:bodyPr/>
+          <a:lstStyle/>
+          <a:p>
+            <a:pPr lvl="0" marL="0" indent="0">
+              <a:buNone/>
+            </a:pPr>
+            <a:r>
+              <a:rPr/>
+              <a:t>Varying</a:t>
+            </a:r>
+            <a:r>
+              <a:rPr/>
+              <a:t> </a:t>
+            </a:r>
+            <a:r>
+              <a:rPr/>
+              <a:t>the</a:t>
+            </a:r>
+            <a:r>
+              <a:rPr/>
+              <a:t> </a:t>
+            </a:r>
+            <a:r>
+              <a:rPr/>
+              <a:t>blue</a:t>
+            </a:r>
+            <a:r>
+              <a:rPr/>
+              <a:t> </a:t>
+            </a:r>
+            <a:r>
+              <a:rPr/>
+              <a:t>channel</a:t>
+            </a:r>
+            <a:r>
+              <a:rPr/>
+              <a:t> </a:t>
+            </a:r>
+            <a:r>
+              <a:rPr/>
+              <a:t>from</a:t>
+            </a:r>
+            <a:r>
+              <a:rPr/>
+              <a:t> </a:t>
+            </a:r>
+            <a:r>
+              <a:rPr/>
+              <a:t>00</a:t>
+            </a:r>
+            <a:r>
+              <a:rPr/>
+              <a:t> </a:t>
+            </a:r>
+            <a:r>
+              <a:rPr/>
+              <a:t>to</a:t>
+            </a:r>
+            <a:r>
+              <a:rPr/>
+              <a:t> </a:t>
+            </a:r>
+            <a:r>
+              <a:rPr/>
+              <a:t>FF</a:t>
+            </a:r>
+            <a:r>
+              <a:rPr/>
+              <a:t> </a:t>
+            </a:r>
+            <a:r>
+              <a:rPr/>
+              <a:t>while</a:t>
+            </a:r>
+            <a:r>
+              <a:rPr/>
+              <a:t> </a:t>
+            </a:r>
+            <a:r>
+              <a:rPr/>
+              <a:t>keeping</a:t>
+            </a:r>
+            <a:r>
+              <a:rPr/>
+              <a:t> </a:t>
+            </a:r>
+            <a:r>
+              <a:rPr/>
+              <a:t>the</a:t>
+            </a:r>
+            <a:r>
+              <a:rPr/>
+              <a:t> </a:t>
+            </a:r>
+            <a:r>
+              <a:rPr/>
+              <a:t>red</a:t>
+            </a:r>
+            <a:r>
+              <a:rPr/>
+              <a:t> </a:t>
+            </a:r>
+            <a:r>
+              <a:rPr/>
+              <a:t>and</a:t>
+            </a:r>
+            <a:r>
+              <a:rPr/>
+              <a:t> </a:t>
+            </a:r>
+            <a:r>
+              <a:rPr/>
+              <a:t>green</a:t>
+            </a:r>
+            <a:r>
+              <a:rPr/>
+              <a:t> </a:t>
+            </a:r>
+            <a:r>
+              <a:rPr/>
+              <a:t>channels</a:t>
+            </a:r>
+            <a:r>
+              <a:rPr/>
+              <a:t> </a:t>
+            </a:r>
+            <a:r>
+              <a:rPr/>
+              <a:t>at</a:t>
+            </a:r>
+            <a:r>
+              <a:rPr/>
+              <a:t> </a:t>
+            </a:r>
+            <a:r>
+              <a:rPr/>
+              <a:t>zero</a:t>
+            </a:r>
+            <a:r>
+              <a:rPr/>
+              <a:t> </a:t>
+            </a:r>
+            <a:r>
+              <a:rPr/>
+              <a:t>will</a:t>
+            </a:r>
+            <a:r>
+              <a:rPr/>
+              <a:t> </a:t>
+            </a:r>
+            <a:r>
+              <a:rPr/>
+              <a:t>produce</a:t>
+            </a:r>
+            <a:r>
+              <a:rPr/>
+              <a:t> </a:t>
+            </a:r>
+            <a:r>
+              <a:rPr/>
+              <a:t>a</a:t>
+            </a:r>
+            <a:r>
+              <a:rPr/>
+              <a:t> </a:t>
+            </a:r>
+            <a:r>
+              <a:rPr/>
+              <a:t>gradient</a:t>
+            </a:r>
+            <a:r>
+              <a:rPr/>
+              <a:t> </a:t>
+            </a:r>
+            <a:r>
+              <a:rPr/>
+              <a:t>of</a:t>
+            </a:r>
+            <a:r>
+              <a:rPr/>
+              <a:t> </a:t>
+            </a:r>
+            <a:r>
+              <a:rPr/>
+              <a:t>black</a:t>
+            </a:r>
+            <a:r>
+              <a:rPr/>
+              <a:t> </a:t>
+            </a:r>
+            <a:r>
+              <a:rPr/>
+              <a:t>through</a:t>
+            </a:r>
+            <a:r>
+              <a:rPr/>
+              <a:t> </a:t>
+            </a:r>
+            <a:r>
+              <a:rPr/>
+              <a:t>dark</a:t>
+            </a:r>
+            <a:r>
+              <a:rPr/>
+              <a:t> </a:t>
+            </a:r>
+            <a:r>
+              <a:rPr/>
+              <a:t>shades</a:t>
+            </a:r>
+            <a:r>
+              <a:rPr/>
+              <a:t> </a:t>
+            </a:r>
+            <a:r>
+              <a:rPr/>
+              <a:t>of</a:t>
+            </a:r>
+            <a:r>
+              <a:rPr/>
+              <a:t> </a:t>
+            </a:r>
+            <a:r>
+              <a:rPr/>
+              <a:t>blue</a:t>
+            </a:r>
+            <a:r>
+              <a:rPr/>
+              <a:t> </a:t>
+            </a:r>
+            <a:r>
+              <a:rPr/>
+              <a:t>to</a:t>
+            </a:r>
+            <a:r>
+              <a:rPr/>
+              <a:t> </a:t>
+            </a:r>
+            <a:r>
+              <a:rPr/>
+              <a:t>pure</a:t>
+            </a:r>
+            <a:r>
+              <a:rPr/>
+              <a:t> </a:t>
+            </a:r>
+            <a:r>
+              <a:rPr/>
+              <a:t>blue.</a:t>
+            </a:r>
+          </a:p>
+        </p:txBody>
+      </p:sp>
+      <p:sp>
+        <p:nvSpPr>
+          <p:cNvPr id="4" name="Slide Number Placeholder 3"/>
+          <p:cNvSpPr>
+            <a:spLocks noGrp="1"/>
+          </p:cNvSpPr>
+          <p:nvPr>
+            <p:ph type="sldNum" sz="quarter" idx="10"/>
+          </p:nvPr>
+        </p:nvSpPr>
+        <p:spPr/>
+        <p:txBody>
+          <a:bodyPr/>
+          <a:lstStyle/>
+          <a:p>
+            <a:fld id="{18BDFEC3-8487-43E8-A154-7C12CBC1FFF2}" type="slidenum">
+              <a:rPr lang="en-US"/>
+              <a:t>13</a:t>
+            </a:fld>
+            <a:endParaRPr lang="en-US"/>
+          </a:p>
+        </p:txBody>
+      </p:sp>
+    </p:spTree>
+  </p:cSld>
+</p:notes>
+</file>
+
+<file path=ppt/notesSlides/notesSlide13.xml><?xml version="1.0" encoding="utf-8"?>
+<p:notes xmlns:a="http://schemas.openxmlformats.org/drawingml/2006/main" xmlns:r="http://schemas.openxmlformats.org/officeDocument/2006/relationships" xmlns:p="http://schemas.openxmlformats.org/presentationml/2006/main">
+  <p:cSld>
+    <p:spTree>
+      <p:nvGrpSpPr>
+        <p:cNvPr id="1" name=""/>
+        <p:cNvGrpSpPr/>
+        <p:nvPr/>
+      </p:nvGrpSpPr>
+      <p:grpSpPr>
+        <a:xfrm>
+          <a:off x="0" y="0"/>
+          <a:ext cx="0" cy="0"/>
+          <a:chOff x="0" y="0"/>
+          <a:chExt cx="0" cy="0"/>
+        </a:xfrm>
+      </p:grpSpPr>
+      <p:sp>
+        <p:nvSpPr>
+          <p:cNvPr id="2" name="Slide Image Placeholder 1"/>
+          <p:cNvSpPr>
+            <a:spLocks noGrp="1" noRot="1" noChangeAspect="1"/>
+          </p:cNvSpPr>
+          <p:nvPr>
+            <p:ph type="sldImg"/>
+          </p:nvPr>
+        </p:nvSpPr>
+        <p:spPr/>
+      </p:sp>
+      <p:sp>
+        <p:nvSpPr>
+          <p:cNvPr id="3" name="Notes Placeholder 2"/>
+          <p:cNvSpPr>
+            <a:spLocks noGrp="1"/>
+          </p:cNvSpPr>
+          <p:nvPr>
+            <p:ph type="body" idx="1"/>
+          </p:nvPr>
+        </p:nvSpPr>
+        <p:spPr/>
+        <p:txBody>
+          <a:bodyPr/>
+          <a:lstStyle/>
+          <a:p>
+            <a:pPr lvl="0" marL="0" indent="0">
+              <a:buNone/>
+            </a:pPr>
+            <a:r>
+              <a:rPr/>
+              <a:t>To</a:t>
+            </a:r>
+            <a:r>
+              <a:rPr/>
+              <a:t> </a:t>
+            </a:r>
+            <a:r>
+              <a:rPr/>
+              <a:t>create</a:t>
+            </a:r>
+            <a:r>
+              <a:rPr/>
+              <a:t> </a:t>
+            </a:r>
+            <a:r>
+              <a:rPr/>
+              <a:t>a</a:t>
+            </a:r>
+            <a:r>
+              <a:rPr/>
+              <a:t> </a:t>
+            </a:r>
+            <a:r>
+              <a:rPr/>
+              <a:t>gradient</a:t>
+            </a:r>
+            <a:r>
+              <a:rPr/>
+              <a:t> </a:t>
+            </a:r>
+            <a:r>
+              <a:rPr/>
+              <a:t>from</a:t>
+            </a:r>
+            <a:r>
+              <a:rPr/>
+              <a:t> </a:t>
+            </a:r>
+            <a:r>
+              <a:rPr/>
+              <a:t>red</a:t>
+            </a:r>
+            <a:r>
+              <a:rPr/>
+              <a:t> </a:t>
+            </a:r>
+            <a:r>
+              <a:rPr/>
+              <a:t>through</a:t>
+            </a:r>
+            <a:r>
+              <a:rPr/>
+              <a:t> </a:t>
+            </a:r>
+            <a:r>
+              <a:rPr/>
+              <a:t>the</a:t>
+            </a:r>
+            <a:r>
+              <a:rPr/>
+              <a:t> </a:t>
+            </a:r>
+            <a:r>
+              <a:rPr/>
+              <a:t>lighter</a:t>
+            </a:r>
+            <a:r>
+              <a:rPr/>
+              <a:t> </a:t>
+            </a:r>
+            <a:r>
+              <a:rPr/>
+              <a:t>shades</a:t>
+            </a:r>
+            <a:r>
+              <a:rPr/>
+              <a:t> </a:t>
+            </a:r>
+            <a:r>
+              <a:rPr/>
+              <a:t>of</a:t>
+            </a:r>
+            <a:r>
+              <a:rPr/>
+              <a:t> </a:t>
+            </a:r>
+            <a:r>
+              <a:rPr/>
+              <a:t>red</a:t>
+            </a:r>
+            <a:r>
+              <a:rPr/>
+              <a:t> </a:t>
+            </a:r>
+            <a:r>
+              <a:rPr/>
+              <a:t>(pinkish,</a:t>
+            </a:r>
+            <a:r>
+              <a:rPr/>
+              <a:t> </a:t>
+            </a:r>
+            <a:r>
+              <a:rPr/>
+              <a:t>actually)</a:t>
+            </a:r>
+            <a:r>
+              <a:rPr/>
+              <a:t> </a:t>
+            </a:r>
+            <a:r>
+              <a:rPr/>
+              <a:t>to</a:t>
+            </a:r>
+            <a:r>
+              <a:rPr/>
+              <a:t> </a:t>
+            </a:r>
+            <a:r>
+              <a:rPr/>
+              <a:t>white,</a:t>
+            </a:r>
+            <a:r>
+              <a:rPr/>
+              <a:t> </a:t>
+            </a:r>
+            <a:r>
+              <a:rPr/>
+              <a:t>keep</a:t>
+            </a:r>
+            <a:r>
+              <a:rPr/>
+              <a:t> </a:t>
+            </a:r>
+            <a:r>
+              <a:rPr/>
+              <a:t>the</a:t>
+            </a:r>
+            <a:r>
+              <a:rPr/>
+              <a:t> </a:t>
+            </a:r>
+            <a:r>
+              <a:rPr/>
+              <a:t>red</a:t>
+            </a:r>
+            <a:r>
+              <a:rPr/>
+              <a:t> </a:t>
+            </a:r>
+            <a:r>
+              <a:rPr/>
+              <a:t>channel</a:t>
+            </a:r>
+            <a:r>
+              <a:rPr/>
+              <a:t> </a:t>
+            </a:r>
+            <a:r>
+              <a:rPr/>
+              <a:t>at</a:t>
+            </a:r>
+            <a:r>
+              <a:rPr/>
+              <a:t> </a:t>
+            </a:r>
+            <a:r>
+              <a:rPr/>
+              <a:t>full</a:t>
+            </a:r>
+            <a:r>
+              <a:rPr/>
+              <a:t> </a:t>
+            </a:r>
+            <a:r>
+              <a:rPr/>
+              <a:t>strength</a:t>
+            </a:r>
+            <a:r>
+              <a:rPr/>
+              <a:t> </a:t>
+            </a:r>
+            <a:r>
+              <a:rPr/>
+              <a:t>(FF)</a:t>
+            </a:r>
+            <a:r>
+              <a:rPr/>
+              <a:t> </a:t>
+            </a:r>
+            <a:r>
+              <a:rPr/>
+              <a:t>and</a:t>
+            </a:r>
+            <a:r>
+              <a:rPr/>
+              <a:t> </a:t>
+            </a:r>
+            <a:r>
+              <a:rPr/>
+              <a:t>vary</a:t>
+            </a:r>
+            <a:r>
+              <a:rPr/>
+              <a:t> </a:t>
+            </a:r>
+            <a:r>
+              <a:rPr/>
+              <a:t>the</a:t>
+            </a:r>
+            <a:r>
+              <a:rPr/>
+              <a:t> </a:t>
+            </a:r>
+            <a:r>
+              <a:rPr/>
+              <a:t>green</a:t>
+            </a:r>
+            <a:r>
+              <a:rPr/>
+              <a:t> </a:t>
+            </a:r>
+            <a:r>
+              <a:rPr/>
+              <a:t>and</a:t>
+            </a:r>
+            <a:r>
+              <a:rPr/>
+              <a:t> </a:t>
+            </a:r>
+            <a:r>
+              <a:rPr/>
+              <a:t>blue</a:t>
+            </a:r>
+            <a:r>
+              <a:rPr/>
+              <a:t> </a:t>
+            </a:r>
+            <a:r>
+              <a:rPr/>
+              <a:t>channels</a:t>
+            </a:r>
+            <a:r>
+              <a:rPr/>
+              <a:t> </a:t>
+            </a:r>
+            <a:r>
+              <a:rPr/>
+              <a:t>from</a:t>
+            </a:r>
+            <a:r>
+              <a:rPr/>
+              <a:t> </a:t>
+            </a:r>
+            <a:r>
+              <a:rPr/>
+              <a:t>00</a:t>
+            </a:r>
+            <a:r>
+              <a:rPr/>
+              <a:t> </a:t>
+            </a:r>
+            <a:r>
+              <a:rPr/>
+              <a:t>to</a:t>
+            </a:r>
+            <a:r>
+              <a:rPr/>
+              <a:t> </a:t>
+            </a:r>
+            <a:r>
+              <a:rPr/>
+              <a:t>FF.</a:t>
+            </a:r>
+          </a:p>
+        </p:txBody>
+      </p:sp>
+      <p:sp>
+        <p:nvSpPr>
+          <p:cNvPr id="4" name="Slide Number Placeholder 3"/>
+          <p:cNvSpPr>
+            <a:spLocks noGrp="1"/>
+          </p:cNvSpPr>
+          <p:nvPr>
+            <p:ph type="sldNum" sz="quarter" idx="10"/>
+          </p:nvPr>
+        </p:nvSpPr>
+        <p:spPr/>
+        <p:txBody>
+          <a:bodyPr/>
+          <a:lstStyle/>
+          <a:p>
+            <a:fld id="{18BDFEC3-8487-43E8-A154-7C12CBC1FFF2}" type="slidenum">
+              <a:rPr lang="en-US"/>
+              <a:t>14</a:t>
+            </a:fld>
+            <a:endParaRPr lang="en-US"/>
+          </a:p>
+        </p:txBody>
+      </p:sp>
+    </p:spTree>
+  </p:cSld>
+</p:notes>
+</file>
+
+<file path=ppt/notesSlides/notesSlide14.xml><?xml version="1.0" encoding="utf-8"?>
+<p:notes xmlns:a="http://schemas.openxmlformats.org/drawingml/2006/main" xmlns:r="http://schemas.openxmlformats.org/officeDocument/2006/relationships" xmlns:p="http://schemas.openxmlformats.org/presentationml/2006/main">
+  <p:cSld>
+    <p:spTree>
+      <p:nvGrpSpPr>
+        <p:cNvPr id="1" name=""/>
+        <p:cNvGrpSpPr/>
+        <p:nvPr/>
+      </p:nvGrpSpPr>
+      <p:grpSpPr>
+        <a:xfrm>
+          <a:off x="0" y="0"/>
+          <a:ext cx="0" cy="0"/>
+          <a:chOff x="0" y="0"/>
+          <a:chExt cx="0" cy="0"/>
+        </a:xfrm>
+      </p:grpSpPr>
+      <p:sp>
+        <p:nvSpPr>
+          <p:cNvPr id="2" name="Slide Image Placeholder 1"/>
+          <p:cNvSpPr>
+            <a:spLocks noGrp="1" noRot="1" noChangeAspect="1"/>
+          </p:cNvSpPr>
+          <p:nvPr>
+            <p:ph type="sldImg"/>
+          </p:nvPr>
+        </p:nvSpPr>
+        <p:spPr/>
+      </p:sp>
+      <p:sp>
+        <p:nvSpPr>
+          <p:cNvPr id="3" name="Notes Placeholder 2"/>
+          <p:cNvSpPr>
+            <a:spLocks noGrp="1"/>
+          </p:cNvSpPr>
+          <p:nvPr>
+            <p:ph type="body" idx="1"/>
+          </p:nvPr>
+        </p:nvSpPr>
+        <p:spPr/>
+        <p:txBody>
+          <a:bodyPr/>
+          <a:lstStyle/>
+          <a:p>
+            <a:pPr lvl="0" marL="0" indent="0">
+              <a:buNone/>
+            </a:pPr>
+            <a:r>
+              <a:rPr/>
+              <a:t>Similary,</a:t>
+            </a:r>
+            <a:r>
+              <a:rPr/>
+              <a:t> </a:t>
+            </a:r>
+            <a:r>
+              <a:rPr/>
+              <a:t>you</a:t>
+            </a:r>
+            <a:r>
+              <a:rPr/>
+              <a:t> </a:t>
+            </a:r>
+            <a:r>
+              <a:rPr/>
+              <a:t>can</a:t>
+            </a:r>
+            <a:r>
+              <a:rPr/>
+              <a:t> </a:t>
+            </a:r>
+            <a:r>
+              <a:rPr/>
+              <a:t>create</a:t>
+            </a:r>
+            <a:r>
+              <a:rPr/>
+              <a:t> </a:t>
+            </a:r>
+            <a:r>
+              <a:rPr/>
+              <a:t>a</a:t>
+            </a:r>
+            <a:r>
+              <a:rPr/>
+              <a:t> </a:t>
+            </a:r>
+            <a:r>
+              <a:rPr/>
+              <a:t>gradient</a:t>
+            </a:r>
+            <a:r>
+              <a:rPr/>
+              <a:t> </a:t>
+            </a:r>
+            <a:r>
+              <a:rPr/>
+              <a:t>from</a:t>
+            </a:r>
+            <a:r>
+              <a:rPr/>
+              <a:t> </a:t>
+            </a:r>
+            <a:r>
+              <a:rPr/>
+              <a:t>pure</a:t>
+            </a:r>
+            <a:r>
+              <a:rPr/>
+              <a:t> </a:t>
+            </a:r>
+            <a:r>
+              <a:rPr/>
+              <a:t>green</a:t>
+            </a:r>
+            <a:r>
+              <a:rPr/>
+              <a:t> </a:t>
+            </a:r>
+            <a:r>
+              <a:rPr/>
+              <a:t>through</a:t>
+            </a:r>
+            <a:r>
+              <a:rPr/>
+              <a:t> </a:t>
+            </a:r>
+            <a:r>
+              <a:rPr/>
+              <a:t>the</a:t>
+            </a:r>
+            <a:r>
+              <a:rPr/>
+              <a:t> </a:t>
+            </a:r>
+            <a:r>
+              <a:rPr/>
+              <a:t>lighter</a:t>
+            </a:r>
+            <a:r>
+              <a:rPr/>
+              <a:t> </a:t>
+            </a:r>
+            <a:r>
+              <a:rPr/>
+              <a:t>shades</a:t>
+            </a:r>
+            <a:r>
+              <a:rPr/>
+              <a:t> </a:t>
+            </a:r>
+            <a:r>
+              <a:rPr/>
+              <a:t>of</a:t>
+            </a:r>
+            <a:r>
+              <a:rPr/>
+              <a:t> </a:t>
+            </a:r>
+            <a:r>
+              <a:rPr/>
+              <a:t>green</a:t>
+            </a:r>
+            <a:r>
+              <a:rPr/>
+              <a:t> </a:t>
+            </a:r>
+            <a:r>
+              <a:rPr/>
+              <a:t>to</a:t>
+            </a:r>
+            <a:r>
+              <a:rPr/>
+              <a:t> </a:t>
+            </a:r>
+            <a:r>
+              <a:rPr/>
+              <a:t>white.</a:t>
+            </a:r>
+          </a:p>
+        </p:txBody>
+      </p:sp>
+      <p:sp>
+        <p:nvSpPr>
+          <p:cNvPr id="4" name="Slide Number Placeholder 3"/>
+          <p:cNvSpPr>
+            <a:spLocks noGrp="1"/>
+          </p:cNvSpPr>
+          <p:nvPr>
+            <p:ph type="sldNum" sz="quarter" idx="10"/>
+          </p:nvPr>
+        </p:nvSpPr>
+        <p:spPr/>
+        <p:txBody>
+          <a:bodyPr/>
+          <a:lstStyle/>
+          <a:p>
+            <a:fld id="{18BDFEC3-8487-43E8-A154-7C12CBC1FFF2}" type="slidenum">
+              <a:rPr lang="en-US"/>
+              <a:t>15</a:t>
+            </a:fld>
+            <a:endParaRPr lang="en-US"/>
+          </a:p>
+        </p:txBody>
+      </p:sp>
+    </p:spTree>
+  </p:cSld>
+</p:notes>
+</file>
+
+<file path=ppt/notesSlides/notesSlide15.xml><?xml version="1.0" encoding="utf-8"?>
+<p:notes xmlns:a="http://schemas.openxmlformats.org/drawingml/2006/main" xmlns:r="http://schemas.openxmlformats.org/officeDocument/2006/relationships" xmlns:p="http://schemas.openxmlformats.org/presentationml/2006/main">
+  <p:cSld>
+    <p:spTree>
+      <p:nvGrpSpPr>
+        <p:cNvPr id="1" name=""/>
+        <p:cNvGrpSpPr/>
+        <p:nvPr/>
+      </p:nvGrpSpPr>
+      <p:grpSpPr>
+        <a:xfrm>
+          <a:off x="0" y="0"/>
+          <a:ext cx="0" cy="0"/>
+          <a:chOff x="0" y="0"/>
+          <a:chExt cx="0" cy="0"/>
+        </a:xfrm>
+      </p:grpSpPr>
+      <p:sp>
+        <p:nvSpPr>
+          <p:cNvPr id="2" name="Slide Image Placeholder 1"/>
+          <p:cNvSpPr>
+            <a:spLocks noGrp="1" noRot="1" noChangeAspect="1"/>
+          </p:cNvSpPr>
+          <p:nvPr>
+            <p:ph type="sldImg"/>
+          </p:nvPr>
+        </p:nvSpPr>
+        <p:spPr/>
+      </p:sp>
+      <p:sp>
+        <p:nvSpPr>
+          <p:cNvPr id="3" name="Notes Placeholder 2"/>
+          <p:cNvSpPr>
+            <a:spLocks noGrp="1"/>
+          </p:cNvSpPr>
+          <p:nvPr>
+            <p:ph type="body" idx="1"/>
+          </p:nvPr>
+        </p:nvSpPr>
+        <p:spPr/>
+        <p:txBody>
+          <a:bodyPr/>
+          <a:lstStyle/>
+          <a:p>
+            <a:pPr lvl="0" marL="0" indent="0">
+              <a:buNone/>
+            </a:pPr>
+            <a:r>
+              <a:rPr/>
+              <a:t>And</a:t>
+            </a:r>
+            <a:r>
+              <a:rPr/>
+              <a:t> </a:t>
+            </a:r>
+            <a:r>
+              <a:rPr/>
+              <a:t>just</a:t>
+            </a:r>
+            <a:r>
+              <a:rPr/>
+              <a:t> </a:t>
+            </a:r>
+            <a:r>
+              <a:rPr/>
+              <a:t>as</a:t>
+            </a:r>
+            <a:r>
+              <a:rPr/>
+              <a:t> </a:t>
+            </a:r>
+            <a:r>
+              <a:rPr/>
+              <a:t>easily</a:t>
+            </a:r>
+            <a:r>
+              <a:rPr/>
+              <a:t> </a:t>
+            </a:r>
+            <a:r>
+              <a:rPr/>
+              <a:t>you</a:t>
+            </a:r>
+            <a:r>
+              <a:rPr/>
+              <a:t> </a:t>
+            </a:r>
+            <a:r>
+              <a:rPr/>
+              <a:t>can</a:t>
+            </a:r>
+            <a:r>
+              <a:rPr/>
+              <a:t> </a:t>
+            </a:r>
+            <a:r>
+              <a:rPr/>
+              <a:t>develop</a:t>
+            </a:r>
+            <a:r>
+              <a:rPr/>
+              <a:t> </a:t>
+            </a:r>
+            <a:r>
+              <a:rPr/>
+              <a:t>a</a:t>
+            </a:r>
+            <a:r>
+              <a:rPr/>
+              <a:t> </a:t>
+            </a:r>
+            <a:r>
+              <a:rPr/>
+              <a:t>gradient</a:t>
+            </a:r>
+            <a:r>
+              <a:rPr/>
+              <a:t> </a:t>
+            </a:r>
+            <a:r>
+              <a:rPr/>
+              <a:t>that</a:t>
+            </a:r>
+            <a:r>
+              <a:rPr/>
+              <a:t> </a:t>
+            </a:r>
+            <a:r>
+              <a:rPr/>
+              <a:t>goes</a:t>
+            </a:r>
+            <a:r>
+              <a:rPr/>
+              <a:t> </a:t>
+            </a:r>
+            <a:r>
+              <a:rPr/>
+              <a:t>from</a:t>
+            </a:r>
+            <a:r>
+              <a:rPr/>
+              <a:t> </a:t>
+            </a:r>
+            <a:r>
+              <a:rPr/>
+              <a:t>pure</a:t>
+            </a:r>
+            <a:r>
+              <a:rPr/>
+              <a:t> </a:t>
+            </a:r>
+            <a:r>
+              <a:rPr/>
+              <a:t>blue</a:t>
+            </a:r>
+            <a:r>
+              <a:rPr/>
+              <a:t> </a:t>
+            </a:r>
+            <a:r>
+              <a:rPr/>
+              <a:t>through</a:t>
+            </a:r>
+            <a:r>
+              <a:rPr/>
+              <a:t> </a:t>
+            </a:r>
+            <a:r>
+              <a:rPr/>
+              <a:t>the</a:t>
+            </a:r>
+            <a:r>
+              <a:rPr/>
+              <a:t> </a:t>
+            </a:r>
+            <a:r>
+              <a:rPr/>
+              <a:t>lighter</a:t>
+            </a:r>
+            <a:r>
+              <a:rPr/>
+              <a:t> </a:t>
+            </a:r>
+            <a:r>
+              <a:rPr/>
+              <a:t>shades</a:t>
+            </a:r>
+            <a:r>
+              <a:rPr/>
+              <a:t> </a:t>
+            </a:r>
+            <a:r>
+              <a:rPr/>
+              <a:t>of</a:t>
+            </a:r>
+            <a:r>
+              <a:rPr/>
+              <a:t> </a:t>
+            </a:r>
+            <a:r>
+              <a:rPr/>
+              <a:t>blue</a:t>
+            </a:r>
+            <a:r>
+              <a:rPr/>
+              <a:t> </a:t>
+            </a:r>
+            <a:r>
+              <a:rPr/>
+              <a:t>to</a:t>
+            </a:r>
+            <a:r>
+              <a:rPr/>
+              <a:t> </a:t>
+            </a:r>
+            <a:r>
+              <a:rPr/>
+              <a:t>white.</a:t>
+            </a:r>
+          </a:p>
+        </p:txBody>
+      </p:sp>
+      <p:sp>
+        <p:nvSpPr>
+          <p:cNvPr id="4" name="Slide Number Placeholder 3"/>
+          <p:cNvSpPr>
+            <a:spLocks noGrp="1"/>
+          </p:cNvSpPr>
+          <p:nvPr>
+            <p:ph type="sldNum" sz="quarter" idx="10"/>
+          </p:nvPr>
+        </p:nvSpPr>
+        <p:spPr/>
+        <p:txBody>
+          <a:bodyPr/>
+          <a:lstStyle/>
+          <a:p>
+            <a:fld id="{18BDFEC3-8487-43E8-A154-7C12CBC1FFF2}" type="slidenum">
+              <a:rPr lang="en-US"/>
+              <a:t>16</a:t>
+            </a:fld>
+            <a:endParaRPr lang="en-US"/>
+          </a:p>
+        </p:txBody>
+      </p:sp>
+    </p:spTree>
+  </p:cSld>
+</p:notes>
+</file>
+
+<file path=ppt/notesSlides/notesSlide16.xml><?xml version="1.0" encoding="utf-8"?>
+<p:notes xmlns:a="http://schemas.openxmlformats.org/drawingml/2006/main" xmlns:r="http://schemas.openxmlformats.org/officeDocument/2006/relationships" xmlns:p="http://schemas.openxmlformats.org/presentationml/2006/main">
+  <p:cSld>
+    <p:spTree>
+      <p:nvGrpSpPr>
+        <p:cNvPr id="1" name=""/>
+        <p:cNvGrpSpPr/>
+        <p:nvPr/>
+      </p:nvGrpSpPr>
+      <p:grpSpPr>
+        <a:xfrm>
+          <a:off x="0" y="0"/>
+          <a:ext cx="0" cy="0"/>
+          <a:chOff x="0" y="0"/>
+          <a:chExt cx="0" cy="0"/>
+        </a:xfrm>
+      </p:grpSpPr>
+      <p:sp>
+        <p:nvSpPr>
+          <p:cNvPr id="2" name="Slide Image Placeholder 1"/>
+          <p:cNvSpPr>
+            <a:spLocks noGrp="1" noRot="1" noChangeAspect="1"/>
+          </p:cNvSpPr>
+          <p:nvPr>
+            <p:ph type="sldImg"/>
+          </p:nvPr>
+        </p:nvSpPr>
+        <p:spPr/>
+      </p:sp>
+      <p:sp>
+        <p:nvSpPr>
+          <p:cNvPr id="3" name="Notes Placeholder 2"/>
+          <p:cNvSpPr>
+            <a:spLocks noGrp="1"/>
+          </p:cNvSpPr>
+          <p:nvPr>
+            <p:ph type="body" idx="1"/>
+          </p:nvPr>
+        </p:nvSpPr>
+        <p:spPr/>
+        <p:txBody>
+          <a:bodyPr/>
+          <a:lstStyle/>
+          <a:p>
+            <a:pPr lvl="0" marL="0" indent="0">
+              <a:buNone/>
+            </a:pPr>
+            <a:r>
+              <a:rPr/>
+              <a:t>If</a:t>
+            </a:r>
+            <a:r>
+              <a:rPr/>
+              <a:t> </a:t>
+            </a:r>
+            <a:r>
+              <a:rPr/>
+              <a:t>you</a:t>
+            </a:r>
+            <a:r>
+              <a:rPr/>
+              <a:t> </a:t>
+            </a:r>
+            <a:r>
+              <a:rPr/>
+              <a:t>want</a:t>
+            </a:r>
+            <a:r>
+              <a:rPr/>
+              <a:t> </a:t>
+            </a:r>
+            <a:r>
+              <a:rPr/>
+              <a:t>to</a:t>
+            </a:r>
+            <a:r>
+              <a:rPr/>
+              <a:t> </a:t>
+            </a:r>
+            <a:r>
+              <a:rPr/>
+              <a:t>go</a:t>
+            </a:r>
+            <a:r>
+              <a:rPr/>
+              <a:t> </a:t>
+            </a:r>
+            <a:r>
+              <a:rPr/>
+              <a:t>from</a:t>
+            </a:r>
+            <a:r>
+              <a:rPr/>
+              <a:t> </a:t>
+            </a:r>
+            <a:r>
+              <a:rPr/>
+              <a:t>one</a:t>
+            </a:r>
+            <a:r>
+              <a:rPr/>
+              <a:t> </a:t>
+            </a:r>
+            <a:r>
+              <a:rPr/>
+              <a:t>pure</a:t>
+            </a:r>
+            <a:r>
+              <a:rPr/>
+              <a:t> </a:t>
+            </a:r>
+            <a:r>
+              <a:rPr/>
+              <a:t>color</a:t>
+            </a:r>
+            <a:r>
+              <a:rPr/>
+              <a:t> </a:t>
+            </a:r>
+            <a:r>
+              <a:rPr/>
+              <a:t>to</a:t>
+            </a:r>
+            <a:r>
+              <a:rPr/>
+              <a:t> </a:t>
+            </a:r>
+            <a:r>
+              <a:rPr/>
+              <a:t>another,</a:t>
+            </a:r>
+            <a:r>
+              <a:rPr/>
+              <a:t> </a:t>
+            </a:r>
+            <a:r>
+              <a:rPr/>
+              <a:t>there</a:t>
+            </a:r>
+            <a:r>
+              <a:rPr/>
+              <a:t> </a:t>
+            </a:r>
+            <a:r>
+              <a:rPr/>
+              <a:t>is</a:t>
+            </a:r>
+            <a:r>
+              <a:rPr/>
+              <a:t> </a:t>
+            </a:r>
+            <a:r>
+              <a:rPr/>
+              <a:t>more</a:t>
+            </a:r>
+            <a:r>
+              <a:rPr/>
+              <a:t> </a:t>
+            </a:r>
+            <a:r>
+              <a:rPr/>
+              <a:t>than</a:t>
+            </a:r>
+            <a:r>
+              <a:rPr/>
+              <a:t> </a:t>
+            </a:r>
+            <a:r>
+              <a:rPr/>
+              <a:t>one</a:t>
+            </a:r>
+            <a:r>
+              <a:rPr/>
+              <a:t> </a:t>
+            </a:r>
+            <a:r>
+              <a:rPr/>
+              <a:t>route</a:t>
+            </a:r>
+            <a:r>
+              <a:rPr/>
+              <a:t> </a:t>
+            </a:r>
+            <a:r>
+              <a:rPr/>
+              <a:t>that</a:t>
+            </a:r>
+            <a:r>
+              <a:rPr/>
+              <a:t> </a:t>
+            </a:r>
+            <a:r>
+              <a:rPr/>
+              <a:t>works.</a:t>
+            </a:r>
+            <a:r>
+              <a:rPr/>
+              <a:t> </a:t>
+            </a:r>
+            <a:r>
+              <a:rPr/>
+              <a:t>You</a:t>
+            </a:r>
+            <a:r>
+              <a:rPr/>
+              <a:t> </a:t>
+            </a:r>
+            <a:r>
+              <a:rPr/>
+              <a:t>can</a:t>
+            </a:r>
+            <a:r>
+              <a:rPr/>
+              <a:t> </a:t>
+            </a:r>
+            <a:r>
+              <a:rPr/>
+              <a:t>run</a:t>
+            </a:r>
+            <a:r>
+              <a:rPr/>
+              <a:t> </a:t>
+            </a:r>
+            <a:r>
+              <a:rPr/>
+              <a:t>red</a:t>
+            </a:r>
+            <a:r>
+              <a:rPr/>
+              <a:t> </a:t>
+            </a:r>
+            <a:r>
+              <a:rPr/>
+              <a:t>to</a:t>
+            </a:r>
+            <a:r>
+              <a:rPr/>
+              <a:t> </a:t>
+            </a:r>
+            <a:r>
+              <a:rPr/>
+              <a:t>white</a:t>
+            </a:r>
+            <a:r>
+              <a:rPr/>
+              <a:t> </a:t>
+            </a:r>
+            <a:r>
+              <a:rPr/>
+              <a:t>and</a:t>
+            </a:r>
+            <a:r>
+              <a:rPr/>
+              <a:t> </a:t>
+            </a:r>
+            <a:r>
+              <a:rPr/>
+              <a:t>then</a:t>
+            </a:r>
+            <a:r>
+              <a:rPr/>
+              <a:t> </a:t>
+            </a:r>
+            <a:r>
+              <a:rPr/>
+              <a:t>white</a:t>
+            </a:r>
+            <a:r>
+              <a:rPr/>
+              <a:t> </a:t>
+            </a:r>
+            <a:r>
+              <a:rPr/>
+              <a:t>to</a:t>
+            </a:r>
+            <a:r>
+              <a:rPr/>
+              <a:t> </a:t>
+            </a:r>
+            <a:r>
+              <a:rPr/>
+              <a:t>green.</a:t>
+            </a:r>
+          </a:p>
+        </p:txBody>
+      </p:sp>
+      <p:sp>
+        <p:nvSpPr>
+          <p:cNvPr id="4" name="Slide Number Placeholder 3"/>
+          <p:cNvSpPr>
+            <a:spLocks noGrp="1"/>
+          </p:cNvSpPr>
+          <p:nvPr>
+            <p:ph type="sldNum" sz="quarter" idx="10"/>
+          </p:nvPr>
+        </p:nvSpPr>
+        <p:spPr/>
+        <p:txBody>
+          <a:bodyPr/>
+          <a:lstStyle/>
+          <a:p>
+            <a:fld id="{18BDFEC3-8487-43E8-A154-7C12CBC1FFF2}" type="slidenum">
+              <a:rPr lang="en-US"/>
+              <a:t>17</a:t>
+            </a:fld>
+            <a:endParaRPr lang="en-US"/>
+          </a:p>
+        </p:txBody>
+      </p:sp>
+    </p:spTree>
+  </p:cSld>
+</p:notes>
+</file>
+
+<file path=ppt/notesSlides/notesSlide17.xml><?xml version="1.0" encoding="utf-8"?>
+<p:notes xmlns:a="http://schemas.openxmlformats.org/drawingml/2006/main" xmlns:r="http://schemas.openxmlformats.org/officeDocument/2006/relationships" xmlns:p="http://schemas.openxmlformats.org/presentationml/2006/main">
+  <p:cSld>
+    <p:spTree>
+      <p:nvGrpSpPr>
+        <p:cNvPr id="1" name=""/>
+        <p:cNvGrpSpPr/>
+        <p:nvPr/>
+      </p:nvGrpSpPr>
+      <p:grpSpPr>
+        <a:xfrm>
+          <a:off x="0" y="0"/>
+          <a:ext cx="0" cy="0"/>
+          <a:chOff x="0" y="0"/>
+          <a:chExt cx="0" cy="0"/>
+        </a:xfrm>
+      </p:grpSpPr>
+      <p:sp>
+        <p:nvSpPr>
+          <p:cNvPr id="2" name="Slide Image Placeholder 1"/>
+          <p:cNvSpPr>
+            <a:spLocks noGrp="1" noRot="1" noChangeAspect="1"/>
+          </p:cNvSpPr>
+          <p:nvPr>
+            <p:ph type="sldImg"/>
+          </p:nvPr>
+        </p:nvSpPr>
+        <p:spPr/>
+      </p:sp>
+      <p:sp>
+        <p:nvSpPr>
+          <p:cNvPr id="3" name="Notes Placeholder 2"/>
+          <p:cNvSpPr>
+            <a:spLocks noGrp="1"/>
+          </p:cNvSpPr>
+          <p:nvPr>
+            <p:ph type="body" idx="1"/>
+          </p:nvPr>
+        </p:nvSpPr>
+        <p:spPr/>
+        <p:txBody>
+          <a:bodyPr/>
+          <a:lstStyle/>
+          <a:p>
+            <a:pPr lvl="0" marL="0" indent="0">
+              <a:buNone/>
+            </a:pPr>
+            <a:r>
+              <a:rPr/>
+              <a:t>A</a:t>
+            </a:r>
+            <a:r>
+              <a:rPr/>
+              <a:t> </a:t>
+            </a:r>
+            <a:r>
+              <a:rPr/>
+              <a:t>common</a:t>
+            </a:r>
+            <a:r>
+              <a:rPr/>
+              <a:t> </a:t>
+            </a:r>
+            <a:r>
+              <a:rPr/>
+              <a:t>gradient</a:t>
+            </a:r>
+            <a:r>
+              <a:rPr/>
+              <a:t> </a:t>
+            </a:r>
+            <a:r>
+              <a:rPr/>
+              <a:t>for</a:t>
+            </a:r>
+            <a:r>
+              <a:rPr/>
+              <a:t> </a:t>
+            </a:r>
+            <a:r>
+              <a:rPr/>
+              <a:t>red</a:t>
+            </a:r>
+            <a:r>
+              <a:rPr/>
+              <a:t> </a:t>
+            </a:r>
+            <a:r>
+              <a:rPr/>
+              <a:t>to</a:t>
+            </a:r>
+            <a:r>
+              <a:rPr/>
+              <a:t> </a:t>
+            </a:r>
+            <a:r>
+              <a:rPr/>
+              <a:t>green</a:t>
+            </a:r>
+            <a:r>
+              <a:rPr/>
+              <a:t> </a:t>
+            </a:r>
+            <a:r>
+              <a:rPr/>
+              <a:t>relies</a:t>
+            </a:r>
+            <a:r>
+              <a:rPr/>
+              <a:t> </a:t>
+            </a:r>
+            <a:r>
+              <a:rPr/>
+              <a:t>on</a:t>
+            </a:r>
+            <a:r>
+              <a:rPr/>
+              <a:t> </a:t>
+            </a:r>
+            <a:r>
+              <a:rPr/>
+              <a:t>the</a:t>
+            </a:r>
+            <a:r>
+              <a:rPr/>
+              <a:t> </a:t>
+            </a:r>
+            <a:r>
+              <a:rPr/>
+              <a:t>fact</a:t>
+            </a:r>
+            <a:r>
+              <a:rPr/>
+              <a:t> </a:t>
+            </a:r>
+            <a:r>
+              <a:rPr/>
+              <a:t>that</a:t>
+            </a:r>
+            <a:r>
+              <a:rPr/>
+              <a:t> </a:t>
+            </a:r>
+            <a:r>
+              <a:rPr/>
+              <a:t>yellow</a:t>
+            </a:r>
+            <a:r>
+              <a:rPr/>
+              <a:t> </a:t>
+            </a:r>
+            <a:r>
+              <a:rPr/>
+              <a:t>is</a:t>
+            </a:r>
+            <a:r>
+              <a:rPr/>
+              <a:t> </a:t>
+            </a:r>
+            <a:r>
+              <a:rPr/>
+              <a:t>a</a:t>
+            </a:r>
+            <a:r>
+              <a:rPr/>
+              <a:t> </a:t>
+            </a:r>
+            <a:r>
+              <a:rPr/>
+              <a:t>combination</a:t>
+            </a:r>
+            <a:r>
+              <a:rPr/>
+              <a:t> </a:t>
+            </a:r>
+            <a:r>
+              <a:rPr/>
+              <a:t>of</a:t>
+            </a:r>
+            <a:r>
+              <a:rPr/>
+              <a:t> </a:t>
+            </a:r>
+            <a:r>
+              <a:rPr/>
+              <a:t>red</a:t>
+            </a:r>
+            <a:r>
+              <a:rPr/>
+              <a:t> </a:t>
+            </a:r>
+            <a:r>
+              <a:rPr/>
+              <a:t>and</a:t>
+            </a:r>
+            <a:r>
+              <a:rPr/>
+              <a:t> </a:t>
+            </a:r>
+            <a:r>
+              <a:rPr/>
+              <a:t>green.</a:t>
+            </a:r>
+            <a:r>
+              <a:rPr/>
+              <a:t> </a:t>
+            </a:r>
+            <a:r>
+              <a:rPr/>
+              <a:t>So</a:t>
+            </a:r>
+            <a:r>
+              <a:rPr/>
+              <a:t> </a:t>
+            </a:r>
+            <a:r>
+              <a:rPr/>
+              <a:t>start</a:t>
+            </a:r>
+            <a:r>
+              <a:rPr/>
+              <a:t> </a:t>
+            </a:r>
+            <a:r>
+              <a:rPr/>
+              <a:t>with</a:t>
+            </a:r>
+            <a:r>
+              <a:rPr/>
+              <a:t> </a:t>
+            </a:r>
+            <a:r>
+              <a:rPr/>
+              <a:t>red</a:t>
+            </a:r>
+            <a:r>
+              <a:rPr/>
+              <a:t> </a:t>
+            </a:r>
+            <a:r>
+              <a:rPr/>
+              <a:t>at</a:t>
+            </a:r>
+            <a:r>
+              <a:rPr/>
+              <a:t> </a:t>
+            </a:r>
+            <a:r>
+              <a:rPr/>
+              <a:t>full</a:t>
+            </a:r>
+            <a:r>
+              <a:rPr/>
+              <a:t> </a:t>
+            </a:r>
+            <a:r>
+              <a:rPr/>
+              <a:t>blast</a:t>
+            </a:r>
+            <a:r>
+              <a:rPr/>
+              <a:t> </a:t>
+            </a:r>
+            <a:r>
+              <a:rPr/>
+              <a:t>(FF),</a:t>
+            </a:r>
+            <a:r>
+              <a:rPr/>
+              <a:t> </a:t>
+            </a:r>
+            <a:r>
+              <a:rPr/>
+              <a:t>green</a:t>
+            </a:r>
+            <a:r>
+              <a:rPr/>
+              <a:t> </a:t>
+            </a:r>
+            <a:r>
+              <a:rPr/>
+              <a:t>at</a:t>
+            </a:r>
+            <a:r>
+              <a:rPr/>
+              <a:t> </a:t>
+            </a:r>
+            <a:r>
+              <a:rPr/>
+              <a:t>zero</a:t>
+            </a:r>
+            <a:r>
+              <a:rPr/>
+              <a:t> </a:t>
+            </a:r>
+            <a:r>
+              <a:rPr/>
+              <a:t>(and</a:t>
+            </a:r>
+            <a:r>
+              <a:rPr/>
+              <a:t> </a:t>
+            </a:r>
+            <a:r>
+              <a:rPr/>
+              <a:t>blue</a:t>
+            </a:r>
+            <a:r>
+              <a:rPr/>
+              <a:t> </a:t>
+            </a:r>
+            <a:r>
+              <a:rPr/>
+              <a:t>at</a:t>
+            </a:r>
+            <a:r>
+              <a:rPr/>
+              <a:t> </a:t>
+            </a:r>
+            <a:r>
+              <a:rPr/>
+              <a:t>zero).</a:t>
+            </a:r>
+            <a:r>
+              <a:rPr/>
+              <a:t> </a:t>
+            </a:r>
+            <a:r>
+              <a:rPr/>
+              <a:t>Move</a:t>
+            </a:r>
+            <a:r>
+              <a:rPr/>
+              <a:t> </a:t>
+            </a:r>
+            <a:r>
+              <a:rPr/>
+              <a:t>towards</a:t>
+            </a:r>
+            <a:r>
+              <a:rPr/>
+              <a:t> </a:t>
+            </a:r>
+            <a:r>
+              <a:rPr/>
+              <a:t>yellow</a:t>
+            </a:r>
+            <a:r>
+              <a:rPr/>
+              <a:t> </a:t>
+            </a:r>
+            <a:r>
+              <a:rPr/>
+              <a:t>by</a:t>
+            </a:r>
+            <a:r>
+              <a:rPr/>
+              <a:t> </a:t>
+            </a:r>
+            <a:r>
+              <a:rPr/>
+              <a:t>mixing</a:t>
+            </a:r>
+            <a:r>
+              <a:rPr/>
+              <a:t> </a:t>
+            </a:r>
+            <a:r>
+              <a:rPr/>
+              <a:t>in</a:t>
+            </a:r>
+            <a:r>
+              <a:rPr/>
+              <a:t> </a:t>
+            </a:r>
+            <a:r>
+              <a:rPr/>
+              <a:t>a</a:t>
+            </a:r>
+            <a:r>
+              <a:rPr/>
+              <a:t> </a:t>
+            </a:r>
+            <a:r>
+              <a:rPr/>
+              <a:t>bit</a:t>
+            </a:r>
+            <a:r>
+              <a:rPr/>
+              <a:t> </a:t>
+            </a:r>
+            <a:r>
+              <a:rPr/>
+              <a:t>more</a:t>
+            </a:r>
+            <a:r>
+              <a:rPr/>
+              <a:t> </a:t>
+            </a:r>
+            <a:r>
+              <a:rPr/>
+              <a:t>green.</a:t>
+            </a:r>
+            <a:r>
+              <a:rPr/>
+              <a:t> </a:t>
+            </a:r>
+            <a:r>
+              <a:rPr/>
+              <a:t>Once</a:t>
+            </a:r>
+            <a:r>
+              <a:rPr/>
+              <a:t> </a:t>
+            </a:r>
+            <a:r>
+              <a:rPr/>
+              <a:t>you</a:t>
+            </a:r>
+            <a:r>
+              <a:rPr/>
+              <a:t> </a:t>
+            </a:r>
+            <a:r>
+              <a:rPr/>
+              <a:t>get</a:t>
+            </a:r>
+            <a:r>
+              <a:rPr/>
+              <a:t> </a:t>
+            </a:r>
+            <a:r>
+              <a:rPr/>
+              <a:t>to</a:t>
+            </a:r>
+            <a:r>
+              <a:rPr/>
+              <a:t> </a:t>
+            </a:r>
+            <a:r>
+              <a:rPr/>
+              <a:t>pure</a:t>
+            </a:r>
+            <a:r>
+              <a:rPr/>
+              <a:t> </a:t>
+            </a:r>
+            <a:r>
+              <a:rPr/>
+              <a:t>yellow</a:t>
+            </a:r>
+            <a:r>
+              <a:rPr/>
+              <a:t> </a:t>
+            </a:r>
+            <a:r>
+              <a:rPr/>
+              <a:t>(FF</a:t>
+            </a:r>
+            <a:r>
+              <a:rPr/>
+              <a:t> </a:t>
+            </a:r>
+            <a:r>
+              <a:rPr/>
+              <a:t>in</a:t>
+            </a:r>
+            <a:r>
+              <a:rPr/>
+              <a:t> </a:t>
+            </a:r>
+            <a:r>
+              <a:rPr/>
+              <a:t>the</a:t>
+            </a:r>
+            <a:r>
+              <a:rPr/>
+              <a:t> </a:t>
+            </a:r>
+            <a:r>
+              <a:rPr/>
+              <a:t>green</a:t>
+            </a:r>
+            <a:r>
+              <a:rPr/>
+              <a:t> </a:t>
+            </a:r>
+            <a:r>
+              <a:rPr/>
+              <a:t>and</a:t>
+            </a:r>
+            <a:r>
+              <a:rPr/>
+              <a:t> </a:t>
+            </a:r>
+            <a:r>
+              <a:rPr/>
+              <a:t>red</a:t>
+            </a:r>
+            <a:r>
+              <a:rPr/>
+              <a:t> </a:t>
+            </a:r>
+            <a:r>
+              <a:rPr/>
+              <a:t>channels),</a:t>
+            </a:r>
+            <a:r>
+              <a:rPr/>
+              <a:t> </a:t>
+            </a:r>
+            <a:r>
+              <a:rPr/>
+              <a:t>reverse</a:t>
+            </a:r>
+            <a:r>
+              <a:rPr/>
+              <a:t> </a:t>
+            </a:r>
+            <a:r>
+              <a:rPr/>
+              <a:t>this</a:t>
+            </a:r>
+            <a:r>
+              <a:rPr/>
+              <a:t> </a:t>
+            </a:r>
+            <a:r>
+              <a:rPr/>
+              <a:t>process</a:t>
+            </a:r>
+            <a:r>
+              <a:rPr/>
+              <a:t> </a:t>
+            </a:r>
+            <a:r>
+              <a:rPr/>
+              <a:t>by</a:t>
+            </a:r>
+            <a:r>
+              <a:rPr/>
+              <a:t> </a:t>
+            </a:r>
+            <a:r>
+              <a:rPr/>
+              <a:t>keeping</a:t>
+            </a:r>
+            <a:r>
+              <a:rPr/>
+              <a:t> </a:t>
+            </a:r>
+            <a:r>
+              <a:rPr/>
+              <a:t>the</a:t>
+            </a:r>
+            <a:r>
+              <a:rPr/>
+              <a:t> </a:t>
+            </a:r>
+            <a:r>
+              <a:rPr/>
+              <a:t>green</a:t>
+            </a:r>
+            <a:r>
+              <a:rPr/>
+              <a:t> </a:t>
+            </a:r>
+            <a:r>
+              <a:rPr/>
+              <a:t>channel</a:t>
+            </a:r>
+            <a:r>
+              <a:rPr/>
+              <a:t> </a:t>
+            </a:r>
+            <a:r>
+              <a:rPr/>
+              <a:t>at</a:t>
+            </a:r>
+            <a:r>
+              <a:rPr/>
+              <a:t> </a:t>
+            </a:r>
+            <a:r>
+              <a:rPr/>
+              <a:t>full</a:t>
+            </a:r>
+            <a:r>
+              <a:rPr/>
+              <a:t> </a:t>
+            </a:r>
+            <a:r>
+              <a:rPr/>
+              <a:t>blast</a:t>
+            </a:r>
+            <a:r>
+              <a:rPr/>
+              <a:t> </a:t>
+            </a:r>
+            <a:r>
+              <a:rPr/>
+              <a:t>(FF)</a:t>
+            </a:r>
+            <a:r>
+              <a:rPr/>
+              <a:t> </a:t>
+            </a:r>
+            <a:r>
+              <a:rPr/>
+              <a:t>and</a:t>
+            </a:r>
+            <a:r>
+              <a:rPr/>
+              <a:t> </a:t>
+            </a:r>
+            <a:r>
+              <a:rPr/>
+              <a:t>gradually</a:t>
+            </a:r>
+            <a:r>
+              <a:rPr/>
+              <a:t> </a:t>
+            </a:r>
+            <a:r>
+              <a:rPr/>
+              <a:t>reduce</a:t>
+            </a:r>
+            <a:r>
+              <a:rPr/>
+              <a:t> </a:t>
+            </a:r>
+            <a:r>
+              <a:rPr/>
+              <a:t>the</a:t>
+            </a:r>
+            <a:r>
+              <a:rPr/>
+              <a:t> </a:t>
+            </a:r>
+            <a:r>
+              <a:rPr/>
+              <a:t>red</a:t>
+            </a:r>
+            <a:r>
+              <a:rPr/>
+              <a:t> </a:t>
+            </a:r>
+            <a:r>
+              <a:rPr/>
+              <a:t>channel</a:t>
+            </a:r>
+            <a:r>
+              <a:rPr/>
+              <a:t> </a:t>
+            </a:r>
+            <a:r>
+              <a:rPr/>
+              <a:t>to</a:t>
+            </a:r>
+            <a:r>
+              <a:rPr/>
+              <a:t> </a:t>
+            </a:r>
+            <a:r>
+              <a:rPr/>
+              <a:t>zero.</a:t>
+            </a:r>
+          </a:p>
+        </p:txBody>
+      </p:sp>
+      <p:sp>
+        <p:nvSpPr>
+          <p:cNvPr id="4" name="Slide Number Placeholder 3"/>
+          <p:cNvSpPr>
+            <a:spLocks noGrp="1"/>
+          </p:cNvSpPr>
+          <p:nvPr>
+            <p:ph type="sldNum" sz="quarter" idx="10"/>
+          </p:nvPr>
+        </p:nvSpPr>
+        <p:spPr/>
+        <p:txBody>
+          <a:bodyPr/>
+          <a:lstStyle/>
+          <a:p>
+            <a:fld id="{18BDFEC3-8487-43E8-A154-7C12CBC1FFF2}" type="slidenum">
+              <a:rPr lang="en-US"/>
+              <a:t>18</a:t>
+            </a:fld>
+            <a:endParaRPr lang="en-US"/>
+          </a:p>
+        </p:txBody>
+      </p:sp>
+    </p:spTree>
+  </p:cSld>
+</p:notes>
+</file>
+
+<file path=ppt/notesSlides/notesSlide18.xml><?xml version="1.0" encoding="utf-8"?>
+<p:notes xmlns:a="http://schemas.openxmlformats.org/drawingml/2006/main" xmlns:r="http://schemas.openxmlformats.org/officeDocument/2006/relationships" xmlns:p="http://schemas.openxmlformats.org/presentationml/2006/main">
+  <p:cSld>
+    <p:spTree>
+      <p:nvGrpSpPr>
+        <p:cNvPr id="1" name=""/>
+        <p:cNvGrpSpPr/>
+        <p:nvPr/>
+      </p:nvGrpSpPr>
+      <p:grpSpPr>
+        <a:xfrm>
+          <a:off x="0" y="0"/>
+          <a:ext cx="0" cy="0"/>
+          <a:chOff x="0" y="0"/>
+          <a:chExt cx="0" cy="0"/>
+        </a:xfrm>
+      </p:grpSpPr>
+      <p:sp>
+        <p:nvSpPr>
+          <p:cNvPr id="2" name="Slide Image Placeholder 1"/>
+          <p:cNvSpPr>
+            <a:spLocks noGrp="1" noRot="1" noChangeAspect="1"/>
+          </p:cNvSpPr>
+          <p:nvPr>
+            <p:ph type="sldImg"/>
+          </p:nvPr>
+        </p:nvSpPr>
+        <p:spPr/>
+      </p:sp>
+      <p:sp>
+        <p:nvSpPr>
+          <p:cNvPr id="3" name="Notes Placeholder 2"/>
+          <p:cNvSpPr>
+            <a:spLocks noGrp="1"/>
+          </p:cNvSpPr>
+          <p:nvPr>
+            <p:ph type="body" idx="1"/>
+          </p:nvPr>
+        </p:nvSpPr>
+        <p:spPr/>
+        <p:txBody>
+          <a:bodyPr/>
+          <a:lstStyle/>
+          <a:p>
+            <a:pPr lvl="0" marL="0" indent="0">
+              <a:buNone/>
+            </a:pPr>
+            <a:r>
+              <a:rPr/>
+              <a:t>You</a:t>
+            </a:r>
+            <a:r>
+              <a:rPr/>
+              <a:t> </a:t>
+            </a:r>
+            <a:r>
+              <a:rPr/>
+              <a:t>cna</a:t>
+            </a:r>
+            <a:r>
+              <a:rPr/>
+              <a:t> </a:t>
+            </a:r>
+            <a:r>
+              <a:rPr/>
+              <a:t>just</a:t>
+            </a:r>
+            <a:r>
+              <a:rPr/>
+              <a:t> </a:t>
+            </a:r>
+            <a:r>
+              <a:rPr/>
+              <a:t>as</a:t>
+            </a:r>
+            <a:r>
+              <a:rPr/>
+              <a:t> </a:t>
+            </a:r>
+            <a:r>
+              <a:rPr/>
+              <a:t>easily</a:t>
+            </a:r>
+            <a:r>
+              <a:rPr/>
+              <a:t> </a:t>
+            </a:r>
+            <a:r>
+              <a:rPr/>
+              <a:t>go</a:t>
+            </a:r>
+            <a:r>
+              <a:rPr/>
+              <a:t> </a:t>
+            </a:r>
+            <a:r>
+              <a:rPr/>
+              <a:t>from</a:t>
+            </a:r>
+            <a:r>
+              <a:rPr/>
+              <a:t> </a:t>
+            </a:r>
+            <a:r>
+              <a:rPr/>
+              <a:t>red</a:t>
+            </a:r>
+            <a:r>
+              <a:rPr/>
+              <a:t> </a:t>
+            </a:r>
+            <a:r>
+              <a:rPr/>
+              <a:t>to</a:t>
+            </a:r>
+            <a:r>
+              <a:rPr/>
+              <a:t> </a:t>
+            </a:r>
+            <a:r>
+              <a:rPr/>
+              <a:t>green</a:t>
+            </a:r>
+            <a:r>
+              <a:rPr/>
+              <a:t> </a:t>
+            </a:r>
+            <a:r>
+              <a:rPr/>
+              <a:t>through</a:t>
+            </a:r>
+            <a:r>
+              <a:rPr/>
+              <a:t> </a:t>
+            </a:r>
+            <a:r>
+              <a:rPr/>
+              <a:t>gray.</a:t>
+            </a:r>
+          </a:p>
+        </p:txBody>
+      </p:sp>
+      <p:sp>
+        <p:nvSpPr>
+          <p:cNvPr id="4" name="Slide Number Placeholder 3"/>
+          <p:cNvSpPr>
+            <a:spLocks noGrp="1"/>
+          </p:cNvSpPr>
+          <p:nvPr>
+            <p:ph type="sldNum" sz="quarter" idx="10"/>
+          </p:nvPr>
+        </p:nvSpPr>
+        <p:spPr/>
+        <p:txBody>
+          <a:bodyPr/>
+          <a:lstStyle/>
+          <a:p>
+            <a:fld id="{18BDFEC3-8487-43E8-A154-7C12CBC1FFF2}" type="slidenum">
+              <a:rPr lang="en-US"/>
+              <a:t>19</a:t>
+            </a:fld>
+            <a:endParaRPr lang="en-US"/>
+          </a:p>
+        </p:txBody>
+      </p:sp>
+    </p:spTree>
+  </p:cSld>
+</p:notes>
+</file>
+
+<file path=ppt/notesSlides/notesSlide19.xml><?xml version="1.0" encoding="utf-8"?>
+<p:notes xmlns:a="http://schemas.openxmlformats.org/drawingml/2006/main" xmlns:r="http://schemas.openxmlformats.org/officeDocument/2006/relationships" xmlns:p="http://schemas.openxmlformats.org/presentationml/2006/main">
+  <p:cSld>
+    <p:spTree>
+      <p:nvGrpSpPr>
+        <p:cNvPr id="1" name=""/>
+        <p:cNvGrpSpPr/>
+        <p:nvPr/>
+      </p:nvGrpSpPr>
+      <p:grpSpPr>
+        <a:xfrm>
+          <a:off x="0" y="0"/>
+          <a:ext cx="0" cy="0"/>
+          <a:chOff x="0" y="0"/>
+          <a:chExt cx="0" cy="0"/>
+        </a:xfrm>
+      </p:grpSpPr>
+      <p:sp>
+        <p:nvSpPr>
+          <p:cNvPr id="2" name="Slide Image Placeholder 1"/>
+          <p:cNvSpPr>
+            <a:spLocks noGrp="1" noRot="1" noChangeAspect="1"/>
+          </p:cNvSpPr>
+          <p:nvPr>
+            <p:ph type="sldImg"/>
+          </p:nvPr>
+        </p:nvSpPr>
+        <p:spPr/>
+      </p:sp>
+      <p:sp>
+        <p:nvSpPr>
+          <p:cNvPr id="3" name="Notes Placeholder 2"/>
+          <p:cNvSpPr>
+            <a:spLocks noGrp="1"/>
+          </p:cNvSpPr>
+          <p:nvPr>
+            <p:ph type="body" idx="1"/>
+          </p:nvPr>
+        </p:nvSpPr>
+        <p:spPr/>
+        <p:txBody>
+          <a:bodyPr/>
+          <a:lstStyle/>
+          <a:p>
+            <a:pPr lvl="0" marL="0" indent="0">
+              <a:buNone/>
+            </a:pPr>
+            <a:r>
+              <a:rPr/>
+              <a:t>The</a:t>
+            </a:r>
+            <a:r>
+              <a:rPr/>
+              <a:t> </a:t>
+            </a:r>
+            <a:r>
+              <a:rPr/>
+              <a:t>kindergarten</a:t>
+            </a:r>
+            <a:r>
+              <a:rPr/>
+              <a:t> </a:t>
+            </a:r>
+            <a:r>
+              <a:rPr/>
+              <a:t>view</a:t>
+            </a:r>
+            <a:r>
+              <a:rPr/>
+              <a:t> </a:t>
+            </a:r>
+            <a:r>
+              <a:rPr/>
+              <a:t>of</a:t>
+            </a:r>
+            <a:r>
+              <a:rPr/>
+              <a:t> </a:t>
+            </a:r>
+            <a:r>
+              <a:rPr/>
+              <a:t>colors</a:t>
+            </a:r>
+            <a:r>
+              <a:rPr/>
+              <a:t> </a:t>
+            </a:r>
+            <a:r>
+              <a:rPr/>
+              <a:t>(red</a:t>
+            </a:r>
+            <a:r>
+              <a:rPr/>
+              <a:t> </a:t>
+            </a:r>
+            <a:r>
+              <a:rPr/>
+              <a:t>plus</a:t>
+            </a:r>
+            <a:r>
+              <a:rPr/>
+              <a:t> </a:t>
+            </a:r>
+            <a:r>
+              <a:rPr/>
+              <a:t>yellow</a:t>
+            </a:r>
+            <a:r>
+              <a:rPr/>
+              <a:t> </a:t>
+            </a:r>
+            <a:r>
+              <a:rPr/>
+              <a:t>equals</a:t>
+            </a:r>
+            <a:r>
+              <a:rPr/>
+              <a:t> </a:t>
+            </a:r>
+            <a:r>
+              <a:rPr/>
+              <a:t>orange)</a:t>
+            </a:r>
+            <a:r>
+              <a:rPr/>
+              <a:t> </a:t>
+            </a:r>
+            <a:r>
+              <a:rPr/>
+              <a:t>doesn’t</a:t>
+            </a:r>
+            <a:r>
+              <a:rPr/>
+              <a:t> </a:t>
+            </a:r>
+            <a:r>
+              <a:rPr/>
+              <a:t>work</a:t>
+            </a:r>
+            <a:r>
+              <a:rPr/>
+              <a:t> </a:t>
+            </a:r>
+            <a:r>
+              <a:rPr/>
+              <a:t>on</a:t>
+            </a:r>
+            <a:r>
+              <a:rPr/>
+              <a:t> </a:t>
+            </a:r>
+            <a:r>
+              <a:rPr/>
+              <a:t>a</a:t>
+            </a:r>
+            <a:r>
+              <a:rPr/>
+              <a:t> </a:t>
+            </a:r>
+            <a:r>
+              <a:rPr/>
+              <a:t>computer</a:t>
+            </a:r>
+            <a:r>
+              <a:rPr/>
+              <a:t> </a:t>
+            </a:r>
+            <a:r>
+              <a:rPr/>
+              <a:t>screen</a:t>
+            </a:r>
+            <a:r>
+              <a:rPr/>
+              <a:t> </a:t>
+            </a:r>
+            <a:r>
+              <a:rPr/>
+              <a:t>because</a:t>
+            </a:r>
+            <a:r>
+              <a:rPr/>
+              <a:t> </a:t>
+            </a:r>
+            <a:r>
+              <a:rPr/>
+              <a:t>the</a:t>
+            </a:r>
+            <a:r>
+              <a:rPr/>
+              <a:t> </a:t>
+            </a:r>
+            <a:r>
+              <a:rPr/>
+              <a:t>screen</a:t>
+            </a:r>
+            <a:r>
+              <a:rPr/>
+              <a:t> </a:t>
+            </a:r>
+            <a:r>
+              <a:rPr/>
+              <a:t>uses</a:t>
+            </a:r>
+            <a:r>
+              <a:rPr/>
+              <a:t> </a:t>
+            </a:r>
+            <a:r>
+              <a:rPr/>
+              <a:t>mixtures</a:t>
+            </a:r>
+            <a:r>
+              <a:rPr/>
+              <a:t> </a:t>
+            </a:r>
+            <a:r>
+              <a:rPr/>
+              <a:t>of</a:t>
+            </a:r>
+            <a:r>
+              <a:rPr/>
+              <a:t> </a:t>
+            </a:r>
+            <a:r>
+              <a:rPr/>
+              <a:t>light</a:t>
+            </a:r>
+            <a:r>
+              <a:rPr/>
+              <a:t> </a:t>
+            </a:r>
+            <a:r>
+              <a:rPr/>
+              <a:t>to</a:t>
+            </a:r>
+            <a:r>
+              <a:rPr/>
+              <a:t> </a:t>
+            </a:r>
+            <a:r>
+              <a:rPr/>
+              <a:t>combine</a:t>
+            </a:r>
+            <a:r>
+              <a:rPr/>
+              <a:t> </a:t>
+            </a:r>
+            <a:r>
+              <a:rPr/>
+              <a:t>colors.</a:t>
+            </a:r>
+            <a:r>
+              <a:rPr/>
+              <a:t> </a:t>
+            </a:r>
+            <a:r>
+              <a:rPr/>
+              <a:t>We</a:t>
+            </a:r>
+            <a:r>
+              <a:rPr/>
+              <a:t> </a:t>
+            </a:r>
+            <a:r>
+              <a:rPr/>
+              <a:t>covered</a:t>
+            </a:r>
+            <a:r>
+              <a:rPr/>
+              <a:t> </a:t>
+            </a:r>
+            <a:r>
+              <a:rPr/>
+              <a:t>the</a:t>
+            </a:r>
+            <a:r>
+              <a:rPr/>
+              <a:t> </a:t>
+            </a:r>
+            <a:r>
+              <a:rPr/>
+              <a:t>RGB</a:t>
+            </a:r>
+            <a:r>
+              <a:rPr/>
+              <a:t> </a:t>
+            </a:r>
+            <a:r>
+              <a:rPr/>
+              <a:t>system</a:t>
+            </a:r>
+            <a:r>
+              <a:rPr/>
+              <a:t> </a:t>
+            </a:r>
+            <a:r>
+              <a:rPr/>
+              <a:t>including</a:t>
+            </a:r>
+            <a:r>
+              <a:rPr/>
+              <a:t> </a:t>
+            </a:r>
+            <a:r>
+              <a:rPr/>
+              <a:t>how</a:t>
+            </a:r>
+            <a:r>
+              <a:rPr/>
+              <a:t> </a:t>
+            </a:r>
+            <a:r>
+              <a:rPr/>
+              <a:t>to</a:t>
+            </a:r>
+            <a:r>
+              <a:rPr/>
+              <a:t> </a:t>
+            </a:r>
+            <a:r>
+              <a:rPr/>
+              <a:t>create</a:t>
+            </a:r>
+            <a:r>
+              <a:rPr/>
+              <a:t> </a:t>
+            </a:r>
+            <a:r>
+              <a:rPr/>
+              <a:t>gradients.</a:t>
+            </a:r>
+            <a:r>
+              <a:rPr/>
+              <a:t> </a:t>
+            </a:r>
+            <a:r>
+              <a:rPr/>
+              <a:t>The</a:t>
+            </a:r>
+            <a:r>
+              <a:rPr/>
+              <a:t> </a:t>
+            </a:r>
+            <a:r>
+              <a:rPr/>
+              <a:t>HSV</a:t>
+            </a:r>
+            <a:r>
+              <a:rPr/>
+              <a:t> </a:t>
+            </a:r>
+            <a:r>
+              <a:rPr/>
+              <a:t>system</a:t>
+            </a:r>
+            <a:r>
+              <a:rPr/>
+              <a:t> </a:t>
+            </a:r>
+            <a:r>
+              <a:rPr/>
+              <a:t>provides</a:t>
+            </a:r>
+            <a:r>
+              <a:rPr/>
+              <a:t> </a:t>
+            </a:r>
+            <a:r>
+              <a:rPr/>
+              <a:t>a</a:t>
+            </a:r>
+            <a:r>
+              <a:rPr/>
+              <a:t> </a:t>
+            </a:r>
+            <a:r>
+              <a:rPr/>
+              <a:t>more</a:t>
+            </a:r>
+            <a:r>
+              <a:rPr/>
+              <a:t> </a:t>
+            </a:r>
+            <a:r>
+              <a:rPr/>
+              <a:t>intuitive</a:t>
+            </a:r>
+            <a:r>
+              <a:rPr/>
+              <a:t> </a:t>
+            </a:r>
+            <a:r>
+              <a:rPr/>
+              <a:t>description</a:t>
+            </a:r>
+            <a:r>
+              <a:rPr/>
+              <a:t> </a:t>
+            </a:r>
+            <a:r>
+              <a:rPr/>
+              <a:t>of</a:t>
+            </a:r>
+            <a:r>
+              <a:rPr/>
+              <a:t> </a:t>
+            </a:r>
+            <a:r>
+              <a:rPr/>
+              <a:t>colors,</a:t>
+            </a:r>
+            <a:r>
+              <a:rPr/>
+              <a:t> </a:t>
+            </a:r>
+            <a:r>
+              <a:rPr/>
+              <a:t>while</a:t>
+            </a:r>
+            <a:r>
+              <a:rPr/>
+              <a:t> </a:t>
+            </a:r>
+            <a:r>
+              <a:rPr/>
+              <a:t>CMYK</a:t>
+            </a:r>
+            <a:r>
+              <a:rPr/>
+              <a:t> </a:t>
+            </a:r>
+            <a:r>
+              <a:rPr/>
+              <a:t>is</a:t>
+            </a:r>
+            <a:r>
+              <a:rPr/>
+              <a:t> </a:t>
+            </a:r>
+            <a:r>
+              <a:rPr/>
+              <a:t>used</a:t>
+            </a:r>
+            <a:r>
+              <a:rPr/>
+              <a:t> </a:t>
+            </a:r>
+            <a:r>
+              <a:rPr/>
+              <a:t>when</a:t>
+            </a:r>
+            <a:r>
+              <a:rPr/>
+              <a:t> </a:t>
+            </a:r>
+            <a:r>
+              <a:rPr/>
+              <a:t>printing,</a:t>
+            </a:r>
+            <a:r>
+              <a:rPr/>
+              <a:t> </a:t>
+            </a:r>
+            <a:r>
+              <a:rPr/>
+              <a:t>where</a:t>
+            </a:r>
+            <a:r>
+              <a:rPr/>
+              <a:t> </a:t>
+            </a:r>
+            <a:r>
+              <a:rPr/>
+              <a:t>a</a:t>
+            </a:r>
+            <a:r>
+              <a:rPr/>
+              <a:t> </a:t>
+            </a:r>
+            <a:r>
+              <a:rPr/>
+              <a:t>substractive</a:t>
+            </a:r>
+            <a:r>
+              <a:rPr/>
+              <a:t> </a:t>
+            </a:r>
+            <a:r>
+              <a:rPr/>
+              <a:t>rather</a:t>
+            </a:r>
+            <a:r>
+              <a:rPr/>
+              <a:t> </a:t>
+            </a:r>
+            <a:r>
+              <a:rPr/>
+              <a:t>than</a:t>
+            </a:r>
+            <a:r>
+              <a:rPr/>
+              <a:t> </a:t>
+            </a:r>
+            <a:r>
+              <a:rPr/>
+              <a:t>additive</a:t>
+            </a:r>
+            <a:r>
+              <a:rPr/>
+              <a:t> </a:t>
+            </a:r>
+            <a:r>
+              <a:rPr/>
+              <a:t>color</a:t>
+            </a:r>
+            <a:r>
+              <a:rPr/>
+              <a:t> </a:t>
+            </a:r>
+            <a:r>
+              <a:rPr/>
+              <a:t>system</a:t>
+            </a:r>
+            <a:r>
+              <a:rPr/>
+              <a:t> </a:t>
+            </a:r>
+            <a:r>
+              <a:rPr/>
+              <a:t>is</a:t>
+            </a:r>
+            <a:r>
+              <a:rPr/>
+              <a:t> </a:t>
+            </a:r>
+            <a:r>
+              <a:rPr/>
+              <a:t>needed.</a:t>
+            </a:r>
+          </a:p>
+        </p:txBody>
+      </p:sp>
+      <p:sp>
+        <p:nvSpPr>
+          <p:cNvPr id="4" name="Slide Number Placeholder 3"/>
+          <p:cNvSpPr>
+            <a:spLocks noGrp="1"/>
+          </p:cNvSpPr>
+          <p:nvPr>
+            <p:ph type="sldNum" sz="quarter" idx="10"/>
+          </p:nvPr>
+        </p:nvSpPr>
+        <p:spPr/>
+        <p:txBody>
+          <a:bodyPr/>
+          <a:lstStyle/>
+          <a:p>
+            <a:fld id="{18BDFEC3-8487-43E8-A154-7C12CBC1FFF2}" type="slidenum">
+              <a:rPr lang="en-US"/>
+              <a:t>26</a:t>
+            </a:fld>
+            <a:endParaRPr lang="en-US"/>
+          </a:p>
+        </p:txBody>
+      </p:sp>
+    </p:spTree>
+  </p:cSld>
+</p:notes>
+</file>
+
 <file path=ppt/notesSlides/notesSlide2.xml><?xml version="1.0" encoding="utf-8"?>
 <p:notes xmlns:a="http://schemas.openxmlformats.org/drawingml/2006/main" xmlns:r="http://schemas.openxmlformats.org/officeDocument/2006/relationships" xmlns:p="http://schemas.openxmlformats.org/presentationml/2006/main">
   <p:cSld>
@@ -6005,6 +10007,466 @@
             <a:fld id="{18BDFEC3-8487-43E8-A154-7C12CBC1FFF2}" type="slidenum">
               <a:rPr lang="en-US"/>
               <a:t>8</a:t>
+            </a:fld>
+            <a:endParaRPr lang="en-US"/>
+          </a:p>
+        </p:txBody>
+      </p:sp>
+    </p:spTree>
+  </p:cSld>
+</p:notes>
+</file>
+
+<file path=ppt/notesSlides/notesSlide8.xml><?xml version="1.0" encoding="utf-8"?>
+<p:notes xmlns:a="http://schemas.openxmlformats.org/drawingml/2006/main" xmlns:r="http://schemas.openxmlformats.org/officeDocument/2006/relationships" xmlns:p="http://schemas.openxmlformats.org/presentationml/2006/main">
+  <p:cSld>
+    <p:spTree>
+      <p:nvGrpSpPr>
+        <p:cNvPr id="1" name=""/>
+        <p:cNvGrpSpPr/>
+        <p:nvPr/>
+      </p:nvGrpSpPr>
+      <p:grpSpPr>
+        <a:xfrm>
+          <a:off x="0" y="0"/>
+          <a:ext cx="0" cy="0"/>
+          <a:chOff x="0" y="0"/>
+          <a:chExt cx="0" cy="0"/>
+        </a:xfrm>
+      </p:grpSpPr>
+      <p:sp>
+        <p:nvSpPr>
+          <p:cNvPr id="2" name="Slide Image Placeholder 1"/>
+          <p:cNvSpPr>
+            <a:spLocks noGrp="1" noRot="1" noChangeAspect="1"/>
+          </p:cNvSpPr>
+          <p:nvPr>
+            <p:ph type="sldImg"/>
+          </p:nvPr>
+        </p:nvSpPr>
+        <p:spPr/>
+      </p:sp>
+      <p:sp>
+        <p:nvSpPr>
+          <p:cNvPr id="3" name="Notes Placeholder 2"/>
+          <p:cNvSpPr>
+            <a:spLocks noGrp="1"/>
+          </p:cNvSpPr>
+          <p:nvPr>
+            <p:ph type="body" idx="1"/>
+          </p:nvPr>
+        </p:nvSpPr>
+        <p:spPr/>
+        <p:txBody>
+          <a:bodyPr/>
+          <a:lstStyle/>
+          <a:p>
+            <a:pPr lvl="0" marL="0" indent="0">
+              <a:buNone/>
+            </a:pPr>
+            <a:r>
+              <a:rPr/>
+              <a:t>The</a:t>
+            </a:r>
+            <a:r>
+              <a:rPr/>
+              <a:t> </a:t>
+            </a:r>
+            <a:r>
+              <a:rPr/>
+              <a:t>color</a:t>
+            </a:r>
+            <a:r>
+              <a:rPr/>
+              <a:t> </a:t>
+            </a:r>
+            <a:r>
+              <a:rPr/>
+              <a:t>cube</a:t>
+            </a:r>
+            <a:r>
+              <a:rPr/>
+              <a:t> </a:t>
+            </a:r>
+            <a:r>
+              <a:rPr/>
+              <a:t>shows</a:t>
+            </a:r>
+            <a:r>
+              <a:rPr/>
+              <a:t> </a:t>
+            </a:r>
+            <a:r>
+              <a:rPr/>
+              <a:t>the</a:t>
+            </a:r>
+            <a:r>
+              <a:rPr/>
+              <a:t> </a:t>
+            </a:r>
+            <a:r>
+              <a:rPr/>
+              <a:t>three</a:t>
+            </a:r>
+            <a:r>
+              <a:rPr/>
+              <a:t> </a:t>
+            </a:r>
+            <a:r>
+              <a:rPr/>
+              <a:t>dimensions</a:t>
+            </a:r>
+            <a:r>
+              <a:rPr/>
+              <a:t> </a:t>
+            </a:r>
+            <a:r>
+              <a:rPr/>
+              <a:t>(red,</a:t>
+            </a:r>
+            <a:r>
+              <a:rPr/>
+              <a:t> </a:t>
+            </a:r>
+            <a:r>
+              <a:rPr/>
+              <a:t>green,</a:t>
+            </a:r>
+            <a:r>
+              <a:rPr/>
+              <a:t> </a:t>
+            </a:r>
+            <a:r>
+              <a:rPr/>
+              <a:t>and</a:t>
+            </a:r>
+            <a:r>
+              <a:rPr/>
+              <a:t> </a:t>
+            </a:r>
+            <a:r>
+              <a:rPr/>
+              <a:t>blue)</a:t>
+            </a:r>
+            <a:r>
+              <a:rPr/>
+              <a:t> </a:t>
+            </a:r>
+            <a:r>
+              <a:rPr/>
+              <a:t>of</a:t>
+            </a:r>
+            <a:r>
+              <a:rPr/>
+              <a:t> </a:t>
+            </a:r>
+            <a:r>
+              <a:rPr/>
+              <a:t>the</a:t>
+            </a:r>
+            <a:r>
+              <a:rPr/>
+              <a:t> </a:t>
+            </a:r>
+            <a:r>
+              <a:rPr/>
+              <a:t>RGB</a:t>
+            </a:r>
+            <a:r>
+              <a:rPr/>
+              <a:t> </a:t>
+            </a:r>
+            <a:r>
+              <a:rPr/>
+              <a:t>color</a:t>
+            </a:r>
+            <a:r>
+              <a:rPr/>
+              <a:t> </a:t>
+            </a:r>
+            <a:r>
+              <a:rPr/>
+              <a:t>system</a:t>
+            </a:r>
+            <a:r>
+              <a:rPr/>
+              <a:t> </a:t>
+            </a:r>
+            <a:r>
+              <a:rPr/>
+              <a:t>as</a:t>
+            </a:r>
+            <a:r>
+              <a:rPr/>
+              <a:t> </a:t>
+            </a:r>
+            <a:r>
+              <a:rPr/>
+              <a:t>axes</a:t>
+            </a:r>
+            <a:r>
+              <a:rPr/>
+              <a:t> </a:t>
+            </a:r>
+            <a:r>
+              <a:rPr/>
+              <a:t>in</a:t>
+            </a:r>
+            <a:r>
+              <a:rPr/>
+              <a:t> </a:t>
+            </a:r>
+            <a:r>
+              <a:rPr/>
+              <a:t>a</a:t>
+            </a:r>
+            <a:r>
+              <a:rPr/>
+              <a:t> </a:t>
+            </a:r>
+            <a:r>
+              <a:rPr/>
+              <a:t>three</a:t>
+            </a:r>
+            <a:r>
+              <a:rPr/>
+              <a:t> </a:t>
+            </a:r>
+            <a:r>
+              <a:rPr/>
+              <a:t>dimensional</a:t>
+            </a:r>
+            <a:r>
+              <a:rPr/>
+              <a:t> </a:t>
+            </a:r>
+            <a:r>
+              <a:rPr/>
+              <a:t>space.</a:t>
+            </a:r>
+          </a:p>
+        </p:txBody>
+      </p:sp>
+      <p:sp>
+        <p:nvSpPr>
+          <p:cNvPr id="4" name="Slide Number Placeholder 3"/>
+          <p:cNvSpPr>
+            <a:spLocks noGrp="1"/>
+          </p:cNvSpPr>
+          <p:nvPr>
+            <p:ph type="sldNum" sz="quarter" idx="10"/>
+          </p:nvPr>
+        </p:nvSpPr>
+        <p:spPr/>
+        <p:txBody>
+          <a:bodyPr/>
+          <a:lstStyle/>
+          <a:p>
+            <a:fld id="{18BDFEC3-8487-43E8-A154-7C12CBC1FFF2}" type="slidenum">
+              <a:rPr lang="en-US"/>
+              <a:t>9</a:t>
+            </a:fld>
+            <a:endParaRPr lang="en-US"/>
+          </a:p>
+        </p:txBody>
+      </p:sp>
+    </p:spTree>
+  </p:cSld>
+</p:notes>
+</file>
+
+<file path=ppt/notesSlides/notesSlide9.xml><?xml version="1.0" encoding="utf-8"?>
+<p:notes xmlns:a="http://schemas.openxmlformats.org/drawingml/2006/main" xmlns:r="http://schemas.openxmlformats.org/officeDocument/2006/relationships" xmlns:p="http://schemas.openxmlformats.org/presentationml/2006/main">
+  <p:cSld>
+    <p:spTree>
+      <p:nvGrpSpPr>
+        <p:cNvPr id="1" name=""/>
+        <p:cNvGrpSpPr/>
+        <p:nvPr/>
+      </p:nvGrpSpPr>
+      <p:grpSpPr>
+        <a:xfrm>
+          <a:off x="0" y="0"/>
+          <a:ext cx="0" cy="0"/>
+          <a:chOff x="0" y="0"/>
+          <a:chExt cx="0" cy="0"/>
+        </a:xfrm>
+      </p:grpSpPr>
+      <p:sp>
+        <p:nvSpPr>
+          <p:cNvPr id="2" name="Slide Image Placeholder 1"/>
+          <p:cNvSpPr>
+            <a:spLocks noGrp="1" noRot="1" noChangeAspect="1"/>
+          </p:cNvSpPr>
+          <p:nvPr>
+            <p:ph type="sldImg"/>
+          </p:nvPr>
+        </p:nvSpPr>
+        <p:spPr/>
+      </p:sp>
+      <p:sp>
+        <p:nvSpPr>
+          <p:cNvPr id="3" name="Notes Placeholder 2"/>
+          <p:cNvSpPr>
+            <a:spLocks noGrp="1"/>
+          </p:cNvSpPr>
+          <p:nvPr>
+            <p:ph type="body" idx="1"/>
+          </p:nvPr>
+        </p:nvSpPr>
+        <p:spPr/>
+        <p:txBody>
+          <a:bodyPr/>
+          <a:lstStyle/>
+          <a:p>
+            <a:pPr lvl="0" marL="0" indent="0">
+              <a:buNone/>
+            </a:pPr>
+            <a:r>
+              <a:rPr/>
+              <a:t>The</a:t>
+            </a:r>
+            <a:r>
+              <a:rPr/>
+              <a:t> </a:t>
+            </a:r>
+            <a:r>
+              <a:rPr/>
+              <a:t>combination</a:t>
+            </a:r>
+            <a:r>
+              <a:rPr/>
+              <a:t> </a:t>
+            </a:r>
+            <a:r>
+              <a:rPr/>
+              <a:t>colors</a:t>
+            </a:r>
+            <a:r>
+              <a:rPr/>
+              <a:t> </a:t>
+            </a:r>
+            <a:r>
+              <a:rPr/>
+              <a:t>of</a:t>
+            </a:r>
+            <a:r>
+              <a:rPr/>
+              <a:t> </a:t>
+            </a:r>
+            <a:r>
+              <a:rPr/>
+              <a:t>yellow,</a:t>
+            </a:r>
+            <a:r>
+              <a:rPr/>
+              <a:t> </a:t>
+            </a:r>
+            <a:r>
+              <a:rPr/>
+              <a:t>magenta,</a:t>
+            </a:r>
+            <a:r>
+              <a:rPr/>
+              <a:t> </a:t>
+            </a:r>
+            <a:r>
+              <a:rPr/>
+              <a:t>cyan,</a:t>
+            </a:r>
+            <a:r>
+              <a:rPr/>
+              <a:t> </a:t>
+            </a:r>
+            <a:r>
+              <a:rPr/>
+              <a:t>and</a:t>
+            </a:r>
+            <a:r>
+              <a:rPr/>
+              <a:t> </a:t>
+            </a:r>
+            <a:r>
+              <a:rPr/>
+              <a:t>white</a:t>
+            </a:r>
+            <a:r>
+              <a:rPr/>
+              <a:t> </a:t>
+            </a:r>
+            <a:r>
+              <a:rPr/>
+              <a:t>represent</a:t>
+            </a:r>
+            <a:r>
+              <a:rPr/>
+              <a:t> </a:t>
+            </a:r>
+            <a:r>
+              <a:rPr/>
+              <a:t>different</a:t>
+            </a:r>
+            <a:r>
+              <a:rPr/>
+              <a:t> </a:t>
+            </a:r>
+            <a:r>
+              <a:rPr/>
+              <a:t>vertices</a:t>
+            </a:r>
+            <a:r>
+              <a:rPr/>
+              <a:t> </a:t>
+            </a:r>
+            <a:r>
+              <a:rPr/>
+              <a:t>of</a:t>
+            </a:r>
+            <a:r>
+              <a:rPr/>
+              <a:t> </a:t>
+            </a:r>
+            <a:r>
+              <a:rPr/>
+              <a:t>the</a:t>
+            </a:r>
+            <a:r>
+              <a:rPr/>
+              <a:t> </a:t>
+            </a:r>
+            <a:r>
+              <a:rPr/>
+              <a:t>color</a:t>
+            </a:r>
+            <a:r>
+              <a:rPr/>
+              <a:t> </a:t>
+            </a:r>
+            <a:r>
+              <a:rPr/>
+              <a:t>cube.</a:t>
+            </a:r>
+          </a:p>
+        </p:txBody>
+      </p:sp>
+      <p:sp>
+        <p:nvSpPr>
+          <p:cNvPr id="4" name="Slide Number Placeholder 3"/>
+          <p:cNvSpPr>
+            <a:spLocks noGrp="1"/>
+          </p:cNvSpPr>
+          <p:nvPr>
+            <p:ph type="sldNum" sz="quarter" idx="10"/>
+          </p:nvPr>
+        </p:nvSpPr>
+        <p:spPr/>
+        <p:txBody>
+          <a:bodyPr/>
+          <a:lstStyle/>
+          <a:p>
+            <a:fld id="{18BDFEC3-8487-43E8-A154-7C12CBC1FFF2}" type="slidenum">
+              <a:rPr lang="en-US"/>
+              <a:t>10</a:t>
             </a:fld>
             <a:endParaRPr lang="en-US"/>
           </a:p>
@@ -9210,7 +13672,7 @@
           <p:nvPr/>
         </p:nvPicPr>
         <p:blipFill>
-          <a:blip r:embed="rId2"/>
+          <a:blip r:embed="rId3"/>
           <a:stretch>
             <a:fillRect/>
           </a:stretch>
@@ -9421,7 +13883,7 @@
           <p:nvPr/>
         </p:nvPicPr>
         <p:blipFill>
-          <a:blip r:embed="rId2"/>
+          <a:blip r:embed="rId3"/>
           <a:stretch>
             <a:fillRect/>
           </a:stretch>
@@ -9538,7 +14000,7 @@
           <p:nvPr/>
         </p:nvPicPr>
         <p:blipFill>
-          <a:blip r:embed="rId2"/>
+          <a:blip r:embed="rId3"/>
           <a:stretch>
             <a:fillRect/>
           </a:stretch>
@@ -9655,7 +14117,7 @@
           <p:nvPr/>
         </p:nvPicPr>
         <p:blipFill>
-          <a:blip r:embed="rId2"/>
+          <a:blip r:embed="rId3"/>
           <a:stretch>
             <a:fillRect/>
           </a:stretch>
@@ -9772,7 +14234,7 @@
           <p:nvPr/>
         </p:nvPicPr>
         <p:blipFill>
-          <a:blip r:embed="rId2"/>
+          <a:blip r:embed="rId3"/>
           <a:stretch>
             <a:fillRect/>
           </a:stretch>
@@ -9889,7 +14351,7 @@
           <p:nvPr/>
         </p:nvPicPr>
         <p:blipFill>
-          <a:blip r:embed="rId2"/>
+          <a:blip r:embed="rId3"/>
           <a:stretch>
             <a:fillRect/>
           </a:stretch>
@@ -10006,7 +14468,7 @@
           <p:nvPr/>
         </p:nvPicPr>
         <p:blipFill>
-          <a:blip r:embed="rId2"/>
+          <a:blip r:embed="rId3"/>
           <a:stretch>
             <a:fillRect/>
           </a:stretch>
@@ -10085,21 +14547,61 @@
             </a:r>
             <a:r>
               <a:rPr/>
-              <a:t>(4/5)</a:t>
+              <a:t>of</a:t>
+            </a:r>
+            <a:r>
+              <a:rPr/>
+              <a:t> </a:t>
+            </a:r>
+            <a:r>
+              <a:rPr/>
+              <a:t>red</a:t>
+            </a:r>
+            <a:r>
+              <a:rPr/>
+              <a:t> </a:t>
+            </a:r>
+            <a:r>
+              <a:rPr/>
+              <a:t>to</a:t>
+            </a:r>
+            <a:r>
+              <a:rPr/>
+              <a:t> </a:t>
+            </a:r>
+            <a:r>
+              <a:rPr/>
+              <a:t>green</a:t>
+            </a:r>
+            <a:r>
+              <a:rPr/>
+              <a:t> </a:t>
+            </a:r>
+            <a:r>
+              <a:rPr/>
+              <a:t>via</a:t>
+            </a:r>
+            <a:r>
+              <a:rPr/>
+              <a:t> </a:t>
+            </a:r>
+            <a:r>
+              <a:rPr/>
+              <a:t>white</a:t>
             </a:r>
           </a:p>
         </p:txBody>
       </p:sp>
       <p:pic>
         <p:nvPicPr>
-          <p:cNvPr descr="../images/r/rgb-gradient-4.png" id="0" name="Picture 1"/>
+          <p:cNvPr descr="../images/r/gradient-red-white-green.png" id="0" name="Picture 1"/>
           <p:cNvPicPr>
             <a:picLocks noGrp="1" noChangeAspect="1"/>
           </p:cNvPicPr>
           <p:nvPr/>
         </p:nvPicPr>
         <p:blipFill>
-          <a:blip r:embed="rId2"/>
+          <a:blip r:embed="rId3"/>
           <a:stretch>
             <a:fillRect/>
           </a:stretch>
@@ -10178,21 +14680,61 @@
             </a:r>
             <a:r>
               <a:rPr/>
-              <a:t>(5/5)</a:t>
+              <a:t>of</a:t>
+            </a:r>
+            <a:r>
+              <a:rPr/>
+              <a:t> </a:t>
+            </a:r>
+            <a:r>
+              <a:rPr/>
+              <a:t>red</a:t>
+            </a:r>
+            <a:r>
+              <a:rPr/>
+              <a:t> </a:t>
+            </a:r>
+            <a:r>
+              <a:rPr/>
+              <a:t>to</a:t>
+            </a:r>
+            <a:r>
+              <a:rPr/>
+              <a:t> </a:t>
+            </a:r>
+            <a:r>
+              <a:rPr/>
+              <a:t>green</a:t>
+            </a:r>
+            <a:r>
+              <a:rPr/>
+              <a:t> </a:t>
+            </a:r>
+            <a:r>
+              <a:rPr/>
+              <a:t>via</a:t>
+            </a:r>
+            <a:r>
+              <a:rPr/>
+              <a:t> </a:t>
+            </a:r>
+            <a:r>
+              <a:rPr/>
+              <a:t>yellow</a:t>
             </a:r>
           </a:p>
         </p:txBody>
       </p:sp>
       <p:pic>
         <p:nvPicPr>
-          <p:cNvPr descr="../images/r/rgb-gradient-5.png" id="0" name="Picture 1"/>
+          <p:cNvPr descr="../images/r/gradient-red-yellow-green.png" id="0" name="Picture 1"/>
           <p:cNvPicPr>
             <a:picLocks noGrp="1" noChangeAspect="1"/>
           </p:cNvPicPr>
           <p:nvPr/>
         </p:nvPicPr>
         <p:blipFill>
-          <a:blip r:embed="rId2"/>
+          <a:blip r:embed="rId3"/>
           <a:stretch>
             <a:fillRect/>
           </a:stretch>
@@ -10263,15 +14805,55 @@
             </a:r>
             <a:r>
               <a:rPr/>
-              <a:t>RGB</a:t>
-            </a:r>
-            <a:r>
-              <a:rPr/>
-              <a:t> </a:t>
-            </a:r>
-            <a:r>
-              <a:rPr/>
-              <a:t>combinations</a:t>
+              <a:t>gradients</a:t>
+            </a:r>
+            <a:r>
+              <a:rPr/>
+              <a:t> </a:t>
+            </a:r>
+            <a:r>
+              <a:rPr/>
+              <a:t>of</a:t>
+            </a:r>
+            <a:r>
+              <a:rPr/>
+              <a:t> </a:t>
+            </a:r>
+            <a:r>
+              <a:rPr/>
+              <a:t>red</a:t>
+            </a:r>
+            <a:r>
+              <a:rPr/>
+              <a:t> </a:t>
+            </a:r>
+            <a:r>
+              <a:rPr/>
+              <a:t>to</a:t>
+            </a:r>
+            <a:r>
+              <a:rPr/>
+              <a:t> </a:t>
+            </a:r>
+            <a:r>
+              <a:rPr/>
+              <a:t>green</a:t>
+            </a:r>
+            <a:r>
+              <a:rPr/>
+              <a:t> </a:t>
+            </a:r>
+            <a:r>
+              <a:rPr/>
+              <a:t>through</a:t>
+            </a:r>
+            <a:r>
+              <a:rPr/>
+              <a:t> </a:t>
+            </a:r>
+            <a:r>
+              <a:rPr/>
+              <a:t>gray</a:t>
             </a:r>
           </a:p>
         </p:txBody>
@@ -10296,7 +14878,7 @@
             </a:pPr>
             <a:r>
               <a:rPr/>
-              <a:t>Additive color mixing: adding red to green yields yellow; adding green to blue yields cyan; adding blue to red yields magenta; adding all three primary colors together yields white.</a:t>
+              <a:t>(To be added)</a:t>
             </a:r>
           </a:p>
         </p:txBody>
@@ -10464,97 +15046,52 @@
             </a:pPr>
             <a:r>
               <a:rPr/>
-              <a:t>Colors,</a:t>
-            </a:r>
-            <a:r>
-              <a:rPr/>
-              <a:t> </a:t>
-            </a:r>
-            <a:r>
-              <a:rPr/>
-              <a:t>Contrasting</a:t>
-            </a:r>
-            <a:r>
-              <a:rPr/>
-              <a:t> </a:t>
-            </a:r>
-            <a:r>
-              <a:rPr/>
-              <a:t>pure</a:t>
-            </a:r>
-            <a:r>
-              <a:rPr/>
-              <a:t> </a:t>
-            </a:r>
-            <a:r>
-              <a:rPr/>
-              <a:t>colors</a:t>
-            </a:r>
-            <a:r>
-              <a:rPr/>
-              <a:t> </a:t>
-            </a:r>
-            <a:r>
-              <a:rPr/>
-              <a:t>often</a:t>
-            </a:r>
-            <a:r>
-              <a:rPr/>
-              <a:t> </a:t>
-            </a:r>
-            <a:r>
-              <a:rPr/>
-              <a:t>appear</a:t>
-            </a:r>
-            <a:r>
-              <a:rPr/>
-              <a:t> </a:t>
-            </a:r>
-            <a:r>
-              <a:rPr/>
-              <a:t>too</a:t>
-            </a:r>
-            <a:r>
-              <a:rPr/>
-              <a:t> </a:t>
-            </a:r>
-            <a:r>
-              <a:rPr/>
-              <a:t>intense</a:t>
+              <a:t>Gradients</a:t>
+            </a:r>
+            <a:r>
+              <a:rPr/>
+              <a:t> </a:t>
+            </a:r>
+            <a:r>
+              <a:rPr/>
+              <a:t>in</a:t>
+            </a:r>
+            <a:r>
+              <a:rPr/>
+              <a:t> </a:t>
+            </a:r>
+            <a:r>
+              <a:rPr/>
+              <a:t>Python</a:t>
             </a:r>
           </a:p>
         </p:txBody>
       </p:sp>
-      <p:pic>
-        <p:nvPicPr>
-          <p:cNvPr descr="../images/r/intense.png" id="0" name="Picture 1"/>
-          <p:cNvPicPr>
-            <a:picLocks noGrp="1" noChangeAspect="1"/>
-          </p:cNvPicPr>
-          <p:nvPr/>
-        </p:nvPicPr>
-        <p:blipFill>
-          <a:blip r:embed="rId2"/>
-          <a:stretch>
-            <a:fillRect/>
-          </a:stretch>
-        </p:blipFill>
-        <p:spPr bwMode="auto">
-          <a:xfrm>
-            <a:off x="2311400" y="1600200"/>
-            <a:ext cx="4521200" cy="4521200"/>
-          </a:xfrm>
-          <a:prstGeom prst="rect">
-            <a:avLst/>
-          </a:prstGeom>
-          <a:noFill/>
-          <a:ln w="9525">
-            <a:noFill/>
-            <a:headEnd/>
-            <a:tailEnd/>
-          </a:ln>
-        </p:spPr>
-      </p:pic>
+      <p:sp>
+        <p:nvSpPr>
+          <p:cNvPr id="3" name="Content Placeholder 2"/>
+          <p:cNvSpPr>
+            <a:spLocks noGrp="1"/>
+          </p:cNvSpPr>
+          <p:nvPr>
+            <p:ph idx="1"/>
+          </p:nvPr>
+        </p:nvSpPr>
+        <p:spPr/>
+        <p:txBody>
+          <a:bodyPr/>
+          <a:lstStyle/>
+          <a:p>
+            <a:pPr lvl="0" marL="0" indent="0">
+              <a:buNone/>
+            </a:pPr>
+            <a:r>
+              <a:rPr/>
+              <a:t>(To be added)</a:t>
+            </a:r>
+          </a:p>
+        </p:txBody>
+      </p:sp>
     </p:spTree>
   </p:cSld>
 </p:sld>
@@ -10597,73 +15134,52 @@
             </a:pPr>
             <a:r>
               <a:rPr/>
-              <a:t>Colors,</a:t>
-            </a:r>
-            <a:r>
-              <a:rPr/>
-              <a:t> </a:t>
-            </a:r>
-            <a:r>
-              <a:rPr/>
-              <a:t>Lighter</a:t>
-            </a:r>
-            <a:r>
-              <a:rPr/>
-              <a:t> </a:t>
-            </a:r>
-            <a:r>
-              <a:rPr/>
-              <a:t>background,</a:t>
-            </a:r>
-            <a:r>
-              <a:rPr/>
-              <a:t> </a:t>
-            </a:r>
-            <a:r>
-              <a:rPr/>
-              <a:t>darker</a:t>
-            </a:r>
-            <a:r>
-              <a:rPr/>
-              <a:t> </a:t>
-            </a:r>
-            <a:r>
-              <a:rPr/>
-              <a:t>foreground</a:t>
+              <a:t>Gradients</a:t>
+            </a:r>
+            <a:r>
+              <a:rPr/>
+              <a:t> </a:t>
+            </a:r>
+            <a:r>
+              <a:rPr/>
+              <a:t>in</a:t>
+            </a:r>
+            <a:r>
+              <a:rPr/>
+              <a:t> </a:t>
+            </a:r>
+            <a:r>
+              <a:rPr/>
+              <a:t>R</a:t>
             </a:r>
           </a:p>
         </p:txBody>
       </p:sp>
-      <p:pic>
-        <p:nvPicPr>
-          <p:cNvPr descr="../images/r/both.png" id="0" name="Picture 1"/>
-          <p:cNvPicPr>
-            <a:picLocks noGrp="1" noChangeAspect="1"/>
-          </p:cNvPicPr>
-          <p:nvPr/>
-        </p:nvPicPr>
-        <p:blipFill>
-          <a:blip r:embed="rId2"/>
-          <a:stretch>
-            <a:fillRect/>
-          </a:stretch>
-        </p:blipFill>
-        <p:spPr bwMode="auto">
-          <a:xfrm>
-            <a:off x="2311400" y="1600200"/>
-            <a:ext cx="4521200" cy="4521200"/>
-          </a:xfrm>
-          <a:prstGeom prst="rect">
-            <a:avLst/>
-          </a:prstGeom>
-          <a:noFill/>
-          <a:ln w="9525">
-            <a:noFill/>
-            <a:headEnd/>
-            <a:tailEnd/>
-          </a:ln>
-        </p:spPr>
-      </p:pic>
+      <p:sp>
+        <p:nvSpPr>
+          <p:cNvPr id="3" name="Content Placeholder 2"/>
+          <p:cNvSpPr>
+            <a:spLocks noGrp="1"/>
+          </p:cNvSpPr>
+          <p:nvPr>
+            <p:ph idx="1"/>
+          </p:nvPr>
+        </p:nvSpPr>
+        <p:spPr/>
+        <p:txBody>
+          <a:bodyPr/>
+          <a:lstStyle/>
+          <a:p>
+            <a:pPr lvl="0" marL="0" indent="0">
+              <a:buNone/>
+            </a:pPr>
+            <a:r>
+              <a:rPr/>
+              <a:t>(To be added)</a:t>
+            </a:r>
+          </a:p>
+        </p:txBody>
+      </p:sp>
     </p:spTree>
   </p:cSld>
 </p:sld>
@@ -10706,65 +15222,52 @@
             </a:pPr>
             <a:r>
               <a:rPr/>
-              <a:t>Colors,</a:t>
-            </a:r>
-            <a:r>
-              <a:rPr/>
-              <a:t> </a:t>
-            </a:r>
-            <a:r>
-              <a:rPr/>
-              <a:t>or</a:t>
-            </a:r>
-            <a:r>
-              <a:rPr/>
-              <a:t> </a:t>
-            </a:r>
-            <a:r>
-              <a:rPr/>
-              <a:t>the</a:t>
-            </a:r>
-            <a:r>
-              <a:rPr/>
-              <a:t> </a:t>
-            </a:r>
-            <a:r>
-              <a:rPr/>
-              <a:t>reverse</a:t>
+              <a:t>Gradients</a:t>
+            </a:r>
+            <a:r>
+              <a:rPr/>
+              <a:t> </a:t>
+            </a:r>
+            <a:r>
+              <a:rPr/>
+              <a:t>in</a:t>
+            </a:r>
+            <a:r>
+              <a:rPr/>
+              <a:t> </a:t>
+            </a:r>
+            <a:r>
+              <a:rPr/>
+              <a:t>Tableau</a:t>
             </a:r>
           </a:p>
         </p:txBody>
       </p:sp>
-      <p:pic>
-        <p:nvPicPr>
-          <p:cNvPr descr="../images/r/reverse.png" id="0" name="Picture 1"/>
-          <p:cNvPicPr>
-            <a:picLocks noGrp="1" noChangeAspect="1"/>
-          </p:cNvPicPr>
-          <p:nvPr/>
-        </p:nvPicPr>
-        <p:blipFill>
-          <a:blip r:embed="rId2"/>
-          <a:stretch>
-            <a:fillRect/>
-          </a:stretch>
-        </p:blipFill>
-        <p:spPr bwMode="auto">
-          <a:xfrm>
-            <a:off x="2311400" y="1600200"/>
-            <a:ext cx="4521200" cy="4521200"/>
-          </a:xfrm>
-          <a:prstGeom prst="rect">
-            <a:avLst/>
-          </a:prstGeom>
-          <a:noFill/>
-          <a:ln w="9525">
-            <a:noFill/>
-            <a:headEnd/>
-            <a:tailEnd/>
-          </a:ln>
-        </p:spPr>
-      </p:pic>
+      <p:sp>
+        <p:nvSpPr>
+          <p:cNvPr id="3" name="Content Placeholder 2"/>
+          <p:cNvSpPr>
+            <a:spLocks noGrp="1"/>
+          </p:cNvSpPr>
+          <p:nvPr>
+            <p:ph idx="1"/>
+          </p:nvPr>
+        </p:nvSpPr>
+        <p:spPr/>
+        <p:txBody>
+          <a:bodyPr/>
+          <a:lstStyle/>
+          <a:p>
+            <a:pPr lvl="0" marL="0" indent="0">
+              <a:buNone/>
+            </a:pPr>
+            <a:r>
+              <a:rPr/>
+              <a:t>(To be added)</a:t>
+            </a:r>
+          </a:p>
+        </p:txBody>
+      </p:sp>
     </p:spTree>
   </p:cSld>
 </p:sld>
@@ -11105,13 +15608,6 @@
             <a:r>
               <a:rPr/>
               <a:t>Kindergarten view of colors</a:t>
-            </a:r>
-          </a:p>
-          <a:p>
-            <a:pPr lvl="1"/>
-            <a:r>
-              <a:rPr/>
-              <a:t>Review hexadecimal codes</a:t>
             </a:r>
           </a:p>
           <a:p>
@@ -12222,7 +16718,7 @@
           <p:nvPr/>
         </p:nvPicPr>
         <p:blipFill>
-          <a:blip r:embed="rId2"/>
+          <a:blip r:embed="rId3"/>
           <a:stretch>
             <a:fillRect/>
           </a:stretch>

--- a/data-viz-02/component/tutorial-colors.pptx
+++ b/data-viz-02/component/tutorial-colors.pptx
@@ -5,7 +5,7 @@
     <p:sldMasterId id="2147483648" r:id="rId1"/>
   </p:sldMasterIdLst>
   <p:notesMasterIdLst>
-    <p:NotesMasterId r:id="rId28"/>
+    <p:NotesMasterId r:id="rId32"/>
   </p:notesMasterIdLst>
   <p:sldIdLst>
     <p:sldId id="256" r:id="rId2"/>
@@ -34,6 +34,10 @@
     <p:sldId id="279" r:id="rId25"/>
     <p:sldId id="280" r:id="rId26"/>
     <p:sldId id="281" r:id="rId27"/>
+    <p:sldId id="282" r:id="rId28"/>
+    <p:sldId id="283" r:id="rId29"/>
+    <p:sldId id="284" r:id="rId30"/>
+    <p:sldId id="285" r:id="rId31"/>
   </p:sldIdLst>
   <p:sldSz cx="9144000" cy="6858000" type="screen4x3"/>
   <p:notesSz cx="6858000" cy="9144000"/>
@@ -4470,7 +4474,7 @@
             </a:r>
             <a:r>
               <a:rPr/>
-              <a:t>cna</a:t>
+              <a:t>can</a:t>
             </a:r>
             <a:r>
               <a:rPr/>
@@ -5142,7 +5146,7 @@
           <a:p>
             <a:fld id="{18BDFEC3-8487-43E8-A154-7C12CBC1FFF2}" type="slidenum">
               <a:rPr lang="en-US"/>
-              <a:t>26</a:t>
+              <a:t>30</a:t>
             </a:fld>
             <a:endParaRPr lang="en-US"/>
           </a:p>
@@ -15404,50 +15408,49 @@
             </a:r>
             <a:r>
               <a:rPr/>
-              <a:t>discrete</a:t>
-            </a:r>
-            <a:r>
-              <a:rPr/>
-              <a:t> </a:t>
-            </a:r>
-            <a:r>
-              <a:rPr/>
-              <a:t>color</a:t>
-            </a:r>
-            <a:r>
-              <a:rPr/>
-              <a:t> </a:t>
-            </a:r>
-            <a:r>
-              <a:rPr/>
-              <a:t>palletes</a:t>
+              <a:t>HSV</a:t>
+            </a:r>
+            <a:r>
+              <a:rPr/>
+              <a:t> </a:t>
+            </a:r>
+            <a:r>
+              <a:rPr/>
+              <a:t>system</a:t>
             </a:r>
           </a:p>
         </p:txBody>
       </p:sp>
-      <p:sp>
-        <p:nvSpPr>
-          <p:cNvPr id="3" name="Content Placeholder 2"/>
-          <p:cNvSpPr>
-            <a:spLocks noGrp="1"/>
-          </p:cNvSpPr>
-          <p:nvPr>
-            <p:ph idx="1"/>
-          </p:nvPr>
-        </p:nvSpPr>
-        <p:spPr/>
-        <p:txBody>
-          <a:bodyPr/>
-          <a:lstStyle/>
-          <a:p>
-            <a:pPr lvl="1"/>
-            <a:r>
-              <a:rPr/>
-              <a:t>(To be added)</a:t>
-            </a:r>
-          </a:p>
-        </p:txBody>
-      </p:sp>
+      <p:pic>
+        <p:nvPicPr>
+          <p:cNvPr descr="../images/r/hsv-1.png" id="0" name="Picture 1"/>
+          <p:cNvPicPr>
+            <a:picLocks noGrp="1" noChangeAspect="1"/>
+          </p:cNvPicPr>
+          <p:nvPr/>
+        </p:nvPicPr>
+        <p:blipFill>
+          <a:blip r:embed="rId2"/>
+          <a:stretch>
+            <a:fillRect/>
+          </a:stretch>
+        </p:blipFill>
+        <p:spPr bwMode="auto">
+          <a:xfrm>
+            <a:off x="2311400" y="1600200"/>
+            <a:ext cx="4521200" cy="4521200"/>
+          </a:xfrm>
+          <a:prstGeom prst="rect">
+            <a:avLst/>
+          </a:prstGeom>
+          <a:noFill/>
+          <a:ln w="9525">
+            <a:noFill/>
+            <a:headEnd/>
+            <a:tailEnd/>
+          </a:ln>
+        </p:spPr>
+      </p:pic>
     </p:spTree>
   </p:cSld>
 </p:sld>
@@ -15498,42 +15501,65 @@
             </a:r>
             <a:r>
               <a:rPr/>
-              <a:t>CYMK</a:t>
-            </a:r>
-            <a:r>
-              <a:rPr/>
-              <a:t> </a:t>
-            </a:r>
-            <a:r>
-              <a:rPr/>
-              <a:t>system</a:t>
+              <a:t>HSV</a:t>
+            </a:r>
+            <a:r>
+              <a:rPr/>
+              <a:t> </a:t>
+            </a:r>
+            <a:r>
+              <a:rPr/>
+              <a:t>system,</a:t>
+            </a:r>
+            <a:r>
+              <a:rPr/>
+              <a:t> </a:t>
+            </a:r>
+            <a:r>
+              <a:rPr/>
+              <a:t>hue</a:t>
+            </a:r>
+            <a:r>
+              <a:rPr/>
+              <a:t> </a:t>
+            </a:r>
+            <a:r>
+              <a:rPr/>
+              <a:t>only</a:t>
             </a:r>
           </a:p>
         </p:txBody>
       </p:sp>
-      <p:sp>
-        <p:nvSpPr>
-          <p:cNvPr id="3" name="Content Placeholder 2"/>
-          <p:cNvSpPr>
-            <a:spLocks noGrp="1"/>
-          </p:cNvSpPr>
-          <p:nvPr>
-            <p:ph idx="1"/>
-          </p:nvPr>
-        </p:nvSpPr>
-        <p:spPr/>
-        <p:txBody>
-          <a:bodyPr/>
-          <a:lstStyle/>
-          <a:p>
-            <a:pPr lvl="1"/>
-            <a:r>
-              <a:rPr/>
-              <a:t>(To be added)</a:t>
-            </a:r>
-          </a:p>
-        </p:txBody>
-      </p:sp>
+      <p:pic>
+        <p:nvPicPr>
+          <p:cNvPr descr="../images/r/hsv-2.png" id="0" name="Picture 1"/>
+          <p:cNvPicPr>
+            <a:picLocks noGrp="1" noChangeAspect="1"/>
+          </p:cNvPicPr>
+          <p:nvPr/>
+        </p:nvPicPr>
+        <p:blipFill>
+          <a:blip r:embed="rId2"/>
+          <a:stretch>
+            <a:fillRect/>
+          </a:stretch>
+        </p:blipFill>
+        <p:spPr bwMode="auto">
+          <a:xfrm>
+            <a:off x="2311400" y="1600200"/>
+            <a:ext cx="4521200" cy="4521200"/>
+          </a:xfrm>
+          <a:prstGeom prst="rect">
+            <a:avLst/>
+          </a:prstGeom>
+          <a:noFill/>
+          <a:ln w="9525">
+            <a:noFill/>
+            <a:headEnd/>
+            <a:tailEnd/>
+          </a:ln>
+        </p:spPr>
+      </p:pic>
     </p:spTree>
   </p:cSld>
 </p:sld>
@@ -15584,7 +15610,241 @@
             </a:r>
             <a:r>
               <a:rPr/>
-              <a:t>review</a:t>
+              <a:t>HSV</a:t>
+            </a:r>
+            <a:r>
+              <a:rPr/>
+              <a:t> </a:t>
+            </a:r>
+            <a:r>
+              <a:rPr/>
+              <a:t>system,</a:t>
+            </a:r>
+            <a:r>
+              <a:rPr/>
+              <a:t> </a:t>
+            </a:r>
+            <a:r>
+              <a:rPr/>
+              <a:t>saturation</a:t>
+            </a:r>
+            <a:r>
+              <a:rPr/>
+              <a:t> </a:t>
+            </a:r>
+            <a:r>
+              <a:rPr/>
+              <a:t>only</a:t>
+            </a:r>
+          </a:p>
+        </p:txBody>
+      </p:sp>
+      <p:pic>
+        <p:nvPicPr>
+          <p:cNvPr descr="../images/r/hsv-3.png" id="0" name="Picture 1"/>
+          <p:cNvPicPr>
+            <a:picLocks noGrp="1" noChangeAspect="1"/>
+          </p:cNvPicPr>
+          <p:nvPr/>
+        </p:nvPicPr>
+        <p:blipFill>
+          <a:blip r:embed="rId2"/>
+          <a:stretch>
+            <a:fillRect/>
+          </a:stretch>
+        </p:blipFill>
+        <p:spPr bwMode="auto">
+          <a:xfrm>
+            <a:off x="2311400" y="1600200"/>
+            <a:ext cx="4521200" cy="4521200"/>
+          </a:xfrm>
+          <a:prstGeom prst="rect">
+            <a:avLst/>
+          </a:prstGeom>
+          <a:noFill/>
+          <a:ln w="9525">
+            <a:noFill/>
+            <a:headEnd/>
+            <a:tailEnd/>
+          </a:ln>
+        </p:spPr>
+      </p:pic>
+    </p:spTree>
+  </p:cSld>
+</p:sld>
+</file>
+
+<file path=ppt/slides/slide27.xml><?xml version="1.0" encoding="utf-8"?>
+<p:sld xmlns:a="http://schemas.openxmlformats.org/drawingml/2006/main" xmlns:r="http://schemas.openxmlformats.org/officeDocument/2006/relationships" xmlns:p="http://schemas.openxmlformats.org/presentationml/2006/main">
+  <p:cSld>
+    <p:spTree>
+      <p:nvGrpSpPr>
+        <p:cNvPr id="1" name=""/>
+        <p:cNvGrpSpPr/>
+        <p:nvPr/>
+      </p:nvGrpSpPr>
+      <p:grpSpPr>
+        <a:xfrm>
+          <a:off x="0" y="0"/>
+          <a:ext cx="0" cy="0"/>
+          <a:chOff x="0" y="0"/>
+          <a:chExt cx="0" cy="0"/>
+        </a:xfrm>
+      </p:grpSpPr>
+      <p:sp>
+        <p:nvSpPr>
+          <p:cNvPr id="2" name="Title 1"/>
+          <p:cNvSpPr>
+            <a:spLocks noGrp="1"/>
+          </p:cNvSpPr>
+          <p:nvPr>
+            <p:ph type="title"/>
+          </p:nvPr>
+        </p:nvSpPr>
+        <p:spPr/>
+        <p:txBody>
+          <a:bodyPr/>
+          <a:lstStyle/>
+          <a:p>
+            <a:pPr lvl="0" marL="0" indent="0">
+              <a:buNone/>
+            </a:pPr>
+            <a:r>
+              <a:rPr/>
+              <a:t>Colors,</a:t>
+            </a:r>
+            <a:r>
+              <a:rPr/>
+              <a:t> </a:t>
+            </a:r>
+            <a:r>
+              <a:rPr/>
+              <a:t>HSV</a:t>
+            </a:r>
+            <a:r>
+              <a:rPr/>
+              <a:t> </a:t>
+            </a:r>
+            <a:r>
+              <a:rPr/>
+              <a:t>system,</a:t>
+            </a:r>
+            <a:r>
+              <a:rPr/>
+              <a:t> </a:t>
+            </a:r>
+            <a:r>
+              <a:rPr/>
+              <a:t>value</a:t>
+            </a:r>
+            <a:r>
+              <a:rPr/>
+              <a:t> </a:t>
+            </a:r>
+            <a:r>
+              <a:rPr/>
+              <a:t>only</a:t>
+            </a:r>
+          </a:p>
+        </p:txBody>
+      </p:sp>
+      <p:pic>
+        <p:nvPicPr>
+          <p:cNvPr descr="../images/r/hsv-4.png" id="0" name="Picture 1"/>
+          <p:cNvPicPr>
+            <a:picLocks noGrp="1" noChangeAspect="1"/>
+          </p:cNvPicPr>
+          <p:nvPr/>
+        </p:nvPicPr>
+        <p:blipFill>
+          <a:blip r:embed="rId2"/>
+          <a:stretch>
+            <a:fillRect/>
+          </a:stretch>
+        </p:blipFill>
+        <p:spPr bwMode="auto">
+          <a:xfrm>
+            <a:off x="2311400" y="1600200"/>
+            <a:ext cx="4521200" cy="4521200"/>
+          </a:xfrm>
+          <a:prstGeom prst="rect">
+            <a:avLst/>
+          </a:prstGeom>
+          <a:noFill/>
+          <a:ln w="9525">
+            <a:noFill/>
+            <a:headEnd/>
+            <a:tailEnd/>
+          </a:ln>
+        </p:spPr>
+      </p:pic>
+    </p:spTree>
+  </p:cSld>
+</p:sld>
+</file>
+
+<file path=ppt/slides/slide28.xml><?xml version="1.0" encoding="utf-8"?>
+<p:sld xmlns:a="http://schemas.openxmlformats.org/drawingml/2006/main" xmlns:r="http://schemas.openxmlformats.org/officeDocument/2006/relationships" xmlns:p="http://schemas.openxmlformats.org/presentationml/2006/main">
+  <p:cSld>
+    <p:spTree>
+      <p:nvGrpSpPr>
+        <p:cNvPr id="1" name=""/>
+        <p:cNvGrpSpPr/>
+        <p:nvPr/>
+      </p:nvGrpSpPr>
+      <p:grpSpPr>
+        <a:xfrm>
+          <a:off x="0" y="0"/>
+          <a:ext cx="0" cy="0"/>
+          <a:chOff x="0" y="0"/>
+          <a:chExt cx="0" cy="0"/>
+        </a:xfrm>
+      </p:grpSpPr>
+      <p:sp>
+        <p:nvSpPr>
+          <p:cNvPr id="2" name="Title 1"/>
+          <p:cNvSpPr>
+            <a:spLocks noGrp="1"/>
+          </p:cNvSpPr>
+          <p:nvPr>
+            <p:ph type="title"/>
+          </p:nvPr>
+        </p:nvSpPr>
+        <p:spPr/>
+        <p:txBody>
+          <a:bodyPr/>
+          <a:lstStyle/>
+          <a:p>
+            <a:pPr lvl="0" marL="0" indent="0">
+              <a:buNone/>
+            </a:pPr>
+            <a:r>
+              <a:rPr/>
+              <a:t>Colors,</a:t>
+            </a:r>
+            <a:r>
+              <a:rPr/>
+              <a:t> </a:t>
+            </a:r>
+            <a:r>
+              <a:rPr/>
+              <a:t>discrete</a:t>
+            </a:r>
+            <a:r>
+              <a:rPr/>
+              <a:t> </a:t>
+            </a:r>
+            <a:r>
+              <a:rPr/>
+              <a:t>color</a:t>
+            </a:r>
+            <a:r>
+              <a:rPr/>
+              <a:t> </a:t>
+            </a:r>
+            <a:r>
+              <a:rPr/>
+              <a:t>palletes</a:t>
             </a:r>
           </a:p>
         </p:txBody>
@@ -15607,42 +15867,93 @@
             <a:pPr lvl="1"/>
             <a:r>
               <a:rPr/>
-              <a:t>Kindergarten view of colors</a:t>
-            </a:r>
-          </a:p>
+              <a:t>(To be added)</a:t>
+            </a:r>
+          </a:p>
+        </p:txBody>
+      </p:sp>
+    </p:spTree>
+  </p:cSld>
+</p:sld>
+</file>
+
+<file path=ppt/slides/slide29.xml><?xml version="1.0" encoding="utf-8"?>
+<p:sld xmlns:a="http://schemas.openxmlformats.org/drawingml/2006/main" xmlns:r="http://schemas.openxmlformats.org/officeDocument/2006/relationships" xmlns:p="http://schemas.openxmlformats.org/presentationml/2006/main">
+  <p:cSld>
+    <p:spTree>
+      <p:nvGrpSpPr>
+        <p:cNvPr id="1" name=""/>
+        <p:cNvGrpSpPr/>
+        <p:nvPr/>
+      </p:nvGrpSpPr>
+      <p:grpSpPr>
+        <a:xfrm>
+          <a:off x="0" y="0"/>
+          <a:ext cx="0" cy="0"/>
+          <a:chOff x="0" y="0"/>
+          <a:chExt cx="0" cy="0"/>
+        </a:xfrm>
+      </p:grpSpPr>
+      <p:sp>
+        <p:nvSpPr>
+          <p:cNvPr id="2" name="Title 1"/>
+          <p:cNvSpPr>
+            <a:spLocks noGrp="1"/>
+          </p:cNvSpPr>
+          <p:nvPr>
+            <p:ph type="title"/>
+          </p:nvPr>
+        </p:nvSpPr>
+        <p:spPr/>
+        <p:txBody>
+          <a:bodyPr/>
+          <a:lstStyle/>
+          <a:p>
+            <a:pPr lvl="0" marL="0" indent="0">
+              <a:buNone/>
+            </a:pPr>
+            <a:r>
+              <a:rPr/>
+              <a:t>Colors,</a:t>
+            </a:r>
+            <a:r>
+              <a:rPr/>
+              <a:t> </a:t>
+            </a:r>
+            <a:r>
+              <a:rPr/>
+              <a:t>CYMK</a:t>
+            </a:r>
+            <a:r>
+              <a:rPr/>
+              <a:t> </a:t>
+            </a:r>
+            <a:r>
+              <a:rPr/>
+              <a:t>system</a:t>
+            </a:r>
+          </a:p>
+        </p:txBody>
+      </p:sp>
+      <p:sp>
+        <p:nvSpPr>
+          <p:cNvPr id="3" name="Content Placeholder 2"/>
+          <p:cNvSpPr>
+            <a:spLocks noGrp="1"/>
+          </p:cNvSpPr>
+          <p:nvPr>
+            <p:ph idx="1"/>
+          </p:nvPr>
+        </p:nvSpPr>
+        <p:spPr/>
+        <p:txBody>
+          <a:bodyPr/>
+          <a:lstStyle/>
           <a:p>
             <a:pPr lvl="1"/>
             <a:r>
               <a:rPr/>
-              <a:t>RGB color system</a:t>
-            </a:r>
-          </a:p>
-          <a:p>
-            <a:pPr lvl="2"/>
-            <a:r>
-              <a:rPr/>
-              <a:t>Gradients</a:t>
-            </a:r>
-          </a:p>
-          <a:p>
-            <a:pPr lvl="1"/>
-            <a:r>
-              <a:rPr/>
-              <a:t>HSV color system</a:t>
-            </a:r>
-          </a:p>
-          <a:p>
-            <a:pPr lvl="2"/>
-            <a:r>
-              <a:rPr/>
-              <a:t>Discrete color palettes</a:t>
-            </a:r>
-          </a:p>
-          <a:p>
-            <a:pPr lvl="1"/>
-            <a:r>
-              <a:rPr/>
-              <a:t>CYMK system</a:t>
+              <a:t>(To be added)</a:t>
             </a:r>
           </a:p>
         </p:txBody>
@@ -15796,6 +16107,119 @@
           </a:ln>
         </p:spPr>
       </p:pic>
+    </p:spTree>
+  </p:cSld>
+</p:sld>
+</file>
+
+<file path=ppt/slides/slide30.xml><?xml version="1.0" encoding="utf-8"?>
+<p:sld xmlns:a="http://schemas.openxmlformats.org/drawingml/2006/main" xmlns:r="http://schemas.openxmlformats.org/officeDocument/2006/relationships" xmlns:p="http://schemas.openxmlformats.org/presentationml/2006/main">
+  <p:cSld>
+    <p:spTree>
+      <p:nvGrpSpPr>
+        <p:cNvPr id="1" name=""/>
+        <p:cNvGrpSpPr/>
+        <p:nvPr/>
+      </p:nvGrpSpPr>
+      <p:grpSpPr>
+        <a:xfrm>
+          <a:off x="0" y="0"/>
+          <a:ext cx="0" cy="0"/>
+          <a:chOff x="0" y="0"/>
+          <a:chExt cx="0" cy="0"/>
+        </a:xfrm>
+      </p:grpSpPr>
+      <p:sp>
+        <p:nvSpPr>
+          <p:cNvPr id="2" name="Title 1"/>
+          <p:cNvSpPr>
+            <a:spLocks noGrp="1"/>
+          </p:cNvSpPr>
+          <p:nvPr>
+            <p:ph type="title"/>
+          </p:nvPr>
+        </p:nvSpPr>
+        <p:spPr/>
+        <p:txBody>
+          <a:bodyPr/>
+          <a:lstStyle/>
+          <a:p>
+            <a:pPr lvl="0" marL="0" indent="0">
+              <a:buNone/>
+            </a:pPr>
+            <a:r>
+              <a:rPr/>
+              <a:t>Colors,</a:t>
+            </a:r>
+            <a:r>
+              <a:rPr/>
+              <a:t> </a:t>
+            </a:r>
+            <a:r>
+              <a:rPr/>
+              <a:t>review</a:t>
+            </a:r>
+          </a:p>
+        </p:txBody>
+      </p:sp>
+      <p:sp>
+        <p:nvSpPr>
+          <p:cNvPr id="3" name="Content Placeholder 2"/>
+          <p:cNvSpPr>
+            <a:spLocks noGrp="1"/>
+          </p:cNvSpPr>
+          <p:nvPr>
+            <p:ph idx="1"/>
+          </p:nvPr>
+        </p:nvSpPr>
+        <p:spPr/>
+        <p:txBody>
+          <a:bodyPr/>
+          <a:lstStyle/>
+          <a:p>
+            <a:pPr lvl="1"/>
+            <a:r>
+              <a:rPr/>
+              <a:t>Kindergarten view of colors</a:t>
+            </a:r>
+          </a:p>
+          <a:p>
+            <a:pPr lvl="1"/>
+            <a:r>
+              <a:rPr/>
+              <a:t>RGB color system</a:t>
+            </a:r>
+          </a:p>
+          <a:p>
+            <a:pPr lvl="2"/>
+            <a:r>
+              <a:rPr/>
+              <a:t>Gradients</a:t>
+            </a:r>
+          </a:p>
+          <a:p>
+            <a:pPr lvl="1"/>
+            <a:r>
+              <a:rPr/>
+              <a:t>HSV color system</a:t>
+            </a:r>
+          </a:p>
+          <a:p>
+            <a:pPr lvl="2"/>
+            <a:r>
+              <a:rPr/>
+              <a:t>Discrete color palettes</a:t>
+            </a:r>
+          </a:p>
+          <a:p>
+            <a:pPr lvl="1"/>
+            <a:r>
+              <a:rPr/>
+              <a:t>CYMK system</a:t>
+            </a:r>
+          </a:p>
+        </p:txBody>
+      </p:sp>
     </p:spTree>
   </p:cSld>
 </p:sld>

--- a/data-viz-02/component/tutorial-colors.pptx
+++ b/data-viz-02/component/tutorial-colors.pptx
@@ -5,7 +5,7 @@
     <p:sldMasterId id="2147483648" r:id="rId1"/>
   </p:sldMasterIdLst>
   <p:notesMasterIdLst>
-    <p:NotesMasterId r:id="rId37"/>
+    <p:NotesMasterId r:id="rId43"/>
   </p:notesMasterIdLst>
   <p:sldIdLst>
     <p:sldId id="256" r:id="rId2"/>
@@ -43,6 +43,12 @@
     <p:sldId id="288" r:id="rId34"/>
     <p:sldId id="289" r:id="rId35"/>
     <p:sldId id="290" r:id="rId36"/>
+    <p:sldId id="291" r:id="rId37"/>
+    <p:sldId id="292" r:id="rId38"/>
+    <p:sldId id="293" r:id="rId39"/>
+    <p:sldId id="294" r:id="rId40"/>
+    <p:sldId id="295" r:id="rId41"/>
+    <p:sldId id="296" r:id="rId42"/>
   </p:sldIdLst>
   <p:sldSz cx="9144000" cy="6858000" type="screen4x3"/>
   <p:notesSz cx="6858000" cy="9144000"/>
@@ -6187,7 +6193,7 @@
           <a:p>
             <a:fld id="{18BDFEC3-8487-43E8-A154-7C12CBC1FFF2}" type="slidenum">
               <a:rPr lang="en-US"/>
-              <a:t>23</a:t>
+              <a:t>24</a:t>
             </a:fld>
             <a:endParaRPr lang="en-US"/>
           </a:p>
@@ -6247,31 +6253,39 @@
             </a:pPr>
             <a:r>
               <a:rPr/>
-              <a:t>When</a:t>
-            </a:r>
-            <a:r>
-              <a:rPr/>
-              <a:t> </a:t>
-            </a:r>
-            <a:r>
-              <a:rPr/>
-              <a:t>you</a:t>
-            </a:r>
-            <a:r>
-              <a:rPr/>
-              <a:t> </a:t>
-            </a:r>
-            <a:r>
-              <a:rPr/>
-              <a:t>are</a:t>
-            </a:r>
-            <a:r>
-              <a:rPr/>
-              <a:t> </a:t>
-            </a:r>
-            <a:r>
-              <a:rPr/>
-              <a:t>printing,</a:t>
+              <a:t>You</a:t>
+            </a:r>
+            <a:r>
+              <a:rPr/>
+              <a:t> </a:t>
+            </a:r>
+            <a:r>
+              <a:rPr/>
+              <a:t>can</a:t>
+            </a:r>
+            <a:r>
+              <a:rPr/>
+              <a:t> </a:t>
+            </a:r>
+            <a:r>
+              <a:rPr/>
+              <a:t>choose</a:t>
+            </a:r>
+            <a:r>
+              <a:rPr/>
+              <a:t> </a:t>
+            </a:r>
+            <a:r>
+              <a:rPr/>
+              <a:t>from</a:t>
+            </a:r>
+            <a:r>
+              <a:rPr/>
+              <a:t> </a:t>
+            </a:r>
+            <a:r>
+              <a:rPr/>
+              <a:t>even</a:t>
             </a:r>
             <a:r>
               <a:rPr/>
@@ -6287,287 +6301,39 @@
             </a:r>
             <a:r>
               <a:rPr/>
-              <a:t>of</a:t>
-            </a:r>
-            <a:r>
-              <a:rPr/>
-              <a:t> </a:t>
-            </a:r>
-            <a:r>
-              <a:rPr/>
-              <a:t>something</a:t>
-            </a:r>
-            <a:r>
-              <a:rPr/>
-              <a:t> </a:t>
-            </a:r>
-            <a:r>
-              <a:rPr/>
-              <a:t>makes</a:t>
-            </a:r>
-            <a:r>
-              <a:rPr/>
-              <a:t> </a:t>
-            </a:r>
-            <a:r>
-              <a:rPr/>
-              <a:t>things</a:t>
-            </a:r>
-            <a:r>
-              <a:rPr/>
-              <a:t> </a:t>
-            </a:r>
-            <a:r>
-              <a:rPr/>
-              <a:t>darker.</a:t>
-            </a:r>
-            <a:r>
-              <a:rPr/>
-              <a:t> </a:t>
-            </a:r>
-            <a:r>
-              <a:rPr/>
-              <a:t>This</a:t>
-            </a:r>
-            <a:r>
-              <a:rPr/>
-              <a:t> </a:t>
-            </a:r>
-            <a:r>
-              <a:rPr/>
-              <a:t>is</a:t>
-            </a:r>
-            <a:r>
-              <a:rPr/>
-              <a:t> </a:t>
-            </a:r>
-            <a:r>
-              <a:rPr/>
-              <a:t>the</a:t>
-            </a:r>
-            <a:r>
-              <a:rPr/>
-              <a:t> </a:t>
-            </a:r>
-            <a:r>
-              <a:rPr/>
-              <a:t>exact</a:t>
-            </a:r>
-            <a:r>
-              <a:rPr/>
-              <a:t> </a:t>
-            </a:r>
-            <a:r>
-              <a:rPr/>
-              <a:t>opposite</a:t>
-            </a:r>
-            <a:r>
-              <a:rPr/>
-              <a:t> </a:t>
-            </a:r>
-            <a:r>
-              <a:rPr/>
-              <a:t>of</a:t>
-            </a:r>
-            <a:r>
-              <a:rPr/>
-              <a:t> </a:t>
-            </a:r>
-            <a:r>
-              <a:rPr/>
-              <a:t>a</a:t>
-            </a:r>
-            <a:r>
-              <a:rPr/>
-              <a:t> </a:t>
-            </a:r>
-            <a:r>
-              <a:rPr/>
-              <a:t>computer</a:t>
-            </a:r>
-            <a:r>
-              <a:rPr/>
-              <a:t> </a:t>
-            </a:r>
-            <a:r>
-              <a:rPr/>
-              <a:t>monitor,</a:t>
-            </a:r>
-            <a:r>
-              <a:rPr/>
-              <a:t> </a:t>
-            </a:r>
-            <a:r>
-              <a:rPr/>
-              <a:t>where</a:t>
-            </a:r>
-            <a:r>
-              <a:rPr/>
-              <a:t> </a:t>
-            </a:r>
-            <a:r>
-              <a:rPr/>
-              <a:t>more</a:t>
-            </a:r>
-            <a:r>
-              <a:rPr/>
-              <a:t> </a:t>
-            </a:r>
-            <a:r>
-              <a:rPr/>
-              <a:t>of</a:t>
-            </a:r>
-            <a:r>
-              <a:rPr/>
-              <a:t> </a:t>
-            </a:r>
-            <a:r>
-              <a:rPr/>
-              <a:t>something</a:t>
-            </a:r>
-            <a:r>
-              <a:rPr/>
-              <a:t> </a:t>
-            </a:r>
-            <a:r>
-              <a:rPr/>
-              <a:t>makes</a:t>
-            </a:r>
-            <a:r>
-              <a:rPr/>
-              <a:t> </a:t>
-            </a:r>
-            <a:r>
-              <a:rPr/>
-              <a:t>things</a:t>
-            </a:r>
-            <a:r>
-              <a:rPr/>
-              <a:t> </a:t>
-            </a:r>
-            <a:r>
-              <a:rPr/>
-              <a:t>lighter.</a:t>
-            </a:r>
-            <a:r>
-              <a:rPr/>
-              <a:t> </a:t>
-            </a:r>
-            <a:r>
-              <a:rPr/>
-              <a:t>Also,</a:t>
-            </a:r>
-            <a:r>
-              <a:rPr/>
-              <a:t> </a:t>
-            </a:r>
-            <a:r>
-              <a:rPr/>
-              <a:t>printing</a:t>
-            </a:r>
-            <a:r>
-              <a:rPr/>
-              <a:t> </a:t>
-            </a:r>
-            <a:r>
-              <a:rPr/>
-              <a:t>is</a:t>
-            </a:r>
-            <a:r>
-              <a:rPr/>
-              <a:t> </a:t>
-            </a:r>
-            <a:r>
-              <a:rPr/>
-              <a:t>typically</a:t>
-            </a:r>
-            <a:r>
-              <a:rPr/>
-              <a:t> </a:t>
-            </a:r>
-            <a:r>
-              <a:rPr/>
-              <a:t>done</a:t>
-            </a:r>
-            <a:r>
-              <a:rPr/>
-              <a:t> </a:t>
-            </a:r>
-            <a:r>
-              <a:rPr/>
-              <a:t>on</a:t>
-            </a:r>
-            <a:r>
-              <a:rPr/>
-              <a:t> </a:t>
-            </a:r>
-            <a:r>
-              <a:rPr/>
-              <a:t>a</a:t>
-            </a:r>
-            <a:r>
-              <a:rPr/>
-              <a:t> </a:t>
-            </a:r>
-            <a:r>
-              <a:rPr/>
-              <a:t>sheet</a:t>
-            </a:r>
-            <a:r>
-              <a:rPr/>
-              <a:t> </a:t>
-            </a:r>
-            <a:r>
-              <a:rPr/>
-              <a:t>of</a:t>
-            </a:r>
-            <a:r>
-              <a:rPr/>
-              <a:t> </a:t>
-            </a:r>
-            <a:r>
-              <a:rPr/>
-              <a:t>white</a:t>
-            </a:r>
-            <a:r>
-              <a:rPr/>
-              <a:t> </a:t>
-            </a:r>
-            <a:r>
-              <a:rPr/>
-              <a:t>paper,</a:t>
-            </a:r>
-            <a:r>
-              <a:rPr/>
-              <a:t> </a:t>
-            </a:r>
-            <a:r>
-              <a:rPr/>
-              <a:t>so</a:t>
-            </a:r>
-            <a:r>
-              <a:rPr/>
-              <a:t> </a:t>
-            </a:r>
-            <a:r>
-              <a:rPr/>
-              <a:t>you</a:t>
-            </a:r>
-            <a:r>
-              <a:rPr/>
-              <a:t> </a:t>
-            </a:r>
-            <a:r>
-              <a:rPr/>
-              <a:t>don’t</a:t>
-            </a:r>
-            <a:r>
-              <a:rPr/>
-              <a:t> </a:t>
-            </a:r>
-            <a:r>
-              <a:rPr/>
-              <a:t>need</a:t>
+              <a:t>color</a:t>
+            </a:r>
+            <a:r>
+              <a:rPr/>
+              <a:t> </a:t>
+            </a:r>
+            <a:r>
+              <a:rPr/>
+              <a:t>schemes.</a:t>
+            </a:r>
+            <a:r>
+              <a:rPr/>
+              <a:t> </a:t>
+            </a:r>
+            <a:r>
+              <a:rPr/>
+              <a:t>For</a:t>
+            </a:r>
+            <a:r>
+              <a:rPr/>
+              <a:t> </a:t>
+            </a:r>
+            <a:r>
+              <a:rPr/>
+              <a:t>details,</a:t>
+            </a:r>
+            <a:r>
+              <a:rPr/>
+              <a:t> </a:t>
+            </a:r>
+            <a:r>
+              <a:rPr/>
+              <a:t>go</a:t>
             </a:r>
             <a:r>
               <a:rPr/>
@@ -6577,189 +6343,19 @@
               <a:rPr/>
               <a:t>to</a:t>
             </a:r>
-            <a:r>
-              <a:rPr/>
-              <a:t> </a:t>
-            </a:r>
-            <a:r>
-              <a:rPr/>
-              <a:t>put</a:t>
-            </a:r>
-            <a:r>
-              <a:rPr/>
-              <a:t> </a:t>
-            </a:r>
-            <a:r>
-              <a:rPr/>
-              <a:t>any</a:t>
-            </a:r>
-            <a:r>
-              <a:rPr/>
-              <a:t> </a:t>
-            </a:r>
-            <a:r>
-              <a:rPr/>
-              <a:t>ink</a:t>
-            </a:r>
-            <a:r>
-              <a:rPr/>
-              <a:t> </a:t>
-            </a:r>
-            <a:r>
-              <a:rPr/>
-              <a:t>down</a:t>
-            </a:r>
-            <a:r>
-              <a:rPr/>
-              <a:t> </a:t>
-            </a:r>
-            <a:r>
-              <a:rPr/>
-              <a:t>in</a:t>
-            </a:r>
-            <a:r>
-              <a:rPr/>
-              <a:t> </a:t>
-            </a:r>
-            <a:r>
-              <a:rPr/>
-              <a:t>areas</a:t>
-            </a:r>
-            <a:r>
-              <a:rPr/>
-              <a:t> </a:t>
-            </a:r>
-            <a:r>
-              <a:rPr/>
-              <a:t>that</a:t>
-            </a:r>
-            <a:r>
-              <a:rPr/>
-              <a:t> </a:t>
-            </a:r>
-            <a:r>
-              <a:rPr/>
-              <a:t>are</a:t>
-            </a:r>
-            <a:r>
-              <a:rPr/>
-              <a:t> </a:t>
-            </a:r>
-            <a:r>
-              <a:rPr/>
-              <a:t>pure</a:t>
-            </a:r>
-            <a:r>
-              <a:rPr/>
-              <a:t> </a:t>
-            </a:r>
-            <a:r>
-              <a:rPr/>
-              <a:t>white</a:t>
-            </a:r>
-            <a:r>
-              <a:rPr/>
-              <a:t> </a:t>
-            </a:r>
-            <a:r>
-              <a:rPr/>
-              <a:t>and</a:t>
-            </a:r>
-            <a:r>
-              <a:rPr/>
-              <a:t> </a:t>
-            </a:r>
-            <a:r>
-              <a:rPr/>
-              <a:t>you</a:t>
-            </a:r>
-            <a:r>
-              <a:rPr/>
-              <a:t> </a:t>
-            </a:r>
-            <a:r>
-              <a:rPr/>
-              <a:t>put</a:t>
-            </a:r>
-            <a:r>
-              <a:rPr/>
-              <a:t> </a:t>
-            </a:r>
-            <a:r>
-              <a:rPr/>
-              <a:t>very</a:t>
-            </a:r>
-            <a:r>
-              <a:rPr/>
-              <a:t> </a:t>
-            </a:r>
-            <a:r>
-              <a:rPr/>
-              <a:t>little</a:t>
-            </a:r>
-            <a:r>
-              <a:rPr/>
-              <a:t> </a:t>
-            </a:r>
-            <a:r>
-              <a:rPr/>
-              <a:t>ink</a:t>
-            </a:r>
-            <a:r>
-              <a:rPr/>
-              <a:t> </a:t>
-            </a:r>
-            <a:r>
-              <a:rPr/>
-              <a:t>down</a:t>
-            </a:r>
-            <a:r>
-              <a:rPr/>
-              <a:t> </a:t>
-            </a:r>
-            <a:r>
-              <a:rPr/>
-              <a:t>in</a:t>
-            </a:r>
-            <a:r>
-              <a:rPr/>
-              <a:t> </a:t>
-            </a:r>
-            <a:r>
-              <a:rPr/>
-              <a:t>areas</a:t>
-            </a:r>
-            <a:r>
-              <a:rPr/>
-              <a:t> </a:t>
-            </a:r>
-            <a:r>
-              <a:rPr/>
-              <a:t>that</a:t>
-            </a:r>
-            <a:r>
-              <a:rPr/>
-              <a:t> </a:t>
-            </a:r>
-            <a:r>
-              <a:rPr/>
-              <a:t>are</a:t>
-            </a:r>
-            <a:r>
-              <a:rPr/>
-              <a:t> </a:t>
-            </a:r>
-            <a:r>
-              <a:rPr/>
-              <a:t>nearly</a:t>
-            </a:r>
-            <a:r>
-              <a:rPr/>
-              <a:t> </a:t>
-            </a:r>
-            <a:r>
-              <a:rPr/>
-              <a:t>white.</a:t>
+          </a:p>
+          <a:p>
+            <a:pPr lvl="0" marL="0" indent="0">
+              <a:buNone/>
+            </a:pPr>
+          </a:p>
+          <a:p>
+            <a:pPr lvl="0" marL="0" indent="0">
+              <a:buNone/>
+            </a:pPr>
+            <a:r>
+              <a:rPr/>
+              <a:t>https://vega.github.io/vega/docs/schemes/</a:t>
             </a:r>
           </a:p>
         </p:txBody>
@@ -6781,7 +6377,7 @@
           <a:p>
             <a:fld id="{18BDFEC3-8487-43E8-A154-7C12CBC1FFF2}" type="slidenum">
               <a:rPr lang="en-US"/>
-              <a:t>32</a:t>
+              <a:t>25</a:t>
             </a:fld>
             <a:endParaRPr lang="en-US"/>
           </a:p>
@@ -6841,495 +6437,7 @@
             </a:pPr>
             <a:r>
               <a:rPr/>
-              <a:t>The</a:t>
-            </a:r>
-            <a:r>
-              <a:rPr/>
-              <a:t> </a:t>
-            </a:r>
-            <a:r>
-              <a:rPr/>
-              <a:t>kindergarten</a:t>
-            </a:r>
-            <a:r>
-              <a:rPr/>
-              <a:t> </a:t>
-            </a:r>
-            <a:r>
-              <a:rPr/>
-              <a:t>view</a:t>
-            </a:r>
-            <a:r>
-              <a:rPr/>
-              <a:t> </a:t>
-            </a:r>
-            <a:r>
-              <a:rPr/>
-              <a:t>of</a:t>
-            </a:r>
-            <a:r>
-              <a:rPr/>
-              <a:t> </a:t>
-            </a:r>
-            <a:r>
-              <a:rPr/>
-              <a:t>colors</a:t>
-            </a:r>
-            <a:r>
-              <a:rPr/>
-              <a:t> </a:t>
-            </a:r>
-            <a:r>
-              <a:rPr/>
-              <a:t>(red</a:t>
-            </a:r>
-            <a:r>
-              <a:rPr/>
-              <a:t> </a:t>
-            </a:r>
-            <a:r>
-              <a:rPr/>
-              <a:t>plus</a:t>
-            </a:r>
-            <a:r>
-              <a:rPr/>
-              <a:t> </a:t>
-            </a:r>
-            <a:r>
-              <a:rPr/>
-              <a:t>yellow</a:t>
-            </a:r>
-            <a:r>
-              <a:rPr/>
-              <a:t> </a:t>
-            </a:r>
-            <a:r>
-              <a:rPr/>
-              <a:t>equals</a:t>
-            </a:r>
-            <a:r>
-              <a:rPr/>
-              <a:t> </a:t>
-            </a:r>
-            <a:r>
-              <a:rPr/>
-              <a:t>orange)</a:t>
-            </a:r>
-            <a:r>
-              <a:rPr/>
-              <a:t> </a:t>
-            </a:r>
-            <a:r>
-              <a:rPr/>
-              <a:t>doesn’t</a:t>
-            </a:r>
-            <a:r>
-              <a:rPr/>
-              <a:t> </a:t>
-            </a:r>
-            <a:r>
-              <a:rPr/>
-              <a:t>work</a:t>
-            </a:r>
-            <a:r>
-              <a:rPr/>
-              <a:t> </a:t>
-            </a:r>
-            <a:r>
-              <a:rPr/>
-              <a:t>on</a:t>
-            </a:r>
-            <a:r>
-              <a:rPr/>
-              <a:t> </a:t>
-            </a:r>
-            <a:r>
-              <a:rPr/>
-              <a:t>a</a:t>
-            </a:r>
-            <a:r>
-              <a:rPr/>
-              <a:t> </a:t>
-            </a:r>
-            <a:r>
-              <a:rPr/>
-              <a:t>computer</a:t>
-            </a:r>
-            <a:r>
-              <a:rPr/>
-              <a:t> </a:t>
-            </a:r>
-            <a:r>
-              <a:rPr/>
-              <a:t>screen</a:t>
-            </a:r>
-            <a:r>
-              <a:rPr/>
-              <a:t> </a:t>
-            </a:r>
-            <a:r>
-              <a:rPr/>
-              <a:t>because</a:t>
-            </a:r>
-            <a:r>
-              <a:rPr/>
-              <a:t> </a:t>
-            </a:r>
-            <a:r>
-              <a:rPr/>
-              <a:t>the</a:t>
-            </a:r>
-            <a:r>
-              <a:rPr/>
-              <a:t> </a:t>
-            </a:r>
-            <a:r>
-              <a:rPr/>
-              <a:t>screen</a:t>
-            </a:r>
-            <a:r>
-              <a:rPr/>
-              <a:t> </a:t>
-            </a:r>
-            <a:r>
-              <a:rPr/>
-              <a:t>uses</a:t>
-            </a:r>
-            <a:r>
-              <a:rPr/>
-              <a:t> </a:t>
-            </a:r>
-            <a:r>
-              <a:rPr/>
-              <a:t>mixtures</a:t>
-            </a:r>
-            <a:r>
-              <a:rPr/>
-              <a:t> </a:t>
-            </a:r>
-            <a:r>
-              <a:rPr/>
-              <a:t>of</a:t>
-            </a:r>
-            <a:r>
-              <a:rPr/>
-              <a:t> </a:t>
-            </a:r>
-            <a:r>
-              <a:rPr/>
-              <a:t>light</a:t>
-            </a:r>
-            <a:r>
-              <a:rPr/>
-              <a:t> </a:t>
-            </a:r>
-            <a:r>
-              <a:rPr/>
-              <a:t>to</a:t>
-            </a:r>
-            <a:r>
-              <a:rPr/>
-              <a:t> </a:t>
-            </a:r>
-            <a:r>
-              <a:rPr/>
-              <a:t>combine</a:t>
-            </a:r>
-            <a:r>
-              <a:rPr/>
-              <a:t> </a:t>
-            </a:r>
-            <a:r>
-              <a:rPr/>
-              <a:t>colors.</a:t>
-            </a:r>
-            <a:r>
-              <a:rPr/>
-              <a:t> </a:t>
-            </a:r>
-            <a:r>
-              <a:rPr/>
-              <a:t>We</a:t>
-            </a:r>
-            <a:r>
-              <a:rPr/>
-              <a:t> </a:t>
-            </a:r>
-            <a:r>
-              <a:rPr/>
-              <a:t>covered</a:t>
-            </a:r>
-            <a:r>
-              <a:rPr/>
-              <a:t> </a:t>
-            </a:r>
-            <a:r>
-              <a:rPr/>
-              <a:t>the</a:t>
-            </a:r>
-            <a:r>
-              <a:rPr/>
-              <a:t> </a:t>
-            </a:r>
-            <a:r>
-              <a:rPr/>
-              <a:t>RGB</a:t>
-            </a:r>
-            <a:r>
-              <a:rPr/>
-              <a:t> </a:t>
-            </a:r>
-            <a:r>
-              <a:rPr/>
-              <a:t>system</a:t>
-            </a:r>
-            <a:r>
-              <a:rPr/>
-              <a:t> </a:t>
-            </a:r>
-            <a:r>
-              <a:rPr/>
-              <a:t>including</a:t>
-            </a:r>
-            <a:r>
-              <a:rPr/>
-              <a:t> </a:t>
-            </a:r>
-            <a:r>
-              <a:rPr/>
-              <a:t>how</a:t>
-            </a:r>
-            <a:r>
-              <a:rPr/>
-              <a:t> </a:t>
-            </a:r>
-            <a:r>
-              <a:rPr/>
-              <a:t>to</a:t>
-            </a:r>
-            <a:r>
-              <a:rPr/>
-              <a:t> </a:t>
-            </a:r>
-            <a:r>
-              <a:rPr/>
-              <a:t>create</a:t>
-            </a:r>
-            <a:r>
-              <a:rPr/>
-              <a:t> </a:t>
-            </a:r>
-            <a:r>
-              <a:rPr/>
-              <a:t>gradients.</a:t>
-            </a:r>
-            <a:r>
-              <a:rPr/>
-              <a:t> </a:t>
-            </a:r>
-            <a:r>
-              <a:rPr/>
-              <a:t>The</a:t>
-            </a:r>
-            <a:r>
-              <a:rPr/>
-              <a:t> </a:t>
-            </a:r>
-            <a:r>
-              <a:rPr/>
-              <a:t>HSV</a:t>
-            </a:r>
-            <a:r>
-              <a:rPr/>
-              <a:t> </a:t>
-            </a:r>
-            <a:r>
-              <a:rPr/>
-              <a:t>system</a:t>
-            </a:r>
-            <a:r>
-              <a:rPr/>
-              <a:t> </a:t>
-            </a:r>
-            <a:r>
-              <a:rPr/>
-              <a:t>provides</a:t>
-            </a:r>
-            <a:r>
-              <a:rPr/>
-              <a:t> </a:t>
-            </a:r>
-            <a:r>
-              <a:rPr/>
-              <a:t>a</a:t>
-            </a:r>
-            <a:r>
-              <a:rPr/>
-              <a:t> </a:t>
-            </a:r>
-            <a:r>
-              <a:rPr/>
-              <a:t>more</a:t>
-            </a:r>
-            <a:r>
-              <a:rPr/>
-              <a:t> </a:t>
-            </a:r>
-            <a:r>
-              <a:rPr/>
-              <a:t>intuitive</a:t>
-            </a:r>
-            <a:r>
-              <a:rPr/>
-              <a:t> </a:t>
-            </a:r>
-            <a:r>
-              <a:rPr/>
-              <a:t>description</a:t>
-            </a:r>
-            <a:r>
-              <a:rPr/>
-              <a:t> </a:t>
-            </a:r>
-            <a:r>
-              <a:rPr/>
-              <a:t>of</a:t>
-            </a:r>
-            <a:r>
-              <a:rPr/>
-              <a:t> </a:t>
-            </a:r>
-            <a:r>
-              <a:rPr/>
-              <a:t>colors,</a:t>
-            </a:r>
-            <a:r>
-              <a:rPr/>
-              <a:t> </a:t>
-            </a:r>
-            <a:r>
-              <a:rPr/>
-              <a:t>while</a:t>
-            </a:r>
-            <a:r>
-              <a:rPr/>
-              <a:t> </a:t>
-            </a:r>
-            <a:r>
-              <a:rPr/>
-              <a:t>CMYK</a:t>
-            </a:r>
-            <a:r>
-              <a:rPr/>
-              <a:t> </a:t>
-            </a:r>
-            <a:r>
-              <a:rPr/>
-              <a:t>is</a:t>
-            </a:r>
-            <a:r>
-              <a:rPr/>
-              <a:t> </a:t>
-            </a:r>
-            <a:r>
-              <a:rPr/>
-              <a:t>used</a:t>
-            </a:r>
-            <a:r>
-              <a:rPr/>
-              <a:t> </a:t>
-            </a:r>
-            <a:r>
-              <a:rPr/>
-              <a:t>when</a:t>
-            </a:r>
-            <a:r>
-              <a:rPr/>
-              <a:t> </a:t>
-            </a:r>
-            <a:r>
-              <a:rPr/>
-              <a:t>printing,</a:t>
-            </a:r>
-            <a:r>
-              <a:rPr/>
-              <a:t> </a:t>
-            </a:r>
-            <a:r>
-              <a:rPr/>
-              <a:t>where</a:t>
-            </a:r>
-            <a:r>
-              <a:rPr/>
-              <a:t> </a:t>
-            </a:r>
-            <a:r>
-              <a:rPr/>
-              <a:t>a</a:t>
-            </a:r>
-            <a:r>
-              <a:rPr/>
-              <a:t> </a:t>
-            </a:r>
-            <a:r>
-              <a:rPr/>
-              <a:t>substractive</a:t>
-            </a:r>
-            <a:r>
-              <a:rPr/>
-              <a:t> </a:t>
-            </a:r>
-            <a:r>
-              <a:rPr/>
-              <a:t>rather</a:t>
-            </a:r>
-            <a:r>
-              <a:rPr/>
-              <a:t> </a:t>
-            </a:r>
-            <a:r>
-              <a:rPr/>
-              <a:t>than</a:t>
-            </a:r>
-            <a:r>
-              <a:rPr/>
-              <a:t> </a:t>
-            </a:r>
-            <a:r>
-              <a:rPr/>
-              <a:t>additive</a:t>
-            </a:r>
-            <a:r>
-              <a:rPr/>
-              <a:t> </a:t>
-            </a:r>
-            <a:r>
-              <a:rPr/>
-              <a:t>color</a:t>
-            </a:r>
-            <a:r>
-              <a:rPr/>
-              <a:t> </a:t>
-            </a:r>
-            <a:r>
-              <a:rPr/>
-              <a:t>system</a:t>
-            </a:r>
-            <a:r>
-              <a:rPr/>
-              <a:t> </a:t>
-            </a:r>
-            <a:r>
-              <a:rPr/>
-              <a:t>is</a:t>
-            </a:r>
-            <a:r>
-              <a:rPr/>
-              <a:t> </a:t>
-            </a:r>
-            <a:r>
-              <a:rPr/>
-              <a:t>needed.</a:t>
+              <a:t>http://www.cookbook-r.com/Graphs/Colors_(ggplot2)/</a:t>
             </a:r>
           </a:p>
         </p:txBody>
@@ -7351,7 +6459,1253 @@
           <a:p>
             <a:fld id="{18BDFEC3-8487-43E8-A154-7C12CBC1FFF2}" type="slidenum">
               <a:rPr lang="en-US"/>
-              <a:t>35</a:t>
+              <a:t>26</a:t>
+            </a:fld>
+            <a:endParaRPr lang="en-US"/>
+          </a:p>
+        </p:txBody>
+      </p:sp>
+    </p:spTree>
+  </p:cSld>
+</p:notes>
+</file>
+
+<file path=ppt/notesSlides/notesSlide25.xml><?xml version="1.0" encoding="utf-8"?>
+<p:notes xmlns:a="http://schemas.openxmlformats.org/drawingml/2006/main" xmlns:r="http://schemas.openxmlformats.org/officeDocument/2006/relationships" xmlns:p="http://schemas.openxmlformats.org/presentationml/2006/main">
+  <p:cSld>
+    <p:spTree>
+      <p:nvGrpSpPr>
+        <p:cNvPr id="1" name=""/>
+        <p:cNvGrpSpPr/>
+        <p:nvPr/>
+      </p:nvGrpSpPr>
+      <p:grpSpPr>
+        <a:xfrm>
+          <a:off x="0" y="0"/>
+          <a:ext cx="0" cy="0"/>
+          <a:chOff x="0" y="0"/>
+          <a:chExt cx="0" cy="0"/>
+        </a:xfrm>
+      </p:grpSpPr>
+      <p:sp>
+        <p:nvSpPr>
+          <p:cNvPr id="2" name="Slide Image Placeholder 1"/>
+          <p:cNvSpPr>
+            <a:spLocks noGrp="1" noRot="1" noChangeAspect="1"/>
+          </p:cNvSpPr>
+          <p:nvPr>
+            <p:ph type="sldImg"/>
+          </p:nvPr>
+        </p:nvSpPr>
+        <p:spPr/>
+      </p:sp>
+      <p:sp>
+        <p:nvSpPr>
+          <p:cNvPr id="3" name="Notes Placeholder 2"/>
+          <p:cNvSpPr>
+            <a:spLocks noGrp="1"/>
+          </p:cNvSpPr>
+          <p:nvPr>
+            <p:ph type="body" idx="1"/>
+          </p:nvPr>
+        </p:nvSpPr>
+        <p:spPr/>
+        <p:txBody>
+          <a:bodyPr/>
+          <a:lstStyle/>
+          <a:p>
+            <a:pPr lvl="0" marL="0" indent="0">
+              <a:buNone/>
+            </a:pPr>
+            <a:r>
+              <a:rPr/>
+              <a:t>https://help.tableau.com/current/pro/desktop/en-us/viewparts_marks_markproperties_color.htm</a:t>
+            </a:r>
+          </a:p>
+        </p:txBody>
+      </p:sp>
+      <p:sp>
+        <p:nvSpPr>
+          <p:cNvPr id="4" name="Slide Number Placeholder 3"/>
+          <p:cNvSpPr>
+            <a:spLocks noGrp="1"/>
+          </p:cNvSpPr>
+          <p:nvPr>
+            <p:ph type="sldNum" sz="quarter" idx="10"/>
+          </p:nvPr>
+        </p:nvSpPr>
+        <p:spPr/>
+        <p:txBody>
+          <a:bodyPr/>
+          <a:lstStyle/>
+          <a:p>
+            <a:fld id="{18BDFEC3-8487-43E8-A154-7C12CBC1FFF2}" type="slidenum">
+              <a:rPr lang="en-US"/>
+              <a:t>27</a:t>
+            </a:fld>
+            <a:endParaRPr lang="en-US"/>
+          </a:p>
+        </p:txBody>
+      </p:sp>
+    </p:spTree>
+  </p:cSld>
+</p:notes>
+</file>
+
+<file path=ppt/notesSlides/notesSlide26.xml><?xml version="1.0" encoding="utf-8"?>
+<p:notes xmlns:a="http://schemas.openxmlformats.org/drawingml/2006/main" xmlns:r="http://schemas.openxmlformats.org/officeDocument/2006/relationships" xmlns:p="http://schemas.openxmlformats.org/presentationml/2006/main">
+  <p:cSld>
+    <p:spTree>
+      <p:nvGrpSpPr>
+        <p:cNvPr id="1" name=""/>
+        <p:cNvGrpSpPr/>
+        <p:nvPr/>
+      </p:nvGrpSpPr>
+      <p:grpSpPr>
+        <a:xfrm>
+          <a:off x="0" y="0"/>
+          <a:ext cx="0" cy="0"/>
+          <a:chOff x="0" y="0"/>
+          <a:chExt cx="0" cy="0"/>
+        </a:xfrm>
+      </p:grpSpPr>
+      <p:sp>
+        <p:nvSpPr>
+          <p:cNvPr id="2" name="Slide Image Placeholder 1"/>
+          <p:cNvSpPr>
+            <a:spLocks noGrp="1" noRot="1" noChangeAspect="1"/>
+          </p:cNvSpPr>
+          <p:nvPr>
+            <p:ph type="sldImg"/>
+          </p:nvPr>
+        </p:nvSpPr>
+        <p:spPr/>
+      </p:sp>
+      <p:sp>
+        <p:nvSpPr>
+          <p:cNvPr id="3" name="Notes Placeholder 2"/>
+          <p:cNvSpPr>
+            <a:spLocks noGrp="1"/>
+          </p:cNvSpPr>
+          <p:nvPr>
+            <p:ph type="body" idx="1"/>
+          </p:nvPr>
+        </p:nvSpPr>
+        <p:spPr/>
+        <p:txBody>
+          <a:bodyPr/>
+          <a:lstStyle/>
+          <a:p>
+            <a:pPr lvl="0" marL="0" indent="0">
+              <a:buNone/>
+            </a:pPr>
+            <a:r>
+              <a:rPr/>
+              <a:t>When</a:t>
+            </a:r>
+            <a:r>
+              <a:rPr/>
+              <a:t> </a:t>
+            </a:r>
+            <a:r>
+              <a:rPr/>
+              <a:t>you</a:t>
+            </a:r>
+            <a:r>
+              <a:rPr/>
+              <a:t> </a:t>
+            </a:r>
+            <a:r>
+              <a:rPr/>
+              <a:t>are</a:t>
+            </a:r>
+            <a:r>
+              <a:rPr/>
+              <a:t> </a:t>
+            </a:r>
+            <a:r>
+              <a:rPr/>
+              <a:t>printing,</a:t>
+            </a:r>
+            <a:r>
+              <a:rPr/>
+              <a:t> </a:t>
+            </a:r>
+            <a:r>
+              <a:rPr/>
+              <a:t>more</a:t>
+            </a:r>
+            <a:r>
+              <a:rPr/>
+              <a:t> </a:t>
+            </a:r>
+            <a:r>
+              <a:rPr/>
+              <a:t>of</a:t>
+            </a:r>
+            <a:r>
+              <a:rPr/>
+              <a:t> </a:t>
+            </a:r>
+            <a:r>
+              <a:rPr/>
+              <a:t>something</a:t>
+            </a:r>
+            <a:r>
+              <a:rPr/>
+              <a:t> </a:t>
+            </a:r>
+            <a:r>
+              <a:rPr/>
+              <a:t>makes</a:t>
+            </a:r>
+            <a:r>
+              <a:rPr/>
+              <a:t> </a:t>
+            </a:r>
+            <a:r>
+              <a:rPr/>
+              <a:t>things</a:t>
+            </a:r>
+            <a:r>
+              <a:rPr/>
+              <a:t> </a:t>
+            </a:r>
+            <a:r>
+              <a:rPr/>
+              <a:t>darker.</a:t>
+            </a:r>
+            <a:r>
+              <a:rPr/>
+              <a:t> </a:t>
+            </a:r>
+            <a:r>
+              <a:rPr/>
+              <a:t>This</a:t>
+            </a:r>
+            <a:r>
+              <a:rPr/>
+              <a:t> </a:t>
+            </a:r>
+            <a:r>
+              <a:rPr/>
+              <a:t>is</a:t>
+            </a:r>
+            <a:r>
+              <a:rPr/>
+              <a:t> </a:t>
+            </a:r>
+            <a:r>
+              <a:rPr/>
+              <a:t>the</a:t>
+            </a:r>
+            <a:r>
+              <a:rPr/>
+              <a:t> </a:t>
+            </a:r>
+            <a:r>
+              <a:rPr/>
+              <a:t>exact</a:t>
+            </a:r>
+            <a:r>
+              <a:rPr/>
+              <a:t> </a:t>
+            </a:r>
+            <a:r>
+              <a:rPr/>
+              <a:t>opposite</a:t>
+            </a:r>
+            <a:r>
+              <a:rPr/>
+              <a:t> </a:t>
+            </a:r>
+            <a:r>
+              <a:rPr/>
+              <a:t>of</a:t>
+            </a:r>
+            <a:r>
+              <a:rPr/>
+              <a:t> </a:t>
+            </a:r>
+            <a:r>
+              <a:rPr/>
+              <a:t>a</a:t>
+            </a:r>
+            <a:r>
+              <a:rPr/>
+              <a:t> </a:t>
+            </a:r>
+            <a:r>
+              <a:rPr/>
+              <a:t>computer</a:t>
+            </a:r>
+            <a:r>
+              <a:rPr/>
+              <a:t> </a:t>
+            </a:r>
+            <a:r>
+              <a:rPr/>
+              <a:t>monitor,</a:t>
+            </a:r>
+            <a:r>
+              <a:rPr/>
+              <a:t> </a:t>
+            </a:r>
+            <a:r>
+              <a:rPr/>
+              <a:t>where</a:t>
+            </a:r>
+            <a:r>
+              <a:rPr/>
+              <a:t> </a:t>
+            </a:r>
+            <a:r>
+              <a:rPr/>
+              <a:t>more</a:t>
+            </a:r>
+            <a:r>
+              <a:rPr/>
+              <a:t> </a:t>
+            </a:r>
+            <a:r>
+              <a:rPr/>
+              <a:t>of</a:t>
+            </a:r>
+            <a:r>
+              <a:rPr/>
+              <a:t> </a:t>
+            </a:r>
+            <a:r>
+              <a:rPr/>
+              <a:t>something</a:t>
+            </a:r>
+            <a:r>
+              <a:rPr/>
+              <a:t> </a:t>
+            </a:r>
+            <a:r>
+              <a:rPr/>
+              <a:t>makes</a:t>
+            </a:r>
+            <a:r>
+              <a:rPr/>
+              <a:t> </a:t>
+            </a:r>
+            <a:r>
+              <a:rPr/>
+              <a:t>things</a:t>
+            </a:r>
+            <a:r>
+              <a:rPr/>
+              <a:t> </a:t>
+            </a:r>
+            <a:r>
+              <a:rPr/>
+              <a:t>lighter.</a:t>
+            </a:r>
+            <a:r>
+              <a:rPr/>
+              <a:t> </a:t>
+            </a:r>
+            <a:r>
+              <a:rPr/>
+              <a:t>Also,</a:t>
+            </a:r>
+            <a:r>
+              <a:rPr/>
+              <a:t> </a:t>
+            </a:r>
+            <a:r>
+              <a:rPr/>
+              <a:t>printing</a:t>
+            </a:r>
+            <a:r>
+              <a:rPr/>
+              <a:t> </a:t>
+            </a:r>
+            <a:r>
+              <a:rPr/>
+              <a:t>is</a:t>
+            </a:r>
+            <a:r>
+              <a:rPr/>
+              <a:t> </a:t>
+            </a:r>
+            <a:r>
+              <a:rPr/>
+              <a:t>typically</a:t>
+            </a:r>
+            <a:r>
+              <a:rPr/>
+              <a:t> </a:t>
+            </a:r>
+            <a:r>
+              <a:rPr/>
+              <a:t>done</a:t>
+            </a:r>
+            <a:r>
+              <a:rPr/>
+              <a:t> </a:t>
+            </a:r>
+            <a:r>
+              <a:rPr/>
+              <a:t>on</a:t>
+            </a:r>
+            <a:r>
+              <a:rPr/>
+              <a:t> </a:t>
+            </a:r>
+            <a:r>
+              <a:rPr/>
+              <a:t>a</a:t>
+            </a:r>
+            <a:r>
+              <a:rPr/>
+              <a:t> </a:t>
+            </a:r>
+            <a:r>
+              <a:rPr/>
+              <a:t>sheet</a:t>
+            </a:r>
+            <a:r>
+              <a:rPr/>
+              <a:t> </a:t>
+            </a:r>
+            <a:r>
+              <a:rPr/>
+              <a:t>of</a:t>
+            </a:r>
+            <a:r>
+              <a:rPr/>
+              <a:t> </a:t>
+            </a:r>
+            <a:r>
+              <a:rPr/>
+              <a:t>white</a:t>
+            </a:r>
+            <a:r>
+              <a:rPr/>
+              <a:t> </a:t>
+            </a:r>
+            <a:r>
+              <a:rPr/>
+              <a:t>paper,</a:t>
+            </a:r>
+            <a:r>
+              <a:rPr/>
+              <a:t> </a:t>
+            </a:r>
+            <a:r>
+              <a:rPr/>
+              <a:t>so</a:t>
+            </a:r>
+            <a:r>
+              <a:rPr/>
+              <a:t> </a:t>
+            </a:r>
+            <a:r>
+              <a:rPr/>
+              <a:t>you</a:t>
+            </a:r>
+            <a:r>
+              <a:rPr/>
+              <a:t> </a:t>
+            </a:r>
+            <a:r>
+              <a:rPr/>
+              <a:t>don’t</a:t>
+            </a:r>
+            <a:r>
+              <a:rPr/>
+              <a:t> </a:t>
+            </a:r>
+            <a:r>
+              <a:rPr/>
+              <a:t>need</a:t>
+            </a:r>
+            <a:r>
+              <a:rPr/>
+              <a:t> </a:t>
+            </a:r>
+            <a:r>
+              <a:rPr/>
+              <a:t>to</a:t>
+            </a:r>
+            <a:r>
+              <a:rPr/>
+              <a:t> </a:t>
+            </a:r>
+            <a:r>
+              <a:rPr/>
+              <a:t>put</a:t>
+            </a:r>
+            <a:r>
+              <a:rPr/>
+              <a:t> </a:t>
+            </a:r>
+            <a:r>
+              <a:rPr/>
+              <a:t>any</a:t>
+            </a:r>
+            <a:r>
+              <a:rPr/>
+              <a:t> </a:t>
+            </a:r>
+            <a:r>
+              <a:rPr/>
+              <a:t>ink</a:t>
+            </a:r>
+            <a:r>
+              <a:rPr/>
+              <a:t> </a:t>
+            </a:r>
+            <a:r>
+              <a:rPr/>
+              <a:t>down</a:t>
+            </a:r>
+            <a:r>
+              <a:rPr/>
+              <a:t> </a:t>
+            </a:r>
+            <a:r>
+              <a:rPr/>
+              <a:t>in</a:t>
+            </a:r>
+            <a:r>
+              <a:rPr/>
+              <a:t> </a:t>
+            </a:r>
+            <a:r>
+              <a:rPr/>
+              <a:t>areas</a:t>
+            </a:r>
+            <a:r>
+              <a:rPr/>
+              <a:t> </a:t>
+            </a:r>
+            <a:r>
+              <a:rPr/>
+              <a:t>that</a:t>
+            </a:r>
+            <a:r>
+              <a:rPr/>
+              <a:t> </a:t>
+            </a:r>
+            <a:r>
+              <a:rPr/>
+              <a:t>are</a:t>
+            </a:r>
+            <a:r>
+              <a:rPr/>
+              <a:t> </a:t>
+            </a:r>
+            <a:r>
+              <a:rPr/>
+              <a:t>pure</a:t>
+            </a:r>
+            <a:r>
+              <a:rPr/>
+              <a:t> </a:t>
+            </a:r>
+            <a:r>
+              <a:rPr/>
+              <a:t>white</a:t>
+            </a:r>
+            <a:r>
+              <a:rPr/>
+              <a:t> </a:t>
+            </a:r>
+            <a:r>
+              <a:rPr/>
+              <a:t>and</a:t>
+            </a:r>
+            <a:r>
+              <a:rPr/>
+              <a:t> </a:t>
+            </a:r>
+            <a:r>
+              <a:rPr/>
+              <a:t>you</a:t>
+            </a:r>
+            <a:r>
+              <a:rPr/>
+              <a:t> </a:t>
+            </a:r>
+            <a:r>
+              <a:rPr/>
+              <a:t>put</a:t>
+            </a:r>
+            <a:r>
+              <a:rPr/>
+              <a:t> </a:t>
+            </a:r>
+            <a:r>
+              <a:rPr/>
+              <a:t>very</a:t>
+            </a:r>
+            <a:r>
+              <a:rPr/>
+              <a:t> </a:t>
+            </a:r>
+            <a:r>
+              <a:rPr/>
+              <a:t>little</a:t>
+            </a:r>
+            <a:r>
+              <a:rPr/>
+              <a:t> </a:t>
+            </a:r>
+            <a:r>
+              <a:rPr/>
+              <a:t>ink</a:t>
+            </a:r>
+            <a:r>
+              <a:rPr/>
+              <a:t> </a:t>
+            </a:r>
+            <a:r>
+              <a:rPr/>
+              <a:t>down</a:t>
+            </a:r>
+            <a:r>
+              <a:rPr/>
+              <a:t> </a:t>
+            </a:r>
+            <a:r>
+              <a:rPr/>
+              <a:t>in</a:t>
+            </a:r>
+            <a:r>
+              <a:rPr/>
+              <a:t> </a:t>
+            </a:r>
+            <a:r>
+              <a:rPr/>
+              <a:t>areas</a:t>
+            </a:r>
+            <a:r>
+              <a:rPr/>
+              <a:t> </a:t>
+            </a:r>
+            <a:r>
+              <a:rPr/>
+              <a:t>that</a:t>
+            </a:r>
+            <a:r>
+              <a:rPr/>
+              <a:t> </a:t>
+            </a:r>
+            <a:r>
+              <a:rPr/>
+              <a:t>are</a:t>
+            </a:r>
+            <a:r>
+              <a:rPr/>
+              <a:t> </a:t>
+            </a:r>
+            <a:r>
+              <a:rPr/>
+              <a:t>nearly</a:t>
+            </a:r>
+            <a:r>
+              <a:rPr/>
+              <a:t> </a:t>
+            </a:r>
+            <a:r>
+              <a:rPr/>
+              <a:t>white.</a:t>
+            </a:r>
+          </a:p>
+        </p:txBody>
+      </p:sp>
+      <p:sp>
+        <p:nvSpPr>
+          <p:cNvPr id="4" name="Slide Number Placeholder 3"/>
+          <p:cNvSpPr>
+            <a:spLocks noGrp="1"/>
+          </p:cNvSpPr>
+          <p:nvPr>
+            <p:ph type="sldNum" sz="quarter" idx="10"/>
+          </p:nvPr>
+        </p:nvSpPr>
+        <p:spPr/>
+        <p:txBody>
+          <a:bodyPr/>
+          <a:lstStyle/>
+          <a:p>
+            <a:fld id="{18BDFEC3-8487-43E8-A154-7C12CBC1FFF2}" type="slidenum">
+              <a:rPr lang="en-US"/>
+              <a:t>38</a:t>
+            </a:fld>
+            <a:endParaRPr lang="en-US"/>
+          </a:p>
+        </p:txBody>
+      </p:sp>
+    </p:spTree>
+  </p:cSld>
+</p:notes>
+</file>
+
+<file path=ppt/notesSlides/notesSlide27.xml><?xml version="1.0" encoding="utf-8"?>
+<p:notes xmlns:a="http://schemas.openxmlformats.org/drawingml/2006/main" xmlns:r="http://schemas.openxmlformats.org/officeDocument/2006/relationships" xmlns:p="http://schemas.openxmlformats.org/presentationml/2006/main">
+  <p:cSld>
+    <p:spTree>
+      <p:nvGrpSpPr>
+        <p:cNvPr id="1" name=""/>
+        <p:cNvGrpSpPr/>
+        <p:nvPr/>
+      </p:nvGrpSpPr>
+      <p:grpSpPr>
+        <a:xfrm>
+          <a:off x="0" y="0"/>
+          <a:ext cx="0" cy="0"/>
+          <a:chOff x="0" y="0"/>
+          <a:chExt cx="0" cy="0"/>
+        </a:xfrm>
+      </p:grpSpPr>
+      <p:sp>
+        <p:nvSpPr>
+          <p:cNvPr id="2" name="Slide Image Placeholder 1"/>
+          <p:cNvSpPr>
+            <a:spLocks noGrp="1" noRot="1" noChangeAspect="1"/>
+          </p:cNvSpPr>
+          <p:nvPr>
+            <p:ph type="sldImg"/>
+          </p:nvPr>
+        </p:nvSpPr>
+        <p:spPr/>
+      </p:sp>
+      <p:sp>
+        <p:nvSpPr>
+          <p:cNvPr id="3" name="Notes Placeholder 2"/>
+          <p:cNvSpPr>
+            <a:spLocks noGrp="1"/>
+          </p:cNvSpPr>
+          <p:nvPr>
+            <p:ph type="body" idx="1"/>
+          </p:nvPr>
+        </p:nvSpPr>
+        <p:spPr/>
+        <p:txBody>
+          <a:bodyPr/>
+          <a:lstStyle/>
+          <a:p>
+            <a:pPr lvl="0" marL="0" indent="0">
+              <a:buNone/>
+            </a:pPr>
+            <a:r>
+              <a:rPr/>
+              <a:t>The</a:t>
+            </a:r>
+            <a:r>
+              <a:rPr/>
+              <a:t> </a:t>
+            </a:r>
+            <a:r>
+              <a:rPr/>
+              <a:t>kindergarten</a:t>
+            </a:r>
+            <a:r>
+              <a:rPr/>
+              <a:t> </a:t>
+            </a:r>
+            <a:r>
+              <a:rPr/>
+              <a:t>view</a:t>
+            </a:r>
+            <a:r>
+              <a:rPr/>
+              <a:t> </a:t>
+            </a:r>
+            <a:r>
+              <a:rPr/>
+              <a:t>of</a:t>
+            </a:r>
+            <a:r>
+              <a:rPr/>
+              <a:t> </a:t>
+            </a:r>
+            <a:r>
+              <a:rPr/>
+              <a:t>colors</a:t>
+            </a:r>
+            <a:r>
+              <a:rPr/>
+              <a:t> </a:t>
+            </a:r>
+            <a:r>
+              <a:rPr/>
+              <a:t>(red</a:t>
+            </a:r>
+            <a:r>
+              <a:rPr/>
+              <a:t> </a:t>
+            </a:r>
+            <a:r>
+              <a:rPr/>
+              <a:t>plus</a:t>
+            </a:r>
+            <a:r>
+              <a:rPr/>
+              <a:t> </a:t>
+            </a:r>
+            <a:r>
+              <a:rPr/>
+              <a:t>yellow</a:t>
+            </a:r>
+            <a:r>
+              <a:rPr/>
+              <a:t> </a:t>
+            </a:r>
+            <a:r>
+              <a:rPr/>
+              <a:t>equals</a:t>
+            </a:r>
+            <a:r>
+              <a:rPr/>
+              <a:t> </a:t>
+            </a:r>
+            <a:r>
+              <a:rPr/>
+              <a:t>orange)</a:t>
+            </a:r>
+            <a:r>
+              <a:rPr/>
+              <a:t> </a:t>
+            </a:r>
+            <a:r>
+              <a:rPr/>
+              <a:t>doesn’t</a:t>
+            </a:r>
+            <a:r>
+              <a:rPr/>
+              <a:t> </a:t>
+            </a:r>
+            <a:r>
+              <a:rPr/>
+              <a:t>work</a:t>
+            </a:r>
+            <a:r>
+              <a:rPr/>
+              <a:t> </a:t>
+            </a:r>
+            <a:r>
+              <a:rPr/>
+              <a:t>on</a:t>
+            </a:r>
+            <a:r>
+              <a:rPr/>
+              <a:t> </a:t>
+            </a:r>
+            <a:r>
+              <a:rPr/>
+              <a:t>a</a:t>
+            </a:r>
+            <a:r>
+              <a:rPr/>
+              <a:t> </a:t>
+            </a:r>
+            <a:r>
+              <a:rPr/>
+              <a:t>computer</a:t>
+            </a:r>
+            <a:r>
+              <a:rPr/>
+              <a:t> </a:t>
+            </a:r>
+            <a:r>
+              <a:rPr/>
+              <a:t>screen</a:t>
+            </a:r>
+            <a:r>
+              <a:rPr/>
+              <a:t> </a:t>
+            </a:r>
+            <a:r>
+              <a:rPr/>
+              <a:t>because</a:t>
+            </a:r>
+            <a:r>
+              <a:rPr/>
+              <a:t> </a:t>
+            </a:r>
+            <a:r>
+              <a:rPr/>
+              <a:t>the</a:t>
+            </a:r>
+            <a:r>
+              <a:rPr/>
+              <a:t> </a:t>
+            </a:r>
+            <a:r>
+              <a:rPr/>
+              <a:t>screen</a:t>
+            </a:r>
+            <a:r>
+              <a:rPr/>
+              <a:t> </a:t>
+            </a:r>
+            <a:r>
+              <a:rPr/>
+              <a:t>uses</a:t>
+            </a:r>
+            <a:r>
+              <a:rPr/>
+              <a:t> </a:t>
+            </a:r>
+            <a:r>
+              <a:rPr/>
+              <a:t>mixtures</a:t>
+            </a:r>
+            <a:r>
+              <a:rPr/>
+              <a:t> </a:t>
+            </a:r>
+            <a:r>
+              <a:rPr/>
+              <a:t>of</a:t>
+            </a:r>
+            <a:r>
+              <a:rPr/>
+              <a:t> </a:t>
+            </a:r>
+            <a:r>
+              <a:rPr/>
+              <a:t>light</a:t>
+            </a:r>
+            <a:r>
+              <a:rPr/>
+              <a:t> </a:t>
+            </a:r>
+            <a:r>
+              <a:rPr/>
+              <a:t>to</a:t>
+            </a:r>
+            <a:r>
+              <a:rPr/>
+              <a:t> </a:t>
+            </a:r>
+            <a:r>
+              <a:rPr/>
+              <a:t>combine</a:t>
+            </a:r>
+            <a:r>
+              <a:rPr/>
+              <a:t> </a:t>
+            </a:r>
+            <a:r>
+              <a:rPr/>
+              <a:t>colors.</a:t>
+            </a:r>
+            <a:r>
+              <a:rPr/>
+              <a:t> </a:t>
+            </a:r>
+            <a:r>
+              <a:rPr/>
+              <a:t>We</a:t>
+            </a:r>
+            <a:r>
+              <a:rPr/>
+              <a:t> </a:t>
+            </a:r>
+            <a:r>
+              <a:rPr/>
+              <a:t>covered</a:t>
+            </a:r>
+            <a:r>
+              <a:rPr/>
+              <a:t> </a:t>
+            </a:r>
+            <a:r>
+              <a:rPr/>
+              <a:t>the</a:t>
+            </a:r>
+            <a:r>
+              <a:rPr/>
+              <a:t> </a:t>
+            </a:r>
+            <a:r>
+              <a:rPr/>
+              <a:t>RGB</a:t>
+            </a:r>
+            <a:r>
+              <a:rPr/>
+              <a:t> </a:t>
+            </a:r>
+            <a:r>
+              <a:rPr/>
+              <a:t>system</a:t>
+            </a:r>
+            <a:r>
+              <a:rPr/>
+              <a:t> </a:t>
+            </a:r>
+            <a:r>
+              <a:rPr/>
+              <a:t>including</a:t>
+            </a:r>
+            <a:r>
+              <a:rPr/>
+              <a:t> </a:t>
+            </a:r>
+            <a:r>
+              <a:rPr/>
+              <a:t>how</a:t>
+            </a:r>
+            <a:r>
+              <a:rPr/>
+              <a:t> </a:t>
+            </a:r>
+            <a:r>
+              <a:rPr/>
+              <a:t>to</a:t>
+            </a:r>
+            <a:r>
+              <a:rPr/>
+              <a:t> </a:t>
+            </a:r>
+            <a:r>
+              <a:rPr/>
+              <a:t>create</a:t>
+            </a:r>
+            <a:r>
+              <a:rPr/>
+              <a:t> </a:t>
+            </a:r>
+            <a:r>
+              <a:rPr/>
+              <a:t>gradients.</a:t>
+            </a:r>
+            <a:r>
+              <a:rPr/>
+              <a:t> </a:t>
+            </a:r>
+            <a:r>
+              <a:rPr/>
+              <a:t>The</a:t>
+            </a:r>
+            <a:r>
+              <a:rPr/>
+              <a:t> </a:t>
+            </a:r>
+            <a:r>
+              <a:rPr/>
+              <a:t>HSV</a:t>
+            </a:r>
+            <a:r>
+              <a:rPr/>
+              <a:t> </a:t>
+            </a:r>
+            <a:r>
+              <a:rPr/>
+              <a:t>system</a:t>
+            </a:r>
+            <a:r>
+              <a:rPr/>
+              <a:t> </a:t>
+            </a:r>
+            <a:r>
+              <a:rPr/>
+              <a:t>provides</a:t>
+            </a:r>
+            <a:r>
+              <a:rPr/>
+              <a:t> </a:t>
+            </a:r>
+            <a:r>
+              <a:rPr/>
+              <a:t>a</a:t>
+            </a:r>
+            <a:r>
+              <a:rPr/>
+              <a:t> </a:t>
+            </a:r>
+            <a:r>
+              <a:rPr/>
+              <a:t>more</a:t>
+            </a:r>
+            <a:r>
+              <a:rPr/>
+              <a:t> </a:t>
+            </a:r>
+            <a:r>
+              <a:rPr/>
+              <a:t>intuitive</a:t>
+            </a:r>
+            <a:r>
+              <a:rPr/>
+              <a:t> </a:t>
+            </a:r>
+            <a:r>
+              <a:rPr/>
+              <a:t>description</a:t>
+            </a:r>
+            <a:r>
+              <a:rPr/>
+              <a:t> </a:t>
+            </a:r>
+            <a:r>
+              <a:rPr/>
+              <a:t>of</a:t>
+            </a:r>
+            <a:r>
+              <a:rPr/>
+              <a:t> </a:t>
+            </a:r>
+            <a:r>
+              <a:rPr/>
+              <a:t>colors,</a:t>
+            </a:r>
+            <a:r>
+              <a:rPr/>
+              <a:t> </a:t>
+            </a:r>
+            <a:r>
+              <a:rPr/>
+              <a:t>while</a:t>
+            </a:r>
+            <a:r>
+              <a:rPr/>
+              <a:t> </a:t>
+            </a:r>
+            <a:r>
+              <a:rPr/>
+              <a:t>CMYK</a:t>
+            </a:r>
+            <a:r>
+              <a:rPr/>
+              <a:t> </a:t>
+            </a:r>
+            <a:r>
+              <a:rPr/>
+              <a:t>is</a:t>
+            </a:r>
+            <a:r>
+              <a:rPr/>
+              <a:t> </a:t>
+            </a:r>
+            <a:r>
+              <a:rPr/>
+              <a:t>used</a:t>
+            </a:r>
+            <a:r>
+              <a:rPr/>
+              <a:t> </a:t>
+            </a:r>
+            <a:r>
+              <a:rPr/>
+              <a:t>when</a:t>
+            </a:r>
+            <a:r>
+              <a:rPr/>
+              <a:t> </a:t>
+            </a:r>
+            <a:r>
+              <a:rPr/>
+              <a:t>printing,</a:t>
+            </a:r>
+            <a:r>
+              <a:rPr/>
+              <a:t> </a:t>
+            </a:r>
+            <a:r>
+              <a:rPr/>
+              <a:t>where</a:t>
+            </a:r>
+            <a:r>
+              <a:rPr/>
+              <a:t> </a:t>
+            </a:r>
+            <a:r>
+              <a:rPr/>
+              <a:t>a</a:t>
+            </a:r>
+            <a:r>
+              <a:rPr/>
+              <a:t> </a:t>
+            </a:r>
+            <a:r>
+              <a:rPr/>
+              <a:t>substractive</a:t>
+            </a:r>
+            <a:r>
+              <a:rPr/>
+              <a:t> </a:t>
+            </a:r>
+            <a:r>
+              <a:rPr/>
+              <a:t>rather</a:t>
+            </a:r>
+            <a:r>
+              <a:rPr/>
+              <a:t> </a:t>
+            </a:r>
+            <a:r>
+              <a:rPr/>
+              <a:t>than</a:t>
+            </a:r>
+            <a:r>
+              <a:rPr/>
+              <a:t> </a:t>
+            </a:r>
+            <a:r>
+              <a:rPr/>
+              <a:t>additive</a:t>
+            </a:r>
+            <a:r>
+              <a:rPr/>
+              <a:t> </a:t>
+            </a:r>
+            <a:r>
+              <a:rPr/>
+              <a:t>color</a:t>
+            </a:r>
+            <a:r>
+              <a:rPr/>
+              <a:t> </a:t>
+            </a:r>
+            <a:r>
+              <a:rPr/>
+              <a:t>system</a:t>
+            </a:r>
+            <a:r>
+              <a:rPr/>
+              <a:t> </a:t>
+            </a:r>
+            <a:r>
+              <a:rPr/>
+              <a:t>is</a:t>
+            </a:r>
+            <a:r>
+              <a:rPr/>
+              <a:t> </a:t>
+            </a:r>
+            <a:r>
+              <a:rPr/>
+              <a:t>needed.</a:t>
+            </a:r>
+          </a:p>
+        </p:txBody>
+      </p:sp>
+      <p:sp>
+        <p:nvSpPr>
+          <p:cNvPr id="4" name="Slide Number Placeholder 3"/>
+          <p:cNvSpPr>
+            <a:spLocks noGrp="1"/>
+          </p:cNvSpPr>
+          <p:nvPr>
+            <p:ph type="sldNum" sz="quarter" idx="10"/>
+          </p:nvPr>
+        </p:nvSpPr>
+        <p:spPr/>
+        <p:txBody>
+          <a:bodyPr/>
+          <a:lstStyle/>
+          <a:p>
+            <a:fld id="{18BDFEC3-8487-43E8-A154-7C12CBC1FFF2}" type="slidenum">
+              <a:rPr lang="en-US"/>
+              <a:t>41</a:t>
             </a:fld>
             <a:endParaRPr lang="en-US"/>
           </a:p>
@@ -17571,36 +17925,57 @@
             </a:r>
             <a:r>
               <a:rPr/>
-              <a:t>gray</a:t>
+              <a:t>gray,</a:t>
+            </a:r>
+            <a:r>
+              <a:rPr/>
+              <a:t> </a:t>
+            </a:r>
+            <a:r>
+              <a:rPr/>
+              <a:t>through</a:t>
+            </a:r>
+            <a:r>
+              <a:rPr/>
+              <a:t> </a:t>
+            </a:r>
+            <a:r>
+              <a:rPr/>
+              <a:t>black</a:t>
             </a:r>
           </a:p>
         </p:txBody>
       </p:sp>
-      <p:sp>
-        <p:nvSpPr>
-          <p:cNvPr id="3" name="Content Placeholder 2"/>
-          <p:cNvSpPr>
-            <a:spLocks noGrp="1"/>
-          </p:cNvSpPr>
-          <p:nvPr>
-            <p:ph idx="1"/>
-          </p:nvPr>
-        </p:nvSpPr>
-        <p:spPr/>
-        <p:txBody>
-          <a:bodyPr/>
-          <a:lstStyle/>
-          <a:p>
-            <a:pPr lvl="0" marL="0" indent="0">
-              <a:buNone/>
-            </a:pPr>
-            <a:r>
-              <a:rPr/>
-              <a:t>(To be added)</a:t>
-            </a:r>
-          </a:p>
-        </p:txBody>
-      </p:sp>
+      <p:pic>
+        <p:nvPicPr>
+          <p:cNvPr descr="tutorial-colors_files/figure-pptx/red-other-green-1.png" id="0" name="Picture 1"/>
+          <p:cNvPicPr>
+            <a:picLocks noGrp="1" noChangeAspect="1"/>
+          </p:cNvPicPr>
+          <p:nvPr/>
+        </p:nvPicPr>
+        <p:blipFill>
+          <a:blip r:embed="rId2"/>
+          <a:stretch>
+            <a:fillRect/>
+          </a:stretch>
+        </p:blipFill>
+        <p:spPr bwMode="auto">
+          <a:xfrm>
+            <a:off x="1752600" y="1600200"/>
+            <a:ext cx="5651500" cy="4521200"/>
+          </a:xfrm>
+          <a:prstGeom prst="rect">
+            <a:avLst/>
+          </a:prstGeom>
+          <a:noFill/>
+          <a:ln w="9525">
+            <a:noFill/>
+            <a:headEnd/>
+            <a:tailEnd/>
+          </a:ln>
+        </p:spPr>
+      </p:pic>
     </p:spTree>
   </p:cSld>
 </p:sld>
@@ -17625,47 +18000,6 @@
       </p:grpSpPr>
       <p:sp>
         <p:nvSpPr>
-          <p:cNvPr id="2" name="Title 1"/>
-          <p:cNvSpPr>
-            <a:spLocks noGrp="1"/>
-          </p:cNvSpPr>
-          <p:nvPr>
-            <p:ph type="title"/>
-          </p:nvPr>
-        </p:nvSpPr>
-        <p:spPr/>
-        <p:txBody>
-          <a:bodyPr/>
-          <a:lstStyle/>
-          <a:p>
-            <a:pPr lvl="0" marL="0" indent="0">
-              <a:buNone/>
-            </a:pPr>
-            <a:r>
-              <a:rPr/>
-              <a:t>Gradients</a:t>
-            </a:r>
-            <a:r>
-              <a:rPr/>
-              <a:t> </a:t>
-            </a:r>
-            <a:r>
-              <a:rPr/>
-              <a:t>in</a:t>
-            </a:r>
-            <a:r>
-              <a:rPr/>
-              <a:t> </a:t>
-            </a:r>
-            <a:r>
-              <a:rPr/>
-              <a:t>Python</a:t>
-            </a:r>
-          </a:p>
-        </p:txBody>
-      </p:sp>
-      <p:sp>
-        <p:nvSpPr>
           <p:cNvPr id="3" name="Content Placeholder 2"/>
           <p:cNvSpPr>
             <a:spLocks noGrp="1"/>
@@ -17678,6 +18012,11 @@
         <p:txBody>
           <a:bodyPr/>
           <a:lstStyle/>
+          <a:p>
+            <a:pPr lvl="0" marL="0" indent="0">
+              <a:buNone/>
+            </a:pPr>
+          </a:p>
           <a:p>
             <a:pPr lvl="0" marL="0" indent="0">
               <a:buNone/>
@@ -17747,7 +18086,7 @@
             </a:r>
             <a:r>
               <a:rPr/>
-              <a:t>R</a:t>
+              <a:t>Python</a:t>
             </a:r>
           </a:p>
         </p:txBody>
@@ -17835,7 +18174,7 @@
             </a:r>
             <a:r>
               <a:rPr/>
-              <a:t>Tableau</a:t>
+              <a:t>R</a:t>
             </a:r>
           </a:p>
         </p:txBody>
@@ -17907,23 +18246,23 @@
             </a:pPr>
             <a:r>
               <a:rPr/>
-              <a:t>Colors,</a:t>
-            </a:r>
-            <a:r>
-              <a:rPr/>
-              <a:t> </a:t>
-            </a:r>
-            <a:r>
-              <a:rPr/>
-              <a:t>HSV</a:t>
-            </a:r>
-            <a:r>
-              <a:rPr/>
-              <a:t> </a:t>
-            </a:r>
-            <a:r>
-              <a:rPr/>
-              <a:t>system</a:t>
+              <a:t>Gradients</a:t>
+            </a:r>
+            <a:r>
+              <a:rPr/>
+              <a:t> </a:t>
+            </a:r>
+            <a:r>
+              <a:rPr/>
+              <a:t>in</a:t>
+            </a:r>
+            <a:r>
+              <a:rPr/>
+              <a:t> </a:t>
+            </a:r>
+            <a:r>
+              <a:rPr/>
+              <a:t>Tableau</a:t>
             </a:r>
           </a:p>
         </p:txBody>
@@ -17943,7 +18282,9 @@
           <a:bodyPr/>
           <a:lstStyle/>
           <a:p>
-            <a:pPr lvl="1"/>
+            <a:pPr lvl="0" marL="0" indent="0">
+              <a:buNone/>
+            </a:pPr>
             <a:r>
               <a:rPr/>
               <a:t>(To be added)</a:t>
@@ -18014,36 +18355,29 @@
           </a:p>
         </p:txBody>
       </p:sp>
-      <p:pic>
-        <p:nvPicPr>
-          <p:cNvPr descr="../images/r/hsv-1.png" id="0" name="Picture 1"/>
-          <p:cNvPicPr>
-            <a:picLocks noGrp="1" noChangeAspect="1"/>
-          </p:cNvPicPr>
-          <p:nvPr/>
-        </p:nvPicPr>
-        <p:blipFill>
-          <a:blip r:embed="rId2"/>
-          <a:stretch>
-            <a:fillRect/>
-          </a:stretch>
-        </p:blipFill>
-        <p:spPr bwMode="auto">
-          <a:xfrm>
-            <a:off x="2311400" y="1600200"/>
-            <a:ext cx="4521200" cy="4521200"/>
-          </a:xfrm>
-          <a:prstGeom prst="rect">
-            <a:avLst/>
-          </a:prstGeom>
-          <a:noFill/>
-          <a:ln w="9525">
-            <a:noFill/>
-            <a:headEnd/>
-            <a:tailEnd/>
-          </a:ln>
-        </p:spPr>
-      </p:pic>
+      <p:sp>
+        <p:nvSpPr>
+          <p:cNvPr id="3" name="Content Placeholder 2"/>
+          <p:cNvSpPr>
+            <a:spLocks noGrp="1"/>
+          </p:cNvSpPr>
+          <p:nvPr>
+            <p:ph idx="1"/>
+          </p:nvPr>
+        </p:nvSpPr>
+        <p:spPr/>
+        <p:txBody>
+          <a:bodyPr/>
+          <a:lstStyle/>
+          <a:p>
+            <a:pPr lvl="1"/>
+            <a:r>
+              <a:rPr/>
+              <a:t>(To be added)</a:t>
+            </a:r>
+          </a:p>
+        </p:txBody>
+      </p:sp>
     </p:spTree>
   </p:cSld>
 </p:sld>
@@ -18102,30 +18436,14 @@
             </a:r>
             <a:r>
               <a:rPr/>
-              <a:t>system,</a:t>
-            </a:r>
-            <a:r>
-              <a:rPr/>
-              <a:t> </a:t>
-            </a:r>
-            <a:r>
-              <a:rPr/>
-              <a:t>hue</a:t>
-            </a:r>
-            <a:r>
-              <a:rPr/>
-              <a:t> </a:t>
-            </a:r>
-            <a:r>
-              <a:rPr/>
-              <a:t>only</a:t>
+              <a:t>system</a:t>
             </a:r>
           </a:p>
         </p:txBody>
       </p:sp>
       <p:pic>
         <p:nvPicPr>
-          <p:cNvPr descr="../images/r/hsv-2.png" id="0" name="Picture 1"/>
+          <p:cNvPr descr="../images/r/hsv-1.png" id="0" name="Picture 1"/>
           <p:cNvPicPr>
             <a:picLocks noGrp="1" noChangeAspect="1"/>
           </p:cNvPicPr>
@@ -18368,7 +18686,7 @@
             </a:r>
             <a:r>
               <a:rPr/>
-              <a:t>saturation</a:t>
+              <a:t>hue</a:t>
             </a:r>
             <a:r>
               <a:rPr/>
@@ -18383,7 +18701,7 @@
       </p:sp>
       <p:pic>
         <p:nvPicPr>
-          <p:cNvPr descr="../images/r/hsv-3.png" id="0" name="Picture 1"/>
+          <p:cNvPr descr="../images/r/hsv-2.png" id="0" name="Picture 1"/>
           <p:cNvPicPr>
             <a:picLocks noGrp="1" noChangeAspect="1"/>
           </p:cNvPicPr>
@@ -18477,7 +18795,7 @@
             </a:r>
             <a:r>
               <a:rPr/>
-              <a:t>value</a:t>
+              <a:t>saturation</a:t>
             </a:r>
             <a:r>
               <a:rPr/>
@@ -18492,7 +18810,7 @@
       </p:sp>
       <p:pic>
         <p:nvPicPr>
-          <p:cNvPr descr="../images/r/hsv-4.png" id="0" name="Picture 1"/>
+          <p:cNvPr descr="../images/r/hsv-3.png" id="0" name="Picture 1"/>
           <p:cNvPicPr>
             <a:picLocks noGrp="1" noChangeAspect="1"/>
           </p:cNvPicPr>
@@ -18570,6 +18888,599 @@
             </a:r>
             <a:r>
               <a:rPr/>
+              <a:t>HSV</a:t>
+            </a:r>
+            <a:r>
+              <a:rPr/>
+              <a:t> </a:t>
+            </a:r>
+            <a:r>
+              <a:rPr/>
+              <a:t>system,</a:t>
+            </a:r>
+            <a:r>
+              <a:rPr/>
+              <a:t> </a:t>
+            </a:r>
+            <a:r>
+              <a:rPr/>
+              <a:t>value</a:t>
+            </a:r>
+            <a:r>
+              <a:rPr/>
+              <a:t> </a:t>
+            </a:r>
+            <a:r>
+              <a:rPr/>
+              <a:t>only</a:t>
+            </a:r>
+          </a:p>
+        </p:txBody>
+      </p:sp>
+      <p:pic>
+        <p:nvPicPr>
+          <p:cNvPr descr="../images/r/hsv-4.png" id="0" name="Picture 1"/>
+          <p:cNvPicPr>
+            <a:picLocks noGrp="1" noChangeAspect="1"/>
+          </p:cNvPicPr>
+          <p:nvPr/>
+        </p:nvPicPr>
+        <p:blipFill>
+          <a:blip r:embed="rId2"/>
+          <a:stretch>
+            <a:fillRect/>
+          </a:stretch>
+        </p:blipFill>
+        <p:spPr bwMode="auto">
+          <a:xfrm>
+            <a:off x="2311400" y="1600200"/>
+            <a:ext cx="4521200" cy="4521200"/>
+          </a:xfrm>
+          <a:prstGeom prst="rect">
+            <a:avLst/>
+          </a:prstGeom>
+          <a:noFill/>
+          <a:ln w="9525">
+            <a:noFill/>
+            <a:headEnd/>
+            <a:tailEnd/>
+          </a:ln>
+        </p:spPr>
+      </p:pic>
+    </p:spTree>
+  </p:cSld>
+</p:sld>
+</file>
+
+<file path=ppt/slides/slide33.xml><?xml version="1.0" encoding="utf-8"?>
+<p:sld xmlns:a="http://schemas.openxmlformats.org/drawingml/2006/main" xmlns:r="http://schemas.openxmlformats.org/officeDocument/2006/relationships" xmlns:p="http://schemas.openxmlformats.org/presentationml/2006/main">
+  <p:cSld>
+    <p:spTree>
+      <p:nvGrpSpPr>
+        <p:cNvPr id="1" name=""/>
+        <p:cNvGrpSpPr/>
+        <p:nvPr/>
+      </p:nvGrpSpPr>
+      <p:grpSpPr>
+        <a:xfrm>
+          <a:off x="0" y="0"/>
+          <a:ext cx="0" cy="0"/>
+          <a:chOff x="0" y="0"/>
+          <a:chExt cx="0" cy="0"/>
+        </a:xfrm>
+      </p:grpSpPr>
+      <p:sp>
+        <p:nvSpPr>
+          <p:cNvPr id="2" name="Title 1"/>
+          <p:cNvSpPr>
+            <a:spLocks noGrp="1"/>
+          </p:cNvSpPr>
+          <p:nvPr>
+            <p:ph type="title"/>
+          </p:nvPr>
+        </p:nvSpPr>
+        <p:spPr/>
+        <p:txBody>
+          <a:bodyPr/>
+          <a:lstStyle/>
+          <a:p>
+            <a:pPr lvl="0" marL="0" indent="0">
+              <a:buNone/>
+            </a:pPr>
+            <a:r>
+              <a:rPr/>
+              <a:t>Colors,</a:t>
+            </a:r>
+            <a:r>
+              <a:rPr/>
+              <a:t> </a:t>
+            </a:r>
+            <a:r>
+              <a:rPr/>
+              <a:t>HCL</a:t>
+            </a:r>
+            <a:r>
+              <a:rPr/>
+              <a:t> </a:t>
+            </a:r>
+            <a:r>
+              <a:rPr/>
+              <a:t>system</a:t>
+            </a:r>
+          </a:p>
+        </p:txBody>
+      </p:sp>
+      <p:sp>
+        <p:nvSpPr>
+          <p:cNvPr id="3" name="Content Placeholder 2"/>
+          <p:cNvSpPr>
+            <a:spLocks noGrp="1"/>
+          </p:cNvSpPr>
+          <p:nvPr>
+            <p:ph idx="1"/>
+          </p:nvPr>
+        </p:nvSpPr>
+        <p:spPr/>
+        <p:txBody>
+          <a:bodyPr/>
+          <a:lstStyle/>
+          <a:p>
+            <a:pPr lvl="1"/>
+            <a:r>
+              <a:rPr/>
+              <a:t>H = hue</a:t>
+            </a:r>
+          </a:p>
+          <a:p>
+            <a:pPr lvl="2"/>
+            <a:r>
+              <a:rPr/>
+              <a:t>arranged on a wheel 0-360 degrees</a:t>
+            </a:r>
+          </a:p>
+          <a:p>
+            <a:pPr lvl="1"/>
+            <a:r>
+              <a:rPr/>
+              <a:t>C = chroma</a:t>
+            </a:r>
+          </a:p>
+          <a:p>
+            <a:pPr lvl="2"/>
+            <a:r>
+              <a:rPr/>
+              <a:t>colorfulness relative to a gray of equal luminence</a:t>
+            </a:r>
+          </a:p>
+          <a:p>
+            <a:pPr lvl="2"/>
+            <a:r>
+              <a:rPr/>
+              <a:t>not quite same as saturation</a:t>
+            </a:r>
+          </a:p>
+          <a:p>
+            <a:pPr lvl="1"/>
+            <a:r>
+              <a:rPr/>
+              <a:t>L = luminence</a:t>
+            </a:r>
+          </a:p>
+          <a:p>
+            <a:pPr lvl="2"/>
+            <a:r>
+              <a:rPr/>
+              <a:t>brightness, lightness</a:t>
+            </a:r>
+          </a:p>
+        </p:txBody>
+      </p:sp>
+    </p:spTree>
+  </p:cSld>
+</p:sld>
+</file>
+
+<file path=ppt/slides/slide34.xml><?xml version="1.0" encoding="utf-8"?>
+<p:sld xmlns:a="http://schemas.openxmlformats.org/drawingml/2006/main" xmlns:r="http://schemas.openxmlformats.org/officeDocument/2006/relationships" xmlns:p="http://schemas.openxmlformats.org/presentationml/2006/main">
+  <p:cSld>
+    <p:spTree>
+      <p:nvGrpSpPr>
+        <p:cNvPr id="1" name=""/>
+        <p:cNvGrpSpPr/>
+        <p:nvPr/>
+      </p:nvGrpSpPr>
+      <p:grpSpPr>
+        <a:xfrm>
+          <a:off x="0" y="0"/>
+          <a:ext cx="0" cy="0"/>
+          <a:chOff x="0" y="0"/>
+          <a:chExt cx="0" cy="0"/>
+        </a:xfrm>
+      </p:grpSpPr>
+      <p:sp>
+        <p:nvSpPr>
+          <p:cNvPr id="2" name="Title 1"/>
+          <p:cNvSpPr>
+            <a:spLocks noGrp="1"/>
+          </p:cNvSpPr>
+          <p:nvPr>
+            <p:ph type="title"/>
+          </p:nvPr>
+        </p:nvSpPr>
+        <p:spPr/>
+        <p:txBody>
+          <a:bodyPr/>
+          <a:lstStyle/>
+          <a:p>
+            <a:pPr lvl="0" marL="0" indent="0">
+              <a:buNone/>
+            </a:pPr>
+            <a:r>
+              <a:rPr/>
+              <a:t>Colors,</a:t>
+            </a:r>
+            <a:r>
+              <a:rPr/>
+              <a:t> </a:t>
+            </a:r>
+            <a:r>
+              <a:rPr/>
+              <a:t>Luminance</a:t>
+            </a:r>
+            <a:r>
+              <a:rPr/>
+              <a:t> </a:t>
+            </a:r>
+            <a:r>
+              <a:rPr/>
+              <a:t>=</a:t>
+            </a:r>
+            <a:r>
+              <a:rPr/>
+              <a:t> </a:t>
+            </a:r>
+            <a:r>
+              <a:rPr/>
+              <a:t>90%</a:t>
+            </a:r>
+          </a:p>
+        </p:txBody>
+      </p:sp>
+      <p:pic>
+        <p:nvPicPr>
+          <p:cNvPr descr="../images/r/hcl-90.png" id="0" name="Picture 1"/>
+          <p:cNvPicPr>
+            <a:picLocks noGrp="1" noChangeAspect="1"/>
+          </p:cNvPicPr>
+          <p:nvPr/>
+        </p:nvPicPr>
+        <p:blipFill>
+          <a:blip r:embed="rId2"/>
+          <a:stretch>
+            <a:fillRect/>
+          </a:stretch>
+        </p:blipFill>
+        <p:spPr bwMode="auto">
+          <a:xfrm>
+            <a:off x="2311400" y="1600200"/>
+            <a:ext cx="4521200" cy="4521200"/>
+          </a:xfrm>
+          <a:prstGeom prst="rect">
+            <a:avLst/>
+          </a:prstGeom>
+          <a:noFill/>
+          <a:ln w="9525">
+            <a:noFill/>
+            <a:headEnd/>
+            <a:tailEnd/>
+          </a:ln>
+        </p:spPr>
+      </p:pic>
+    </p:spTree>
+  </p:cSld>
+</p:sld>
+</file>
+
+<file path=ppt/slides/slide35.xml><?xml version="1.0" encoding="utf-8"?>
+<p:sld xmlns:a="http://schemas.openxmlformats.org/drawingml/2006/main" xmlns:r="http://schemas.openxmlformats.org/officeDocument/2006/relationships" xmlns:p="http://schemas.openxmlformats.org/presentationml/2006/main">
+  <p:cSld>
+    <p:spTree>
+      <p:nvGrpSpPr>
+        <p:cNvPr id="1" name=""/>
+        <p:cNvGrpSpPr/>
+        <p:nvPr/>
+      </p:nvGrpSpPr>
+      <p:grpSpPr>
+        <a:xfrm>
+          <a:off x="0" y="0"/>
+          <a:ext cx="0" cy="0"/>
+          <a:chOff x="0" y="0"/>
+          <a:chExt cx="0" cy="0"/>
+        </a:xfrm>
+      </p:grpSpPr>
+      <p:sp>
+        <p:nvSpPr>
+          <p:cNvPr id="2" name="Title 1"/>
+          <p:cNvSpPr>
+            <a:spLocks noGrp="1"/>
+          </p:cNvSpPr>
+          <p:nvPr>
+            <p:ph type="title"/>
+          </p:nvPr>
+        </p:nvSpPr>
+        <p:spPr/>
+        <p:txBody>
+          <a:bodyPr/>
+          <a:lstStyle/>
+          <a:p>
+            <a:pPr lvl="0" marL="0" indent="0">
+              <a:buNone/>
+            </a:pPr>
+            <a:r>
+              <a:rPr/>
+              <a:t>Colors,</a:t>
+            </a:r>
+            <a:r>
+              <a:rPr/>
+              <a:t> </a:t>
+            </a:r>
+            <a:r>
+              <a:rPr/>
+              <a:t>Luminance=70%</a:t>
+            </a:r>
+          </a:p>
+        </p:txBody>
+      </p:sp>
+      <p:pic>
+        <p:nvPicPr>
+          <p:cNvPr descr="../images/r/hcl-70.png" id="0" name="Picture 1"/>
+          <p:cNvPicPr>
+            <a:picLocks noGrp="1" noChangeAspect="1"/>
+          </p:cNvPicPr>
+          <p:nvPr/>
+        </p:nvPicPr>
+        <p:blipFill>
+          <a:blip r:embed="rId2"/>
+          <a:stretch>
+            <a:fillRect/>
+          </a:stretch>
+        </p:blipFill>
+        <p:spPr bwMode="auto">
+          <a:xfrm>
+            <a:off x="2311400" y="1600200"/>
+            <a:ext cx="4521200" cy="4521200"/>
+          </a:xfrm>
+          <a:prstGeom prst="rect">
+            <a:avLst/>
+          </a:prstGeom>
+          <a:noFill/>
+          <a:ln w="9525">
+            <a:noFill/>
+            <a:headEnd/>
+            <a:tailEnd/>
+          </a:ln>
+        </p:spPr>
+      </p:pic>
+    </p:spTree>
+  </p:cSld>
+</p:sld>
+</file>
+
+<file path=ppt/slides/slide36.xml><?xml version="1.0" encoding="utf-8"?>
+<p:sld xmlns:a="http://schemas.openxmlformats.org/drawingml/2006/main" xmlns:r="http://schemas.openxmlformats.org/officeDocument/2006/relationships" xmlns:p="http://schemas.openxmlformats.org/presentationml/2006/main">
+  <p:cSld>
+    <p:spTree>
+      <p:nvGrpSpPr>
+        <p:cNvPr id="1" name=""/>
+        <p:cNvGrpSpPr/>
+        <p:nvPr/>
+      </p:nvGrpSpPr>
+      <p:grpSpPr>
+        <a:xfrm>
+          <a:off x="0" y="0"/>
+          <a:ext cx="0" cy="0"/>
+          <a:chOff x="0" y="0"/>
+          <a:chExt cx="0" cy="0"/>
+        </a:xfrm>
+      </p:grpSpPr>
+      <p:sp>
+        <p:nvSpPr>
+          <p:cNvPr id="2" name="Title 1"/>
+          <p:cNvSpPr>
+            <a:spLocks noGrp="1"/>
+          </p:cNvSpPr>
+          <p:nvPr>
+            <p:ph type="title"/>
+          </p:nvPr>
+        </p:nvSpPr>
+        <p:spPr/>
+        <p:txBody>
+          <a:bodyPr/>
+          <a:lstStyle/>
+          <a:p>
+            <a:pPr lvl="0" marL="0" indent="0">
+              <a:buNone/>
+            </a:pPr>
+            <a:r>
+              <a:rPr/>
+              <a:t>Colors,</a:t>
+            </a:r>
+            <a:r>
+              <a:rPr/>
+              <a:t> </a:t>
+            </a:r>
+            <a:r>
+              <a:rPr/>
+              <a:t>Luminance=50%</a:t>
+            </a:r>
+          </a:p>
+        </p:txBody>
+      </p:sp>
+      <p:pic>
+        <p:nvPicPr>
+          <p:cNvPr descr="../images/r/hcl-50.png" id="0" name="Picture 1"/>
+          <p:cNvPicPr>
+            <a:picLocks noGrp="1" noChangeAspect="1"/>
+          </p:cNvPicPr>
+          <p:nvPr/>
+        </p:nvPicPr>
+        <p:blipFill>
+          <a:blip r:embed="rId2"/>
+          <a:stretch>
+            <a:fillRect/>
+          </a:stretch>
+        </p:blipFill>
+        <p:spPr bwMode="auto">
+          <a:xfrm>
+            <a:off x="2311400" y="1600200"/>
+            <a:ext cx="4521200" cy="4521200"/>
+          </a:xfrm>
+          <a:prstGeom prst="rect">
+            <a:avLst/>
+          </a:prstGeom>
+          <a:noFill/>
+          <a:ln w="9525">
+            <a:noFill/>
+            <a:headEnd/>
+            <a:tailEnd/>
+          </a:ln>
+        </p:spPr>
+      </p:pic>
+    </p:spTree>
+  </p:cSld>
+</p:sld>
+</file>
+
+<file path=ppt/slides/slide37.xml><?xml version="1.0" encoding="utf-8"?>
+<p:sld xmlns:a="http://schemas.openxmlformats.org/drawingml/2006/main" xmlns:r="http://schemas.openxmlformats.org/officeDocument/2006/relationships" xmlns:p="http://schemas.openxmlformats.org/presentationml/2006/main">
+  <p:cSld>
+    <p:spTree>
+      <p:nvGrpSpPr>
+        <p:cNvPr id="1" name=""/>
+        <p:cNvGrpSpPr/>
+        <p:nvPr/>
+      </p:nvGrpSpPr>
+      <p:grpSpPr>
+        <a:xfrm>
+          <a:off x="0" y="0"/>
+          <a:ext cx="0" cy="0"/>
+          <a:chOff x="0" y="0"/>
+          <a:chExt cx="0" cy="0"/>
+        </a:xfrm>
+      </p:grpSpPr>
+      <p:sp>
+        <p:nvSpPr>
+          <p:cNvPr id="2" name="Title 1"/>
+          <p:cNvSpPr>
+            <a:spLocks noGrp="1"/>
+          </p:cNvSpPr>
+          <p:nvPr>
+            <p:ph type="title"/>
+          </p:nvPr>
+        </p:nvSpPr>
+        <p:spPr/>
+        <p:txBody>
+          <a:bodyPr/>
+          <a:lstStyle/>
+          <a:p>
+            <a:pPr lvl="0" marL="0" indent="0">
+              <a:buNone/>
+            </a:pPr>
+            <a:r>
+              <a:rPr/>
+              <a:t>Colors,</a:t>
+            </a:r>
+            <a:r>
+              <a:rPr/>
+              <a:t> </a:t>
+            </a:r>
+            <a:r>
+              <a:rPr/>
+              <a:t>Luminance=30%</a:t>
+            </a:r>
+          </a:p>
+        </p:txBody>
+      </p:sp>
+      <p:pic>
+        <p:nvPicPr>
+          <p:cNvPr descr="../images/r/hcl-30.png" id="0" name="Picture 1"/>
+          <p:cNvPicPr>
+            <a:picLocks noGrp="1" noChangeAspect="1"/>
+          </p:cNvPicPr>
+          <p:nvPr/>
+        </p:nvPicPr>
+        <p:blipFill>
+          <a:blip r:embed="rId2"/>
+          <a:stretch>
+            <a:fillRect/>
+          </a:stretch>
+        </p:blipFill>
+        <p:spPr bwMode="auto">
+          <a:xfrm>
+            <a:off x="2311400" y="1600200"/>
+            <a:ext cx="4521200" cy="4521200"/>
+          </a:xfrm>
+          <a:prstGeom prst="rect">
+            <a:avLst/>
+          </a:prstGeom>
+          <a:noFill/>
+          <a:ln w="9525">
+            <a:noFill/>
+            <a:headEnd/>
+            <a:tailEnd/>
+          </a:ln>
+        </p:spPr>
+      </p:pic>
+    </p:spTree>
+  </p:cSld>
+</p:sld>
+</file>
+
+<file path=ppt/slides/slide38.xml><?xml version="1.0" encoding="utf-8"?>
+<p:sld xmlns:a="http://schemas.openxmlformats.org/drawingml/2006/main" xmlns:r="http://schemas.openxmlformats.org/officeDocument/2006/relationships" xmlns:p="http://schemas.openxmlformats.org/presentationml/2006/main">
+  <p:cSld>
+    <p:spTree>
+      <p:nvGrpSpPr>
+        <p:cNvPr id="1" name=""/>
+        <p:cNvGrpSpPr/>
+        <p:nvPr/>
+      </p:nvGrpSpPr>
+      <p:grpSpPr>
+        <a:xfrm>
+          <a:off x="0" y="0"/>
+          <a:ext cx="0" cy="0"/>
+          <a:chOff x="0" y="0"/>
+          <a:chExt cx="0" cy="0"/>
+        </a:xfrm>
+      </p:grpSpPr>
+      <p:sp>
+        <p:nvSpPr>
+          <p:cNvPr id="2" name="Title 1"/>
+          <p:cNvSpPr>
+            <a:spLocks noGrp="1"/>
+          </p:cNvSpPr>
+          <p:nvPr>
+            <p:ph type="title"/>
+          </p:nvPr>
+        </p:nvSpPr>
+        <p:spPr/>
+        <p:txBody>
+          <a:bodyPr/>
+          <a:lstStyle/>
+          <a:p>
+            <a:pPr lvl="0" marL="0" indent="0">
+              <a:buNone/>
+            </a:pPr>
+            <a:r>
+              <a:rPr/>
+              <a:t>Colors,</a:t>
+            </a:r>
+            <a:r>
+              <a:rPr/>
+              <a:t> </a:t>
+            </a:r>
+            <a:r>
+              <a:rPr/>
               <a:t>CMYK</a:t>
             </a:r>
             <a:r>
@@ -18680,7 +19591,7 @@
 </p:sld>
 </file>
 
-<file path=ppt/slides/slide33.xml><?xml version="1.0" encoding="utf-8"?>
+<file path=ppt/slides/slide39.xml><?xml version="1.0" encoding="utf-8"?>
 <p:sld xmlns:a="http://schemas.openxmlformats.org/drawingml/2006/main" xmlns:r="http://schemas.openxmlformats.org/officeDocument/2006/relationships" xmlns:p="http://schemas.openxmlformats.org/presentationml/2006/main">
   <p:cSld>
     <p:spTree>
@@ -18793,251 +19704,6 @@
             <a:r>
               <a:rPr/>
               <a:t>All three combined equals Black</a:t>
-            </a:r>
-          </a:p>
-        </p:txBody>
-      </p:sp>
-    </p:spTree>
-  </p:cSld>
-</p:sld>
-</file>
-
-<file path=ppt/slides/slide34.xml><?xml version="1.0" encoding="utf-8"?>
-<p:sld xmlns:a="http://schemas.openxmlformats.org/drawingml/2006/main" xmlns:r="http://schemas.openxmlformats.org/officeDocument/2006/relationships" xmlns:p="http://schemas.openxmlformats.org/presentationml/2006/main">
-  <p:cSld>
-    <p:spTree>
-      <p:nvGrpSpPr>
-        <p:cNvPr id="1" name=""/>
-        <p:cNvGrpSpPr/>
-        <p:nvPr/>
-      </p:nvGrpSpPr>
-      <p:grpSpPr>
-        <a:xfrm>
-          <a:off x="0" y="0"/>
-          <a:ext cx="0" cy="0"/>
-          <a:chOff x="0" y="0"/>
-          <a:chExt cx="0" cy="0"/>
-        </a:xfrm>
-      </p:grpSpPr>
-      <p:sp>
-        <p:nvSpPr>
-          <p:cNvPr id="2" name="Title 1"/>
-          <p:cNvSpPr>
-            <a:spLocks noGrp="1"/>
-          </p:cNvSpPr>
-          <p:nvPr>
-            <p:ph type="title"/>
-          </p:nvPr>
-        </p:nvSpPr>
-        <p:spPr/>
-        <p:txBody>
-          <a:bodyPr/>
-          <a:lstStyle/>
-          <a:p>
-            <a:pPr lvl="0" marL="0" indent="0">
-              <a:buNone/>
-            </a:pPr>
-            <a:r>
-              <a:rPr/>
-              <a:t>Colors,</a:t>
-            </a:r>
-            <a:r>
-              <a:rPr/>
-              <a:t> </a:t>
-            </a:r>
-            <a:r>
-              <a:rPr/>
-              <a:t>CMYK</a:t>
-            </a:r>
-            <a:r>
-              <a:rPr/>
-              <a:t> </a:t>
-            </a:r>
-            <a:r>
-              <a:rPr/>
-              <a:t>system,</a:t>
-            </a:r>
-            <a:r>
-              <a:rPr/>
-              <a:t> </a:t>
-            </a:r>
-            <a:r>
-              <a:rPr/>
-              <a:t>Why</a:t>
-            </a:r>
-            <a:r>
-              <a:rPr/>
-              <a:t> </a:t>
-            </a:r>
-            <a:r>
-              <a:rPr/>
-              <a:t>you</a:t>
-            </a:r>
-            <a:r>
-              <a:rPr/>
-              <a:t> </a:t>
-            </a:r>
-            <a:r>
-              <a:rPr/>
-              <a:t>need</a:t>
-            </a:r>
-            <a:r>
-              <a:rPr/>
-              <a:t> </a:t>
-            </a:r>
-            <a:r>
-              <a:rPr/>
-              <a:t>black</a:t>
-            </a:r>
-          </a:p>
-        </p:txBody>
-      </p:sp>
-      <p:sp>
-        <p:nvSpPr>
-          <p:cNvPr id="3" name="Content Placeholder 2"/>
-          <p:cNvSpPr>
-            <a:spLocks noGrp="1"/>
-          </p:cNvSpPr>
-          <p:nvPr>
-            <p:ph idx="1"/>
-          </p:nvPr>
-        </p:nvSpPr>
-        <p:spPr/>
-        <p:txBody>
-          <a:bodyPr/>
-          <a:lstStyle/>
-          <a:p>
-            <a:pPr lvl="1"/>
-            <a:r>
-              <a:rPr/>
-              <a:t>Only in theory does, C+M+Y = Black</a:t>
-            </a:r>
-          </a:p>
-          <a:p>
-            <a:pPr lvl="2"/>
-            <a:r>
-              <a:rPr/>
-              <a:t>Too much ink</a:t>
-            </a:r>
-          </a:p>
-          <a:p>
-            <a:pPr lvl="2"/>
-            <a:r>
-              <a:rPr/>
-              <a:t>Dull muddy color</a:t>
-            </a:r>
-          </a:p>
-        </p:txBody>
-      </p:sp>
-    </p:spTree>
-  </p:cSld>
-</p:sld>
-</file>
-
-<file path=ppt/slides/slide35.xml><?xml version="1.0" encoding="utf-8"?>
-<p:sld xmlns:a="http://schemas.openxmlformats.org/drawingml/2006/main" xmlns:r="http://schemas.openxmlformats.org/officeDocument/2006/relationships" xmlns:p="http://schemas.openxmlformats.org/presentationml/2006/main">
-  <p:cSld>
-    <p:spTree>
-      <p:nvGrpSpPr>
-        <p:cNvPr id="1" name=""/>
-        <p:cNvGrpSpPr/>
-        <p:nvPr/>
-      </p:nvGrpSpPr>
-      <p:grpSpPr>
-        <a:xfrm>
-          <a:off x="0" y="0"/>
-          <a:ext cx="0" cy="0"/>
-          <a:chOff x="0" y="0"/>
-          <a:chExt cx="0" cy="0"/>
-        </a:xfrm>
-      </p:grpSpPr>
-      <p:sp>
-        <p:nvSpPr>
-          <p:cNvPr id="2" name="Title 1"/>
-          <p:cNvSpPr>
-            <a:spLocks noGrp="1"/>
-          </p:cNvSpPr>
-          <p:nvPr>
-            <p:ph type="title"/>
-          </p:nvPr>
-        </p:nvSpPr>
-        <p:spPr/>
-        <p:txBody>
-          <a:bodyPr/>
-          <a:lstStyle/>
-          <a:p>
-            <a:pPr lvl="0" marL="0" indent="0">
-              <a:buNone/>
-            </a:pPr>
-            <a:r>
-              <a:rPr/>
-              <a:t>Colors,</a:t>
-            </a:r>
-            <a:r>
-              <a:rPr/>
-              <a:t> </a:t>
-            </a:r>
-            <a:r>
-              <a:rPr/>
-              <a:t>review</a:t>
-            </a:r>
-          </a:p>
-        </p:txBody>
-      </p:sp>
-      <p:sp>
-        <p:nvSpPr>
-          <p:cNvPr id="3" name="Content Placeholder 2"/>
-          <p:cNvSpPr>
-            <a:spLocks noGrp="1"/>
-          </p:cNvSpPr>
-          <p:nvPr>
-            <p:ph idx="1"/>
-          </p:nvPr>
-        </p:nvSpPr>
-        <p:spPr/>
-        <p:txBody>
-          <a:bodyPr/>
-          <a:lstStyle/>
-          <a:p>
-            <a:pPr lvl="1"/>
-            <a:r>
-              <a:rPr/>
-              <a:t>Kindergarten view of colors</a:t>
-            </a:r>
-          </a:p>
-          <a:p>
-            <a:pPr lvl="1"/>
-            <a:r>
-              <a:rPr/>
-              <a:t>RGB color system</a:t>
-            </a:r>
-          </a:p>
-          <a:p>
-            <a:pPr lvl="2"/>
-            <a:r>
-              <a:rPr/>
-              <a:t>Gradients</a:t>
-            </a:r>
-          </a:p>
-          <a:p>
-            <a:pPr lvl="1"/>
-            <a:r>
-              <a:rPr/>
-              <a:t>HSV color system</a:t>
-            </a:r>
-          </a:p>
-          <a:p>
-            <a:pPr lvl="2"/>
-            <a:r>
-              <a:rPr/>
-              <a:t>Discrete color palettes</a:t>
-            </a:r>
-          </a:p>
-          <a:p>
-            <a:pPr lvl="1"/>
-            <a:r>
-              <a:rPr/>
-              <a:t>CYMK system</a:t>
             </a:r>
           </a:p>
         </p:txBody>
@@ -19329,6 +19995,251 @@
           </p:sp>
         </mc:Choice>
       </mc:AlternateContent>
+    </p:spTree>
+  </p:cSld>
+</p:sld>
+</file>
+
+<file path=ppt/slides/slide40.xml><?xml version="1.0" encoding="utf-8"?>
+<p:sld xmlns:a="http://schemas.openxmlformats.org/drawingml/2006/main" xmlns:r="http://schemas.openxmlformats.org/officeDocument/2006/relationships" xmlns:p="http://schemas.openxmlformats.org/presentationml/2006/main">
+  <p:cSld>
+    <p:spTree>
+      <p:nvGrpSpPr>
+        <p:cNvPr id="1" name=""/>
+        <p:cNvGrpSpPr/>
+        <p:nvPr/>
+      </p:nvGrpSpPr>
+      <p:grpSpPr>
+        <a:xfrm>
+          <a:off x="0" y="0"/>
+          <a:ext cx="0" cy="0"/>
+          <a:chOff x="0" y="0"/>
+          <a:chExt cx="0" cy="0"/>
+        </a:xfrm>
+      </p:grpSpPr>
+      <p:sp>
+        <p:nvSpPr>
+          <p:cNvPr id="2" name="Title 1"/>
+          <p:cNvSpPr>
+            <a:spLocks noGrp="1"/>
+          </p:cNvSpPr>
+          <p:nvPr>
+            <p:ph type="title"/>
+          </p:nvPr>
+        </p:nvSpPr>
+        <p:spPr/>
+        <p:txBody>
+          <a:bodyPr/>
+          <a:lstStyle/>
+          <a:p>
+            <a:pPr lvl="0" marL="0" indent="0">
+              <a:buNone/>
+            </a:pPr>
+            <a:r>
+              <a:rPr/>
+              <a:t>Colors,</a:t>
+            </a:r>
+            <a:r>
+              <a:rPr/>
+              <a:t> </a:t>
+            </a:r>
+            <a:r>
+              <a:rPr/>
+              <a:t>CMYK</a:t>
+            </a:r>
+            <a:r>
+              <a:rPr/>
+              <a:t> </a:t>
+            </a:r>
+            <a:r>
+              <a:rPr/>
+              <a:t>system,</a:t>
+            </a:r>
+            <a:r>
+              <a:rPr/>
+              <a:t> </a:t>
+            </a:r>
+            <a:r>
+              <a:rPr/>
+              <a:t>Why</a:t>
+            </a:r>
+            <a:r>
+              <a:rPr/>
+              <a:t> </a:t>
+            </a:r>
+            <a:r>
+              <a:rPr/>
+              <a:t>you</a:t>
+            </a:r>
+            <a:r>
+              <a:rPr/>
+              <a:t> </a:t>
+            </a:r>
+            <a:r>
+              <a:rPr/>
+              <a:t>need</a:t>
+            </a:r>
+            <a:r>
+              <a:rPr/>
+              <a:t> </a:t>
+            </a:r>
+            <a:r>
+              <a:rPr/>
+              <a:t>black</a:t>
+            </a:r>
+          </a:p>
+        </p:txBody>
+      </p:sp>
+      <p:sp>
+        <p:nvSpPr>
+          <p:cNvPr id="3" name="Content Placeholder 2"/>
+          <p:cNvSpPr>
+            <a:spLocks noGrp="1"/>
+          </p:cNvSpPr>
+          <p:nvPr>
+            <p:ph idx="1"/>
+          </p:nvPr>
+        </p:nvSpPr>
+        <p:spPr/>
+        <p:txBody>
+          <a:bodyPr/>
+          <a:lstStyle/>
+          <a:p>
+            <a:pPr lvl="1"/>
+            <a:r>
+              <a:rPr/>
+              <a:t>Only in theory does, C+M+Y = Black</a:t>
+            </a:r>
+          </a:p>
+          <a:p>
+            <a:pPr lvl="2"/>
+            <a:r>
+              <a:rPr/>
+              <a:t>Too much ink</a:t>
+            </a:r>
+          </a:p>
+          <a:p>
+            <a:pPr lvl="2"/>
+            <a:r>
+              <a:rPr/>
+              <a:t>Dull muddy color</a:t>
+            </a:r>
+          </a:p>
+        </p:txBody>
+      </p:sp>
+    </p:spTree>
+  </p:cSld>
+</p:sld>
+</file>
+
+<file path=ppt/slides/slide41.xml><?xml version="1.0" encoding="utf-8"?>
+<p:sld xmlns:a="http://schemas.openxmlformats.org/drawingml/2006/main" xmlns:r="http://schemas.openxmlformats.org/officeDocument/2006/relationships" xmlns:p="http://schemas.openxmlformats.org/presentationml/2006/main">
+  <p:cSld>
+    <p:spTree>
+      <p:nvGrpSpPr>
+        <p:cNvPr id="1" name=""/>
+        <p:cNvGrpSpPr/>
+        <p:nvPr/>
+      </p:nvGrpSpPr>
+      <p:grpSpPr>
+        <a:xfrm>
+          <a:off x="0" y="0"/>
+          <a:ext cx="0" cy="0"/>
+          <a:chOff x="0" y="0"/>
+          <a:chExt cx="0" cy="0"/>
+        </a:xfrm>
+      </p:grpSpPr>
+      <p:sp>
+        <p:nvSpPr>
+          <p:cNvPr id="2" name="Title 1"/>
+          <p:cNvSpPr>
+            <a:spLocks noGrp="1"/>
+          </p:cNvSpPr>
+          <p:nvPr>
+            <p:ph type="title"/>
+          </p:nvPr>
+        </p:nvSpPr>
+        <p:spPr/>
+        <p:txBody>
+          <a:bodyPr/>
+          <a:lstStyle/>
+          <a:p>
+            <a:pPr lvl="0" marL="0" indent="0">
+              <a:buNone/>
+            </a:pPr>
+            <a:r>
+              <a:rPr/>
+              <a:t>Colors,</a:t>
+            </a:r>
+            <a:r>
+              <a:rPr/>
+              <a:t> </a:t>
+            </a:r>
+            <a:r>
+              <a:rPr/>
+              <a:t>review</a:t>
+            </a:r>
+          </a:p>
+        </p:txBody>
+      </p:sp>
+      <p:sp>
+        <p:nvSpPr>
+          <p:cNvPr id="3" name="Content Placeholder 2"/>
+          <p:cNvSpPr>
+            <a:spLocks noGrp="1"/>
+          </p:cNvSpPr>
+          <p:nvPr>
+            <p:ph idx="1"/>
+          </p:nvPr>
+        </p:nvSpPr>
+        <p:spPr/>
+        <p:txBody>
+          <a:bodyPr/>
+          <a:lstStyle/>
+          <a:p>
+            <a:pPr lvl="1"/>
+            <a:r>
+              <a:rPr/>
+              <a:t>Kindergarten view of colors</a:t>
+            </a:r>
+          </a:p>
+          <a:p>
+            <a:pPr lvl="1"/>
+            <a:r>
+              <a:rPr/>
+              <a:t>RGB color system</a:t>
+            </a:r>
+          </a:p>
+          <a:p>
+            <a:pPr lvl="2"/>
+            <a:r>
+              <a:rPr/>
+              <a:t>Gradients</a:t>
+            </a:r>
+          </a:p>
+          <a:p>
+            <a:pPr lvl="1"/>
+            <a:r>
+              <a:rPr/>
+              <a:t>HSV color system</a:t>
+            </a:r>
+          </a:p>
+          <a:p>
+            <a:pPr lvl="2"/>
+            <a:r>
+              <a:rPr/>
+              <a:t>Discrete color palettes</a:t>
+            </a:r>
+          </a:p>
+          <a:p>
+            <a:pPr lvl="1"/>
+            <a:r>
+              <a:rPr/>
+              <a:t>CYMK system</a:t>
+            </a:r>
+          </a:p>
+        </p:txBody>
+      </p:sp>
     </p:spTree>
   </p:cSld>
 </p:sld>

--- a/data-viz-02/component/tutorial-colors.pptx
+++ b/data-viz-02/component/tutorial-colors.pptx
@@ -5,7 +5,7 @@
     <p:sldMasterId id="2147483648" r:id="rId1"/>
   </p:sldMasterIdLst>
   <p:notesMasterIdLst>
-    <p:NotesMasterId r:id="rId43"/>
+    <p:NotesMasterId r:id="rId49"/>
   </p:notesMasterIdLst>
   <p:sldIdLst>
     <p:sldId id="256" r:id="rId2"/>
@@ -49,6 +49,12 @@
     <p:sldId id="294" r:id="rId40"/>
     <p:sldId id="295" r:id="rId41"/>
     <p:sldId id="296" r:id="rId42"/>
+    <p:sldId id="297" r:id="rId43"/>
+    <p:sldId id="298" r:id="rId44"/>
+    <p:sldId id="299" r:id="rId45"/>
+    <p:sldId id="300" r:id="rId46"/>
+    <p:sldId id="301" r:id="rId47"/>
+    <p:sldId id="302" r:id="rId48"/>
   </p:sldIdLst>
   <p:sldSz cx="9144000" cy="6858000" type="screen4x3"/>
   <p:notesSz cx="6858000" cy="9144000"/>
@@ -6459,7 +6465,7 @@
           <a:p>
             <a:fld id="{18BDFEC3-8487-43E8-A154-7C12CBC1FFF2}" type="slidenum">
               <a:rPr lang="en-US"/>
-              <a:t>26</a:t>
+              <a:t>31</a:t>
             </a:fld>
             <a:endParaRPr lang="en-US"/>
           </a:p>
@@ -6541,7 +6547,7 @@
           <a:p>
             <a:fld id="{18BDFEC3-8487-43E8-A154-7C12CBC1FFF2}" type="slidenum">
               <a:rPr lang="en-US"/>
-              <a:t>27</a:t>
+              <a:t>32</a:t>
             </a:fld>
             <a:endParaRPr lang="en-US"/>
           </a:p>
@@ -6601,519 +6607,7 @@
             </a:pPr>
             <a:r>
               <a:rPr/>
-              <a:t>When</a:t>
-            </a:r>
-            <a:r>
-              <a:rPr/>
-              <a:t> </a:t>
-            </a:r>
-            <a:r>
-              <a:rPr/>
-              <a:t>you</a:t>
-            </a:r>
-            <a:r>
-              <a:rPr/>
-              <a:t> </a:t>
-            </a:r>
-            <a:r>
-              <a:rPr/>
-              <a:t>are</a:t>
-            </a:r>
-            <a:r>
-              <a:rPr/>
-              <a:t> </a:t>
-            </a:r>
-            <a:r>
-              <a:rPr/>
-              <a:t>printing,</a:t>
-            </a:r>
-            <a:r>
-              <a:rPr/>
-              <a:t> </a:t>
-            </a:r>
-            <a:r>
-              <a:rPr/>
-              <a:t>more</a:t>
-            </a:r>
-            <a:r>
-              <a:rPr/>
-              <a:t> </a:t>
-            </a:r>
-            <a:r>
-              <a:rPr/>
-              <a:t>of</a:t>
-            </a:r>
-            <a:r>
-              <a:rPr/>
-              <a:t> </a:t>
-            </a:r>
-            <a:r>
-              <a:rPr/>
-              <a:t>something</a:t>
-            </a:r>
-            <a:r>
-              <a:rPr/>
-              <a:t> </a:t>
-            </a:r>
-            <a:r>
-              <a:rPr/>
-              <a:t>makes</a:t>
-            </a:r>
-            <a:r>
-              <a:rPr/>
-              <a:t> </a:t>
-            </a:r>
-            <a:r>
-              <a:rPr/>
-              <a:t>things</a:t>
-            </a:r>
-            <a:r>
-              <a:rPr/>
-              <a:t> </a:t>
-            </a:r>
-            <a:r>
-              <a:rPr/>
-              <a:t>darker.</a:t>
-            </a:r>
-            <a:r>
-              <a:rPr/>
-              <a:t> </a:t>
-            </a:r>
-            <a:r>
-              <a:rPr/>
-              <a:t>This</a:t>
-            </a:r>
-            <a:r>
-              <a:rPr/>
-              <a:t> </a:t>
-            </a:r>
-            <a:r>
-              <a:rPr/>
-              <a:t>is</a:t>
-            </a:r>
-            <a:r>
-              <a:rPr/>
-              <a:t> </a:t>
-            </a:r>
-            <a:r>
-              <a:rPr/>
-              <a:t>the</a:t>
-            </a:r>
-            <a:r>
-              <a:rPr/>
-              <a:t> </a:t>
-            </a:r>
-            <a:r>
-              <a:rPr/>
-              <a:t>exact</a:t>
-            </a:r>
-            <a:r>
-              <a:rPr/>
-              <a:t> </a:t>
-            </a:r>
-            <a:r>
-              <a:rPr/>
-              <a:t>opposite</a:t>
-            </a:r>
-            <a:r>
-              <a:rPr/>
-              <a:t> </a:t>
-            </a:r>
-            <a:r>
-              <a:rPr/>
-              <a:t>of</a:t>
-            </a:r>
-            <a:r>
-              <a:rPr/>
-              <a:t> </a:t>
-            </a:r>
-            <a:r>
-              <a:rPr/>
-              <a:t>a</a:t>
-            </a:r>
-            <a:r>
-              <a:rPr/>
-              <a:t> </a:t>
-            </a:r>
-            <a:r>
-              <a:rPr/>
-              <a:t>computer</a:t>
-            </a:r>
-            <a:r>
-              <a:rPr/>
-              <a:t> </a:t>
-            </a:r>
-            <a:r>
-              <a:rPr/>
-              <a:t>monitor,</a:t>
-            </a:r>
-            <a:r>
-              <a:rPr/>
-              <a:t> </a:t>
-            </a:r>
-            <a:r>
-              <a:rPr/>
-              <a:t>where</a:t>
-            </a:r>
-            <a:r>
-              <a:rPr/>
-              <a:t> </a:t>
-            </a:r>
-            <a:r>
-              <a:rPr/>
-              <a:t>more</a:t>
-            </a:r>
-            <a:r>
-              <a:rPr/>
-              <a:t> </a:t>
-            </a:r>
-            <a:r>
-              <a:rPr/>
-              <a:t>of</a:t>
-            </a:r>
-            <a:r>
-              <a:rPr/>
-              <a:t> </a:t>
-            </a:r>
-            <a:r>
-              <a:rPr/>
-              <a:t>something</a:t>
-            </a:r>
-            <a:r>
-              <a:rPr/>
-              <a:t> </a:t>
-            </a:r>
-            <a:r>
-              <a:rPr/>
-              <a:t>makes</a:t>
-            </a:r>
-            <a:r>
-              <a:rPr/>
-              <a:t> </a:t>
-            </a:r>
-            <a:r>
-              <a:rPr/>
-              <a:t>things</a:t>
-            </a:r>
-            <a:r>
-              <a:rPr/>
-              <a:t> </a:t>
-            </a:r>
-            <a:r>
-              <a:rPr/>
-              <a:t>lighter.</a:t>
-            </a:r>
-            <a:r>
-              <a:rPr/>
-              <a:t> </a:t>
-            </a:r>
-            <a:r>
-              <a:rPr/>
-              <a:t>Also,</a:t>
-            </a:r>
-            <a:r>
-              <a:rPr/>
-              <a:t> </a:t>
-            </a:r>
-            <a:r>
-              <a:rPr/>
-              <a:t>printing</a:t>
-            </a:r>
-            <a:r>
-              <a:rPr/>
-              <a:t> </a:t>
-            </a:r>
-            <a:r>
-              <a:rPr/>
-              <a:t>is</a:t>
-            </a:r>
-            <a:r>
-              <a:rPr/>
-              <a:t> </a:t>
-            </a:r>
-            <a:r>
-              <a:rPr/>
-              <a:t>typically</a:t>
-            </a:r>
-            <a:r>
-              <a:rPr/>
-              <a:t> </a:t>
-            </a:r>
-            <a:r>
-              <a:rPr/>
-              <a:t>done</a:t>
-            </a:r>
-            <a:r>
-              <a:rPr/>
-              <a:t> </a:t>
-            </a:r>
-            <a:r>
-              <a:rPr/>
-              <a:t>on</a:t>
-            </a:r>
-            <a:r>
-              <a:rPr/>
-              <a:t> </a:t>
-            </a:r>
-            <a:r>
-              <a:rPr/>
-              <a:t>a</a:t>
-            </a:r>
-            <a:r>
-              <a:rPr/>
-              <a:t> </a:t>
-            </a:r>
-            <a:r>
-              <a:rPr/>
-              <a:t>sheet</a:t>
-            </a:r>
-            <a:r>
-              <a:rPr/>
-              <a:t> </a:t>
-            </a:r>
-            <a:r>
-              <a:rPr/>
-              <a:t>of</a:t>
-            </a:r>
-            <a:r>
-              <a:rPr/>
-              <a:t> </a:t>
-            </a:r>
-            <a:r>
-              <a:rPr/>
-              <a:t>white</a:t>
-            </a:r>
-            <a:r>
-              <a:rPr/>
-              <a:t> </a:t>
-            </a:r>
-            <a:r>
-              <a:rPr/>
-              <a:t>paper,</a:t>
-            </a:r>
-            <a:r>
-              <a:rPr/>
-              <a:t> </a:t>
-            </a:r>
-            <a:r>
-              <a:rPr/>
-              <a:t>so</a:t>
-            </a:r>
-            <a:r>
-              <a:rPr/>
-              <a:t> </a:t>
-            </a:r>
-            <a:r>
-              <a:rPr/>
-              <a:t>you</a:t>
-            </a:r>
-            <a:r>
-              <a:rPr/>
-              <a:t> </a:t>
-            </a:r>
-            <a:r>
-              <a:rPr/>
-              <a:t>don’t</a:t>
-            </a:r>
-            <a:r>
-              <a:rPr/>
-              <a:t> </a:t>
-            </a:r>
-            <a:r>
-              <a:rPr/>
-              <a:t>need</a:t>
-            </a:r>
-            <a:r>
-              <a:rPr/>
-              <a:t> </a:t>
-            </a:r>
-            <a:r>
-              <a:rPr/>
-              <a:t>to</a:t>
-            </a:r>
-            <a:r>
-              <a:rPr/>
-              <a:t> </a:t>
-            </a:r>
-            <a:r>
-              <a:rPr/>
-              <a:t>put</a:t>
-            </a:r>
-            <a:r>
-              <a:rPr/>
-              <a:t> </a:t>
-            </a:r>
-            <a:r>
-              <a:rPr/>
-              <a:t>any</a:t>
-            </a:r>
-            <a:r>
-              <a:rPr/>
-              <a:t> </a:t>
-            </a:r>
-            <a:r>
-              <a:rPr/>
-              <a:t>ink</a:t>
-            </a:r>
-            <a:r>
-              <a:rPr/>
-              <a:t> </a:t>
-            </a:r>
-            <a:r>
-              <a:rPr/>
-              <a:t>down</a:t>
-            </a:r>
-            <a:r>
-              <a:rPr/>
-              <a:t> </a:t>
-            </a:r>
-            <a:r>
-              <a:rPr/>
-              <a:t>in</a:t>
-            </a:r>
-            <a:r>
-              <a:rPr/>
-              <a:t> </a:t>
-            </a:r>
-            <a:r>
-              <a:rPr/>
-              <a:t>areas</a:t>
-            </a:r>
-            <a:r>
-              <a:rPr/>
-              <a:t> </a:t>
-            </a:r>
-            <a:r>
-              <a:rPr/>
-              <a:t>that</a:t>
-            </a:r>
-            <a:r>
-              <a:rPr/>
-              <a:t> </a:t>
-            </a:r>
-            <a:r>
-              <a:rPr/>
-              <a:t>are</a:t>
-            </a:r>
-            <a:r>
-              <a:rPr/>
-              <a:t> </a:t>
-            </a:r>
-            <a:r>
-              <a:rPr/>
-              <a:t>pure</a:t>
-            </a:r>
-            <a:r>
-              <a:rPr/>
-              <a:t> </a:t>
-            </a:r>
-            <a:r>
-              <a:rPr/>
-              <a:t>white</a:t>
-            </a:r>
-            <a:r>
-              <a:rPr/>
-              <a:t> </a:t>
-            </a:r>
-            <a:r>
-              <a:rPr/>
-              <a:t>and</a:t>
-            </a:r>
-            <a:r>
-              <a:rPr/>
-              <a:t> </a:t>
-            </a:r>
-            <a:r>
-              <a:rPr/>
-              <a:t>you</a:t>
-            </a:r>
-            <a:r>
-              <a:rPr/>
-              <a:t> </a:t>
-            </a:r>
-            <a:r>
-              <a:rPr/>
-              <a:t>put</a:t>
-            </a:r>
-            <a:r>
-              <a:rPr/>
-              <a:t> </a:t>
-            </a:r>
-            <a:r>
-              <a:rPr/>
-              <a:t>very</a:t>
-            </a:r>
-            <a:r>
-              <a:rPr/>
-              <a:t> </a:t>
-            </a:r>
-            <a:r>
-              <a:rPr/>
-              <a:t>little</a:t>
-            </a:r>
-            <a:r>
-              <a:rPr/>
-              <a:t> </a:t>
-            </a:r>
-            <a:r>
-              <a:rPr/>
-              <a:t>ink</a:t>
-            </a:r>
-            <a:r>
-              <a:rPr/>
-              <a:t> </a:t>
-            </a:r>
-            <a:r>
-              <a:rPr/>
-              <a:t>down</a:t>
-            </a:r>
-            <a:r>
-              <a:rPr/>
-              <a:t> </a:t>
-            </a:r>
-            <a:r>
-              <a:rPr/>
-              <a:t>in</a:t>
-            </a:r>
-            <a:r>
-              <a:rPr/>
-              <a:t> </a:t>
-            </a:r>
-            <a:r>
-              <a:rPr/>
-              <a:t>areas</a:t>
-            </a:r>
-            <a:r>
-              <a:rPr/>
-              <a:t> </a:t>
-            </a:r>
-            <a:r>
-              <a:rPr/>
-              <a:t>that</a:t>
-            </a:r>
-            <a:r>
-              <a:rPr/>
-              <a:t> </a:t>
-            </a:r>
-            <a:r>
-              <a:rPr/>
-              <a:t>are</a:t>
-            </a:r>
-            <a:r>
-              <a:rPr/>
-              <a:t> </a:t>
-            </a:r>
-            <a:r>
-              <a:rPr/>
-              <a:t>nearly</a:t>
-            </a:r>
-            <a:r>
-              <a:rPr/>
-              <a:t> </a:t>
-            </a:r>
-            <a:r>
-              <a:rPr/>
-              <a:t>white.</a:t>
+              <a:t>https://help.tableau.com/current/pro/desktop/en-us/viewparts_marks_markproperties_color.htm</a:t>
             </a:r>
           </a:p>
         </p:txBody>
@@ -7135,7 +6629,7 @@
           <a:p>
             <a:fld id="{18BDFEC3-8487-43E8-A154-7C12CBC1FFF2}" type="slidenum">
               <a:rPr lang="en-US"/>
-              <a:t>38</a:t>
+              <a:t>33</a:t>
             </a:fld>
             <a:endParaRPr lang="en-US"/>
           </a:p>
@@ -7195,103 +6689,149 @@
             </a:pPr>
             <a:r>
               <a:rPr/>
-              <a:t>The</a:t>
-            </a:r>
-            <a:r>
-              <a:rPr/>
-              <a:t> </a:t>
-            </a:r>
-            <a:r>
-              <a:rPr/>
-              <a:t>kindergarten</a:t>
-            </a:r>
-            <a:r>
-              <a:rPr/>
-              <a:t> </a:t>
-            </a:r>
-            <a:r>
-              <a:rPr/>
-              <a:t>view</a:t>
-            </a:r>
-            <a:r>
-              <a:rPr/>
-              <a:t> </a:t>
-            </a:r>
-            <a:r>
-              <a:rPr/>
-              <a:t>of</a:t>
-            </a:r>
-            <a:r>
-              <a:rPr/>
-              <a:t> </a:t>
-            </a:r>
-            <a:r>
-              <a:rPr/>
-              <a:t>colors</a:t>
-            </a:r>
-            <a:r>
-              <a:rPr/>
-              <a:t> </a:t>
-            </a:r>
-            <a:r>
-              <a:rPr/>
-              <a:t>(red</a:t>
-            </a:r>
-            <a:r>
-              <a:rPr/>
-              <a:t> </a:t>
-            </a:r>
-            <a:r>
-              <a:rPr/>
-              <a:t>plus</a:t>
-            </a:r>
-            <a:r>
-              <a:rPr/>
-              <a:t> </a:t>
-            </a:r>
-            <a:r>
-              <a:rPr/>
-              <a:t>yellow</a:t>
-            </a:r>
-            <a:r>
-              <a:rPr/>
-              <a:t> </a:t>
-            </a:r>
-            <a:r>
-              <a:rPr/>
-              <a:t>equals</a:t>
-            </a:r>
-            <a:r>
-              <a:rPr/>
-              <a:t> </a:t>
-            </a:r>
-            <a:r>
-              <a:rPr/>
-              <a:t>orange)</a:t>
-            </a:r>
-            <a:r>
-              <a:rPr/>
-              <a:t> </a:t>
-            </a:r>
-            <a:r>
-              <a:rPr/>
-              <a:t>doesn’t</a:t>
-            </a:r>
-            <a:r>
-              <a:rPr/>
-              <a:t> </a:t>
-            </a:r>
-            <a:r>
-              <a:rPr/>
-              <a:t>work</a:t>
-            </a:r>
-            <a:r>
-              <a:rPr/>
-              <a:t> </a:t>
-            </a:r>
-            <a:r>
-              <a:rPr/>
-              <a:t>on</a:t>
+              <a:t>Another</a:t>
+            </a:r>
+            <a:r>
+              <a:rPr/>
+              <a:t> </a:t>
+            </a:r>
+            <a:r>
+              <a:rPr/>
+              <a:t>color</a:t>
+            </a:r>
+            <a:r>
+              <a:rPr/>
+              <a:t> </a:t>
+            </a:r>
+            <a:r>
+              <a:rPr/>
+              <a:t>system</a:t>
+            </a:r>
+            <a:r>
+              <a:rPr/>
+              <a:t> </a:t>
+            </a:r>
+            <a:r>
+              <a:rPr/>
+              <a:t>is</a:t>
+            </a:r>
+            <a:r>
+              <a:rPr/>
+              <a:t> </a:t>
+            </a:r>
+            <a:r>
+              <a:rPr/>
+              <a:t>the</a:t>
+            </a:r>
+            <a:r>
+              <a:rPr/>
+              <a:t> </a:t>
+            </a:r>
+            <a:r>
+              <a:rPr/>
+              <a:t>HCL</a:t>
+            </a:r>
+            <a:r>
+              <a:rPr/>
+              <a:t> </a:t>
+            </a:r>
+            <a:r>
+              <a:rPr/>
+              <a:t>system.</a:t>
+            </a:r>
+            <a:r>
+              <a:rPr/>
+              <a:t> </a:t>
+            </a:r>
+            <a:r>
+              <a:rPr/>
+              <a:t>It</a:t>
+            </a:r>
+            <a:r>
+              <a:rPr/>
+              <a:t> </a:t>
+            </a:r>
+            <a:r>
+              <a:rPr/>
+              <a:t>is</a:t>
+            </a:r>
+            <a:r>
+              <a:rPr/>
+              <a:t> </a:t>
+            </a:r>
+            <a:r>
+              <a:rPr/>
+              <a:t>very</a:t>
+            </a:r>
+            <a:r>
+              <a:rPr/>
+              <a:t> </a:t>
+            </a:r>
+            <a:r>
+              <a:rPr/>
+              <a:t>similar</a:t>
+            </a:r>
+            <a:r>
+              <a:rPr/>
+              <a:t> </a:t>
+            </a:r>
+            <a:r>
+              <a:rPr/>
+              <a:t>to</a:t>
+            </a:r>
+            <a:r>
+              <a:rPr/>
+              <a:t> </a:t>
+            </a:r>
+            <a:r>
+              <a:rPr/>
+              <a:t>standards</a:t>
+            </a:r>
+            <a:r>
+              <a:rPr/>
+              <a:t> </a:t>
+            </a:r>
+            <a:r>
+              <a:rPr/>
+              <a:t>CIE-LUV</a:t>
+            </a:r>
+            <a:r>
+              <a:rPr/>
+              <a:t> </a:t>
+            </a:r>
+            <a:r>
+              <a:rPr/>
+              <a:t>and</a:t>
+            </a:r>
+            <a:r>
+              <a:rPr/>
+              <a:t> </a:t>
+            </a:r>
+            <a:r>
+              <a:rPr/>
+              <a:t>CIE-LAB.</a:t>
+            </a:r>
+          </a:p>
+          <a:p>
+            <a:pPr lvl="0" marL="0" indent="0">
+              <a:buNone/>
+            </a:pPr>
+          </a:p>
+          <a:p>
+            <a:pPr lvl="0" marL="0" indent="0">
+              <a:buNone/>
+            </a:pPr>
+            <a:r>
+              <a:rPr/>
+              <a:t>It</a:t>
+            </a:r>
+            <a:r>
+              <a:rPr/>
+              <a:t> </a:t>
+            </a:r>
+            <a:r>
+              <a:rPr/>
+              <a:t>has</a:t>
             </a:r>
             <a:r>
               <a:rPr/>
@@ -7307,383 +6847,31 @@
             </a:r>
             <a:r>
               <a:rPr/>
-              <a:t>computer</a:t>
-            </a:r>
-            <a:r>
-              <a:rPr/>
-              <a:t> </a:t>
-            </a:r>
-            <a:r>
-              <a:rPr/>
-              <a:t>screen</a:t>
-            </a:r>
-            <a:r>
-              <a:rPr/>
-              <a:t> </a:t>
-            </a:r>
-            <a:r>
-              <a:rPr/>
-              <a:t>because</a:t>
-            </a:r>
-            <a:r>
-              <a:rPr/>
-              <a:t> </a:t>
-            </a:r>
-            <a:r>
-              <a:rPr/>
-              <a:t>the</a:t>
-            </a:r>
-            <a:r>
-              <a:rPr/>
-              <a:t> </a:t>
-            </a:r>
-            <a:r>
-              <a:rPr/>
-              <a:t>screen</a:t>
-            </a:r>
-            <a:r>
-              <a:rPr/>
-              <a:t> </a:t>
-            </a:r>
-            <a:r>
-              <a:rPr/>
-              <a:t>uses</a:t>
-            </a:r>
-            <a:r>
-              <a:rPr/>
-              <a:t> </a:t>
-            </a:r>
-            <a:r>
-              <a:rPr/>
-              <a:t>mixtures</a:t>
-            </a:r>
-            <a:r>
-              <a:rPr/>
-              <a:t> </a:t>
-            </a:r>
-            <a:r>
-              <a:rPr/>
-              <a:t>of</a:t>
-            </a:r>
-            <a:r>
-              <a:rPr/>
-              <a:t> </a:t>
-            </a:r>
-            <a:r>
-              <a:rPr/>
-              <a:t>light</a:t>
-            </a:r>
-            <a:r>
-              <a:rPr/>
-              <a:t> </a:t>
-            </a:r>
-            <a:r>
-              <a:rPr/>
-              <a:t>to</a:t>
-            </a:r>
-            <a:r>
-              <a:rPr/>
-              <a:t> </a:t>
-            </a:r>
-            <a:r>
-              <a:rPr/>
-              <a:t>combine</a:t>
-            </a:r>
-            <a:r>
-              <a:rPr/>
-              <a:t> </a:t>
-            </a:r>
-            <a:r>
-              <a:rPr/>
-              <a:t>colors.</a:t>
-            </a:r>
-            <a:r>
-              <a:rPr/>
-              <a:t> </a:t>
-            </a:r>
-            <a:r>
-              <a:rPr/>
-              <a:t>We</a:t>
-            </a:r>
-            <a:r>
-              <a:rPr/>
-              <a:t> </a:t>
-            </a:r>
-            <a:r>
-              <a:rPr/>
-              <a:t>covered</a:t>
-            </a:r>
-            <a:r>
-              <a:rPr/>
-              <a:t> </a:t>
-            </a:r>
-            <a:r>
-              <a:rPr/>
-              <a:t>the</a:t>
-            </a:r>
-            <a:r>
-              <a:rPr/>
-              <a:t> </a:t>
-            </a:r>
-            <a:r>
-              <a:rPr/>
-              <a:t>RGB</a:t>
-            </a:r>
-            <a:r>
-              <a:rPr/>
-              <a:t> </a:t>
-            </a:r>
-            <a:r>
-              <a:rPr/>
-              <a:t>system</a:t>
-            </a:r>
-            <a:r>
-              <a:rPr/>
-              <a:t> </a:t>
-            </a:r>
-            <a:r>
-              <a:rPr/>
-              <a:t>including</a:t>
-            </a:r>
-            <a:r>
-              <a:rPr/>
-              <a:t> </a:t>
-            </a:r>
-            <a:r>
-              <a:rPr/>
-              <a:t>how</a:t>
-            </a:r>
-            <a:r>
-              <a:rPr/>
-              <a:t> </a:t>
-            </a:r>
-            <a:r>
-              <a:rPr/>
-              <a:t>to</a:t>
-            </a:r>
-            <a:r>
-              <a:rPr/>
-              <a:t> </a:t>
-            </a:r>
-            <a:r>
-              <a:rPr/>
-              <a:t>create</a:t>
-            </a:r>
-            <a:r>
-              <a:rPr/>
-              <a:t> </a:t>
-            </a:r>
-            <a:r>
-              <a:rPr/>
-              <a:t>gradients.</a:t>
-            </a:r>
-            <a:r>
-              <a:rPr/>
-              <a:t> </a:t>
-            </a:r>
-            <a:r>
-              <a:rPr/>
-              <a:t>The</a:t>
-            </a:r>
-            <a:r>
-              <a:rPr/>
-              <a:t> </a:t>
-            </a:r>
-            <a:r>
-              <a:rPr/>
-              <a:t>HSV</a:t>
-            </a:r>
-            <a:r>
-              <a:rPr/>
-              <a:t> </a:t>
-            </a:r>
-            <a:r>
-              <a:rPr/>
-              <a:t>system</a:t>
-            </a:r>
-            <a:r>
-              <a:rPr/>
-              <a:t> </a:t>
-            </a:r>
-            <a:r>
-              <a:rPr/>
-              <a:t>provides</a:t>
-            </a:r>
-            <a:r>
-              <a:rPr/>
-              <a:t> </a:t>
-            </a:r>
-            <a:r>
-              <a:rPr/>
-              <a:t>a</a:t>
-            </a:r>
-            <a:r>
-              <a:rPr/>
-              <a:t> </a:t>
-            </a:r>
-            <a:r>
-              <a:rPr/>
-              <a:t>more</a:t>
-            </a:r>
-            <a:r>
-              <a:rPr/>
-              <a:t> </a:t>
-            </a:r>
-            <a:r>
-              <a:rPr/>
-              <a:t>intuitive</a:t>
-            </a:r>
-            <a:r>
-              <a:rPr/>
-              <a:t> </a:t>
-            </a:r>
-            <a:r>
-              <a:rPr/>
-              <a:t>description</a:t>
-            </a:r>
-            <a:r>
-              <a:rPr/>
-              <a:t> </a:t>
-            </a:r>
-            <a:r>
-              <a:rPr/>
-              <a:t>of</a:t>
-            </a:r>
-            <a:r>
-              <a:rPr/>
-              <a:t> </a:t>
-            </a:r>
-            <a:r>
-              <a:rPr/>
-              <a:t>colors,</a:t>
-            </a:r>
-            <a:r>
-              <a:rPr/>
-              <a:t> </a:t>
-            </a:r>
-            <a:r>
-              <a:rPr/>
-              <a:t>while</a:t>
-            </a:r>
-            <a:r>
-              <a:rPr/>
-              <a:t> </a:t>
-            </a:r>
-            <a:r>
-              <a:rPr/>
-              <a:t>CMYK</a:t>
-            </a:r>
-            <a:r>
-              <a:rPr/>
-              <a:t> </a:t>
-            </a:r>
-            <a:r>
-              <a:rPr/>
-              <a:t>is</a:t>
-            </a:r>
-            <a:r>
-              <a:rPr/>
-              <a:t> </a:t>
-            </a:r>
-            <a:r>
-              <a:rPr/>
-              <a:t>used</a:t>
-            </a:r>
-            <a:r>
-              <a:rPr/>
-              <a:t> </a:t>
-            </a:r>
-            <a:r>
-              <a:rPr/>
-              <a:t>when</a:t>
-            </a:r>
-            <a:r>
-              <a:rPr/>
-              <a:t> </a:t>
-            </a:r>
-            <a:r>
-              <a:rPr/>
-              <a:t>printing,</a:t>
-            </a:r>
-            <a:r>
-              <a:rPr/>
-              <a:t> </a:t>
-            </a:r>
-            <a:r>
-              <a:rPr/>
-              <a:t>where</a:t>
-            </a:r>
-            <a:r>
-              <a:rPr/>
-              <a:t> </a:t>
-            </a:r>
-            <a:r>
-              <a:rPr/>
-              <a:t>a</a:t>
-            </a:r>
-            <a:r>
-              <a:rPr/>
-              <a:t> </a:t>
-            </a:r>
-            <a:r>
-              <a:rPr/>
-              <a:t>substractive</a:t>
-            </a:r>
-            <a:r>
-              <a:rPr/>
-              <a:t> </a:t>
-            </a:r>
-            <a:r>
-              <a:rPr/>
-              <a:t>rather</a:t>
-            </a:r>
-            <a:r>
-              <a:rPr/>
-              <a:t> </a:t>
-            </a:r>
-            <a:r>
-              <a:rPr/>
-              <a:t>than</a:t>
-            </a:r>
-            <a:r>
-              <a:rPr/>
-              <a:t> </a:t>
-            </a:r>
-            <a:r>
-              <a:rPr/>
-              <a:t>additive</a:t>
-            </a:r>
-            <a:r>
-              <a:rPr/>
-              <a:t> </a:t>
-            </a:r>
-            <a:r>
-              <a:rPr/>
-              <a:t>color</a:t>
-            </a:r>
-            <a:r>
-              <a:rPr/>
-              <a:t> </a:t>
-            </a:r>
-            <a:r>
-              <a:rPr/>
-              <a:t>system</a:t>
-            </a:r>
-            <a:r>
-              <a:rPr/>
-              <a:t> </a:t>
-            </a:r>
-            <a:r>
-              <a:rPr/>
-              <a:t>is</a:t>
-            </a:r>
-            <a:r>
-              <a:rPr/>
-              <a:t> </a:t>
-            </a:r>
-            <a:r>
-              <a:rPr/>
-              <a:t>needed.</a:t>
+              <a:t>hue</a:t>
+            </a:r>
+            <a:r>
+              <a:rPr/>
+              <a:t> </a:t>
+            </a:r>
+            <a:r>
+              <a:rPr/>
+              <a:t>value,</a:t>
+            </a:r>
+            <a:r>
+              <a:rPr/>
+              <a:t> </a:t>
+            </a:r>
+            <a:r>
+              <a:rPr/>
+              <a:t>just</a:t>
+            </a:r>
+            <a:r>
+              <a:rPr/>
+              <a:t> </a:t>
+            </a:r>
+            <a:r>
+              <a:rPr/>
+              <a:t>like</a:t>
             </a:r>
           </a:p>
         </p:txBody>
@@ -7705,7 +6893,1171 @@
           <a:p>
             <a:fld id="{18BDFEC3-8487-43E8-A154-7C12CBC1FFF2}" type="slidenum">
               <a:rPr lang="en-US"/>
-              <a:t>41</a:t>
+              <a:t>39</a:t>
+            </a:fld>
+            <a:endParaRPr lang="en-US"/>
+          </a:p>
+        </p:txBody>
+      </p:sp>
+    </p:spTree>
+  </p:cSld>
+</p:notes>
+</file>
+
+<file path=ppt/notesSlides/notesSlide28.xml><?xml version="1.0" encoding="utf-8"?>
+<p:notes xmlns:a="http://schemas.openxmlformats.org/drawingml/2006/main" xmlns:r="http://schemas.openxmlformats.org/officeDocument/2006/relationships" xmlns:p="http://schemas.openxmlformats.org/presentationml/2006/main">
+  <p:cSld>
+    <p:spTree>
+      <p:nvGrpSpPr>
+        <p:cNvPr id="1" name=""/>
+        <p:cNvGrpSpPr/>
+        <p:nvPr/>
+      </p:nvGrpSpPr>
+      <p:grpSpPr>
+        <a:xfrm>
+          <a:off x="0" y="0"/>
+          <a:ext cx="0" cy="0"/>
+          <a:chOff x="0" y="0"/>
+          <a:chExt cx="0" cy="0"/>
+        </a:xfrm>
+      </p:grpSpPr>
+      <p:sp>
+        <p:nvSpPr>
+          <p:cNvPr id="2" name="Slide Image Placeholder 1"/>
+          <p:cNvSpPr>
+            <a:spLocks noGrp="1" noRot="1" noChangeAspect="1"/>
+          </p:cNvSpPr>
+          <p:nvPr>
+            <p:ph type="sldImg"/>
+          </p:nvPr>
+        </p:nvSpPr>
+        <p:spPr/>
+      </p:sp>
+      <p:sp>
+        <p:nvSpPr>
+          <p:cNvPr id="3" name="Notes Placeholder 2"/>
+          <p:cNvSpPr>
+            <a:spLocks noGrp="1"/>
+          </p:cNvSpPr>
+          <p:nvPr>
+            <p:ph type="body" idx="1"/>
+          </p:nvPr>
+        </p:nvSpPr>
+        <p:spPr/>
+        <p:txBody>
+          <a:bodyPr/>
+          <a:lstStyle/>
+          <a:p>
+            <a:pPr lvl="0" marL="0" indent="0">
+              <a:buNone/>
+            </a:pPr>
+            <a:r>
+              <a:rPr/>
+              <a:t>When</a:t>
+            </a:r>
+            <a:r>
+              <a:rPr/>
+              <a:t> </a:t>
+            </a:r>
+            <a:r>
+              <a:rPr/>
+              <a:t>you</a:t>
+            </a:r>
+            <a:r>
+              <a:rPr/>
+              <a:t> </a:t>
+            </a:r>
+            <a:r>
+              <a:rPr/>
+              <a:t>are</a:t>
+            </a:r>
+            <a:r>
+              <a:rPr/>
+              <a:t> </a:t>
+            </a:r>
+            <a:r>
+              <a:rPr/>
+              <a:t>printing,</a:t>
+            </a:r>
+            <a:r>
+              <a:rPr/>
+              <a:t> </a:t>
+            </a:r>
+            <a:r>
+              <a:rPr/>
+              <a:t>more</a:t>
+            </a:r>
+            <a:r>
+              <a:rPr/>
+              <a:t> </a:t>
+            </a:r>
+            <a:r>
+              <a:rPr/>
+              <a:t>of</a:t>
+            </a:r>
+            <a:r>
+              <a:rPr/>
+              <a:t> </a:t>
+            </a:r>
+            <a:r>
+              <a:rPr/>
+              <a:t>something</a:t>
+            </a:r>
+            <a:r>
+              <a:rPr/>
+              <a:t> </a:t>
+            </a:r>
+            <a:r>
+              <a:rPr/>
+              <a:t>makes</a:t>
+            </a:r>
+            <a:r>
+              <a:rPr/>
+              <a:t> </a:t>
+            </a:r>
+            <a:r>
+              <a:rPr/>
+              <a:t>things</a:t>
+            </a:r>
+            <a:r>
+              <a:rPr/>
+              <a:t> </a:t>
+            </a:r>
+            <a:r>
+              <a:rPr/>
+              <a:t>darker.</a:t>
+            </a:r>
+            <a:r>
+              <a:rPr/>
+              <a:t> </a:t>
+            </a:r>
+            <a:r>
+              <a:rPr/>
+              <a:t>This</a:t>
+            </a:r>
+            <a:r>
+              <a:rPr/>
+              <a:t> </a:t>
+            </a:r>
+            <a:r>
+              <a:rPr/>
+              <a:t>is</a:t>
+            </a:r>
+            <a:r>
+              <a:rPr/>
+              <a:t> </a:t>
+            </a:r>
+            <a:r>
+              <a:rPr/>
+              <a:t>the</a:t>
+            </a:r>
+            <a:r>
+              <a:rPr/>
+              <a:t> </a:t>
+            </a:r>
+            <a:r>
+              <a:rPr/>
+              <a:t>exact</a:t>
+            </a:r>
+            <a:r>
+              <a:rPr/>
+              <a:t> </a:t>
+            </a:r>
+            <a:r>
+              <a:rPr/>
+              <a:t>opposite</a:t>
+            </a:r>
+            <a:r>
+              <a:rPr/>
+              <a:t> </a:t>
+            </a:r>
+            <a:r>
+              <a:rPr/>
+              <a:t>of</a:t>
+            </a:r>
+            <a:r>
+              <a:rPr/>
+              <a:t> </a:t>
+            </a:r>
+            <a:r>
+              <a:rPr/>
+              <a:t>a</a:t>
+            </a:r>
+            <a:r>
+              <a:rPr/>
+              <a:t> </a:t>
+            </a:r>
+            <a:r>
+              <a:rPr/>
+              <a:t>computer</a:t>
+            </a:r>
+            <a:r>
+              <a:rPr/>
+              <a:t> </a:t>
+            </a:r>
+            <a:r>
+              <a:rPr/>
+              <a:t>monitor,</a:t>
+            </a:r>
+            <a:r>
+              <a:rPr/>
+              <a:t> </a:t>
+            </a:r>
+            <a:r>
+              <a:rPr/>
+              <a:t>where</a:t>
+            </a:r>
+            <a:r>
+              <a:rPr/>
+              <a:t> </a:t>
+            </a:r>
+            <a:r>
+              <a:rPr/>
+              <a:t>more</a:t>
+            </a:r>
+            <a:r>
+              <a:rPr/>
+              <a:t> </a:t>
+            </a:r>
+            <a:r>
+              <a:rPr/>
+              <a:t>of</a:t>
+            </a:r>
+            <a:r>
+              <a:rPr/>
+              <a:t> </a:t>
+            </a:r>
+            <a:r>
+              <a:rPr/>
+              <a:t>something</a:t>
+            </a:r>
+            <a:r>
+              <a:rPr/>
+              <a:t> </a:t>
+            </a:r>
+            <a:r>
+              <a:rPr/>
+              <a:t>makes</a:t>
+            </a:r>
+            <a:r>
+              <a:rPr/>
+              <a:t> </a:t>
+            </a:r>
+            <a:r>
+              <a:rPr/>
+              <a:t>things</a:t>
+            </a:r>
+            <a:r>
+              <a:rPr/>
+              <a:t> </a:t>
+            </a:r>
+            <a:r>
+              <a:rPr/>
+              <a:t>lighter.</a:t>
+            </a:r>
+            <a:r>
+              <a:rPr/>
+              <a:t> </a:t>
+            </a:r>
+            <a:r>
+              <a:rPr/>
+              <a:t>Also,</a:t>
+            </a:r>
+            <a:r>
+              <a:rPr/>
+              <a:t> </a:t>
+            </a:r>
+            <a:r>
+              <a:rPr/>
+              <a:t>printing</a:t>
+            </a:r>
+            <a:r>
+              <a:rPr/>
+              <a:t> </a:t>
+            </a:r>
+            <a:r>
+              <a:rPr/>
+              <a:t>is</a:t>
+            </a:r>
+            <a:r>
+              <a:rPr/>
+              <a:t> </a:t>
+            </a:r>
+            <a:r>
+              <a:rPr/>
+              <a:t>typically</a:t>
+            </a:r>
+            <a:r>
+              <a:rPr/>
+              <a:t> </a:t>
+            </a:r>
+            <a:r>
+              <a:rPr/>
+              <a:t>done</a:t>
+            </a:r>
+            <a:r>
+              <a:rPr/>
+              <a:t> </a:t>
+            </a:r>
+            <a:r>
+              <a:rPr/>
+              <a:t>on</a:t>
+            </a:r>
+            <a:r>
+              <a:rPr/>
+              <a:t> </a:t>
+            </a:r>
+            <a:r>
+              <a:rPr/>
+              <a:t>a</a:t>
+            </a:r>
+            <a:r>
+              <a:rPr/>
+              <a:t> </a:t>
+            </a:r>
+            <a:r>
+              <a:rPr/>
+              <a:t>sheet</a:t>
+            </a:r>
+            <a:r>
+              <a:rPr/>
+              <a:t> </a:t>
+            </a:r>
+            <a:r>
+              <a:rPr/>
+              <a:t>of</a:t>
+            </a:r>
+            <a:r>
+              <a:rPr/>
+              <a:t> </a:t>
+            </a:r>
+            <a:r>
+              <a:rPr/>
+              <a:t>white</a:t>
+            </a:r>
+            <a:r>
+              <a:rPr/>
+              <a:t> </a:t>
+            </a:r>
+            <a:r>
+              <a:rPr/>
+              <a:t>paper,</a:t>
+            </a:r>
+            <a:r>
+              <a:rPr/>
+              <a:t> </a:t>
+            </a:r>
+            <a:r>
+              <a:rPr/>
+              <a:t>so</a:t>
+            </a:r>
+            <a:r>
+              <a:rPr/>
+              <a:t> </a:t>
+            </a:r>
+            <a:r>
+              <a:rPr/>
+              <a:t>you</a:t>
+            </a:r>
+            <a:r>
+              <a:rPr/>
+              <a:t> </a:t>
+            </a:r>
+            <a:r>
+              <a:rPr/>
+              <a:t>don’t</a:t>
+            </a:r>
+            <a:r>
+              <a:rPr/>
+              <a:t> </a:t>
+            </a:r>
+            <a:r>
+              <a:rPr/>
+              <a:t>need</a:t>
+            </a:r>
+            <a:r>
+              <a:rPr/>
+              <a:t> </a:t>
+            </a:r>
+            <a:r>
+              <a:rPr/>
+              <a:t>to</a:t>
+            </a:r>
+            <a:r>
+              <a:rPr/>
+              <a:t> </a:t>
+            </a:r>
+            <a:r>
+              <a:rPr/>
+              <a:t>put</a:t>
+            </a:r>
+            <a:r>
+              <a:rPr/>
+              <a:t> </a:t>
+            </a:r>
+            <a:r>
+              <a:rPr/>
+              <a:t>any</a:t>
+            </a:r>
+            <a:r>
+              <a:rPr/>
+              <a:t> </a:t>
+            </a:r>
+            <a:r>
+              <a:rPr/>
+              <a:t>ink</a:t>
+            </a:r>
+            <a:r>
+              <a:rPr/>
+              <a:t> </a:t>
+            </a:r>
+            <a:r>
+              <a:rPr/>
+              <a:t>down</a:t>
+            </a:r>
+            <a:r>
+              <a:rPr/>
+              <a:t> </a:t>
+            </a:r>
+            <a:r>
+              <a:rPr/>
+              <a:t>in</a:t>
+            </a:r>
+            <a:r>
+              <a:rPr/>
+              <a:t> </a:t>
+            </a:r>
+            <a:r>
+              <a:rPr/>
+              <a:t>areas</a:t>
+            </a:r>
+            <a:r>
+              <a:rPr/>
+              <a:t> </a:t>
+            </a:r>
+            <a:r>
+              <a:rPr/>
+              <a:t>that</a:t>
+            </a:r>
+            <a:r>
+              <a:rPr/>
+              <a:t> </a:t>
+            </a:r>
+            <a:r>
+              <a:rPr/>
+              <a:t>are</a:t>
+            </a:r>
+            <a:r>
+              <a:rPr/>
+              <a:t> </a:t>
+            </a:r>
+            <a:r>
+              <a:rPr/>
+              <a:t>pure</a:t>
+            </a:r>
+            <a:r>
+              <a:rPr/>
+              <a:t> </a:t>
+            </a:r>
+            <a:r>
+              <a:rPr/>
+              <a:t>white</a:t>
+            </a:r>
+            <a:r>
+              <a:rPr/>
+              <a:t> </a:t>
+            </a:r>
+            <a:r>
+              <a:rPr/>
+              <a:t>and</a:t>
+            </a:r>
+            <a:r>
+              <a:rPr/>
+              <a:t> </a:t>
+            </a:r>
+            <a:r>
+              <a:rPr/>
+              <a:t>you</a:t>
+            </a:r>
+            <a:r>
+              <a:rPr/>
+              <a:t> </a:t>
+            </a:r>
+            <a:r>
+              <a:rPr/>
+              <a:t>put</a:t>
+            </a:r>
+            <a:r>
+              <a:rPr/>
+              <a:t> </a:t>
+            </a:r>
+            <a:r>
+              <a:rPr/>
+              <a:t>very</a:t>
+            </a:r>
+            <a:r>
+              <a:rPr/>
+              <a:t> </a:t>
+            </a:r>
+            <a:r>
+              <a:rPr/>
+              <a:t>little</a:t>
+            </a:r>
+            <a:r>
+              <a:rPr/>
+              <a:t> </a:t>
+            </a:r>
+            <a:r>
+              <a:rPr/>
+              <a:t>ink</a:t>
+            </a:r>
+            <a:r>
+              <a:rPr/>
+              <a:t> </a:t>
+            </a:r>
+            <a:r>
+              <a:rPr/>
+              <a:t>down</a:t>
+            </a:r>
+            <a:r>
+              <a:rPr/>
+              <a:t> </a:t>
+            </a:r>
+            <a:r>
+              <a:rPr/>
+              <a:t>in</a:t>
+            </a:r>
+            <a:r>
+              <a:rPr/>
+              <a:t> </a:t>
+            </a:r>
+            <a:r>
+              <a:rPr/>
+              <a:t>areas</a:t>
+            </a:r>
+            <a:r>
+              <a:rPr/>
+              <a:t> </a:t>
+            </a:r>
+            <a:r>
+              <a:rPr/>
+              <a:t>that</a:t>
+            </a:r>
+            <a:r>
+              <a:rPr/>
+              <a:t> </a:t>
+            </a:r>
+            <a:r>
+              <a:rPr/>
+              <a:t>are</a:t>
+            </a:r>
+            <a:r>
+              <a:rPr/>
+              <a:t> </a:t>
+            </a:r>
+            <a:r>
+              <a:rPr/>
+              <a:t>nearly</a:t>
+            </a:r>
+            <a:r>
+              <a:rPr/>
+              <a:t> </a:t>
+            </a:r>
+            <a:r>
+              <a:rPr/>
+              <a:t>white.</a:t>
+            </a:r>
+          </a:p>
+        </p:txBody>
+      </p:sp>
+      <p:sp>
+        <p:nvSpPr>
+          <p:cNvPr id="4" name="Slide Number Placeholder 3"/>
+          <p:cNvSpPr>
+            <a:spLocks noGrp="1"/>
+          </p:cNvSpPr>
+          <p:nvPr>
+            <p:ph type="sldNum" sz="quarter" idx="10"/>
+          </p:nvPr>
+        </p:nvSpPr>
+        <p:spPr/>
+        <p:txBody>
+          <a:bodyPr/>
+          <a:lstStyle/>
+          <a:p>
+            <a:fld id="{18BDFEC3-8487-43E8-A154-7C12CBC1FFF2}" type="slidenum">
+              <a:rPr lang="en-US"/>
+              <a:t>44</a:t>
+            </a:fld>
+            <a:endParaRPr lang="en-US"/>
+          </a:p>
+        </p:txBody>
+      </p:sp>
+    </p:spTree>
+  </p:cSld>
+</p:notes>
+</file>
+
+<file path=ppt/notesSlides/notesSlide29.xml><?xml version="1.0" encoding="utf-8"?>
+<p:notes xmlns:a="http://schemas.openxmlformats.org/drawingml/2006/main" xmlns:r="http://schemas.openxmlformats.org/officeDocument/2006/relationships" xmlns:p="http://schemas.openxmlformats.org/presentationml/2006/main">
+  <p:cSld>
+    <p:spTree>
+      <p:nvGrpSpPr>
+        <p:cNvPr id="1" name=""/>
+        <p:cNvGrpSpPr/>
+        <p:nvPr/>
+      </p:nvGrpSpPr>
+      <p:grpSpPr>
+        <a:xfrm>
+          <a:off x="0" y="0"/>
+          <a:ext cx="0" cy="0"/>
+          <a:chOff x="0" y="0"/>
+          <a:chExt cx="0" cy="0"/>
+        </a:xfrm>
+      </p:grpSpPr>
+      <p:sp>
+        <p:nvSpPr>
+          <p:cNvPr id="2" name="Slide Image Placeholder 1"/>
+          <p:cNvSpPr>
+            <a:spLocks noGrp="1" noRot="1" noChangeAspect="1"/>
+          </p:cNvSpPr>
+          <p:nvPr>
+            <p:ph type="sldImg"/>
+          </p:nvPr>
+        </p:nvSpPr>
+        <p:spPr/>
+      </p:sp>
+      <p:sp>
+        <p:nvSpPr>
+          <p:cNvPr id="3" name="Notes Placeholder 2"/>
+          <p:cNvSpPr>
+            <a:spLocks noGrp="1"/>
+          </p:cNvSpPr>
+          <p:nvPr>
+            <p:ph type="body" idx="1"/>
+          </p:nvPr>
+        </p:nvSpPr>
+        <p:spPr/>
+        <p:txBody>
+          <a:bodyPr/>
+          <a:lstStyle/>
+          <a:p>
+            <a:pPr lvl="0" marL="0" indent="0">
+              <a:buNone/>
+            </a:pPr>
+            <a:r>
+              <a:rPr/>
+              <a:t>The</a:t>
+            </a:r>
+            <a:r>
+              <a:rPr/>
+              <a:t> </a:t>
+            </a:r>
+            <a:r>
+              <a:rPr/>
+              <a:t>kindergarten</a:t>
+            </a:r>
+            <a:r>
+              <a:rPr/>
+              <a:t> </a:t>
+            </a:r>
+            <a:r>
+              <a:rPr/>
+              <a:t>view</a:t>
+            </a:r>
+            <a:r>
+              <a:rPr/>
+              <a:t> </a:t>
+            </a:r>
+            <a:r>
+              <a:rPr/>
+              <a:t>of</a:t>
+            </a:r>
+            <a:r>
+              <a:rPr/>
+              <a:t> </a:t>
+            </a:r>
+            <a:r>
+              <a:rPr/>
+              <a:t>colors</a:t>
+            </a:r>
+            <a:r>
+              <a:rPr/>
+              <a:t> </a:t>
+            </a:r>
+            <a:r>
+              <a:rPr/>
+              <a:t>(red</a:t>
+            </a:r>
+            <a:r>
+              <a:rPr/>
+              <a:t> </a:t>
+            </a:r>
+            <a:r>
+              <a:rPr/>
+              <a:t>plus</a:t>
+            </a:r>
+            <a:r>
+              <a:rPr/>
+              <a:t> </a:t>
+            </a:r>
+            <a:r>
+              <a:rPr/>
+              <a:t>yellow</a:t>
+            </a:r>
+            <a:r>
+              <a:rPr/>
+              <a:t> </a:t>
+            </a:r>
+            <a:r>
+              <a:rPr/>
+              <a:t>equals</a:t>
+            </a:r>
+            <a:r>
+              <a:rPr/>
+              <a:t> </a:t>
+            </a:r>
+            <a:r>
+              <a:rPr/>
+              <a:t>orange)</a:t>
+            </a:r>
+            <a:r>
+              <a:rPr/>
+              <a:t> </a:t>
+            </a:r>
+            <a:r>
+              <a:rPr/>
+              <a:t>doesn’t</a:t>
+            </a:r>
+            <a:r>
+              <a:rPr/>
+              <a:t> </a:t>
+            </a:r>
+            <a:r>
+              <a:rPr/>
+              <a:t>work</a:t>
+            </a:r>
+            <a:r>
+              <a:rPr/>
+              <a:t> </a:t>
+            </a:r>
+            <a:r>
+              <a:rPr/>
+              <a:t>on</a:t>
+            </a:r>
+            <a:r>
+              <a:rPr/>
+              <a:t> </a:t>
+            </a:r>
+            <a:r>
+              <a:rPr/>
+              <a:t>a</a:t>
+            </a:r>
+            <a:r>
+              <a:rPr/>
+              <a:t> </a:t>
+            </a:r>
+            <a:r>
+              <a:rPr/>
+              <a:t>computer</a:t>
+            </a:r>
+            <a:r>
+              <a:rPr/>
+              <a:t> </a:t>
+            </a:r>
+            <a:r>
+              <a:rPr/>
+              <a:t>screen</a:t>
+            </a:r>
+            <a:r>
+              <a:rPr/>
+              <a:t> </a:t>
+            </a:r>
+            <a:r>
+              <a:rPr/>
+              <a:t>because</a:t>
+            </a:r>
+            <a:r>
+              <a:rPr/>
+              <a:t> </a:t>
+            </a:r>
+            <a:r>
+              <a:rPr/>
+              <a:t>the</a:t>
+            </a:r>
+            <a:r>
+              <a:rPr/>
+              <a:t> </a:t>
+            </a:r>
+            <a:r>
+              <a:rPr/>
+              <a:t>screen</a:t>
+            </a:r>
+            <a:r>
+              <a:rPr/>
+              <a:t> </a:t>
+            </a:r>
+            <a:r>
+              <a:rPr/>
+              <a:t>uses</a:t>
+            </a:r>
+            <a:r>
+              <a:rPr/>
+              <a:t> </a:t>
+            </a:r>
+            <a:r>
+              <a:rPr/>
+              <a:t>mixtures</a:t>
+            </a:r>
+            <a:r>
+              <a:rPr/>
+              <a:t> </a:t>
+            </a:r>
+            <a:r>
+              <a:rPr/>
+              <a:t>of</a:t>
+            </a:r>
+            <a:r>
+              <a:rPr/>
+              <a:t> </a:t>
+            </a:r>
+            <a:r>
+              <a:rPr/>
+              <a:t>light</a:t>
+            </a:r>
+            <a:r>
+              <a:rPr/>
+              <a:t> </a:t>
+            </a:r>
+            <a:r>
+              <a:rPr/>
+              <a:t>to</a:t>
+            </a:r>
+            <a:r>
+              <a:rPr/>
+              <a:t> </a:t>
+            </a:r>
+            <a:r>
+              <a:rPr/>
+              <a:t>combine</a:t>
+            </a:r>
+            <a:r>
+              <a:rPr/>
+              <a:t> </a:t>
+            </a:r>
+            <a:r>
+              <a:rPr/>
+              <a:t>colors.</a:t>
+            </a:r>
+            <a:r>
+              <a:rPr/>
+              <a:t> </a:t>
+            </a:r>
+            <a:r>
+              <a:rPr/>
+              <a:t>We</a:t>
+            </a:r>
+            <a:r>
+              <a:rPr/>
+              <a:t> </a:t>
+            </a:r>
+            <a:r>
+              <a:rPr/>
+              <a:t>covered</a:t>
+            </a:r>
+            <a:r>
+              <a:rPr/>
+              <a:t> </a:t>
+            </a:r>
+            <a:r>
+              <a:rPr/>
+              <a:t>the</a:t>
+            </a:r>
+            <a:r>
+              <a:rPr/>
+              <a:t> </a:t>
+            </a:r>
+            <a:r>
+              <a:rPr/>
+              <a:t>RGB</a:t>
+            </a:r>
+            <a:r>
+              <a:rPr/>
+              <a:t> </a:t>
+            </a:r>
+            <a:r>
+              <a:rPr/>
+              <a:t>system</a:t>
+            </a:r>
+            <a:r>
+              <a:rPr/>
+              <a:t> </a:t>
+            </a:r>
+            <a:r>
+              <a:rPr/>
+              <a:t>including</a:t>
+            </a:r>
+            <a:r>
+              <a:rPr/>
+              <a:t> </a:t>
+            </a:r>
+            <a:r>
+              <a:rPr/>
+              <a:t>how</a:t>
+            </a:r>
+            <a:r>
+              <a:rPr/>
+              <a:t> </a:t>
+            </a:r>
+            <a:r>
+              <a:rPr/>
+              <a:t>to</a:t>
+            </a:r>
+            <a:r>
+              <a:rPr/>
+              <a:t> </a:t>
+            </a:r>
+            <a:r>
+              <a:rPr/>
+              <a:t>create</a:t>
+            </a:r>
+            <a:r>
+              <a:rPr/>
+              <a:t> </a:t>
+            </a:r>
+            <a:r>
+              <a:rPr/>
+              <a:t>gradients.</a:t>
+            </a:r>
+            <a:r>
+              <a:rPr/>
+              <a:t> </a:t>
+            </a:r>
+            <a:r>
+              <a:rPr/>
+              <a:t>The</a:t>
+            </a:r>
+            <a:r>
+              <a:rPr/>
+              <a:t> </a:t>
+            </a:r>
+            <a:r>
+              <a:rPr/>
+              <a:t>HSV</a:t>
+            </a:r>
+            <a:r>
+              <a:rPr/>
+              <a:t> </a:t>
+            </a:r>
+            <a:r>
+              <a:rPr/>
+              <a:t>system</a:t>
+            </a:r>
+            <a:r>
+              <a:rPr/>
+              <a:t> </a:t>
+            </a:r>
+            <a:r>
+              <a:rPr/>
+              <a:t>provides</a:t>
+            </a:r>
+            <a:r>
+              <a:rPr/>
+              <a:t> </a:t>
+            </a:r>
+            <a:r>
+              <a:rPr/>
+              <a:t>a</a:t>
+            </a:r>
+            <a:r>
+              <a:rPr/>
+              <a:t> </a:t>
+            </a:r>
+            <a:r>
+              <a:rPr/>
+              <a:t>more</a:t>
+            </a:r>
+            <a:r>
+              <a:rPr/>
+              <a:t> </a:t>
+            </a:r>
+            <a:r>
+              <a:rPr/>
+              <a:t>intuitive</a:t>
+            </a:r>
+            <a:r>
+              <a:rPr/>
+              <a:t> </a:t>
+            </a:r>
+            <a:r>
+              <a:rPr/>
+              <a:t>description</a:t>
+            </a:r>
+            <a:r>
+              <a:rPr/>
+              <a:t> </a:t>
+            </a:r>
+            <a:r>
+              <a:rPr/>
+              <a:t>of</a:t>
+            </a:r>
+            <a:r>
+              <a:rPr/>
+              <a:t> </a:t>
+            </a:r>
+            <a:r>
+              <a:rPr/>
+              <a:t>colors,</a:t>
+            </a:r>
+            <a:r>
+              <a:rPr/>
+              <a:t> </a:t>
+            </a:r>
+            <a:r>
+              <a:rPr/>
+              <a:t>while</a:t>
+            </a:r>
+            <a:r>
+              <a:rPr/>
+              <a:t> </a:t>
+            </a:r>
+            <a:r>
+              <a:rPr/>
+              <a:t>CMYK</a:t>
+            </a:r>
+            <a:r>
+              <a:rPr/>
+              <a:t> </a:t>
+            </a:r>
+            <a:r>
+              <a:rPr/>
+              <a:t>is</a:t>
+            </a:r>
+            <a:r>
+              <a:rPr/>
+              <a:t> </a:t>
+            </a:r>
+            <a:r>
+              <a:rPr/>
+              <a:t>used</a:t>
+            </a:r>
+            <a:r>
+              <a:rPr/>
+              <a:t> </a:t>
+            </a:r>
+            <a:r>
+              <a:rPr/>
+              <a:t>when</a:t>
+            </a:r>
+            <a:r>
+              <a:rPr/>
+              <a:t> </a:t>
+            </a:r>
+            <a:r>
+              <a:rPr/>
+              <a:t>printing,</a:t>
+            </a:r>
+            <a:r>
+              <a:rPr/>
+              <a:t> </a:t>
+            </a:r>
+            <a:r>
+              <a:rPr/>
+              <a:t>where</a:t>
+            </a:r>
+            <a:r>
+              <a:rPr/>
+              <a:t> </a:t>
+            </a:r>
+            <a:r>
+              <a:rPr/>
+              <a:t>a</a:t>
+            </a:r>
+            <a:r>
+              <a:rPr/>
+              <a:t> </a:t>
+            </a:r>
+            <a:r>
+              <a:rPr/>
+              <a:t>substractive</a:t>
+            </a:r>
+            <a:r>
+              <a:rPr/>
+              <a:t> </a:t>
+            </a:r>
+            <a:r>
+              <a:rPr/>
+              <a:t>rather</a:t>
+            </a:r>
+            <a:r>
+              <a:rPr/>
+              <a:t> </a:t>
+            </a:r>
+            <a:r>
+              <a:rPr/>
+              <a:t>than</a:t>
+            </a:r>
+            <a:r>
+              <a:rPr/>
+              <a:t> </a:t>
+            </a:r>
+            <a:r>
+              <a:rPr/>
+              <a:t>additive</a:t>
+            </a:r>
+            <a:r>
+              <a:rPr/>
+              <a:t> </a:t>
+            </a:r>
+            <a:r>
+              <a:rPr/>
+              <a:t>color</a:t>
+            </a:r>
+            <a:r>
+              <a:rPr/>
+              <a:t> </a:t>
+            </a:r>
+            <a:r>
+              <a:rPr/>
+              <a:t>system</a:t>
+            </a:r>
+            <a:r>
+              <a:rPr/>
+              <a:t> </a:t>
+            </a:r>
+            <a:r>
+              <a:rPr/>
+              <a:t>is</a:t>
+            </a:r>
+            <a:r>
+              <a:rPr/>
+              <a:t> </a:t>
+            </a:r>
+            <a:r>
+              <a:rPr/>
+              <a:t>needed.</a:t>
+            </a:r>
+          </a:p>
+        </p:txBody>
+      </p:sp>
+      <p:sp>
+        <p:nvSpPr>
+          <p:cNvPr id="4" name="Slide Number Placeholder 3"/>
+          <p:cNvSpPr>
+            <a:spLocks noGrp="1"/>
+          </p:cNvSpPr>
+          <p:nvPr>
+            <p:ph type="sldNum" sz="quarter" idx="10"/>
+          </p:nvPr>
+        </p:nvSpPr>
+        <p:spPr/>
+        <p:txBody>
+          <a:bodyPr/>
+          <a:lstStyle/>
+          <a:p>
+            <a:fld id="{18BDFEC3-8487-43E8-A154-7C12CBC1FFF2}" type="slidenum">
+              <a:rPr lang="en-US"/>
+              <a:t>47</a:t>
             </a:fld>
             <a:endParaRPr lang="en-US"/>
           </a:p>
@@ -18158,48 +18510,131 @@
             </a:pPr>
             <a:r>
               <a:rPr/>
-              <a:t>Gradients</a:t>
-            </a:r>
-            <a:r>
-              <a:rPr/>
-              <a:t> </a:t>
-            </a:r>
-            <a:r>
-              <a:rPr/>
-              <a:t>in</a:t>
-            </a:r>
-            <a:r>
-              <a:rPr/>
-              <a:t> </a:t>
-            </a:r>
-            <a:r>
-              <a:rPr/>
-              <a:t>R</a:t>
+              <a:t>Python</a:t>
+            </a:r>
+            <a:r>
+              <a:rPr/>
+              <a:t> </a:t>
+            </a:r>
+            <a:r>
+              <a:rPr/>
+              <a:t>color</a:t>
+            </a:r>
+            <a:r>
+              <a:rPr/>
+              <a:t> </a:t>
+            </a:r>
+            <a:r>
+              <a:rPr/>
+              <a:t>schemes</a:t>
             </a:r>
           </a:p>
         </p:txBody>
       </p:sp>
+      <p:pic>
+        <p:nvPicPr>
+          <p:cNvPr descr="../images/python/color-schemes-1.png" id="0" name="Picture 1"/>
+          <p:cNvPicPr>
+            <a:picLocks noGrp="1" noChangeAspect="1"/>
+          </p:cNvPicPr>
+          <p:nvPr/>
+        </p:nvPicPr>
+        <p:blipFill>
+          <a:blip r:embed="rId2"/>
+          <a:stretch>
+            <a:fillRect/>
+          </a:stretch>
+        </p:blipFill>
+        <p:spPr bwMode="auto">
+          <a:xfrm>
+            <a:off x="2171700" y="1600200"/>
+            <a:ext cx="4787900" cy="4013200"/>
+          </a:xfrm>
+          <a:prstGeom prst="rect">
+            <a:avLst/>
+          </a:prstGeom>
+          <a:noFill/>
+          <a:ln w="9525">
+            <a:noFill/>
+            <a:headEnd/>
+            <a:tailEnd/>
+          </a:ln>
+        </p:spPr>
+      </p:pic>
       <p:sp>
         <p:nvSpPr>
-          <p:cNvPr id="3" name="Content Placeholder 2"/>
-          <p:cNvSpPr>
-            <a:spLocks noGrp="1"/>
-          </p:cNvSpPr>
-          <p:nvPr>
-            <p:ph idx="1"/>
-          </p:nvPr>
+          <p:cNvPr id="1" name="TextBox 3"/>
+          <p:cNvSpPr txBox="1"/>
+          <p:nvPr/>
         </p:nvSpPr>
-        <p:spPr/>
+        <p:spPr>
+          <a:xfrm>
+            <a:off x="457200" y="5613400"/>
+            <a:ext cx="8229600" cy="508000"/>
+          </a:xfrm>
+          <a:prstGeom prst="rect">
+            <a:avLst/>
+          </a:prstGeom>
+          <a:noFill/>
+        </p:spPr>
         <p:txBody>
           <a:bodyPr/>
           <a:lstStyle/>
           <a:p>
-            <a:pPr lvl="0" marL="0" indent="0">
+            <a:pPr lvl="0" marL="0" indent="0" algn="ctr">
               <a:buNone/>
             </a:pPr>
             <a:r>
               <a:rPr/>
-              <a:t>(To be added)</a:t>
+              <a:t>Listing</a:t>
+            </a:r>
+            <a:r>
+              <a:rPr/>
+              <a:t> </a:t>
+            </a:r>
+            <a:r>
+              <a:rPr/>
+              <a:t>of</a:t>
+            </a:r>
+            <a:r>
+              <a:rPr/>
+              <a:t> </a:t>
+            </a:r>
+            <a:r>
+              <a:rPr/>
+              <a:t>first</a:t>
+            </a:r>
+            <a:r>
+              <a:rPr/>
+              <a:t> </a:t>
+            </a:r>
+            <a:r>
+              <a:rPr/>
+              <a:t>few</a:t>
+            </a:r>
+            <a:r>
+              <a:rPr/>
+              <a:t> </a:t>
+            </a:r>
+            <a:r>
+              <a:rPr/>
+              <a:t>Altair</a:t>
+            </a:r>
+            <a:r>
+              <a:rPr/>
+              <a:t> </a:t>
+            </a:r>
+            <a:r>
+              <a:rPr/>
+              <a:t>color</a:t>
+            </a:r>
+            <a:r>
+              <a:rPr/>
+              <a:t> </a:t>
+            </a:r>
+            <a:r>
+              <a:rPr/>
+              <a:t>schemes</a:t>
             </a:r>
           </a:p>
         </p:txBody>
@@ -18246,48 +18681,131 @@
             </a:pPr>
             <a:r>
               <a:rPr/>
-              <a:t>Gradients</a:t>
-            </a:r>
-            <a:r>
-              <a:rPr/>
-              <a:t> </a:t>
-            </a:r>
-            <a:r>
-              <a:rPr/>
-              <a:t>in</a:t>
-            </a:r>
-            <a:r>
-              <a:rPr/>
-              <a:t> </a:t>
-            </a:r>
-            <a:r>
-              <a:rPr/>
-              <a:t>Tableau</a:t>
+              <a:t>Python</a:t>
+            </a:r>
+            <a:r>
+              <a:rPr/>
+              <a:t> </a:t>
+            </a:r>
+            <a:r>
+              <a:rPr/>
+              <a:t>color</a:t>
+            </a:r>
+            <a:r>
+              <a:rPr/>
+              <a:t> </a:t>
+            </a:r>
+            <a:r>
+              <a:rPr/>
+              <a:t>schemes</a:t>
             </a:r>
           </a:p>
         </p:txBody>
       </p:sp>
+      <p:pic>
+        <p:nvPicPr>
+          <p:cNvPr descr="../images/python/color-schemes-2.png" id="0" name="Picture 1"/>
+          <p:cNvPicPr>
+            <a:picLocks noGrp="1" noChangeAspect="1"/>
+          </p:cNvPicPr>
+          <p:nvPr/>
+        </p:nvPicPr>
+        <p:blipFill>
+          <a:blip r:embed="rId2"/>
+          <a:stretch>
+            <a:fillRect/>
+          </a:stretch>
+        </p:blipFill>
+        <p:spPr bwMode="auto">
+          <a:xfrm>
+            <a:off x="2171700" y="1600200"/>
+            <a:ext cx="4787900" cy="4013200"/>
+          </a:xfrm>
+          <a:prstGeom prst="rect">
+            <a:avLst/>
+          </a:prstGeom>
+          <a:noFill/>
+          <a:ln w="9525">
+            <a:noFill/>
+            <a:headEnd/>
+            <a:tailEnd/>
+          </a:ln>
+        </p:spPr>
+      </p:pic>
       <p:sp>
         <p:nvSpPr>
-          <p:cNvPr id="3" name="Content Placeholder 2"/>
-          <p:cNvSpPr>
-            <a:spLocks noGrp="1"/>
-          </p:cNvSpPr>
-          <p:nvPr>
-            <p:ph idx="1"/>
-          </p:nvPr>
+          <p:cNvPr id="1" name="TextBox 3"/>
+          <p:cNvSpPr txBox="1"/>
+          <p:nvPr/>
         </p:nvSpPr>
-        <p:spPr/>
+        <p:spPr>
+          <a:xfrm>
+            <a:off x="457200" y="5613400"/>
+            <a:ext cx="8229600" cy="508000"/>
+          </a:xfrm>
+          <a:prstGeom prst="rect">
+            <a:avLst/>
+          </a:prstGeom>
+          <a:noFill/>
+        </p:spPr>
         <p:txBody>
           <a:bodyPr/>
           <a:lstStyle/>
           <a:p>
-            <a:pPr lvl="0" marL="0" indent="0">
+            <a:pPr lvl="0" marL="0" indent="0" algn="ctr">
               <a:buNone/>
             </a:pPr>
             <a:r>
               <a:rPr/>
-              <a:t>(To be added)</a:t>
+              <a:t>Listing</a:t>
+            </a:r>
+            <a:r>
+              <a:rPr/>
+              <a:t> </a:t>
+            </a:r>
+            <a:r>
+              <a:rPr/>
+              <a:t>of</a:t>
+            </a:r>
+            <a:r>
+              <a:rPr/>
+              <a:t> </a:t>
+            </a:r>
+            <a:r>
+              <a:rPr/>
+              <a:t>first</a:t>
+            </a:r>
+            <a:r>
+              <a:rPr/>
+              <a:t> </a:t>
+            </a:r>
+            <a:r>
+              <a:rPr/>
+              <a:t>few</a:t>
+            </a:r>
+            <a:r>
+              <a:rPr/>
+              <a:t> </a:t>
+            </a:r>
+            <a:r>
+              <a:rPr/>
+              <a:t>Altair</a:t>
+            </a:r>
+            <a:r>
+              <a:rPr/>
+              <a:t> </a:t>
+            </a:r>
+            <a:r>
+              <a:rPr/>
+              <a:t>color</a:t>
+            </a:r>
+            <a:r>
+              <a:rPr/>
+              <a:t> </a:t>
+            </a:r>
+            <a:r>
+              <a:rPr/>
+              <a:t>schemes</a:t>
             </a:r>
           </a:p>
         </p:txBody>
@@ -18334,46 +18852,131 @@
             </a:pPr>
             <a:r>
               <a:rPr/>
-              <a:t>Colors,</a:t>
-            </a:r>
-            <a:r>
-              <a:rPr/>
-              <a:t> </a:t>
-            </a:r>
-            <a:r>
-              <a:rPr/>
-              <a:t>HSV</a:t>
-            </a:r>
-            <a:r>
-              <a:rPr/>
-              <a:t> </a:t>
-            </a:r>
-            <a:r>
-              <a:rPr/>
-              <a:t>system</a:t>
+              <a:t>Python</a:t>
+            </a:r>
+            <a:r>
+              <a:rPr/>
+              <a:t> </a:t>
+            </a:r>
+            <a:r>
+              <a:rPr/>
+              <a:t>color</a:t>
+            </a:r>
+            <a:r>
+              <a:rPr/>
+              <a:t> </a:t>
+            </a:r>
+            <a:r>
+              <a:rPr/>
+              <a:t>schemes</a:t>
             </a:r>
           </a:p>
         </p:txBody>
       </p:sp>
+      <p:pic>
+        <p:nvPicPr>
+          <p:cNvPr descr="../images/python/color-schemes-3.png" id="0" name="Picture 1"/>
+          <p:cNvPicPr>
+            <a:picLocks noGrp="1" noChangeAspect="1"/>
+          </p:cNvPicPr>
+          <p:nvPr/>
+        </p:nvPicPr>
+        <p:blipFill>
+          <a:blip r:embed="rId2"/>
+          <a:stretch>
+            <a:fillRect/>
+          </a:stretch>
+        </p:blipFill>
+        <p:spPr bwMode="auto">
+          <a:xfrm>
+            <a:off x="2171700" y="1600200"/>
+            <a:ext cx="4787900" cy="4013200"/>
+          </a:xfrm>
+          <a:prstGeom prst="rect">
+            <a:avLst/>
+          </a:prstGeom>
+          <a:noFill/>
+          <a:ln w="9525">
+            <a:noFill/>
+            <a:headEnd/>
+            <a:tailEnd/>
+          </a:ln>
+        </p:spPr>
+      </p:pic>
       <p:sp>
         <p:nvSpPr>
-          <p:cNvPr id="3" name="Content Placeholder 2"/>
-          <p:cNvSpPr>
-            <a:spLocks noGrp="1"/>
-          </p:cNvSpPr>
-          <p:nvPr>
-            <p:ph idx="1"/>
-          </p:nvPr>
+          <p:cNvPr id="1" name="TextBox 3"/>
+          <p:cNvSpPr txBox="1"/>
+          <p:nvPr/>
         </p:nvSpPr>
-        <p:spPr/>
+        <p:spPr>
+          <a:xfrm>
+            <a:off x="457200" y="5613400"/>
+            <a:ext cx="8229600" cy="508000"/>
+          </a:xfrm>
+          <a:prstGeom prst="rect">
+            <a:avLst/>
+          </a:prstGeom>
+          <a:noFill/>
+        </p:spPr>
         <p:txBody>
           <a:bodyPr/>
           <a:lstStyle/>
           <a:p>
-            <a:pPr lvl="1"/>
-            <a:r>
-              <a:rPr/>
-              <a:t>(To be added)</a:t>
+            <a:pPr lvl="0" marL="0" indent="0" algn="ctr">
+              <a:buNone/>
+            </a:pPr>
+            <a:r>
+              <a:rPr/>
+              <a:t>Listing</a:t>
+            </a:r>
+            <a:r>
+              <a:rPr/>
+              <a:t> </a:t>
+            </a:r>
+            <a:r>
+              <a:rPr/>
+              <a:t>of</a:t>
+            </a:r>
+            <a:r>
+              <a:rPr/>
+              <a:t> </a:t>
+            </a:r>
+            <a:r>
+              <a:rPr/>
+              <a:t>first</a:t>
+            </a:r>
+            <a:r>
+              <a:rPr/>
+              <a:t> </a:t>
+            </a:r>
+            <a:r>
+              <a:rPr/>
+              <a:t>few</a:t>
+            </a:r>
+            <a:r>
+              <a:rPr/>
+              <a:t> </a:t>
+            </a:r>
+            <a:r>
+              <a:rPr/>
+              <a:t>Altair</a:t>
+            </a:r>
+            <a:r>
+              <a:rPr/>
+              <a:t> </a:t>
+            </a:r>
+            <a:r>
+              <a:rPr/>
+              <a:t>color</a:t>
+            </a:r>
+            <a:r>
+              <a:rPr/>
+              <a:t> </a:t>
+            </a:r>
+            <a:r>
+              <a:rPr/>
+              <a:t>schemes</a:t>
             </a:r>
           </a:p>
         </p:txBody>
@@ -18420,30 +19023,30 @@
             </a:pPr>
             <a:r>
               <a:rPr/>
-              <a:t>Colors,</a:t>
-            </a:r>
-            <a:r>
-              <a:rPr/>
-              <a:t> </a:t>
-            </a:r>
-            <a:r>
-              <a:rPr/>
-              <a:t>HSV</a:t>
-            </a:r>
-            <a:r>
-              <a:rPr/>
-              <a:t> </a:t>
-            </a:r>
-            <a:r>
-              <a:rPr/>
-              <a:t>system</a:t>
+              <a:t>Python</a:t>
+            </a:r>
+            <a:r>
+              <a:rPr/>
+              <a:t> </a:t>
+            </a:r>
+            <a:r>
+              <a:rPr/>
+              <a:t>color</a:t>
+            </a:r>
+            <a:r>
+              <a:rPr/>
+              <a:t> </a:t>
+            </a:r>
+            <a:r>
+              <a:rPr/>
+              <a:t>schemes</a:t>
             </a:r>
           </a:p>
         </p:txBody>
       </p:sp>
       <p:pic>
         <p:nvPicPr>
-          <p:cNvPr descr="../images/r/hsv-1.png" id="0" name="Picture 1"/>
+          <p:cNvPr descr="../images/python/color-schemes-4.png" id="0" name="Picture 1"/>
           <p:cNvPicPr>
             <a:picLocks noGrp="1" noChangeAspect="1"/>
           </p:cNvPicPr>
@@ -18457,8 +19060,8 @@
         </p:blipFill>
         <p:spPr bwMode="auto">
           <a:xfrm>
-            <a:off x="2311400" y="1600200"/>
-            <a:ext cx="4521200" cy="4521200"/>
+            <a:off x="2171700" y="1600200"/>
+            <a:ext cx="4787900" cy="4013200"/>
           </a:xfrm>
           <a:prstGeom prst="rect">
             <a:avLst/>
@@ -18471,6 +19074,84 @@
           </a:ln>
         </p:spPr>
       </p:pic>
+      <p:sp>
+        <p:nvSpPr>
+          <p:cNvPr id="1" name="TextBox 3"/>
+          <p:cNvSpPr txBox="1"/>
+          <p:nvPr/>
+        </p:nvSpPr>
+        <p:spPr>
+          <a:xfrm>
+            <a:off x="457200" y="5613400"/>
+            <a:ext cx="8229600" cy="508000"/>
+          </a:xfrm>
+          <a:prstGeom prst="rect">
+            <a:avLst/>
+          </a:prstGeom>
+          <a:noFill/>
+        </p:spPr>
+        <p:txBody>
+          <a:bodyPr/>
+          <a:lstStyle/>
+          <a:p>
+            <a:pPr lvl="0" marL="0" indent="0" algn="ctr">
+              <a:buNone/>
+            </a:pPr>
+            <a:r>
+              <a:rPr/>
+              <a:t>Listing</a:t>
+            </a:r>
+            <a:r>
+              <a:rPr/>
+              <a:t> </a:t>
+            </a:r>
+            <a:r>
+              <a:rPr/>
+              <a:t>of</a:t>
+            </a:r>
+            <a:r>
+              <a:rPr/>
+              <a:t> </a:t>
+            </a:r>
+            <a:r>
+              <a:rPr/>
+              <a:t>first</a:t>
+            </a:r>
+            <a:r>
+              <a:rPr/>
+              <a:t> </a:t>
+            </a:r>
+            <a:r>
+              <a:rPr/>
+              <a:t>few</a:t>
+            </a:r>
+            <a:r>
+              <a:rPr/>
+              <a:t> </a:t>
+            </a:r>
+            <a:r>
+              <a:rPr/>
+              <a:t>Altair</a:t>
+            </a:r>
+            <a:r>
+              <a:rPr/>
+              <a:t> </a:t>
+            </a:r>
+            <a:r>
+              <a:rPr/>
+              <a:t>color</a:t>
+            </a:r>
+            <a:r>
+              <a:rPr/>
+              <a:t> </a:t>
+            </a:r>
+            <a:r>
+              <a:rPr/>
+              <a:t>schemes</a:t>
+            </a:r>
+          </a:p>
+        </p:txBody>
+      </p:sp>
     </p:spTree>
   </p:cSld>
 </p:sld>
@@ -18662,46 +19343,30 @@
             </a:pPr>
             <a:r>
               <a:rPr/>
-              <a:t>Colors,</a:t>
-            </a:r>
-            <a:r>
-              <a:rPr/>
-              <a:t> </a:t>
-            </a:r>
-            <a:r>
-              <a:rPr/>
-              <a:t>HSV</a:t>
-            </a:r>
-            <a:r>
-              <a:rPr/>
-              <a:t> </a:t>
-            </a:r>
-            <a:r>
-              <a:rPr/>
-              <a:t>system,</a:t>
-            </a:r>
-            <a:r>
-              <a:rPr/>
-              <a:t> </a:t>
-            </a:r>
-            <a:r>
-              <a:rPr/>
-              <a:t>hue</a:t>
-            </a:r>
-            <a:r>
-              <a:rPr/>
-              <a:t> </a:t>
-            </a:r>
-            <a:r>
-              <a:rPr/>
-              <a:t>only</a:t>
+              <a:t>Python</a:t>
+            </a:r>
+            <a:r>
+              <a:rPr/>
+              <a:t> </a:t>
+            </a:r>
+            <a:r>
+              <a:rPr/>
+              <a:t>change</a:t>
+            </a:r>
+            <a:r>
+              <a:rPr/>
+              <a:t> </a:t>
+            </a:r>
+            <a:r>
+              <a:rPr/>
+              <a:t>colors</a:t>
             </a:r>
           </a:p>
         </p:txBody>
       </p:sp>
       <p:pic>
         <p:nvPicPr>
-          <p:cNvPr descr="../images/r/hsv-2.png" id="0" name="Picture 1"/>
+          <p:cNvPr descr="../images/python/change-colors.png" id="0" name="Picture 1"/>
           <p:cNvPicPr>
             <a:picLocks noGrp="1" noChangeAspect="1"/>
           </p:cNvPicPr>
@@ -18715,8 +19380,8 @@
         </p:blipFill>
         <p:spPr bwMode="auto">
           <a:xfrm>
-            <a:off x="2311400" y="1600200"/>
-            <a:ext cx="4521200" cy="4521200"/>
+            <a:off x="1409700" y="1600200"/>
+            <a:ext cx="6311900" cy="4013200"/>
           </a:xfrm>
           <a:prstGeom prst="rect">
             <a:avLst/>
@@ -18729,6 +19394,68 @@
           </a:ln>
         </p:spPr>
       </p:pic>
+      <p:sp>
+        <p:nvSpPr>
+          <p:cNvPr id="1" name="TextBox 3"/>
+          <p:cNvSpPr txBox="1"/>
+          <p:nvPr/>
+        </p:nvSpPr>
+        <p:spPr>
+          <a:xfrm>
+            <a:off x="457200" y="5613400"/>
+            <a:ext cx="8229600" cy="508000"/>
+          </a:xfrm>
+          <a:prstGeom prst="rect">
+            <a:avLst/>
+          </a:prstGeom>
+          <a:noFill/>
+        </p:spPr>
+        <p:txBody>
+          <a:bodyPr/>
+          <a:lstStyle/>
+          <a:p>
+            <a:pPr lvl="0" marL="0" indent="0" algn="ctr">
+              <a:buNone/>
+            </a:pPr>
+            <a:r>
+              <a:rPr/>
+              <a:t>Python</a:t>
+            </a:r>
+            <a:r>
+              <a:rPr/>
+              <a:t> </a:t>
+            </a:r>
+            <a:r>
+              <a:rPr/>
+              <a:t>scatterplot</a:t>
+            </a:r>
+            <a:r>
+              <a:rPr/>
+              <a:t> </a:t>
+            </a:r>
+            <a:r>
+              <a:rPr/>
+              <a:t>using</a:t>
+            </a:r>
+            <a:r>
+              <a:rPr/>
+              <a:t> </a:t>
+            </a:r>
+            <a:r>
+              <a:rPr/>
+              <a:t>red</a:t>
+            </a:r>
+            <a:r>
+              <a:rPr/>
+              <a:t> </a:t>
+            </a:r>
+            <a:r>
+              <a:rPr/>
+              <a:t>gradient</a:t>
+            </a:r>
+          </a:p>
+        </p:txBody>
+      </p:sp>
     </p:spTree>
   </p:cSld>
 </p:sld>
@@ -18771,73 +19498,52 @@
             </a:pPr>
             <a:r>
               <a:rPr/>
-              <a:t>Colors,</a:t>
-            </a:r>
-            <a:r>
-              <a:rPr/>
-              <a:t> </a:t>
-            </a:r>
-            <a:r>
-              <a:rPr/>
-              <a:t>HSV</a:t>
-            </a:r>
-            <a:r>
-              <a:rPr/>
-              <a:t> </a:t>
-            </a:r>
-            <a:r>
-              <a:rPr/>
-              <a:t>system,</a:t>
-            </a:r>
-            <a:r>
-              <a:rPr/>
-              <a:t> </a:t>
-            </a:r>
-            <a:r>
-              <a:rPr/>
-              <a:t>saturation</a:t>
-            </a:r>
-            <a:r>
-              <a:rPr/>
-              <a:t> </a:t>
-            </a:r>
-            <a:r>
-              <a:rPr/>
-              <a:t>only</a:t>
+              <a:t>Gradients</a:t>
+            </a:r>
+            <a:r>
+              <a:rPr/>
+              <a:t> </a:t>
+            </a:r>
+            <a:r>
+              <a:rPr/>
+              <a:t>in</a:t>
+            </a:r>
+            <a:r>
+              <a:rPr/>
+              <a:t> </a:t>
+            </a:r>
+            <a:r>
+              <a:rPr/>
+              <a:t>R</a:t>
             </a:r>
           </a:p>
         </p:txBody>
       </p:sp>
-      <p:pic>
-        <p:nvPicPr>
-          <p:cNvPr descr="../images/r/hsv-3.png" id="0" name="Picture 1"/>
-          <p:cNvPicPr>
-            <a:picLocks noGrp="1" noChangeAspect="1"/>
-          </p:cNvPicPr>
-          <p:nvPr/>
-        </p:nvPicPr>
-        <p:blipFill>
-          <a:blip r:embed="rId2"/>
-          <a:stretch>
-            <a:fillRect/>
-          </a:stretch>
-        </p:blipFill>
-        <p:spPr bwMode="auto">
-          <a:xfrm>
-            <a:off x="2311400" y="1600200"/>
-            <a:ext cx="4521200" cy="4521200"/>
-          </a:xfrm>
-          <a:prstGeom prst="rect">
-            <a:avLst/>
-          </a:prstGeom>
-          <a:noFill/>
-          <a:ln w="9525">
-            <a:noFill/>
-            <a:headEnd/>
-            <a:tailEnd/>
-          </a:ln>
-        </p:spPr>
-      </p:pic>
+      <p:sp>
+        <p:nvSpPr>
+          <p:cNvPr id="3" name="Content Placeholder 2"/>
+          <p:cNvSpPr>
+            <a:spLocks noGrp="1"/>
+          </p:cNvSpPr>
+          <p:nvPr>
+            <p:ph idx="1"/>
+          </p:nvPr>
+        </p:nvSpPr>
+        <p:spPr/>
+        <p:txBody>
+          <a:bodyPr/>
+          <a:lstStyle/>
+          <a:p>
+            <a:pPr lvl="0" marL="0" indent="0">
+              <a:buNone/>
+            </a:pPr>
+            <a:r>
+              <a:rPr/>
+              <a:t>(To be added)</a:t>
+            </a:r>
+          </a:p>
+        </p:txBody>
+      </p:sp>
     </p:spTree>
   </p:cSld>
 </p:sld>
@@ -18880,61 +19586,45 @@
             </a:pPr>
             <a:r>
               <a:rPr/>
-              <a:t>Colors,</a:t>
-            </a:r>
-            <a:r>
-              <a:rPr/>
-              <a:t> </a:t>
-            </a:r>
-            <a:r>
-              <a:rPr/>
-              <a:t>HSV</a:t>
-            </a:r>
-            <a:r>
-              <a:rPr/>
-              <a:t> </a:t>
-            </a:r>
-            <a:r>
-              <a:rPr/>
-              <a:t>system,</a:t>
-            </a:r>
-            <a:r>
-              <a:rPr/>
-              <a:t> </a:t>
-            </a:r>
-            <a:r>
-              <a:rPr/>
-              <a:t>value</a:t>
-            </a:r>
-            <a:r>
-              <a:rPr/>
-              <a:t> </a:t>
-            </a:r>
-            <a:r>
-              <a:rPr/>
-              <a:t>only</a:t>
+              <a:t>Gradients</a:t>
+            </a:r>
+            <a:r>
+              <a:rPr/>
+              <a:t> </a:t>
+            </a:r>
+            <a:r>
+              <a:rPr/>
+              <a:t>in</a:t>
+            </a:r>
+            <a:r>
+              <a:rPr/>
+              <a:t> </a:t>
+            </a:r>
+            <a:r>
+              <a:rPr/>
+              <a:t>Tableau</a:t>
             </a:r>
           </a:p>
         </p:txBody>
       </p:sp>
       <p:pic>
         <p:nvPicPr>
-          <p:cNvPr descr="../images/r/hsv-4.png" id="0" name="Picture 1"/>
+          <p:cNvPr descr="../images/tableau/gradient-options.png" id="0" name="Picture 1"/>
           <p:cNvPicPr>
             <a:picLocks noGrp="1" noChangeAspect="1"/>
           </p:cNvPicPr>
           <p:nvPr/>
         </p:nvPicPr>
         <p:blipFill>
-          <a:blip r:embed="rId2"/>
+          <a:blip r:embed="rId3"/>
           <a:stretch>
             <a:fillRect/>
           </a:stretch>
         </p:blipFill>
         <p:spPr bwMode="auto">
           <a:xfrm>
-            <a:off x="2311400" y="1600200"/>
-            <a:ext cx="4521200" cy="4521200"/>
+            <a:off x="3213100" y="1600200"/>
+            <a:ext cx="2705100" cy="4013200"/>
           </a:xfrm>
           <a:prstGeom prst="rect">
             <a:avLst/>
@@ -18947,6 +19637,68 @@
           </a:ln>
         </p:spPr>
       </p:pic>
+      <p:sp>
+        <p:nvSpPr>
+          <p:cNvPr id="1" name="TextBox 3"/>
+          <p:cNvSpPr txBox="1"/>
+          <p:nvPr/>
+        </p:nvSpPr>
+        <p:spPr>
+          <a:xfrm>
+            <a:off x="457200" y="5613400"/>
+            <a:ext cx="8229600" cy="508000"/>
+          </a:xfrm>
+          <a:prstGeom prst="rect">
+            <a:avLst/>
+          </a:prstGeom>
+          <a:noFill/>
+        </p:spPr>
+        <p:txBody>
+          <a:bodyPr/>
+          <a:lstStyle/>
+          <a:p>
+            <a:pPr lvl="0" marL="0" indent="0" algn="ctr">
+              <a:buNone/>
+            </a:pPr>
+            <a:r>
+              <a:rPr/>
+              <a:t>Gradient</a:t>
+            </a:r>
+            <a:r>
+              <a:rPr/>
+              <a:t> </a:t>
+            </a:r>
+            <a:r>
+              <a:rPr/>
+              <a:t>drop-down</a:t>
+            </a:r>
+            <a:r>
+              <a:rPr/>
+              <a:t> </a:t>
+            </a:r>
+            <a:r>
+              <a:rPr/>
+              <a:t>menu</a:t>
+            </a:r>
+            <a:r>
+              <a:rPr/>
+              <a:t> </a:t>
+            </a:r>
+            <a:r>
+              <a:rPr/>
+              <a:t>in</a:t>
+            </a:r>
+            <a:r>
+              <a:rPr/>
+              <a:t> </a:t>
+            </a:r>
+            <a:r>
+              <a:rPr/>
+              <a:t>Tableau</a:t>
+            </a:r>
+          </a:p>
+        </p:txBody>
+      </p:sp>
     </p:spTree>
   </p:cSld>
 </p:sld>
@@ -18989,88 +19741,139 @@
             </a:pPr>
             <a:r>
               <a:rPr/>
-              <a:t>Colors,</a:t>
-            </a:r>
-            <a:r>
-              <a:rPr/>
-              <a:t> </a:t>
-            </a:r>
-            <a:r>
-              <a:rPr/>
-              <a:t>HCL</a:t>
-            </a:r>
-            <a:r>
-              <a:rPr/>
-              <a:t> </a:t>
-            </a:r>
-            <a:r>
-              <a:rPr/>
-              <a:t>system</a:t>
+              <a:t>Discrete</a:t>
+            </a:r>
+            <a:r>
+              <a:rPr/>
+              <a:t> </a:t>
+            </a:r>
+            <a:r>
+              <a:rPr/>
+              <a:t>color</a:t>
+            </a:r>
+            <a:r>
+              <a:rPr/>
+              <a:t> </a:t>
+            </a:r>
+            <a:r>
+              <a:rPr/>
+              <a:t>options</a:t>
+            </a:r>
+            <a:r>
+              <a:rPr/>
+              <a:t> </a:t>
+            </a:r>
+            <a:r>
+              <a:rPr/>
+              <a:t>in</a:t>
+            </a:r>
+            <a:r>
+              <a:rPr/>
+              <a:t> </a:t>
+            </a:r>
+            <a:r>
+              <a:rPr/>
+              <a:t>Tableau</a:t>
             </a:r>
           </a:p>
         </p:txBody>
       </p:sp>
+      <p:pic>
+        <p:nvPicPr>
+          <p:cNvPr descr="../images/tableau/discrete-color-options.png" id="0" name="Picture 1"/>
+          <p:cNvPicPr>
+            <a:picLocks noGrp="1" noChangeAspect="1"/>
+          </p:cNvPicPr>
+          <p:nvPr/>
+        </p:nvPicPr>
+        <p:blipFill>
+          <a:blip r:embed="rId3"/>
+          <a:stretch>
+            <a:fillRect/>
+          </a:stretch>
+        </p:blipFill>
+        <p:spPr bwMode="auto">
+          <a:xfrm>
+            <a:off x="2832100" y="1600200"/>
+            <a:ext cx="3492500" cy="4013200"/>
+          </a:xfrm>
+          <a:prstGeom prst="rect">
+            <a:avLst/>
+          </a:prstGeom>
+          <a:noFill/>
+          <a:ln w="9525">
+            <a:noFill/>
+            <a:headEnd/>
+            <a:tailEnd/>
+          </a:ln>
+        </p:spPr>
+      </p:pic>
       <p:sp>
         <p:nvSpPr>
-          <p:cNvPr id="3" name="Content Placeholder 2"/>
-          <p:cNvSpPr>
-            <a:spLocks noGrp="1"/>
-          </p:cNvSpPr>
-          <p:nvPr>
-            <p:ph idx="1"/>
-          </p:nvPr>
+          <p:cNvPr id="1" name="TextBox 3"/>
+          <p:cNvSpPr txBox="1"/>
+          <p:nvPr/>
         </p:nvSpPr>
-        <p:spPr/>
+        <p:spPr>
+          <a:xfrm>
+            <a:off x="457200" y="5613400"/>
+            <a:ext cx="8229600" cy="508000"/>
+          </a:xfrm>
+          <a:prstGeom prst="rect">
+            <a:avLst/>
+          </a:prstGeom>
+          <a:noFill/>
+        </p:spPr>
         <p:txBody>
           <a:bodyPr/>
           <a:lstStyle/>
           <a:p>
-            <a:pPr lvl="1"/>
-            <a:r>
-              <a:rPr/>
-              <a:t>H = hue</a:t>
-            </a:r>
-          </a:p>
-          <a:p>
-            <a:pPr lvl="2"/>
-            <a:r>
-              <a:rPr/>
-              <a:t>arranged on a wheel 0-360 degrees</a:t>
-            </a:r>
-          </a:p>
-          <a:p>
-            <a:pPr lvl="1"/>
-            <a:r>
-              <a:rPr/>
-              <a:t>C = chroma</a:t>
-            </a:r>
-          </a:p>
-          <a:p>
-            <a:pPr lvl="2"/>
-            <a:r>
-              <a:rPr/>
-              <a:t>colorfulness relative to a gray of equal luminence</a:t>
-            </a:r>
-          </a:p>
-          <a:p>
-            <a:pPr lvl="2"/>
-            <a:r>
-              <a:rPr/>
-              <a:t>not quite same as saturation</a:t>
-            </a:r>
-          </a:p>
-          <a:p>
-            <a:pPr lvl="1"/>
-            <a:r>
-              <a:rPr/>
-              <a:t>L = luminence</a:t>
-            </a:r>
-          </a:p>
-          <a:p>
-            <a:pPr lvl="2"/>
-            <a:r>
-              <a:rPr/>
-              <a:t>brightness, lightness</a:t>
+            <a:pPr lvl="0" marL="0" indent="0" algn="ctr">
+              <a:buNone/>
+            </a:pPr>
+            <a:r>
+              <a:rPr/>
+              <a:t>Discrete</a:t>
+            </a:r>
+            <a:r>
+              <a:rPr/>
+              <a:t> </a:t>
+            </a:r>
+            <a:r>
+              <a:rPr/>
+              <a:t>color</a:t>
+            </a:r>
+            <a:r>
+              <a:rPr/>
+              <a:t> </a:t>
+            </a:r>
+            <a:r>
+              <a:rPr/>
+              <a:t>drop-down</a:t>
+            </a:r>
+            <a:r>
+              <a:rPr/>
+              <a:t> </a:t>
+            </a:r>
+            <a:r>
+              <a:rPr/>
+              <a:t>menu</a:t>
+            </a:r>
+            <a:r>
+              <a:rPr/>
+              <a:t> </a:t>
+            </a:r>
+            <a:r>
+              <a:rPr/>
+              <a:t>in</a:t>
+            </a:r>
+            <a:r>
+              <a:rPr/>
+              <a:t> </a:t>
+            </a:r>
+            <a:r>
+              <a:rPr/>
+              <a:t>Tableau</a:t>
             </a:r>
           </a:p>
         </p:txBody>
@@ -19125,57 +19928,42 @@
             </a:r>
             <a:r>
               <a:rPr/>
-              <a:t>Luminance</a:t>
-            </a:r>
-            <a:r>
-              <a:rPr/>
-              <a:t> </a:t>
-            </a:r>
-            <a:r>
-              <a:rPr/>
-              <a:t>=</a:t>
-            </a:r>
-            <a:r>
-              <a:rPr/>
-              <a:t> </a:t>
-            </a:r>
-            <a:r>
-              <a:rPr/>
-              <a:t>90%</a:t>
+              <a:t>HSV</a:t>
+            </a:r>
+            <a:r>
+              <a:rPr/>
+              <a:t> </a:t>
+            </a:r>
+            <a:r>
+              <a:rPr/>
+              <a:t>system</a:t>
             </a:r>
           </a:p>
         </p:txBody>
       </p:sp>
-      <p:pic>
-        <p:nvPicPr>
-          <p:cNvPr descr="../images/r/hcl-90.png" id="0" name="Picture 1"/>
-          <p:cNvPicPr>
-            <a:picLocks noGrp="1" noChangeAspect="1"/>
-          </p:cNvPicPr>
-          <p:nvPr/>
-        </p:nvPicPr>
-        <p:blipFill>
-          <a:blip r:embed="rId2"/>
-          <a:stretch>
-            <a:fillRect/>
-          </a:stretch>
-        </p:blipFill>
-        <p:spPr bwMode="auto">
-          <a:xfrm>
-            <a:off x="2311400" y="1600200"/>
-            <a:ext cx="4521200" cy="4521200"/>
-          </a:xfrm>
-          <a:prstGeom prst="rect">
-            <a:avLst/>
-          </a:prstGeom>
-          <a:noFill/>
-          <a:ln w="9525">
-            <a:noFill/>
-            <a:headEnd/>
-            <a:tailEnd/>
-          </a:ln>
-        </p:spPr>
-      </p:pic>
+      <p:sp>
+        <p:nvSpPr>
+          <p:cNvPr id="3" name="Content Placeholder 2"/>
+          <p:cNvSpPr>
+            <a:spLocks noGrp="1"/>
+          </p:cNvSpPr>
+          <p:nvPr>
+            <p:ph idx="1"/>
+          </p:nvPr>
+        </p:nvSpPr>
+        <p:spPr/>
+        <p:txBody>
+          <a:bodyPr/>
+          <a:lstStyle/>
+          <a:p>
+            <a:pPr lvl="1"/>
+            <a:r>
+              <a:rPr/>
+              <a:t>(To be added)</a:t>
+            </a:r>
+          </a:p>
+        </p:txBody>
+      </p:sp>
     </p:spTree>
   </p:cSld>
 </p:sld>
@@ -19226,14 +20014,22 @@
             </a:r>
             <a:r>
               <a:rPr/>
-              <a:t>Luminance=70%</a:t>
+              <a:t>HSV</a:t>
+            </a:r>
+            <a:r>
+              <a:rPr/>
+              <a:t> </a:t>
+            </a:r>
+            <a:r>
+              <a:rPr/>
+              <a:t>system</a:t>
             </a:r>
           </a:p>
         </p:txBody>
       </p:sp>
       <p:pic>
         <p:nvPicPr>
-          <p:cNvPr descr="../images/r/hcl-70.png" id="0" name="Picture 1"/>
+          <p:cNvPr descr="../images/r/hsv-1.png" id="0" name="Picture 1"/>
           <p:cNvPicPr>
             <a:picLocks noGrp="1" noChangeAspect="1"/>
           </p:cNvPicPr>
@@ -19311,14 +20107,38 @@
             </a:r>
             <a:r>
               <a:rPr/>
-              <a:t>Luminance=50%</a:t>
+              <a:t>HSV</a:t>
+            </a:r>
+            <a:r>
+              <a:rPr/>
+              <a:t> </a:t>
+            </a:r>
+            <a:r>
+              <a:rPr/>
+              <a:t>system,</a:t>
+            </a:r>
+            <a:r>
+              <a:rPr/>
+              <a:t> </a:t>
+            </a:r>
+            <a:r>
+              <a:rPr/>
+              <a:t>hue</a:t>
+            </a:r>
+            <a:r>
+              <a:rPr/>
+              <a:t> </a:t>
+            </a:r>
+            <a:r>
+              <a:rPr/>
+              <a:t>only</a:t>
             </a:r>
           </a:p>
         </p:txBody>
       </p:sp>
       <p:pic>
         <p:nvPicPr>
-          <p:cNvPr descr="../images/r/hcl-50.png" id="0" name="Picture 1"/>
+          <p:cNvPr descr="../images/r/hsv-2.png" id="0" name="Picture 1"/>
           <p:cNvPicPr>
             <a:picLocks noGrp="1" noChangeAspect="1"/>
           </p:cNvPicPr>
@@ -19396,14 +20216,38 @@
             </a:r>
             <a:r>
               <a:rPr/>
-              <a:t>Luminance=30%</a:t>
+              <a:t>HSV</a:t>
+            </a:r>
+            <a:r>
+              <a:rPr/>
+              <a:t> </a:t>
+            </a:r>
+            <a:r>
+              <a:rPr/>
+              <a:t>system,</a:t>
+            </a:r>
+            <a:r>
+              <a:rPr/>
+              <a:t> </a:t>
+            </a:r>
+            <a:r>
+              <a:rPr/>
+              <a:t>saturation</a:t>
+            </a:r>
+            <a:r>
+              <a:rPr/>
+              <a:t> </a:t>
+            </a:r>
+            <a:r>
+              <a:rPr/>
+              <a:t>only</a:t>
             </a:r>
           </a:p>
         </p:txBody>
       </p:sp>
       <p:pic>
         <p:nvPicPr>
-          <p:cNvPr descr="../images/r/hcl-30.png" id="0" name="Picture 1"/>
+          <p:cNvPr descr="../images/r/hsv-3.png" id="0" name="Picture 1"/>
           <p:cNvPicPr>
             <a:picLocks noGrp="1" noChangeAspect="1"/>
           </p:cNvPicPr>
@@ -19481,37 +20325,53 @@
             </a:r>
             <a:r>
               <a:rPr/>
-              <a:t>CMYK</a:t>
-            </a:r>
-            <a:r>
-              <a:rPr/>
-              <a:t> </a:t>
-            </a:r>
-            <a:r>
-              <a:rPr/>
-              <a:t>system</a:t>
+              <a:t>HSV</a:t>
+            </a:r>
+            <a:r>
+              <a:rPr/>
+              <a:t> </a:t>
+            </a:r>
+            <a:r>
+              <a:rPr/>
+              <a:t>system,</a:t>
+            </a:r>
+            <a:r>
+              <a:rPr/>
+              <a:t> </a:t>
+            </a:r>
+            <a:r>
+              <a:rPr/>
+              <a:t>value</a:t>
+            </a:r>
+            <a:r>
+              <a:rPr/>
+              <a:t> </a:t>
+            </a:r>
+            <a:r>
+              <a:rPr/>
+              <a:t>only</a:t>
             </a:r>
           </a:p>
         </p:txBody>
       </p:sp>
       <p:pic>
         <p:nvPicPr>
-          <p:cNvPr descr="../images/external/cymk-subtractive.png" id="0" name="Picture 1"/>
+          <p:cNvPr descr="../images/r/hsv-4.png" id="0" name="Picture 1"/>
           <p:cNvPicPr>
             <a:picLocks noGrp="1" noChangeAspect="1"/>
           </p:cNvPicPr>
           <p:nvPr/>
         </p:nvPicPr>
         <p:blipFill>
-          <a:blip r:embed="rId3"/>
+          <a:blip r:embed="rId2"/>
           <a:stretch>
             <a:fillRect/>
           </a:stretch>
         </p:blipFill>
         <p:spPr bwMode="auto">
           <a:xfrm>
-            <a:off x="2565400" y="1600200"/>
-            <a:ext cx="4013200" cy="4013200"/>
+            <a:off x="2311400" y="1600200"/>
+            <a:ext cx="4521200" cy="4521200"/>
           </a:xfrm>
           <a:prstGeom prst="rect">
             <a:avLst/>
@@ -19524,68 +20384,6 @@
           </a:ln>
         </p:spPr>
       </p:pic>
-      <p:sp>
-        <p:nvSpPr>
-          <p:cNvPr id="1" name="TextBox 3"/>
-          <p:cNvSpPr txBox="1"/>
-          <p:nvPr/>
-        </p:nvSpPr>
-        <p:spPr>
-          <a:xfrm>
-            <a:off x="457200" y="5613400"/>
-            <a:ext cx="8229600" cy="508000"/>
-          </a:xfrm>
-          <a:prstGeom prst="rect">
-            <a:avLst/>
-          </a:prstGeom>
-          <a:noFill/>
-        </p:spPr>
-        <p:txBody>
-          <a:bodyPr/>
-          <a:lstStyle/>
-          <a:p>
-            <a:pPr lvl="0" marL="0" indent="0" algn="ctr">
-              <a:buNone/>
-            </a:pPr>
-            <a:r>
-              <a:rPr/>
-              <a:t>Illustration</a:t>
-            </a:r>
-            <a:r>
-              <a:rPr/>
-              <a:t> </a:t>
-            </a:r>
-            <a:r>
-              <a:rPr/>
-              <a:t>of</a:t>
-            </a:r>
-            <a:r>
-              <a:rPr/>
-              <a:t> </a:t>
-            </a:r>
-            <a:r>
-              <a:rPr/>
-              <a:t>subtractive</a:t>
-            </a:r>
-            <a:r>
-              <a:rPr/>
-              <a:t> </a:t>
-            </a:r>
-            <a:r>
-              <a:rPr/>
-              <a:t>color</a:t>
-            </a:r>
-            <a:r>
-              <a:rPr/>
-              <a:t> </a:t>
-            </a:r>
-            <a:r>
-              <a:rPr/>
-              <a:t>scheme</a:t>
-            </a:r>
-          </a:p>
-        </p:txBody>
-      </p:sp>
     </p:spTree>
   </p:cSld>
 </p:sld>
@@ -19636,23 +20434,15 @@
             </a:r>
             <a:r>
               <a:rPr/>
-              <a:t>CMYK</a:t>
-            </a:r>
-            <a:r>
-              <a:rPr/>
-              <a:t> </a:t>
-            </a:r>
-            <a:r>
-              <a:rPr/>
-              <a:t>system,</a:t>
-            </a:r>
-            <a:r>
-              <a:rPr/>
-              <a:t> </a:t>
-            </a:r>
-            <a:r>
-              <a:rPr/>
-              <a:t>combinations</a:t>
+              <a:t>HCL</a:t>
+            </a:r>
+            <a:r>
+              <a:rPr/>
+              <a:t> </a:t>
+            </a:r>
+            <a:r>
+              <a:rPr/>
+              <a:t>system</a:t>
             </a:r>
           </a:p>
         </p:txBody>
@@ -19675,35 +20465,77 @@
             <a:pPr lvl="1"/>
             <a:r>
               <a:rPr/>
-              <a:t>Building blocks Cyan (C), Magenta (M), Yellow (Y), Black (K).</a:t>
+              <a:t>H = hue</a:t>
+            </a:r>
+          </a:p>
+          <a:p>
+            <a:pPr lvl="2"/>
+            <a:r>
+              <a:rPr/>
+              <a:t>arranged on a wheel 0-360 degrees</a:t>
+            </a:r>
+          </a:p>
+          <a:p>
+            <a:pPr lvl="2"/>
+            <a:r>
+              <a:rPr/>
+              <a:t>0 = red, 120 = green, 240 = blue</a:t>
+            </a:r>
+          </a:p>
+          <a:p>
+            <a:pPr lvl="2"/>
+            <a:r>
+              <a:rPr/>
+              <a:t>60 = yellow, 180 = cyan, 240 = magenta</a:t>
             </a:r>
           </a:p>
           <a:p>
             <a:pPr lvl="1"/>
             <a:r>
               <a:rPr/>
-              <a:t>Cyan plus Magenta equals Blue</a:t>
+              <a:t>C = chroma</a:t>
+            </a:r>
+          </a:p>
+          <a:p>
+            <a:pPr lvl="2"/>
+            <a:r>
+              <a:rPr/>
+              <a:t>colorfulness relative to a gray of equal luminence</a:t>
+            </a:r>
+          </a:p>
+          <a:p>
+            <a:pPr lvl="2"/>
+            <a:r>
+              <a:rPr/>
+              <a:t>not quite same as saturation</a:t>
             </a:r>
           </a:p>
           <a:p>
             <a:pPr lvl="1"/>
             <a:r>
               <a:rPr/>
-              <a:t>Cyan plus Yellow equals Green</a:t>
+              <a:t>L = luminence</a:t>
+            </a:r>
+          </a:p>
+          <a:p>
+            <a:pPr lvl="2"/>
+            <a:r>
+              <a:rPr/>
+              <a:t>brightness, lightness</a:t>
             </a:r>
           </a:p>
           <a:p>
             <a:pPr lvl="1"/>
             <a:r>
               <a:rPr/>
-              <a:t>Magenta plus Yellow equals Red</a:t>
+              <a:t>Not all combinations of HCL work</a:t>
             </a:r>
           </a:p>
           <a:p>
             <a:pPr lvl="1"/>
             <a:r>
               <a:rPr/>
-              <a:t>All three combined equals Black</a:t>
+              <a:t>Very similar systems are CIE-LUV, CIE-LAB</a:t>
             </a:r>
           </a:p>
         </p:txBody>
@@ -20045,6 +20877,362 @@
             </a:r>
             <a:r>
               <a:rPr/>
+              <a:t>Luminance</a:t>
+            </a:r>
+            <a:r>
+              <a:rPr/>
+              <a:t> </a:t>
+            </a:r>
+            <a:r>
+              <a:rPr/>
+              <a:t>=</a:t>
+            </a:r>
+            <a:r>
+              <a:rPr/>
+              <a:t> </a:t>
+            </a:r>
+            <a:r>
+              <a:rPr/>
+              <a:t>90%</a:t>
+            </a:r>
+          </a:p>
+        </p:txBody>
+      </p:sp>
+      <p:pic>
+        <p:nvPicPr>
+          <p:cNvPr descr="../images/r/hcl-90.png" id="0" name="Picture 1"/>
+          <p:cNvPicPr>
+            <a:picLocks noGrp="1" noChangeAspect="1"/>
+          </p:cNvPicPr>
+          <p:nvPr/>
+        </p:nvPicPr>
+        <p:blipFill>
+          <a:blip r:embed="rId2"/>
+          <a:stretch>
+            <a:fillRect/>
+          </a:stretch>
+        </p:blipFill>
+        <p:spPr bwMode="auto">
+          <a:xfrm>
+            <a:off x="2311400" y="1600200"/>
+            <a:ext cx="4521200" cy="4521200"/>
+          </a:xfrm>
+          <a:prstGeom prst="rect">
+            <a:avLst/>
+          </a:prstGeom>
+          <a:noFill/>
+          <a:ln w="9525">
+            <a:noFill/>
+            <a:headEnd/>
+            <a:tailEnd/>
+          </a:ln>
+        </p:spPr>
+      </p:pic>
+    </p:spTree>
+  </p:cSld>
+</p:sld>
+</file>
+
+<file path=ppt/slides/slide41.xml><?xml version="1.0" encoding="utf-8"?>
+<p:sld xmlns:a="http://schemas.openxmlformats.org/drawingml/2006/main" xmlns:r="http://schemas.openxmlformats.org/officeDocument/2006/relationships" xmlns:p="http://schemas.openxmlformats.org/presentationml/2006/main">
+  <p:cSld>
+    <p:spTree>
+      <p:nvGrpSpPr>
+        <p:cNvPr id="1" name=""/>
+        <p:cNvGrpSpPr/>
+        <p:nvPr/>
+      </p:nvGrpSpPr>
+      <p:grpSpPr>
+        <a:xfrm>
+          <a:off x="0" y="0"/>
+          <a:ext cx="0" cy="0"/>
+          <a:chOff x="0" y="0"/>
+          <a:chExt cx="0" cy="0"/>
+        </a:xfrm>
+      </p:grpSpPr>
+      <p:sp>
+        <p:nvSpPr>
+          <p:cNvPr id="2" name="Title 1"/>
+          <p:cNvSpPr>
+            <a:spLocks noGrp="1"/>
+          </p:cNvSpPr>
+          <p:nvPr>
+            <p:ph type="title"/>
+          </p:nvPr>
+        </p:nvSpPr>
+        <p:spPr/>
+        <p:txBody>
+          <a:bodyPr/>
+          <a:lstStyle/>
+          <a:p>
+            <a:pPr lvl="0" marL="0" indent="0">
+              <a:buNone/>
+            </a:pPr>
+            <a:r>
+              <a:rPr/>
+              <a:t>Colors,</a:t>
+            </a:r>
+            <a:r>
+              <a:rPr/>
+              <a:t> </a:t>
+            </a:r>
+            <a:r>
+              <a:rPr/>
+              <a:t>Luminance=70%</a:t>
+            </a:r>
+          </a:p>
+        </p:txBody>
+      </p:sp>
+      <p:pic>
+        <p:nvPicPr>
+          <p:cNvPr descr="../images/r/hcl-70.png" id="0" name="Picture 1"/>
+          <p:cNvPicPr>
+            <a:picLocks noGrp="1" noChangeAspect="1"/>
+          </p:cNvPicPr>
+          <p:nvPr/>
+        </p:nvPicPr>
+        <p:blipFill>
+          <a:blip r:embed="rId2"/>
+          <a:stretch>
+            <a:fillRect/>
+          </a:stretch>
+        </p:blipFill>
+        <p:spPr bwMode="auto">
+          <a:xfrm>
+            <a:off x="2311400" y="1600200"/>
+            <a:ext cx="4521200" cy="4521200"/>
+          </a:xfrm>
+          <a:prstGeom prst="rect">
+            <a:avLst/>
+          </a:prstGeom>
+          <a:noFill/>
+          <a:ln w="9525">
+            <a:noFill/>
+            <a:headEnd/>
+            <a:tailEnd/>
+          </a:ln>
+        </p:spPr>
+      </p:pic>
+    </p:spTree>
+  </p:cSld>
+</p:sld>
+</file>
+
+<file path=ppt/slides/slide42.xml><?xml version="1.0" encoding="utf-8"?>
+<p:sld xmlns:a="http://schemas.openxmlformats.org/drawingml/2006/main" xmlns:r="http://schemas.openxmlformats.org/officeDocument/2006/relationships" xmlns:p="http://schemas.openxmlformats.org/presentationml/2006/main">
+  <p:cSld>
+    <p:spTree>
+      <p:nvGrpSpPr>
+        <p:cNvPr id="1" name=""/>
+        <p:cNvGrpSpPr/>
+        <p:nvPr/>
+      </p:nvGrpSpPr>
+      <p:grpSpPr>
+        <a:xfrm>
+          <a:off x="0" y="0"/>
+          <a:ext cx="0" cy="0"/>
+          <a:chOff x="0" y="0"/>
+          <a:chExt cx="0" cy="0"/>
+        </a:xfrm>
+      </p:grpSpPr>
+      <p:sp>
+        <p:nvSpPr>
+          <p:cNvPr id="2" name="Title 1"/>
+          <p:cNvSpPr>
+            <a:spLocks noGrp="1"/>
+          </p:cNvSpPr>
+          <p:nvPr>
+            <p:ph type="title"/>
+          </p:nvPr>
+        </p:nvSpPr>
+        <p:spPr/>
+        <p:txBody>
+          <a:bodyPr/>
+          <a:lstStyle/>
+          <a:p>
+            <a:pPr lvl="0" marL="0" indent="0">
+              <a:buNone/>
+            </a:pPr>
+            <a:r>
+              <a:rPr/>
+              <a:t>Colors,</a:t>
+            </a:r>
+            <a:r>
+              <a:rPr/>
+              <a:t> </a:t>
+            </a:r>
+            <a:r>
+              <a:rPr/>
+              <a:t>Luminance=50%</a:t>
+            </a:r>
+          </a:p>
+        </p:txBody>
+      </p:sp>
+      <p:pic>
+        <p:nvPicPr>
+          <p:cNvPr descr="../images/r/hcl-50.png" id="0" name="Picture 1"/>
+          <p:cNvPicPr>
+            <a:picLocks noGrp="1" noChangeAspect="1"/>
+          </p:cNvPicPr>
+          <p:nvPr/>
+        </p:nvPicPr>
+        <p:blipFill>
+          <a:blip r:embed="rId2"/>
+          <a:stretch>
+            <a:fillRect/>
+          </a:stretch>
+        </p:blipFill>
+        <p:spPr bwMode="auto">
+          <a:xfrm>
+            <a:off x="2311400" y="1600200"/>
+            <a:ext cx="4521200" cy="4521200"/>
+          </a:xfrm>
+          <a:prstGeom prst="rect">
+            <a:avLst/>
+          </a:prstGeom>
+          <a:noFill/>
+          <a:ln w="9525">
+            <a:noFill/>
+            <a:headEnd/>
+            <a:tailEnd/>
+          </a:ln>
+        </p:spPr>
+      </p:pic>
+    </p:spTree>
+  </p:cSld>
+</p:sld>
+</file>
+
+<file path=ppt/slides/slide43.xml><?xml version="1.0" encoding="utf-8"?>
+<p:sld xmlns:a="http://schemas.openxmlformats.org/drawingml/2006/main" xmlns:r="http://schemas.openxmlformats.org/officeDocument/2006/relationships" xmlns:p="http://schemas.openxmlformats.org/presentationml/2006/main">
+  <p:cSld>
+    <p:spTree>
+      <p:nvGrpSpPr>
+        <p:cNvPr id="1" name=""/>
+        <p:cNvGrpSpPr/>
+        <p:nvPr/>
+      </p:nvGrpSpPr>
+      <p:grpSpPr>
+        <a:xfrm>
+          <a:off x="0" y="0"/>
+          <a:ext cx="0" cy="0"/>
+          <a:chOff x="0" y="0"/>
+          <a:chExt cx="0" cy="0"/>
+        </a:xfrm>
+      </p:grpSpPr>
+      <p:sp>
+        <p:nvSpPr>
+          <p:cNvPr id="2" name="Title 1"/>
+          <p:cNvSpPr>
+            <a:spLocks noGrp="1"/>
+          </p:cNvSpPr>
+          <p:nvPr>
+            <p:ph type="title"/>
+          </p:nvPr>
+        </p:nvSpPr>
+        <p:spPr/>
+        <p:txBody>
+          <a:bodyPr/>
+          <a:lstStyle/>
+          <a:p>
+            <a:pPr lvl="0" marL="0" indent="0">
+              <a:buNone/>
+            </a:pPr>
+            <a:r>
+              <a:rPr/>
+              <a:t>Colors,</a:t>
+            </a:r>
+            <a:r>
+              <a:rPr/>
+              <a:t> </a:t>
+            </a:r>
+            <a:r>
+              <a:rPr/>
+              <a:t>Luminance=30%</a:t>
+            </a:r>
+          </a:p>
+        </p:txBody>
+      </p:sp>
+      <p:pic>
+        <p:nvPicPr>
+          <p:cNvPr descr="../images/r/hcl-30.png" id="0" name="Picture 1"/>
+          <p:cNvPicPr>
+            <a:picLocks noGrp="1" noChangeAspect="1"/>
+          </p:cNvPicPr>
+          <p:nvPr/>
+        </p:nvPicPr>
+        <p:blipFill>
+          <a:blip r:embed="rId2"/>
+          <a:stretch>
+            <a:fillRect/>
+          </a:stretch>
+        </p:blipFill>
+        <p:spPr bwMode="auto">
+          <a:xfrm>
+            <a:off x="2311400" y="1600200"/>
+            <a:ext cx="4521200" cy="4521200"/>
+          </a:xfrm>
+          <a:prstGeom prst="rect">
+            <a:avLst/>
+          </a:prstGeom>
+          <a:noFill/>
+          <a:ln w="9525">
+            <a:noFill/>
+            <a:headEnd/>
+            <a:tailEnd/>
+          </a:ln>
+        </p:spPr>
+      </p:pic>
+    </p:spTree>
+  </p:cSld>
+</p:sld>
+</file>
+
+<file path=ppt/slides/slide44.xml><?xml version="1.0" encoding="utf-8"?>
+<p:sld xmlns:a="http://schemas.openxmlformats.org/drawingml/2006/main" xmlns:r="http://schemas.openxmlformats.org/officeDocument/2006/relationships" xmlns:p="http://schemas.openxmlformats.org/presentationml/2006/main">
+  <p:cSld>
+    <p:spTree>
+      <p:nvGrpSpPr>
+        <p:cNvPr id="1" name=""/>
+        <p:cNvGrpSpPr/>
+        <p:nvPr/>
+      </p:nvGrpSpPr>
+      <p:grpSpPr>
+        <a:xfrm>
+          <a:off x="0" y="0"/>
+          <a:ext cx="0" cy="0"/>
+          <a:chOff x="0" y="0"/>
+          <a:chExt cx="0" cy="0"/>
+        </a:xfrm>
+      </p:grpSpPr>
+      <p:sp>
+        <p:nvSpPr>
+          <p:cNvPr id="2" name="Title 1"/>
+          <p:cNvSpPr>
+            <a:spLocks noGrp="1"/>
+          </p:cNvSpPr>
+          <p:nvPr>
+            <p:ph type="title"/>
+          </p:nvPr>
+        </p:nvSpPr>
+        <p:spPr/>
+        <p:txBody>
+          <a:bodyPr/>
+          <a:lstStyle/>
+          <a:p>
+            <a:pPr lvl="0" marL="0" indent="0">
+              <a:buNone/>
+            </a:pPr>
+            <a:r>
+              <a:rPr/>
+              <a:t>Colors,</a:t>
+            </a:r>
+            <a:r>
+              <a:rPr/>
+              <a:t> </a:t>
+            </a:r>
+            <a:r>
+              <a:rPr/>
               <a:t>CMYK</a:t>
             </a:r>
             <a:r>
@@ -20053,6 +21241,161 @@
             </a:r>
             <a:r>
               <a:rPr/>
+              <a:t>system</a:t>
+            </a:r>
+          </a:p>
+        </p:txBody>
+      </p:sp>
+      <p:pic>
+        <p:nvPicPr>
+          <p:cNvPr descr="../images/external/cymk-subtractive.png" id="0" name="Picture 1"/>
+          <p:cNvPicPr>
+            <a:picLocks noGrp="1" noChangeAspect="1"/>
+          </p:cNvPicPr>
+          <p:nvPr/>
+        </p:nvPicPr>
+        <p:blipFill>
+          <a:blip r:embed="rId3"/>
+          <a:stretch>
+            <a:fillRect/>
+          </a:stretch>
+        </p:blipFill>
+        <p:spPr bwMode="auto">
+          <a:xfrm>
+            <a:off x="2565400" y="1600200"/>
+            <a:ext cx="4013200" cy="4013200"/>
+          </a:xfrm>
+          <a:prstGeom prst="rect">
+            <a:avLst/>
+          </a:prstGeom>
+          <a:noFill/>
+          <a:ln w="9525">
+            <a:noFill/>
+            <a:headEnd/>
+            <a:tailEnd/>
+          </a:ln>
+        </p:spPr>
+      </p:pic>
+      <p:sp>
+        <p:nvSpPr>
+          <p:cNvPr id="1" name="TextBox 3"/>
+          <p:cNvSpPr txBox="1"/>
+          <p:nvPr/>
+        </p:nvSpPr>
+        <p:spPr>
+          <a:xfrm>
+            <a:off x="457200" y="5613400"/>
+            <a:ext cx="8229600" cy="508000"/>
+          </a:xfrm>
+          <a:prstGeom prst="rect">
+            <a:avLst/>
+          </a:prstGeom>
+          <a:noFill/>
+        </p:spPr>
+        <p:txBody>
+          <a:bodyPr/>
+          <a:lstStyle/>
+          <a:p>
+            <a:pPr lvl="0" marL="0" indent="0" algn="ctr">
+              <a:buNone/>
+            </a:pPr>
+            <a:r>
+              <a:rPr/>
+              <a:t>Illustration</a:t>
+            </a:r>
+            <a:r>
+              <a:rPr/>
+              <a:t> </a:t>
+            </a:r>
+            <a:r>
+              <a:rPr/>
+              <a:t>of</a:t>
+            </a:r>
+            <a:r>
+              <a:rPr/>
+              <a:t> </a:t>
+            </a:r>
+            <a:r>
+              <a:rPr/>
+              <a:t>subtractive</a:t>
+            </a:r>
+            <a:r>
+              <a:rPr/>
+              <a:t> </a:t>
+            </a:r>
+            <a:r>
+              <a:rPr/>
+              <a:t>color</a:t>
+            </a:r>
+            <a:r>
+              <a:rPr/>
+              <a:t> </a:t>
+            </a:r>
+            <a:r>
+              <a:rPr/>
+              <a:t>scheme</a:t>
+            </a:r>
+          </a:p>
+        </p:txBody>
+      </p:sp>
+    </p:spTree>
+  </p:cSld>
+</p:sld>
+</file>
+
+<file path=ppt/slides/slide45.xml><?xml version="1.0" encoding="utf-8"?>
+<p:sld xmlns:a="http://schemas.openxmlformats.org/drawingml/2006/main" xmlns:r="http://schemas.openxmlformats.org/officeDocument/2006/relationships" xmlns:p="http://schemas.openxmlformats.org/presentationml/2006/main">
+  <p:cSld>
+    <p:spTree>
+      <p:nvGrpSpPr>
+        <p:cNvPr id="1" name=""/>
+        <p:cNvGrpSpPr/>
+        <p:nvPr/>
+      </p:nvGrpSpPr>
+      <p:grpSpPr>
+        <a:xfrm>
+          <a:off x="0" y="0"/>
+          <a:ext cx="0" cy="0"/>
+          <a:chOff x="0" y="0"/>
+          <a:chExt cx="0" cy="0"/>
+        </a:xfrm>
+      </p:grpSpPr>
+      <p:sp>
+        <p:nvSpPr>
+          <p:cNvPr id="2" name="Title 1"/>
+          <p:cNvSpPr>
+            <a:spLocks noGrp="1"/>
+          </p:cNvSpPr>
+          <p:nvPr>
+            <p:ph type="title"/>
+          </p:nvPr>
+        </p:nvSpPr>
+        <p:spPr/>
+        <p:txBody>
+          <a:bodyPr/>
+          <a:lstStyle/>
+          <a:p>
+            <a:pPr lvl="0" marL="0" indent="0">
+              <a:buNone/>
+            </a:pPr>
+            <a:r>
+              <a:rPr/>
+              <a:t>Colors,</a:t>
+            </a:r>
+            <a:r>
+              <a:rPr/>
+              <a:t> </a:t>
+            </a:r>
+            <a:r>
+              <a:rPr/>
+              <a:t>CMYK</a:t>
+            </a:r>
+            <a:r>
+              <a:rPr/>
+              <a:t> </a:t>
+            </a:r>
+            <a:r>
+              <a:rPr/>
               <a:t>system,</a:t>
             </a:r>
             <a:r>
@@ -20061,31 +21404,7 @@
             </a:r>
             <a:r>
               <a:rPr/>
-              <a:t>Why</a:t>
-            </a:r>
-            <a:r>
-              <a:rPr/>
-              <a:t> </a:t>
-            </a:r>
-            <a:r>
-              <a:rPr/>
-              <a:t>you</a:t>
-            </a:r>
-            <a:r>
-              <a:rPr/>
-              <a:t> </a:t>
-            </a:r>
-            <a:r>
-              <a:rPr/>
-              <a:t>need</a:t>
-            </a:r>
-            <a:r>
-              <a:rPr/>
-              <a:t> </a:t>
-            </a:r>
-            <a:r>
-              <a:rPr/>
-              <a:t>black</a:t>
+              <a:t>combinations</a:t>
             </a:r>
           </a:p>
         </p:txBody>
@@ -20108,21 +21427,35 @@
             <a:pPr lvl="1"/>
             <a:r>
               <a:rPr/>
-              <a:t>Only in theory does, C+M+Y = Black</a:t>
-            </a:r>
-          </a:p>
-          <a:p>
-            <a:pPr lvl="2"/>
-            <a:r>
-              <a:rPr/>
-              <a:t>Too much ink</a:t>
-            </a:r>
-          </a:p>
-          <a:p>
-            <a:pPr lvl="2"/>
-            <a:r>
-              <a:rPr/>
-              <a:t>Dull muddy color</a:t>
+              <a:t>Building blocks Cyan (C), Magenta (M), Yellow (Y), Black (K).</a:t>
+            </a:r>
+          </a:p>
+          <a:p>
+            <a:pPr lvl="1"/>
+            <a:r>
+              <a:rPr/>
+              <a:t>Cyan plus Magenta equals Blue</a:t>
+            </a:r>
+          </a:p>
+          <a:p>
+            <a:pPr lvl="1"/>
+            <a:r>
+              <a:rPr/>
+              <a:t>Cyan plus Yellow equals Green</a:t>
+            </a:r>
+          </a:p>
+          <a:p>
+            <a:pPr lvl="1"/>
+            <a:r>
+              <a:rPr/>
+              <a:t>Magenta plus Yellow equals Red</a:t>
+            </a:r>
+          </a:p>
+          <a:p>
+            <a:pPr lvl="1"/>
+            <a:r>
+              <a:rPr/>
+              <a:t>All three combined equals Black</a:t>
             </a:r>
           </a:p>
         </p:txBody>
@@ -20132,7 +21465,139 @@
 </p:sld>
 </file>
 
-<file path=ppt/slides/slide41.xml><?xml version="1.0" encoding="utf-8"?>
+<file path=ppt/slides/slide46.xml><?xml version="1.0" encoding="utf-8"?>
+<p:sld xmlns:a="http://schemas.openxmlformats.org/drawingml/2006/main" xmlns:r="http://schemas.openxmlformats.org/officeDocument/2006/relationships" xmlns:p="http://schemas.openxmlformats.org/presentationml/2006/main">
+  <p:cSld>
+    <p:spTree>
+      <p:nvGrpSpPr>
+        <p:cNvPr id="1" name=""/>
+        <p:cNvGrpSpPr/>
+        <p:nvPr/>
+      </p:nvGrpSpPr>
+      <p:grpSpPr>
+        <a:xfrm>
+          <a:off x="0" y="0"/>
+          <a:ext cx="0" cy="0"/>
+          <a:chOff x="0" y="0"/>
+          <a:chExt cx="0" cy="0"/>
+        </a:xfrm>
+      </p:grpSpPr>
+      <p:sp>
+        <p:nvSpPr>
+          <p:cNvPr id="2" name="Title 1"/>
+          <p:cNvSpPr>
+            <a:spLocks noGrp="1"/>
+          </p:cNvSpPr>
+          <p:nvPr>
+            <p:ph type="title"/>
+          </p:nvPr>
+        </p:nvSpPr>
+        <p:spPr/>
+        <p:txBody>
+          <a:bodyPr/>
+          <a:lstStyle/>
+          <a:p>
+            <a:pPr lvl="0" marL="0" indent="0">
+              <a:buNone/>
+            </a:pPr>
+            <a:r>
+              <a:rPr/>
+              <a:t>Colors,</a:t>
+            </a:r>
+            <a:r>
+              <a:rPr/>
+              <a:t> </a:t>
+            </a:r>
+            <a:r>
+              <a:rPr/>
+              <a:t>CMYK</a:t>
+            </a:r>
+            <a:r>
+              <a:rPr/>
+              <a:t> </a:t>
+            </a:r>
+            <a:r>
+              <a:rPr/>
+              <a:t>system,</a:t>
+            </a:r>
+            <a:r>
+              <a:rPr/>
+              <a:t> </a:t>
+            </a:r>
+            <a:r>
+              <a:rPr/>
+              <a:t>Why</a:t>
+            </a:r>
+            <a:r>
+              <a:rPr/>
+              <a:t> </a:t>
+            </a:r>
+            <a:r>
+              <a:rPr/>
+              <a:t>you</a:t>
+            </a:r>
+            <a:r>
+              <a:rPr/>
+              <a:t> </a:t>
+            </a:r>
+            <a:r>
+              <a:rPr/>
+              <a:t>need</a:t>
+            </a:r>
+            <a:r>
+              <a:rPr/>
+              <a:t> </a:t>
+            </a:r>
+            <a:r>
+              <a:rPr/>
+              <a:t>black</a:t>
+            </a:r>
+          </a:p>
+        </p:txBody>
+      </p:sp>
+      <p:sp>
+        <p:nvSpPr>
+          <p:cNvPr id="3" name="Content Placeholder 2"/>
+          <p:cNvSpPr>
+            <a:spLocks noGrp="1"/>
+          </p:cNvSpPr>
+          <p:nvPr>
+            <p:ph idx="1"/>
+          </p:nvPr>
+        </p:nvSpPr>
+        <p:spPr/>
+        <p:txBody>
+          <a:bodyPr/>
+          <a:lstStyle/>
+          <a:p>
+            <a:pPr lvl="1"/>
+            <a:r>
+              <a:rPr/>
+              <a:t>Only in theory does, C+M+Y = Black</a:t>
+            </a:r>
+          </a:p>
+          <a:p>
+            <a:pPr lvl="2"/>
+            <a:r>
+              <a:rPr/>
+              <a:t>Too much ink</a:t>
+            </a:r>
+          </a:p>
+          <a:p>
+            <a:pPr lvl="2"/>
+            <a:r>
+              <a:rPr/>
+              <a:t>Dull muddy color</a:t>
+            </a:r>
+          </a:p>
+        </p:txBody>
+      </p:sp>
+    </p:spTree>
+  </p:cSld>
+</p:sld>
+</file>
+
+<file path=ppt/slides/slide47.xml><?xml version="1.0" encoding="utf-8"?>
 <p:sld xmlns:a="http://schemas.openxmlformats.org/drawingml/2006/main" xmlns:r="http://schemas.openxmlformats.org/officeDocument/2006/relationships" xmlns:p="http://schemas.openxmlformats.org/presentationml/2006/main">
   <p:cSld>
     <p:spTree>

--- a/data-viz-02/component/tutorial-colors.pptx
+++ b/data-viz-02/component/tutorial-colors.pptx
@@ -5,7 +5,7 @@
     <p:sldMasterId id="2147483648" r:id="rId1"/>
   </p:sldMasterIdLst>
   <p:notesMasterIdLst>
-    <p:NotesMasterId r:id="rId49"/>
+    <p:NotesMasterId r:id="rId51"/>
   </p:notesMasterIdLst>
   <p:sldIdLst>
     <p:sldId id="256" r:id="rId2"/>
@@ -55,6 +55,8 @@
     <p:sldId id="300" r:id="rId46"/>
     <p:sldId id="301" r:id="rId47"/>
     <p:sldId id="302" r:id="rId48"/>
+    <p:sldId id="303" r:id="rId49"/>
+    <p:sldId id="304" r:id="rId50"/>
   </p:sldIdLst>
   <p:sldSz cx="9144000" cy="6858000" type="screen4x3"/>
   <p:notesSz cx="6858000" cy="9144000"/>
@@ -6465,7 +6467,7 @@
           <a:p>
             <a:fld id="{18BDFEC3-8487-43E8-A154-7C12CBC1FFF2}" type="slidenum">
               <a:rPr lang="en-US"/>
-              <a:t>31</a:t>
+              <a:t>32</a:t>
             </a:fld>
             <a:endParaRPr lang="en-US"/>
           </a:p>
@@ -6547,7 +6549,7 @@
           <a:p>
             <a:fld id="{18BDFEC3-8487-43E8-A154-7C12CBC1FFF2}" type="slidenum">
               <a:rPr lang="en-US"/>
-              <a:t>32</a:t>
+              <a:t>34</a:t>
             </a:fld>
             <a:endParaRPr lang="en-US"/>
           </a:p>
@@ -6629,7 +6631,7 @@
           <a:p>
             <a:fld id="{18BDFEC3-8487-43E8-A154-7C12CBC1FFF2}" type="slidenum">
               <a:rPr lang="en-US"/>
-              <a:t>33</a:t>
+              <a:t>35</a:t>
             </a:fld>
             <a:endParaRPr lang="en-US"/>
           </a:p>
@@ -6893,7 +6895,7 @@
           <a:p>
             <a:fld id="{18BDFEC3-8487-43E8-A154-7C12CBC1FFF2}" type="slidenum">
               <a:rPr lang="en-US"/>
-              <a:t>39</a:t>
+              <a:t>41</a:t>
             </a:fld>
             <a:endParaRPr lang="en-US"/>
           </a:p>
@@ -7487,7 +7489,7 @@
           <a:p>
             <a:fld id="{18BDFEC3-8487-43E8-A154-7C12CBC1FFF2}" type="slidenum">
               <a:rPr lang="en-US"/>
-              <a:t>44</a:t>
+              <a:t>46</a:t>
             </a:fld>
             <a:endParaRPr lang="en-US"/>
           </a:p>
@@ -8057,7 +8059,7 @@
           <a:p>
             <a:fld id="{18BDFEC3-8487-43E8-A154-7C12CBC1FFF2}" type="slidenum">
               <a:rPr lang="en-US"/>
-              <a:t>47</a:t>
+              <a:t>49</a:t>
             </a:fld>
             <a:endParaRPr lang="en-US"/>
           </a:p>
@@ -19380,8 +19382,8 @@
         </p:blipFill>
         <p:spPr bwMode="auto">
           <a:xfrm>
-            <a:off x="1409700" y="1600200"/>
-            <a:ext cx="6311900" cy="4013200"/>
+            <a:off x="1447800" y="1600200"/>
+            <a:ext cx="6248400" cy="4013200"/>
           </a:xfrm>
           <a:prstGeom prst="rect">
             <a:avLst/>
@@ -19519,14 +19521,66 @@
           </a:p>
         </p:txBody>
       </p:sp>
+      <p:pic>
+        <p:nvPicPr>
+          <p:cNvPr descr="../images/r/heat-colors.png" id="0" name="Picture 1"/>
+          <p:cNvPicPr>
+            <a:picLocks noGrp="1" noChangeAspect="1"/>
+          </p:cNvPicPr>
+          <p:nvPr/>
+        </p:nvPicPr>
+        <p:blipFill>
+          <a:blip r:embed="rId2"/>
+          <a:stretch>
+            <a:fillRect/>
+          </a:stretch>
+        </p:blipFill>
+        <p:spPr bwMode="auto">
+          <a:xfrm>
+            <a:off x="2311400" y="1600200"/>
+            <a:ext cx="4521200" cy="4521200"/>
+          </a:xfrm>
+          <a:prstGeom prst="rect">
+            <a:avLst/>
+          </a:prstGeom>
+          <a:noFill/>
+          <a:ln w="9525">
+            <a:noFill/>
+            <a:headEnd/>
+            <a:tailEnd/>
+          </a:ln>
+        </p:spPr>
+      </p:pic>
+    </p:spTree>
+  </p:cSld>
+</p:sld>
+</file>
+
+<file path=ppt/slides/slide32.xml><?xml version="1.0" encoding="utf-8"?>
+<p:sld xmlns:a="http://schemas.openxmlformats.org/drawingml/2006/main" xmlns:r="http://schemas.openxmlformats.org/officeDocument/2006/relationships" xmlns:p="http://schemas.openxmlformats.org/presentationml/2006/main">
+  <p:cSld>
+    <p:spTree>
+      <p:nvGrpSpPr>
+        <p:cNvPr id="1" name=""/>
+        <p:cNvGrpSpPr/>
+        <p:nvPr/>
+      </p:nvGrpSpPr>
+      <p:grpSpPr>
+        <a:xfrm>
+          <a:off x="0" y="0"/>
+          <a:ext cx="0" cy="0"/>
+          <a:chOff x="0" y="0"/>
+          <a:chExt cx="0" cy="0"/>
+        </a:xfrm>
+      </p:grpSpPr>
       <p:sp>
         <p:nvSpPr>
-          <p:cNvPr id="3" name="Content Placeholder 2"/>
+          <p:cNvPr id="2" name="Title 1"/>
           <p:cNvSpPr>
             <a:spLocks noGrp="1"/>
           </p:cNvSpPr>
           <p:nvPr>
-            <p:ph idx="1"/>
+            <p:ph type="title"/>
           </p:nvPr>
         </p:nvSpPr>
         <p:spPr/>
@@ -19539,17 +19593,140 @@
             </a:pPr>
             <a:r>
               <a:rPr/>
-              <a:t>(To be added)</a:t>
+              <a:t>Gradients</a:t>
+            </a:r>
+            <a:r>
+              <a:rPr/>
+              <a:t> </a:t>
+            </a:r>
+            <a:r>
+              <a:rPr/>
+              <a:t>in</a:t>
+            </a:r>
+            <a:r>
+              <a:rPr/>
+              <a:t> </a:t>
+            </a:r>
+            <a:r>
+              <a:rPr/>
+              <a:t>R</a:t>
             </a:r>
           </a:p>
         </p:txBody>
       </p:sp>
+      <p:pic>
+        <p:nvPicPr>
+          <p:cNvPr descr="../images/r/virdis-colors.png" id="0" name="Picture 1"/>
+          <p:cNvPicPr>
+            <a:picLocks noGrp="1" noChangeAspect="1"/>
+          </p:cNvPicPr>
+          <p:nvPr/>
+        </p:nvPicPr>
+        <p:blipFill>
+          <a:blip r:embed="rId3"/>
+          <a:stretch>
+            <a:fillRect/>
+          </a:stretch>
+        </p:blipFill>
+        <p:spPr bwMode="auto">
+          <a:xfrm>
+            <a:off x="2311400" y="1600200"/>
+            <a:ext cx="4521200" cy="4521200"/>
+          </a:xfrm>
+          <a:prstGeom prst="rect">
+            <a:avLst/>
+          </a:prstGeom>
+          <a:noFill/>
+          <a:ln w="9525">
+            <a:noFill/>
+            <a:headEnd/>
+            <a:tailEnd/>
+          </a:ln>
+        </p:spPr>
+      </p:pic>
     </p:spTree>
   </p:cSld>
 </p:sld>
 </file>
 
-<file path=ppt/slides/slide32.xml><?xml version="1.0" encoding="utf-8"?>
+<file path=ppt/slides/slide33.xml><?xml version="1.0" encoding="utf-8"?>
+<p:sld xmlns:a="http://schemas.openxmlformats.org/drawingml/2006/main" xmlns:r="http://schemas.openxmlformats.org/officeDocument/2006/relationships" xmlns:p="http://schemas.openxmlformats.org/presentationml/2006/main">
+  <p:cSld>
+    <p:spTree>
+      <p:nvGrpSpPr>
+        <p:cNvPr id="1" name=""/>
+        <p:cNvGrpSpPr/>
+        <p:nvPr/>
+      </p:nvGrpSpPr>
+      <p:grpSpPr>
+        <a:xfrm>
+          <a:off x="0" y="0"/>
+          <a:ext cx="0" cy="0"/>
+          <a:chOff x="0" y="0"/>
+          <a:chExt cx="0" cy="0"/>
+        </a:xfrm>
+      </p:grpSpPr>
+      <p:sp>
+        <p:nvSpPr>
+          <p:cNvPr id="2" name="Title 1"/>
+          <p:cNvSpPr>
+            <a:spLocks noGrp="1"/>
+          </p:cNvSpPr>
+          <p:nvPr>
+            <p:ph type="title"/>
+          </p:nvPr>
+        </p:nvSpPr>
+        <p:spPr/>
+        <p:txBody>
+          <a:bodyPr/>
+          <a:lstStyle/>
+          <a:p>
+            <a:pPr lvl="0" marL="0" indent="0">
+              <a:buNone/>
+            </a:pPr>
+            <a:r>
+              <a:rPr/>
+              <a:t>Gradients</a:t>
+            </a:r>
+          </a:p>
+        </p:txBody>
+      </p:sp>
+      <p:pic>
+        <p:nvPicPr>
+          <p:cNvPr descr="../images/r/rainbow-gradient.png" id="0" name="Picture 1"/>
+          <p:cNvPicPr>
+            <a:picLocks noGrp="1" noChangeAspect="1"/>
+          </p:cNvPicPr>
+          <p:nvPr/>
+        </p:nvPicPr>
+        <p:blipFill>
+          <a:blip r:embed="rId2"/>
+          <a:stretch>
+            <a:fillRect/>
+          </a:stretch>
+        </p:blipFill>
+        <p:spPr bwMode="auto">
+          <a:xfrm>
+            <a:off x="2311400" y="1600200"/>
+            <a:ext cx="4521200" cy="4521200"/>
+          </a:xfrm>
+          <a:prstGeom prst="rect">
+            <a:avLst/>
+          </a:prstGeom>
+          <a:noFill/>
+          <a:ln w="9525">
+            <a:noFill/>
+            <a:headEnd/>
+            <a:tailEnd/>
+          </a:ln>
+        </p:spPr>
+      </p:pic>
+    </p:spTree>
+  </p:cSld>
+</p:sld>
+</file>
+
+<file path=ppt/slides/slide34.xml><?xml version="1.0" encoding="utf-8"?>
 <p:sld xmlns:a="http://schemas.openxmlformats.org/drawingml/2006/main" xmlns:r="http://schemas.openxmlformats.org/officeDocument/2006/relationships" xmlns:p="http://schemas.openxmlformats.org/presentationml/2006/main">
   <p:cSld>
     <p:spTree>
@@ -19704,7 +19881,7 @@
 </p:sld>
 </file>
 
-<file path=ppt/slides/slide33.xml><?xml version="1.0" encoding="utf-8"?>
+<file path=ppt/slides/slide35.xml><?xml version="1.0" encoding="utf-8"?>
 <p:sld xmlns:a="http://schemas.openxmlformats.org/drawingml/2006/main" xmlns:r="http://schemas.openxmlformats.org/officeDocument/2006/relationships" xmlns:p="http://schemas.openxmlformats.org/presentationml/2006/main">
   <p:cSld>
     <p:spTree>
@@ -19883,185 +20060,6 @@
 </p:sld>
 </file>
 
-<file path=ppt/slides/slide34.xml><?xml version="1.0" encoding="utf-8"?>
-<p:sld xmlns:a="http://schemas.openxmlformats.org/drawingml/2006/main" xmlns:r="http://schemas.openxmlformats.org/officeDocument/2006/relationships" xmlns:p="http://schemas.openxmlformats.org/presentationml/2006/main">
-  <p:cSld>
-    <p:spTree>
-      <p:nvGrpSpPr>
-        <p:cNvPr id="1" name=""/>
-        <p:cNvGrpSpPr/>
-        <p:nvPr/>
-      </p:nvGrpSpPr>
-      <p:grpSpPr>
-        <a:xfrm>
-          <a:off x="0" y="0"/>
-          <a:ext cx="0" cy="0"/>
-          <a:chOff x="0" y="0"/>
-          <a:chExt cx="0" cy="0"/>
-        </a:xfrm>
-      </p:grpSpPr>
-      <p:sp>
-        <p:nvSpPr>
-          <p:cNvPr id="2" name="Title 1"/>
-          <p:cNvSpPr>
-            <a:spLocks noGrp="1"/>
-          </p:cNvSpPr>
-          <p:nvPr>
-            <p:ph type="title"/>
-          </p:nvPr>
-        </p:nvSpPr>
-        <p:spPr/>
-        <p:txBody>
-          <a:bodyPr/>
-          <a:lstStyle/>
-          <a:p>
-            <a:pPr lvl="0" marL="0" indent="0">
-              <a:buNone/>
-            </a:pPr>
-            <a:r>
-              <a:rPr/>
-              <a:t>Colors,</a:t>
-            </a:r>
-            <a:r>
-              <a:rPr/>
-              <a:t> </a:t>
-            </a:r>
-            <a:r>
-              <a:rPr/>
-              <a:t>HSV</a:t>
-            </a:r>
-            <a:r>
-              <a:rPr/>
-              <a:t> </a:t>
-            </a:r>
-            <a:r>
-              <a:rPr/>
-              <a:t>system</a:t>
-            </a:r>
-          </a:p>
-        </p:txBody>
-      </p:sp>
-      <p:sp>
-        <p:nvSpPr>
-          <p:cNvPr id="3" name="Content Placeholder 2"/>
-          <p:cNvSpPr>
-            <a:spLocks noGrp="1"/>
-          </p:cNvSpPr>
-          <p:nvPr>
-            <p:ph idx="1"/>
-          </p:nvPr>
-        </p:nvSpPr>
-        <p:spPr/>
-        <p:txBody>
-          <a:bodyPr/>
-          <a:lstStyle/>
-          <a:p>
-            <a:pPr lvl="1"/>
-            <a:r>
-              <a:rPr/>
-              <a:t>(To be added)</a:t>
-            </a:r>
-          </a:p>
-        </p:txBody>
-      </p:sp>
-    </p:spTree>
-  </p:cSld>
-</p:sld>
-</file>
-
-<file path=ppt/slides/slide35.xml><?xml version="1.0" encoding="utf-8"?>
-<p:sld xmlns:a="http://schemas.openxmlformats.org/drawingml/2006/main" xmlns:r="http://schemas.openxmlformats.org/officeDocument/2006/relationships" xmlns:p="http://schemas.openxmlformats.org/presentationml/2006/main">
-  <p:cSld>
-    <p:spTree>
-      <p:nvGrpSpPr>
-        <p:cNvPr id="1" name=""/>
-        <p:cNvGrpSpPr/>
-        <p:nvPr/>
-      </p:nvGrpSpPr>
-      <p:grpSpPr>
-        <a:xfrm>
-          <a:off x="0" y="0"/>
-          <a:ext cx="0" cy="0"/>
-          <a:chOff x="0" y="0"/>
-          <a:chExt cx="0" cy="0"/>
-        </a:xfrm>
-      </p:grpSpPr>
-      <p:sp>
-        <p:nvSpPr>
-          <p:cNvPr id="2" name="Title 1"/>
-          <p:cNvSpPr>
-            <a:spLocks noGrp="1"/>
-          </p:cNvSpPr>
-          <p:nvPr>
-            <p:ph type="title"/>
-          </p:nvPr>
-        </p:nvSpPr>
-        <p:spPr/>
-        <p:txBody>
-          <a:bodyPr/>
-          <a:lstStyle/>
-          <a:p>
-            <a:pPr lvl="0" marL="0" indent="0">
-              <a:buNone/>
-            </a:pPr>
-            <a:r>
-              <a:rPr/>
-              <a:t>Colors,</a:t>
-            </a:r>
-            <a:r>
-              <a:rPr/>
-              <a:t> </a:t>
-            </a:r>
-            <a:r>
-              <a:rPr/>
-              <a:t>HSV</a:t>
-            </a:r>
-            <a:r>
-              <a:rPr/>
-              <a:t> </a:t>
-            </a:r>
-            <a:r>
-              <a:rPr/>
-              <a:t>system</a:t>
-            </a:r>
-          </a:p>
-        </p:txBody>
-      </p:sp>
-      <p:pic>
-        <p:nvPicPr>
-          <p:cNvPr descr="../images/r/hsv-1.png" id="0" name="Picture 1"/>
-          <p:cNvPicPr>
-            <a:picLocks noGrp="1" noChangeAspect="1"/>
-          </p:cNvPicPr>
-          <p:nvPr/>
-        </p:nvPicPr>
-        <p:blipFill>
-          <a:blip r:embed="rId2"/>
-          <a:stretch>
-            <a:fillRect/>
-          </a:stretch>
-        </p:blipFill>
-        <p:spPr bwMode="auto">
-          <a:xfrm>
-            <a:off x="2311400" y="1600200"/>
-            <a:ext cx="4521200" cy="4521200"/>
-          </a:xfrm>
-          <a:prstGeom prst="rect">
-            <a:avLst/>
-          </a:prstGeom>
-          <a:noFill/>
-          <a:ln w="9525">
-            <a:noFill/>
-            <a:headEnd/>
-            <a:tailEnd/>
-          </a:ln>
-        </p:spPr>
-      </p:pic>
-    </p:spTree>
-  </p:cSld>
-</p:sld>
-</file>
-
 <file path=ppt/slides/slide36.xml><?xml version="1.0" encoding="utf-8"?>
 <p:sld xmlns:a="http://schemas.openxmlformats.org/drawingml/2006/main" xmlns:r="http://schemas.openxmlformats.org/officeDocument/2006/relationships" xmlns:p="http://schemas.openxmlformats.org/presentationml/2006/main">
   <p:cSld>
@@ -20115,57 +20113,34 @@
             </a:r>
             <a:r>
               <a:rPr/>
-              <a:t>system,</a:t>
-            </a:r>
-            <a:r>
-              <a:rPr/>
-              <a:t> </a:t>
-            </a:r>
-            <a:r>
-              <a:rPr/>
-              <a:t>hue</a:t>
-            </a:r>
-            <a:r>
-              <a:rPr/>
-              <a:t> </a:t>
-            </a:r>
-            <a:r>
-              <a:rPr/>
-              <a:t>only</a:t>
+              <a:t>system</a:t>
             </a:r>
           </a:p>
         </p:txBody>
       </p:sp>
-      <p:pic>
-        <p:nvPicPr>
-          <p:cNvPr descr="../images/r/hsv-2.png" id="0" name="Picture 1"/>
-          <p:cNvPicPr>
-            <a:picLocks noGrp="1" noChangeAspect="1"/>
-          </p:cNvPicPr>
-          <p:nvPr/>
-        </p:nvPicPr>
-        <p:blipFill>
-          <a:blip r:embed="rId2"/>
-          <a:stretch>
-            <a:fillRect/>
-          </a:stretch>
-        </p:blipFill>
-        <p:spPr bwMode="auto">
-          <a:xfrm>
-            <a:off x="2311400" y="1600200"/>
-            <a:ext cx="4521200" cy="4521200"/>
-          </a:xfrm>
-          <a:prstGeom prst="rect">
-            <a:avLst/>
-          </a:prstGeom>
-          <a:noFill/>
-          <a:ln w="9525">
-            <a:noFill/>
-            <a:headEnd/>
-            <a:tailEnd/>
-          </a:ln>
-        </p:spPr>
-      </p:pic>
+      <p:sp>
+        <p:nvSpPr>
+          <p:cNvPr id="3" name="Content Placeholder 2"/>
+          <p:cNvSpPr>
+            <a:spLocks noGrp="1"/>
+          </p:cNvSpPr>
+          <p:nvPr>
+            <p:ph idx="1"/>
+          </p:nvPr>
+        </p:nvSpPr>
+        <p:spPr/>
+        <p:txBody>
+          <a:bodyPr/>
+          <a:lstStyle/>
+          <a:p>
+            <a:pPr lvl="1"/>
+            <a:r>
+              <a:rPr/>
+              <a:t>(To be added)</a:t>
+            </a:r>
+          </a:p>
+        </p:txBody>
+      </p:sp>
     </p:spTree>
   </p:cSld>
 </p:sld>
@@ -20224,30 +20199,14 @@
             </a:r>
             <a:r>
               <a:rPr/>
-              <a:t>system,</a:t>
-            </a:r>
-            <a:r>
-              <a:rPr/>
-              <a:t> </a:t>
-            </a:r>
-            <a:r>
-              <a:rPr/>
-              <a:t>saturation</a:t>
-            </a:r>
-            <a:r>
-              <a:rPr/>
-              <a:t> </a:t>
-            </a:r>
-            <a:r>
-              <a:rPr/>
-              <a:t>only</a:t>
+              <a:t>system</a:t>
             </a:r>
           </a:p>
         </p:txBody>
       </p:sp>
       <p:pic>
         <p:nvPicPr>
-          <p:cNvPr descr="../images/r/hsv-3.png" id="0" name="Picture 1"/>
+          <p:cNvPr descr="../images/r/hsv-1.png" id="0" name="Picture 1"/>
           <p:cNvPicPr>
             <a:picLocks noGrp="1" noChangeAspect="1"/>
           </p:cNvPicPr>
@@ -20341,7 +20300,7 @@
             </a:r>
             <a:r>
               <a:rPr/>
-              <a:t>value</a:t>
+              <a:t>hue</a:t>
             </a:r>
             <a:r>
               <a:rPr/>
@@ -20356,7 +20315,7 @@
       </p:sp>
       <p:pic>
         <p:nvPicPr>
-          <p:cNvPr descr="../images/r/hsv-4.png" id="0" name="Picture 1"/>
+          <p:cNvPr descr="../images/r/hsv-2.png" id="0" name="Picture 1"/>
           <p:cNvPicPr>
             <a:picLocks noGrp="1" noChangeAspect="1"/>
           </p:cNvPicPr>
@@ -20434,112 +20393,65 @@
             </a:r>
             <a:r>
               <a:rPr/>
-              <a:t>HCL</a:t>
-            </a:r>
-            <a:r>
-              <a:rPr/>
-              <a:t> </a:t>
-            </a:r>
-            <a:r>
-              <a:rPr/>
-              <a:t>system</a:t>
+              <a:t>HSV</a:t>
+            </a:r>
+            <a:r>
+              <a:rPr/>
+              <a:t> </a:t>
+            </a:r>
+            <a:r>
+              <a:rPr/>
+              <a:t>system,</a:t>
+            </a:r>
+            <a:r>
+              <a:rPr/>
+              <a:t> </a:t>
+            </a:r>
+            <a:r>
+              <a:rPr/>
+              <a:t>saturation</a:t>
+            </a:r>
+            <a:r>
+              <a:rPr/>
+              <a:t> </a:t>
+            </a:r>
+            <a:r>
+              <a:rPr/>
+              <a:t>only</a:t>
             </a:r>
           </a:p>
         </p:txBody>
       </p:sp>
-      <p:sp>
-        <p:nvSpPr>
-          <p:cNvPr id="3" name="Content Placeholder 2"/>
-          <p:cNvSpPr>
-            <a:spLocks noGrp="1"/>
-          </p:cNvSpPr>
-          <p:nvPr>
-            <p:ph idx="1"/>
-          </p:nvPr>
-        </p:nvSpPr>
-        <p:spPr/>
-        <p:txBody>
-          <a:bodyPr/>
-          <a:lstStyle/>
-          <a:p>
-            <a:pPr lvl="1"/>
-            <a:r>
-              <a:rPr/>
-              <a:t>H = hue</a:t>
-            </a:r>
-          </a:p>
-          <a:p>
-            <a:pPr lvl="2"/>
-            <a:r>
-              <a:rPr/>
-              <a:t>arranged on a wheel 0-360 degrees</a:t>
-            </a:r>
-          </a:p>
-          <a:p>
-            <a:pPr lvl="2"/>
-            <a:r>
-              <a:rPr/>
-              <a:t>0 = red, 120 = green, 240 = blue</a:t>
-            </a:r>
-          </a:p>
-          <a:p>
-            <a:pPr lvl="2"/>
-            <a:r>
-              <a:rPr/>
-              <a:t>60 = yellow, 180 = cyan, 240 = magenta</a:t>
-            </a:r>
-          </a:p>
-          <a:p>
-            <a:pPr lvl="1"/>
-            <a:r>
-              <a:rPr/>
-              <a:t>C = chroma</a:t>
-            </a:r>
-          </a:p>
-          <a:p>
-            <a:pPr lvl="2"/>
-            <a:r>
-              <a:rPr/>
-              <a:t>colorfulness relative to a gray of equal luminence</a:t>
-            </a:r>
-          </a:p>
-          <a:p>
-            <a:pPr lvl="2"/>
-            <a:r>
-              <a:rPr/>
-              <a:t>not quite same as saturation</a:t>
-            </a:r>
-          </a:p>
-          <a:p>
-            <a:pPr lvl="1"/>
-            <a:r>
-              <a:rPr/>
-              <a:t>L = luminence</a:t>
-            </a:r>
-          </a:p>
-          <a:p>
-            <a:pPr lvl="2"/>
-            <a:r>
-              <a:rPr/>
-              <a:t>brightness, lightness</a:t>
-            </a:r>
-          </a:p>
-          <a:p>
-            <a:pPr lvl="1"/>
-            <a:r>
-              <a:rPr/>
-              <a:t>Not all combinations of HCL work</a:t>
-            </a:r>
-          </a:p>
-          <a:p>
-            <a:pPr lvl="1"/>
-            <a:r>
-              <a:rPr/>
-              <a:t>Very similar systems are CIE-LUV, CIE-LAB</a:t>
-            </a:r>
-          </a:p>
-        </p:txBody>
-      </p:sp>
+      <p:pic>
+        <p:nvPicPr>
+          <p:cNvPr descr="../images/r/hsv-3.png" id="0" name="Picture 1"/>
+          <p:cNvPicPr>
+            <a:picLocks noGrp="1" noChangeAspect="1"/>
+          </p:cNvPicPr>
+          <p:nvPr/>
+        </p:nvPicPr>
+        <p:blipFill>
+          <a:blip r:embed="rId2"/>
+          <a:stretch>
+            <a:fillRect/>
+          </a:stretch>
+        </p:blipFill>
+        <p:spPr bwMode="auto">
+          <a:xfrm>
+            <a:off x="2311400" y="1600200"/>
+            <a:ext cx="4521200" cy="4521200"/>
+          </a:xfrm>
+          <a:prstGeom prst="rect">
+            <a:avLst/>
+          </a:prstGeom>
+          <a:noFill/>
+          <a:ln w="9525">
+            <a:noFill/>
+            <a:headEnd/>
+            <a:tailEnd/>
+          </a:ln>
+        </p:spPr>
+      </p:pic>
     </p:spTree>
   </p:cSld>
 </p:sld>
@@ -20877,30 +20789,38 @@
             </a:r>
             <a:r>
               <a:rPr/>
-              <a:t>Luminance</a:t>
-            </a:r>
-            <a:r>
-              <a:rPr/>
-              <a:t> </a:t>
-            </a:r>
-            <a:r>
-              <a:rPr/>
-              <a:t>=</a:t>
-            </a:r>
-            <a:r>
-              <a:rPr/>
-              <a:t> </a:t>
-            </a:r>
-            <a:r>
-              <a:rPr/>
-              <a:t>90%</a:t>
+              <a:t>HSV</a:t>
+            </a:r>
+            <a:r>
+              <a:rPr/>
+              <a:t> </a:t>
+            </a:r>
+            <a:r>
+              <a:rPr/>
+              <a:t>system,</a:t>
+            </a:r>
+            <a:r>
+              <a:rPr/>
+              <a:t> </a:t>
+            </a:r>
+            <a:r>
+              <a:rPr/>
+              <a:t>value</a:t>
+            </a:r>
+            <a:r>
+              <a:rPr/>
+              <a:t> </a:t>
+            </a:r>
+            <a:r>
+              <a:rPr/>
+              <a:t>only</a:t>
             </a:r>
           </a:p>
         </p:txBody>
       </p:sp>
       <p:pic>
         <p:nvPicPr>
-          <p:cNvPr descr="../images/r/hcl-90.png" id="0" name="Picture 1"/>
+          <p:cNvPr descr="../images/r/hsv-4.png" id="0" name="Picture 1"/>
           <p:cNvPicPr>
             <a:picLocks noGrp="1" noChangeAspect="1"/>
           </p:cNvPicPr>
@@ -20978,41 +20898,112 @@
             </a:r>
             <a:r>
               <a:rPr/>
-              <a:t>Luminance=70%</a:t>
+              <a:t>HCL</a:t>
+            </a:r>
+            <a:r>
+              <a:rPr/>
+              <a:t> </a:t>
+            </a:r>
+            <a:r>
+              <a:rPr/>
+              <a:t>system</a:t>
             </a:r>
           </a:p>
         </p:txBody>
       </p:sp>
-      <p:pic>
-        <p:nvPicPr>
-          <p:cNvPr descr="../images/r/hcl-70.png" id="0" name="Picture 1"/>
-          <p:cNvPicPr>
-            <a:picLocks noGrp="1" noChangeAspect="1"/>
-          </p:cNvPicPr>
-          <p:nvPr/>
-        </p:nvPicPr>
-        <p:blipFill>
-          <a:blip r:embed="rId2"/>
-          <a:stretch>
-            <a:fillRect/>
-          </a:stretch>
-        </p:blipFill>
-        <p:spPr bwMode="auto">
-          <a:xfrm>
-            <a:off x="2311400" y="1600200"/>
-            <a:ext cx="4521200" cy="4521200"/>
-          </a:xfrm>
-          <a:prstGeom prst="rect">
-            <a:avLst/>
-          </a:prstGeom>
-          <a:noFill/>
-          <a:ln w="9525">
-            <a:noFill/>
-            <a:headEnd/>
-            <a:tailEnd/>
-          </a:ln>
-        </p:spPr>
-      </p:pic>
+      <p:sp>
+        <p:nvSpPr>
+          <p:cNvPr id="3" name="Content Placeholder 2"/>
+          <p:cNvSpPr>
+            <a:spLocks noGrp="1"/>
+          </p:cNvSpPr>
+          <p:nvPr>
+            <p:ph idx="1"/>
+          </p:nvPr>
+        </p:nvSpPr>
+        <p:spPr/>
+        <p:txBody>
+          <a:bodyPr/>
+          <a:lstStyle/>
+          <a:p>
+            <a:pPr lvl="1"/>
+            <a:r>
+              <a:rPr/>
+              <a:t>H = hue</a:t>
+            </a:r>
+          </a:p>
+          <a:p>
+            <a:pPr lvl="2"/>
+            <a:r>
+              <a:rPr/>
+              <a:t>arranged on a wheel 0-360 degrees</a:t>
+            </a:r>
+          </a:p>
+          <a:p>
+            <a:pPr lvl="2"/>
+            <a:r>
+              <a:rPr/>
+              <a:t>0 = red, 120 = green, 240 = blue</a:t>
+            </a:r>
+          </a:p>
+          <a:p>
+            <a:pPr lvl="2"/>
+            <a:r>
+              <a:rPr/>
+              <a:t>60 = yellow, 180 = cyan, 240 = magenta</a:t>
+            </a:r>
+          </a:p>
+          <a:p>
+            <a:pPr lvl="1"/>
+            <a:r>
+              <a:rPr/>
+              <a:t>C = chroma</a:t>
+            </a:r>
+          </a:p>
+          <a:p>
+            <a:pPr lvl="2"/>
+            <a:r>
+              <a:rPr/>
+              <a:t>colorfulness relative to a gray of equal luminence</a:t>
+            </a:r>
+          </a:p>
+          <a:p>
+            <a:pPr lvl="2"/>
+            <a:r>
+              <a:rPr/>
+              <a:t>not quite same as saturation</a:t>
+            </a:r>
+          </a:p>
+          <a:p>
+            <a:pPr lvl="1"/>
+            <a:r>
+              <a:rPr/>
+              <a:t>L = luminence</a:t>
+            </a:r>
+          </a:p>
+          <a:p>
+            <a:pPr lvl="2"/>
+            <a:r>
+              <a:rPr/>
+              <a:t>brightness, lightness</a:t>
+            </a:r>
+          </a:p>
+          <a:p>
+            <a:pPr lvl="1"/>
+            <a:r>
+              <a:rPr/>
+              <a:t>Not all combinations of HCL work</a:t>
+            </a:r>
+          </a:p>
+          <a:p>
+            <a:pPr lvl="1"/>
+            <a:r>
+              <a:rPr/>
+              <a:t>Very similar systems are CIE-LUV, CIE-LAB</a:t>
+            </a:r>
+          </a:p>
+        </p:txBody>
+      </p:sp>
     </p:spTree>
   </p:cSld>
 </p:sld>
@@ -21063,14 +21054,30 @@
             </a:r>
             <a:r>
               <a:rPr/>
-              <a:t>Luminance=50%</a:t>
+              <a:t>Luminance</a:t>
+            </a:r>
+            <a:r>
+              <a:rPr/>
+              <a:t> </a:t>
+            </a:r>
+            <a:r>
+              <a:rPr/>
+              <a:t>=</a:t>
+            </a:r>
+            <a:r>
+              <a:rPr/>
+              <a:t> </a:t>
+            </a:r>
+            <a:r>
+              <a:rPr/>
+              <a:t>90%</a:t>
             </a:r>
           </a:p>
         </p:txBody>
       </p:sp>
       <p:pic>
         <p:nvPicPr>
-          <p:cNvPr descr="../images/r/hcl-50.png" id="0" name="Picture 1"/>
+          <p:cNvPr descr="../images/r/hcl-90.png" id="0" name="Picture 1"/>
           <p:cNvPicPr>
             <a:picLocks noGrp="1" noChangeAspect="1"/>
           </p:cNvPicPr>
@@ -21148,14 +21155,14 @@
             </a:r>
             <a:r>
               <a:rPr/>
-              <a:t>Luminance=30%</a:t>
+              <a:t>Luminance=70%</a:t>
             </a:r>
           </a:p>
         </p:txBody>
       </p:sp>
       <p:pic>
         <p:nvPicPr>
-          <p:cNvPr descr="../images/r/hcl-30.png" id="0" name="Picture 1"/>
+          <p:cNvPr descr="../images/r/hcl-70.png" id="0" name="Picture 1"/>
           <p:cNvPicPr>
             <a:picLocks noGrp="1" noChangeAspect="1"/>
           </p:cNvPicPr>
@@ -21233,6 +21240,176 @@
             </a:r>
             <a:r>
               <a:rPr/>
+              <a:t>Luminance=50%</a:t>
+            </a:r>
+          </a:p>
+        </p:txBody>
+      </p:sp>
+      <p:pic>
+        <p:nvPicPr>
+          <p:cNvPr descr="../images/r/hcl-50.png" id="0" name="Picture 1"/>
+          <p:cNvPicPr>
+            <a:picLocks noGrp="1" noChangeAspect="1"/>
+          </p:cNvPicPr>
+          <p:nvPr/>
+        </p:nvPicPr>
+        <p:blipFill>
+          <a:blip r:embed="rId2"/>
+          <a:stretch>
+            <a:fillRect/>
+          </a:stretch>
+        </p:blipFill>
+        <p:spPr bwMode="auto">
+          <a:xfrm>
+            <a:off x="2311400" y="1600200"/>
+            <a:ext cx="4521200" cy="4521200"/>
+          </a:xfrm>
+          <a:prstGeom prst="rect">
+            <a:avLst/>
+          </a:prstGeom>
+          <a:noFill/>
+          <a:ln w="9525">
+            <a:noFill/>
+            <a:headEnd/>
+            <a:tailEnd/>
+          </a:ln>
+        </p:spPr>
+      </p:pic>
+    </p:spTree>
+  </p:cSld>
+</p:sld>
+</file>
+
+<file path=ppt/slides/slide45.xml><?xml version="1.0" encoding="utf-8"?>
+<p:sld xmlns:a="http://schemas.openxmlformats.org/drawingml/2006/main" xmlns:r="http://schemas.openxmlformats.org/officeDocument/2006/relationships" xmlns:p="http://schemas.openxmlformats.org/presentationml/2006/main">
+  <p:cSld>
+    <p:spTree>
+      <p:nvGrpSpPr>
+        <p:cNvPr id="1" name=""/>
+        <p:cNvGrpSpPr/>
+        <p:nvPr/>
+      </p:nvGrpSpPr>
+      <p:grpSpPr>
+        <a:xfrm>
+          <a:off x="0" y="0"/>
+          <a:ext cx="0" cy="0"/>
+          <a:chOff x="0" y="0"/>
+          <a:chExt cx="0" cy="0"/>
+        </a:xfrm>
+      </p:grpSpPr>
+      <p:sp>
+        <p:nvSpPr>
+          <p:cNvPr id="2" name="Title 1"/>
+          <p:cNvSpPr>
+            <a:spLocks noGrp="1"/>
+          </p:cNvSpPr>
+          <p:nvPr>
+            <p:ph type="title"/>
+          </p:nvPr>
+        </p:nvSpPr>
+        <p:spPr/>
+        <p:txBody>
+          <a:bodyPr/>
+          <a:lstStyle/>
+          <a:p>
+            <a:pPr lvl="0" marL="0" indent="0">
+              <a:buNone/>
+            </a:pPr>
+            <a:r>
+              <a:rPr/>
+              <a:t>Colors,</a:t>
+            </a:r>
+            <a:r>
+              <a:rPr/>
+              <a:t> </a:t>
+            </a:r>
+            <a:r>
+              <a:rPr/>
+              <a:t>Luminance=30%</a:t>
+            </a:r>
+          </a:p>
+        </p:txBody>
+      </p:sp>
+      <p:pic>
+        <p:nvPicPr>
+          <p:cNvPr descr="../images/r/hcl-30.png" id="0" name="Picture 1"/>
+          <p:cNvPicPr>
+            <a:picLocks noGrp="1" noChangeAspect="1"/>
+          </p:cNvPicPr>
+          <p:nvPr/>
+        </p:nvPicPr>
+        <p:blipFill>
+          <a:blip r:embed="rId2"/>
+          <a:stretch>
+            <a:fillRect/>
+          </a:stretch>
+        </p:blipFill>
+        <p:spPr bwMode="auto">
+          <a:xfrm>
+            <a:off x="2311400" y="1600200"/>
+            <a:ext cx="4521200" cy="4521200"/>
+          </a:xfrm>
+          <a:prstGeom prst="rect">
+            <a:avLst/>
+          </a:prstGeom>
+          <a:noFill/>
+          <a:ln w="9525">
+            <a:noFill/>
+            <a:headEnd/>
+            <a:tailEnd/>
+          </a:ln>
+        </p:spPr>
+      </p:pic>
+    </p:spTree>
+  </p:cSld>
+</p:sld>
+</file>
+
+<file path=ppt/slides/slide46.xml><?xml version="1.0" encoding="utf-8"?>
+<p:sld xmlns:a="http://schemas.openxmlformats.org/drawingml/2006/main" xmlns:r="http://schemas.openxmlformats.org/officeDocument/2006/relationships" xmlns:p="http://schemas.openxmlformats.org/presentationml/2006/main">
+  <p:cSld>
+    <p:spTree>
+      <p:nvGrpSpPr>
+        <p:cNvPr id="1" name=""/>
+        <p:cNvGrpSpPr/>
+        <p:nvPr/>
+      </p:nvGrpSpPr>
+      <p:grpSpPr>
+        <a:xfrm>
+          <a:off x="0" y="0"/>
+          <a:ext cx="0" cy="0"/>
+          <a:chOff x="0" y="0"/>
+          <a:chExt cx="0" cy="0"/>
+        </a:xfrm>
+      </p:grpSpPr>
+      <p:sp>
+        <p:nvSpPr>
+          <p:cNvPr id="2" name="Title 1"/>
+          <p:cNvSpPr>
+            <a:spLocks noGrp="1"/>
+          </p:cNvSpPr>
+          <p:nvPr>
+            <p:ph type="title"/>
+          </p:nvPr>
+        </p:nvSpPr>
+        <p:spPr/>
+        <p:txBody>
+          <a:bodyPr/>
+          <a:lstStyle/>
+          <a:p>
+            <a:pPr lvl="0" marL="0" indent="0">
+              <a:buNone/>
+            </a:pPr>
+            <a:r>
+              <a:rPr/>
+              <a:t>Colors,</a:t>
+            </a:r>
+            <a:r>
+              <a:rPr/>
+              <a:t> </a:t>
+            </a:r>
+            <a:r>
+              <a:rPr/>
               <a:t>CMYK</a:t>
             </a:r>
             <a:r>
@@ -21343,7 +21520,7 @@
 </p:sld>
 </file>
 
-<file path=ppt/slides/slide45.xml><?xml version="1.0" encoding="utf-8"?>
+<file path=ppt/slides/slide47.xml><?xml version="1.0" encoding="utf-8"?>
 <p:sld xmlns:a="http://schemas.openxmlformats.org/drawingml/2006/main" xmlns:r="http://schemas.openxmlformats.org/officeDocument/2006/relationships" xmlns:p="http://schemas.openxmlformats.org/presentationml/2006/main">
   <p:cSld>
     <p:spTree>
@@ -21465,7 +21642,7 @@
 </p:sld>
 </file>
 
-<file path=ppt/slides/slide46.xml><?xml version="1.0" encoding="utf-8"?>
+<file path=ppt/slides/slide48.xml><?xml version="1.0" encoding="utf-8"?>
 <p:sld xmlns:a="http://schemas.openxmlformats.org/drawingml/2006/main" xmlns:r="http://schemas.openxmlformats.org/officeDocument/2006/relationships" xmlns:p="http://schemas.openxmlformats.org/presentationml/2006/main">
   <p:cSld>
     <p:spTree>
@@ -21597,7 +21774,7 @@
 </p:sld>
 </file>
 
-<file path=ppt/slides/slide47.xml><?xml version="1.0" encoding="utf-8"?>
+<file path=ppt/slides/slide49.xml><?xml version="1.0" encoding="utf-8"?>
 <p:sld xmlns:a="http://schemas.openxmlformats.org/drawingml/2006/main" xmlns:r="http://schemas.openxmlformats.org/officeDocument/2006/relationships" xmlns:p="http://schemas.openxmlformats.org/presentationml/2006/main">
   <p:cSld>
     <p:spTree>

--- a/data-viz-02/component/tutorial-colors.pptx
+++ b/data-viz-02/component/tutorial-colors.pptx
@@ -5,7 +5,7 @@
     <p:sldMasterId id="2147483648" r:id="rId1"/>
   </p:sldMasterIdLst>
   <p:notesMasterIdLst>
-    <p:NotesMasterId r:id="rId51"/>
+    <p:NotesMasterId r:id="rId49"/>
   </p:notesMasterIdLst>
   <p:sldIdLst>
     <p:sldId id="256" r:id="rId2"/>
@@ -55,8 +55,6 @@
     <p:sldId id="300" r:id="rId46"/>
     <p:sldId id="301" r:id="rId47"/>
     <p:sldId id="302" r:id="rId48"/>
-    <p:sldId id="303" r:id="rId49"/>
-    <p:sldId id="304" r:id="rId50"/>
   </p:sldIdLst>
   <p:sldSz cx="9144000" cy="6858000" type="screen4x3"/>
   <p:notesSz cx="6858000" cy="9144000"/>
@@ -6107,31 +6105,23 @@
             </a:r>
             <a:r>
               <a:rPr/>
-              <a:t>just</a:t>
-            </a:r>
-            <a:r>
-              <a:rPr/>
-              <a:t> </a:t>
-            </a:r>
-            <a:r>
-              <a:rPr/>
-              <a:t>as</a:t>
-            </a:r>
-            <a:r>
-              <a:rPr/>
-              <a:t> </a:t>
-            </a:r>
-            <a:r>
-              <a:rPr/>
-              <a:t>easily</a:t>
-            </a:r>
-            <a:r>
-              <a:rPr/>
-              <a:t> </a:t>
-            </a:r>
-            <a:r>
-              <a:rPr/>
-              <a:t>go</a:t>
+              <a:t>get</a:t>
+            </a:r>
+            <a:r>
+              <a:rPr/>
+              <a:t> </a:t>
+            </a:r>
+            <a:r>
+              <a:rPr/>
+              <a:t>color</a:t>
+            </a:r>
+            <a:r>
+              <a:rPr/>
+              <a:t> </a:t>
+            </a:r>
+            <a:r>
+              <a:rPr/>
+              <a:t>schemes</a:t>
             </a:r>
             <a:r>
               <a:rPr/>
@@ -6147,39 +6137,255 @@
             </a:r>
             <a:r>
               <a:rPr/>
-              <a:t>red</a:t>
-            </a:r>
-            <a:r>
-              <a:rPr/>
-              <a:t> </a:t>
-            </a:r>
-            <a:r>
-              <a:rPr/>
-              <a:t>to</a:t>
-            </a:r>
-            <a:r>
-              <a:rPr/>
-              <a:t> </a:t>
-            </a:r>
-            <a:r>
-              <a:rPr/>
-              <a:t>green</a:t>
-            </a:r>
-            <a:r>
-              <a:rPr/>
-              <a:t> </a:t>
-            </a:r>
-            <a:r>
-              <a:rPr/>
-              <a:t>through</a:t>
-            </a:r>
-            <a:r>
-              <a:rPr/>
-              <a:t> </a:t>
-            </a:r>
-            <a:r>
-              <a:rPr/>
-              <a:t>gray.</a:t>
+              <a:t>various</a:t>
+            </a:r>
+            <a:r>
+              <a:rPr/>
+              <a:t> </a:t>
+            </a:r>
+            <a:r>
+              <a:rPr/>
+              <a:t>sources</a:t>
+            </a:r>
+            <a:r>
+              <a:rPr/>
+              <a:t> </a:t>
+            </a:r>
+            <a:r>
+              <a:rPr/>
+              <a:t>in</a:t>
+            </a:r>
+            <a:r>
+              <a:rPr/>
+              <a:t> </a:t>
+            </a:r>
+            <a:r>
+              <a:rPr/>
+              <a:t>R.</a:t>
+            </a:r>
+            <a:r>
+              <a:rPr/>
+              <a:t> </a:t>
+            </a:r>
+            <a:r>
+              <a:rPr/>
+              <a:t>One</a:t>
+            </a:r>
+            <a:r>
+              <a:rPr/>
+              <a:t> </a:t>
+            </a:r>
+            <a:r>
+              <a:rPr/>
+              <a:t>of</a:t>
+            </a:r>
+            <a:r>
+              <a:rPr/>
+              <a:t> </a:t>
+            </a:r>
+            <a:r>
+              <a:rPr/>
+              <a:t>the</a:t>
+            </a:r>
+            <a:r>
+              <a:rPr/>
+              <a:t> </a:t>
+            </a:r>
+            <a:r>
+              <a:rPr/>
+              <a:t>best</a:t>
+            </a:r>
+            <a:r>
+              <a:rPr/>
+              <a:t> </a:t>
+            </a:r>
+            <a:r>
+              <a:rPr/>
+              <a:t>and</a:t>
+            </a:r>
+            <a:r>
+              <a:rPr/>
+              <a:t> </a:t>
+            </a:r>
+            <a:r>
+              <a:rPr/>
+              <a:t>most</a:t>
+            </a:r>
+            <a:r>
+              <a:rPr/>
+              <a:t> </a:t>
+            </a:r>
+            <a:r>
+              <a:rPr/>
+              <a:t>popular</a:t>
+            </a:r>
+            <a:r>
+              <a:rPr/>
+              <a:t> </a:t>
+            </a:r>
+            <a:r>
+              <a:rPr/>
+              <a:t>is</a:t>
+            </a:r>
+            <a:r>
+              <a:rPr/>
+              <a:t> </a:t>
+            </a:r>
+            <a:r>
+              <a:rPr/>
+              <a:t>called</a:t>
+            </a:r>
+            <a:r>
+              <a:rPr/>
+              <a:t> </a:t>
+            </a:r>
+            <a:r>
+              <a:rPr/>
+              <a:t>Color</a:t>
+            </a:r>
+            <a:r>
+              <a:rPr/>
+              <a:t> </a:t>
+            </a:r>
+            <a:r>
+              <a:rPr/>
+              <a:t>Brewer.</a:t>
+            </a:r>
+            <a:r>
+              <a:rPr/>
+              <a:t> </a:t>
+            </a:r>
+            <a:r>
+              <a:rPr/>
+              <a:t>It</a:t>
+            </a:r>
+            <a:r>
+              <a:rPr/>
+              <a:t> </a:t>
+            </a:r>
+            <a:r>
+              <a:rPr/>
+              <a:t>has</a:t>
+            </a:r>
+            <a:r>
+              <a:rPr/>
+              <a:t> </a:t>
+            </a:r>
+            <a:r>
+              <a:rPr/>
+              <a:t>color</a:t>
+            </a:r>
+            <a:r>
+              <a:rPr/>
+              <a:t> </a:t>
+            </a:r>
+            <a:r>
+              <a:rPr/>
+              <a:t>schemes</a:t>
+            </a:r>
+            <a:r>
+              <a:rPr/>
+              <a:t> </a:t>
+            </a:r>
+            <a:r>
+              <a:rPr/>
+              <a:t>in</a:t>
+            </a:r>
+            <a:r>
+              <a:rPr/>
+              <a:t> </a:t>
+            </a:r>
+            <a:r>
+              <a:rPr/>
+              <a:t>three</a:t>
+            </a:r>
+            <a:r>
+              <a:rPr/>
+              <a:t> </a:t>
+            </a:r>
+            <a:r>
+              <a:rPr/>
+              <a:t>areas:</a:t>
+            </a:r>
+            <a:r>
+              <a:rPr/>
+              <a:t> </a:t>
+            </a:r>
+            <a:r>
+              <a:rPr/>
+              <a:t>qualitative,</a:t>
+            </a:r>
+            <a:r>
+              <a:rPr/>
+              <a:t> </a:t>
+            </a:r>
+            <a:r>
+              <a:rPr/>
+              <a:t>sequential,</a:t>
+            </a:r>
+            <a:r>
+              <a:rPr/>
+              <a:t> </a:t>
+            </a:r>
+            <a:r>
+              <a:rPr/>
+              <a:t>and</a:t>
+            </a:r>
+            <a:r>
+              <a:rPr/>
+              <a:t> </a:t>
+            </a:r>
+            <a:r>
+              <a:rPr/>
+              <a:t>diverging.</a:t>
+            </a:r>
+            <a:r>
+              <a:rPr/>
+              <a:t> </a:t>
+            </a:r>
+            <a:r>
+              <a:rPr/>
+              <a:t>Here</a:t>
+            </a:r>
+            <a:r>
+              <a:rPr/>
+              <a:t> </a:t>
+            </a:r>
+            <a:r>
+              <a:rPr/>
+              <a:t>are</a:t>
+            </a:r>
+            <a:r>
+              <a:rPr/>
+              <a:t> </a:t>
+            </a:r>
+            <a:r>
+              <a:rPr/>
+              <a:t>the</a:t>
+            </a:r>
+            <a:r>
+              <a:rPr/>
+              <a:t> </a:t>
+            </a:r>
+            <a:r>
+              <a:rPr/>
+              <a:t>qualitative</a:t>
+            </a:r>
+            <a:r>
+              <a:rPr/>
+              <a:t> </a:t>
+            </a:r>
+            <a:r>
+              <a:rPr/>
+              <a:t>color</a:t>
+            </a:r>
+            <a:r>
+              <a:rPr/>
+              <a:t> </a:t>
+            </a:r>
+            <a:r>
+              <a:rPr/>
+              <a:t>schemes.</a:t>
             </a:r>
           </a:p>
         </p:txBody>
@@ -6201,7 +6407,7 @@
           <a:p>
             <a:fld id="{18BDFEC3-8487-43E8-A154-7C12CBC1FFF2}" type="slidenum">
               <a:rPr lang="en-US"/>
-              <a:t>24</a:t>
+              <a:t>28</a:t>
             </a:fld>
             <a:endParaRPr lang="en-US"/>
           </a:p>
@@ -6261,109 +6467,7 @@
             </a:pPr>
             <a:r>
               <a:rPr/>
-              <a:t>You</a:t>
-            </a:r>
-            <a:r>
-              <a:rPr/>
-              <a:t> </a:t>
-            </a:r>
-            <a:r>
-              <a:rPr/>
-              <a:t>can</a:t>
-            </a:r>
-            <a:r>
-              <a:rPr/>
-              <a:t> </a:t>
-            </a:r>
-            <a:r>
-              <a:rPr/>
-              <a:t>choose</a:t>
-            </a:r>
-            <a:r>
-              <a:rPr/>
-              <a:t> </a:t>
-            </a:r>
-            <a:r>
-              <a:rPr/>
-              <a:t>from</a:t>
-            </a:r>
-            <a:r>
-              <a:rPr/>
-              <a:t> </a:t>
-            </a:r>
-            <a:r>
-              <a:rPr/>
-              <a:t>even</a:t>
-            </a:r>
-            <a:r>
-              <a:rPr/>
-              <a:t> </a:t>
-            </a:r>
-            <a:r>
-              <a:rPr/>
-              <a:t>more</a:t>
-            </a:r>
-            <a:r>
-              <a:rPr/>
-              <a:t> </a:t>
-            </a:r>
-            <a:r>
-              <a:rPr/>
-              <a:t>color</a:t>
-            </a:r>
-            <a:r>
-              <a:rPr/>
-              <a:t> </a:t>
-            </a:r>
-            <a:r>
-              <a:rPr/>
-              <a:t>schemes.</a:t>
-            </a:r>
-            <a:r>
-              <a:rPr/>
-              <a:t> </a:t>
-            </a:r>
-            <a:r>
-              <a:rPr/>
-              <a:t>For</a:t>
-            </a:r>
-            <a:r>
-              <a:rPr/>
-              <a:t> </a:t>
-            </a:r>
-            <a:r>
-              <a:rPr/>
-              <a:t>details,</a:t>
-            </a:r>
-            <a:r>
-              <a:rPr/>
-              <a:t> </a:t>
-            </a:r>
-            <a:r>
-              <a:rPr/>
-              <a:t>go</a:t>
-            </a:r>
-            <a:r>
-              <a:rPr/>
-              <a:t> </a:t>
-            </a:r>
-            <a:r>
-              <a:rPr/>
-              <a:t>to</a:t>
-            </a:r>
-          </a:p>
-          <a:p>
-            <a:pPr lvl="0" marL="0" indent="0">
-              <a:buNone/>
-            </a:pPr>
-          </a:p>
-          <a:p>
-            <a:pPr lvl="0" marL="0" indent="0">
-              <a:buNone/>
-            </a:pPr>
-            <a:r>
-              <a:rPr/>
-              <a:t>https://vega.github.io/vega/docs/schemes/</a:t>
+              <a:t>http://www.cookbook-r.com/Graphs/Colors_(ggplot2)/</a:t>
             </a:r>
           </a:p>
         </p:txBody>
@@ -6385,7 +6489,7 @@
           <a:p>
             <a:fld id="{18BDFEC3-8487-43E8-A154-7C12CBC1FFF2}" type="slidenum">
               <a:rPr lang="en-US"/>
-              <a:t>25</a:t>
+              <a:t>30</a:t>
             </a:fld>
             <a:endParaRPr lang="en-US"/>
           </a:p>
@@ -6445,7 +6549,7 @@
             </a:pPr>
             <a:r>
               <a:rPr/>
-              <a:t>http://www.cookbook-r.com/Graphs/Colors_(ggplot2)/</a:t>
+              <a:t>https://help.tableau.com/current/pro/desktop/en-us/viewparts_marks_markproperties_color.htm</a:t>
             </a:r>
           </a:p>
         </p:txBody>
@@ -6549,7 +6653,7 @@
           <a:p>
             <a:fld id="{18BDFEC3-8487-43E8-A154-7C12CBC1FFF2}" type="slidenum">
               <a:rPr lang="en-US"/>
-              <a:t>34</a:t>
+              <a:t>33</a:t>
             </a:fld>
             <a:endParaRPr lang="en-US"/>
           </a:p>
@@ -6609,7 +6713,479 @@
             </a:pPr>
             <a:r>
               <a:rPr/>
-              <a:t>https://help.tableau.com/current/pro/desktop/en-us/viewparts_marks_markproperties_color.htm</a:t>
+              <a:t>The</a:t>
+            </a:r>
+            <a:r>
+              <a:rPr/>
+              <a:t> </a:t>
+            </a:r>
+            <a:r>
+              <a:rPr/>
+              <a:t>HSV</a:t>
+            </a:r>
+            <a:r>
+              <a:rPr/>
+              <a:t> </a:t>
+            </a:r>
+            <a:r>
+              <a:rPr/>
+              <a:t>system</a:t>
+            </a:r>
+            <a:r>
+              <a:rPr/>
+              <a:t> </a:t>
+            </a:r>
+            <a:r>
+              <a:rPr/>
+              <a:t>has</a:t>
+            </a:r>
+            <a:r>
+              <a:rPr/>
+              <a:t> </a:t>
+            </a:r>
+            <a:r>
+              <a:rPr/>
+              <a:t>three</a:t>
+            </a:r>
+            <a:r>
+              <a:rPr/>
+              <a:t> </a:t>
+            </a:r>
+            <a:r>
+              <a:rPr/>
+              <a:t>parameters,</a:t>
+            </a:r>
+            <a:r>
+              <a:rPr/>
+              <a:t> </a:t>
+            </a:r>
+            <a:r>
+              <a:rPr/>
+              <a:t>hue,</a:t>
+            </a:r>
+            <a:r>
+              <a:rPr/>
+              <a:t> </a:t>
+            </a:r>
+            <a:r>
+              <a:rPr/>
+              <a:t>saturation,</a:t>
+            </a:r>
+            <a:r>
+              <a:rPr/>
+              <a:t> </a:t>
+            </a:r>
+            <a:r>
+              <a:rPr/>
+              <a:t>and</a:t>
+            </a:r>
+            <a:r>
+              <a:rPr/>
+              <a:t> </a:t>
+            </a:r>
+            <a:r>
+              <a:rPr/>
+              <a:t>value.</a:t>
+            </a:r>
+            <a:r>
+              <a:rPr/>
+              <a:t> </a:t>
+            </a:r>
+            <a:r>
+              <a:rPr/>
+              <a:t>Hue</a:t>
+            </a:r>
+            <a:r>
+              <a:rPr/>
+              <a:t> </a:t>
+            </a:r>
+            <a:r>
+              <a:rPr/>
+              <a:t>is</a:t>
+            </a:r>
+            <a:r>
+              <a:rPr/>
+              <a:t> </a:t>
+            </a:r>
+            <a:r>
+              <a:rPr/>
+              <a:t>a</a:t>
+            </a:r>
+            <a:r>
+              <a:rPr/>
+              <a:t> </a:t>
+            </a:r>
+            <a:r>
+              <a:rPr/>
+              <a:t>color</a:t>
+            </a:r>
+            <a:r>
+              <a:rPr/>
+              <a:t> </a:t>
+            </a:r>
+            <a:r>
+              <a:rPr/>
+              <a:t>wheel</a:t>
+            </a:r>
+            <a:r>
+              <a:rPr/>
+              <a:t> </a:t>
+            </a:r>
+            <a:r>
+              <a:rPr/>
+              <a:t>including</a:t>
+            </a:r>
+            <a:r>
+              <a:rPr/>
+              <a:t> </a:t>
+            </a:r>
+            <a:r>
+              <a:rPr/>
+              <a:t>red,</a:t>
+            </a:r>
+            <a:r>
+              <a:rPr/>
+              <a:t> </a:t>
+            </a:r>
+            <a:r>
+              <a:rPr/>
+              <a:t>yellow,</a:t>
+            </a:r>
+            <a:r>
+              <a:rPr/>
+              <a:t> </a:t>
+            </a:r>
+            <a:r>
+              <a:rPr/>
+              <a:t>green,</a:t>
+            </a:r>
+            <a:r>
+              <a:rPr/>
+              <a:t> </a:t>
+            </a:r>
+            <a:r>
+              <a:rPr/>
+              <a:t>cyan,</a:t>
+            </a:r>
+            <a:r>
+              <a:rPr/>
+              <a:t> </a:t>
+            </a:r>
+            <a:r>
+              <a:rPr/>
+              <a:t>blue,</a:t>
+            </a:r>
+            <a:r>
+              <a:rPr/>
+              <a:t> </a:t>
+            </a:r>
+            <a:r>
+              <a:rPr/>
+              <a:t>and</a:t>
+            </a:r>
+            <a:r>
+              <a:rPr/>
+              <a:t> </a:t>
+            </a:r>
+            <a:r>
+              <a:rPr/>
+              <a:t>magenta,</a:t>
+            </a:r>
+            <a:r>
+              <a:rPr/>
+              <a:t> </a:t>
+            </a:r>
+            <a:r>
+              <a:rPr/>
+              <a:t>or</a:t>
+            </a:r>
+            <a:r>
+              <a:rPr/>
+              <a:t> </a:t>
+            </a:r>
+            <a:r>
+              <a:rPr/>
+              <a:t>some</a:t>
+            </a:r>
+            <a:r>
+              <a:rPr/>
+              <a:t> </a:t>
+            </a:r>
+            <a:r>
+              <a:rPr/>
+              <a:t>mixture</a:t>
+            </a:r>
+            <a:r>
+              <a:rPr/>
+              <a:t> </a:t>
+            </a:r>
+            <a:r>
+              <a:rPr/>
+              <a:t>of</a:t>
+            </a:r>
+            <a:r>
+              <a:rPr/>
+              <a:t> </a:t>
+            </a:r>
+            <a:r>
+              <a:rPr/>
+              <a:t>these</a:t>
+            </a:r>
+            <a:r>
+              <a:rPr/>
+              <a:t> </a:t>
+            </a:r>
+            <a:r>
+              <a:rPr/>
+              <a:t>colors.</a:t>
+            </a:r>
+            <a:r>
+              <a:rPr/>
+              <a:t> </a:t>
+            </a:r>
+            <a:r>
+              <a:rPr/>
+              <a:t>Saturation</a:t>
+            </a:r>
+            <a:r>
+              <a:rPr/>
+              <a:t> </a:t>
+            </a:r>
+            <a:r>
+              <a:rPr/>
+              <a:t>is</a:t>
+            </a:r>
+            <a:r>
+              <a:rPr/>
+              <a:t> </a:t>
+            </a:r>
+            <a:r>
+              <a:rPr/>
+              <a:t>a</a:t>
+            </a:r>
+            <a:r>
+              <a:rPr/>
+              <a:t> </a:t>
+            </a:r>
+            <a:r>
+              <a:rPr/>
+              <a:t>measure</a:t>
+            </a:r>
+            <a:r>
+              <a:rPr/>
+              <a:t> </a:t>
+            </a:r>
+            <a:r>
+              <a:rPr/>
+              <a:t>of</a:t>
+            </a:r>
+            <a:r>
+              <a:rPr/>
+              <a:t> </a:t>
+            </a:r>
+            <a:r>
+              <a:rPr/>
+              <a:t>intensity</a:t>
+            </a:r>
+            <a:r>
+              <a:rPr/>
+              <a:t> </a:t>
+            </a:r>
+            <a:r>
+              <a:rPr/>
+              <a:t>or</a:t>
+            </a:r>
+            <a:r>
+              <a:rPr/>
+              <a:t> </a:t>
+            </a:r>
+            <a:r>
+              <a:rPr/>
+              <a:t>colorfulness.</a:t>
+            </a:r>
+            <a:r>
+              <a:rPr/>
+              <a:t> </a:t>
+            </a:r>
+            <a:r>
+              <a:rPr/>
+              <a:t>Unsaturated</a:t>
+            </a:r>
+            <a:r>
+              <a:rPr/>
+              <a:t> </a:t>
+            </a:r>
+            <a:r>
+              <a:rPr/>
+              <a:t>colors</a:t>
+            </a:r>
+            <a:r>
+              <a:rPr/>
+              <a:t> </a:t>
+            </a:r>
+            <a:r>
+              <a:rPr/>
+              <a:t>produce</a:t>
+            </a:r>
+            <a:r>
+              <a:rPr/>
+              <a:t> </a:t>
+            </a:r>
+            <a:r>
+              <a:rPr/>
+              <a:t>white</a:t>
+            </a:r>
+            <a:r>
+              <a:rPr/>
+              <a:t> </a:t>
+            </a:r>
+            <a:r>
+              <a:rPr/>
+              <a:t>or</a:t>
+            </a:r>
+            <a:r>
+              <a:rPr/>
+              <a:t> </a:t>
+            </a:r>
+            <a:r>
+              <a:rPr/>
+              <a:t>various</a:t>
+            </a:r>
+            <a:r>
+              <a:rPr/>
+              <a:t> </a:t>
+            </a:r>
+            <a:r>
+              <a:rPr/>
+              <a:t>shades</a:t>
+            </a:r>
+            <a:r>
+              <a:rPr/>
+              <a:t> </a:t>
+            </a:r>
+            <a:r>
+              <a:rPr/>
+              <a:t>of</a:t>
+            </a:r>
+            <a:r>
+              <a:rPr/>
+              <a:t> </a:t>
+            </a:r>
+            <a:r>
+              <a:rPr/>
+              <a:t>gray.</a:t>
+            </a:r>
+            <a:r>
+              <a:rPr/>
+              <a:t> </a:t>
+            </a:r>
+            <a:r>
+              <a:rPr/>
+              <a:t>Value</a:t>
+            </a:r>
+            <a:r>
+              <a:rPr/>
+              <a:t> </a:t>
+            </a:r>
+            <a:r>
+              <a:rPr/>
+              <a:t>is</a:t>
+            </a:r>
+            <a:r>
+              <a:rPr/>
+              <a:t> </a:t>
+            </a:r>
+            <a:r>
+              <a:rPr/>
+              <a:t>a</a:t>
+            </a:r>
+            <a:r>
+              <a:rPr/>
+              <a:t> </a:t>
+            </a:r>
+            <a:r>
+              <a:rPr/>
+              <a:t>measure</a:t>
+            </a:r>
+            <a:r>
+              <a:rPr/>
+              <a:t> </a:t>
+            </a:r>
+            <a:r>
+              <a:rPr/>
+              <a:t>of</a:t>
+            </a:r>
+            <a:r>
+              <a:rPr/>
+              <a:t> </a:t>
+            </a:r>
+            <a:r>
+              <a:rPr/>
+              <a:t>darkness</a:t>
+            </a:r>
+            <a:r>
+              <a:rPr/>
+              <a:t> </a:t>
+            </a:r>
+            <a:r>
+              <a:rPr/>
+              <a:t>and</a:t>
+            </a:r>
+            <a:r>
+              <a:rPr/>
+              <a:t> </a:t>
+            </a:r>
+            <a:r>
+              <a:rPr/>
+              <a:t>a</a:t>
+            </a:r>
+            <a:r>
+              <a:rPr/>
+              <a:t> </a:t>
+            </a:r>
+            <a:r>
+              <a:rPr/>
+              <a:t>value</a:t>
+            </a:r>
+            <a:r>
+              <a:rPr/>
+              <a:t> </a:t>
+            </a:r>
+            <a:r>
+              <a:rPr/>
+              <a:t>of</a:t>
+            </a:r>
+            <a:r>
+              <a:rPr/>
+              <a:t> </a:t>
+            </a:r>
+            <a:r>
+              <a:rPr/>
+              <a:t>zero</a:t>
+            </a:r>
+            <a:r>
+              <a:rPr/>
+              <a:t> </a:t>
+            </a:r>
+            <a:r>
+              <a:rPr/>
+              <a:t>is</a:t>
+            </a:r>
+            <a:r>
+              <a:rPr/>
+              <a:t> </a:t>
+            </a:r>
+            <a:r>
+              <a:rPr/>
+              <a:t>totally</a:t>
+            </a:r>
+            <a:r>
+              <a:rPr/>
+              <a:t> </a:t>
+            </a:r>
+            <a:r>
+              <a:rPr/>
+              <a:t>black.</a:t>
             </a:r>
           </a:p>
         </p:txBody>
@@ -6631,7 +7207,7 @@
           <a:p>
             <a:fld id="{18BDFEC3-8487-43E8-A154-7C12CBC1FFF2}" type="slidenum">
               <a:rPr lang="en-US"/>
-              <a:t>35</a:t>
+              <a:t>34</a:t>
             </a:fld>
             <a:endParaRPr lang="en-US"/>
           </a:p>
@@ -6875,6 +7451,1280 @@
               <a:rPr/>
               <a:t>like</a:t>
             </a:r>
+            <a:r>
+              <a:rPr/>
+              <a:t> </a:t>
+            </a:r>
+            <a:r>
+              <a:rPr/>
+              <a:t>the</a:t>
+            </a:r>
+            <a:r>
+              <a:rPr/>
+              <a:t> </a:t>
+            </a:r>
+            <a:r>
+              <a:rPr/>
+              <a:t>hsl</a:t>
+            </a:r>
+            <a:r>
+              <a:rPr/>
+              <a:t> </a:t>
+            </a:r>
+            <a:r>
+              <a:rPr/>
+              <a:t>system.</a:t>
+            </a:r>
+          </a:p>
+          <a:p>
+            <a:pPr lvl="0" marL="0" indent="0">
+              <a:buNone/>
+            </a:pPr>
+          </a:p>
+          <a:p>
+            <a:pPr lvl="0" marL="0" indent="0">
+              <a:buNone/>
+            </a:pPr>
+            <a:r>
+              <a:rPr/>
+              <a:t>Chroma</a:t>
+            </a:r>
+            <a:r>
+              <a:rPr/>
+              <a:t> </a:t>
+            </a:r>
+            <a:r>
+              <a:rPr/>
+              <a:t>is</a:t>
+            </a:r>
+            <a:r>
+              <a:rPr/>
+              <a:t> </a:t>
+            </a:r>
+            <a:r>
+              <a:rPr/>
+              <a:t>a</a:t>
+            </a:r>
+            <a:r>
+              <a:rPr/>
+              <a:t> </a:t>
+            </a:r>
+            <a:r>
+              <a:rPr/>
+              <a:t>measure</a:t>
+            </a:r>
+            <a:r>
+              <a:rPr/>
+              <a:t> </a:t>
+            </a:r>
+            <a:r>
+              <a:rPr/>
+              <a:t>of</a:t>
+            </a:r>
+            <a:r>
+              <a:rPr/>
+              <a:t> </a:t>
+            </a:r>
+            <a:r>
+              <a:rPr/>
+              <a:t>how</a:t>
+            </a:r>
+            <a:r>
+              <a:rPr/>
+              <a:t> </a:t>
+            </a:r>
+            <a:r>
+              <a:rPr/>
+              <a:t>intense</a:t>
+            </a:r>
+            <a:r>
+              <a:rPr/>
+              <a:t> </a:t>
+            </a:r>
+            <a:r>
+              <a:rPr/>
+              <a:t>the</a:t>
+            </a:r>
+            <a:r>
+              <a:rPr/>
+              <a:t> </a:t>
+            </a:r>
+            <a:r>
+              <a:rPr/>
+              <a:t>color</a:t>
+            </a:r>
+            <a:r>
+              <a:rPr/>
+              <a:t> </a:t>
+            </a:r>
+            <a:r>
+              <a:rPr/>
+              <a:t>is.</a:t>
+            </a:r>
+            <a:r>
+              <a:rPr/>
+              <a:t> </a:t>
+            </a:r>
+            <a:r>
+              <a:rPr/>
+              <a:t>It</a:t>
+            </a:r>
+            <a:r>
+              <a:rPr/>
+              <a:t> </a:t>
+            </a:r>
+            <a:r>
+              <a:rPr/>
+              <a:t>is</a:t>
+            </a:r>
+            <a:r>
+              <a:rPr/>
+              <a:t> </a:t>
+            </a:r>
+            <a:r>
+              <a:rPr/>
+              <a:t>like</a:t>
+            </a:r>
+            <a:r>
+              <a:rPr/>
+              <a:t> </a:t>
+            </a:r>
+            <a:r>
+              <a:rPr/>
+              <a:t>saturation,</a:t>
+            </a:r>
+            <a:r>
+              <a:rPr/>
+              <a:t> </a:t>
+            </a:r>
+            <a:r>
+              <a:rPr/>
+              <a:t>but</a:t>
+            </a:r>
+            <a:r>
+              <a:rPr/>
+              <a:t> </a:t>
+            </a:r>
+            <a:r>
+              <a:rPr/>
+              <a:t>represents</a:t>
+            </a:r>
+            <a:r>
+              <a:rPr/>
+              <a:t> </a:t>
+            </a:r>
+            <a:r>
+              <a:rPr/>
+              <a:t>a</a:t>
+            </a:r>
+            <a:r>
+              <a:rPr/>
+              <a:t> </a:t>
+            </a:r>
+            <a:r>
+              <a:rPr/>
+              <a:t>relative</a:t>
+            </a:r>
+            <a:r>
+              <a:rPr/>
+              <a:t> </a:t>
+            </a:r>
+            <a:r>
+              <a:rPr/>
+              <a:t>amount</a:t>
+            </a:r>
+            <a:r>
+              <a:rPr/>
+              <a:t> </a:t>
+            </a:r>
+            <a:r>
+              <a:rPr/>
+              <a:t>of</a:t>
+            </a:r>
+            <a:r>
+              <a:rPr/>
+              <a:t> </a:t>
+            </a:r>
+            <a:r>
+              <a:rPr/>
+              <a:t>saturation,</a:t>
+            </a:r>
+            <a:r>
+              <a:rPr/>
+              <a:t> </a:t>
+            </a:r>
+            <a:r>
+              <a:rPr/>
+              <a:t>relative</a:t>
+            </a:r>
+            <a:r>
+              <a:rPr/>
+              <a:t> </a:t>
+            </a:r>
+            <a:r>
+              <a:rPr/>
+              <a:t>to</a:t>
+            </a:r>
+            <a:r>
+              <a:rPr/>
+              <a:t> </a:t>
+            </a:r>
+            <a:r>
+              <a:rPr/>
+              <a:t>a</a:t>
+            </a:r>
+            <a:r>
+              <a:rPr/>
+              <a:t> </a:t>
+            </a:r>
+            <a:r>
+              <a:rPr/>
+              <a:t>grey</a:t>
+            </a:r>
+            <a:r>
+              <a:rPr/>
+              <a:t> </a:t>
+            </a:r>
+            <a:r>
+              <a:rPr/>
+              <a:t>value</a:t>
+            </a:r>
+            <a:r>
+              <a:rPr/>
+              <a:t> </a:t>
+            </a:r>
+            <a:r>
+              <a:rPr/>
+              <a:t>of</a:t>
+            </a:r>
+            <a:r>
+              <a:rPr/>
+              <a:t> </a:t>
+            </a:r>
+            <a:r>
+              <a:rPr/>
+              <a:t>the</a:t>
+            </a:r>
+            <a:r>
+              <a:rPr/>
+              <a:t> </a:t>
+            </a:r>
+            <a:r>
+              <a:rPr/>
+              <a:t>same</a:t>
+            </a:r>
+            <a:r>
+              <a:rPr/>
+              <a:t> </a:t>
+            </a:r>
+            <a:r>
+              <a:rPr/>
+              <a:t>luminence.</a:t>
+            </a:r>
+          </a:p>
+          <a:p>
+            <a:pPr lvl="0" marL="0" indent="0">
+              <a:buNone/>
+            </a:pPr>
+          </a:p>
+          <a:p>
+            <a:pPr lvl="0" marL="0" indent="0">
+              <a:buNone/>
+            </a:pPr>
+            <a:r>
+              <a:rPr/>
+              <a:t>Luminence</a:t>
+            </a:r>
+            <a:r>
+              <a:rPr/>
+              <a:t> </a:t>
+            </a:r>
+            <a:r>
+              <a:rPr/>
+              <a:t>is</a:t>
+            </a:r>
+            <a:r>
+              <a:rPr/>
+              <a:t> </a:t>
+            </a:r>
+            <a:r>
+              <a:rPr/>
+              <a:t>a</a:t>
+            </a:r>
+            <a:r>
+              <a:rPr/>
+              <a:t> </a:t>
+            </a:r>
+            <a:r>
+              <a:rPr/>
+              <a:t>meausre</a:t>
+            </a:r>
+            <a:r>
+              <a:rPr/>
+              <a:t> </a:t>
+            </a:r>
+            <a:r>
+              <a:rPr/>
+              <a:t>of</a:t>
+            </a:r>
+            <a:r>
+              <a:rPr/>
+              <a:t> </a:t>
+            </a:r>
+            <a:r>
+              <a:rPr/>
+              <a:t>brightness</a:t>
+            </a:r>
+            <a:r>
+              <a:rPr/>
+              <a:t> </a:t>
+            </a:r>
+            <a:r>
+              <a:rPr/>
+              <a:t>or</a:t>
+            </a:r>
+            <a:r>
+              <a:rPr/>
+              <a:t> </a:t>
+            </a:r>
+            <a:r>
+              <a:rPr/>
+              <a:t>lightness.</a:t>
+            </a:r>
+            <a:r>
+              <a:rPr/>
+              <a:t> </a:t>
+            </a:r>
+            <a:r>
+              <a:rPr/>
+              <a:t>The</a:t>
+            </a:r>
+            <a:r>
+              <a:rPr/>
+              <a:t> </a:t>
+            </a:r>
+            <a:r>
+              <a:rPr/>
+              <a:t>luminence</a:t>
+            </a:r>
+            <a:r>
+              <a:rPr/>
+              <a:t> </a:t>
+            </a:r>
+            <a:r>
+              <a:rPr/>
+              <a:t>is</a:t>
+            </a:r>
+            <a:r>
+              <a:rPr/>
+              <a:t> </a:t>
+            </a:r>
+            <a:r>
+              <a:rPr/>
+              <a:t>similar</a:t>
+            </a:r>
+            <a:r>
+              <a:rPr/>
+              <a:t> </a:t>
+            </a:r>
+            <a:r>
+              <a:rPr/>
+              <a:t>to</a:t>
+            </a:r>
+            <a:r>
+              <a:rPr/>
+              <a:t> </a:t>
+            </a:r>
+            <a:r>
+              <a:rPr/>
+              <a:t>the</a:t>
+            </a:r>
+            <a:r>
+              <a:rPr/>
+              <a:t> </a:t>
+            </a:r>
+            <a:r>
+              <a:rPr/>
+              <a:t>V</a:t>
+            </a:r>
+            <a:r>
+              <a:rPr/>
+              <a:t> </a:t>
+            </a:r>
+            <a:r>
+              <a:rPr/>
+              <a:t>(value)</a:t>
+            </a:r>
+            <a:r>
+              <a:rPr/>
+              <a:t> </a:t>
+            </a:r>
+            <a:r>
+              <a:rPr/>
+              <a:t>in</a:t>
+            </a:r>
+            <a:r>
+              <a:rPr/>
+              <a:t> </a:t>
+            </a:r>
+            <a:r>
+              <a:rPr/>
+              <a:t>the</a:t>
+            </a:r>
+            <a:r>
+              <a:rPr/>
+              <a:t> </a:t>
+            </a:r>
+            <a:r>
+              <a:rPr/>
+              <a:t>hsv</a:t>
+            </a:r>
+            <a:r>
+              <a:rPr/>
+              <a:t> </a:t>
+            </a:r>
+            <a:r>
+              <a:rPr/>
+              <a:t>system.</a:t>
+            </a:r>
+            <a:r>
+              <a:rPr/>
+              <a:t> </a:t>
+            </a:r>
+            <a:r>
+              <a:rPr/>
+              <a:t>It</a:t>
+            </a:r>
+            <a:r>
+              <a:rPr/>
+              <a:t> </a:t>
+            </a:r>
+            <a:r>
+              <a:rPr/>
+              <a:t>does</a:t>
+            </a:r>
+            <a:r>
+              <a:rPr/>
+              <a:t> </a:t>
+            </a:r>
+            <a:r>
+              <a:rPr/>
+              <a:t>a</a:t>
+            </a:r>
+            <a:r>
+              <a:rPr/>
+              <a:t> </a:t>
+            </a:r>
+            <a:r>
+              <a:rPr/>
+              <a:t>better</a:t>
+            </a:r>
+            <a:r>
+              <a:rPr/>
+              <a:t> </a:t>
+            </a:r>
+            <a:r>
+              <a:rPr/>
+              <a:t>job</a:t>
+            </a:r>
+            <a:r>
+              <a:rPr/>
+              <a:t> </a:t>
+            </a:r>
+            <a:r>
+              <a:rPr/>
+              <a:t>of</a:t>
+            </a:r>
+            <a:r>
+              <a:rPr/>
+              <a:t> </a:t>
+            </a:r>
+            <a:r>
+              <a:rPr/>
+              <a:t>matching</a:t>
+            </a:r>
+            <a:r>
+              <a:rPr/>
+              <a:t> </a:t>
+            </a:r>
+            <a:r>
+              <a:rPr/>
+              <a:t>brightness,</a:t>
+            </a:r>
+            <a:r>
+              <a:rPr/>
+              <a:t> </a:t>
+            </a:r>
+            <a:r>
+              <a:rPr/>
+              <a:t>because</a:t>
+            </a:r>
+            <a:r>
+              <a:rPr/>
+              <a:t> </a:t>
+            </a:r>
+            <a:r>
+              <a:rPr/>
+              <a:t>certain</a:t>
+            </a:r>
+            <a:r>
+              <a:rPr/>
+              <a:t> </a:t>
+            </a:r>
+            <a:r>
+              <a:rPr/>
+              <a:t>colors,</a:t>
+            </a:r>
+            <a:r>
+              <a:rPr/>
+              <a:t> </a:t>
+            </a:r>
+            <a:r>
+              <a:rPr/>
+              <a:t>such</a:t>
+            </a:r>
+            <a:r>
+              <a:rPr/>
+              <a:t> </a:t>
+            </a:r>
+            <a:r>
+              <a:rPr/>
+              <a:t>as</a:t>
+            </a:r>
+            <a:r>
+              <a:rPr/>
+              <a:t> </a:t>
+            </a:r>
+            <a:r>
+              <a:rPr/>
+              <a:t>yellow</a:t>
+            </a:r>
+            <a:r>
+              <a:rPr/>
+              <a:t> </a:t>
+            </a:r>
+            <a:r>
+              <a:rPr/>
+              <a:t>and</a:t>
+            </a:r>
+            <a:r>
+              <a:rPr/>
+              <a:t> </a:t>
+            </a:r>
+            <a:r>
+              <a:rPr/>
+              <a:t>green</a:t>
+            </a:r>
+            <a:r>
+              <a:rPr/>
+              <a:t> </a:t>
+            </a:r>
+            <a:r>
+              <a:rPr/>
+              <a:t>have</a:t>
+            </a:r>
+            <a:r>
+              <a:rPr/>
+              <a:t> </a:t>
+            </a:r>
+            <a:r>
+              <a:rPr/>
+              <a:t>a</a:t>
+            </a:r>
+            <a:r>
+              <a:rPr/>
+              <a:t> </a:t>
+            </a:r>
+            <a:r>
+              <a:rPr/>
+              <a:t>naturally</a:t>
+            </a:r>
+            <a:r>
+              <a:rPr/>
+              <a:t> </a:t>
+            </a:r>
+            <a:r>
+              <a:rPr/>
+              <a:t>higher</a:t>
+            </a:r>
+            <a:r>
+              <a:rPr/>
+              <a:t> </a:t>
+            </a:r>
+            <a:r>
+              <a:rPr/>
+              <a:t>level</a:t>
+            </a:r>
+            <a:r>
+              <a:rPr/>
+              <a:t> </a:t>
+            </a:r>
+            <a:r>
+              <a:rPr/>
+              <a:t>of</a:t>
+            </a:r>
+            <a:r>
+              <a:rPr/>
+              <a:t> </a:t>
+            </a:r>
+            <a:r>
+              <a:rPr/>
+              <a:t>brightness.</a:t>
+            </a:r>
+          </a:p>
+          <a:p>
+            <a:pPr lvl="0" marL="0" indent="0">
+              <a:buNone/>
+            </a:pPr>
+          </a:p>
+          <a:p>
+            <a:pPr lvl="0" marL="0" indent="0">
+              <a:buNone/>
+            </a:pPr>
+            <a:r>
+              <a:rPr/>
+              <a:t>For</a:t>
+            </a:r>
+            <a:r>
+              <a:rPr/>
+              <a:t> </a:t>
+            </a:r>
+            <a:r>
+              <a:rPr/>
+              <a:t>a</a:t>
+            </a:r>
+            <a:r>
+              <a:rPr/>
+              <a:t> </a:t>
+            </a:r>
+            <a:r>
+              <a:rPr/>
+              <a:t>given</a:t>
+            </a:r>
+            <a:r>
+              <a:rPr/>
+              <a:t> </a:t>
+            </a:r>
+            <a:r>
+              <a:rPr/>
+              <a:t>value</a:t>
+            </a:r>
+            <a:r>
+              <a:rPr/>
+              <a:t> </a:t>
+            </a:r>
+            <a:r>
+              <a:rPr/>
+              <a:t>of</a:t>
+            </a:r>
+            <a:r>
+              <a:rPr/>
+              <a:t> </a:t>
+            </a:r>
+            <a:r>
+              <a:rPr/>
+              <a:t>luminence,</a:t>
+            </a:r>
+            <a:r>
+              <a:rPr/>
+              <a:t> </a:t>
+            </a:r>
+            <a:r>
+              <a:rPr/>
+              <a:t>there</a:t>
+            </a:r>
+            <a:r>
+              <a:rPr/>
+              <a:t> </a:t>
+            </a:r>
+            <a:r>
+              <a:rPr/>
+              <a:t>may</a:t>
+            </a:r>
+            <a:r>
+              <a:rPr/>
+              <a:t> </a:t>
+            </a:r>
+            <a:r>
+              <a:rPr/>
+              <a:t>be</a:t>
+            </a:r>
+            <a:r>
+              <a:rPr/>
+              <a:t> </a:t>
+            </a:r>
+            <a:r>
+              <a:rPr/>
+              <a:t>restrictions</a:t>
+            </a:r>
+            <a:r>
+              <a:rPr/>
+              <a:t> </a:t>
+            </a:r>
+            <a:r>
+              <a:rPr/>
+              <a:t>in</a:t>
+            </a:r>
+            <a:r>
+              <a:rPr/>
+              <a:t> </a:t>
+            </a:r>
+            <a:r>
+              <a:rPr/>
+              <a:t>how</a:t>
+            </a:r>
+            <a:r>
+              <a:rPr/>
+              <a:t> </a:t>
+            </a:r>
+            <a:r>
+              <a:rPr/>
+              <a:t>far</a:t>
+            </a:r>
+            <a:r>
+              <a:rPr/>
+              <a:t> </a:t>
+            </a:r>
+            <a:r>
+              <a:rPr/>
+              <a:t>you</a:t>
+            </a:r>
+            <a:r>
+              <a:rPr/>
+              <a:t> </a:t>
+            </a:r>
+            <a:r>
+              <a:rPr/>
+              <a:t>can</a:t>
+            </a:r>
+            <a:r>
+              <a:rPr/>
+              <a:t> </a:t>
+            </a:r>
+            <a:r>
+              <a:rPr/>
+              <a:t>move</a:t>
+            </a:r>
+            <a:r>
+              <a:rPr/>
+              <a:t> </a:t>
+            </a:r>
+            <a:r>
+              <a:rPr/>
+              <a:t>towards</a:t>
+            </a:r>
+            <a:r>
+              <a:rPr/>
+              <a:t> </a:t>
+            </a:r>
+            <a:r>
+              <a:rPr/>
+              <a:t>the</a:t>
+            </a:r>
+            <a:r>
+              <a:rPr/>
+              <a:t> </a:t>
+            </a:r>
+            <a:r>
+              <a:rPr/>
+              <a:t>pure</a:t>
+            </a:r>
+            <a:r>
+              <a:rPr/>
+              <a:t> </a:t>
+            </a:r>
+            <a:r>
+              <a:rPr/>
+              <a:t>colors.</a:t>
+            </a:r>
+            <a:r>
+              <a:rPr/>
+              <a:t> </a:t>
+            </a:r>
+            <a:r>
+              <a:rPr/>
+              <a:t>For</a:t>
+            </a:r>
+            <a:r>
+              <a:rPr/>
+              <a:t> </a:t>
+            </a:r>
+            <a:r>
+              <a:rPr/>
+              <a:t>high</a:t>
+            </a:r>
+            <a:r>
+              <a:rPr/>
+              <a:t> </a:t>
+            </a:r>
+            <a:r>
+              <a:rPr/>
+              <a:t>values</a:t>
+            </a:r>
+            <a:r>
+              <a:rPr/>
+              <a:t> </a:t>
+            </a:r>
+            <a:r>
+              <a:rPr/>
+              <a:t>of</a:t>
+            </a:r>
+            <a:r>
+              <a:rPr/>
+              <a:t> </a:t>
+            </a:r>
+            <a:r>
+              <a:rPr/>
+              <a:t>luminence,</a:t>
+            </a:r>
+            <a:r>
+              <a:rPr/>
+              <a:t> </a:t>
+            </a:r>
+            <a:r>
+              <a:rPr/>
+              <a:t>you</a:t>
+            </a:r>
+            <a:r>
+              <a:rPr/>
+              <a:t> </a:t>
+            </a:r>
+            <a:r>
+              <a:rPr/>
+              <a:t>can’t</a:t>
+            </a:r>
+            <a:r>
+              <a:rPr/>
+              <a:t> </a:t>
+            </a:r>
+            <a:r>
+              <a:rPr/>
+              <a:t>get</a:t>
+            </a:r>
+            <a:r>
+              <a:rPr/>
+              <a:t> </a:t>
+            </a:r>
+            <a:r>
+              <a:rPr/>
+              <a:t>near</a:t>
+            </a:r>
+            <a:r>
+              <a:rPr/>
+              <a:t> </a:t>
+            </a:r>
+            <a:r>
+              <a:rPr/>
+              <a:t>the</a:t>
+            </a:r>
+            <a:r>
+              <a:rPr/>
+              <a:t> </a:t>
+            </a:r>
+            <a:r>
+              <a:rPr/>
+              <a:t>pure</a:t>
+            </a:r>
+            <a:r>
+              <a:rPr/>
+              <a:t> </a:t>
+            </a:r>
+            <a:r>
+              <a:rPr/>
+              <a:t>red</a:t>
+            </a:r>
+            <a:r>
+              <a:rPr/>
+              <a:t> </a:t>
+            </a:r>
+            <a:r>
+              <a:rPr/>
+              <a:t>or</a:t>
+            </a:r>
+            <a:r>
+              <a:rPr/>
+              <a:t> </a:t>
+            </a:r>
+            <a:r>
+              <a:rPr/>
+              <a:t>pure</a:t>
+            </a:r>
+            <a:r>
+              <a:rPr/>
+              <a:t> </a:t>
+            </a:r>
+            <a:r>
+              <a:rPr/>
+              <a:t>blue</a:t>
+            </a:r>
+            <a:r>
+              <a:rPr/>
+              <a:t> </a:t>
+            </a:r>
+            <a:r>
+              <a:rPr/>
+              <a:t>colors,</a:t>
+            </a:r>
+            <a:r>
+              <a:rPr/>
+              <a:t> </a:t>
+            </a:r>
+            <a:r>
+              <a:rPr/>
+              <a:t>as</a:t>
+            </a:r>
+            <a:r>
+              <a:rPr/>
+              <a:t> </a:t>
+            </a:r>
+            <a:r>
+              <a:rPr/>
+              <a:t>they</a:t>
+            </a:r>
+            <a:r>
+              <a:rPr/>
+              <a:t> </a:t>
+            </a:r>
+            <a:r>
+              <a:rPr/>
+              <a:t>don’t</a:t>
+            </a:r>
+            <a:r>
+              <a:rPr/>
+              <a:t> </a:t>
+            </a:r>
+            <a:r>
+              <a:rPr/>
+              <a:t>have</a:t>
+            </a:r>
+            <a:r>
+              <a:rPr/>
+              <a:t> </a:t>
+            </a:r>
+            <a:r>
+              <a:rPr/>
+              <a:t>enough</a:t>
+            </a:r>
+            <a:r>
+              <a:rPr/>
+              <a:t> </a:t>
+            </a:r>
+            <a:r>
+              <a:rPr/>
+              <a:t>brightness,</a:t>
+            </a:r>
+            <a:r>
+              <a:rPr/>
+              <a:t> </a:t>
+            </a:r>
+            <a:r>
+              <a:rPr/>
+              <a:t>especially</a:t>
+            </a:r>
+            <a:r>
+              <a:rPr/>
+              <a:t> </a:t>
+            </a:r>
+            <a:r>
+              <a:rPr/>
+              <a:t>compared</a:t>
+            </a:r>
+            <a:r>
+              <a:rPr/>
+              <a:t> </a:t>
+            </a:r>
+            <a:r>
+              <a:rPr/>
+              <a:t>to</a:t>
+            </a:r>
+            <a:r>
+              <a:rPr/>
+              <a:t> </a:t>
+            </a:r>
+            <a:r>
+              <a:rPr/>
+              <a:t>the</a:t>
+            </a:r>
+            <a:r>
+              <a:rPr/>
+              <a:t> </a:t>
+            </a:r>
+            <a:r>
+              <a:rPr/>
+              <a:t>yellows</a:t>
+            </a:r>
+            <a:r>
+              <a:rPr/>
+              <a:t> </a:t>
+            </a:r>
+            <a:r>
+              <a:rPr/>
+              <a:t>and</a:t>
+            </a:r>
+            <a:r>
+              <a:rPr/>
+              <a:t> </a:t>
+            </a:r>
+            <a:r>
+              <a:rPr/>
+              <a:t>greens.</a:t>
+            </a:r>
+            <a:r>
+              <a:rPr/>
+              <a:t> </a:t>
+            </a:r>
+            <a:r>
+              <a:rPr/>
+              <a:t>For</a:t>
+            </a:r>
+            <a:r>
+              <a:rPr/>
+              <a:t> </a:t>
+            </a:r>
+            <a:r>
+              <a:rPr/>
+              <a:t>values</a:t>
+            </a:r>
+            <a:r>
+              <a:rPr/>
+              <a:t> </a:t>
+            </a:r>
+            <a:r>
+              <a:rPr/>
+              <a:t>of</a:t>
+            </a:r>
+            <a:r>
+              <a:rPr/>
+              <a:t> </a:t>
+            </a:r>
+            <a:r>
+              <a:rPr/>
+              <a:t>low</a:t>
+            </a:r>
+            <a:r>
+              <a:rPr/>
+              <a:t> </a:t>
+            </a:r>
+            <a:r>
+              <a:rPr/>
+              <a:t>luminence,</a:t>
+            </a:r>
+            <a:r>
+              <a:rPr/>
+              <a:t> </a:t>
+            </a:r>
+            <a:r>
+              <a:rPr/>
+              <a:t>the</a:t>
+            </a:r>
+            <a:r>
+              <a:rPr/>
+              <a:t> </a:t>
+            </a:r>
+            <a:r>
+              <a:rPr/>
+              <a:t>opposite</a:t>
+            </a:r>
+            <a:r>
+              <a:rPr/>
+              <a:t> </a:t>
+            </a:r>
+            <a:r>
+              <a:rPr/>
+              <a:t>occurs.</a:t>
+            </a:r>
+            <a:r>
+              <a:rPr/>
+              <a:t> </a:t>
+            </a:r>
+            <a:r>
+              <a:rPr/>
+              <a:t>Pure</a:t>
+            </a:r>
+            <a:r>
+              <a:rPr/>
+              <a:t> </a:t>
+            </a:r>
+            <a:r>
+              <a:rPr/>
+              <a:t>yellow</a:t>
+            </a:r>
+            <a:r>
+              <a:rPr/>
+              <a:t> </a:t>
+            </a:r>
+            <a:r>
+              <a:rPr/>
+              <a:t>and</a:t>
+            </a:r>
+            <a:r>
+              <a:rPr/>
+              <a:t> </a:t>
+            </a:r>
+            <a:r>
+              <a:rPr/>
+              <a:t>pure</a:t>
+            </a:r>
+            <a:r>
+              <a:rPr/>
+              <a:t> </a:t>
+            </a:r>
+            <a:r>
+              <a:rPr/>
+              <a:t>green</a:t>
+            </a:r>
+            <a:r>
+              <a:rPr/>
+              <a:t> </a:t>
+            </a:r>
+            <a:r>
+              <a:rPr/>
+              <a:t>are</a:t>
+            </a:r>
+            <a:r>
+              <a:rPr/>
+              <a:t> </a:t>
+            </a:r>
+            <a:r>
+              <a:rPr/>
+              <a:t>just</a:t>
+            </a:r>
+            <a:r>
+              <a:rPr/>
+              <a:t> </a:t>
+            </a:r>
+            <a:r>
+              <a:rPr/>
+              <a:t>too</a:t>
+            </a:r>
+            <a:r>
+              <a:rPr/>
+              <a:t> </a:t>
+            </a:r>
+            <a:r>
+              <a:rPr/>
+              <a:t>bright,</a:t>
+            </a:r>
+            <a:r>
+              <a:rPr/>
+              <a:t> </a:t>
+            </a:r>
+            <a:r>
+              <a:rPr/>
+              <a:t>but</a:t>
+            </a:r>
+            <a:r>
+              <a:rPr/>
+              <a:t> </a:t>
+            </a:r>
+            <a:r>
+              <a:rPr/>
+              <a:t>you</a:t>
+            </a:r>
+            <a:r>
+              <a:rPr/>
+              <a:t> </a:t>
+            </a:r>
+            <a:r>
+              <a:rPr/>
+              <a:t>can</a:t>
+            </a:r>
+            <a:r>
+              <a:rPr/>
+              <a:t> </a:t>
+            </a:r>
+            <a:r>
+              <a:rPr/>
+              <a:t>get</a:t>
+            </a:r>
+            <a:r>
+              <a:rPr/>
+              <a:t> </a:t>
+            </a:r>
+            <a:r>
+              <a:rPr/>
+              <a:t>reasonable</a:t>
+            </a:r>
+            <a:r>
+              <a:rPr/>
+              <a:t> </a:t>
+            </a:r>
+            <a:r>
+              <a:rPr/>
+              <a:t>values</a:t>
+            </a:r>
+            <a:r>
+              <a:rPr/>
+              <a:t> </a:t>
+            </a:r>
+            <a:r>
+              <a:rPr/>
+              <a:t>for</a:t>
+            </a:r>
+            <a:r>
+              <a:rPr/>
+              <a:t> </a:t>
+            </a:r>
+            <a:r>
+              <a:rPr/>
+              <a:t>something</a:t>
+            </a:r>
+            <a:r>
+              <a:rPr/>
+              <a:t> </a:t>
+            </a:r>
+            <a:r>
+              <a:rPr/>
+              <a:t>close</a:t>
+            </a:r>
+            <a:r>
+              <a:rPr/>
+              <a:t> </a:t>
+            </a:r>
+            <a:r>
+              <a:rPr/>
+              <a:t>to</a:t>
+            </a:r>
+            <a:r>
+              <a:rPr/>
+              <a:t> </a:t>
+            </a:r>
+            <a:r>
+              <a:rPr/>
+              <a:t>pure</a:t>
+            </a:r>
+            <a:r>
+              <a:rPr/>
+              <a:t> </a:t>
+            </a:r>
+            <a:r>
+              <a:rPr/>
+              <a:t>red</a:t>
+            </a:r>
+            <a:r>
+              <a:rPr/>
+              <a:t> </a:t>
+            </a:r>
+            <a:r>
+              <a:rPr/>
+              <a:t>and</a:t>
+            </a:r>
+            <a:r>
+              <a:rPr/>
+              <a:t> </a:t>
+            </a:r>
+            <a:r>
+              <a:rPr/>
+              <a:t>pure</a:t>
+            </a:r>
+            <a:r>
+              <a:rPr/>
+              <a:t> </a:t>
+            </a:r>
+            <a:r>
+              <a:rPr/>
+              <a:t>blue.</a:t>
+            </a:r>
           </a:p>
         </p:txBody>
       </p:sp>
@@ -6895,7 +8745,7 @@
           <a:p>
             <a:fld id="{18BDFEC3-8487-43E8-A154-7C12CBC1FFF2}" type="slidenum">
               <a:rPr lang="en-US"/>
-              <a:t>41</a:t>
+              <a:t>39</a:t>
             </a:fld>
             <a:endParaRPr lang="en-US"/>
           </a:p>
@@ -6955,15 +8805,7 @@
             </a:pPr>
             <a:r>
               <a:rPr/>
-              <a:t>When</a:t>
-            </a:r>
-            <a:r>
-              <a:rPr/>
-              <a:t> </a:t>
-            </a:r>
-            <a:r>
-              <a:rPr/>
-              <a:t>you</a:t>
+              <a:t>These</a:t>
             </a:r>
             <a:r>
               <a:rPr/>
@@ -6979,15 +8821,47 @@
             </a:r>
             <a:r>
               <a:rPr/>
-              <a:t>printing,</a:t>
-            </a:r>
-            <a:r>
-              <a:rPr/>
-              <a:t> </a:t>
-            </a:r>
-            <a:r>
-              <a:rPr/>
-              <a:t>more</a:t>
+              <a:t>the</a:t>
+            </a:r>
+            <a:r>
+              <a:rPr/>
+              <a:t> </a:t>
+            </a:r>
+            <a:r>
+              <a:rPr/>
+              <a:t>color</a:t>
+            </a:r>
+            <a:r>
+              <a:rPr/>
+              <a:t> </a:t>
+            </a:r>
+            <a:r>
+              <a:rPr/>
+              <a:t>values</a:t>
+            </a:r>
+            <a:r>
+              <a:rPr/>
+              <a:t> </a:t>
+            </a:r>
+            <a:r>
+              <a:rPr/>
+              <a:t>with</a:t>
+            </a:r>
+            <a:r>
+              <a:rPr/>
+              <a:t> </a:t>
+            </a:r>
+            <a:r>
+              <a:rPr/>
+              <a:t>a</a:t>
+            </a:r>
+            <a:r>
+              <a:rPr/>
+              <a:t> </a:t>
+            </a:r>
+            <a:r>
+              <a:rPr/>
+              <a:t>luminence</a:t>
             </a:r>
             <a:r>
               <a:rPr/>
@@ -7003,47 +8877,23 @@
             </a:r>
             <a:r>
               <a:rPr/>
-              <a:t>something</a:t>
-            </a:r>
-            <a:r>
-              <a:rPr/>
-              <a:t> </a:t>
-            </a:r>
-            <a:r>
-              <a:rPr/>
-              <a:t>makes</a:t>
-            </a:r>
-            <a:r>
-              <a:rPr/>
-              <a:t> </a:t>
-            </a:r>
-            <a:r>
-              <a:rPr/>
-              <a:t>things</a:t>
-            </a:r>
-            <a:r>
-              <a:rPr/>
-              <a:t> </a:t>
-            </a:r>
-            <a:r>
-              <a:rPr/>
-              <a:t>darker.</a:t>
-            </a:r>
-            <a:r>
-              <a:rPr/>
-              <a:t> </a:t>
-            </a:r>
-            <a:r>
-              <a:rPr/>
-              <a:t>This</a:t>
-            </a:r>
-            <a:r>
-              <a:rPr/>
-              <a:t> </a:t>
-            </a:r>
-            <a:r>
-              <a:rPr/>
-              <a:t>is</a:t>
+              <a:t>90%.</a:t>
+            </a:r>
+            <a:r>
+              <a:rPr/>
+              <a:t> </a:t>
+            </a:r>
+            <a:r>
+              <a:rPr/>
+              <a:t>It</a:t>
+            </a:r>
+            <a:r>
+              <a:rPr/>
+              <a:t> </a:t>
+            </a:r>
+            <a:r>
+              <a:rPr/>
+              <a:t>favors</a:t>
             </a:r>
             <a:r>
               <a:rPr/>
@@ -7059,15 +8909,31 @@
             </a:r>
             <a:r>
               <a:rPr/>
-              <a:t>exact</a:t>
-            </a:r>
-            <a:r>
-              <a:rPr/>
-              <a:t> </a:t>
-            </a:r>
-            <a:r>
-              <a:rPr/>
-              <a:t>opposite</a:t>
+              <a:t>green</a:t>
+            </a:r>
+            <a:r>
+              <a:rPr/>
+              <a:t> </a:t>
+            </a:r>
+            <a:r>
+              <a:rPr/>
+              <a:t>and</a:t>
+            </a:r>
+            <a:r>
+              <a:rPr/>
+              <a:t> </a:t>
+            </a:r>
+            <a:r>
+              <a:rPr/>
+              <a:t>yellow</a:t>
+            </a:r>
+            <a:r>
+              <a:rPr/>
+              <a:t> </a:t>
+            </a:r>
+            <a:r>
+              <a:rPr/>
+              <a:t>side</a:t>
             </a:r>
             <a:r>
               <a:rPr/>
@@ -7083,391 +8949,23 @@
             </a:r>
             <a:r>
               <a:rPr/>
-              <a:t>a</a:t>
-            </a:r>
-            <a:r>
-              <a:rPr/>
-              <a:t> </a:t>
-            </a:r>
-            <a:r>
-              <a:rPr/>
-              <a:t>computer</a:t>
-            </a:r>
-            <a:r>
-              <a:rPr/>
-              <a:t> </a:t>
-            </a:r>
-            <a:r>
-              <a:rPr/>
-              <a:t>monitor,</a:t>
-            </a:r>
-            <a:r>
-              <a:rPr/>
-              <a:t> </a:t>
-            </a:r>
-            <a:r>
-              <a:rPr/>
-              <a:t>where</a:t>
-            </a:r>
-            <a:r>
-              <a:rPr/>
-              <a:t> </a:t>
-            </a:r>
-            <a:r>
-              <a:rPr/>
-              <a:t>more</a:t>
-            </a:r>
-            <a:r>
-              <a:rPr/>
-              <a:t> </a:t>
-            </a:r>
-            <a:r>
-              <a:rPr/>
-              <a:t>of</a:t>
-            </a:r>
-            <a:r>
-              <a:rPr/>
-              <a:t> </a:t>
-            </a:r>
-            <a:r>
-              <a:rPr/>
-              <a:t>something</a:t>
-            </a:r>
-            <a:r>
-              <a:rPr/>
-              <a:t> </a:t>
-            </a:r>
-            <a:r>
-              <a:rPr/>
-              <a:t>makes</a:t>
-            </a:r>
-            <a:r>
-              <a:rPr/>
-              <a:t> </a:t>
-            </a:r>
-            <a:r>
-              <a:rPr/>
-              <a:t>things</a:t>
-            </a:r>
-            <a:r>
-              <a:rPr/>
-              <a:t> </a:t>
-            </a:r>
-            <a:r>
-              <a:rPr/>
-              <a:t>lighter.</a:t>
-            </a:r>
-            <a:r>
-              <a:rPr/>
-              <a:t> </a:t>
-            </a:r>
-            <a:r>
-              <a:rPr/>
-              <a:t>Also,</a:t>
-            </a:r>
-            <a:r>
-              <a:rPr/>
-              <a:t> </a:t>
-            </a:r>
-            <a:r>
-              <a:rPr/>
-              <a:t>printing</a:t>
-            </a:r>
-            <a:r>
-              <a:rPr/>
-              <a:t> </a:t>
-            </a:r>
-            <a:r>
-              <a:rPr/>
-              <a:t>is</a:t>
-            </a:r>
-            <a:r>
-              <a:rPr/>
-              <a:t> </a:t>
-            </a:r>
-            <a:r>
-              <a:rPr/>
-              <a:t>typically</a:t>
-            </a:r>
-            <a:r>
-              <a:rPr/>
-              <a:t> </a:t>
-            </a:r>
-            <a:r>
-              <a:rPr/>
-              <a:t>done</a:t>
-            </a:r>
-            <a:r>
-              <a:rPr/>
-              <a:t> </a:t>
-            </a:r>
-            <a:r>
-              <a:rPr/>
-              <a:t>on</a:t>
-            </a:r>
-            <a:r>
-              <a:rPr/>
-              <a:t> </a:t>
-            </a:r>
-            <a:r>
-              <a:rPr/>
-              <a:t>a</a:t>
-            </a:r>
-            <a:r>
-              <a:rPr/>
-              <a:t> </a:t>
-            </a:r>
-            <a:r>
-              <a:rPr/>
-              <a:t>sheet</a:t>
-            </a:r>
-            <a:r>
-              <a:rPr/>
-              <a:t> </a:t>
-            </a:r>
-            <a:r>
-              <a:rPr/>
-              <a:t>of</a:t>
-            </a:r>
-            <a:r>
-              <a:rPr/>
-              <a:t> </a:t>
-            </a:r>
-            <a:r>
-              <a:rPr/>
-              <a:t>white</a:t>
-            </a:r>
-            <a:r>
-              <a:rPr/>
-              <a:t> </a:t>
-            </a:r>
-            <a:r>
-              <a:rPr/>
-              <a:t>paper,</a:t>
-            </a:r>
-            <a:r>
-              <a:rPr/>
-              <a:t> </a:t>
-            </a:r>
-            <a:r>
-              <a:rPr/>
-              <a:t>so</a:t>
-            </a:r>
-            <a:r>
-              <a:rPr/>
-              <a:t> </a:t>
-            </a:r>
-            <a:r>
-              <a:rPr/>
-              <a:t>you</a:t>
-            </a:r>
-            <a:r>
-              <a:rPr/>
-              <a:t> </a:t>
-            </a:r>
-            <a:r>
-              <a:rPr/>
-              <a:t>don’t</a:t>
-            </a:r>
-            <a:r>
-              <a:rPr/>
-              <a:t> </a:t>
-            </a:r>
-            <a:r>
-              <a:rPr/>
-              <a:t>need</a:t>
-            </a:r>
-            <a:r>
-              <a:rPr/>
-              <a:t> </a:t>
-            </a:r>
-            <a:r>
-              <a:rPr/>
-              <a:t>to</a:t>
-            </a:r>
-            <a:r>
-              <a:rPr/>
-              <a:t> </a:t>
-            </a:r>
-            <a:r>
-              <a:rPr/>
-              <a:t>put</a:t>
-            </a:r>
-            <a:r>
-              <a:rPr/>
-              <a:t> </a:t>
-            </a:r>
-            <a:r>
-              <a:rPr/>
-              <a:t>any</a:t>
-            </a:r>
-            <a:r>
-              <a:rPr/>
-              <a:t> </a:t>
-            </a:r>
-            <a:r>
-              <a:rPr/>
-              <a:t>ink</a:t>
-            </a:r>
-            <a:r>
-              <a:rPr/>
-              <a:t> </a:t>
-            </a:r>
-            <a:r>
-              <a:rPr/>
-              <a:t>down</a:t>
-            </a:r>
-            <a:r>
-              <a:rPr/>
-              <a:t> </a:t>
-            </a:r>
-            <a:r>
-              <a:rPr/>
-              <a:t>in</a:t>
-            </a:r>
-            <a:r>
-              <a:rPr/>
-              <a:t> </a:t>
-            </a:r>
-            <a:r>
-              <a:rPr/>
-              <a:t>areas</a:t>
-            </a:r>
-            <a:r>
-              <a:rPr/>
-              <a:t> </a:t>
-            </a:r>
-            <a:r>
-              <a:rPr/>
-              <a:t>that</a:t>
-            </a:r>
-            <a:r>
-              <a:rPr/>
-              <a:t> </a:t>
-            </a:r>
-            <a:r>
-              <a:rPr/>
-              <a:t>are</a:t>
-            </a:r>
-            <a:r>
-              <a:rPr/>
-              <a:t> </a:t>
-            </a:r>
-            <a:r>
-              <a:rPr/>
-              <a:t>pure</a:t>
-            </a:r>
-            <a:r>
-              <a:rPr/>
-              <a:t> </a:t>
-            </a:r>
-            <a:r>
-              <a:rPr/>
-              <a:t>white</a:t>
-            </a:r>
-            <a:r>
-              <a:rPr/>
-              <a:t> </a:t>
-            </a:r>
-            <a:r>
-              <a:rPr/>
-              <a:t>and</a:t>
-            </a:r>
-            <a:r>
-              <a:rPr/>
-              <a:t> </a:t>
-            </a:r>
-            <a:r>
-              <a:rPr/>
-              <a:t>you</a:t>
-            </a:r>
-            <a:r>
-              <a:rPr/>
-              <a:t> </a:t>
-            </a:r>
-            <a:r>
-              <a:rPr/>
-              <a:t>put</a:t>
-            </a:r>
-            <a:r>
-              <a:rPr/>
-              <a:t> </a:t>
-            </a:r>
-            <a:r>
-              <a:rPr/>
-              <a:t>very</a:t>
-            </a:r>
-            <a:r>
-              <a:rPr/>
-              <a:t> </a:t>
-            </a:r>
-            <a:r>
-              <a:rPr/>
-              <a:t>little</a:t>
-            </a:r>
-            <a:r>
-              <a:rPr/>
-              <a:t> </a:t>
-            </a:r>
-            <a:r>
-              <a:rPr/>
-              <a:t>ink</a:t>
-            </a:r>
-            <a:r>
-              <a:rPr/>
-              <a:t> </a:t>
-            </a:r>
-            <a:r>
-              <a:rPr/>
-              <a:t>down</a:t>
-            </a:r>
-            <a:r>
-              <a:rPr/>
-              <a:t> </a:t>
-            </a:r>
-            <a:r>
-              <a:rPr/>
-              <a:t>in</a:t>
-            </a:r>
-            <a:r>
-              <a:rPr/>
-              <a:t> </a:t>
-            </a:r>
-            <a:r>
-              <a:rPr/>
-              <a:t>areas</a:t>
-            </a:r>
-            <a:r>
-              <a:rPr/>
-              <a:t> </a:t>
-            </a:r>
-            <a:r>
-              <a:rPr/>
-              <a:t>that</a:t>
-            </a:r>
-            <a:r>
-              <a:rPr/>
-              <a:t> </a:t>
-            </a:r>
-            <a:r>
-              <a:rPr/>
-              <a:t>are</a:t>
-            </a:r>
-            <a:r>
-              <a:rPr/>
-              <a:t> </a:t>
-            </a:r>
-            <a:r>
-              <a:rPr/>
-              <a:t>nearly</a:t>
-            </a:r>
-            <a:r>
-              <a:rPr/>
-              <a:t> </a:t>
-            </a:r>
-            <a:r>
-              <a:rPr/>
-              <a:t>white.</a:t>
+              <a:t>the</a:t>
+            </a:r>
+            <a:r>
+              <a:rPr/>
+              <a:t> </a:t>
+            </a:r>
+            <a:r>
+              <a:rPr/>
+              <a:t>color</a:t>
+            </a:r>
+            <a:r>
+              <a:rPr/>
+              <a:t> </a:t>
+            </a:r>
+            <a:r>
+              <a:rPr/>
+              <a:t>wheel.</a:t>
             </a:r>
           </a:p>
         </p:txBody>
@@ -7489,7 +8987,7 @@
           <a:p>
             <a:fld id="{18BDFEC3-8487-43E8-A154-7C12CBC1FFF2}" type="slidenum">
               <a:rPr lang="en-US"/>
-              <a:t>46</a:t>
+              <a:t>40</a:t>
             </a:fld>
             <a:endParaRPr lang="en-US"/>
           </a:p>
@@ -7549,23 +9047,39 @@
             </a:pPr>
             <a:r>
               <a:rPr/>
-              <a:t>The</a:t>
-            </a:r>
-            <a:r>
-              <a:rPr/>
-              <a:t> </a:t>
-            </a:r>
-            <a:r>
-              <a:rPr/>
-              <a:t>kindergarten</a:t>
-            </a:r>
-            <a:r>
-              <a:rPr/>
-              <a:t> </a:t>
-            </a:r>
-            <a:r>
-              <a:rPr/>
-              <a:t>view</a:t>
+              <a:t>When</a:t>
+            </a:r>
+            <a:r>
+              <a:rPr/>
+              <a:t> </a:t>
+            </a:r>
+            <a:r>
+              <a:rPr/>
+              <a:t>you</a:t>
+            </a:r>
+            <a:r>
+              <a:rPr/>
+              <a:t> </a:t>
+            </a:r>
+            <a:r>
+              <a:rPr/>
+              <a:t>are</a:t>
+            </a:r>
+            <a:r>
+              <a:rPr/>
+              <a:t> </a:t>
+            </a:r>
+            <a:r>
+              <a:rPr/>
+              <a:t>printing,</a:t>
+            </a:r>
+            <a:r>
+              <a:rPr/>
+              <a:t> </a:t>
+            </a:r>
+            <a:r>
+              <a:rPr/>
+              <a:t>more</a:t>
             </a:r>
             <a:r>
               <a:rPr/>
@@ -7581,63 +9095,199 @@
             </a:r>
             <a:r>
               <a:rPr/>
-              <a:t>colors</a:t>
-            </a:r>
-            <a:r>
-              <a:rPr/>
-              <a:t> </a:t>
-            </a:r>
-            <a:r>
-              <a:rPr/>
-              <a:t>(red</a:t>
-            </a:r>
-            <a:r>
-              <a:rPr/>
-              <a:t> </a:t>
-            </a:r>
-            <a:r>
-              <a:rPr/>
-              <a:t>plus</a:t>
-            </a:r>
-            <a:r>
-              <a:rPr/>
-              <a:t> </a:t>
-            </a:r>
-            <a:r>
-              <a:rPr/>
-              <a:t>yellow</a:t>
-            </a:r>
-            <a:r>
-              <a:rPr/>
-              <a:t> </a:t>
-            </a:r>
-            <a:r>
-              <a:rPr/>
-              <a:t>equals</a:t>
-            </a:r>
-            <a:r>
-              <a:rPr/>
-              <a:t> </a:t>
-            </a:r>
-            <a:r>
-              <a:rPr/>
-              <a:t>orange)</a:t>
-            </a:r>
-            <a:r>
-              <a:rPr/>
-              <a:t> </a:t>
-            </a:r>
-            <a:r>
-              <a:rPr/>
-              <a:t>doesn’t</a:t>
-            </a:r>
-            <a:r>
-              <a:rPr/>
-              <a:t> </a:t>
-            </a:r>
-            <a:r>
-              <a:rPr/>
-              <a:t>work</a:t>
+              <a:t>something</a:t>
+            </a:r>
+            <a:r>
+              <a:rPr/>
+              <a:t> </a:t>
+            </a:r>
+            <a:r>
+              <a:rPr/>
+              <a:t>makes</a:t>
+            </a:r>
+            <a:r>
+              <a:rPr/>
+              <a:t> </a:t>
+            </a:r>
+            <a:r>
+              <a:rPr/>
+              <a:t>things</a:t>
+            </a:r>
+            <a:r>
+              <a:rPr/>
+              <a:t> </a:t>
+            </a:r>
+            <a:r>
+              <a:rPr/>
+              <a:t>darker.</a:t>
+            </a:r>
+            <a:r>
+              <a:rPr/>
+              <a:t> </a:t>
+            </a:r>
+            <a:r>
+              <a:rPr/>
+              <a:t>This</a:t>
+            </a:r>
+            <a:r>
+              <a:rPr/>
+              <a:t> </a:t>
+            </a:r>
+            <a:r>
+              <a:rPr/>
+              <a:t>is</a:t>
+            </a:r>
+            <a:r>
+              <a:rPr/>
+              <a:t> </a:t>
+            </a:r>
+            <a:r>
+              <a:rPr/>
+              <a:t>the</a:t>
+            </a:r>
+            <a:r>
+              <a:rPr/>
+              <a:t> </a:t>
+            </a:r>
+            <a:r>
+              <a:rPr/>
+              <a:t>exact</a:t>
+            </a:r>
+            <a:r>
+              <a:rPr/>
+              <a:t> </a:t>
+            </a:r>
+            <a:r>
+              <a:rPr/>
+              <a:t>opposite</a:t>
+            </a:r>
+            <a:r>
+              <a:rPr/>
+              <a:t> </a:t>
+            </a:r>
+            <a:r>
+              <a:rPr/>
+              <a:t>of</a:t>
+            </a:r>
+            <a:r>
+              <a:rPr/>
+              <a:t> </a:t>
+            </a:r>
+            <a:r>
+              <a:rPr/>
+              <a:t>a</a:t>
+            </a:r>
+            <a:r>
+              <a:rPr/>
+              <a:t> </a:t>
+            </a:r>
+            <a:r>
+              <a:rPr/>
+              <a:t>computer</a:t>
+            </a:r>
+            <a:r>
+              <a:rPr/>
+              <a:t> </a:t>
+            </a:r>
+            <a:r>
+              <a:rPr/>
+              <a:t>monitor,</a:t>
+            </a:r>
+            <a:r>
+              <a:rPr/>
+              <a:t> </a:t>
+            </a:r>
+            <a:r>
+              <a:rPr/>
+              <a:t>where</a:t>
+            </a:r>
+            <a:r>
+              <a:rPr/>
+              <a:t> </a:t>
+            </a:r>
+            <a:r>
+              <a:rPr/>
+              <a:t>more</a:t>
+            </a:r>
+            <a:r>
+              <a:rPr/>
+              <a:t> </a:t>
+            </a:r>
+            <a:r>
+              <a:rPr/>
+              <a:t>of</a:t>
+            </a:r>
+            <a:r>
+              <a:rPr/>
+              <a:t> </a:t>
+            </a:r>
+            <a:r>
+              <a:rPr/>
+              <a:t>something</a:t>
+            </a:r>
+            <a:r>
+              <a:rPr/>
+              <a:t> </a:t>
+            </a:r>
+            <a:r>
+              <a:rPr/>
+              <a:t>makes</a:t>
+            </a:r>
+            <a:r>
+              <a:rPr/>
+              <a:t> </a:t>
+            </a:r>
+            <a:r>
+              <a:rPr/>
+              <a:t>things</a:t>
+            </a:r>
+            <a:r>
+              <a:rPr/>
+              <a:t> </a:t>
+            </a:r>
+            <a:r>
+              <a:rPr/>
+              <a:t>lighter.</a:t>
+            </a:r>
+            <a:r>
+              <a:rPr/>
+              <a:t> </a:t>
+            </a:r>
+            <a:r>
+              <a:rPr/>
+              <a:t>Also,</a:t>
+            </a:r>
+            <a:r>
+              <a:rPr/>
+              <a:t> </a:t>
+            </a:r>
+            <a:r>
+              <a:rPr/>
+              <a:t>printing</a:t>
+            </a:r>
+            <a:r>
+              <a:rPr/>
+              <a:t> </a:t>
+            </a:r>
+            <a:r>
+              <a:rPr/>
+              <a:t>is</a:t>
+            </a:r>
+            <a:r>
+              <a:rPr/>
+              <a:t> </a:t>
+            </a:r>
+            <a:r>
+              <a:rPr/>
+              <a:t>typically</a:t>
+            </a:r>
+            <a:r>
+              <a:rPr/>
+              <a:t> </a:t>
+            </a:r>
+            <a:r>
+              <a:rPr/>
+              <a:t>done</a:t>
             </a:r>
             <a:r>
               <a:rPr/>
@@ -7661,55 +9311,7 @@
             </a:r>
             <a:r>
               <a:rPr/>
-              <a:t>computer</a:t>
-            </a:r>
-            <a:r>
-              <a:rPr/>
-              <a:t> </a:t>
-            </a:r>
-            <a:r>
-              <a:rPr/>
-              <a:t>screen</a:t>
-            </a:r>
-            <a:r>
-              <a:rPr/>
-              <a:t> </a:t>
-            </a:r>
-            <a:r>
-              <a:rPr/>
-              <a:t>because</a:t>
-            </a:r>
-            <a:r>
-              <a:rPr/>
-              <a:t> </a:t>
-            </a:r>
-            <a:r>
-              <a:rPr/>
-              <a:t>the</a:t>
-            </a:r>
-            <a:r>
-              <a:rPr/>
-              <a:t> </a:t>
-            </a:r>
-            <a:r>
-              <a:rPr/>
-              <a:t>screen</a:t>
-            </a:r>
-            <a:r>
-              <a:rPr/>
-              <a:t> </a:t>
-            </a:r>
-            <a:r>
-              <a:rPr/>
-              <a:t>uses</a:t>
-            </a:r>
-            <a:r>
-              <a:rPr/>
-              <a:t> </a:t>
-            </a:r>
-            <a:r>
-              <a:rPr/>
-              <a:t>mixtures</a:t>
+              <a:t>sheet</a:t>
             </a:r>
             <a:r>
               <a:rPr/>
@@ -7725,7 +9327,47 @@
             </a:r>
             <a:r>
               <a:rPr/>
-              <a:t>light</a:t>
+              <a:t>white</a:t>
+            </a:r>
+            <a:r>
+              <a:rPr/>
+              <a:t> </a:t>
+            </a:r>
+            <a:r>
+              <a:rPr/>
+              <a:t>paper,</a:t>
+            </a:r>
+            <a:r>
+              <a:rPr/>
+              <a:t> </a:t>
+            </a:r>
+            <a:r>
+              <a:rPr/>
+              <a:t>so</a:t>
+            </a:r>
+            <a:r>
+              <a:rPr/>
+              <a:t> </a:t>
+            </a:r>
+            <a:r>
+              <a:rPr/>
+              <a:t>you</a:t>
+            </a:r>
+            <a:r>
+              <a:rPr/>
+              <a:t> </a:t>
+            </a:r>
+            <a:r>
+              <a:rPr/>
+              <a:t>don’t</a:t>
+            </a:r>
+            <a:r>
+              <a:rPr/>
+              <a:t> </a:t>
+            </a:r>
+            <a:r>
+              <a:rPr/>
+              <a:t>need</a:t>
             </a:r>
             <a:r>
               <a:rPr/>
@@ -7741,303 +9383,183 @@
             </a:r>
             <a:r>
               <a:rPr/>
-              <a:t>combine</a:t>
-            </a:r>
-            <a:r>
-              <a:rPr/>
-              <a:t> </a:t>
-            </a:r>
-            <a:r>
-              <a:rPr/>
-              <a:t>colors.</a:t>
-            </a:r>
-            <a:r>
-              <a:rPr/>
-              <a:t> </a:t>
-            </a:r>
-            <a:r>
-              <a:rPr/>
-              <a:t>We</a:t>
-            </a:r>
-            <a:r>
-              <a:rPr/>
-              <a:t> </a:t>
-            </a:r>
-            <a:r>
-              <a:rPr/>
-              <a:t>covered</a:t>
-            </a:r>
-            <a:r>
-              <a:rPr/>
-              <a:t> </a:t>
-            </a:r>
-            <a:r>
-              <a:rPr/>
-              <a:t>the</a:t>
-            </a:r>
-            <a:r>
-              <a:rPr/>
-              <a:t> </a:t>
-            </a:r>
-            <a:r>
-              <a:rPr/>
-              <a:t>RGB</a:t>
-            </a:r>
-            <a:r>
-              <a:rPr/>
-              <a:t> </a:t>
-            </a:r>
-            <a:r>
-              <a:rPr/>
-              <a:t>system</a:t>
-            </a:r>
-            <a:r>
-              <a:rPr/>
-              <a:t> </a:t>
-            </a:r>
-            <a:r>
-              <a:rPr/>
-              <a:t>including</a:t>
-            </a:r>
-            <a:r>
-              <a:rPr/>
-              <a:t> </a:t>
-            </a:r>
-            <a:r>
-              <a:rPr/>
-              <a:t>how</a:t>
-            </a:r>
-            <a:r>
-              <a:rPr/>
-              <a:t> </a:t>
-            </a:r>
-            <a:r>
-              <a:rPr/>
-              <a:t>to</a:t>
-            </a:r>
-            <a:r>
-              <a:rPr/>
-              <a:t> </a:t>
-            </a:r>
-            <a:r>
-              <a:rPr/>
-              <a:t>create</a:t>
-            </a:r>
-            <a:r>
-              <a:rPr/>
-              <a:t> </a:t>
-            </a:r>
-            <a:r>
-              <a:rPr/>
-              <a:t>gradients.</a:t>
-            </a:r>
-            <a:r>
-              <a:rPr/>
-              <a:t> </a:t>
-            </a:r>
-            <a:r>
-              <a:rPr/>
-              <a:t>The</a:t>
-            </a:r>
-            <a:r>
-              <a:rPr/>
-              <a:t> </a:t>
-            </a:r>
-            <a:r>
-              <a:rPr/>
-              <a:t>HSV</a:t>
-            </a:r>
-            <a:r>
-              <a:rPr/>
-              <a:t> </a:t>
-            </a:r>
-            <a:r>
-              <a:rPr/>
-              <a:t>system</a:t>
-            </a:r>
-            <a:r>
-              <a:rPr/>
-              <a:t> </a:t>
-            </a:r>
-            <a:r>
-              <a:rPr/>
-              <a:t>provides</a:t>
-            </a:r>
-            <a:r>
-              <a:rPr/>
-              <a:t> </a:t>
-            </a:r>
-            <a:r>
-              <a:rPr/>
-              <a:t>a</a:t>
-            </a:r>
-            <a:r>
-              <a:rPr/>
-              <a:t> </a:t>
-            </a:r>
-            <a:r>
-              <a:rPr/>
-              <a:t>more</a:t>
-            </a:r>
-            <a:r>
-              <a:rPr/>
-              <a:t> </a:t>
-            </a:r>
-            <a:r>
-              <a:rPr/>
-              <a:t>intuitive</a:t>
-            </a:r>
-            <a:r>
-              <a:rPr/>
-              <a:t> </a:t>
-            </a:r>
-            <a:r>
-              <a:rPr/>
-              <a:t>description</a:t>
-            </a:r>
-            <a:r>
-              <a:rPr/>
-              <a:t> </a:t>
-            </a:r>
-            <a:r>
-              <a:rPr/>
-              <a:t>of</a:t>
-            </a:r>
-            <a:r>
-              <a:rPr/>
-              <a:t> </a:t>
-            </a:r>
-            <a:r>
-              <a:rPr/>
-              <a:t>colors,</a:t>
-            </a:r>
-            <a:r>
-              <a:rPr/>
-              <a:t> </a:t>
-            </a:r>
-            <a:r>
-              <a:rPr/>
-              <a:t>while</a:t>
-            </a:r>
-            <a:r>
-              <a:rPr/>
-              <a:t> </a:t>
-            </a:r>
-            <a:r>
-              <a:rPr/>
-              <a:t>CMYK</a:t>
-            </a:r>
-            <a:r>
-              <a:rPr/>
-              <a:t> </a:t>
-            </a:r>
-            <a:r>
-              <a:rPr/>
-              <a:t>is</a:t>
-            </a:r>
-            <a:r>
-              <a:rPr/>
-              <a:t> </a:t>
-            </a:r>
-            <a:r>
-              <a:rPr/>
-              <a:t>used</a:t>
-            </a:r>
-            <a:r>
-              <a:rPr/>
-              <a:t> </a:t>
-            </a:r>
-            <a:r>
-              <a:rPr/>
-              <a:t>when</a:t>
-            </a:r>
-            <a:r>
-              <a:rPr/>
-              <a:t> </a:t>
-            </a:r>
-            <a:r>
-              <a:rPr/>
-              <a:t>printing,</a:t>
-            </a:r>
-            <a:r>
-              <a:rPr/>
-              <a:t> </a:t>
-            </a:r>
-            <a:r>
-              <a:rPr/>
-              <a:t>where</a:t>
-            </a:r>
-            <a:r>
-              <a:rPr/>
-              <a:t> </a:t>
-            </a:r>
-            <a:r>
-              <a:rPr/>
-              <a:t>a</a:t>
-            </a:r>
-            <a:r>
-              <a:rPr/>
-              <a:t> </a:t>
-            </a:r>
-            <a:r>
-              <a:rPr/>
-              <a:t>substractive</a:t>
-            </a:r>
-            <a:r>
-              <a:rPr/>
-              <a:t> </a:t>
-            </a:r>
-            <a:r>
-              <a:rPr/>
-              <a:t>rather</a:t>
-            </a:r>
-            <a:r>
-              <a:rPr/>
-              <a:t> </a:t>
-            </a:r>
-            <a:r>
-              <a:rPr/>
-              <a:t>than</a:t>
-            </a:r>
-            <a:r>
-              <a:rPr/>
-              <a:t> </a:t>
-            </a:r>
-            <a:r>
-              <a:rPr/>
-              <a:t>additive</a:t>
-            </a:r>
-            <a:r>
-              <a:rPr/>
-              <a:t> </a:t>
-            </a:r>
-            <a:r>
-              <a:rPr/>
-              <a:t>color</a:t>
-            </a:r>
-            <a:r>
-              <a:rPr/>
-              <a:t> </a:t>
-            </a:r>
-            <a:r>
-              <a:rPr/>
-              <a:t>system</a:t>
-            </a:r>
-            <a:r>
-              <a:rPr/>
-              <a:t> </a:t>
-            </a:r>
-            <a:r>
-              <a:rPr/>
-              <a:t>is</a:t>
-            </a:r>
-            <a:r>
-              <a:rPr/>
-              <a:t> </a:t>
-            </a:r>
-            <a:r>
-              <a:rPr/>
-              <a:t>needed.</a:t>
+              <a:t>put</a:t>
+            </a:r>
+            <a:r>
+              <a:rPr/>
+              <a:t> </a:t>
+            </a:r>
+            <a:r>
+              <a:rPr/>
+              <a:t>any</a:t>
+            </a:r>
+            <a:r>
+              <a:rPr/>
+              <a:t> </a:t>
+            </a:r>
+            <a:r>
+              <a:rPr/>
+              <a:t>ink</a:t>
+            </a:r>
+            <a:r>
+              <a:rPr/>
+              <a:t> </a:t>
+            </a:r>
+            <a:r>
+              <a:rPr/>
+              <a:t>down</a:t>
+            </a:r>
+            <a:r>
+              <a:rPr/>
+              <a:t> </a:t>
+            </a:r>
+            <a:r>
+              <a:rPr/>
+              <a:t>in</a:t>
+            </a:r>
+            <a:r>
+              <a:rPr/>
+              <a:t> </a:t>
+            </a:r>
+            <a:r>
+              <a:rPr/>
+              <a:t>areas</a:t>
+            </a:r>
+            <a:r>
+              <a:rPr/>
+              <a:t> </a:t>
+            </a:r>
+            <a:r>
+              <a:rPr/>
+              <a:t>that</a:t>
+            </a:r>
+            <a:r>
+              <a:rPr/>
+              <a:t> </a:t>
+            </a:r>
+            <a:r>
+              <a:rPr/>
+              <a:t>are</a:t>
+            </a:r>
+            <a:r>
+              <a:rPr/>
+              <a:t> </a:t>
+            </a:r>
+            <a:r>
+              <a:rPr/>
+              <a:t>pure</a:t>
+            </a:r>
+            <a:r>
+              <a:rPr/>
+              <a:t> </a:t>
+            </a:r>
+            <a:r>
+              <a:rPr/>
+              <a:t>white</a:t>
+            </a:r>
+            <a:r>
+              <a:rPr/>
+              <a:t> </a:t>
+            </a:r>
+            <a:r>
+              <a:rPr/>
+              <a:t>and</a:t>
+            </a:r>
+            <a:r>
+              <a:rPr/>
+              <a:t> </a:t>
+            </a:r>
+            <a:r>
+              <a:rPr/>
+              <a:t>you</a:t>
+            </a:r>
+            <a:r>
+              <a:rPr/>
+              <a:t> </a:t>
+            </a:r>
+            <a:r>
+              <a:rPr/>
+              <a:t>put</a:t>
+            </a:r>
+            <a:r>
+              <a:rPr/>
+              <a:t> </a:t>
+            </a:r>
+            <a:r>
+              <a:rPr/>
+              <a:t>very</a:t>
+            </a:r>
+            <a:r>
+              <a:rPr/>
+              <a:t> </a:t>
+            </a:r>
+            <a:r>
+              <a:rPr/>
+              <a:t>little</a:t>
+            </a:r>
+            <a:r>
+              <a:rPr/>
+              <a:t> </a:t>
+            </a:r>
+            <a:r>
+              <a:rPr/>
+              <a:t>ink</a:t>
+            </a:r>
+            <a:r>
+              <a:rPr/>
+              <a:t> </a:t>
+            </a:r>
+            <a:r>
+              <a:rPr/>
+              <a:t>down</a:t>
+            </a:r>
+            <a:r>
+              <a:rPr/>
+              <a:t> </a:t>
+            </a:r>
+            <a:r>
+              <a:rPr/>
+              <a:t>in</a:t>
+            </a:r>
+            <a:r>
+              <a:rPr/>
+              <a:t> </a:t>
+            </a:r>
+            <a:r>
+              <a:rPr/>
+              <a:t>areas</a:t>
+            </a:r>
+            <a:r>
+              <a:rPr/>
+              <a:t> </a:t>
+            </a:r>
+            <a:r>
+              <a:rPr/>
+              <a:t>that</a:t>
+            </a:r>
+            <a:r>
+              <a:rPr/>
+              <a:t> </a:t>
+            </a:r>
+            <a:r>
+              <a:rPr/>
+              <a:t>are</a:t>
+            </a:r>
+            <a:r>
+              <a:rPr/>
+              <a:t> </a:t>
+            </a:r>
+            <a:r>
+              <a:rPr/>
+              <a:t>nearly</a:t>
+            </a:r>
+            <a:r>
+              <a:rPr/>
+              <a:t> </a:t>
+            </a:r>
+            <a:r>
+              <a:rPr/>
+              <a:t>white.</a:t>
             </a:r>
           </a:p>
         </p:txBody>
@@ -8059,7 +9581,7 @@
           <a:p>
             <a:fld id="{18BDFEC3-8487-43E8-A154-7C12CBC1FFF2}" type="slidenum">
               <a:rPr lang="en-US"/>
-              <a:t>49</a:t>
+              <a:t>44</a:t>
             </a:fld>
             <a:endParaRPr lang="en-US"/>
           </a:p>
@@ -8682,6 +10204,576 @@
             <a:fld id="{18BDFEC3-8487-43E8-A154-7C12CBC1FFF2}" type="slidenum">
               <a:rPr lang="en-US"/>
               <a:t>4</a:t>
+            </a:fld>
+            <a:endParaRPr lang="en-US"/>
+          </a:p>
+        </p:txBody>
+      </p:sp>
+    </p:spTree>
+  </p:cSld>
+</p:notes>
+</file>
+
+<file path=ppt/notesSlides/notesSlide30.xml><?xml version="1.0" encoding="utf-8"?>
+<p:notes xmlns:a="http://schemas.openxmlformats.org/drawingml/2006/main" xmlns:r="http://schemas.openxmlformats.org/officeDocument/2006/relationships" xmlns:p="http://schemas.openxmlformats.org/presentationml/2006/main">
+  <p:cSld>
+    <p:spTree>
+      <p:nvGrpSpPr>
+        <p:cNvPr id="1" name=""/>
+        <p:cNvGrpSpPr/>
+        <p:nvPr/>
+      </p:nvGrpSpPr>
+      <p:grpSpPr>
+        <a:xfrm>
+          <a:off x="0" y="0"/>
+          <a:ext cx="0" cy="0"/>
+          <a:chOff x="0" y="0"/>
+          <a:chExt cx="0" cy="0"/>
+        </a:xfrm>
+      </p:grpSpPr>
+      <p:sp>
+        <p:nvSpPr>
+          <p:cNvPr id="2" name="Slide Image Placeholder 1"/>
+          <p:cNvSpPr>
+            <a:spLocks noGrp="1" noRot="1" noChangeAspect="1"/>
+          </p:cNvSpPr>
+          <p:nvPr>
+            <p:ph type="sldImg"/>
+          </p:nvPr>
+        </p:nvSpPr>
+        <p:spPr/>
+      </p:sp>
+      <p:sp>
+        <p:nvSpPr>
+          <p:cNvPr id="3" name="Notes Placeholder 2"/>
+          <p:cNvSpPr>
+            <a:spLocks noGrp="1"/>
+          </p:cNvSpPr>
+          <p:nvPr>
+            <p:ph type="body" idx="1"/>
+          </p:nvPr>
+        </p:nvSpPr>
+        <p:spPr/>
+        <p:txBody>
+          <a:bodyPr/>
+          <a:lstStyle/>
+          <a:p>
+            <a:pPr lvl="0" marL="0" indent="0">
+              <a:buNone/>
+            </a:pPr>
+            <a:r>
+              <a:rPr/>
+              <a:t>The</a:t>
+            </a:r>
+            <a:r>
+              <a:rPr/>
+              <a:t> </a:t>
+            </a:r>
+            <a:r>
+              <a:rPr/>
+              <a:t>kindergarten</a:t>
+            </a:r>
+            <a:r>
+              <a:rPr/>
+              <a:t> </a:t>
+            </a:r>
+            <a:r>
+              <a:rPr/>
+              <a:t>view</a:t>
+            </a:r>
+            <a:r>
+              <a:rPr/>
+              <a:t> </a:t>
+            </a:r>
+            <a:r>
+              <a:rPr/>
+              <a:t>of</a:t>
+            </a:r>
+            <a:r>
+              <a:rPr/>
+              <a:t> </a:t>
+            </a:r>
+            <a:r>
+              <a:rPr/>
+              <a:t>colors</a:t>
+            </a:r>
+            <a:r>
+              <a:rPr/>
+              <a:t> </a:t>
+            </a:r>
+            <a:r>
+              <a:rPr/>
+              <a:t>(red</a:t>
+            </a:r>
+            <a:r>
+              <a:rPr/>
+              <a:t> </a:t>
+            </a:r>
+            <a:r>
+              <a:rPr/>
+              <a:t>plus</a:t>
+            </a:r>
+            <a:r>
+              <a:rPr/>
+              <a:t> </a:t>
+            </a:r>
+            <a:r>
+              <a:rPr/>
+              <a:t>yellow</a:t>
+            </a:r>
+            <a:r>
+              <a:rPr/>
+              <a:t> </a:t>
+            </a:r>
+            <a:r>
+              <a:rPr/>
+              <a:t>equals</a:t>
+            </a:r>
+            <a:r>
+              <a:rPr/>
+              <a:t> </a:t>
+            </a:r>
+            <a:r>
+              <a:rPr/>
+              <a:t>orange)</a:t>
+            </a:r>
+            <a:r>
+              <a:rPr/>
+              <a:t> </a:t>
+            </a:r>
+            <a:r>
+              <a:rPr/>
+              <a:t>doesn’t</a:t>
+            </a:r>
+            <a:r>
+              <a:rPr/>
+              <a:t> </a:t>
+            </a:r>
+            <a:r>
+              <a:rPr/>
+              <a:t>work</a:t>
+            </a:r>
+            <a:r>
+              <a:rPr/>
+              <a:t> </a:t>
+            </a:r>
+            <a:r>
+              <a:rPr/>
+              <a:t>on</a:t>
+            </a:r>
+            <a:r>
+              <a:rPr/>
+              <a:t> </a:t>
+            </a:r>
+            <a:r>
+              <a:rPr/>
+              <a:t>a</a:t>
+            </a:r>
+            <a:r>
+              <a:rPr/>
+              <a:t> </a:t>
+            </a:r>
+            <a:r>
+              <a:rPr/>
+              <a:t>computer</a:t>
+            </a:r>
+            <a:r>
+              <a:rPr/>
+              <a:t> </a:t>
+            </a:r>
+            <a:r>
+              <a:rPr/>
+              <a:t>screen</a:t>
+            </a:r>
+            <a:r>
+              <a:rPr/>
+              <a:t> </a:t>
+            </a:r>
+            <a:r>
+              <a:rPr/>
+              <a:t>because</a:t>
+            </a:r>
+            <a:r>
+              <a:rPr/>
+              <a:t> </a:t>
+            </a:r>
+            <a:r>
+              <a:rPr/>
+              <a:t>the</a:t>
+            </a:r>
+            <a:r>
+              <a:rPr/>
+              <a:t> </a:t>
+            </a:r>
+            <a:r>
+              <a:rPr/>
+              <a:t>screen</a:t>
+            </a:r>
+            <a:r>
+              <a:rPr/>
+              <a:t> </a:t>
+            </a:r>
+            <a:r>
+              <a:rPr/>
+              <a:t>uses</a:t>
+            </a:r>
+            <a:r>
+              <a:rPr/>
+              <a:t> </a:t>
+            </a:r>
+            <a:r>
+              <a:rPr/>
+              <a:t>mixtures</a:t>
+            </a:r>
+            <a:r>
+              <a:rPr/>
+              <a:t> </a:t>
+            </a:r>
+            <a:r>
+              <a:rPr/>
+              <a:t>of</a:t>
+            </a:r>
+            <a:r>
+              <a:rPr/>
+              <a:t> </a:t>
+            </a:r>
+            <a:r>
+              <a:rPr/>
+              <a:t>light</a:t>
+            </a:r>
+            <a:r>
+              <a:rPr/>
+              <a:t> </a:t>
+            </a:r>
+            <a:r>
+              <a:rPr/>
+              <a:t>to</a:t>
+            </a:r>
+            <a:r>
+              <a:rPr/>
+              <a:t> </a:t>
+            </a:r>
+            <a:r>
+              <a:rPr/>
+              <a:t>combine</a:t>
+            </a:r>
+            <a:r>
+              <a:rPr/>
+              <a:t> </a:t>
+            </a:r>
+            <a:r>
+              <a:rPr/>
+              <a:t>colors.</a:t>
+            </a:r>
+            <a:r>
+              <a:rPr/>
+              <a:t> </a:t>
+            </a:r>
+            <a:r>
+              <a:rPr/>
+              <a:t>We</a:t>
+            </a:r>
+            <a:r>
+              <a:rPr/>
+              <a:t> </a:t>
+            </a:r>
+            <a:r>
+              <a:rPr/>
+              <a:t>covered</a:t>
+            </a:r>
+            <a:r>
+              <a:rPr/>
+              <a:t> </a:t>
+            </a:r>
+            <a:r>
+              <a:rPr/>
+              <a:t>the</a:t>
+            </a:r>
+            <a:r>
+              <a:rPr/>
+              <a:t> </a:t>
+            </a:r>
+            <a:r>
+              <a:rPr/>
+              <a:t>RGB</a:t>
+            </a:r>
+            <a:r>
+              <a:rPr/>
+              <a:t> </a:t>
+            </a:r>
+            <a:r>
+              <a:rPr/>
+              <a:t>system</a:t>
+            </a:r>
+            <a:r>
+              <a:rPr/>
+              <a:t> </a:t>
+            </a:r>
+            <a:r>
+              <a:rPr/>
+              <a:t>including</a:t>
+            </a:r>
+            <a:r>
+              <a:rPr/>
+              <a:t> </a:t>
+            </a:r>
+            <a:r>
+              <a:rPr/>
+              <a:t>how</a:t>
+            </a:r>
+            <a:r>
+              <a:rPr/>
+              <a:t> </a:t>
+            </a:r>
+            <a:r>
+              <a:rPr/>
+              <a:t>to</a:t>
+            </a:r>
+            <a:r>
+              <a:rPr/>
+              <a:t> </a:t>
+            </a:r>
+            <a:r>
+              <a:rPr/>
+              <a:t>create</a:t>
+            </a:r>
+            <a:r>
+              <a:rPr/>
+              <a:t> </a:t>
+            </a:r>
+            <a:r>
+              <a:rPr/>
+              <a:t>gradients.</a:t>
+            </a:r>
+            <a:r>
+              <a:rPr/>
+              <a:t> </a:t>
+            </a:r>
+            <a:r>
+              <a:rPr/>
+              <a:t>The</a:t>
+            </a:r>
+            <a:r>
+              <a:rPr/>
+              <a:t> </a:t>
+            </a:r>
+            <a:r>
+              <a:rPr/>
+              <a:t>HSV</a:t>
+            </a:r>
+            <a:r>
+              <a:rPr/>
+              <a:t> </a:t>
+            </a:r>
+            <a:r>
+              <a:rPr/>
+              <a:t>system</a:t>
+            </a:r>
+            <a:r>
+              <a:rPr/>
+              <a:t> </a:t>
+            </a:r>
+            <a:r>
+              <a:rPr/>
+              <a:t>provides</a:t>
+            </a:r>
+            <a:r>
+              <a:rPr/>
+              <a:t> </a:t>
+            </a:r>
+            <a:r>
+              <a:rPr/>
+              <a:t>a</a:t>
+            </a:r>
+            <a:r>
+              <a:rPr/>
+              <a:t> </a:t>
+            </a:r>
+            <a:r>
+              <a:rPr/>
+              <a:t>more</a:t>
+            </a:r>
+            <a:r>
+              <a:rPr/>
+              <a:t> </a:t>
+            </a:r>
+            <a:r>
+              <a:rPr/>
+              <a:t>intuitive</a:t>
+            </a:r>
+            <a:r>
+              <a:rPr/>
+              <a:t> </a:t>
+            </a:r>
+            <a:r>
+              <a:rPr/>
+              <a:t>description</a:t>
+            </a:r>
+            <a:r>
+              <a:rPr/>
+              <a:t> </a:t>
+            </a:r>
+            <a:r>
+              <a:rPr/>
+              <a:t>of</a:t>
+            </a:r>
+            <a:r>
+              <a:rPr/>
+              <a:t> </a:t>
+            </a:r>
+            <a:r>
+              <a:rPr/>
+              <a:t>colors,</a:t>
+            </a:r>
+            <a:r>
+              <a:rPr/>
+              <a:t> </a:t>
+            </a:r>
+            <a:r>
+              <a:rPr/>
+              <a:t>while</a:t>
+            </a:r>
+            <a:r>
+              <a:rPr/>
+              <a:t> </a:t>
+            </a:r>
+            <a:r>
+              <a:rPr/>
+              <a:t>CMYK</a:t>
+            </a:r>
+            <a:r>
+              <a:rPr/>
+              <a:t> </a:t>
+            </a:r>
+            <a:r>
+              <a:rPr/>
+              <a:t>is</a:t>
+            </a:r>
+            <a:r>
+              <a:rPr/>
+              <a:t> </a:t>
+            </a:r>
+            <a:r>
+              <a:rPr/>
+              <a:t>used</a:t>
+            </a:r>
+            <a:r>
+              <a:rPr/>
+              <a:t> </a:t>
+            </a:r>
+            <a:r>
+              <a:rPr/>
+              <a:t>when</a:t>
+            </a:r>
+            <a:r>
+              <a:rPr/>
+              <a:t> </a:t>
+            </a:r>
+            <a:r>
+              <a:rPr/>
+              <a:t>printing,</a:t>
+            </a:r>
+            <a:r>
+              <a:rPr/>
+              <a:t> </a:t>
+            </a:r>
+            <a:r>
+              <a:rPr/>
+              <a:t>where</a:t>
+            </a:r>
+            <a:r>
+              <a:rPr/>
+              <a:t> </a:t>
+            </a:r>
+            <a:r>
+              <a:rPr/>
+              <a:t>a</a:t>
+            </a:r>
+            <a:r>
+              <a:rPr/>
+              <a:t> </a:t>
+            </a:r>
+            <a:r>
+              <a:rPr/>
+              <a:t>substractive</a:t>
+            </a:r>
+            <a:r>
+              <a:rPr/>
+              <a:t> </a:t>
+            </a:r>
+            <a:r>
+              <a:rPr/>
+              <a:t>rather</a:t>
+            </a:r>
+            <a:r>
+              <a:rPr/>
+              <a:t> </a:t>
+            </a:r>
+            <a:r>
+              <a:rPr/>
+              <a:t>than</a:t>
+            </a:r>
+            <a:r>
+              <a:rPr/>
+              <a:t> </a:t>
+            </a:r>
+            <a:r>
+              <a:rPr/>
+              <a:t>additive</a:t>
+            </a:r>
+            <a:r>
+              <a:rPr/>
+              <a:t> </a:t>
+            </a:r>
+            <a:r>
+              <a:rPr/>
+              <a:t>color</a:t>
+            </a:r>
+            <a:r>
+              <a:rPr/>
+              <a:t> </a:t>
+            </a:r>
+            <a:r>
+              <a:rPr/>
+              <a:t>system</a:t>
+            </a:r>
+            <a:r>
+              <a:rPr/>
+              <a:t> </a:t>
+            </a:r>
+            <a:r>
+              <a:rPr/>
+              <a:t>is</a:t>
+            </a:r>
+            <a:r>
+              <a:rPr/>
+              <a:t> </a:t>
+            </a:r>
+            <a:r>
+              <a:rPr/>
+              <a:t>needed.</a:t>
+            </a:r>
+          </a:p>
+        </p:txBody>
+      </p:sp>
+      <p:sp>
+        <p:nvSpPr>
+          <p:cNvPr id="4" name="Slide Number Placeholder 3"/>
+          <p:cNvSpPr>
+            <a:spLocks noGrp="1"/>
+          </p:cNvSpPr>
+          <p:nvPr>
+            <p:ph type="sldNum" sz="quarter" idx="10"/>
+          </p:nvPr>
+        </p:nvSpPr>
+        <p:spPr/>
+        <p:txBody>
+          <a:bodyPr/>
+          <a:lstStyle/>
+          <a:p>
+            <a:fld id="{18BDFEC3-8487-43E8-A154-7C12CBC1FFF2}" type="slidenum">
+              <a:rPr lang="en-US"/>
+              <a:t>47</a:t>
             </a:fld>
             <a:endParaRPr lang="en-US"/>
           </a:p>
@@ -18223,295 +20315,6 @@
             </a:pPr>
             <a:r>
               <a:rPr/>
-              <a:t>Colors,</a:t>
-            </a:r>
-            <a:r>
-              <a:rPr/>
-              <a:t> </a:t>
-            </a:r>
-            <a:r>
-              <a:rPr/>
-              <a:t>gradients</a:t>
-            </a:r>
-            <a:r>
-              <a:rPr/>
-              <a:t> </a:t>
-            </a:r>
-            <a:r>
-              <a:rPr/>
-              <a:t>of</a:t>
-            </a:r>
-            <a:r>
-              <a:rPr/>
-              <a:t> </a:t>
-            </a:r>
-            <a:r>
-              <a:rPr/>
-              <a:t>red</a:t>
-            </a:r>
-            <a:r>
-              <a:rPr/>
-              <a:t> </a:t>
-            </a:r>
-            <a:r>
-              <a:rPr/>
-              <a:t>to</a:t>
-            </a:r>
-            <a:r>
-              <a:rPr/>
-              <a:t> </a:t>
-            </a:r>
-            <a:r>
-              <a:rPr/>
-              <a:t>green</a:t>
-            </a:r>
-            <a:r>
-              <a:rPr/>
-              <a:t> </a:t>
-            </a:r>
-            <a:r>
-              <a:rPr/>
-              <a:t>through</a:t>
-            </a:r>
-            <a:r>
-              <a:rPr/>
-              <a:t> </a:t>
-            </a:r>
-            <a:r>
-              <a:rPr/>
-              <a:t>gray,</a:t>
-            </a:r>
-            <a:r>
-              <a:rPr/>
-              <a:t> </a:t>
-            </a:r>
-            <a:r>
-              <a:rPr/>
-              <a:t>through</a:t>
-            </a:r>
-            <a:r>
-              <a:rPr/>
-              <a:t> </a:t>
-            </a:r>
-            <a:r>
-              <a:rPr/>
-              <a:t>black</a:t>
-            </a:r>
-          </a:p>
-        </p:txBody>
-      </p:sp>
-      <p:pic>
-        <p:nvPicPr>
-          <p:cNvPr descr="tutorial-colors_files/figure-pptx/red-other-green-1.png" id="0" name="Picture 1"/>
-          <p:cNvPicPr>
-            <a:picLocks noGrp="1" noChangeAspect="1"/>
-          </p:cNvPicPr>
-          <p:nvPr/>
-        </p:nvPicPr>
-        <p:blipFill>
-          <a:blip r:embed="rId2"/>
-          <a:stretch>
-            <a:fillRect/>
-          </a:stretch>
-        </p:blipFill>
-        <p:spPr bwMode="auto">
-          <a:xfrm>
-            <a:off x="1752600" y="1600200"/>
-            <a:ext cx="5651500" cy="4521200"/>
-          </a:xfrm>
-          <a:prstGeom prst="rect">
-            <a:avLst/>
-          </a:prstGeom>
-          <a:noFill/>
-          <a:ln w="9525">
-            <a:noFill/>
-            <a:headEnd/>
-            <a:tailEnd/>
-          </a:ln>
-        </p:spPr>
-      </p:pic>
-    </p:spTree>
-  </p:cSld>
-</p:sld>
-</file>
-
-<file path=ppt/slides/slide24.xml><?xml version="1.0" encoding="utf-8"?>
-<p:sld xmlns:a="http://schemas.openxmlformats.org/drawingml/2006/main" xmlns:r="http://schemas.openxmlformats.org/officeDocument/2006/relationships" xmlns:p="http://schemas.openxmlformats.org/presentationml/2006/main">
-  <p:cSld>
-    <p:spTree>
-      <p:nvGrpSpPr>
-        <p:cNvPr id="1" name=""/>
-        <p:cNvGrpSpPr/>
-        <p:nvPr/>
-      </p:nvGrpSpPr>
-      <p:grpSpPr>
-        <a:xfrm>
-          <a:off x="0" y="0"/>
-          <a:ext cx="0" cy="0"/>
-          <a:chOff x="0" y="0"/>
-          <a:chExt cx="0" cy="0"/>
-        </a:xfrm>
-      </p:grpSpPr>
-      <p:sp>
-        <p:nvSpPr>
-          <p:cNvPr id="3" name="Content Placeholder 2"/>
-          <p:cNvSpPr>
-            <a:spLocks noGrp="1"/>
-          </p:cNvSpPr>
-          <p:nvPr>
-            <p:ph idx="1"/>
-          </p:nvPr>
-        </p:nvSpPr>
-        <p:spPr/>
-        <p:txBody>
-          <a:bodyPr/>
-          <a:lstStyle/>
-          <a:p>
-            <a:pPr lvl="0" marL="0" indent="0">
-              <a:buNone/>
-            </a:pPr>
-          </a:p>
-          <a:p>
-            <a:pPr lvl="0" marL="0" indent="0">
-              <a:buNone/>
-            </a:pPr>
-            <a:r>
-              <a:rPr/>
-              <a:t>(To be added)</a:t>
-            </a:r>
-          </a:p>
-        </p:txBody>
-      </p:sp>
-    </p:spTree>
-  </p:cSld>
-</p:sld>
-</file>
-
-<file path=ppt/slides/slide25.xml><?xml version="1.0" encoding="utf-8"?>
-<p:sld xmlns:a="http://schemas.openxmlformats.org/drawingml/2006/main" xmlns:r="http://schemas.openxmlformats.org/officeDocument/2006/relationships" xmlns:p="http://schemas.openxmlformats.org/presentationml/2006/main">
-  <p:cSld>
-    <p:spTree>
-      <p:nvGrpSpPr>
-        <p:cNvPr id="1" name=""/>
-        <p:cNvGrpSpPr/>
-        <p:nvPr/>
-      </p:nvGrpSpPr>
-      <p:grpSpPr>
-        <a:xfrm>
-          <a:off x="0" y="0"/>
-          <a:ext cx="0" cy="0"/>
-          <a:chOff x="0" y="0"/>
-          <a:chExt cx="0" cy="0"/>
-        </a:xfrm>
-      </p:grpSpPr>
-      <p:sp>
-        <p:nvSpPr>
-          <p:cNvPr id="2" name="Title 1"/>
-          <p:cNvSpPr>
-            <a:spLocks noGrp="1"/>
-          </p:cNvSpPr>
-          <p:nvPr>
-            <p:ph type="title"/>
-          </p:nvPr>
-        </p:nvSpPr>
-        <p:spPr/>
-        <p:txBody>
-          <a:bodyPr/>
-          <a:lstStyle/>
-          <a:p>
-            <a:pPr lvl="0" marL="0" indent="0">
-              <a:buNone/>
-            </a:pPr>
-            <a:r>
-              <a:rPr/>
-              <a:t>Gradients</a:t>
-            </a:r>
-            <a:r>
-              <a:rPr/>
-              <a:t> </a:t>
-            </a:r>
-            <a:r>
-              <a:rPr/>
-              <a:t>in</a:t>
-            </a:r>
-            <a:r>
-              <a:rPr/>
-              <a:t> </a:t>
-            </a:r>
-            <a:r>
-              <a:rPr/>
-              <a:t>Python</a:t>
-            </a:r>
-          </a:p>
-        </p:txBody>
-      </p:sp>
-      <p:sp>
-        <p:nvSpPr>
-          <p:cNvPr id="3" name="Content Placeholder 2"/>
-          <p:cNvSpPr>
-            <a:spLocks noGrp="1"/>
-          </p:cNvSpPr>
-          <p:nvPr>
-            <p:ph idx="1"/>
-          </p:nvPr>
-        </p:nvSpPr>
-        <p:spPr/>
-        <p:txBody>
-          <a:bodyPr/>
-          <a:lstStyle/>
-          <a:p>
-            <a:pPr lvl="0" marL="0" indent="0">
-              <a:buNone/>
-            </a:pPr>
-            <a:r>
-              <a:rPr/>
-              <a:t>(To be added)</a:t>
-            </a:r>
-          </a:p>
-        </p:txBody>
-      </p:sp>
-    </p:spTree>
-  </p:cSld>
-</p:sld>
-</file>
-
-<file path=ppt/slides/slide26.xml><?xml version="1.0" encoding="utf-8"?>
-<p:sld xmlns:a="http://schemas.openxmlformats.org/drawingml/2006/main" xmlns:r="http://schemas.openxmlformats.org/officeDocument/2006/relationships" xmlns:p="http://schemas.openxmlformats.org/presentationml/2006/main">
-  <p:cSld>
-    <p:spTree>
-      <p:nvGrpSpPr>
-        <p:cNvPr id="1" name=""/>
-        <p:cNvGrpSpPr/>
-        <p:nvPr/>
-      </p:nvGrpSpPr>
-      <p:grpSpPr>
-        <a:xfrm>
-          <a:off x="0" y="0"/>
-          <a:ext cx="0" cy="0"/>
-          <a:chOff x="0" y="0"/>
-          <a:chExt cx="0" cy="0"/>
-        </a:xfrm>
-      </p:grpSpPr>
-      <p:sp>
-        <p:nvSpPr>
-          <p:cNvPr id="2" name="Title 1"/>
-          <p:cNvSpPr>
-            <a:spLocks noGrp="1"/>
-          </p:cNvSpPr>
-          <p:nvPr>
-            <p:ph type="title"/>
-          </p:nvPr>
-        </p:nvSpPr>
-        <p:spPr/>
-        <p:txBody>
-          <a:bodyPr/>
-          <a:lstStyle/>
-          <a:p>
-            <a:pPr lvl="0" marL="0" indent="0">
-              <a:buNone/>
-            </a:pPr>
-            <a:r>
-              <a:rPr/>
               <a:t>Python</a:t>
             </a:r>
             <a:r>
@@ -18646,7 +20449,7 @@
 </p:sld>
 </file>
 
-<file path=ppt/slides/slide27.xml><?xml version="1.0" encoding="utf-8"?>
+<file path=ppt/slides/slide24.xml><?xml version="1.0" encoding="utf-8"?>
 <p:sld xmlns:a="http://schemas.openxmlformats.org/drawingml/2006/main" xmlns:r="http://schemas.openxmlformats.org/officeDocument/2006/relationships" xmlns:p="http://schemas.openxmlformats.org/presentationml/2006/main">
   <p:cSld>
     <p:spTree>
@@ -18817,7 +20620,7 @@
 </p:sld>
 </file>
 
-<file path=ppt/slides/slide28.xml><?xml version="1.0" encoding="utf-8"?>
+<file path=ppt/slides/slide25.xml><?xml version="1.0" encoding="utf-8"?>
 <p:sld xmlns:a="http://schemas.openxmlformats.org/drawingml/2006/main" xmlns:r="http://schemas.openxmlformats.org/officeDocument/2006/relationships" xmlns:p="http://schemas.openxmlformats.org/presentationml/2006/main">
   <p:cSld>
     <p:spTree>
@@ -18988,7 +20791,7 @@
 </p:sld>
 </file>
 
-<file path=ppt/slides/slide29.xml><?xml version="1.0" encoding="utf-8"?>
+<file path=ppt/slides/slide26.xml><?xml version="1.0" encoding="utf-8"?>
 <p:sld xmlns:a="http://schemas.openxmlformats.org/drawingml/2006/main" xmlns:r="http://schemas.openxmlformats.org/officeDocument/2006/relationships" xmlns:p="http://schemas.openxmlformats.org/presentationml/2006/main">
   <p:cSld>
     <p:spTree>
@@ -19134,6 +20937,519 @@
             <a:r>
               <a:rPr/>
               <a:t>Altair</a:t>
+            </a:r>
+            <a:r>
+              <a:rPr/>
+              <a:t> </a:t>
+            </a:r>
+            <a:r>
+              <a:rPr/>
+              <a:t>color</a:t>
+            </a:r>
+            <a:r>
+              <a:rPr/>
+              <a:t> </a:t>
+            </a:r>
+            <a:r>
+              <a:rPr/>
+              <a:t>schemes</a:t>
+            </a:r>
+          </a:p>
+        </p:txBody>
+      </p:sp>
+    </p:spTree>
+  </p:cSld>
+</p:sld>
+</file>
+
+<file path=ppt/slides/slide27.xml><?xml version="1.0" encoding="utf-8"?>
+<p:sld xmlns:a="http://schemas.openxmlformats.org/drawingml/2006/main" xmlns:r="http://schemas.openxmlformats.org/officeDocument/2006/relationships" xmlns:p="http://schemas.openxmlformats.org/presentationml/2006/main">
+  <p:cSld>
+    <p:spTree>
+      <p:nvGrpSpPr>
+        <p:cNvPr id="1" name=""/>
+        <p:cNvGrpSpPr/>
+        <p:nvPr/>
+      </p:nvGrpSpPr>
+      <p:grpSpPr>
+        <a:xfrm>
+          <a:off x="0" y="0"/>
+          <a:ext cx="0" cy="0"/>
+          <a:chOff x="0" y="0"/>
+          <a:chExt cx="0" cy="0"/>
+        </a:xfrm>
+      </p:grpSpPr>
+      <p:sp>
+        <p:nvSpPr>
+          <p:cNvPr id="2" name="Title 1"/>
+          <p:cNvSpPr>
+            <a:spLocks noGrp="1"/>
+          </p:cNvSpPr>
+          <p:nvPr>
+            <p:ph type="title"/>
+          </p:nvPr>
+        </p:nvSpPr>
+        <p:spPr/>
+        <p:txBody>
+          <a:bodyPr/>
+          <a:lstStyle/>
+          <a:p>
+            <a:pPr lvl="0" marL="0" indent="0">
+              <a:buNone/>
+            </a:pPr>
+            <a:r>
+              <a:rPr/>
+              <a:t>Python</a:t>
+            </a:r>
+            <a:r>
+              <a:rPr/>
+              <a:t> </a:t>
+            </a:r>
+            <a:r>
+              <a:rPr/>
+              <a:t>change</a:t>
+            </a:r>
+            <a:r>
+              <a:rPr/>
+              <a:t> </a:t>
+            </a:r>
+            <a:r>
+              <a:rPr/>
+              <a:t>colors</a:t>
+            </a:r>
+          </a:p>
+        </p:txBody>
+      </p:sp>
+      <p:pic>
+        <p:nvPicPr>
+          <p:cNvPr descr="../images/python/change-colors.png" id="0" name="Picture 1"/>
+          <p:cNvPicPr>
+            <a:picLocks noGrp="1" noChangeAspect="1"/>
+          </p:cNvPicPr>
+          <p:nvPr/>
+        </p:nvPicPr>
+        <p:blipFill>
+          <a:blip r:embed="rId2"/>
+          <a:stretch>
+            <a:fillRect/>
+          </a:stretch>
+        </p:blipFill>
+        <p:spPr bwMode="auto">
+          <a:xfrm>
+            <a:off x="1447800" y="1600200"/>
+            <a:ext cx="6248400" cy="4013200"/>
+          </a:xfrm>
+          <a:prstGeom prst="rect">
+            <a:avLst/>
+          </a:prstGeom>
+          <a:noFill/>
+          <a:ln w="9525">
+            <a:noFill/>
+            <a:headEnd/>
+            <a:tailEnd/>
+          </a:ln>
+        </p:spPr>
+      </p:pic>
+      <p:sp>
+        <p:nvSpPr>
+          <p:cNvPr id="1" name="TextBox 3"/>
+          <p:cNvSpPr txBox="1"/>
+          <p:nvPr/>
+        </p:nvSpPr>
+        <p:spPr>
+          <a:xfrm>
+            <a:off x="457200" y="5613400"/>
+            <a:ext cx="8229600" cy="508000"/>
+          </a:xfrm>
+          <a:prstGeom prst="rect">
+            <a:avLst/>
+          </a:prstGeom>
+          <a:noFill/>
+        </p:spPr>
+        <p:txBody>
+          <a:bodyPr/>
+          <a:lstStyle/>
+          <a:p>
+            <a:pPr lvl="0" marL="0" indent="0" algn="ctr">
+              <a:buNone/>
+            </a:pPr>
+            <a:r>
+              <a:rPr/>
+              <a:t>Python</a:t>
+            </a:r>
+            <a:r>
+              <a:rPr/>
+              <a:t> </a:t>
+            </a:r>
+            <a:r>
+              <a:rPr/>
+              <a:t>scatterplot</a:t>
+            </a:r>
+            <a:r>
+              <a:rPr/>
+              <a:t> </a:t>
+            </a:r>
+            <a:r>
+              <a:rPr/>
+              <a:t>using</a:t>
+            </a:r>
+            <a:r>
+              <a:rPr/>
+              <a:t> </a:t>
+            </a:r>
+            <a:r>
+              <a:rPr/>
+              <a:t>red</a:t>
+            </a:r>
+            <a:r>
+              <a:rPr/>
+              <a:t> </a:t>
+            </a:r>
+            <a:r>
+              <a:rPr/>
+              <a:t>gradient</a:t>
+            </a:r>
+          </a:p>
+        </p:txBody>
+      </p:sp>
+    </p:spTree>
+  </p:cSld>
+</p:sld>
+</file>
+
+<file path=ppt/slides/slide28.xml><?xml version="1.0" encoding="utf-8"?>
+<p:sld xmlns:a="http://schemas.openxmlformats.org/drawingml/2006/main" xmlns:r="http://schemas.openxmlformats.org/officeDocument/2006/relationships" xmlns:p="http://schemas.openxmlformats.org/presentationml/2006/main">
+  <p:cSld>
+    <p:spTree>
+      <p:nvGrpSpPr>
+        <p:cNvPr id="1" name=""/>
+        <p:cNvGrpSpPr/>
+        <p:nvPr/>
+      </p:nvGrpSpPr>
+      <p:grpSpPr>
+        <a:xfrm>
+          <a:off x="0" y="0"/>
+          <a:ext cx="0" cy="0"/>
+          <a:chOff x="0" y="0"/>
+          <a:chExt cx="0" cy="0"/>
+        </a:xfrm>
+      </p:grpSpPr>
+      <p:sp>
+        <p:nvSpPr>
+          <p:cNvPr id="2" name="Title 1"/>
+          <p:cNvSpPr>
+            <a:spLocks noGrp="1"/>
+          </p:cNvSpPr>
+          <p:nvPr>
+            <p:ph type="title"/>
+          </p:nvPr>
+        </p:nvSpPr>
+        <p:spPr/>
+        <p:txBody>
+          <a:bodyPr/>
+          <a:lstStyle/>
+          <a:p>
+            <a:pPr lvl="0" marL="0" indent="0">
+              <a:buNone/>
+            </a:pPr>
+            <a:r>
+              <a:rPr/>
+              <a:t>Colors,</a:t>
+            </a:r>
+            <a:r>
+              <a:rPr/>
+              <a:t> </a:t>
+            </a:r>
+            <a:r>
+              <a:rPr/>
+              <a:t>R</a:t>
+            </a:r>
+            <a:r>
+              <a:rPr/>
+              <a:t> </a:t>
+            </a:r>
+            <a:r>
+              <a:rPr/>
+              <a:t>color</a:t>
+            </a:r>
+            <a:r>
+              <a:rPr/>
+              <a:t> </a:t>
+            </a:r>
+            <a:r>
+              <a:rPr/>
+              <a:t>schemes</a:t>
+            </a:r>
+            <a:r>
+              <a:rPr/>
+              <a:t> </a:t>
+            </a:r>
+            <a:r>
+              <a:rPr/>
+              <a:t>(1/3)</a:t>
+            </a:r>
+          </a:p>
+        </p:txBody>
+      </p:sp>
+      <p:pic>
+        <p:nvPicPr>
+          <p:cNvPr descr="../images/r/color-brewer-qualitative.png" id="0" name="Picture 1"/>
+          <p:cNvPicPr>
+            <a:picLocks noGrp="1" noChangeAspect="1"/>
+          </p:cNvPicPr>
+          <p:nvPr/>
+        </p:nvPicPr>
+        <p:blipFill>
+          <a:blip r:embed="rId3"/>
+          <a:stretch>
+            <a:fillRect/>
+          </a:stretch>
+        </p:blipFill>
+        <p:spPr bwMode="auto">
+          <a:xfrm>
+            <a:off x="457200" y="2235200"/>
+            <a:ext cx="8229600" cy="2743200"/>
+          </a:xfrm>
+          <a:prstGeom prst="rect">
+            <a:avLst/>
+          </a:prstGeom>
+          <a:noFill/>
+          <a:ln w="9525">
+            <a:noFill/>
+            <a:headEnd/>
+            <a:tailEnd/>
+          </a:ln>
+        </p:spPr>
+      </p:pic>
+      <p:sp>
+        <p:nvSpPr>
+          <p:cNvPr id="1" name="TextBox 3"/>
+          <p:cNvSpPr txBox="1"/>
+          <p:nvPr/>
+        </p:nvSpPr>
+        <p:spPr>
+          <a:xfrm>
+            <a:off x="457200" y="5613400"/>
+            <a:ext cx="8229600" cy="508000"/>
+          </a:xfrm>
+          <a:prstGeom prst="rect">
+            <a:avLst/>
+          </a:prstGeom>
+          <a:noFill/>
+        </p:spPr>
+        <p:txBody>
+          <a:bodyPr/>
+          <a:lstStyle/>
+          <a:p>
+            <a:pPr lvl="0" marL="0" indent="0" algn="ctr">
+              <a:buNone/>
+            </a:pPr>
+            <a:r>
+              <a:rPr/>
+              <a:t>Display</a:t>
+            </a:r>
+            <a:r>
+              <a:rPr/>
+              <a:t> </a:t>
+            </a:r>
+            <a:r>
+              <a:rPr/>
+              <a:t>of</a:t>
+            </a:r>
+            <a:r>
+              <a:rPr/>
+              <a:t> </a:t>
+            </a:r>
+            <a:r>
+              <a:rPr/>
+              <a:t>various</a:t>
+            </a:r>
+            <a:r>
+              <a:rPr/>
+              <a:t> </a:t>
+            </a:r>
+            <a:r>
+              <a:rPr/>
+              <a:t>discrete</a:t>
+            </a:r>
+            <a:r>
+              <a:rPr/>
+              <a:t> </a:t>
+            </a:r>
+            <a:r>
+              <a:rPr/>
+              <a:t>color</a:t>
+            </a:r>
+            <a:r>
+              <a:rPr/>
+              <a:t> </a:t>
+            </a:r>
+            <a:r>
+              <a:rPr/>
+              <a:t>schemes</a:t>
+            </a:r>
+          </a:p>
+        </p:txBody>
+      </p:sp>
+    </p:spTree>
+  </p:cSld>
+</p:sld>
+</file>
+
+<file path=ppt/slides/slide29.xml><?xml version="1.0" encoding="utf-8"?>
+<p:sld xmlns:a="http://schemas.openxmlformats.org/drawingml/2006/main" xmlns:r="http://schemas.openxmlformats.org/officeDocument/2006/relationships" xmlns:p="http://schemas.openxmlformats.org/presentationml/2006/main">
+  <p:cSld>
+    <p:spTree>
+      <p:nvGrpSpPr>
+        <p:cNvPr id="1" name=""/>
+        <p:cNvGrpSpPr/>
+        <p:nvPr/>
+      </p:nvGrpSpPr>
+      <p:grpSpPr>
+        <a:xfrm>
+          <a:off x="0" y="0"/>
+          <a:ext cx="0" cy="0"/>
+          <a:chOff x="0" y="0"/>
+          <a:chExt cx="0" cy="0"/>
+        </a:xfrm>
+      </p:grpSpPr>
+      <p:sp>
+        <p:nvSpPr>
+          <p:cNvPr id="2" name="Title 1"/>
+          <p:cNvSpPr>
+            <a:spLocks noGrp="1"/>
+          </p:cNvSpPr>
+          <p:nvPr>
+            <p:ph type="title"/>
+          </p:nvPr>
+        </p:nvSpPr>
+        <p:spPr/>
+        <p:txBody>
+          <a:bodyPr/>
+          <a:lstStyle/>
+          <a:p>
+            <a:pPr lvl="0" marL="0" indent="0">
+              <a:buNone/>
+            </a:pPr>
+            <a:r>
+              <a:rPr/>
+              <a:t>Colors,</a:t>
+            </a:r>
+            <a:r>
+              <a:rPr/>
+              <a:t> </a:t>
+            </a:r>
+            <a:r>
+              <a:rPr/>
+              <a:t>R</a:t>
+            </a:r>
+            <a:r>
+              <a:rPr/>
+              <a:t> </a:t>
+            </a:r>
+            <a:r>
+              <a:rPr/>
+              <a:t>color</a:t>
+            </a:r>
+            <a:r>
+              <a:rPr/>
+              <a:t> </a:t>
+            </a:r>
+            <a:r>
+              <a:rPr/>
+              <a:t>schemes</a:t>
+            </a:r>
+            <a:r>
+              <a:rPr/>
+              <a:t> </a:t>
+            </a:r>
+            <a:r>
+              <a:rPr/>
+              <a:t>(2/3)</a:t>
+            </a:r>
+          </a:p>
+        </p:txBody>
+      </p:sp>
+      <p:pic>
+        <p:nvPicPr>
+          <p:cNvPr descr="../images/r/color-brewer-sequential.png" id="0" name="Picture 1"/>
+          <p:cNvPicPr>
+            <a:picLocks noGrp="1" noChangeAspect="1"/>
+          </p:cNvPicPr>
+          <p:nvPr/>
+        </p:nvPicPr>
+        <p:blipFill>
+          <a:blip r:embed="rId2"/>
+          <a:stretch>
+            <a:fillRect/>
+          </a:stretch>
+        </p:blipFill>
+        <p:spPr bwMode="auto">
+          <a:xfrm>
+            <a:off x="889000" y="1600200"/>
+            <a:ext cx="7353300" cy="4013200"/>
+          </a:xfrm>
+          <a:prstGeom prst="rect">
+            <a:avLst/>
+          </a:prstGeom>
+          <a:noFill/>
+          <a:ln w="9525">
+            <a:noFill/>
+            <a:headEnd/>
+            <a:tailEnd/>
+          </a:ln>
+        </p:spPr>
+      </p:pic>
+      <p:sp>
+        <p:nvSpPr>
+          <p:cNvPr id="1" name="TextBox 3"/>
+          <p:cNvSpPr txBox="1"/>
+          <p:nvPr/>
+        </p:nvSpPr>
+        <p:spPr>
+          <a:xfrm>
+            <a:off x="457200" y="5613400"/>
+            <a:ext cx="8229600" cy="508000"/>
+          </a:xfrm>
+          <a:prstGeom prst="rect">
+            <a:avLst/>
+          </a:prstGeom>
+          <a:noFill/>
+        </p:spPr>
+        <p:txBody>
+          <a:bodyPr/>
+          <a:lstStyle/>
+          <a:p>
+            <a:pPr lvl="0" marL="0" indent="0" algn="ctr">
+              <a:buNone/>
+            </a:pPr>
+            <a:r>
+              <a:rPr/>
+              <a:t>Display</a:t>
+            </a:r>
+            <a:r>
+              <a:rPr/>
+              <a:t> </a:t>
+            </a:r>
+            <a:r>
+              <a:rPr/>
+              <a:t>of</a:t>
+            </a:r>
+            <a:r>
+              <a:rPr/>
+              <a:t> </a:t>
+            </a:r>
+            <a:r>
+              <a:rPr/>
+              <a:t>various</a:t>
+            </a:r>
+            <a:r>
+              <a:rPr/>
+              <a:t> </a:t>
+            </a:r>
+            <a:r>
+              <a:rPr/>
+              <a:t>sequential</a:t>
             </a:r>
             <a:r>
               <a:rPr/>
@@ -19345,45 +21661,45 @@
             </a:pPr>
             <a:r>
               <a:rPr/>
-              <a:t>Python</a:t>
-            </a:r>
-            <a:r>
-              <a:rPr/>
-              <a:t> </a:t>
-            </a:r>
-            <a:r>
-              <a:rPr/>
-              <a:t>change</a:t>
-            </a:r>
-            <a:r>
-              <a:rPr/>
-              <a:t> </a:t>
-            </a:r>
-            <a:r>
-              <a:rPr/>
-              <a:t>colors</a:t>
+              <a:t>Gradients</a:t>
+            </a:r>
+            <a:r>
+              <a:rPr/>
+              <a:t> </a:t>
+            </a:r>
+            <a:r>
+              <a:rPr/>
+              <a:t>in</a:t>
+            </a:r>
+            <a:r>
+              <a:rPr/>
+              <a:t> </a:t>
+            </a:r>
+            <a:r>
+              <a:rPr/>
+              <a:t>R</a:t>
             </a:r>
           </a:p>
         </p:txBody>
       </p:sp>
       <p:pic>
         <p:nvPicPr>
-          <p:cNvPr descr="../images/python/change-colors.png" id="0" name="Picture 1"/>
+          <p:cNvPr descr="../images/r/virdis-colors.png" id="0" name="Picture 1"/>
           <p:cNvPicPr>
             <a:picLocks noGrp="1" noChangeAspect="1"/>
           </p:cNvPicPr>
           <p:nvPr/>
         </p:nvPicPr>
         <p:blipFill>
-          <a:blip r:embed="rId2"/>
+          <a:blip r:embed="rId3"/>
           <a:stretch>
             <a:fillRect/>
           </a:stretch>
         </p:blipFill>
         <p:spPr bwMode="auto">
           <a:xfrm>
-            <a:off x="1447800" y="1600200"/>
-            <a:ext cx="6248400" cy="4013200"/>
+            <a:off x="2311400" y="1600200"/>
+            <a:ext cx="4521200" cy="4521200"/>
           </a:xfrm>
           <a:prstGeom prst="rect">
             <a:avLst/>
@@ -19396,68 +21712,6 @@
           </a:ln>
         </p:spPr>
       </p:pic>
-      <p:sp>
-        <p:nvSpPr>
-          <p:cNvPr id="1" name="TextBox 3"/>
-          <p:cNvSpPr txBox="1"/>
-          <p:nvPr/>
-        </p:nvSpPr>
-        <p:spPr>
-          <a:xfrm>
-            <a:off x="457200" y="5613400"/>
-            <a:ext cx="8229600" cy="508000"/>
-          </a:xfrm>
-          <a:prstGeom prst="rect">
-            <a:avLst/>
-          </a:prstGeom>
-          <a:noFill/>
-        </p:spPr>
-        <p:txBody>
-          <a:bodyPr/>
-          <a:lstStyle/>
-          <a:p>
-            <a:pPr lvl="0" marL="0" indent="0" algn="ctr">
-              <a:buNone/>
-            </a:pPr>
-            <a:r>
-              <a:rPr/>
-              <a:t>Python</a:t>
-            </a:r>
-            <a:r>
-              <a:rPr/>
-              <a:t> </a:t>
-            </a:r>
-            <a:r>
-              <a:rPr/>
-              <a:t>scatterplot</a:t>
-            </a:r>
-            <a:r>
-              <a:rPr/>
-              <a:t> </a:t>
-            </a:r>
-            <a:r>
-              <a:rPr/>
-              <a:t>using</a:t>
-            </a:r>
-            <a:r>
-              <a:rPr/>
-              <a:t> </a:t>
-            </a:r>
-            <a:r>
-              <a:rPr/>
-              <a:t>red</a:t>
-            </a:r>
-            <a:r>
-              <a:rPr/>
-              <a:t> </a:t>
-            </a:r>
-            <a:r>
-              <a:rPr/>
-              <a:t>gradient</a:t>
-            </a:r>
-          </a:p>
-        </p:txBody>
-      </p:sp>
     </p:spTree>
   </p:cSld>
 </p:sld>
@@ -19502,28 +21756,12 @@
               <a:rPr/>
               <a:t>Gradients</a:t>
             </a:r>
-            <a:r>
-              <a:rPr/>
-              <a:t> </a:t>
-            </a:r>
-            <a:r>
-              <a:rPr/>
-              <a:t>in</a:t>
-            </a:r>
-            <a:r>
-              <a:rPr/>
-              <a:t> </a:t>
-            </a:r>
-            <a:r>
-              <a:rPr/>
-              <a:t>R</a:t>
-            </a:r>
           </a:p>
         </p:txBody>
       </p:sp>
       <p:pic>
         <p:nvPicPr>
-          <p:cNvPr descr="../images/r/heat-colors.png" id="0" name="Picture 1"/>
+          <p:cNvPr descr="../images/r/rainbow-gradient.png" id="0" name="Picture 1"/>
           <p:cNvPicPr>
             <a:picLocks noGrp="1" noChangeAspect="1"/>
           </p:cNvPicPr>
@@ -19609,176 +21847,6 @@
             </a:r>
             <a:r>
               <a:rPr/>
-              <a:t>R</a:t>
-            </a:r>
-          </a:p>
-        </p:txBody>
-      </p:sp>
-      <p:pic>
-        <p:nvPicPr>
-          <p:cNvPr descr="../images/r/virdis-colors.png" id="0" name="Picture 1"/>
-          <p:cNvPicPr>
-            <a:picLocks noGrp="1" noChangeAspect="1"/>
-          </p:cNvPicPr>
-          <p:nvPr/>
-        </p:nvPicPr>
-        <p:blipFill>
-          <a:blip r:embed="rId3"/>
-          <a:stretch>
-            <a:fillRect/>
-          </a:stretch>
-        </p:blipFill>
-        <p:spPr bwMode="auto">
-          <a:xfrm>
-            <a:off x="2311400" y="1600200"/>
-            <a:ext cx="4521200" cy="4521200"/>
-          </a:xfrm>
-          <a:prstGeom prst="rect">
-            <a:avLst/>
-          </a:prstGeom>
-          <a:noFill/>
-          <a:ln w="9525">
-            <a:noFill/>
-            <a:headEnd/>
-            <a:tailEnd/>
-          </a:ln>
-        </p:spPr>
-      </p:pic>
-    </p:spTree>
-  </p:cSld>
-</p:sld>
-</file>
-
-<file path=ppt/slides/slide33.xml><?xml version="1.0" encoding="utf-8"?>
-<p:sld xmlns:a="http://schemas.openxmlformats.org/drawingml/2006/main" xmlns:r="http://schemas.openxmlformats.org/officeDocument/2006/relationships" xmlns:p="http://schemas.openxmlformats.org/presentationml/2006/main">
-  <p:cSld>
-    <p:spTree>
-      <p:nvGrpSpPr>
-        <p:cNvPr id="1" name=""/>
-        <p:cNvGrpSpPr/>
-        <p:nvPr/>
-      </p:nvGrpSpPr>
-      <p:grpSpPr>
-        <a:xfrm>
-          <a:off x="0" y="0"/>
-          <a:ext cx="0" cy="0"/>
-          <a:chOff x="0" y="0"/>
-          <a:chExt cx="0" cy="0"/>
-        </a:xfrm>
-      </p:grpSpPr>
-      <p:sp>
-        <p:nvSpPr>
-          <p:cNvPr id="2" name="Title 1"/>
-          <p:cNvSpPr>
-            <a:spLocks noGrp="1"/>
-          </p:cNvSpPr>
-          <p:nvPr>
-            <p:ph type="title"/>
-          </p:nvPr>
-        </p:nvSpPr>
-        <p:spPr/>
-        <p:txBody>
-          <a:bodyPr/>
-          <a:lstStyle/>
-          <a:p>
-            <a:pPr lvl="0" marL="0" indent="0">
-              <a:buNone/>
-            </a:pPr>
-            <a:r>
-              <a:rPr/>
-              <a:t>Gradients</a:t>
-            </a:r>
-          </a:p>
-        </p:txBody>
-      </p:sp>
-      <p:pic>
-        <p:nvPicPr>
-          <p:cNvPr descr="../images/r/rainbow-gradient.png" id="0" name="Picture 1"/>
-          <p:cNvPicPr>
-            <a:picLocks noGrp="1" noChangeAspect="1"/>
-          </p:cNvPicPr>
-          <p:nvPr/>
-        </p:nvPicPr>
-        <p:blipFill>
-          <a:blip r:embed="rId2"/>
-          <a:stretch>
-            <a:fillRect/>
-          </a:stretch>
-        </p:blipFill>
-        <p:spPr bwMode="auto">
-          <a:xfrm>
-            <a:off x="2311400" y="1600200"/>
-            <a:ext cx="4521200" cy="4521200"/>
-          </a:xfrm>
-          <a:prstGeom prst="rect">
-            <a:avLst/>
-          </a:prstGeom>
-          <a:noFill/>
-          <a:ln w="9525">
-            <a:noFill/>
-            <a:headEnd/>
-            <a:tailEnd/>
-          </a:ln>
-        </p:spPr>
-      </p:pic>
-    </p:spTree>
-  </p:cSld>
-</p:sld>
-</file>
-
-<file path=ppt/slides/slide34.xml><?xml version="1.0" encoding="utf-8"?>
-<p:sld xmlns:a="http://schemas.openxmlformats.org/drawingml/2006/main" xmlns:r="http://schemas.openxmlformats.org/officeDocument/2006/relationships" xmlns:p="http://schemas.openxmlformats.org/presentationml/2006/main">
-  <p:cSld>
-    <p:spTree>
-      <p:nvGrpSpPr>
-        <p:cNvPr id="1" name=""/>
-        <p:cNvGrpSpPr/>
-        <p:nvPr/>
-      </p:nvGrpSpPr>
-      <p:grpSpPr>
-        <a:xfrm>
-          <a:off x="0" y="0"/>
-          <a:ext cx="0" cy="0"/>
-          <a:chOff x="0" y="0"/>
-          <a:chExt cx="0" cy="0"/>
-        </a:xfrm>
-      </p:grpSpPr>
-      <p:sp>
-        <p:nvSpPr>
-          <p:cNvPr id="2" name="Title 1"/>
-          <p:cNvSpPr>
-            <a:spLocks noGrp="1"/>
-          </p:cNvSpPr>
-          <p:nvPr>
-            <p:ph type="title"/>
-          </p:nvPr>
-        </p:nvSpPr>
-        <p:spPr/>
-        <p:txBody>
-          <a:bodyPr/>
-          <a:lstStyle/>
-          <a:p>
-            <a:pPr lvl="0" marL="0" indent="0">
-              <a:buNone/>
-            </a:pPr>
-            <a:r>
-              <a:rPr/>
-              <a:t>Gradients</a:t>
-            </a:r>
-            <a:r>
-              <a:rPr/>
-              <a:t> </a:t>
-            </a:r>
-            <a:r>
-              <a:rPr/>
-              <a:t>in</a:t>
-            </a:r>
-            <a:r>
-              <a:rPr/>
-              <a:t> </a:t>
-            </a:r>
-            <a:r>
-              <a:rPr/>
               <a:t>Tableau</a:t>
             </a:r>
           </a:p>
@@ -19881,7 +21949,7 @@
 </p:sld>
 </file>
 
-<file path=ppt/slides/slide35.xml><?xml version="1.0" encoding="utf-8"?>
+<file path=ppt/slides/slide33.xml><?xml version="1.0" encoding="utf-8"?>
 <p:sld xmlns:a="http://schemas.openxmlformats.org/drawingml/2006/main" xmlns:r="http://schemas.openxmlformats.org/officeDocument/2006/relationships" xmlns:p="http://schemas.openxmlformats.org/presentationml/2006/main">
   <p:cSld>
     <p:spTree>
@@ -20060,6 +22128,248 @@
 </p:sld>
 </file>
 
+<file path=ppt/slides/slide34.xml><?xml version="1.0" encoding="utf-8"?>
+<p:sld xmlns:a="http://schemas.openxmlformats.org/drawingml/2006/main" xmlns:r="http://schemas.openxmlformats.org/officeDocument/2006/relationships" xmlns:p="http://schemas.openxmlformats.org/presentationml/2006/main">
+  <p:cSld>
+    <p:spTree>
+      <p:nvGrpSpPr>
+        <p:cNvPr id="1" name=""/>
+        <p:cNvGrpSpPr/>
+        <p:nvPr/>
+      </p:nvGrpSpPr>
+      <p:grpSpPr>
+        <a:xfrm>
+          <a:off x="0" y="0"/>
+          <a:ext cx="0" cy="0"/>
+          <a:chOff x="0" y="0"/>
+          <a:chExt cx="0" cy="0"/>
+        </a:xfrm>
+      </p:grpSpPr>
+      <p:sp>
+        <p:nvSpPr>
+          <p:cNvPr id="2" name="Title 1"/>
+          <p:cNvSpPr>
+            <a:spLocks noGrp="1"/>
+          </p:cNvSpPr>
+          <p:nvPr>
+            <p:ph type="title"/>
+          </p:nvPr>
+        </p:nvSpPr>
+        <p:spPr/>
+        <p:txBody>
+          <a:bodyPr/>
+          <a:lstStyle/>
+          <a:p>
+            <a:pPr lvl="0" marL="0" indent="0">
+              <a:buNone/>
+            </a:pPr>
+            <a:r>
+              <a:rPr/>
+              <a:t>Colors,</a:t>
+            </a:r>
+            <a:r>
+              <a:rPr/>
+              <a:t> </a:t>
+            </a:r>
+            <a:r>
+              <a:rPr/>
+              <a:t>HSV</a:t>
+            </a:r>
+            <a:r>
+              <a:rPr/>
+              <a:t> </a:t>
+            </a:r>
+            <a:r>
+              <a:rPr/>
+              <a:t>system</a:t>
+            </a:r>
+          </a:p>
+        </p:txBody>
+      </p:sp>
+      <p:sp>
+        <p:nvSpPr>
+          <p:cNvPr id="3" name="Content Placeholder 2"/>
+          <p:cNvSpPr>
+            <a:spLocks noGrp="1"/>
+          </p:cNvSpPr>
+          <p:nvPr>
+            <p:ph idx="1"/>
+          </p:nvPr>
+        </p:nvSpPr>
+        <p:spPr/>
+        <p:txBody>
+          <a:bodyPr/>
+          <a:lstStyle/>
+          <a:p>
+            <a:pPr lvl="1"/>
+            <a:r>
+              <a:rPr/>
+              <a:t>H = Hue</a:t>
+            </a:r>
+          </a:p>
+          <a:p>
+            <a:pPr lvl="2"/>
+            <a:r>
+              <a:rPr/>
+              <a:t>Color wheel</a:t>
+            </a:r>
+          </a:p>
+          <a:p>
+            <a:pPr lvl="2"/>
+            <a:r>
+              <a:rPr/>
+              <a:t>Red, yellow, green, cyan, blue, and magenta</a:t>
+            </a:r>
+          </a:p>
+          <a:p>
+            <a:pPr lvl="1"/>
+            <a:r>
+              <a:rPr/>
+              <a:t>Saturation</a:t>
+            </a:r>
+          </a:p>
+          <a:p>
+            <a:pPr lvl="2"/>
+            <a:r>
+              <a:rPr/>
+              <a:t>How colorful</a:t>
+            </a:r>
+          </a:p>
+          <a:p>
+            <a:pPr lvl="2"/>
+            <a:r>
+              <a:rPr/>
+              <a:t>Low saturation produces white or various shades of gray</a:t>
+            </a:r>
+          </a:p>
+          <a:p>
+            <a:pPr lvl="1"/>
+            <a:r>
+              <a:rPr/>
+              <a:t>Value</a:t>
+            </a:r>
+          </a:p>
+          <a:p>
+            <a:pPr lvl="2"/>
+            <a:r>
+              <a:rPr/>
+              <a:t>How dark</a:t>
+            </a:r>
+          </a:p>
+          <a:p>
+            <a:pPr lvl="2"/>
+            <a:r>
+              <a:rPr/>
+              <a:t>Low values produce dark color</a:t>
+            </a:r>
+          </a:p>
+          <a:p>
+            <a:pPr lvl="2"/>
+            <a:r>
+              <a:rPr/>
+              <a:t>0 produces black</a:t>
+            </a:r>
+          </a:p>
+        </p:txBody>
+      </p:sp>
+    </p:spTree>
+  </p:cSld>
+</p:sld>
+</file>
+
+<file path=ppt/slides/slide35.xml><?xml version="1.0" encoding="utf-8"?>
+<p:sld xmlns:a="http://schemas.openxmlformats.org/drawingml/2006/main" xmlns:r="http://schemas.openxmlformats.org/officeDocument/2006/relationships" xmlns:p="http://schemas.openxmlformats.org/presentationml/2006/main">
+  <p:cSld>
+    <p:spTree>
+      <p:nvGrpSpPr>
+        <p:cNvPr id="1" name=""/>
+        <p:cNvGrpSpPr/>
+        <p:nvPr/>
+      </p:nvGrpSpPr>
+      <p:grpSpPr>
+        <a:xfrm>
+          <a:off x="0" y="0"/>
+          <a:ext cx="0" cy="0"/>
+          <a:chOff x="0" y="0"/>
+          <a:chExt cx="0" cy="0"/>
+        </a:xfrm>
+      </p:grpSpPr>
+      <p:sp>
+        <p:nvSpPr>
+          <p:cNvPr id="2" name="Title 1"/>
+          <p:cNvSpPr>
+            <a:spLocks noGrp="1"/>
+          </p:cNvSpPr>
+          <p:nvPr>
+            <p:ph type="title"/>
+          </p:nvPr>
+        </p:nvSpPr>
+        <p:spPr/>
+        <p:txBody>
+          <a:bodyPr/>
+          <a:lstStyle/>
+          <a:p>
+            <a:pPr lvl="0" marL="0" indent="0">
+              <a:buNone/>
+            </a:pPr>
+            <a:r>
+              <a:rPr/>
+              <a:t>Colors,</a:t>
+            </a:r>
+            <a:r>
+              <a:rPr/>
+              <a:t> </a:t>
+            </a:r>
+            <a:r>
+              <a:rPr/>
+              <a:t>HSV</a:t>
+            </a:r>
+            <a:r>
+              <a:rPr/>
+              <a:t> </a:t>
+            </a:r>
+            <a:r>
+              <a:rPr/>
+              <a:t>system</a:t>
+            </a:r>
+          </a:p>
+        </p:txBody>
+      </p:sp>
+      <p:pic>
+        <p:nvPicPr>
+          <p:cNvPr descr="../images/r/hsv-1.png" id="0" name="Picture 1"/>
+          <p:cNvPicPr>
+            <a:picLocks noGrp="1" noChangeAspect="1"/>
+          </p:cNvPicPr>
+          <p:nvPr/>
+        </p:nvPicPr>
+        <p:blipFill>
+          <a:blip r:embed="rId2"/>
+          <a:stretch>
+            <a:fillRect/>
+          </a:stretch>
+        </p:blipFill>
+        <p:spPr bwMode="auto">
+          <a:xfrm>
+            <a:off x="2311400" y="1600200"/>
+            <a:ext cx="4521200" cy="4521200"/>
+          </a:xfrm>
+          <a:prstGeom prst="rect">
+            <a:avLst/>
+          </a:prstGeom>
+          <a:noFill/>
+          <a:ln w="9525">
+            <a:noFill/>
+            <a:headEnd/>
+            <a:tailEnd/>
+          </a:ln>
+        </p:spPr>
+      </p:pic>
+    </p:spTree>
+  </p:cSld>
+</p:sld>
+</file>
+
 <file path=ppt/slides/slide36.xml><?xml version="1.0" encoding="utf-8"?>
 <p:sld xmlns:a="http://schemas.openxmlformats.org/drawingml/2006/main" xmlns:r="http://schemas.openxmlformats.org/officeDocument/2006/relationships" xmlns:p="http://schemas.openxmlformats.org/presentationml/2006/main">
   <p:cSld>
@@ -20113,34 +22423,57 @@
             </a:r>
             <a:r>
               <a:rPr/>
-              <a:t>system</a:t>
+              <a:t>system,</a:t>
+            </a:r>
+            <a:r>
+              <a:rPr/>
+              <a:t> </a:t>
+            </a:r>
+            <a:r>
+              <a:rPr/>
+              <a:t>hue</a:t>
+            </a:r>
+            <a:r>
+              <a:rPr/>
+              <a:t> </a:t>
+            </a:r>
+            <a:r>
+              <a:rPr/>
+              <a:t>only</a:t>
             </a:r>
           </a:p>
         </p:txBody>
       </p:sp>
-      <p:sp>
-        <p:nvSpPr>
-          <p:cNvPr id="3" name="Content Placeholder 2"/>
-          <p:cNvSpPr>
-            <a:spLocks noGrp="1"/>
-          </p:cNvSpPr>
-          <p:nvPr>
-            <p:ph idx="1"/>
-          </p:nvPr>
-        </p:nvSpPr>
-        <p:spPr/>
-        <p:txBody>
-          <a:bodyPr/>
-          <a:lstStyle/>
-          <a:p>
-            <a:pPr lvl="1"/>
-            <a:r>
-              <a:rPr/>
-              <a:t>(To be added)</a:t>
-            </a:r>
-          </a:p>
-        </p:txBody>
-      </p:sp>
+      <p:pic>
+        <p:nvPicPr>
+          <p:cNvPr descr="../images/r/hsv-2.png" id="0" name="Picture 1"/>
+          <p:cNvPicPr>
+            <a:picLocks noGrp="1" noChangeAspect="1"/>
+          </p:cNvPicPr>
+          <p:nvPr/>
+        </p:nvPicPr>
+        <p:blipFill>
+          <a:blip r:embed="rId2"/>
+          <a:stretch>
+            <a:fillRect/>
+          </a:stretch>
+        </p:blipFill>
+        <p:spPr bwMode="auto">
+          <a:xfrm>
+            <a:off x="2311400" y="1600200"/>
+            <a:ext cx="4521200" cy="4521200"/>
+          </a:xfrm>
+          <a:prstGeom prst="rect">
+            <a:avLst/>
+          </a:prstGeom>
+          <a:noFill/>
+          <a:ln w="9525">
+            <a:noFill/>
+            <a:headEnd/>
+            <a:tailEnd/>
+          </a:ln>
+        </p:spPr>
+      </p:pic>
     </p:spTree>
   </p:cSld>
 </p:sld>
@@ -20199,14 +22532,30 @@
             </a:r>
             <a:r>
               <a:rPr/>
-              <a:t>system</a:t>
+              <a:t>system,</a:t>
+            </a:r>
+            <a:r>
+              <a:rPr/>
+              <a:t> </a:t>
+            </a:r>
+            <a:r>
+              <a:rPr/>
+              <a:t>saturation</a:t>
+            </a:r>
+            <a:r>
+              <a:rPr/>
+              <a:t> </a:t>
+            </a:r>
+            <a:r>
+              <a:rPr/>
+              <a:t>only</a:t>
             </a:r>
           </a:p>
         </p:txBody>
       </p:sp>
       <p:pic>
         <p:nvPicPr>
-          <p:cNvPr descr="../images/r/hsv-1.png" id="0" name="Picture 1"/>
+          <p:cNvPr descr="../images/r/hsv-3.png" id="0" name="Picture 1"/>
           <p:cNvPicPr>
             <a:picLocks noGrp="1" noChangeAspect="1"/>
           </p:cNvPicPr>
@@ -20300,7 +22649,7 @@
             </a:r>
             <a:r>
               <a:rPr/>
-              <a:t>hue</a:t>
+              <a:t>value</a:t>
             </a:r>
             <a:r>
               <a:rPr/>
@@ -20315,7 +22664,7 @@
       </p:sp>
       <p:pic>
         <p:nvPicPr>
-          <p:cNvPr descr="../images/r/hsv-2.png" id="0" name="Picture 1"/>
+          <p:cNvPr descr="../images/r/hsv-4.png" id="0" name="Picture 1"/>
           <p:cNvPicPr>
             <a:picLocks noGrp="1" noChangeAspect="1"/>
           </p:cNvPicPr>
@@ -20393,65 +22742,112 @@
             </a:r>
             <a:r>
               <a:rPr/>
-              <a:t>HSV</a:t>
-            </a:r>
-            <a:r>
-              <a:rPr/>
-              <a:t> </a:t>
-            </a:r>
-            <a:r>
-              <a:rPr/>
-              <a:t>system,</a:t>
-            </a:r>
-            <a:r>
-              <a:rPr/>
-              <a:t> </a:t>
-            </a:r>
-            <a:r>
-              <a:rPr/>
-              <a:t>saturation</a:t>
-            </a:r>
-            <a:r>
-              <a:rPr/>
-              <a:t> </a:t>
-            </a:r>
-            <a:r>
-              <a:rPr/>
-              <a:t>only</a:t>
+              <a:t>HCL</a:t>
+            </a:r>
+            <a:r>
+              <a:rPr/>
+              <a:t> </a:t>
+            </a:r>
+            <a:r>
+              <a:rPr/>
+              <a:t>system</a:t>
             </a:r>
           </a:p>
         </p:txBody>
       </p:sp>
-      <p:pic>
-        <p:nvPicPr>
-          <p:cNvPr descr="../images/r/hsv-3.png" id="0" name="Picture 1"/>
-          <p:cNvPicPr>
-            <a:picLocks noGrp="1" noChangeAspect="1"/>
-          </p:cNvPicPr>
-          <p:nvPr/>
-        </p:nvPicPr>
-        <p:blipFill>
-          <a:blip r:embed="rId2"/>
-          <a:stretch>
-            <a:fillRect/>
-          </a:stretch>
-        </p:blipFill>
-        <p:spPr bwMode="auto">
-          <a:xfrm>
-            <a:off x="2311400" y="1600200"/>
-            <a:ext cx="4521200" cy="4521200"/>
-          </a:xfrm>
-          <a:prstGeom prst="rect">
-            <a:avLst/>
-          </a:prstGeom>
-          <a:noFill/>
-          <a:ln w="9525">
-            <a:noFill/>
-            <a:headEnd/>
-            <a:tailEnd/>
-          </a:ln>
-        </p:spPr>
-      </p:pic>
+      <p:sp>
+        <p:nvSpPr>
+          <p:cNvPr id="3" name="Content Placeholder 2"/>
+          <p:cNvSpPr>
+            <a:spLocks noGrp="1"/>
+          </p:cNvSpPr>
+          <p:nvPr>
+            <p:ph idx="1"/>
+          </p:nvPr>
+        </p:nvSpPr>
+        <p:spPr/>
+        <p:txBody>
+          <a:bodyPr/>
+          <a:lstStyle/>
+          <a:p>
+            <a:pPr lvl="1"/>
+            <a:r>
+              <a:rPr/>
+              <a:t>H = hue</a:t>
+            </a:r>
+          </a:p>
+          <a:p>
+            <a:pPr lvl="2"/>
+            <a:r>
+              <a:rPr/>
+              <a:t>arranged on a wheel 0-360 degrees</a:t>
+            </a:r>
+          </a:p>
+          <a:p>
+            <a:pPr lvl="2"/>
+            <a:r>
+              <a:rPr/>
+              <a:t>0 = red, 120 = green, 240 = blue</a:t>
+            </a:r>
+          </a:p>
+          <a:p>
+            <a:pPr lvl="2"/>
+            <a:r>
+              <a:rPr/>
+              <a:t>60 = yellow, 180 = cyan, 240 = magenta</a:t>
+            </a:r>
+          </a:p>
+          <a:p>
+            <a:pPr lvl="1"/>
+            <a:r>
+              <a:rPr/>
+              <a:t>C = chroma</a:t>
+            </a:r>
+          </a:p>
+          <a:p>
+            <a:pPr lvl="2"/>
+            <a:r>
+              <a:rPr/>
+              <a:t>colorfulness relative to a gray of equal luminence</a:t>
+            </a:r>
+          </a:p>
+          <a:p>
+            <a:pPr lvl="2"/>
+            <a:r>
+              <a:rPr/>
+              <a:t>not quite same as saturation</a:t>
+            </a:r>
+          </a:p>
+          <a:p>
+            <a:pPr lvl="1"/>
+            <a:r>
+              <a:rPr/>
+              <a:t>L = luminence</a:t>
+            </a:r>
+          </a:p>
+          <a:p>
+            <a:pPr lvl="2"/>
+            <a:r>
+              <a:rPr/>
+              <a:t>brightness, lightness</a:t>
+            </a:r>
+          </a:p>
+          <a:p>
+            <a:pPr lvl="1"/>
+            <a:r>
+              <a:rPr/>
+              <a:t>Not all combinations of HCL work</a:t>
+            </a:r>
+          </a:p>
+          <a:p>
+            <a:pPr lvl="1"/>
+            <a:r>
+              <a:rPr/>
+              <a:t>Very similar systems are CIE-LUV, CIE-LAB</a:t>
+            </a:r>
+          </a:p>
+        </p:txBody>
+      </p:sp>
     </p:spTree>
   </p:cSld>
 </p:sld>
@@ -20789,45 +23185,37 @@
             </a:r>
             <a:r>
               <a:rPr/>
-              <a:t>HSV</a:t>
-            </a:r>
-            <a:r>
-              <a:rPr/>
-              <a:t> </a:t>
-            </a:r>
-            <a:r>
-              <a:rPr/>
-              <a:t>system,</a:t>
-            </a:r>
-            <a:r>
-              <a:rPr/>
-              <a:t> </a:t>
-            </a:r>
-            <a:r>
-              <a:rPr/>
-              <a:t>value</a:t>
-            </a:r>
-            <a:r>
-              <a:rPr/>
-              <a:t> </a:t>
-            </a:r>
-            <a:r>
-              <a:rPr/>
-              <a:t>only</a:t>
+              <a:t>Luminance</a:t>
+            </a:r>
+            <a:r>
+              <a:rPr/>
+              <a:t> </a:t>
+            </a:r>
+            <a:r>
+              <a:rPr/>
+              <a:t>=</a:t>
+            </a:r>
+            <a:r>
+              <a:rPr/>
+              <a:t> </a:t>
+            </a:r>
+            <a:r>
+              <a:rPr/>
+              <a:t>90%</a:t>
             </a:r>
           </a:p>
         </p:txBody>
       </p:sp>
       <p:pic>
         <p:nvPicPr>
-          <p:cNvPr descr="../images/r/hsv-4.png" id="0" name="Picture 1"/>
+          <p:cNvPr descr="../images/r/hcl-90.png" id="0" name="Picture 1"/>
           <p:cNvPicPr>
             <a:picLocks noGrp="1" noChangeAspect="1"/>
           </p:cNvPicPr>
           <p:nvPr/>
         </p:nvPicPr>
         <p:blipFill>
-          <a:blip r:embed="rId2"/>
+          <a:blip r:embed="rId3"/>
           <a:stretch>
             <a:fillRect/>
           </a:stretch>
@@ -20898,112 +23286,41 @@
             </a:r>
             <a:r>
               <a:rPr/>
-              <a:t>HCL</a:t>
-            </a:r>
-            <a:r>
-              <a:rPr/>
-              <a:t> </a:t>
-            </a:r>
-            <a:r>
-              <a:rPr/>
-              <a:t>system</a:t>
+              <a:t>Luminance=70%</a:t>
             </a:r>
           </a:p>
         </p:txBody>
       </p:sp>
-      <p:sp>
-        <p:nvSpPr>
-          <p:cNvPr id="3" name="Content Placeholder 2"/>
-          <p:cNvSpPr>
-            <a:spLocks noGrp="1"/>
-          </p:cNvSpPr>
-          <p:nvPr>
-            <p:ph idx="1"/>
-          </p:nvPr>
-        </p:nvSpPr>
-        <p:spPr/>
-        <p:txBody>
-          <a:bodyPr/>
-          <a:lstStyle/>
-          <a:p>
-            <a:pPr lvl="1"/>
-            <a:r>
-              <a:rPr/>
-              <a:t>H = hue</a:t>
-            </a:r>
-          </a:p>
-          <a:p>
-            <a:pPr lvl="2"/>
-            <a:r>
-              <a:rPr/>
-              <a:t>arranged on a wheel 0-360 degrees</a:t>
-            </a:r>
-          </a:p>
-          <a:p>
-            <a:pPr lvl="2"/>
-            <a:r>
-              <a:rPr/>
-              <a:t>0 = red, 120 = green, 240 = blue</a:t>
-            </a:r>
-          </a:p>
-          <a:p>
-            <a:pPr lvl="2"/>
-            <a:r>
-              <a:rPr/>
-              <a:t>60 = yellow, 180 = cyan, 240 = magenta</a:t>
-            </a:r>
-          </a:p>
-          <a:p>
-            <a:pPr lvl="1"/>
-            <a:r>
-              <a:rPr/>
-              <a:t>C = chroma</a:t>
-            </a:r>
-          </a:p>
-          <a:p>
-            <a:pPr lvl="2"/>
-            <a:r>
-              <a:rPr/>
-              <a:t>colorfulness relative to a gray of equal luminence</a:t>
-            </a:r>
-          </a:p>
-          <a:p>
-            <a:pPr lvl="2"/>
-            <a:r>
-              <a:rPr/>
-              <a:t>not quite same as saturation</a:t>
-            </a:r>
-          </a:p>
-          <a:p>
-            <a:pPr lvl="1"/>
-            <a:r>
-              <a:rPr/>
-              <a:t>L = luminence</a:t>
-            </a:r>
-          </a:p>
-          <a:p>
-            <a:pPr lvl="2"/>
-            <a:r>
-              <a:rPr/>
-              <a:t>brightness, lightness</a:t>
-            </a:r>
-          </a:p>
-          <a:p>
-            <a:pPr lvl="1"/>
-            <a:r>
-              <a:rPr/>
-              <a:t>Not all combinations of HCL work</a:t>
-            </a:r>
-          </a:p>
-          <a:p>
-            <a:pPr lvl="1"/>
-            <a:r>
-              <a:rPr/>
-              <a:t>Very similar systems are CIE-LUV, CIE-LAB</a:t>
-            </a:r>
-          </a:p>
-        </p:txBody>
-      </p:sp>
+      <p:pic>
+        <p:nvPicPr>
+          <p:cNvPr descr="../images/r/hcl-70.png" id="0" name="Picture 1"/>
+          <p:cNvPicPr>
+            <a:picLocks noGrp="1" noChangeAspect="1"/>
+          </p:cNvPicPr>
+          <p:nvPr/>
+        </p:nvPicPr>
+        <p:blipFill>
+          <a:blip r:embed="rId2"/>
+          <a:stretch>
+            <a:fillRect/>
+          </a:stretch>
+        </p:blipFill>
+        <p:spPr bwMode="auto">
+          <a:xfrm>
+            <a:off x="2311400" y="1600200"/>
+            <a:ext cx="4521200" cy="4521200"/>
+          </a:xfrm>
+          <a:prstGeom prst="rect">
+            <a:avLst/>
+          </a:prstGeom>
+          <a:noFill/>
+          <a:ln w="9525">
+            <a:noFill/>
+            <a:headEnd/>
+            <a:tailEnd/>
+          </a:ln>
+        </p:spPr>
+      </p:pic>
     </p:spTree>
   </p:cSld>
 </p:sld>
@@ -21054,30 +23371,14 @@
             </a:r>
             <a:r>
               <a:rPr/>
-              <a:t>Luminance</a:t>
-            </a:r>
-            <a:r>
-              <a:rPr/>
-              <a:t> </a:t>
-            </a:r>
-            <a:r>
-              <a:rPr/>
-              <a:t>=</a:t>
-            </a:r>
-            <a:r>
-              <a:rPr/>
-              <a:t> </a:t>
-            </a:r>
-            <a:r>
-              <a:rPr/>
-              <a:t>90%</a:t>
+              <a:t>Luminance=50%</a:t>
             </a:r>
           </a:p>
         </p:txBody>
       </p:sp>
       <p:pic>
         <p:nvPicPr>
-          <p:cNvPr descr="../images/r/hcl-90.png" id="0" name="Picture 1"/>
+          <p:cNvPr descr="../images/r/hcl-50.png" id="0" name="Picture 1"/>
           <p:cNvPicPr>
             <a:picLocks noGrp="1" noChangeAspect="1"/>
           </p:cNvPicPr>
@@ -21155,14 +23456,14 @@
             </a:r>
             <a:r>
               <a:rPr/>
-              <a:t>Luminance=70%</a:t>
+              <a:t>Luminance=30%</a:t>
             </a:r>
           </a:p>
         </p:txBody>
       </p:sp>
       <p:pic>
         <p:nvPicPr>
-          <p:cNvPr descr="../images/r/hcl-70.png" id="0" name="Picture 1"/>
+          <p:cNvPr descr="../images/r/hcl-30.png" id="0" name="Picture 1"/>
           <p:cNvPicPr>
             <a:picLocks noGrp="1" noChangeAspect="1"/>
           </p:cNvPicPr>
@@ -21240,176 +23541,6 @@
             </a:r>
             <a:r>
               <a:rPr/>
-              <a:t>Luminance=50%</a:t>
-            </a:r>
-          </a:p>
-        </p:txBody>
-      </p:sp>
-      <p:pic>
-        <p:nvPicPr>
-          <p:cNvPr descr="../images/r/hcl-50.png" id="0" name="Picture 1"/>
-          <p:cNvPicPr>
-            <a:picLocks noGrp="1" noChangeAspect="1"/>
-          </p:cNvPicPr>
-          <p:nvPr/>
-        </p:nvPicPr>
-        <p:blipFill>
-          <a:blip r:embed="rId2"/>
-          <a:stretch>
-            <a:fillRect/>
-          </a:stretch>
-        </p:blipFill>
-        <p:spPr bwMode="auto">
-          <a:xfrm>
-            <a:off x="2311400" y="1600200"/>
-            <a:ext cx="4521200" cy="4521200"/>
-          </a:xfrm>
-          <a:prstGeom prst="rect">
-            <a:avLst/>
-          </a:prstGeom>
-          <a:noFill/>
-          <a:ln w="9525">
-            <a:noFill/>
-            <a:headEnd/>
-            <a:tailEnd/>
-          </a:ln>
-        </p:spPr>
-      </p:pic>
-    </p:spTree>
-  </p:cSld>
-</p:sld>
-</file>
-
-<file path=ppt/slides/slide45.xml><?xml version="1.0" encoding="utf-8"?>
-<p:sld xmlns:a="http://schemas.openxmlformats.org/drawingml/2006/main" xmlns:r="http://schemas.openxmlformats.org/officeDocument/2006/relationships" xmlns:p="http://schemas.openxmlformats.org/presentationml/2006/main">
-  <p:cSld>
-    <p:spTree>
-      <p:nvGrpSpPr>
-        <p:cNvPr id="1" name=""/>
-        <p:cNvGrpSpPr/>
-        <p:nvPr/>
-      </p:nvGrpSpPr>
-      <p:grpSpPr>
-        <a:xfrm>
-          <a:off x="0" y="0"/>
-          <a:ext cx="0" cy="0"/>
-          <a:chOff x="0" y="0"/>
-          <a:chExt cx="0" cy="0"/>
-        </a:xfrm>
-      </p:grpSpPr>
-      <p:sp>
-        <p:nvSpPr>
-          <p:cNvPr id="2" name="Title 1"/>
-          <p:cNvSpPr>
-            <a:spLocks noGrp="1"/>
-          </p:cNvSpPr>
-          <p:nvPr>
-            <p:ph type="title"/>
-          </p:nvPr>
-        </p:nvSpPr>
-        <p:spPr/>
-        <p:txBody>
-          <a:bodyPr/>
-          <a:lstStyle/>
-          <a:p>
-            <a:pPr lvl="0" marL="0" indent="0">
-              <a:buNone/>
-            </a:pPr>
-            <a:r>
-              <a:rPr/>
-              <a:t>Colors,</a:t>
-            </a:r>
-            <a:r>
-              <a:rPr/>
-              <a:t> </a:t>
-            </a:r>
-            <a:r>
-              <a:rPr/>
-              <a:t>Luminance=30%</a:t>
-            </a:r>
-          </a:p>
-        </p:txBody>
-      </p:sp>
-      <p:pic>
-        <p:nvPicPr>
-          <p:cNvPr descr="../images/r/hcl-30.png" id="0" name="Picture 1"/>
-          <p:cNvPicPr>
-            <a:picLocks noGrp="1" noChangeAspect="1"/>
-          </p:cNvPicPr>
-          <p:nvPr/>
-        </p:nvPicPr>
-        <p:blipFill>
-          <a:blip r:embed="rId2"/>
-          <a:stretch>
-            <a:fillRect/>
-          </a:stretch>
-        </p:blipFill>
-        <p:spPr bwMode="auto">
-          <a:xfrm>
-            <a:off x="2311400" y="1600200"/>
-            <a:ext cx="4521200" cy="4521200"/>
-          </a:xfrm>
-          <a:prstGeom prst="rect">
-            <a:avLst/>
-          </a:prstGeom>
-          <a:noFill/>
-          <a:ln w="9525">
-            <a:noFill/>
-            <a:headEnd/>
-            <a:tailEnd/>
-          </a:ln>
-        </p:spPr>
-      </p:pic>
-    </p:spTree>
-  </p:cSld>
-</p:sld>
-</file>
-
-<file path=ppt/slides/slide46.xml><?xml version="1.0" encoding="utf-8"?>
-<p:sld xmlns:a="http://schemas.openxmlformats.org/drawingml/2006/main" xmlns:r="http://schemas.openxmlformats.org/officeDocument/2006/relationships" xmlns:p="http://schemas.openxmlformats.org/presentationml/2006/main">
-  <p:cSld>
-    <p:spTree>
-      <p:nvGrpSpPr>
-        <p:cNvPr id="1" name=""/>
-        <p:cNvGrpSpPr/>
-        <p:nvPr/>
-      </p:nvGrpSpPr>
-      <p:grpSpPr>
-        <a:xfrm>
-          <a:off x="0" y="0"/>
-          <a:ext cx="0" cy="0"/>
-          <a:chOff x="0" y="0"/>
-          <a:chExt cx="0" cy="0"/>
-        </a:xfrm>
-      </p:grpSpPr>
-      <p:sp>
-        <p:nvSpPr>
-          <p:cNvPr id="2" name="Title 1"/>
-          <p:cNvSpPr>
-            <a:spLocks noGrp="1"/>
-          </p:cNvSpPr>
-          <p:nvPr>
-            <p:ph type="title"/>
-          </p:nvPr>
-        </p:nvSpPr>
-        <p:spPr/>
-        <p:txBody>
-          <a:bodyPr/>
-          <a:lstStyle/>
-          <a:p>
-            <a:pPr lvl="0" marL="0" indent="0">
-              <a:buNone/>
-            </a:pPr>
-            <a:r>
-              <a:rPr/>
-              <a:t>Colors,</a:t>
-            </a:r>
-            <a:r>
-              <a:rPr/>
-              <a:t> </a:t>
-            </a:r>
-            <a:r>
-              <a:rPr/>
               <a:t>CMYK</a:t>
             </a:r>
             <a:r>
@@ -21520,7 +23651,7 @@
 </p:sld>
 </file>
 
-<file path=ppt/slides/slide47.xml><?xml version="1.0" encoding="utf-8"?>
+<file path=ppt/slides/slide45.xml><?xml version="1.0" encoding="utf-8"?>
 <p:sld xmlns:a="http://schemas.openxmlformats.org/drawingml/2006/main" xmlns:r="http://schemas.openxmlformats.org/officeDocument/2006/relationships" xmlns:p="http://schemas.openxmlformats.org/presentationml/2006/main">
   <p:cSld>
     <p:spTree>
@@ -21642,7 +23773,7 @@
 </p:sld>
 </file>
 
-<file path=ppt/slides/slide48.xml><?xml version="1.0" encoding="utf-8"?>
+<file path=ppt/slides/slide46.xml><?xml version="1.0" encoding="utf-8"?>
 <p:sld xmlns:a="http://schemas.openxmlformats.org/drawingml/2006/main" xmlns:r="http://schemas.openxmlformats.org/officeDocument/2006/relationships" xmlns:p="http://schemas.openxmlformats.org/presentationml/2006/main">
   <p:cSld>
     <p:spTree>
@@ -21774,7 +23905,7 @@
 </p:sld>
 </file>
 
-<file path=ppt/slides/slide49.xml><?xml version="1.0" encoding="utf-8"?>
+<file path=ppt/slides/slide47.xml><?xml version="1.0" encoding="utf-8"?>
 <p:sld xmlns:a="http://schemas.openxmlformats.org/drawingml/2006/main" xmlns:r="http://schemas.openxmlformats.org/officeDocument/2006/relationships" xmlns:p="http://schemas.openxmlformats.org/presentationml/2006/main">
   <p:cSld>
     <p:spTree>

--- a/data-viz-02/component/tutorial-colors.pptx
+++ b/data-viz-02/component/tutorial-colors.pptx
@@ -5,7 +5,7 @@
     <p:sldMasterId id="2147483648" r:id="rId1"/>
   </p:sldMasterIdLst>
   <p:notesMasterIdLst>
-    <p:NotesMasterId r:id="rId49"/>
+    <p:NotesMasterId r:id="rId50"/>
   </p:notesMasterIdLst>
   <p:sldIdLst>
     <p:sldId id="256" r:id="rId2"/>
@@ -55,6 +55,7 @@
     <p:sldId id="300" r:id="rId46"/>
     <p:sldId id="301" r:id="rId47"/>
     <p:sldId id="302" r:id="rId48"/>
+    <p:sldId id="303" r:id="rId49"/>
   </p:sldIdLst>
   <p:sldSz cx="9144000" cy="6858000" type="screen4x3"/>
   <p:notesSz cx="6858000" cy="9144000"/>
@@ -6571,7 +6572,7 @@
           <a:p>
             <a:fld id="{18BDFEC3-8487-43E8-A154-7C12CBC1FFF2}" type="slidenum">
               <a:rPr lang="en-US"/>
-              <a:t>32</a:t>
+              <a:t>33</a:t>
             </a:fld>
             <a:endParaRPr lang="en-US"/>
           </a:p>
@@ -6653,7 +6654,7 @@
           <a:p>
             <a:fld id="{18BDFEC3-8487-43E8-A154-7C12CBC1FFF2}" type="slidenum">
               <a:rPr lang="en-US"/>
-              <a:t>33</a:t>
+              <a:t>34</a:t>
             </a:fld>
             <a:endParaRPr lang="en-US"/>
           </a:p>
@@ -7207,7 +7208,7 @@
           <a:p>
             <a:fld id="{18BDFEC3-8487-43E8-A154-7C12CBC1FFF2}" type="slidenum">
               <a:rPr lang="en-US"/>
-              <a:t>34</a:t>
+              <a:t>35</a:t>
             </a:fld>
             <a:endParaRPr lang="en-US"/>
           </a:p>
@@ -8745,7 +8746,7 @@
           <a:p>
             <a:fld id="{18BDFEC3-8487-43E8-A154-7C12CBC1FFF2}" type="slidenum">
               <a:rPr lang="en-US"/>
-              <a:t>39</a:t>
+              <a:t>40</a:t>
             </a:fld>
             <a:endParaRPr lang="en-US"/>
           </a:p>
@@ -8987,7 +8988,7 @@
           <a:p>
             <a:fld id="{18BDFEC3-8487-43E8-A154-7C12CBC1FFF2}" type="slidenum">
               <a:rPr lang="en-US"/>
-              <a:t>40</a:t>
+              <a:t>41</a:t>
             </a:fld>
             <a:endParaRPr lang="en-US"/>
           </a:p>
@@ -9581,7 +9582,7 @@
           <a:p>
             <a:fld id="{18BDFEC3-8487-43E8-A154-7C12CBC1FFF2}" type="slidenum">
               <a:rPr lang="en-US"/>
-              <a:t>44</a:t>
+              <a:t>45</a:t>
             </a:fld>
             <a:endParaRPr lang="en-US"/>
           </a:p>
@@ -10773,7 +10774,7 @@
           <a:p>
             <a:fld id="{18BDFEC3-8487-43E8-A154-7C12CBC1FFF2}" type="slidenum">
               <a:rPr lang="en-US"/>
-              <a:t>47</a:t>
+              <a:t>48</a:t>
             </a:fld>
             <a:endParaRPr lang="en-US"/>
           </a:p>
@@ -21811,6 +21812,58 @@
           <a:chExt cx="0" cy="0"/>
         </a:xfrm>
       </p:grpSpPr>
+      <p:pic>
+        <p:nvPicPr>
+          <p:cNvPr descr="../images/r/change-gradient.png" id="0" name="Picture 1"/>
+          <p:cNvPicPr>
+            <a:picLocks noGrp="1" noChangeAspect="1"/>
+          </p:cNvPicPr>
+          <p:nvPr/>
+        </p:nvPicPr>
+        <p:blipFill>
+          <a:blip r:embed="rId2"/>
+          <a:stretch>
+            <a:fillRect/>
+          </a:stretch>
+        </p:blipFill>
+        <p:spPr bwMode="auto">
+          <a:xfrm>
+            <a:off x="2311400" y="1600200"/>
+            <a:ext cx="4521200" cy="4521200"/>
+          </a:xfrm>
+          <a:prstGeom prst="rect">
+            <a:avLst/>
+          </a:prstGeom>
+          <a:noFill/>
+          <a:ln w="9525">
+            <a:noFill/>
+            <a:headEnd/>
+            <a:tailEnd/>
+          </a:ln>
+        </p:spPr>
+      </p:pic>
+    </p:spTree>
+  </p:cSld>
+</p:sld>
+</file>
+
+<file path=ppt/slides/slide33.xml><?xml version="1.0" encoding="utf-8"?>
+<p:sld xmlns:a="http://schemas.openxmlformats.org/drawingml/2006/main" xmlns:r="http://schemas.openxmlformats.org/officeDocument/2006/relationships" xmlns:p="http://schemas.openxmlformats.org/presentationml/2006/main">
+  <p:cSld>
+    <p:spTree>
+      <p:nvGrpSpPr>
+        <p:cNvPr id="1" name=""/>
+        <p:cNvGrpSpPr/>
+        <p:nvPr/>
+      </p:nvGrpSpPr>
+      <p:grpSpPr>
+        <a:xfrm>
+          <a:off x="0" y="0"/>
+          <a:ext cx="0" cy="0"/>
+          <a:chOff x="0" y="0"/>
+          <a:chExt cx="0" cy="0"/>
+        </a:xfrm>
+      </p:grpSpPr>
       <p:sp>
         <p:nvSpPr>
           <p:cNvPr id="2" name="Title 1"/>
@@ -21949,7 +22002,7 @@
 </p:sld>
 </file>
 
-<file path=ppt/slides/slide33.xml><?xml version="1.0" encoding="utf-8"?>
+<file path=ppt/slides/slide34.xml><?xml version="1.0" encoding="utf-8"?>
 <p:sld xmlns:a="http://schemas.openxmlformats.org/drawingml/2006/main" xmlns:r="http://schemas.openxmlformats.org/officeDocument/2006/relationships" xmlns:p="http://schemas.openxmlformats.org/presentationml/2006/main">
   <p:cSld>
     <p:spTree>
@@ -22128,155 +22181,6 @@
 </p:sld>
 </file>
 
-<file path=ppt/slides/slide34.xml><?xml version="1.0" encoding="utf-8"?>
-<p:sld xmlns:a="http://schemas.openxmlformats.org/drawingml/2006/main" xmlns:r="http://schemas.openxmlformats.org/officeDocument/2006/relationships" xmlns:p="http://schemas.openxmlformats.org/presentationml/2006/main">
-  <p:cSld>
-    <p:spTree>
-      <p:nvGrpSpPr>
-        <p:cNvPr id="1" name=""/>
-        <p:cNvGrpSpPr/>
-        <p:nvPr/>
-      </p:nvGrpSpPr>
-      <p:grpSpPr>
-        <a:xfrm>
-          <a:off x="0" y="0"/>
-          <a:ext cx="0" cy="0"/>
-          <a:chOff x="0" y="0"/>
-          <a:chExt cx="0" cy="0"/>
-        </a:xfrm>
-      </p:grpSpPr>
-      <p:sp>
-        <p:nvSpPr>
-          <p:cNvPr id="2" name="Title 1"/>
-          <p:cNvSpPr>
-            <a:spLocks noGrp="1"/>
-          </p:cNvSpPr>
-          <p:nvPr>
-            <p:ph type="title"/>
-          </p:nvPr>
-        </p:nvSpPr>
-        <p:spPr/>
-        <p:txBody>
-          <a:bodyPr/>
-          <a:lstStyle/>
-          <a:p>
-            <a:pPr lvl="0" marL="0" indent="0">
-              <a:buNone/>
-            </a:pPr>
-            <a:r>
-              <a:rPr/>
-              <a:t>Colors,</a:t>
-            </a:r>
-            <a:r>
-              <a:rPr/>
-              <a:t> </a:t>
-            </a:r>
-            <a:r>
-              <a:rPr/>
-              <a:t>HSV</a:t>
-            </a:r>
-            <a:r>
-              <a:rPr/>
-              <a:t> </a:t>
-            </a:r>
-            <a:r>
-              <a:rPr/>
-              <a:t>system</a:t>
-            </a:r>
-          </a:p>
-        </p:txBody>
-      </p:sp>
-      <p:sp>
-        <p:nvSpPr>
-          <p:cNvPr id="3" name="Content Placeholder 2"/>
-          <p:cNvSpPr>
-            <a:spLocks noGrp="1"/>
-          </p:cNvSpPr>
-          <p:nvPr>
-            <p:ph idx="1"/>
-          </p:nvPr>
-        </p:nvSpPr>
-        <p:spPr/>
-        <p:txBody>
-          <a:bodyPr/>
-          <a:lstStyle/>
-          <a:p>
-            <a:pPr lvl="1"/>
-            <a:r>
-              <a:rPr/>
-              <a:t>H = Hue</a:t>
-            </a:r>
-          </a:p>
-          <a:p>
-            <a:pPr lvl="2"/>
-            <a:r>
-              <a:rPr/>
-              <a:t>Color wheel</a:t>
-            </a:r>
-          </a:p>
-          <a:p>
-            <a:pPr lvl="2"/>
-            <a:r>
-              <a:rPr/>
-              <a:t>Red, yellow, green, cyan, blue, and magenta</a:t>
-            </a:r>
-          </a:p>
-          <a:p>
-            <a:pPr lvl="1"/>
-            <a:r>
-              <a:rPr/>
-              <a:t>Saturation</a:t>
-            </a:r>
-          </a:p>
-          <a:p>
-            <a:pPr lvl="2"/>
-            <a:r>
-              <a:rPr/>
-              <a:t>How colorful</a:t>
-            </a:r>
-          </a:p>
-          <a:p>
-            <a:pPr lvl="2"/>
-            <a:r>
-              <a:rPr/>
-              <a:t>Low saturation produces white or various shades of gray</a:t>
-            </a:r>
-          </a:p>
-          <a:p>
-            <a:pPr lvl="1"/>
-            <a:r>
-              <a:rPr/>
-              <a:t>Value</a:t>
-            </a:r>
-          </a:p>
-          <a:p>
-            <a:pPr lvl="2"/>
-            <a:r>
-              <a:rPr/>
-              <a:t>How dark</a:t>
-            </a:r>
-          </a:p>
-          <a:p>
-            <a:pPr lvl="2"/>
-            <a:r>
-              <a:rPr/>
-              <a:t>Low values produce dark color</a:t>
-            </a:r>
-          </a:p>
-          <a:p>
-            <a:pPr lvl="2"/>
-            <a:r>
-              <a:rPr/>
-              <a:t>0 produces black</a:t>
-            </a:r>
-          </a:p>
-        </p:txBody>
-      </p:sp>
-    </p:spTree>
-  </p:cSld>
-</p:sld>
-</file>
-
 <file path=ppt/slides/slide35.xml><?xml version="1.0" encoding="utf-8"?>
 <p:sld xmlns:a="http://schemas.openxmlformats.org/drawingml/2006/main" xmlns:r="http://schemas.openxmlformats.org/officeDocument/2006/relationships" xmlns:p="http://schemas.openxmlformats.org/presentationml/2006/main">
   <p:cSld>
@@ -22335,36 +22239,92 @@
           </a:p>
         </p:txBody>
       </p:sp>
-      <p:pic>
-        <p:nvPicPr>
-          <p:cNvPr descr="../images/r/hsv-1.png" id="0" name="Picture 1"/>
-          <p:cNvPicPr>
-            <a:picLocks noGrp="1" noChangeAspect="1"/>
-          </p:cNvPicPr>
-          <p:nvPr/>
-        </p:nvPicPr>
-        <p:blipFill>
-          <a:blip r:embed="rId2"/>
-          <a:stretch>
-            <a:fillRect/>
-          </a:stretch>
-        </p:blipFill>
-        <p:spPr bwMode="auto">
-          <a:xfrm>
-            <a:off x="2311400" y="1600200"/>
-            <a:ext cx="4521200" cy="4521200"/>
-          </a:xfrm>
-          <a:prstGeom prst="rect">
-            <a:avLst/>
-          </a:prstGeom>
-          <a:noFill/>
-          <a:ln w="9525">
-            <a:noFill/>
-            <a:headEnd/>
-            <a:tailEnd/>
-          </a:ln>
-        </p:spPr>
-      </p:pic>
+      <p:sp>
+        <p:nvSpPr>
+          <p:cNvPr id="3" name="Content Placeholder 2"/>
+          <p:cNvSpPr>
+            <a:spLocks noGrp="1"/>
+          </p:cNvSpPr>
+          <p:nvPr>
+            <p:ph idx="1"/>
+          </p:nvPr>
+        </p:nvSpPr>
+        <p:spPr/>
+        <p:txBody>
+          <a:bodyPr/>
+          <a:lstStyle/>
+          <a:p>
+            <a:pPr lvl="1"/>
+            <a:r>
+              <a:rPr/>
+              <a:t>H = Hue</a:t>
+            </a:r>
+          </a:p>
+          <a:p>
+            <a:pPr lvl="2"/>
+            <a:r>
+              <a:rPr/>
+              <a:t>Color wheel</a:t>
+            </a:r>
+          </a:p>
+          <a:p>
+            <a:pPr lvl="2"/>
+            <a:r>
+              <a:rPr/>
+              <a:t>Red, yellow, green, cyan, blue, and magenta</a:t>
+            </a:r>
+          </a:p>
+          <a:p>
+            <a:pPr lvl="1"/>
+            <a:r>
+              <a:rPr/>
+              <a:t>Saturation</a:t>
+            </a:r>
+          </a:p>
+          <a:p>
+            <a:pPr lvl="2"/>
+            <a:r>
+              <a:rPr/>
+              <a:t>How colorful</a:t>
+            </a:r>
+          </a:p>
+          <a:p>
+            <a:pPr lvl="2"/>
+            <a:r>
+              <a:rPr/>
+              <a:t>Low saturation produces white or various shades of gray</a:t>
+            </a:r>
+          </a:p>
+          <a:p>
+            <a:pPr lvl="1"/>
+            <a:r>
+              <a:rPr/>
+              <a:t>Value</a:t>
+            </a:r>
+          </a:p>
+          <a:p>
+            <a:pPr lvl="2"/>
+            <a:r>
+              <a:rPr/>
+              <a:t>How dark</a:t>
+            </a:r>
+          </a:p>
+          <a:p>
+            <a:pPr lvl="2"/>
+            <a:r>
+              <a:rPr/>
+              <a:t>Low values produce dark color</a:t>
+            </a:r>
+          </a:p>
+          <a:p>
+            <a:pPr lvl="2"/>
+            <a:r>
+              <a:rPr/>
+              <a:t>0 produces black</a:t>
+            </a:r>
+          </a:p>
+        </p:txBody>
+      </p:sp>
     </p:spTree>
   </p:cSld>
 </p:sld>
@@ -22423,30 +22383,14 @@
             </a:r>
             <a:r>
               <a:rPr/>
-              <a:t>system,</a:t>
-            </a:r>
-            <a:r>
-              <a:rPr/>
-              <a:t> </a:t>
-            </a:r>
-            <a:r>
-              <a:rPr/>
-              <a:t>hue</a:t>
-            </a:r>
-            <a:r>
-              <a:rPr/>
-              <a:t> </a:t>
-            </a:r>
-            <a:r>
-              <a:rPr/>
-              <a:t>only</a:t>
+              <a:t>system</a:t>
             </a:r>
           </a:p>
         </p:txBody>
       </p:sp>
       <p:pic>
         <p:nvPicPr>
-          <p:cNvPr descr="../images/r/hsv-2.png" id="0" name="Picture 1"/>
+          <p:cNvPr descr="../images/r/hsv-1.png" id="0" name="Picture 1"/>
           <p:cNvPicPr>
             <a:picLocks noGrp="1" noChangeAspect="1"/>
           </p:cNvPicPr>
@@ -22540,7 +22484,7 @@
             </a:r>
             <a:r>
               <a:rPr/>
-              <a:t>saturation</a:t>
+              <a:t>hue</a:t>
             </a:r>
             <a:r>
               <a:rPr/>
@@ -22555,7 +22499,7 @@
       </p:sp>
       <p:pic>
         <p:nvPicPr>
-          <p:cNvPr descr="../images/r/hsv-3.png" id="0" name="Picture 1"/>
+          <p:cNvPr descr="../images/r/hsv-2.png" id="0" name="Picture 1"/>
           <p:cNvPicPr>
             <a:picLocks noGrp="1" noChangeAspect="1"/>
           </p:cNvPicPr>
@@ -22649,7 +22593,7 @@
             </a:r>
             <a:r>
               <a:rPr/>
-              <a:t>value</a:t>
+              <a:t>saturation</a:t>
             </a:r>
             <a:r>
               <a:rPr/>
@@ -22664,7 +22608,7 @@
       </p:sp>
       <p:pic>
         <p:nvPicPr>
-          <p:cNvPr descr="../images/r/hsv-4.png" id="0" name="Picture 1"/>
+          <p:cNvPr descr="../images/r/hsv-3.png" id="0" name="Picture 1"/>
           <p:cNvPicPr>
             <a:picLocks noGrp="1" noChangeAspect="1"/>
           </p:cNvPicPr>
@@ -22742,112 +22686,65 @@
             </a:r>
             <a:r>
               <a:rPr/>
-              <a:t>HCL</a:t>
-            </a:r>
-            <a:r>
-              <a:rPr/>
-              <a:t> </a:t>
-            </a:r>
-            <a:r>
-              <a:rPr/>
-              <a:t>system</a:t>
+              <a:t>HSV</a:t>
+            </a:r>
+            <a:r>
+              <a:rPr/>
+              <a:t> </a:t>
+            </a:r>
+            <a:r>
+              <a:rPr/>
+              <a:t>system,</a:t>
+            </a:r>
+            <a:r>
+              <a:rPr/>
+              <a:t> </a:t>
+            </a:r>
+            <a:r>
+              <a:rPr/>
+              <a:t>value</a:t>
+            </a:r>
+            <a:r>
+              <a:rPr/>
+              <a:t> </a:t>
+            </a:r>
+            <a:r>
+              <a:rPr/>
+              <a:t>only</a:t>
             </a:r>
           </a:p>
         </p:txBody>
       </p:sp>
-      <p:sp>
-        <p:nvSpPr>
-          <p:cNvPr id="3" name="Content Placeholder 2"/>
-          <p:cNvSpPr>
-            <a:spLocks noGrp="1"/>
-          </p:cNvSpPr>
-          <p:nvPr>
-            <p:ph idx="1"/>
-          </p:nvPr>
-        </p:nvSpPr>
-        <p:spPr/>
-        <p:txBody>
-          <a:bodyPr/>
-          <a:lstStyle/>
-          <a:p>
-            <a:pPr lvl="1"/>
-            <a:r>
-              <a:rPr/>
-              <a:t>H = hue</a:t>
-            </a:r>
-          </a:p>
-          <a:p>
-            <a:pPr lvl="2"/>
-            <a:r>
-              <a:rPr/>
-              <a:t>arranged on a wheel 0-360 degrees</a:t>
-            </a:r>
-          </a:p>
-          <a:p>
-            <a:pPr lvl="2"/>
-            <a:r>
-              <a:rPr/>
-              <a:t>0 = red, 120 = green, 240 = blue</a:t>
-            </a:r>
-          </a:p>
-          <a:p>
-            <a:pPr lvl="2"/>
-            <a:r>
-              <a:rPr/>
-              <a:t>60 = yellow, 180 = cyan, 240 = magenta</a:t>
-            </a:r>
-          </a:p>
-          <a:p>
-            <a:pPr lvl="1"/>
-            <a:r>
-              <a:rPr/>
-              <a:t>C = chroma</a:t>
-            </a:r>
-          </a:p>
-          <a:p>
-            <a:pPr lvl="2"/>
-            <a:r>
-              <a:rPr/>
-              <a:t>colorfulness relative to a gray of equal luminence</a:t>
-            </a:r>
-          </a:p>
-          <a:p>
-            <a:pPr lvl="2"/>
-            <a:r>
-              <a:rPr/>
-              <a:t>not quite same as saturation</a:t>
-            </a:r>
-          </a:p>
-          <a:p>
-            <a:pPr lvl="1"/>
-            <a:r>
-              <a:rPr/>
-              <a:t>L = luminence</a:t>
-            </a:r>
-          </a:p>
-          <a:p>
-            <a:pPr lvl="2"/>
-            <a:r>
-              <a:rPr/>
-              <a:t>brightness, lightness</a:t>
-            </a:r>
-          </a:p>
-          <a:p>
-            <a:pPr lvl="1"/>
-            <a:r>
-              <a:rPr/>
-              <a:t>Not all combinations of HCL work</a:t>
-            </a:r>
-          </a:p>
-          <a:p>
-            <a:pPr lvl="1"/>
-            <a:r>
-              <a:rPr/>
-              <a:t>Very similar systems are CIE-LUV, CIE-LAB</a:t>
-            </a:r>
-          </a:p>
-        </p:txBody>
-      </p:sp>
+      <p:pic>
+        <p:nvPicPr>
+          <p:cNvPr descr="../images/r/hsv-4.png" id="0" name="Picture 1"/>
+          <p:cNvPicPr>
+            <a:picLocks noGrp="1" noChangeAspect="1"/>
+          </p:cNvPicPr>
+          <p:nvPr/>
+        </p:nvPicPr>
+        <p:blipFill>
+          <a:blip r:embed="rId2"/>
+          <a:stretch>
+            <a:fillRect/>
+          </a:stretch>
+        </p:blipFill>
+        <p:spPr bwMode="auto">
+          <a:xfrm>
+            <a:off x="2311400" y="1600200"/>
+            <a:ext cx="4521200" cy="4521200"/>
+          </a:xfrm>
+          <a:prstGeom prst="rect">
+            <a:avLst/>
+          </a:prstGeom>
+          <a:noFill/>
+          <a:ln w="9525">
+            <a:noFill/>
+            <a:headEnd/>
+            <a:tailEnd/>
+          </a:ln>
+        </p:spPr>
+      </p:pic>
     </p:spTree>
   </p:cSld>
 </p:sld>
@@ -23185,57 +23082,112 @@
             </a:r>
             <a:r>
               <a:rPr/>
-              <a:t>Luminance</a:t>
-            </a:r>
-            <a:r>
-              <a:rPr/>
-              <a:t> </a:t>
-            </a:r>
-            <a:r>
-              <a:rPr/>
-              <a:t>=</a:t>
-            </a:r>
-            <a:r>
-              <a:rPr/>
-              <a:t> </a:t>
-            </a:r>
-            <a:r>
-              <a:rPr/>
-              <a:t>90%</a:t>
+              <a:t>HCL</a:t>
+            </a:r>
+            <a:r>
+              <a:rPr/>
+              <a:t> </a:t>
+            </a:r>
+            <a:r>
+              <a:rPr/>
+              <a:t>system</a:t>
             </a:r>
           </a:p>
         </p:txBody>
       </p:sp>
-      <p:pic>
-        <p:nvPicPr>
-          <p:cNvPr descr="../images/r/hcl-90.png" id="0" name="Picture 1"/>
-          <p:cNvPicPr>
-            <a:picLocks noGrp="1" noChangeAspect="1"/>
-          </p:cNvPicPr>
-          <p:nvPr/>
-        </p:nvPicPr>
-        <p:blipFill>
-          <a:blip r:embed="rId3"/>
-          <a:stretch>
-            <a:fillRect/>
-          </a:stretch>
-        </p:blipFill>
-        <p:spPr bwMode="auto">
-          <a:xfrm>
-            <a:off x="2311400" y="1600200"/>
-            <a:ext cx="4521200" cy="4521200"/>
-          </a:xfrm>
-          <a:prstGeom prst="rect">
-            <a:avLst/>
-          </a:prstGeom>
-          <a:noFill/>
-          <a:ln w="9525">
-            <a:noFill/>
-            <a:headEnd/>
-            <a:tailEnd/>
-          </a:ln>
-        </p:spPr>
-      </p:pic>
+      <p:sp>
+        <p:nvSpPr>
+          <p:cNvPr id="3" name="Content Placeholder 2"/>
+          <p:cNvSpPr>
+            <a:spLocks noGrp="1"/>
+          </p:cNvSpPr>
+          <p:nvPr>
+            <p:ph idx="1"/>
+          </p:nvPr>
+        </p:nvSpPr>
+        <p:spPr/>
+        <p:txBody>
+          <a:bodyPr/>
+          <a:lstStyle/>
+          <a:p>
+            <a:pPr lvl="1"/>
+            <a:r>
+              <a:rPr/>
+              <a:t>H = hue</a:t>
+            </a:r>
+          </a:p>
+          <a:p>
+            <a:pPr lvl="2"/>
+            <a:r>
+              <a:rPr/>
+              <a:t>arranged on a wheel 0-360 degrees</a:t>
+            </a:r>
+          </a:p>
+          <a:p>
+            <a:pPr lvl="2"/>
+            <a:r>
+              <a:rPr/>
+              <a:t>0 = red, 120 = green, 240 = blue</a:t>
+            </a:r>
+          </a:p>
+          <a:p>
+            <a:pPr lvl="2"/>
+            <a:r>
+              <a:rPr/>
+              <a:t>60 = yellow, 180 = cyan, 240 = magenta</a:t>
+            </a:r>
+          </a:p>
+          <a:p>
+            <a:pPr lvl="1"/>
+            <a:r>
+              <a:rPr/>
+              <a:t>C = chroma</a:t>
+            </a:r>
+          </a:p>
+          <a:p>
+            <a:pPr lvl="2"/>
+            <a:r>
+              <a:rPr/>
+              <a:t>colorfulness relative to a gray of equal luminence</a:t>
+            </a:r>
+          </a:p>
+          <a:p>
+            <a:pPr lvl="2"/>
+            <a:r>
+              <a:rPr/>
+              <a:t>not quite same as saturation</a:t>
+            </a:r>
+          </a:p>
+          <a:p>
+            <a:pPr lvl="1"/>
+            <a:r>
+              <a:rPr/>
+              <a:t>L = luminence</a:t>
+            </a:r>
+          </a:p>
+          <a:p>
+            <a:pPr lvl="2"/>
+            <a:r>
+              <a:rPr/>
+              <a:t>brightness, lightness</a:t>
+            </a:r>
+          </a:p>
+          <a:p>
+            <a:pPr lvl="1"/>
+            <a:r>
+              <a:rPr/>
+              <a:t>Not all combinations of HCL work</a:t>
+            </a:r>
+          </a:p>
+          <a:p>
+            <a:pPr lvl="1"/>
+            <a:r>
+              <a:rPr/>
+              <a:t>Very similar systems are CIE-LUV, CIE-LAB</a:t>
+            </a:r>
+          </a:p>
+        </p:txBody>
+      </p:sp>
     </p:spTree>
   </p:cSld>
 </p:sld>
@@ -23286,21 +23238,37 @@
             </a:r>
             <a:r>
               <a:rPr/>
-              <a:t>Luminance=70%</a:t>
+              <a:t>Luminance</a:t>
+            </a:r>
+            <a:r>
+              <a:rPr/>
+              <a:t> </a:t>
+            </a:r>
+            <a:r>
+              <a:rPr/>
+              <a:t>=</a:t>
+            </a:r>
+            <a:r>
+              <a:rPr/>
+              <a:t> </a:t>
+            </a:r>
+            <a:r>
+              <a:rPr/>
+              <a:t>90%</a:t>
             </a:r>
           </a:p>
         </p:txBody>
       </p:sp>
       <p:pic>
         <p:nvPicPr>
-          <p:cNvPr descr="../images/r/hcl-70.png" id="0" name="Picture 1"/>
+          <p:cNvPr descr="../images/r/hcl-90.png" id="0" name="Picture 1"/>
           <p:cNvPicPr>
             <a:picLocks noGrp="1" noChangeAspect="1"/>
           </p:cNvPicPr>
           <p:nvPr/>
         </p:nvPicPr>
         <p:blipFill>
-          <a:blip r:embed="rId2"/>
+          <a:blip r:embed="rId3"/>
           <a:stretch>
             <a:fillRect/>
           </a:stretch>
@@ -23371,14 +23339,14 @@
             </a:r>
             <a:r>
               <a:rPr/>
-              <a:t>Luminance=50%</a:t>
+              <a:t>Luminance=70%</a:t>
             </a:r>
           </a:p>
         </p:txBody>
       </p:sp>
       <p:pic>
         <p:nvPicPr>
-          <p:cNvPr descr="../images/r/hcl-50.png" id="0" name="Picture 1"/>
+          <p:cNvPr descr="../images/r/hcl-70.png" id="0" name="Picture 1"/>
           <p:cNvPicPr>
             <a:picLocks noGrp="1" noChangeAspect="1"/>
           </p:cNvPicPr>
@@ -23456,14 +23424,14 @@
             </a:r>
             <a:r>
               <a:rPr/>
-              <a:t>Luminance=30%</a:t>
+              <a:t>Luminance=50%</a:t>
             </a:r>
           </a:p>
         </p:txBody>
       </p:sp>
       <p:pic>
         <p:nvPicPr>
-          <p:cNvPr descr="../images/r/hcl-30.png" id="0" name="Picture 1"/>
+          <p:cNvPr descr="../images/r/hcl-50.png" id="0" name="Picture 1"/>
           <p:cNvPicPr>
             <a:picLocks noGrp="1" noChangeAspect="1"/>
           </p:cNvPicPr>
@@ -23541,6 +23509,91 @@
             </a:r>
             <a:r>
               <a:rPr/>
+              <a:t>Luminance=30%</a:t>
+            </a:r>
+          </a:p>
+        </p:txBody>
+      </p:sp>
+      <p:pic>
+        <p:nvPicPr>
+          <p:cNvPr descr="../images/r/hcl-30.png" id="0" name="Picture 1"/>
+          <p:cNvPicPr>
+            <a:picLocks noGrp="1" noChangeAspect="1"/>
+          </p:cNvPicPr>
+          <p:nvPr/>
+        </p:nvPicPr>
+        <p:blipFill>
+          <a:blip r:embed="rId2"/>
+          <a:stretch>
+            <a:fillRect/>
+          </a:stretch>
+        </p:blipFill>
+        <p:spPr bwMode="auto">
+          <a:xfrm>
+            <a:off x="2311400" y="1600200"/>
+            <a:ext cx="4521200" cy="4521200"/>
+          </a:xfrm>
+          <a:prstGeom prst="rect">
+            <a:avLst/>
+          </a:prstGeom>
+          <a:noFill/>
+          <a:ln w="9525">
+            <a:noFill/>
+            <a:headEnd/>
+            <a:tailEnd/>
+          </a:ln>
+        </p:spPr>
+      </p:pic>
+    </p:spTree>
+  </p:cSld>
+</p:sld>
+</file>
+
+<file path=ppt/slides/slide45.xml><?xml version="1.0" encoding="utf-8"?>
+<p:sld xmlns:a="http://schemas.openxmlformats.org/drawingml/2006/main" xmlns:r="http://schemas.openxmlformats.org/officeDocument/2006/relationships" xmlns:p="http://schemas.openxmlformats.org/presentationml/2006/main">
+  <p:cSld>
+    <p:spTree>
+      <p:nvGrpSpPr>
+        <p:cNvPr id="1" name=""/>
+        <p:cNvGrpSpPr/>
+        <p:nvPr/>
+      </p:nvGrpSpPr>
+      <p:grpSpPr>
+        <a:xfrm>
+          <a:off x="0" y="0"/>
+          <a:ext cx="0" cy="0"/>
+          <a:chOff x="0" y="0"/>
+          <a:chExt cx="0" cy="0"/>
+        </a:xfrm>
+      </p:grpSpPr>
+      <p:sp>
+        <p:nvSpPr>
+          <p:cNvPr id="2" name="Title 1"/>
+          <p:cNvSpPr>
+            <a:spLocks noGrp="1"/>
+          </p:cNvSpPr>
+          <p:nvPr>
+            <p:ph type="title"/>
+          </p:nvPr>
+        </p:nvSpPr>
+        <p:spPr/>
+        <p:txBody>
+          <a:bodyPr/>
+          <a:lstStyle/>
+          <a:p>
+            <a:pPr lvl="0" marL="0" indent="0">
+              <a:buNone/>
+            </a:pPr>
+            <a:r>
+              <a:rPr/>
+              <a:t>Colors,</a:t>
+            </a:r>
+            <a:r>
+              <a:rPr/>
+              <a:t> </a:t>
+            </a:r>
+            <a:r>
+              <a:rPr/>
               <a:t>CMYK</a:t>
             </a:r>
             <a:r>
@@ -23651,128 +23704,6 @@
 </p:sld>
 </file>
 
-<file path=ppt/slides/slide45.xml><?xml version="1.0" encoding="utf-8"?>
-<p:sld xmlns:a="http://schemas.openxmlformats.org/drawingml/2006/main" xmlns:r="http://schemas.openxmlformats.org/officeDocument/2006/relationships" xmlns:p="http://schemas.openxmlformats.org/presentationml/2006/main">
-  <p:cSld>
-    <p:spTree>
-      <p:nvGrpSpPr>
-        <p:cNvPr id="1" name=""/>
-        <p:cNvGrpSpPr/>
-        <p:nvPr/>
-      </p:nvGrpSpPr>
-      <p:grpSpPr>
-        <a:xfrm>
-          <a:off x="0" y="0"/>
-          <a:ext cx="0" cy="0"/>
-          <a:chOff x="0" y="0"/>
-          <a:chExt cx="0" cy="0"/>
-        </a:xfrm>
-      </p:grpSpPr>
-      <p:sp>
-        <p:nvSpPr>
-          <p:cNvPr id="2" name="Title 1"/>
-          <p:cNvSpPr>
-            <a:spLocks noGrp="1"/>
-          </p:cNvSpPr>
-          <p:nvPr>
-            <p:ph type="title"/>
-          </p:nvPr>
-        </p:nvSpPr>
-        <p:spPr/>
-        <p:txBody>
-          <a:bodyPr/>
-          <a:lstStyle/>
-          <a:p>
-            <a:pPr lvl="0" marL="0" indent="0">
-              <a:buNone/>
-            </a:pPr>
-            <a:r>
-              <a:rPr/>
-              <a:t>Colors,</a:t>
-            </a:r>
-            <a:r>
-              <a:rPr/>
-              <a:t> </a:t>
-            </a:r>
-            <a:r>
-              <a:rPr/>
-              <a:t>CMYK</a:t>
-            </a:r>
-            <a:r>
-              <a:rPr/>
-              <a:t> </a:t>
-            </a:r>
-            <a:r>
-              <a:rPr/>
-              <a:t>system,</a:t>
-            </a:r>
-            <a:r>
-              <a:rPr/>
-              <a:t> </a:t>
-            </a:r>
-            <a:r>
-              <a:rPr/>
-              <a:t>combinations</a:t>
-            </a:r>
-          </a:p>
-        </p:txBody>
-      </p:sp>
-      <p:sp>
-        <p:nvSpPr>
-          <p:cNvPr id="3" name="Content Placeholder 2"/>
-          <p:cNvSpPr>
-            <a:spLocks noGrp="1"/>
-          </p:cNvSpPr>
-          <p:nvPr>
-            <p:ph idx="1"/>
-          </p:nvPr>
-        </p:nvSpPr>
-        <p:spPr/>
-        <p:txBody>
-          <a:bodyPr/>
-          <a:lstStyle/>
-          <a:p>
-            <a:pPr lvl="1"/>
-            <a:r>
-              <a:rPr/>
-              <a:t>Building blocks Cyan (C), Magenta (M), Yellow (Y), Black (K).</a:t>
-            </a:r>
-          </a:p>
-          <a:p>
-            <a:pPr lvl="1"/>
-            <a:r>
-              <a:rPr/>
-              <a:t>Cyan plus Magenta equals Blue</a:t>
-            </a:r>
-          </a:p>
-          <a:p>
-            <a:pPr lvl="1"/>
-            <a:r>
-              <a:rPr/>
-              <a:t>Cyan plus Yellow equals Green</a:t>
-            </a:r>
-          </a:p>
-          <a:p>
-            <a:pPr lvl="1"/>
-            <a:r>
-              <a:rPr/>
-              <a:t>Magenta plus Yellow equals Red</a:t>
-            </a:r>
-          </a:p>
-          <a:p>
-            <a:pPr lvl="1"/>
-            <a:r>
-              <a:rPr/>
-              <a:t>All three combined equals Black</a:t>
-            </a:r>
-          </a:p>
-        </p:txBody>
-      </p:sp>
-    </p:spTree>
-  </p:cSld>
-</p:sld>
-</file>
-
 <file path=ppt/slides/slide46.xml><?xml version="1.0" encoding="utf-8"?>
 <p:sld xmlns:a="http://schemas.openxmlformats.org/drawingml/2006/main" xmlns:r="http://schemas.openxmlformats.org/officeDocument/2006/relationships" xmlns:p="http://schemas.openxmlformats.org/presentationml/2006/main">
   <p:cSld>
@@ -23834,31 +23765,7 @@
             </a:r>
             <a:r>
               <a:rPr/>
-              <a:t>Why</a:t>
-            </a:r>
-            <a:r>
-              <a:rPr/>
-              <a:t> </a:t>
-            </a:r>
-            <a:r>
-              <a:rPr/>
-              <a:t>you</a:t>
-            </a:r>
-            <a:r>
-              <a:rPr/>
-              <a:t> </a:t>
-            </a:r>
-            <a:r>
-              <a:rPr/>
-              <a:t>need</a:t>
-            </a:r>
-            <a:r>
-              <a:rPr/>
-              <a:t> </a:t>
-            </a:r>
-            <a:r>
-              <a:rPr/>
-              <a:t>black</a:t>
+              <a:t>combinations</a:t>
             </a:r>
           </a:p>
         </p:txBody>
@@ -23881,21 +23788,35 @@
             <a:pPr lvl="1"/>
             <a:r>
               <a:rPr/>
-              <a:t>Only in theory does, C+M+Y = Black</a:t>
-            </a:r>
-          </a:p>
-          <a:p>
-            <a:pPr lvl="2"/>
-            <a:r>
-              <a:rPr/>
-              <a:t>Too much ink</a:t>
-            </a:r>
-          </a:p>
-          <a:p>
-            <a:pPr lvl="2"/>
-            <a:r>
-              <a:rPr/>
-              <a:t>Dull muddy color</a:t>
+              <a:t>Building blocks Cyan (C), Magenta (M), Yellow (Y), Black (K).</a:t>
+            </a:r>
+          </a:p>
+          <a:p>
+            <a:pPr lvl="1"/>
+            <a:r>
+              <a:rPr/>
+              <a:t>Cyan plus Magenta equals Blue</a:t>
+            </a:r>
+          </a:p>
+          <a:p>
+            <a:pPr lvl="1"/>
+            <a:r>
+              <a:rPr/>
+              <a:t>Cyan plus Yellow equals Green</a:t>
+            </a:r>
+          </a:p>
+          <a:p>
+            <a:pPr lvl="1"/>
+            <a:r>
+              <a:rPr/>
+              <a:t>Magenta plus Yellow equals Red</a:t>
+            </a:r>
+          </a:p>
+          <a:p>
+            <a:pPr lvl="1"/>
+            <a:r>
+              <a:rPr/>
+              <a:t>All three combined equals Black</a:t>
             </a:r>
           </a:p>
         </p:txBody>
@@ -23906,6 +23827,138 @@
 </file>
 
 <file path=ppt/slides/slide47.xml><?xml version="1.0" encoding="utf-8"?>
+<p:sld xmlns:a="http://schemas.openxmlformats.org/drawingml/2006/main" xmlns:r="http://schemas.openxmlformats.org/officeDocument/2006/relationships" xmlns:p="http://schemas.openxmlformats.org/presentationml/2006/main">
+  <p:cSld>
+    <p:spTree>
+      <p:nvGrpSpPr>
+        <p:cNvPr id="1" name=""/>
+        <p:cNvGrpSpPr/>
+        <p:nvPr/>
+      </p:nvGrpSpPr>
+      <p:grpSpPr>
+        <a:xfrm>
+          <a:off x="0" y="0"/>
+          <a:ext cx="0" cy="0"/>
+          <a:chOff x="0" y="0"/>
+          <a:chExt cx="0" cy="0"/>
+        </a:xfrm>
+      </p:grpSpPr>
+      <p:sp>
+        <p:nvSpPr>
+          <p:cNvPr id="2" name="Title 1"/>
+          <p:cNvSpPr>
+            <a:spLocks noGrp="1"/>
+          </p:cNvSpPr>
+          <p:nvPr>
+            <p:ph type="title"/>
+          </p:nvPr>
+        </p:nvSpPr>
+        <p:spPr/>
+        <p:txBody>
+          <a:bodyPr/>
+          <a:lstStyle/>
+          <a:p>
+            <a:pPr lvl="0" marL="0" indent="0">
+              <a:buNone/>
+            </a:pPr>
+            <a:r>
+              <a:rPr/>
+              <a:t>Colors,</a:t>
+            </a:r>
+            <a:r>
+              <a:rPr/>
+              <a:t> </a:t>
+            </a:r>
+            <a:r>
+              <a:rPr/>
+              <a:t>CMYK</a:t>
+            </a:r>
+            <a:r>
+              <a:rPr/>
+              <a:t> </a:t>
+            </a:r>
+            <a:r>
+              <a:rPr/>
+              <a:t>system,</a:t>
+            </a:r>
+            <a:r>
+              <a:rPr/>
+              <a:t> </a:t>
+            </a:r>
+            <a:r>
+              <a:rPr/>
+              <a:t>Why</a:t>
+            </a:r>
+            <a:r>
+              <a:rPr/>
+              <a:t> </a:t>
+            </a:r>
+            <a:r>
+              <a:rPr/>
+              <a:t>you</a:t>
+            </a:r>
+            <a:r>
+              <a:rPr/>
+              <a:t> </a:t>
+            </a:r>
+            <a:r>
+              <a:rPr/>
+              <a:t>need</a:t>
+            </a:r>
+            <a:r>
+              <a:rPr/>
+              <a:t> </a:t>
+            </a:r>
+            <a:r>
+              <a:rPr/>
+              <a:t>black</a:t>
+            </a:r>
+          </a:p>
+        </p:txBody>
+      </p:sp>
+      <p:sp>
+        <p:nvSpPr>
+          <p:cNvPr id="3" name="Content Placeholder 2"/>
+          <p:cNvSpPr>
+            <a:spLocks noGrp="1"/>
+          </p:cNvSpPr>
+          <p:nvPr>
+            <p:ph idx="1"/>
+          </p:nvPr>
+        </p:nvSpPr>
+        <p:spPr/>
+        <p:txBody>
+          <a:bodyPr/>
+          <a:lstStyle/>
+          <a:p>
+            <a:pPr lvl="1"/>
+            <a:r>
+              <a:rPr/>
+              <a:t>Only in theory does, C+M+Y = Black</a:t>
+            </a:r>
+          </a:p>
+          <a:p>
+            <a:pPr lvl="2"/>
+            <a:r>
+              <a:rPr/>
+              <a:t>Too much ink</a:t>
+            </a:r>
+          </a:p>
+          <a:p>
+            <a:pPr lvl="2"/>
+            <a:r>
+              <a:rPr/>
+              <a:t>Dull muddy color</a:t>
+            </a:r>
+          </a:p>
+        </p:txBody>
+      </p:sp>
+    </p:spTree>
+  </p:cSld>
+</p:sld>
+</file>
+
+<file path=ppt/slides/slide48.xml><?xml version="1.0" encoding="utf-8"?>
 <p:sld xmlns:a="http://schemas.openxmlformats.org/drawingml/2006/main" xmlns:r="http://schemas.openxmlformats.org/officeDocument/2006/relationships" xmlns:p="http://schemas.openxmlformats.org/presentationml/2006/main">
   <p:cSld>
     <p:spTree>

--- a/data-viz-02/component/tutorial-colors.pptx
+++ b/data-viz-02/component/tutorial-colors.pptx
@@ -5,7 +5,7 @@
     <p:sldMasterId id="2147483648" r:id="rId1"/>
   </p:sldMasterIdLst>
   <p:notesMasterIdLst>
-    <p:NotesMasterId r:id="rId54"/>
+    <p:NotesMasterId r:id="rId55"/>
   </p:notesMasterIdLst>
   <p:sldIdLst>
     <p:sldId id="256" r:id="rId2"/>
@@ -60,6 +60,7 @@
     <p:sldId id="305" r:id="rId51"/>
     <p:sldId id="306" r:id="rId52"/>
     <p:sldId id="307" r:id="rId53"/>
+    <p:sldId id="308" r:id="rId54"/>
   </p:sldIdLst>
   <p:sldSz cx="9144000" cy="6858000" type="screen4x3"/>
   <p:notesSz cx="6858000" cy="9144000"/>
@@ -10390,7 +10391,7 @@
             </a:r>
             <a:r>
               <a:rPr/>
-              <a:t>luminence.</a:t>
+              <a:t>luminance.</a:t>
             </a:r>
           </a:p>
           <a:p>
@@ -10404,7 +10405,7 @@
             </a:pPr>
             <a:r>
               <a:rPr/>
-              <a:t>Luminence</a:t>
+              <a:t>Luminance</a:t>
             </a:r>
             <a:r>
               <a:rPr/>
@@ -10476,7 +10477,7 @@
             </a:r>
             <a:r>
               <a:rPr/>
-              <a:t>luminence</a:t>
+              <a:t>luminance</a:t>
             </a:r>
             <a:r>
               <a:rPr/>
@@ -10794,7 +10795,7 @@
             </a:r>
             <a:r>
               <a:rPr/>
-              <a:t>luminence,</a:t>
+              <a:t>luminance,</a:t>
             </a:r>
             <a:r>
               <a:rPr/>
@@ -10946,7 +10947,7 @@
             </a:r>
             <a:r>
               <a:rPr/>
-              <a:t>luminence,</a:t>
+              <a:t>luminance,</a:t>
             </a:r>
             <a:r>
               <a:rPr/>
@@ -11178,7 +11179,7 @@
             </a:r>
             <a:r>
               <a:rPr/>
-              <a:t>luminence,</a:t>
+              <a:t>luminance,</a:t>
             </a:r>
             <a:r>
               <a:rPr/>
@@ -11476,7 +11477,103 @@
             </a:pPr>
             <a:r>
               <a:rPr/>
-              <a:t>These</a:t>
+              <a:t>This</a:t>
+            </a:r>
+            <a:r>
+              <a:rPr/>
+              <a:t> </a:t>
+            </a:r>
+            <a:r>
+              <a:rPr/>
+              <a:t>image,</a:t>
+            </a:r>
+            <a:r>
+              <a:rPr/>
+              <a:t> </a:t>
+            </a:r>
+            <a:r>
+              <a:rPr/>
+              <a:t>borrowed</a:t>
+            </a:r>
+            <a:r>
+              <a:rPr/>
+              <a:t> </a:t>
+            </a:r>
+            <a:r>
+              <a:rPr/>
+              <a:t>from</a:t>
+            </a:r>
+            <a:r>
+              <a:rPr/>
+              <a:t> </a:t>
+            </a:r>
+            <a:r>
+              <a:rPr/>
+              <a:t>the</a:t>
+            </a:r>
+            <a:r>
+              <a:rPr/>
+              <a:t> </a:t>
+            </a:r>
+            <a:r>
+              <a:rPr/>
+              <a:t>excellent</a:t>
+            </a:r>
+            <a:r>
+              <a:rPr/>
+              <a:t> </a:t>
+            </a:r>
+            <a:r>
+              <a:rPr/>
+              <a:t>website,</a:t>
+            </a:r>
+            <a:r>
+              <a:rPr/>
+              <a:t> </a:t>
+            </a:r>
+            <a:r>
+              <a:rPr/>
+              <a:t>workwithcolor.com,</a:t>
+            </a:r>
+            <a:r>
+              <a:rPr/>
+              <a:t> </a:t>
+            </a:r>
+            <a:r>
+              <a:rPr/>
+              <a:t>shows</a:t>
+            </a:r>
+            <a:r>
+              <a:rPr/>
+              <a:t> </a:t>
+            </a:r>
+            <a:r>
+              <a:rPr/>
+              <a:t>that</a:t>
+            </a:r>
+            <a:r>
+              <a:rPr/>
+              <a:t> </a:t>
+            </a:r>
+            <a:r>
+              <a:rPr/>
+              <a:t>the</a:t>
+            </a:r>
+            <a:r>
+              <a:rPr/>
+              <a:t> </a:t>
+            </a:r>
+            <a:r>
+              <a:rPr/>
+              <a:t>pure</a:t>
+            </a:r>
+            <a:r>
+              <a:rPr/>
+              <a:t> </a:t>
+            </a:r>
+            <a:r>
+              <a:rPr/>
+              <a:t>colors</a:t>
             </a:r>
             <a:r>
               <a:rPr/>
@@ -11492,6 +11589,46 @@
             </a:r>
             <a:r>
               <a:rPr/>
+              <a:t>not</a:t>
+            </a:r>
+            <a:r>
+              <a:rPr/>
+              <a:t> </a:t>
+            </a:r>
+            <a:r>
+              <a:rPr/>
+              <a:t>equally</a:t>
+            </a:r>
+            <a:r>
+              <a:rPr/>
+              <a:t> </a:t>
+            </a:r>
+            <a:r>
+              <a:rPr/>
+              <a:t>bright.</a:t>
+            </a:r>
+            <a:r>
+              <a:rPr/>
+              <a:t> </a:t>
+            </a:r>
+            <a:r>
+              <a:rPr/>
+              <a:t>Yellow</a:t>
+            </a:r>
+            <a:r>
+              <a:rPr/>
+              <a:t> </a:t>
+            </a:r>
+            <a:r>
+              <a:rPr/>
+              <a:t>is</a:t>
+            </a:r>
+            <a:r>
+              <a:rPr/>
+              <a:t> </a:t>
+            </a:r>
+            <a:r>
+              <a:rPr/>
               <a:t>the</a:t>
             </a:r>
             <a:r>
@@ -11500,87 +11637,103 @@
             </a:r>
             <a:r>
               <a:rPr/>
-              <a:t>color</a:t>
-            </a:r>
-            <a:r>
-              <a:rPr/>
-              <a:t> </a:t>
-            </a:r>
-            <a:r>
-              <a:rPr/>
-              <a:t>values</a:t>
-            </a:r>
-            <a:r>
-              <a:rPr/>
-              <a:t> </a:t>
-            </a:r>
-            <a:r>
-              <a:rPr/>
-              <a:t>with</a:t>
-            </a:r>
-            <a:r>
-              <a:rPr/>
-              <a:t> </a:t>
-            </a:r>
-            <a:r>
-              <a:rPr/>
-              <a:t>a</a:t>
-            </a:r>
-            <a:r>
-              <a:rPr/>
-              <a:t> </a:t>
-            </a:r>
-            <a:r>
-              <a:rPr/>
-              <a:t>luminence</a:t>
-            </a:r>
-            <a:r>
-              <a:rPr/>
-              <a:t> </a:t>
-            </a:r>
-            <a:r>
-              <a:rPr/>
-              <a:t>of</a:t>
-            </a:r>
-            <a:r>
-              <a:rPr/>
-              <a:t> </a:t>
-            </a:r>
-            <a:r>
-              <a:rPr/>
-              <a:t>90%.</a:t>
-            </a:r>
-            <a:r>
-              <a:rPr/>
-              <a:t> </a:t>
-            </a:r>
-            <a:r>
-              <a:rPr/>
-              <a:t>It</a:t>
-            </a:r>
-            <a:r>
-              <a:rPr/>
-              <a:t> </a:t>
-            </a:r>
-            <a:r>
-              <a:rPr/>
-              <a:t>favors</a:t>
-            </a:r>
-            <a:r>
-              <a:rPr/>
-              <a:t> </a:t>
-            </a:r>
-            <a:r>
-              <a:rPr/>
-              <a:t>the</a:t>
-            </a:r>
-            <a:r>
-              <a:rPr/>
-              <a:t> </a:t>
-            </a:r>
-            <a:r>
-              <a:rPr/>
-              <a:t>green</a:t>
+              <a:t>brigthest</a:t>
+            </a:r>
+            <a:r>
+              <a:rPr/>
+              <a:t> </a:t>
+            </a:r>
+            <a:r>
+              <a:rPr/>
+              <a:t>color.</a:t>
+            </a:r>
+            <a:r>
+              <a:rPr/>
+              <a:t> </a:t>
+            </a:r>
+            <a:r>
+              <a:rPr/>
+              <a:t>At</a:t>
+            </a:r>
+            <a:r>
+              <a:rPr/>
+              <a:t> </a:t>
+            </a:r>
+            <a:r>
+              <a:rPr/>
+              <a:t>94%</a:t>
+            </a:r>
+            <a:r>
+              <a:rPr/>
+              <a:t> </a:t>
+            </a:r>
+            <a:r>
+              <a:rPr/>
+              <a:t>luminance,</a:t>
+            </a:r>
+            <a:r>
+              <a:rPr/>
+              <a:t> </a:t>
+            </a:r>
+            <a:r>
+              <a:rPr/>
+              <a:t>it</a:t>
+            </a:r>
+            <a:r>
+              <a:rPr/>
+              <a:t> </a:t>
+            </a:r>
+            <a:r>
+              <a:rPr/>
+              <a:t>is</a:t>
+            </a:r>
+            <a:r>
+              <a:rPr/>
+              <a:t> </a:t>
+            </a:r>
+            <a:r>
+              <a:rPr/>
+              <a:t>almost</a:t>
+            </a:r>
+            <a:r>
+              <a:rPr/>
+              <a:t> </a:t>
+            </a:r>
+            <a:r>
+              <a:rPr/>
+              <a:t>white.</a:t>
+            </a:r>
+            <a:r>
+              <a:rPr/>
+              <a:t> </a:t>
+            </a:r>
+            <a:r>
+              <a:rPr/>
+              <a:t>Cyan,</a:t>
+            </a:r>
+            <a:r>
+              <a:rPr/>
+              <a:t> </a:t>
+            </a:r>
+            <a:r>
+              <a:rPr/>
+              <a:t>at</a:t>
+            </a:r>
+            <a:r>
+              <a:rPr/>
+              <a:t> </a:t>
+            </a:r>
+            <a:r>
+              <a:rPr/>
+              <a:t>87%</a:t>
+            </a:r>
+            <a:r>
+              <a:rPr/>
+              <a:t> </a:t>
+            </a:r>
+            <a:r>
+              <a:rPr/>
+              <a:t>luminance,</a:t>
             </a:r>
             <a:r>
               <a:rPr/>
@@ -11596,47 +11749,295 @@
             </a:r>
             <a:r>
               <a:rPr/>
-              <a:t>yellow</a:t>
-            </a:r>
-            <a:r>
-              <a:rPr/>
-              <a:t> </a:t>
-            </a:r>
-            <a:r>
-              <a:rPr/>
-              <a:t>side</a:t>
-            </a:r>
-            <a:r>
-              <a:rPr/>
-              <a:t> </a:t>
-            </a:r>
-            <a:r>
-              <a:rPr/>
-              <a:t>of</a:t>
-            </a:r>
-            <a:r>
-              <a:rPr/>
-              <a:t> </a:t>
-            </a:r>
-            <a:r>
-              <a:rPr/>
-              <a:t>the</a:t>
-            </a:r>
-            <a:r>
-              <a:rPr/>
-              <a:t> </a:t>
-            </a:r>
-            <a:r>
-              <a:rPr/>
-              <a:t>color</a:t>
-            </a:r>
-            <a:r>
-              <a:rPr/>
-              <a:t> </a:t>
-            </a:r>
-            <a:r>
-              <a:rPr/>
-              <a:t>wheel.</a:t>
+              <a:t>green,</a:t>
+            </a:r>
+            <a:r>
+              <a:rPr/>
+              <a:t> </a:t>
+            </a:r>
+            <a:r>
+              <a:rPr/>
+              <a:t>at</a:t>
+            </a:r>
+            <a:r>
+              <a:rPr/>
+              <a:t> </a:t>
+            </a:r>
+            <a:r>
+              <a:rPr/>
+              <a:t>80%</a:t>
+            </a:r>
+            <a:r>
+              <a:rPr/>
+              <a:t> </a:t>
+            </a:r>
+            <a:r>
+              <a:rPr/>
+              <a:t>luminance,</a:t>
+            </a:r>
+            <a:r>
+              <a:rPr/>
+              <a:t> </a:t>
+            </a:r>
+            <a:r>
+              <a:rPr/>
+              <a:t>are</a:t>
+            </a:r>
+            <a:r>
+              <a:rPr/>
+              <a:t> </a:t>
+            </a:r>
+            <a:r>
+              <a:rPr/>
+              <a:t>almost</a:t>
+            </a:r>
+            <a:r>
+              <a:rPr/>
+              <a:t> </a:t>
+            </a:r>
+            <a:r>
+              <a:rPr/>
+              <a:t>as</a:t>
+            </a:r>
+            <a:r>
+              <a:rPr/>
+              <a:t> </a:t>
+            </a:r>
+            <a:r>
+              <a:rPr/>
+              <a:t>bright.</a:t>
+            </a:r>
+            <a:r>
+              <a:rPr/>
+              <a:t> </a:t>
+            </a:r>
+            <a:r>
+              <a:rPr/>
+              <a:t>The</a:t>
+            </a:r>
+            <a:r>
+              <a:rPr/>
+              <a:t> </a:t>
+            </a:r>
+            <a:r>
+              <a:rPr/>
+              <a:t>remaining</a:t>
+            </a:r>
+            <a:r>
+              <a:rPr/>
+              <a:t> </a:t>
+            </a:r>
+            <a:r>
+              <a:rPr/>
+              <a:t>colors</a:t>
+            </a:r>
+            <a:r>
+              <a:rPr/>
+              <a:t> </a:t>
+            </a:r>
+            <a:r>
+              <a:rPr/>
+              <a:t>have</a:t>
+            </a:r>
+            <a:r>
+              <a:rPr/>
+              <a:t> </a:t>
+            </a:r>
+            <a:r>
+              <a:rPr/>
+              <a:t>much</a:t>
+            </a:r>
+            <a:r>
+              <a:rPr/>
+              <a:t> </a:t>
+            </a:r>
+            <a:r>
+              <a:rPr/>
+              <a:t>less</a:t>
+            </a:r>
+            <a:r>
+              <a:rPr/>
+              <a:t> </a:t>
+            </a:r>
+            <a:r>
+              <a:rPr/>
+              <a:t>luminance.</a:t>
+            </a:r>
+            <a:r>
+              <a:rPr/>
+              <a:t> </a:t>
+            </a:r>
+            <a:r>
+              <a:rPr/>
+              <a:t>Magenta</a:t>
+            </a:r>
+            <a:r>
+              <a:rPr/>
+              <a:t> </a:t>
+            </a:r>
+            <a:r>
+              <a:rPr/>
+              <a:t>has</a:t>
+            </a:r>
+            <a:r>
+              <a:rPr/>
+              <a:t> </a:t>
+            </a:r>
+            <a:r>
+              <a:rPr/>
+              <a:t>70%</a:t>
+            </a:r>
+            <a:r>
+              <a:rPr/>
+              <a:t> </a:t>
+            </a:r>
+            <a:r>
+              <a:rPr/>
+              <a:t>luminance,</a:t>
+            </a:r>
+            <a:r>
+              <a:rPr/>
+              <a:t> </a:t>
+            </a:r>
+            <a:r>
+              <a:rPr/>
+              <a:t>red</a:t>
+            </a:r>
+            <a:r>
+              <a:rPr/>
+              <a:t> </a:t>
+            </a:r>
+            <a:r>
+              <a:rPr/>
+              <a:t>has</a:t>
+            </a:r>
+            <a:r>
+              <a:rPr/>
+              <a:t> </a:t>
+            </a:r>
+            <a:r>
+              <a:rPr/>
+              <a:t>54%</a:t>
+            </a:r>
+            <a:r>
+              <a:rPr/>
+              <a:t> </a:t>
+            </a:r>
+            <a:r>
+              <a:rPr/>
+              <a:t>luminance,</a:t>
+            </a:r>
+            <a:r>
+              <a:rPr/>
+              <a:t> </a:t>
+            </a:r>
+            <a:r>
+              <a:rPr/>
+              <a:t>and</a:t>
+            </a:r>
+            <a:r>
+              <a:rPr/>
+              <a:t> </a:t>
+            </a:r>
+            <a:r>
+              <a:rPr/>
+              <a:t>blue,</a:t>
+            </a:r>
+            <a:r>
+              <a:rPr/>
+              <a:t> </a:t>
+            </a:r>
+            <a:r>
+              <a:rPr/>
+              <a:t>at</a:t>
+            </a:r>
+            <a:r>
+              <a:rPr/>
+              <a:t> </a:t>
+            </a:r>
+            <a:r>
+              <a:rPr/>
+              <a:t>44%</a:t>
+            </a:r>
+            <a:r>
+              <a:rPr/>
+              <a:t> </a:t>
+            </a:r>
+            <a:r>
+              <a:rPr/>
+              <a:t>luminance,</a:t>
+            </a:r>
+            <a:r>
+              <a:rPr/>
+              <a:t> </a:t>
+            </a:r>
+            <a:r>
+              <a:rPr/>
+              <a:t>is</a:t>
+            </a:r>
+            <a:r>
+              <a:rPr/>
+              <a:t> </a:t>
+            </a:r>
+            <a:r>
+              <a:rPr/>
+              <a:t>closer</a:t>
+            </a:r>
+            <a:r>
+              <a:rPr/>
+              <a:t> </a:t>
+            </a:r>
+            <a:r>
+              <a:rPr/>
+              <a:t>to</a:t>
+            </a:r>
+            <a:r>
+              <a:rPr/>
+              <a:t> </a:t>
+            </a:r>
+            <a:r>
+              <a:rPr/>
+              <a:t>black</a:t>
+            </a:r>
+            <a:r>
+              <a:rPr/>
+              <a:t> </a:t>
+            </a:r>
+            <a:r>
+              <a:rPr/>
+              <a:t>than</a:t>
+            </a:r>
+            <a:r>
+              <a:rPr/>
+              <a:t> </a:t>
+            </a:r>
+            <a:r>
+              <a:rPr/>
+              <a:t>it</a:t>
+            </a:r>
+            <a:r>
+              <a:rPr/>
+              <a:t> </a:t>
+            </a:r>
+            <a:r>
+              <a:rPr/>
+              <a:t>is</a:t>
+            </a:r>
+            <a:r>
+              <a:rPr/>
+              <a:t> </a:t>
+            </a:r>
+            <a:r>
+              <a:rPr/>
+              <a:t>to</a:t>
+            </a:r>
+            <a:r>
+              <a:rPr/>
+              <a:t> </a:t>
+            </a:r>
+            <a:r>
+              <a:rPr/>
+              <a:t>white.</a:t>
             </a:r>
           </a:p>
         </p:txBody>
@@ -11718,39 +12119,63 @@
             </a:pPr>
             <a:r>
               <a:rPr/>
-              <a:t>There</a:t>
-            </a:r>
-            <a:r>
-              <a:rPr/>
-              <a:t> </a:t>
-            </a:r>
-            <a:r>
-              <a:rPr/>
-              <a:t>is</a:t>
-            </a:r>
-            <a:r>
-              <a:rPr/>
-              <a:t> </a:t>
-            </a:r>
-            <a:r>
-              <a:rPr/>
-              <a:t>one</a:t>
-            </a:r>
-            <a:r>
-              <a:rPr/>
-              <a:t> </a:t>
-            </a:r>
-            <a:r>
-              <a:rPr/>
-              <a:t>more</a:t>
-            </a:r>
-            <a:r>
-              <a:rPr/>
-              <a:t> </a:t>
-            </a:r>
-            <a:r>
-              <a:rPr/>
-              <a:t>feature</a:t>
+              <a:t>These</a:t>
+            </a:r>
+            <a:r>
+              <a:rPr/>
+              <a:t> </a:t>
+            </a:r>
+            <a:r>
+              <a:rPr/>
+              <a:t>are</a:t>
+            </a:r>
+            <a:r>
+              <a:rPr/>
+              <a:t> </a:t>
+            </a:r>
+            <a:r>
+              <a:rPr/>
+              <a:t>the</a:t>
+            </a:r>
+            <a:r>
+              <a:rPr/>
+              <a:t> </a:t>
+            </a:r>
+            <a:r>
+              <a:rPr/>
+              <a:t>color</a:t>
+            </a:r>
+            <a:r>
+              <a:rPr/>
+              <a:t> </a:t>
+            </a:r>
+            <a:r>
+              <a:rPr/>
+              <a:t>values</a:t>
+            </a:r>
+            <a:r>
+              <a:rPr/>
+              <a:t> </a:t>
+            </a:r>
+            <a:r>
+              <a:rPr/>
+              <a:t>with</a:t>
+            </a:r>
+            <a:r>
+              <a:rPr/>
+              <a:t> </a:t>
+            </a:r>
+            <a:r>
+              <a:rPr/>
+              <a:t>a</a:t>
+            </a:r>
+            <a:r>
+              <a:rPr/>
+              <a:t> </a:t>
+            </a:r>
+            <a:r>
+              <a:rPr/>
+              <a:t>luminance</a:t>
             </a:r>
             <a:r>
               <a:rPr/>
@@ -11766,6 +12191,86 @@
             </a:r>
             <a:r>
               <a:rPr/>
+              <a:t>90%.</a:t>
+            </a:r>
+            <a:r>
+              <a:rPr/>
+              <a:t> </a:t>
+            </a:r>
+            <a:r>
+              <a:rPr/>
+              <a:t>It</a:t>
+            </a:r>
+            <a:r>
+              <a:rPr/>
+              <a:t> </a:t>
+            </a:r>
+            <a:r>
+              <a:rPr/>
+              <a:t>favors</a:t>
+            </a:r>
+            <a:r>
+              <a:rPr/>
+              <a:t> </a:t>
+            </a:r>
+            <a:r>
+              <a:rPr/>
+              <a:t>the</a:t>
+            </a:r>
+            <a:r>
+              <a:rPr/>
+              <a:t> </a:t>
+            </a:r>
+            <a:r>
+              <a:rPr/>
+              <a:t>green</a:t>
+            </a:r>
+            <a:r>
+              <a:rPr/>
+              <a:t> </a:t>
+            </a:r>
+            <a:r>
+              <a:rPr/>
+              <a:t>and</a:t>
+            </a:r>
+            <a:r>
+              <a:rPr/>
+              <a:t> </a:t>
+            </a:r>
+            <a:r>
+              <a:rPr/>
+              <a:t>yellow</a:t>
+            </a:r>
+            <a:r>
+              <a:rPr/>
+              <a:t> </a:t>
+            </a:r>
+            <a:r>
+              <a:rPr/>
+              <a:t>side</a:t>
+            </a:r>
+            <a:r>
+              <a:rPr/>
+              <a:t> </a:t>
+            </a:r>
+            <a:r>
+              <a:rPr/>
+              <a:t>of</a:t>
+            </a:r>
+            <a:r>
+              <a:rPr/>
+              <a:t> </a:t>
+            </a:r>
+            <a:r>
+              <a:rPr/>
+              <a:t>the</a:t>
+            </a:r>
+            <a:r>
+              <a:rPr/>
+              <a:t> </a:t>
+            </a:r>
+            <a:r>
+              <a:rPr/>
               <a:t>color</a:t>
             </a:r>
             <a:r>
@@ -11774,167 +12279,7 @@
             </a:r>
             <a:r>
               <a:rPr/>
-              <a:t>that</a:t>
-            </a:r>
-            <a:r>
-              <a:rPr/>
-              <a:t> </a:t>
-            </a:r>
-            <a:r>
-              <a:rPr/>
-              <a:t>is</a:t>
-            </a:r>
-            <a:r>
-              <a:rPr/>
-              <a:t> </a:t>
-            </a:r>
-            <a:r>
-              <a:rPr/>
-              <a:t>important,</a:t>
-            </a:r>
-            <a:r>
-              <a:rPr/>
-              <a:t> </a:t>
-            </a:r>
-            <a:r>
-              <a:rPr/>
-              <a:t>opacity.</a:t>
-            </a:r>
-            <a:r>
-              <a:rPr/>
-              <a:t> </a:t>
-            </a:r>
-            <a:r>
-              <a:rPr/>
-              <a:t>Opacity</a:t>
-            </a:r>
-            <a:r>
-              <a:rPr/>
-              <a:t> </a:t>
-            </a:r>
-            <a:r>
-              <a:rPr/>
-              <a:t>is</a:t>
-            </a:r>
-            <a:r>
-              <a:rPr/>
-              <a:t> </a:t>
-            </a:r>
-            <a:r>
-              <a:rPr/>
-              <a:t>the</a:t>
-            </a:r>
-            <a:r>
-              <a:rPr/>
-              <a:t> </a:t>
-            </a:r>
-            <a:r>
-              <a:rPr/>
-              <a:t>extent</a:t>
-            </a:r>
-            <a:r>
-              <a:rPr/>
-              <a:t> </a:t>
-            </a:r>
-            <a:r>
-              <a:rPr/>
-              <a:t>to</a:t>
-            </a:r>
-            <a:r>
-              <a:rPr/>
-              <a:t> </a:t>
-            </a:r>
-            <a:r>
-              <a:rPr/>
-              <a:t>which</a:t>
-            </a:r>
-            <a:r>
-              <a:rPr/>
-              <a:t> </a:t>
-            </a:r>
-            <a:r>
-              <a:rPr/>
-              <a:t>you</a:t>
-            </a:r>
-            <a:r>
-              <a:rPr/>
-              <a:t> </a:t>
-            </a:r>
-            <a:r>
-              <a:rPr/>
-              <a:t>can</a:t>
-            </a:r>
-            <a:r>
-              <a:rPr/>
-              <a:t> </a:t>
-            </a:r>
-            <a:r>
-              <a:rPr/>
-              <a:t>peek</a:t>
-            </a:r>
-            <a:r>
-              <a:rPr/>
-              <a:t> </a:t>
-            </a:r>
-            <a:r>
-              <a:rPr/>
-              <a:t>through</a:t>
-            </a:r>
-            <a:r>
-              <a:rPr/>
-              <a:t> </a:t>
-            </a:r>
-            <a:r>
-              <a:rPr/>
-              <a:t>a</a:t>
-            </a:r>
-            <a:r>
-              <a:rPr/>
-              <a:t> </a:t>
-            </a:r>
-            <a:r>
-              <a:rPr/>
-              <a:t>color</a:t>
-            </a:r>
-            <a:r>
-              <a:rPr/>
-              <a:t> </a:t>
-            </a:r>
-            <a:r>
-              <a:rPr/>
-              <a:t>to</a:t>
-            </a:r>
-            <a:r>
-              <a:rPr/>
-              <a:t> </a:t>
-            </a:r>
-            <a:r>
-              <a:rPr/>
-              <a:t>see</a:t>
-            </a:r>
-            <a:r>
-              <a:rPr/>
-              <a:t> </a:t>
-            </a:r>
-            <a:r>
-              <a:rPr/>
-              <a:t>the</a:t>
-            </a:r>
-            <a:r>
-              <a:rPr/>
-              <a:t> </a:t>
-            </a:r>
-            <a:r>
-              <a:rPr/>
-              <a:t>background</a:t>
-            </a:r>
-            <a:r>
-              <a:rPr/>
-              <a:t> </a:t>
-            </a:r>
-            <a:r>
-              <a:rPr/>
-              <a:t>beheath.</a:t>
+              <a:t>wheel.</a:t>
             </a:r>
           </a:p>
         </p:txBody>
@@ -11956,7 +12301,7 @@
           <a:p>
             <a:fld id="{18BDFEC3-8487-43E8-A154-7C12CBC1FFF2}" type="slidenum">
               <a:rPr lang="en-US"/>
-              <a:t>46</a:t>
+              <a:t>43</a:t>
             </a:fld>
             <a:endParaRPr lang="en-US"/>
           </a:p>
@@ -12016,23 +12361,39 @@
             </a:pPr>
             <a:r>
               <a:rPr/>
-              <a:t>A</a:t>
-            </a:r>
-            <a:r>
-              <a:rPr/>
-              <a:t> </a:t>
-            </a:r>
-            <a:r>
-              <a:rPr/>
-              <a:t>low</a:t>
-            </a:r>
-            <a:r>
-              <a:rPr/>
-              <a:t> </a:t>
-            </a:r>
-            <a:r>
-              <a:rPr/>
-              <a:t>degree</a:t>
+              <a:t>There</a:t>
+            </a:r>
+            <a:r>
+              <a:rPr/>
+              <a:t> </a:t>
+            </a:r>
+            <a:r>
+              <a:rPr/>
+              <a:t>is</a:t>
+            </a:r>
+            <a:r>
+              <a:rPr/>
+              <a:t> </a:t>
+            </a:r>
+            <a:r>
+              <a:rPr/>
+              <a:t>one</a:t>
+            </a:r>
+            <a:r>
+              <a:rPr/>
+              <a:t> </a:t>
+            </a:r>
+            <a:r>
+              <a:rPr/>
+              <a:t>more</a:t>
+            </a:r>
+            <a:r>
+              <a:rPr/>
+              <a:t> </a:t>
+            </a:r>
+            <a:r>
+              <a:rPr/>
+              <a:t>feature</a:t>
             </a:r>
             <a:r>
               <a:rPr/>
@@ -12048,31 +12409,119 @@
             </a:r>
             <a:r>
               <a:rPr/>
-              <a:t>opacity</a:t>
-            </a:r>
-            <a:r>
-              <a:rPr/>
-              <a:t> </a:t>
-            </a:r>
-            <a:r>
-              <a:rPr/>
-              <a:t>does</a:t>
-            </a:r>
-            <a:r>
-              <a:rPr/>
-              <a:t> </a:t>
-            </a:r>
-            <a:r>
-              <a:rPr/>
-              <a:t>not</a:t>
-            </a:r>
-            <a:r>
-              <a:rPr/>
-              <a:t> </a:t>
-            </a:r>
-            <a:r>
-              <a:rPr/>
-              <a:t>impy</a:t>
+              <a:t>color</a:t>
+            </a:r>
+            <a:r>
+              <a:rPr/>
+              <a:t> </a:t>
+            </a:r>
+            <a:r>
+              <a:rPr/>
+              <a:t>that</a:t>
+            </a:r>
+            <a:r>
+              <a:rPr/>
+              <a:t> </a:t>
+            </a:r>
+            <a:r>
+              <a:rPr/>
+              <a:t>is</a:t>
+            </a:r>
+            <a:r>
+              <a:rPr/>
+              <a:t> </a:t>
+            </a:r>
+            <a:r>
+              <a:rPr/>
+              <a:t>important,</a:t>
+            </a:r>
+            <a:r>
+              <a:rPr/>
+              <a:t> </a:t>
+            </a:r>
+            <a:r>
+              <a:rPr/>
+              <a:t>opacity.</a:t>
+            </a:r>
+            <a:r>
+              <a:rPr/>
+              <a:t> </a:t>
+            </a:r>
+            <a:r>
+              <a:rPr/>
+              <a:t>Opacity</a:t>
+            </a:r>
+            <a:r>
+              <a:rPr/>
+              <a:t> </a:t>
+            </a:r>
+            <a:r>
+              <a:rPr/>
+              <a:t>is</a:t>
+            </a:r>
+            <a:r>
+              <a:rPr/>
+              <a:t> </a:t>
+            </a:r>
+            <a:r>
+              <a:rPr/>
+              <a:t>the</a:t>
+            </a:r>
+            <a:r>
+              <a:rPr/>
+              <a:t> </a:t>
+            </a:r>
+            <a:r>
+              <a:rPr/>
+              <a:t>extent</a:t>
+            </a:r>
+            <a:r>
+              <a:rPr/>
+              <a:t> </a:t>
+            </a:r>
+            <a:r>
+              <a:rPr/>
+              <a:t>to</a:t>
+            </a:r>
+            <a:r>
+              <a:rPr/>
+              <a:t> </a:t>
+            </a:r>
+            <a:r>
+              <a:rPr/>
+              <a:t>which</a:t>
+            </a:r>
+            <a:r>
+              <a:rPr/>
+              <a:t> </a:t>
+            </a:r>
+            <a:r>
+              <a:rPr/>
+              <a:t>you</a:t>
+            </a:r>
+            <a:r>
+              <a:rPr/>
+              <a:t> </a:t>
+            </a:r>
+            <a:r>
+              <a:rPr/>
+              <a:t>can</a:t>
+            </a:r>
+            <a:r>
+              <a:rPr/>
+              <a:t> </a:t>
+            </a:r>
+            <a:r>
+              <a:rPr/>
+              <a:t>peek</a:t>
+            </a:r>
+            <a:r>
+              <a:rPr/>
+              <a:t> </a:t>
+            </a:r>
+            <a:r>
+              <a:rPr/>
+              <a:t>through</a:t>
             </a:r>
             <a:r>
               <a:rPr/>
@@ -12088,47 +12537,23 @@
             </a:r>
             <a:r>
               <a:rPr/>
-              <a:t>lighter</a:t>
-            </a:r>
-            <a:r>
-              <a:rPr/>
-              <a:t> </a:t>
-            </a:r>
-            <a:r>
-              <a:rPr/>
-              <a:t>color.</a:t>
-            </a:r>
-            <a:r>
-              <a:rPr/>
-              <a:t> </a:t>
-            </a:r>
-            <a:r>
-              <a:rPr/>
-              <a:t>It’s</a:t>
-            </a:r>
-            <a:r>
-              <a:rPr/>
-              <a:t> </a:t>
-            </a:r>
-            <a:r>
-              <a:rPr/>
-              <a:t>only</a:t>
-            </a:r>
-            <a:r>
-              <a:rPr/>
-              <a:t> </a:t>
-            </a:r>
-            <a:r>
-              <a:rPr/>
-              <a:t>lighter</a:t>
-            </a:r>
-            <a:r>
-              <a:rPr/>
-              <a:t> </a:t>
-            </a:r>
-            <a:r>
-              <a:rPr/>
-              <a:t>when</a:t>
+              <a:t>color</a:t>
+            </a:r>
+            <a:r>
+              <a:rPr/>
+              <a:t> </a:t>
+            </a:r>
+            <a:r>
+              <a:rPr/>
+              <a:t>to</a:t>
+            </a:r>
+            <a:r>
+              <a:rPr/>
+              <a:t> </a:t>
+            </a:r>
+            <a:r>
+              <a:rPr/>
+              <a:t>see</a:t>
             </a:r>
             <a:r>
               <a:rPr/>
@@ -12152,343 +12577,7 @@
             </a:r>
             <a:r>
               <a:rPr/>
-              <a:t>is</a:t>
-            </a:r>
-            <a:r>
-              <a:rPr/>
-              <a:t> </a:t>
-            </a:r>
-            <a:r>
-              <a:rPr/>
-              <a:t>white,</a:t>
-            </a:r>
-            <a:r>
-              <a:rPr/>
-              <a:t> </a:t>
-            </a:r>
-            <a:r>
-              <a:rPr/>
-              <a:t>because</a:t>
-            </a:r>
-            <a:r>
-              <a:rPr/>
-              <a:t> </a:t>
-            </a:r>
-            <a:r>
-              <a:rPr/>
-              <a:t>more</a:t>
-            </a:r>
-            <a:r>
-              <a:rPr/>
-              <a:t> </a:t>
-            </a:r>
-            <a:r>
-              <a:rPr/>
-              <a:t>of</a:t>
-            </a:r>
-            <a:r>
-              <a:rPr/>
-              <a:t> </a:t>
-            </a:r>
-            <a:r>
-              <a:rPr/>
-              <a:t>the</a:t>
-            </a:r>
-            <a:r>
-              <a:rPr/>
-              <a:t> </a:t>
-            </a:r>
-            <a:r>
-              <a:rPr/>
-              <a:t>white</a:t>
-            </a:r>
-            <a:r>
-              <a:rPr/>
-              <a:t> </a:t>
-            </a:r>
-            <a:r>
-              <a:rPr/>
-              <a:t>is</a:t>
-            </a:r>
-            <a:r>
-              <a:rPr/>
-              <a:t> </a:t>
-            </a:r>
-            <a:r>
-              <a:rPr/>
-              <a:t>showing</a:t>
-            </a:r>
-            <a:r>
-              <a:rPr/>
-              <a:t> </a:t>
-            </a:r>
-            <a:r>
-              <a:rPr/>
-              <a:t>through.</a:t>
-            </a:r>
-            <a:r>
-              <a:rPr/>
-              <a:t> </a:t>
-            </a:r>
-            <a:r>
-              <a:rPr/>
-              <a:t>When</a:t>
-            </a:r>
-            <a:r>
-              <a:rPr/>
-              <a:t> </a:t>
-            </a:r>
-            <a:r>
-              <a:rPr/>
-              <a:t>the</a:t>
-            </a:r>
-            <a:r>
-              <a:rPr/>
-              <a:t> </a:t>
-            </a:r>
-            <a:r>
-              <a:rPr/>
-              <a:t>background</a:t>
-            </a:r>
-            <a:r>
-              <a:rPr/>
-              <a:t> </a:t>
-            </a:r>
-            <a:r>
-              <a:rPr/>
-              <a:t>is</a:t>
-            </a:r>
-            <a:r>
-              <a:rPr/>
-              <a:t> </a:t>
-            </a:r>
-            <a:r>
-              <a:rPr/>
-              <a:t>black,</a:t>
-            </a:r>
-            <a:r>
-              <a:rPr/>
-              <a:t> </a:t>
-            </a:r>
-            <a:r>
-              <a:rPr/>
-              <a:t>a</a:t>
-            </a:r>
-            <a:r>
-              <a:rPr/>
-              <a:t> </a:t>
-            </a:r>
-            <a:r>
-              <a:rPr/>
-              <a:t>low</a:t>
-            </a:r>
-            <a:r>
-              <a:rPr/>
-              <a:t> </a:t>
-            </a:r>
-            <a:r>
-              <a:rPr/>
-              <a:t>degree</a:t>
-            </a:r>
-            <a:r>
-              <a:rPr/>
-              <a:t> </a:t>
-            </a:r>
-            <a:r>
-              <a:rPr/>
-              <a:t>of</a:t>
-            </a:r>
-            <a:r>
-              <a:rPr/>
-              <a:t> </a:t>
-            </a:r>
-            <a:r>
-              <a:rPr/>
-              <a:t>opacity</a:t>
-            </a:r>
-            <a:r>
-              <a:rPr/>
-              <a:t> </a:t>
-            </a:r>
-            <a:r>
-              <a:rPr/>
-              <a:t>means</a:t>
-            </a:r>
-            <a:r>
-              <a:rPr/>
-              <a:t> </a:t>
-            </a:r>
-            <a:r>
-              <a:rPr/>
-              <a:t>a</a:t>
-            </a:r>
-            <a:r>
-              <a:rPr/>
-              <a:t> </a:t>
-            </a:r>
-            <a:r>
-              <a:rPr/>
-              <a:t>dar</a:t>
-            </a:r>
-            <a:r>
-              <a:rPr/>
-              <a:t> </a:t>
-            </a:r>
-            <a:r>
-              <a:rPr/>
-              <a:t>red.</a:t>
-            </a:r>
-            <a:r>
-              <a:rPr/>
-              <a:t> </a:t>
-            </a:r>
-            <a:r>
-              <a:rPr/>
-              <a:t>When</a:t>
-            </a:r>
-            <a:r>
-              <a:rPr/>
-              <a:t> </a:t>
-            </a:r>
-            <a:r>
-              <a:rPr/>
-              <a:t>the</a:t>
-            </a:r>
-            <a:r>
-              <a:rPr/>
-              <a:t> </a:t>
-            </a:r>
-            <a:r>
-              <a:rPr/>
-              <a:t>background</a:t>
-            </a:r>
-            <a:r>
-              <a:rPr/>
-              <a:t> </a:t>
-            </a:r>
-            <a:r>
-              <a:rPr/>
-              <a:t>is</a:t>
-            </a:r>
-            <a:r>
-              <a:rPr/>
-              <a:t> </a:t>
-            </a:r>
-            <a:r>
-              <a:rPr/>
-              <a:t>green,</a:t>
-            </a:r>
-            <a:r>
-              <a:rPr/>
-              <a:t> </a:t>
-            </a:r>
-            <a:r>
-              <a:rPr/>
-              <a:t>a</a:t>
-            </a:r>
-            <a:r>
-              <a:rPr/>
-              <a:t> </a:t>
-            </a:r>
-            <a:r>
-              <a:rPr/>
-              <a:t>low</a:t>
-            </a:r>
-            <a:r>
-              <a:rPr/>
-              <a:t> </a:t>
-            </a:r>
-            <a:r>
-              <a:rPr/>
-              <a:t>degree</a:t>
-            </a:r>
-            <a:r>
-              <a:rPr/>
-              <a:t> </a:t>
-            </a:r>
-            <a:r>
-              <a:rPr/>
-              <a:t>of</a:t>
-            </a:r>
-            <a:r>
-              <a:rPr/>
-              <a:t> </a:t>
-            </a:r>
-            <a:r>
-              <a:rPr/>
-              <a:t>opacity</a:t>
-            </a:r>
-            <a:r>
-              <a:rPr/>
-              <a:t> </a:t>
-            </a:r>
-            <a:r>
-              <a:rPr/>
-              <a:t>produces</a:t>
-            </a:r>
-            <a:r>
-              <a:rPr/>
-              <a:t> </a:t>
-            </a:r>
-            <a:r>
-              <a:rPr/>
-              <a:t>a</a:t>
-            </a:r>
-            <a:r>
-              <a:rPr/>
-              <a:t> </a:t>
-            </a:r>
-            <a:r>
-              <a:rPr/>
-              <a:t>darker</a:t>
-            </a:r>
-            <a:r>
-              <a:rPr/>
-              <a:t> </a:t>
-            </a:r>
-            <a:r>
-              <a:rPr/>
-              <a:t>green</a:t>
-            </a:r>
-            <a:r>
-              <a:rPr/>
-              <a:t> </a:t>
-            </a:r>
-            <a:r>
-              <a:rPr/>
-              <a:t>with</a:t>
-            </a:r>
-            <a:r>
-              <a:rPr/>
-              <a:t> </a:t>
-            </a:r>
-            <a:r>
-              <a:rPr/>
-              <a:t>a</a:t>
-            </a:r>
-            <a:r>
-              <a:rPr/>
-              <a:t> </a:t>
-            </a:r>
-            <a:r>
-              <a:rPr/>
-              <a:t>tint</a:t>
-            </a:r>
-            <a:r>
-              <a:rPr/>
-              <a:t> </a:t>
-            </a:r>
-            <a:r>
-              <a:rPr/>
-              <a:t>of</a:t>
-            </a:r>
-            <a:r>
-              <a:rPr/>
-              <a:t> </a:t>
-            </a:r>
-            <a:r>
-              <a:rPr/>
-              <a:t>red.</a:t>
+              <a:t>beheath.</a:t>
             </a:r>
           </a:p>
         </p:txBody>
@@ -12570,23 +12659,439 @@
             </a:pPr>
             <a:r>
               <a:rPr/>
-              <a:t>If</a:t>
-            </a:r>
-            <a:r>
-              <a:rPr/>
-              <a:t> </a:t>
-            </a:r>
-            <a:r>
-              <a:rPr/>
-              <a:t>two</a:t>
-            </a:r>
-            <a:r>
-              <a:rPr/>
-              <a:t> </a:t>
-            </a:r>
-            <a:r>
-              <a:rPr/>
-              <a:t>points</a:t>
+              <a:t>A</a:t>
+            </a:r>
+            <a:r>
+              <a:rPr/>
+              <a:t> </a:t>
+            </a:r>
+            <a:r>
+              <a:rPr/>
+              <a:t>low</a:t>
+            </a:r>
+            <a:r>
+              <a:rPr/>
+              <a:t> </a:t>
+            </a:r>
+            <a:r>
+              <a:rPr/>
+              <a:t>degree</a:t>
+            </a:r>
+            <a:r>
+              <a:rPr/>
+              <a:t> </a:t>
+            </a:r>
+            <a:r>
+              <a:rPr/>
+              <a:t>of</a:t>
+            </a:r>
+            <a:r>
+              <a:rPr/>
+              <a:t> </a:t>
+            </a:r>
+            <a:r>
+              <a:rPr/>
+              <a:t>opacity</a:t>
+            </a:r>
+            <a:r>
+              <a:rPr/>
+              <a:t> </a:t>
+            </a:r>
+            <a:r>
+              <a:rPr/>
+              <a:t>does</a:t>
+            </a:r>
+            <a:r>
+              <a:rPr/>
+              <a:t> </a:t>
+            </a:r>
+            <a:r>
+              <a:rPr/>
+              <a:t>not</a:t>
+            </a:r>
+            <a:r>
+              <a:rPr/>
+              <a:t> </a:t>
+            </a:r>
+            <a:r>
+              <a:rPr/>
+              <a:t>impy</a:t>
+            </a:r>
+            <a:r>
+              <a:rPr/>
+              <a:t> </a:t>
+            </a:r>
+            <a:r>
+              <a:rPr/>
+              <a:t>a</a:t>
+            </a:r>
+            <a:r>
+              <a:rPr/>
+              <a:t> </a:t>
+            </a:r>
+            <a:r>
+              <a:rPr/>
+              <a:t>lighter</a:t>
+            </a:r>
+            <a:r>
+              <a:rPr/>
+              <a:t> </a:t>
+            </a:r>
+            <a:r>
+              <a:rPr/>
+              <a:t>color.</a:t>
+            </a:r>
+            <a:r>
+              <a:rPr/>
+              <a:t> </a:t>
+            </a:r>
+            <a:r>
+              <a:rPr/>
+              <a:t>It’s</a:t>
+            </a:r>
+            <a:r>
+              <a:rPr/>
+              <a:t> </a:t>
+            </a:r>
+            <a:r>
+              <a:rPr/>
+              <a:t>only</a:t>
+            </a:r>
+            <a:r>
+              <a:rPr/>
+              <a:t> </a:t>
+            </a:r>
+            <a:r>
+              <a:rPr/>
+              <a:t>lighter</a:t>
+            </a:r>
+            <a:r>
+              <a:rPr/>
+              <a:t> </a:t>
+            </a:r>
+            <a:r>
+              <a:rPr/>
+              <a:t>when</a:t>
+            </a:r>
+            <a:r>
+              <a:rPr/>
+              <a:t> </a:t>
+            </a:r>
+            <a:r>
+              <a:rPr/>
+              <a:t>the</a:t>
+            </a:r>
+            <a:r>
+              <a:rPr/>
+              <a:t> </a:t>
+            </a:r>
+            <a:r>
+              <a:rPr/>
+              <a:t>background</a:t>
+            </a:r>
+            <a:r>
+              <a:rPr/>
+              <a:t> </a:t>
+            </a:r>
+            <a:r>
+              <a:rPr/>
+              <a:t>is</a:t>
+            </a:r>
+            <a:r>
+              <a:rPr/>
+              <a:t> </a:t>
+            </a:r>
+            <a:r>
+              <a:rPr/>
+              <a:t>white,</a:t>
+            </a:r>
+            <a:r>
+              <a:rPr/>
+              <a:t> </a:t>
+            </a:r>
+            <a:r>
+              <a:rPr/>
+              <a:t>because</a:t>
+            </a:r>
+            <a:r>
+              <a:rPr/>
+              <a:t> </a:t>
+            </a:r>
+            <a:r>
+              <a:rPr/>
+              <a:t>more</a:t>
+            </a:r>
+            <a:r>
+              <a:rPr/>
+              <a:t> </a:t>
+            </a:r>
+            <a:r>
+              <a:rPr/>
+              <a:t>of</a:t>
+            </a:r>
+            <a:r>
+              <a:rPr/>
+              <a:t> </a:t>
+            </a:r>
+            <a:r>
+              <a:rPr/>
+              <a:t>the</a:t>
+            </a:r>
+            <a:r>
+              <a:rPr/>
+              <a:t> </a:t>
+            </a:r>
+            <a:r>
+              <a:rPr/>
+              <a:t>white</a:t>
+            </a:r>
+            <a:r>
+              <a:rPr/>
+              <a:t> </a:t>
+            </a:r>
+            <a:r>
+              <a:rPr/>
+              <a:t>is</a:t>
+            </a:r>
+            <a:r>
+              <a:rPr/>
+              <a:t> </a:t>
+            </a:r>
+            <a:r>
+              <a:rPr/>
+              <a:t>showing</a:t>
+            </a:r>
+            <a:r>
+              <a:rPr/>
+              <a:t> </a:t>
+            </a:r>
+            <a:r>
+              <a:rPr/>
+              <a:t>through.</a:t>
+            </a:r>
+            <a:r>
+              <a:rPr/>
+              <a:t> </a:t>
+            </a:r>
+            <a:r>
+              <a:rPr/>
+              <a:t>When</a:t>
+            </a:r>
+            <a:r>
+              <a:rPr/>
+              <a:t> </a:t>
+            </a:r>
+            <a:r>
+              <a:rPr/>
+              <a:t>the</a:t>
+            </a:r>
+            <a:r>
+              <a:rPr/>
+              <a:t> </a:t>
+            </a:r>
+            <a:r>
+              <a:rPr/>
+              <a:t>background</a:t>
+            </a:r>
+            <a:r>
+              <a:rPr/>
+              <a:t> </a:t>
+            </a:r>
+            <a:r>
+              <a:rPr/>
+              <a:t>is</a:t>
+            </a:r>
+            <a:r>
+              <a:rPr/>
+              <a:t> </a:t>
+            </a:r>
+            <a:r>
+              <a:rPr/>
+              <a:t>black,</a:t>
+            </a:r>
+            <a:r>
+              <a:rPr/>
+              <a:t> </a:t>
+            </a:r>
+            <a:r>
+              <a:rPr/>
+              <a:t>a</a:t>
+            </a:r>
+            <a:r>
+              <a:rPr/>
+              <a:t> </a:t>
+            </a:r>
+            <a:r>
+              <a:rPr/>
+              <a:t>low</a:t>
+            </a:r>
+            <a:r>
+              <a:rPr/>
+              <a:t> </a:t>
+            </a:r>
+            <a:r>
+              <a:rPr/>
+              <a:t>degree</a:t>
+            </a:r>
+            <a:r>
+              <a:rPr/>
+              <a:t> </a:t>
+            </a:r>
+            <a:r>
+              <a:rPr/>
+              <a:t>of</a:t>
+            </a:r>
+            <a:r>
+              <a:rPr/>
+              <a:t> </a:t>
+            </a:r>
+            <a:r>
+              <a:rPr/>
+              <a:t>opacity</a:t>
+            </a:r>
+            <a:r>
+              <a:rPr/>
+              <a:t> </a:t>
+            </a:r>
+            <a:r>
+              <a:rPr/>
+              <a:t>means</a:t>
+            </a:r>
+            <a:r>
+              <a:rPr/>
+              <a:t> </a:t>
+            </a:r>
+            <a:r>
+              <a:rPr/>
+              <a:t>a</a:t>
+            </a:r>
+            <a:r>
+              <a:rPr/>
+              <a:t> </a:t>
+            </a:r>
+            <a:r>
+              <a:rPr/>
+              <a:t>dar</a:t>
+            </a:r>
+            <a:r>
+              <a:rPr/>
+              <a:t> </a:t>
+            </a:r>
+            <a:r>
+              <a:rPr/>
+              <a:t>red.</a:t>
+            </a:r>
+            <a:r>
+              <a:rPr/>
+              <a:t> </a:t>
+            </a:r>
+            <a:r>
+              <a:rPr/>
+              <a:t>When</a:t>
+            </a:r>
+            <a:r>
+              <a:rPr/>
+              <a:t> </a:t>
+            </a:r>
+            <a:r>
+              <a:rPr/>
+              <a:t>the</a:t>
+            </a:r>
+            <a:r>
+              <a:rPr/>
+              <a:t> </a:t>
+            </a:r>
+            <a:r>
+              <a:rPr/>
+              <a:t>background</a:t>
+            </a:r>
+            <a:r>
+              <a:rPr/>
+              <a:t> </a:t>
+            </a:r>
+            <a:r>
+              <a:rPr/>
+              <a:t>is</a:t>
+            </a:r>
+            <a:r>
+              <a:rPr/>
+              <a:t> </a:t>
+            </a:r>
+            <a:r>
+              <a:rPr/>
+              <a:t>green,</a:t>
+            </a:r>
+            <a:r>
+              <a:rPr/>
+              <a:t> </a:t>
+            </a:r>
+            <a:r>
+              <a:rPr/>
+              <a:t>a</a:t>
+            </a:r>
+            <a:r>
+              <a:rPr/>
+              <a:t> </a:t>
+            </a:r>
+            <a:r>
+              <a:rPr/>
+              <a:t>low</a:t>
+            </a:r>
+            <a:r>
+              <a:rPr/>
+              <a:t> </a:t>
+            </a:r>
+            <a:r>
+              <a:rPr/>
+              <a:t>degree</a:t>
+            </a:r>
+            <a:r>
+              <a:rPr/>
+              <a:t> </a:t>
+            </a:r>
+            <a:r>
+              <a:rPr/>
+              <a:t>of</a:t>
+            </a:r>
+            <a:r>
+              <a:rPr/>
+              <a:t> </a:t>
+            </a:r>
+            <a:r>
+              <a:rPr/>
+              <a:t>opacity</a:t>
+            </a:r>
+            <a:r>
+              <a:rPr/>
+              <a:t> </a:t>
+            </a:r>
+            <a:r>
+              <a:rPr/>
+              <a:t>produces</a:t>
+            </a:r>
+            <a:r>
+              <a:rPr/>
+              <a:t> </a:t>
+            </a:r>
+            <a:r>
+              <a:rPr/>
+              <a:t>a</a:t>
+            </a:r>
+            <a:r>
+              <a:rPr/>
+              <a:t> </a:t>
+            </a:r>
+            <a:r>
+              <a:rPr/>
+              <a:t>darker</a:t>
+            </a:r>
+            <a:r>
+              <a:rPr/>
+              <a:t> </a:t>
+            </a:r>
+            <a:r>
+              <a:rPr/>
+              <a:t>green</a:t>
             </a:r>
             <a:r>
               <a:rPr/>
@@ -12602,71 +13107,31 @@
             </a:r>
             <a:r>
               <a:rPr/>
-              <a:t>high</a:t>
-            </a:r>
-            <a:r>
-              <a:rPr/>
-              <a:t> </a:t>
-            </a:r>
-            <a:r>
-              <a:rPr/>
-              <a:t>opacity</a:t>
-            </a:r>
-            <a:r>
-              <a:rPr/>
-              <a:t> </a:t>
-            </a:r>
-            <a:r>
-              <a:rPr/>
-              <a:t>overlap,</a:t>
-            </a:r>
-            <a:r>
-              <a:rPr/>
-              <a:t> </a:t>
-            </a:r>
-            <a:r>
-              <a:rPr/>
-              <a:t>then</a:t>
-            </a:r>
-            <a:r>
-              <a:rPr/>
-              <a:t> </a:t>
-            </a:r>
-            <a:r>
-              <a:rPr/>
-              <a:t>the</a:t>
-            </a:r>
-            <a:r>
-              <a:rPr/>
-              <a:t> </a:t>
-            </a:r>
-            <a:r>
-              <a:rPr/>
-              <a:t>overlap</a:t>
-            </a:r>
-            <a:r>
-              <a:rPr/>
-              <a:t> </a:t>
-            </a:r>
-            <a:r>
-              <a:rPr/>
-              <a:t>is</a:t>
-            </a:r>
-            <a:r>
-              <a:rPr/>
-              <a:t> </a:t>
-            </a:r>
-            <a:r>
-              <a:rPr/>
-              <a:t>less</a:t>
-            </a:r>
-            <a:r>
-              <a:rPr/>
-              <a:t> </a:t>
-            </a:r>
-            <a:r>
-              <a:rPr/>
-              <a:t>opaque.</a:t>
+              <a:t>a</a:t>
+            </a:r>
+            <a:r>
+              <a:rPr/>
+              <a:t> </a:t>
+            </a:r>
+            <a:r>
+              <a:rPr/>
+              <a:t>tint</a:t>
+            </a:r>
+            <a:r>
+              <a:rPr/>
+              <a:t> </a:t>
+            </a:r>
+            <a:r>
+              <a:rPr/>
+              <a:t>of</a:t>
+            </a:r>
+            <a:r>
+              <a:rPr/>
+              <a:t> </a:t>
+            </a:r>
+            <a:r>
+              <a:rPr/>
+              <a:t>red.</a:t>
             </a:r>
           </a:p>
         </p:txBody>
@@ -12748,31 +13213,87 @@
             </a:pPr>
             <a:r>
               <a:rPr/>
-              <a:t>When</a:t>
-            </a:r>
-            <a:r>
-              <a:rPr/>
-              <a:t> </a:t>
-            </a:r>
-            <a:r>
-              <a:rPr/>
-              <a:t>you</a:t>
-            </a:r>
-            <a:r>
-              <a:rPr/>
-              <a:t> </a:t>
-            </a:r>
-            <a:r>
-              <a:rPr/>
-              <a:t>are</a:t>
-            </a:r>
-            <a:r>
-              <a:rPr/>
-              <a:t> </a:t>
-            </a:r>
-            <a:r>
-              <a:rPr/>
-              <a:t>printing,</a:t>
+              <a:t>If</a:t>
+            </a:r>
+            <a:r>
+              <a:rPr/>
+              <a:t> </a:t>
+            </a:r>
+            <a:r>
+              <a:rPr/>
+              <a:t>two</a:t>
+            </a:r>
+            <a:r>
+              <a:rPr/>
+              <a:t> </a:t>
+            </a:r>
+            <a:r>
+              <a:rPr/>
+              <a:t>points</a:t>
+            </a:r>
+            <a:r>
+              <a:rPr/>
+              <a:t> </a:t>
+            </a:r>
+            <a:r>
+              <a:rPr/>
+              <a:t>with</a:t>
+            </a:r>
+            <a:r>
+              <a:rPr/>
+              <a:t> </a:t>
+            </a:r>
+            <a:r>
+              <a:rPr/>
+              <a:t>high</a:t>
+            </a:r>
+            <a:r>
+              <a:rPr/>
+              <a:t> </a:t>
+            </a:r>
+            <a:r>
+              <a:rPr/>
+              <a:t>opacity</a:t>
+            </a:r>
+            <a:r>
+              <a:rPr/>
+              <a:t> </a:t>
+            </a:r>
+            <a:r>
+              <a:rPr/>
+              <a:t>overlap,</a:t>
+            </a:r>
+            <a:r>
+              <a:rPr/>
+              <a:t> </a:t>
+            </a:r>
+            <a:r>
+              <a:rPr/>
+              <a:t>then</a:t>
+            </a:r>
+            <a:r>
+              <a:rPr/>
+              <a:t> </a:t>
+            </a:r>
+            <a:r>
+              <a:rPr/>
+              <a:t>the</a:t>
+            </a:r>
+            <a:r>
+              <a:rPr/>
+              <a:t> </a:t>
+            </a:r>
+            <a:r>
+              <a:rPr/>
+              <a:t>overlap</a:t>
+            </a:r>
+            <a:r>
+              <a:rPr/>
+              <a:t> </a:t>
+            </a:r>
+            <a:r>
+              <a:rPr/>
+              <a:t>is</a:t>
             </a:r>
             <a:r>
               <a:rPr/>
@@ -12788,119 +13309,31 @@
             </a:r>
             <a:r>
               <a:rPr/>
-              <a:t>of</a:t>
-            </a:r>
-            <a:r>
-              <a:rPr/>
-              <a:t> </a:t>
-            </a:r>
-            <a:r>
-              <a:rPr/>
-              <a:t>something</a:t>
-            </a:r>
-            <a:r>
-              <a:rPr/>
-              <a:t> </a:t>
-            </a:r>
-            <a:r>
-              <a:rPr/>
-              <a:t>makes</a:t>
-            </a:r>
-            <a:r>
-              <a:rPr/>
-              <a:t> </a:t>
-            </a:r>
-            <a:r>
-              <a:rPr/>
-              <a:t>things</a:t>
-            </a:r>
-            <a:r>
-              <a:rPr/>
-              <a:t> </a:t>
-            </a:r>
-            <a:r>
-              <a:rPr/>
-              <a:t>darker.</a:t>
-            </a:r>
-            <a:r>
-              <a:rPr/>
-              <a:t> </a:t>
-            </a:r>
-            <a:r>
-              <a:rPr/>
-              <a:t>This</a:t>
-            </a:r>
-            <a:r>
-              <a:rPr/>
-              <a:t> </a:t>
-            </a:r>
-            <a:r>
-              <a:rPr/>
-              <a:t>is</a:t>
-            </a:r>
-            <a:r>
-              <a:rPr/>
-              <a:t> </a:t>
-            </a:r>
-            <a:r>
-              <a:rPr/>
-              <a:t>the</a:t>
-            </a:r>
-            <a:r>
-              <a:rPr/>
-              <a:t> </a:t>
-            </a:r>
-            <a:r>
-              <a:rPr/>
-              <a:t>exact</a:t>
-            </a:r>
-            <a:r>
-              <a:rPr/>
-              <a:t> </a:t>
-            </a:r>
-            <a:r>
-              <a:rPr/>
-              <a:t>opposite</a:t>
-            </a:r>
-            <a:r>
-              <a:rPr/>
-              <a:t> </a:t>
-            </a:r>
-            <a:r>
-              <a:rPr/>
-              <a:t>of</a:t>
-            </a:r>
-            <a:r>
-              <a:rPr/>
-              <a:t> </a:t>
-            </a:r>
-            <a:r>
-              <a:rPr/>
-              <a:t>a</a:t>
-            </a:r>
-            <a:r>
-              <a:rPr/>
-              <a:t> </a:t>
-            </a:r>
-            <a:r>
-              <a:rPr/>
-              <a:t>computer</a:t>
-            </a:r>
-            <a:r>
-              <a:rPr/>
-              <a:t> </a:t>
-            </a:r>
-            <a:r>
-              <a:rPr/>
-              <a:t>monitor,</a:t>
-            </a:r>
-            <a:r>
-              <a:rPr/>
-              <a:t> </a:t>
-            </a:r>
-            <a:r>
-              <a:rPr/>
-              <a:t>where</a:t>
+              <a:t>opaque.</a:t>
+            </a:r>
+            <a:r>
+              <a:rPr/>
+              <a:t> </a:t>
+            </a:r>
+            <a:r>
+              <a:rPr/>
+              <a:t>It</a:t>
+            </a:r>
+            <a:r>
+              <a:rPr/>
+              <a:t> </a:t>
+            </a:r>
+            <a:r>
+              <a:rPr/>
+              <a:t>becomes</a:t>
+            </a:r>
+            <a:r>
+              <a:rPr/>
+              <a:t> </a:t>
+            </a:r>
+            <a:r>
+              <a:rPr/>
+              <a:t>even</a:t>
             </a:r>
             <a:r>
               <a:rPr/>
@@ -12916,134 +13349,6 @@
             </a:r>
             <a:r>
               <a:rPr/>
-              <a:t>of</a:t>
-            </a:r>
-            <a:r>
-              <a:rPr/>
-              <a:t> </a:t>
-            </a:r>
-            <a:r>
-              <a:rPr/>
-              <a:t>something</a:t>
-            </a:r>
-            <a:r>
-              <a:rPr/>
-              <a:t> </a:t>
-            </a:r>
-            <a:r>
-              <a:rPr/>
-              <a:t>makes</a:t>
-            </a:r>
-            <a:r>
-              <a:rPr/>
-              <a:t> </a:t>
-            </a:r>
-            <a:r>
-              <a:rPr/>
-              <a:t>things</a:t>
-            </a:r>
-            <a:r>
-              <a:rPr/>
-              <a:t> </a:t>
-            </a:r>
-            <a:r>
-              <a:rPr/>
-              <a:t>lighter.</a:t>
-            </a:r>
-            <a:r>
-              <a:rPr/>
-              <a:t> </a:t>
-            </a:r>
-            <a:r>
-              <a:rPr/>
-              <a:t>Also,</a:t>
-            </a:r>
-            <a:r>
-              <a:rPr/>
-              <a:t> </a:t>
-            </a:r>
-            <a:r>
-              <a:rPr/>
-              <a:t>printing</a:t>
-            </a:r>
-            <a:r>
-              <a:rPr/>
-              <a:t> </a:t>
-            </a:r>
-            <a:r>
-              <a:rPr/>
-              <a:t>is</a:t>
-            </a:r>
-            <a:r>
-              <a:rPr/>
-              <a:t> </a:t>
-            </a:r>
-            <a:r>
-              <a:rPr/>
-              <a:t>typically</a:t>
-            </a:r>
-            <a:r>
-              <a:rPr/>
-              <a:t> </a:t>
-            </a:r>
-            <a:r>
-              <a:rPr/>
-              <a:t>done</a:t>
-            </a:r>
-            <a:r>
-              <a:rPr/>
-              <a:t> </a:t>
-            </a:r>
-            <a:r>
-              <a:rPr/>
-              <a:t>on</a:t>
-            </a:r>
-            <a:r>
-              <a:rPr/>
-              <a:t> </a:t>
-            </a:r>
-            <a:r>
-              <a:rPr/>
-              <a:t>a</a:t>
-            </a:r>
-            <a:r>
-              <a:rPr/>
-              <a:t> </a:t>
-            </a:r>
-            <a:r>
-              <a:rPr/>
-              <a:t>sheet</a:t>
-            </a:r>
-            <a:r>
-              <a:rPr/>
-              <a:t> </a:t>
-            </a:r>
-            <a:r>
-              <a:rPr/>
-              <a:t>of</a:t>
-            </a:r>
-            <a:r>
-              <a:rPr/>
-              <a:t> </a:t>
-            </a:r>
-            <a:r>
-              <a:rPr/>
-              <a:t>white</a:t>
-            </a:r>
-            <a:r>
-              <a:rPr/>
-              <a:t> </a:t>
-            </a:r>
-            <a:r>
-              <a:rPr/>
-              <a:t>paper,</a:t>
-            </a:r>
-            <a:r>
-              <a:rPr/>
-              <a:t> </a:t>
-            </a:r>
-            <a:r>
-              <a:rPr/>
               <a:t>so</a:t>
             </a:r>
             <a:r>
@@ -13052,215 +13357,47 @@
             </a:r>
             <a:r>
               <a:rPr/>
-              <a:t>you</a:t>
-            </a:r>
-            <a:r>
-              <a:rPr/>
-              <a:t> </a:t>
-            </a:r>
-            <a:r>
-              <a:rPr/>
-              <a:t>don’t</a:t>
-            </a:r>
-            <a:r>
-              <a:rPr/>
-              <a:t> </a:t>
-            </a:r>
-            <a:r>
-              <a:rPr/>
-              <a:t>need</a:t>
-            </a:r>
-            <a:r>
-              <a:rPr/>
-              <a:t> </a:t>
-            </a:r>
-            <a:r>
-              <a:rPr/>
-              <a:t>to</a:t>
-            </a:r>
-            <a:r>
-              <a:rPr/>
-              <a:t> </a:t>
-            </a:r>
-            <a:r>
-              <a:rPr/>
-              <a:t>put</a:t>
-            </a:r>
-            <a:r>
-              <a:rPr/>
-              <a:t> </a:t>
-            </a:r>
-            <a:r>
-              <a:rPr/>
-              <a:t>any</a:t>
-            </a:r>
-            <a:r>
-              <a:rPr/>
-              <a:t> </a:t>
-            </a:r>
-            <a:r>
-              <a:rPr/>
-              <a:t>ink</a:t>
-            </a:r>
-            <a:r>
-              <a:rPr/>
-              <a:t> </a:t>
-            </a:r>
-            <a:r>
-              <a:rPr/>
-              <a:t>down</a:t>
-            </a:r>
-            <a:r>
-              <a:rPr/>
-              <a:t> </a:t>
-            </a:r>
-            <a:r>
-              <a:rPr/>
-              <a:t>in</a:t>
-            </a:r>
-            <a:r>
-              <a:rPr/>
-              <a:t> </a:t>
-            </a:r>
-            <a:r>
-              <a:rPr/>
-              <a:t>areas</a:t>
-            </a:r>
-            <a:r>
-              <a:rPr/>
-              <a:t> </a:t>
-            </a:r>
-            <a:r>
-              <a:rPr/>
-              <a:t>that</a:t>
-            </a:r>
-            <a:r>
-              <a:rPr/>
-              <a:t> </a:t>
-            </a:r>
-            <a:r>
-              <a:rPr/>
-              <a:t>are</a:t>
-            </a:r>
-            <a:r>
-              <a:rPr/>
-              <a:t> </a:t>
-            </a:r>
-            <a:r>
-              <a:rPr/>
-              <a:t>pure</a:t>
-            </a:r>
-            <a:r>
-              <a:rPr/>
-              <a:t> </a:t>
-            </a:r>
-            <a:r>
-              <a:rPr/>
-              <a:t>white</a:t>
-            </a:r>
-            <a:r>
-              <a:rPr/>
-              <a:t> </a:t>
-            </a:r>
-            <a:r>
-              <a:rPr/>
-              <a:t>and</a:t>
-            </a:r>
-            <a:r>
-              <a:rPr/>
-              <a:t> </a:t>
-            </a:r>
-            <a:r>
-              <a:rPr/>
-              <a:t>you</a:t>
-            </a:r>
-            <a:r>
-              <a:rPr/>
-              <a:t> </a:t>
-            </a:r>
-            <a:r>
-              <a:rPr/>
-              <a:t>put</a:t>
-            </a:r>
-            <a:r>
-              <a:rPr/>
-              <a:t> </a:t>
-            </a:r>
-            <a:r>
-              <a:rPr/>
-              <a:t>very</a:t>
-            </a:r>
-            <a:r>
-              <a:rPr/>
-              <a:t> </a:t>
-            </a:r>
-            <a:r>
-              <a:rPr/>
-              <a:t>little</a:t>
-            </a:r>
-            <a:r>
-              <a:rPr/>
-              <a:t> </a:t>
-            </a:r>
-            <a:r>
-              <a:rPr/>
-              <a:t>ink</a:t>
-            </a:r>
-            <a:r>
-              <a:rPr/>
-              <a:t> </a:t>
-            </a:r>
-            <a:r>
-              <a:rPr/>
-              <a:t>down</a:t>
-            </a:r>
-            <a:r>
-              <a:rPr/>
-              <a:t> </a:t>
-            </a:r>
-            <a:r>
-              <a:rPr/>
-              <a:t>in</a:t>
-            </a:r>
-            <a:r>
-              <a:rPr/>
-              <a:t> </a:t>
-            </a:r>
-            <a:r>
-              <a:rPr/>
-              <a:t>areas</a:t>
-            </a:r>
-            <a:r>
-              <a:rPr/>
-              <a:t> </a:t>
-            </a:r>
-            <a:r>
-              <a:rPr/>
-              <a:t>that</a:t>
-            </a:r>
-            <a:r>
-              <a:rPr/>
-              <a:t> </a:t>
-            </a:r>
-            <a:r>
-              <a:rPr/>
-              <a:t>are</a:t>
-            </a:r>
-            <a:r>
-              <a:rPr/>
-              <a:t> </a:t>
-            </a:r>
-            <a:r>
-              <a:rPr/>
-              <a:t>nearly</a:t>
-            </a:r>
-            <a:r>
-              <a:rPr/>
-              <a:t> </a:t>
-            </a:r>
-            <a:r>
-              <a:rPr/>
-              <a:t>white.</a:t>
+              <a:t>when</a:t>
+            </a:r>
+            <a:r>
+              <a:rPr/>
+              <a:t> </a:t>
+            </a:r>
+            <a:r>
+              <a:rPr/>
+              <a:t>three</a:t>
+            </a:r>
+            <a:r>
+              <a:rPr/>
+              <a:t> </a:t>
+            </a:r>
+            <a:r>
+              <a:rPr/>
+              <a:t>or</a:t>
+            </a:r>
+            <a:r>
+              <a:rPr/>
+              <a:t> </a:t>
+            </a:r>
+            <a:r>
+              <a:rPr/>
+              <a:t>four</a:t>
+            </a:r>
+            <a:r>
+              <a:rPr/>
+              <a:t> </a:t>
+            </a:r>
+            <a:r>
+              <a:rPr/>
+              <a:t>points</a:t>
+            </a:r>
+            <a:r>
+              <a:rPr/>
+              <a:t> </a:t>
+            </a:r>
+            <a:r>
+              <a:rPr/>
+              <a:t>overlap.</a:t>
             </a:r>
           </a:p>
         </p:txBody>
@@ -13342,6 +13479,600 @@
             </a:pPr>
             <a:r>
               <a:rPr/>
+              <a:t>When</a:t>
+            </a:r>
+            <a:r>
+              <a:rPr/>
+              <a:t> </a:t>
+            </a:r>
+            <a:r>
+              <a:rPr/>
+              <a:t>you</a:t>
+            </a:r>
+            <a:r>
+              <a:rPr/>
+              <a:t> </a:t>
+            </a:r>
+            <a:r>
+              <a:rPr/>
+              <a:t>are</a:t>
+            </a:r>
+            <a:r>
+              <a:rPr/>
+              <a:t> </a:t>
+            </a:r>
+            <a:r>
+              <a:rPr/>
+              <a:t>printing,</a:t>
+            </a:r>
+            <a:r>
+              <a:rPr/>
+              <a:t> </a:t>
+            </a:r>
+            <a:r>
+              <a:rPr/>
+              <a:t>more</a:t>
+            </a:r>
+            <a:r>
+              <a:rPr/>
+              <a:t> </a:t>
+            </a:r>
+            <a:r>
+              <a:rPr/>
+              <a:t>of</a:t>
+            </a:r>
+            <a:r>
+              <a:rPr/>
+              <a:t> </a:t>
+            </a:r>
+            <a:r>
+              <a:rPr/>
+              <a:t>something</a:t>
+            </a:r>
+            <a:r>
+              <a:rPr/>
+              <a:t> </a:t>
+            </a:r>
+            <a:r>
+              <a:rPr/>
+              <a:t>makes</a:t>
+            </a:r>
+            <a:r>
+              <a:rPr/>
+              <a:t> </a:t>
+            </a:r>
+            <a:r>
+              <a:rPr/>
+              <a:t>things</a:t>
+            </a:r>
+            <a:r>
+              <a:rPr/>
+              <a:t> </a:t>
+            </a:r>
+            <a:r>
+              <a:rPr/>
+              <a:t>darker.</a:t>
+            </a:r>
+            <a:r>
+              <a:rPr/>
+              <a:t> </a:t>
+            </a:r>
+            <a:r>
+              <a:rPr/>
+              <a:t>This</a:t>
+            </a:r>
+            <a:r>
+              <a:rPr/>
+              <a:t> </a:t>
+            </a:r>
+            <a:r>
+              <a:rPr/>
+              <a:t>is</a:t>
+            </a:r>
+            <a:r>
+              <a:rPr/>
+              <a:t> </a:t>
+            </a:r>
+            <a:r>
+              <a:rPr/>
+              <a:t>the</a:t>
+            </a:r>
+            <a:r>
+              <a:rPr/>
+              <a:t> </a:t>
+            </a:r>
+            <a:r>
+              <a:rPr/>
+              <a:t>exact</a:t>
+            </a:r>
+            <a:r>
+              <a:rPr/>
+              <a:t> </a:t>
+            </a:r>
+            <a:r>
+              <a:rPr/>
+              <a:t>opposite</a:t>
+            </a:r>
+            <a:r>
+              <a:rPr/>
+              <a:t> </a:t>
+            </a:r>
+            <a:r>
+              <a:rPr/>
+              <a:t>of</a:t>
+            </a:r>
+            <a:r>
+              <a:rPr/>
+              <a:t> </a:t>
+            </a:r>
+            <a:r>
+              <a:rPr/>
+              <a:t>a</a:t>
+            </a:r>
+            <a:r>
+              <a:rPr/>
+              <a:t> </a:t>
+            </a:r>
+            <a:r>
+              <a:rPr/>
+              <a:t>computer</a:t>
+            </a:r>
+            <a:r>
+              <a:rPr/>
+              <a:t> </a:t>
+            </a:r>
+            <a:r>
+              <a:rPr/>
+              <a:t>monitor,</a:t>
+            </a:r>
+            <a:r>
+              <a:rPr/>
+              <a:t> </a:t>
+            </a:r>
+            <a:r>
+              <a:rPr/>
+              <a:t>where</a:t>
+            </a:r>
+            <a:r>
+              <a:rPr/>
+              <a:t> </a:t>
+            </a:r>
+            <a:r>
+              <a:rPr/>
+              <a:t>more</a:t>
+            </a:r>
+            <a:r>
+              <a:rPr/>
+              <a:t> </a:t>
+            </a:r>
+            <a:r>
+              <a:rPr/>
+              <a:t>of</a:t>
+            </a:r>
+            <a:r>
+              <a:rPr/>
+              <a:t> </a:t>
+            </a:r>
+            <a:r>
+              <a:rPr/>
+              <a:t>something</a:t>
+            </a:r>
+            <a:r>
+              <a:rPr/>
+              <a:t> </a:t>
+            </a:r>
+            <a:r>
+              <a:rPr/>
+              <a:t>makes</a:t>
+            </a:r>
+            <a:r>
+              <a:rPr/>
+              <a:t> </a:t>
+            </a:r>
+            <a:r>
+              <a:rPr/>
+              <a:t>things</a:t>
+            </a:r>
+            <a:r>
+              <a:rPr/>
+              <a:t> </a:t>
+            </a:r>
+            <a:r>
+              <a:rPr/>
+              <a:t>lighter.</a:t>
+            </a:r>
+            <a:r>
+              <a:rPr/>
+              <a:t> </a:t>
+            </a:r>
+            <a:r>
+              <a:rPr/>
+              <a:t>Also,</a:t>
+            </a:r>
+            <a:r>
+              <a:rPr/>
+              <a:t> </a:t>
+            </a:r>
+            <a:r>
+              <a:rPr/>
+              <a:t>printing</a:t>
+            </a:r>
+            <a:r>
+              <a:rPr/>
+              <a:t> </a:t>
+            </a:r>
+            <a:r>
+              <a:rPr/>
+              <a:t>is</a:t>
+            </a:r>
+            <a:r>
+              <a:rPr/>
+              <a:t> </a:t>
+            </a:r>
+            <a:r>
+              <a:rPr/>
+              <a:t>typically</a:t>
+            </a:r>
+            <a:r>
+              <a:rPr/>
+              <a:t> </a:t>
+            </a:r>
+            <a:r>
+              <a:rPr/>
+              <a:t>done</a:t>
+            </a:r>
+            <a:r>
+              <a:rPr/>
+              <a:t> </a:t>
+            </a:r>
+            <a:r>
+              <a:rPr/>
+              <a:t>on</a:t>
+            </a:r>
+            <a:r>
+              <a:rPr/>
+              <a:t> </a:t>
+            </a:r>
+            <a:r>
+              <a:rPr/>
+              <a:t>a</a:t>
+            </a:r>
+            <a:r>
+              <a:rPr/>
+              <a:t> </a:t>
+            </a:r>
+            <a:r>
+              <a:rPr/>
+              <a:t>sheet</a:t>
+            </a:r>
+            <a:r>
+              <a:rPr/>
+              <a:t> </a:t>
+            </a:r>
+            <a:r>
+              <a:rPr/>
+              <a:t>of</a:t>
+            </a:r>
+            <a:r>
+              <a:rPr/>
+              <a:t> </a:t>
+            </a:r>
+            <a:r>
+              <a:rPr/>
+              <a:t>white</a:t>
+            </a:r>
+            <a:r>
+              <a:rPr/>
+              <a:t> </a:t>
+            </a:r>
+            <a:r>
+              <a:rPr/>
+              <a:t>paper,</a:t>
+            </a:r>
+            <a:r>
+              <a:rPr/>
+              <a:t> </a:t>
+            </a:r>
+            <a:r>
+              <a:rPr/>
+              <a:t>so</a:t>
+            </a:r>
+            <a:r>
+              <a:rPr/>
+              <a:t> </a:t>
+            </a:r>
+            <a:r>
+              <a:rPr/>
+              <a:t>you</a:t>
+            </a:r>
+            <a:r>
+              <a:rPr/>
+              <a:t> </a:t>
+            </a:r>
+            <a:r>
+              <a:rPr/>
+              <a:t>don’t</a:t>
+            </a:r>
+            <a:r>
+              <a:rPr/>
+              <a:t> </a:t>
+            </a:r>
+            <a:r>
+              <a:rPr/>
+              <a:t>need</a:t>
+            </a:r>
+            <a:r>
+              <a:rPr/>
+              <a:t> </a:t>
+            </a:r>
+            <a:r>
+              <a:rPr/>
+              <a:t>to</a:t>
+            </a:r>
+            <a:r>
+              <a:rPr/>
+              <a:t> </a:t>
+            </a:r>
+            <a:r>
+              <a:rPr/>
+              <a:t>put</a:t>
+            </a:r>
+            <a:r>
+              <a:rPr/>
+              <a:t> </a:t>
+            </a:r>
+            <a:r>
+              <a:rPr/>
+              <a:t>any</a:t>
+            </a:r>
+            <a:r>
+              <a:rPr/>
+              <a:t> </a:t>
+            </a:r>
+            <a:r>
+              <a:rPr/>
+              <a:t>ink</a:t>
+            </a:r>
+            <a:r>
+              <a:rPr/>
+              <a:t> </a:t>
+            </a:r>
+            <a:r>
+              <a:rPr/>
+              <a:t>down</a:t>
+            </a:r>
+            <a:r>
+              <a:rPr/>
+              <a:t> </a:t>
+            </a:r>
+            <a:r>
+              <a:rPr/>
+              <a:t>in</a:t>
+            </a:r>
+            <a:r>
+              <a:rPr/>
+              <a:t> </a:t>
+            </a:r>
+            <a:r>
+              <a:rPr/>
+              <a:t>areas</a:t>
+            </a:r>
+            <a:r>
+              <a:rPr/>
+              <a:t> </a:t>
+            </a:r>
+            <a:r>
+              <a:rPr/>
+              <a:t>that</a:t>
+            </a:r>
+            <a:r>
+              <a:rPr/>
+              <a:t> </a:t>
+            </a:r>
+            <a:r>
+              <a:rPr/>
+              <a:t>are</a:t>
+            </a:r>
+            <a:r>
+              <a:rPr/>
+              <a:t> </a:t>
+            </a:r>
+            <a:r>
+              <a:rPr/>
+              <a:t>pure</a:t>
+            </a:r>
+            <a:r>
+              <a:rPr/>
+              <a:t> </a:t>
+            </a:r>
+            <a:r>
+              <a:rPr/>
+              <a:t>white</a:t>
+            </a:r>
+            <a:r>
+              <a:rPr/>
+              <a:t> </a:t>
+            </a:r>
+            <a:r>
+              <a:rPr/>
+              <a:t>and</a:t>
+            </a:r>
+            <a:r>
+              <a:rPr/>
+              <a:t> </a:t>
+            </a:r>
+            <a:r>
+              <a:rPr/>
+              <a:t>you</a:t>
+            </a:r>
+            <a:r>
+              <a:rPr/>
+              <a:t> </a:t>
+            </a:r>
+            <a:r>
+              <a:rPr/>
+              <a:t>put</a:t>
+            </a:r>
+            <a:r>
+              <a:rPr/>
+              <a:t> </a:t>
+            </a:r>
+            <a:r>
+              <a:rPr/>
+              <a:t>very</a:t>
+            </a:r>
+            <a:r>
+              <a:rPr/>
+              <a:t> </a:t>
+            </a:r>
+            <a:r>
+              <a:rPr/>
+              <a:t>little</a:t>
+            </a:r>
+            <a:r>
+              <a:rPr/>
+              <a:t> </a:t>
+            </a:r>
+            <a:r>
+              <a:rPr/>
+              <a:t>ink</a:t>
+            </a:r>
+            <a:r>
+              <a:rPr/>
+              <a:t> </a:t>
+            </a:r>
+            <a:r>
+              <a:rPr/>
+              <a:t>down</a:t>
+            </a:r>
+            <a:r>
+              <a:rPr/>
+              <a:t> </a:t>
+            </a:r>
+            <a:r>
+              <a:rPr/>
+              <a:t>in</a:t>
+            </a:r>
+            <a:r>
+              <a:rPr/>
+              <a:t> </a:t>
+            </a:r>
+            <a:r>
+              <a:rPr/>
+              <a:t>areas</a:t>
+            </a:r>
+            <a:r>
+              <a:rPr/>
+              <a:t> </a:t>
+            </a:r>
+            <a:r>
+              <a:rPr/>
+              <a:t>that</a:t>
+            </a:r>
+            <a:r>
+              <a:rPr/>
+              <a:t> </a:t>
+            </a:r>
+            <a:r>
+              <a:rPr/>
+              <a:t>are</a:t>
+            </a:r>
+            <a:r>
+              <a:rPr/>
+              <a:t> </a:t>
+            </a:r>
+            <a:r>
+              <a:rPr/>
+              <a:t>nearly</a:t>
+            </a:r>
+            <a:r>
+              <a:rPr/>
+              <a:t> </a:t>
+            </a:r>
+            <a:r>
+              <a:rPr/>
+              <a:t>white.</a:t>
+            </a:r>
+          </a:p>
+        </p:txBody>
+      </p:sp>
+      <p:sp>
+        <p:nvSpPr>
+          <p:cNvPr id="4" name="Slide Number Placeholder 3"/>
+          <p:cNvSpPr>
+            <a:spLocks noGrp="1"/>
+          </p:cNvSpPr>
+          <p:nvPr>
+            <p:ph type="sldNum" sz="quarter" idx="10"/>
+          </p:nvPr>
+        </p:nvSpPr>
+        <p:spPr/>
+        <p:txBody>
+          <a:bodyPr/>
+          <a:lstStyle/>
+          <a:p>
+            <a:fld id="{18BDFEC3-8487-43E8-A154-7C12CBC1FFF2}" type="slidenum">
+              <a:rPr lang="en-US"/>
+              <a:t>50</a:t>
+            </a:fld>
+            <a:endParaRPr lang="en-US"/>
+          </a:p>
+        </p:txBody>
+      </p:sp>
+    </p:spTree>
+  </p:cSld>
+</p:notes>
+</file>
+
+<file path=ppt/notesSlides/notesSlide38.xml><?xml version="1.0" encoding="utf-8"?>
+<p:notes xmlns:a="http://schemas.openxmlformats.org/drawingml/2006/main" xmlns:r="http://schemas.openxmlformats.org/officeDocument/2006/relationships" xmlns:p="http://schemas.openxmlformats.org/presentationml/2006/main">
+  <p:cSld>
+    <p:spTree>
+      <p:nvGrpSpPr>
+        <p:cNvPr id="1" name=""/>
+        <p:cNvGrpSpPr/>
+        <p:nvPr/>
+      </p:nvGrpSpPr>
+      <p:grpSpPr>
+        <a:xfrm>
+          <a:off x="0" y="0"/>
+          <a:ext cx="0" cy="0"/>
+          <a:chOff x="0" y="0"/>
+          <a:chExt cx="0" cy="0"/>
+        </a:xfrm>
+      </p:grpSpPr>
+      <p:sp>
+        <p:nvSpPr>
+          <p:cNvPr id="2" name="Slide Image Placeholder 1"/>
+          <p:cNvSpPr>
+            <a:spLocks noGrp="1" noRot="1" noChangeAspect="1"/>
+          </p:cNvSpPr>
+          <p:nvPr>
+            <p:ph type="sldImg"/>
+          </p:nvPr>
+        </p:nvSpPr>
+        <p:spPr/>
+      </p:sp>
+      <p:sp>
+        <p:nvSpPr>
+          <p:cNvPr id="3" name="Notes Placeholder 2"/>
+          <p:cNvSpPr>
+            <a:spLocks noGrp="1"/>
+          </p:cNvSpPr>
+          <p:nvPr>
+            <p:ph type="body" idx="1"/>
+          </p:nvPr>
+        </p:nvSpPr>
+        <p:spPr/>
+        <p:txBody>
+          <a:bodyPr/>
+          <a:lstStyle/>
+          <a:p>
+            <a:pPr lvl="0" marL="0" indent="0">
+              <a:buNone/>
+            </a:pPr>
+            <a:r>
+              <a:rPr/>
               <a:t>The</a:t>
             </a:r>
             <a:r>
@@ -13350,15 +14081,15 @@
             </a:r>
             <a:r>
               <a:rPr/>
-              <a:t>kindergarten</a:t>
-            </a:r>
-            <a:r>
-              <a:rPr/>
-              <a:t> </a:t>
-            </a:r>
-            <a:r>
-              <a:rPr/>
-              <a:t>view</a:t>
+              <a:t>building</a:t>
+            </a:r>
+            <a:r>
+              <a:rPr/>
+              <a:t> </a:t>
+            </a:r>
+            <a:r>
+              <a:rPr/>
+              <a:t>blocks</a:t>
             </a:r>
             <a:r>
               <a:rPr/>
@@ -13374,6 +14105,38 @@
             </a:r>
             <a:r>
               <a:rPr/>
+              <a:t>the</a:t>
+            </a:r>
+            <a:r>
+              <a:rPr/>
+              <a:t> </a:t>
+            </a:r>
+            <a:r>
+              <a:rPr/>
+              <a:t>CMYK</a:t>
+            </a:r>
+            <a:r>
+              <a:rPr/>
+              <a:t> </a:t>
+            </a:r>
+            <a:r>
+              <a:rPr/>
+              <a:t>are</a:t>
+            </a:r>
+            <a:r>
+              <a:rPr/>
+              <a:t> </a:t>
+            </a:r>
+            <a:r>
+              <a:rPr/>
+              <a:t>the</a:t>
+            </a:r>
+            <a:r>
+              <a:rPr/>
+              <a:t> </a:t>
+            </a:r>
+            <a:r>
+              <a:rPr/>
               <a:t>colors</a:t>
             </a:r>
             <a:r>
@@ -13382,7 +14145,413 @@
             </a:r>
             <a:r>
               <a:rPr/>
-              <a:t>(red</a:t>
+              <a:t>cyan,</a:t>
+            </a:r>
+            <a:r>
+              <a:rPr/>
+              <a:t> </a:t>
+            </a:r>
+            <a:r>
+              <a:rPr/>
+              <a:t>magenta,</a:t>
+            </a:r>
+            <a:r>
+              <a:rPr/>
+              <a:t> </a:t>
+            </a:r>
+            <a:r>
+              <a:rPr/>
+              <a:t>yellow</a:t>
+            </a:r>
+            <a:r>
+              <a:rPr/>
+              <a:t> </a:t>
+            </a:r>
+            <a:r>
+              <a:rPr/>
+              <a:t>and</a:t>
+            </a:r>
+            <a:r>
+              <a:rPr/>
+              <a:t> </a:t>
+            </a:r>
+            <a:r>
+              <a:rPr/>
+              <a:t>K=black.</a:t>
+            </a:r>
+            <a:r>
+              <a:rPr/>
+              <a:t> </a:t>
+            </a:r>
+            <a:r>
+              <a:rPr/>
+              <a:t>You</a:t>
+            </a:r>
+            <a:r>
+              <a:rPr/>
+              <a:t> </a:t>
+            </a:r>
+            <a:r>
+              <a:rPr/>
+              <a:t>don’t</a:t>
+            </a:r>
+            <a:r>
+              <a:rPr/>
+              <a:t> </a:t>
+            </a:r>
+            <a:r>
+              <a:rPr/>
+              <a:t>want</a:t>
+            </a:r>
+            <a:r>
+              <a:rPr/>
+              <a:t> </a:t>
+            </a:r>
+            <a:r>
+              <a:rPr/>
+              <a:t>the</a:t>
+            </a:r>
+            <a:r>
+              <a:rPr/>
+              <a:t> </a:t>
+            </a:r>
+            <a:r>
+              <a:rPr/>
+              <a:t>letter</a:t>
+            </a:r>
+            <a:r>
+              <a:rPr/>
+              <a:t> </a:t>
+            </a:r>
+            <a:r>
+              <a:rPr/>
+              <a:t>B</a:t>
+            </a:r>
+            <a:r>
+              <a:rPr/>
+              <a:t> </a:t>
+            </a:r>
+            <a:r>
+              <a:rPr/>
+              <a:t>for</a:t>
+            </a:r>
+            <a:r>
+              <a:rPr/>
+              <a:t> </a:t>
+            </a:r>
+            <a:r>
+              <a:rPr/>
+              <a:t>black</a:t>
+            </a:r>
+            <a:r>
+              <a:rPr/>
+              <a:t> </a:t>
+            </a:r>
+            <a:r>
+              <a:rPr/>
+              <a:t>because</a:t>
+            </a:r>
+            <a:r>
+              <a:rPr/>
+              <a:t> </a:t>
+            </a:r>
+            <a:r>
+              <a:rPr/>
+              <a:t>it</a:t>
+            </a:r>
+            <a:r>
+              <a:rPr/>
+              <a:t> </a:t>
+            </a:r>
+            <a:r>
+              <a:rPr/>
+              <a:t>might</a:t>
+            </a:r>
+            <a:r>
+              <a:rPr/>
+              <a:t> </a:t>
+            </a:r>
+            <a:r>
+              <a:rPr/>
+              <a:t>get</a:t>
+            </a:r>
+            <a:r>
+              <a:rPr/>
+              <a:t> </a:t>
+            </a:r>
+            <a:r>
+              <a:rPr/>
+              <a:t>confused</a:t>
+            </a:r>
+            <a:r>
+              <a:rPr/>
+              <a:t> </a:t>
+            </a:r>
+            <a:r>
+              <a:rPr/>
+              <a:t>with</a:t>
+            </a:r>
+            <a:r>
+              <a:rPr/>
+              <a:t> </a:t>
+            </a:r>
+            <a:r>
+              <a:rPr/>
+              <a:t>the</a:t>
+            </a:r>
+            <a:r>
+              <a:rPr/>
+              <a:t> </a:t>
+            </a:r>
+            <a:r>
+              <a:rPr/>
+              <a:t>B</a:t>
+            </a:r>
+            <a:r>
+              <a:rPr/>
+              <a:t> </a:t>
+            </a:r>
+            <a:r>
+              <a:rPr/>
+              <a:t>for</a:t>
+            </a:r>
+            <a:r>
+              <a:rPr/>
+              <a:t> </a:t>
+            </a:r>
+            <a:r>
+              <a:rPr/>
+              <a:t>blue</a:t>
+            </a:r>
+            <a:r>
+              <a:rPr/>
+              <a:t> </a:t>
+            </a:r>
+            <a:r>
+              <a:rPr/>
+              <a:t>in</a:t>
+            </a:r>
+            <a:r>
+              <a:rPr/>
+              <a:t> </a:t>
+            </a:r>
+            <a:r>
+              <a:rPr/>
+              <a:t>an</a:t>
+            </a:r>
+            <a:r>
+              <a:rPr/>
+              <a:t> </a:t>
+            </a:r>
+            <a:r>
+              <a:rPr/>
+              <a:t>RGB</a:t>
+            </a:r>
+            <a:r>
+              <a:rPr/>
+              <a:t> </a:t>
+            </a:r>
+            <a:r>
+              <a:rPr/>
+              <a:t>system.</a:t>
+            </a:r>
+          </a:p>
+          <a:p>
+            <a:pPr lvl="0" marL="0" indent="0">
+              <a:buNone/>
+            </a:pPr>
+          </a:p>
+          <a:p>
+            <a:pPr lvl="0" marL="0" indent="0">
+              <a:buNone/>
+            </a:pPr>
+            <a:r>
+              <a:rPr/>
+              <a:t>The</a:t>
+            </a:r>
+            <a:r>
+              <a:rPr/>
+              <a:t> </a:t>
+            </a:r>
+            <a:r>
+              <a:rPr/>
+              <a:t>combination</a:t>
+            </a:r>
+            <a:r>
+              <a:rPr/>
+              <a:t> </a:t>
+            </a:r>
+            <a:r>
+              <a:rPr/>
+              <a:t>of</a:t>
+            </a:r>
+            <a:r>
+              <a:rPr/>
+              <a:t> </a:t>
+            </a:r>
+            <a:r>
+              <a:rPr/>
+              <a:t>colors</a:t>
+            </a:r>
+            <a:r>
+              <a:rPr/>
+              <a:t> </a:t>
+            </a:r>
+            <a:r>
+              <a:rPr/>
+              <a:t>in</a:t>
+            </a:r>
+            <a:r>
+              <a:rPr/>
+              <a:t> </a:t>
+            </a:r>
+            <a:r>
+              <a:rPr/>
+              <a:t>a</a:t>
+            </a:r>
+            <a:r>
+              <a:rPr/>
+              <a:t> </a:t>
+            </a:r>
+            <a:r>
+              <a:rPr/>
+              <a:t>CMYK</a:t>
+            </a:r>
+            <a:r>
+              <a:rPr/>
+              <a:t> </a:t>
+            </a:r>
+            <a:r>
+              <a:rPr/>
+              <a:t>system</a:t>
+            </a:r>
+            <a:r>
+              <a:rPr/>
+              <a:t> </a:t>
+            </a:r>
+            <a:r>
+              <a:rPr/>
+              <a:t>works</a:t>
+            </a:r>
+            <a:r>
+              <a:rPr/>
+              <a:t> </a:t>
+            </a:r>
+            <a:r>
+              <a:rPr/>
+              <a:t>in</a:t>
+            </a:r>
+            <a:r>
+              <a:rPr/>
+              <a:t> </a:t>
+            </a:r>
+            <a:r>
+              <a:rPr/>
+              <a:t>a</a:t>
+            </a:r>
+            <a:r>
+              <a:rPr/>
+              <a:t> </a:t>
+            </a:r>
+            <a:r>
+              <a:rPr/>
+              <a:t>complementary</a:t>
+            </a:r>
+            <a:r>
+              <a:rPr/>
+              <a:t> </a:t>
+            </a:r>
+            <a:r>
+              <a:rPr/>
+              <a:t>way</a:t>
+            </a:r>
+            <a:r>
+              <a:rPr/>
+              <a:t> </a:t>
+            </a:r>
+            <a:r>
+              <a:rPr/>
+              <a:t>to</a:t>
+            </a:r>
+            <a:r>
+              <a:rPr/>
+              <a:t> </a:t>
+            </a:r>
+            <a:r>
+              <a:rPr/>
+              <a:t>RGB.</a:t>
+            </a:r>
+            <a:r>
+              <a:rPr/>
+              <a:t> </a:t>
+            </a:r>
+            <a:r>
+              <a:rPr/>
+              <a:t>The</a:t>
+            </a:r>
+            <a:r>
+              <a:rPr/>
+              <a:t> </a:t>
+            </a:r>
+            <a:r>
+              <a:rPr/>
+              <a:t>combinations</a:t>
+            </a:r>
+            <a:r>
+              <a:rPr/>
+              <a:t> </a:t>
+            </a:r>
+            <a:r>
+              <a:rPr/>
+              <a:t>of</a:t>
+            </a:r>
+            <a:r>
+              <a:rPr/>
+              <a:t> </a:t>
+            </a:r>
+            <a:r>
+              <a:rPr/>
+              <a:t>cyan</a:t>
+            </a:r>
+            <a:r>
+              <a:rPr/>
+              <a:t> </a:t>
+            </a:r>
+            <a:r>
+              <a:rPr/>
+              <a:t>and</a:t>
+            </a:r>
+            <a:r>
+              <a:rPr/>
+              <a:t> </a:t>
+            </a:r>
+            <a:r>
+              <a:rPr/>
+              <a:t>magenta</a:t>
+            </a:r>
+            <a:r>
+              <a:rPr/>
+              <a:t> </a:t>
+            </a:r>
+            <a:r>
+              <a:rPr/>
+              <a:t>produces</a:t>
+            </a:r>
+            <a:r>
+              <a:rPr/>
+              <a:t> </a:t>
+            </a:r>
+            <a:r>
+              <a:rPr/>
+              <a:t>blue,</a:t>
+            </a:r>
+            <a:r>
+              <a:rPr/>
+              <a:t> </a:t>
+            </a:r>
+            <a:r>
+              <a:rPr/>
+              <a:t>cyan</a:t>
             </a:r>
             <a:r>
               <a:rPr/>
@@ -13406,23 +14575,1341 @@
             </a:r>
             <a:r>
               <a:rPr/>
-              <a:t>equals</a:t>
-            </a:r>
-            <a:r>
-              <a:rPr/>
-              <a:t> </a:t>
-            </a:r>
-            <a:r>
-              <a:rPr/>
-              <a:t>orange)</a:t>
-            </a:r>
-            <a:r>
-              <a:rPr/>
-              <a:t> </a:t>
-            </a:r>
-            <a:r>
-              <a:rPr/>
-              <a:t>doesn’t</a:t>
+              <a:t>produces</a:t>
+            </a:r>
+            <a:r>
+              <a:rPr/>
+              <a:t> </a:t>
+            </a:r>
+            <a:r>
+              <a:rPr/>
+              <a:t>green,</a:t>
+            </a:r>
+            <a:r>
+              <a:rPr/>
+              <a:t> </a:t>
+            </a:r>
+            <a:r>
+              <a:rPr/>
+              <a:t>and</a:t>
+            </a:r>
+            <a:r>
+              <a:rPr/>
+              <a:t> </a:t>
+            </a:r>
+            <a:r>
+              <a:rPr/>
+              <a:t>magenta</a:t>
+            </a:r>
+            <a:r>
+              <a:rPr/>
+              <a:t> </a:t>
+            </a:r>
+            <a:r>
+              <a:rPr/>
+              <a:t>plus</a:t>
+            </a:r>
+            <a:r>
+              <a:rPr/>
+              <a:t> </a:t>
+            </a:r>
+            <a:r>
+              <a:rPr/>
+              <a:t>yellow</a:t>
+            </a:r>
+            <a:r>
+              <a:rPr/>
+              <a:t> </a:t>
+            </a:r>
+            <a:r>
+              <a:rPr/>
+              <a:t>produces</a:t>
+            </a:r>
+            <a:r>
+              <a:rPr/>
+              <a:t> </a:t>
+            </a:r>
+            <a:r>
+              <a:rPr/>
+              <a:t>red.</a:t>
+            </a:r>
+          </a:p>
+        </p:txBody>
+      </p:sp>
+      <p:sp>
+        <p:nvSpPr>
+          <p:cNvPr id="4" name="Slide Number Placeholder 3"/>
+          <p:cNvSpPr>
+            <a:spLocks noGrp="1"/>
+          </p:cNvSpPr>
+          <p:nvPr>
+            <p:ph type="sldNum" sz="quarter" idx="10"/>
+          </p:nvPr>
+        </p:nvSpPr>
+        <p:spPr/>
+        <p:txBody>
+          <a:bodyPr/>
+          <a:lstStyle/>
+          <a:p>
+            <a:fld id="{18BDFEC3-8487-43E8-A154-7C12CBC1FFF2}" type="slidenum">
+              <a:rPr lang="en-US"/>
+              <a:t>51</a:t>
+            </a:fld>
+            <a:endParaRPr lang="en-US"/>
+          </a:p>
+        </p:txBody>
+      </p:sp>
+    </p:spTree>
+  </p:cSld>
+</p:notes>
+</file>
+
+<file path=ppt/notesSlides/notesSlide39.xml><?xml version="1.0" encoding="utf-8"?>
+<p:notes xmlns:a="http://schemas.openxmlformats.org/drawingml/2006/main" xmlns:r="http://schemas.openxmlformats.org/officeDocument/2006/relationships" xmlns:p="http://schemas.openxmlformats.org/presentationml/2006/main">
+  <p:cSld>
+    <p:spTree>
+      <p:nvGrpSpPr>
+        <p:cNvPr id="1" name=""/>
+        <p:cNvGrpSpPr/>
+        <p:nvPr/>
+      </p:nvGrpSpPr>
+      <p:grpSpPr>
+        <a:xfrm>
+          <a:off x="0" y="0"/>
+          <a:ext cx="0" cy="0"/>
+          <a:chOff x="0" y="0"/>
+          <a:chExt cx="0" cy="0"/>
+        </a:xfrm>
+      </p:grpSpPr>
+      <p:sp>
+        <p:nvSpPr>
+          <p:cNvPr id="2" name="Slide Image Placeholder 1"/>
+          <p:cNvSpPr>
+            <a:spLocks noGrp="1" noRot="1" noChangeAspect="1"/>
+          </p:cNvSpPr>
+          <p:nvPr>
+            <p:ph type="sldImg"/>
+          </p:nvPr>
+        </p:nvSpPr>
+        <p:spPr/>
+      </p:sp>
+      <p:sp>
+        <p:nvSpPr>
+          <p:cNvPr id="3" name="Notes Placeholder 2"/>
+          <p:cNvSpPr>
+            <a:spLocks noGrp="1"/>
+          </p:cNvSpPr>
+          <p:nvPr>
+            <p:ph type="body" idx="1"/>
+          </p:nvPr>
+        </p:nvSpPr>
+        <p:spPr/>
+        <p:txBody>
+          <a:bodyPr/>
+          <a:lstStyle/>
+          <a:p>
+            <a:pPr lvl="0" marL="0" indent="0">
+              <a:buNone/>
+            </a:pPr>
+            <a:r>
+              <a:rPr/>
+              <a:t>The</a:t>
+            </a:r>
+            <a:r>
+              <a:rPr/>
+              <a:t> </a:t>
+            </a:r>
+            <a:r>
+              <a:rPr/>
+              <a:t>CYMK</a:t>
+            </a:r>
+            <a:r>
+              <a:rPr/>
+              <a:t> </a:t>
+            </a:r>
+            <a:r>
+              <a:rPr/>
+              <a:t>color</a:t>
+            </a:r>
+            <a:r>
+              <a:rPr/>
+              <a:t> </a:t>
+            </a:r>
+            <a:r>
+              <a:rPr/>
+              <a:t>system</a:t>
+            </a:r>
+            <a:r>
+              <a:rPr/>
+              <a:t> </a:t>
+            </a:r>
+            <a:r>
+              <a:rPr/>
+              <a:t>adds</a:t>
+            </a:r>
+            <a:r>
+              <a:rPr/>
+              <a:t> </a:t>
+            </a:r>
+            <a:r>
+              <a:rPr/>
+              <a:t>a</a:t>
+            </a:r>
+            <a:r>
+              <a:rPr/>
+              <a:t> </a:t>
+            </a:r>
+            <a:r>
+              <a:rPr/>
+              <a:t>fourth</a:t>
+            </a:r>
+            <a:r>
+              <a:rPr/>
+              <a:t> </a:t>
+            </a:r>
+            <a:r>
+              <a:rPr/>
+              <a:t>color,</a:t>
+            </a:r>
+            <a:r>
+              <a:rPr/>
+              <a:t> </a:t>
+            </a:r>
+            <a:r>
+              <a:rPr/>
+              <a:t>black,</a:t>
+            </a:r>
+            <a:r>
+              <a:rPr/>
+              <a:t> </a:t>
+            </a:r>
+            <a:r>
+              <a:rPr/>
+              <a:t>to</a:t>
+            </a:r>
+            <a:r>
+              <a:rPr/>
+              <a:t> </a:t>
+            </a:r>
+            <a:r>
+              <a:rPr/>
+              <a:t>the</a:t>
+            </a:r>
+            <a:r>
+              <a:rPr/>
+              <a:t> </a:t>
+            </a:r>
+            <a:r>
+              <a:rPr/>
+              <a:t>mix.</a:t>
+            </a:r>
+            <a:r>
+              <a:rPr/>
+              <a:t> </a:t>
+            </a:r>
+            <a:r>
+              <a:rPr/>
+              <a:t>In</a:t>
+            </a:r>
+            <a:r>
+              <a:rPr/>
+              <a:t> </a:t>
+            </a:r>
+            <a:r>
+              <a:rPr/>
+              <a:t>theory,</a:t>
+            </a:r>
+            <a:r>
+              <a:rPr/>
+              <a:t> </a:t>
+            </a:r>
+            <a:r>
+              <a:rPr/>
+              <a:t>you</a:t>
+            </a:r>
+            <a:r>
+              <a:rPr/>
+              <a:t> </a:t>
+            </a:r>
+            <a:r>
+              <a:rPr/>
+              <a:t>don’t</a:t>
+            </a:r>
+            <a:r>
+              <a:rPr/>
+              <a:t> </a:t>
+            </a:r>
+            <a:r>
+              <a:rPr/>
+              <a:t>need</a:t>
+            </a:r>
+            <a:r>
+              <a:rPr/>
+              <a:t> </a:t>
+            </a:r>
+            <a:r>
+              <a:rPr/>
+              <a:t>black,</a:t>
+            </a:r>
+            <a:r>
+              <a:rPr/>
+              <a:t> </a:t>
+            </a:r>
+            <a:r>
+              <a:rPr/>
+              <a:t>because</a:t>
+            </a:r>
+            <a:r>
+              <a:rPr/>
+              <a:t> </a:t>
+            </a:r>
+            <a:r>
+              <a:rPr/>
+              <a:t>you</a:t>
+            </a:r>
+            <a:r>
+              <a:rPr/>
+              <a:t> </a:t>
+            </a:r>
+            <a:r>
+              <a:rPr/>
+              <a:t>can</a:t>
+            </a:r>
+            <a:r>
+              <a:rPr/>
+              <a:t> </a:t>
+            </a:r>
+            <a:r>
+              <a:rPr/>
+              <a:t>get</a:t>
+            </a:r>
+            <a:r>
+              <a:rPr/>
+              <a:t> </a:t>
+            </a:r>
+            <a:r>
+              <a:rPr/>
+              <a:t>it</a:t>
+            </a:r>
+            <a:r>
+              <a:rPr/>
+              <a:t> </a:t>
+            </a:r>
+            <a:r>
+              <a:rPr/>
+              <a:t>with</a:t>
+            </a:r>
+            <a:r>
+              <a:rPr/>
+              <a:t> </a:t>
+            </a:r>
+            <a:r>
+              <a:rPr/>
+              <a:t>cyan</a:t>
+            </a:r>
+            <a:r>
+              <a:rPr/>
+              <a:t> </a:t>
+            </a:r>
+            <a:r>
+              <a:rPr/>
+              <a:t>plus</a:t>
+            </a:r>
+            <a:r>
+              <a:rPr/>
+              <a:t> </a:t>
+            </a:r>
+            <a:r>
+              <a:rPr/>
+              <a:t>magenta</a:t>
+            </a:r>
+            <a:r>
+              <a:rPr/>
+              <a:t> </a:t>
+            </a:r>
+            <a:r>
+              <a:rPr/>
+              <a:t>plus</a:t>
+            </a:r>
+            <a:r>
+              <a:rPr/>
+              <a:t> </a:t>
+            </a:r>
+            <a:r>
+              <a:rPr/>
+              <a:t>yellow.</a:t>
+            </a:r>
+            <a:r>
+              <a:rPr/>
+              <a:t> </a:t>
+            </a:r>
+            <a:r>
+              <a:rPr/>
+              <a:t>But</a:t>
+            </a:r>
+            <a:r>
+              <a:rPr/>
+              <a:t> </a:t>
+            </a:r>
+            <a:r>
+              <a:rPr/>
+              <a:t>that</a:t>
+            </a:r>
+            <a:r>
+              <a:rPr/>
+              <a:t> </a:t>
+            </a:r>
+            <a:r>
+              <a:rPr/>
+              <a:t>wastes</a:t>
+            </a:r>
+            <a:r>
+              <a:rPr/>
+              <a:t> </a:t>
+            </a:r>
+            <a:r>
+              <a:rPr/>
+              <a:t>a</a:t>
+            </a:r>
+            <a:r>
+              <a:rPr/>
+              <a:t> </a:t>
+            </a:r>
+            <a:r>
+              <a:rPr/>
+              <a:t>lot</a:t>
+            </a:r>
+            <a:r>
+              <a:rPr/>
+              <a:t> </a:t>
+            </a:r>
+            <a:r>
+              <a:rPr/>
+              <a:t>of</a:t>
+            </a:r>
+            <a:r>
+              <a:rPr/>
+              <a:t> </a:t>
+            </a:r>
+            <a:r>
+              <a:rPr/>
+              <a:t>expensive</a:t>
+            </a:r>
+            <a:r>
+              <a:rPr/>
+              <a:t> </a:t>
+            </a:r>
+            <a:r>
+              <a:rPr/>
+              <a:t>ink,</a:t>
+            </a:r>
+            <a:r>
+              <a:rPr/>
+              <a:t> </a:t>
+            </a:r>
+            <a:r>
+              <a:rPr/>
+              <a:t>and</a:t>
+            </a:r>
+            <a:r>
+              <a:rPr/>
+              <a:t> </a:t>
+            </a:r>
+            <a:r>
+              <a:rPr/>
+              <a:t>you</a:t>
+            </a:r>
+            <a:r>
+              <a:rPr/>
+              <a:t> </a:t>
+            </a:r>
+            <a:r>
+              <a:rPr/>
+              <a:t>can</a:t>
+            </a:r>
+            <a:r>
+              <a:rPr/>
+              <a:t> </a:t>
+            </a:r>
+            <a:r>
+              <a:rPr/>
+              <a:t>also</a:t>
+            </a:r>
+            <a:r>
+              <a:rPr/>
+              <a:t> </a:t>
+            </a:r>
+            <a:r>
+              <a:rPr/>
+              <a:t>run</a:t>
+            </a:r>
+            <a:r>
+              <a:rPr/>
+              <a:t> </a:t>
+            </a:r>
+            <a:r>
+              <a:rPr/>
+              <a:t>into</a:t>
+            </a:r>
+            <a:r>
+              <a:rPr/>
+              <a:t> </a:t>
+            </a:r>
+            <a:r>
+              <a:rPr/>
+              <a:t>trouble</a:t>
+            </a:r>
+            <a:r>
+              <a:rPr/>
+              <a:t> </a:t>
+            </a:r>
+            <a:r>
+              <a:rPr/>
+              <a:t>by</a:t>
+            </a:r>
+            <a:r>
+              <a:rPr/>
+              <a:t> </a:t>
+            </a:r>
+            <a:r>
+              <a:rPr/>
+              <a:t>putting</a:t>
+            </a:r>
+            <a:r>
+              <a:rPr/>
+              <a:t> </a:t>
+            </a:r>
+            <a:r>
+              <a:rPr/>
+              <a:t>some</a:t>
+            </a:r>
+            <a:r>
+              <a:rPr/>
+              <a:t> </a:t>
+            </a:r>
+            <a:r>
+              <a:rPr/>
+              <a:t>much</a:t>
+            </a:r>
+            <a:r>
+              <a:rPr/>
+              <a:t> </a:t>
+            </a:r>
+            <a:r>
+              <a:rPr/>
+              <a:t>in</a:t>
+            </a:r>
+            <a:r>
+              <a:rPr/>
+              <a:t> </a:t>
+            </a:r>
+            <a:r>
+              <a:rPr/>
+              <a:t>a</a:t>
+            </a:r>
+            <a:r>
+              <a:rPr/>
+              <a:t> </a:t>
+            </a:r>
+            <a:r>
+              <a:rPr/>
+              <a:t>single</a:t>
+            </a:r>
+            <a:r>
+              <a:rPr/>
+              <a:t> </a:t>
+            </a:r>
+            <a:r>
+              <a:rPr/>
+              <a:t>spot,</a:t>
+            </a:r>
+            <a:r>
+              <a:rPr/>
+              <a:t> </a:t>
+            </a:r>
+            <a:r>
+              <a:rPr/>
+              <a:t>especially</a:t>
+            </a:r>
+            <a:r>
+              <a:rPr/>
+              <a:t> </a:t>
+            </a:r>
+            <a:r>
+              <a:rPr/>
+              <a:t>when</a:t>
+            </a:r>
+            <a:r>
+              <a:rPr/>
+              <a:t> </a:t>
+            </a:r>
+            <a:r>
+              <a:rPr/>
+              <a:t>the</a:t>
+            </a:r>
+            <a:r>
+              <a:rPr/>
+              <a:t> </a:t>
+            </a:r>
+            <a:r>
+              <a:rPr/>
+              <a:t>image</a:t>
+            </a:r>
+            <a:r>
+              <a:rPr/>
+              <a:t> </a:t>
+            </a:r>
+            <a:r>
+              <a:rPr/>
+              <a:t>is</a:t>
+            </a:r>
+            <a:r>
+              <a:rPr/>
+              <a:t> </a:t>
+            </a:r>
+            <a:r>
+              <a:rPr/>
+              <a:t>very</a:t>
+            </a:r>
+            <a:r>
+              <a:rPr/>
+              <a:t> </a:t>
+            </a:r>
+            <a:r>
+              <a:rPr/>
+              <a:t>dark.</a:t>
+            </a:r>
+          </a:p>
+          <a:p>
+            <a:pPr lvl="0" marL="0" indent="0">
+              <a:buNone/>
+            </a:pPr>
+          </a:p>
+          <a:p>
+            <a:pPr lvl="0" marL="0" indent="0">
+              <a:buNone/>
+            </a:pPr>
+            <a:r>
+              <a:rPr/>
+              <a:t>Also,</a:t>
+            </a:r>
+            <a:r>
+              <a:rPr/>
+              <a:t> </a:t>
+            </a:r>
+            <a:r>
+              <a:rPr/>
+              <a:t>in</a:t>
+            </a:r>
+            <a:r>
+              <a:rPr/>
+              <a:t> </a:t>
+            </a:r>
+            <a:r>
+              <a:rPr/>
+              <a:t>practice,</a:t>
+            </a:r>
+            <a:r>
+              <a:rPr/>
+              <a:t> </a:t>
+            </a:r>
+            <a:r>
+              <a:rPr/>
+              <a:t>the</a:t>
+            </a:r>
+            <a:r>
+              <a:rPr/>
+              <a:t> </a:t>
+            </a:r>
+            <a:r>
+              <a:rPr/>
+              <a:t>combination</a:t>
+            </a:r>
+            <a:r>
+              <a:rPr/>
+              <a:t> </a:t>
+            </a:r>
+            <a:r>
+              <a:rPr/>
+              <a:t>of</a:t>
+            </a:r>
+            <a:r>
+              <a:rPr/>
+              <a:t> </a:t>
+            </a:r>
+            <a:r>
+              <a:rPr/>
+              <a:t>cyan,</a:t>
+            </a:r>
+            <a:r>
+              <a:rPr/>
+              <a:t> </a:t>
+            </a:r>
+            <a:r>
+              <a:rPr/>
+              <a:t>magenta,</a:t>
+            </a:r>
+            <a:r>
+              <a:rPr/>
+              <a:t> </a:t>
+            </a:r>
+            <a:r>
+              <a:rPr/>
+              <a:t>and</a:t>
+            </a:r>
+            <a:r>
+              <a:rPr/>
+              <a:t> </a:t>
+            </a:r>
+            <a:r>
+              <a:rPr/>
+              <a:t>yeloow</a:t>
+            </a:r>
+            <a:r>
+              <a:rPr/>
+              <a:t> </a:t>
+            </a:r>
+            <a:r>
+              <a:rPr/>
+              <a:t>produces</a:t>
+            </a:r>
+            <a:r>
+              <a:rPr/>
+              <a:t> </a:t>
+            </a:r>
+            <a:r>
+              <a:rPr/>
+              <a:t>a</a:t>
+            </a:r>
+            <a:r>
+              <a:rPr/>
+              <a:t> </a:t>
+            </a:r>
+            <a:r>
+              <a:rPr/>
+              <a:t>dull</a:t>
+            </a:r>
+            <a:r>
+              <a:rPr/>
+              <a:t> </a:t>
+            </a:r>
+            <a:r>
+              <a:rPr/>
+              <a:t>muddy</a:t>
+            </a:r>
+            <a:r>
+              <a:rPr/>
+              <a:t> </a:t>
+            </a:r>
+            <a:r>
+              <a:rPr/>
+              <a:t>color</a:t>
+            </a:r>
+            <a:r>
+              <a:rPr/>
+              <a:t> </a:t>
+            </a:r>
+            <a:r>
+              <a:rPr/>
+              <a:t>that</a:t>
+            </a:r>
+            <a:r>
+              <a:rPr/>
+              <a:t> </a:t>
+            </a:r>
+            <a:r>
+              <a:rPr/>
+              <a:t>is</a:t>
+            </a:r>
+            <a:r>
+              <a:rPr/>
+              <a:t> </a:t>
+            </a:r>
+            <a:r>
+              <a:rPr/>
+              <a:t>not</a:t>
+            </a:r>
+            <a:r>
+              <a:rPr/>
+              <a:t> </a:t>
+            </a:r>
+            <a:r>
+              <a:rPr/>
+              <a:t>close</a:t>
+            </a:r>
+            <a:r>
+              <a:rPr/>
+              <a:t> </a:t>
+            </a:r>
+            <a:r>
+              <a:rPr/>
+              <a:t>enough</a:t>
+            </a:r>
+            <a:r>
+              <a:rPr/>
+              <a:t> </a:t>
+            </a:r>
+            <a:r>
+              <a:rPr/>
+              <a:t>to</a:t>
+            </a:r>
+            <a:r>
+              <a:rPr/>
+              <a:t> </a:t>
+            </a:r>
+            <a:r>
+              <a:rPr/>
+              <a:t>black.</a:t>
+            </a:r>
+            <a:r>
+              <a:rPr/>
+              <a:t> </a:t>
+            </a:r>
+            <a:r>
+              <a:rPr/>
+              <a:t>So</a:t>
+            </a:r>
+            <a:r>
+              <a:rPr/>
+              <a:t> </a:t>
+            </a:r>
+            <a:r>
+              <a:rPr/>
+              <a:t>adding</a:t>
+            </a:r>
+            <a:r>
+              <a:rPr/>
+              <a:t> </a:t>
+            </a:r>
+            <a:r>
+              <a:rPr/>
+              <a:t>a</a:t>
+            </a:r>
+            <a:r>
+              <a:rPr/>
+              <a:t> </a:t>
+            </a:r>
+            <a:r>
+              <a:rPr/>
+              <a:t>black</a:t>
+            </a:r>
+            <a:r>
+              <a:rPr/>
+              <a:t> </a:t>
+            </a:r>
+            <a:r>
+              <a:rPr/>
+              <a:t>ink</a:t>
+            </a:r>
+            <a:r>
+              <a:rPr/>
+              <a:t> </a:t>
+            </a:r>
+            <a:r>
+              <a:rPr/>
+              <a:t>helps.</a:t>
+            </a:r>
+            <a:r>
+              <a:rPr/>
+              <a:t> </a:t>
+            </a:r>
+            <a:r>
+              <a:rPr/>
+              <a:t>It</a:t>
+            </a:r>
+            <a:r>
+              <a:rPr/>
+              <a:t> </a:t>
+            </a:r>
+            <a:r>
+              <a:rPr/>
+              <a:t>also</a:t>
+            </a:r>
+            <a:r>
+              <a:rPr/>
+              <a:t> </a:t>
+            </a:r>
+            <a:r>
+              <a:rPr/>
+              <a:t>helps</a:t>
+            </a:r>
+            <a:r>
+              <a:rPr/>
+              <a:t> </a:t>
+            </a:r>
+            <a:r>
+              <a:rPr/>
+              <a:t>to</a:t>
+            </a:r>
+            <a:r>
+              <a:rPr/>
+              <a:t> </a:t>
+            </a:r>
+            <a:r>
+              <a:rPr/>
+              <a:t>mix</a:t>
+            </a:r>
+            <a:r>
+              <a:rPr/>
+              <a:t> </a:t>
+            </a:r>
+            <a:r>
+              <a:rPr/>
+              <a:t>in</a:t>
+            </a:r>
+            <a:r>
+              <a:rPr/>
+              <a:t> </a:t>
+            </a:r>
+            <a:r>
+              <a:rPr/>
+              <a:t>a</a:t>
+            </a:r>
+            <a:r>
+              <a:rPr/>
+              <a:t> </a:t>
+            </a:r>
+            <a:r>
+              <a:rPr/>
+              <a:t>bit</a:t>
+            </a:r>
+            <a:r>
+              <a:rPr/>
+              <a:t> </a:t>
+            </a:r>
+            <a:r>
+              <a:rPr/>
+              <a:t>of</a:t>
+            </a:r>
+            <a:r>
+              <a:rPr/>
+              <a:t> </a:t>
+            </a:r>
+            <a:r>
+              <a:rPr/>
+              <a:t>black</a:t>
+            </a:r>
+            <a:r>
+              <a:rPr/>
+              <a:t> </a:t>
+            </a:r>
+            <a:r>
+              <a:rPr/>
+              <a:t>ink</a:t>
+            </a:r>
+            <a:r>
+              <a:rPr/>
+              <a:t> </a:t>
+            </a:r>
+            <a:r>
+              <a:rPr/>
+              <a:t>for</a:t>
+            </a:r>
+            <a:r>
+              <a:rPr/>
+              <a:t> </a:t>
+            </a:r>
+            <a:r>
+              <a:rPr/>
+              <a:t>some</a:t>
+            </a:r>
+            <a:r>
+              <a:rPr/>
+              <a:t> </a:t>
+            </a:r>
+            <a:r>
+              <a:rPr/>
+              <a:t>of</a:t>
+            </a:r>
+            <a:r>
+              <a:rPr/>
+              <a:t> </a:t>
+            </a:r>
+            <a:r>
+              <a:rPr/>
+              <a:t>the</a:t>
+            </a:r>
+            <a:r>
+              <a:rPr/>
+              <a:t> </a:t>
+            </a:r>
+            <a:r>
+              <a:rPr/>
+              <a:t>other</a:t>
+            </a:r>
+            <a:r>
+              <a:rPr/>
+              <a:t> </a:t>
+            </a:r>
+            <a:r>
+              <a:rPr/>
+              <a:t>colors</a:t>
+            </a:r>
+            <a:r>
+              <a:rPr/>
+              <a:t> </a:t>
+            </a:r>
+            <a:r>
+              <a:rPr/>
+              <a:t>close</a:t>
+            </a:r>
+            <a:r>
+              <a:rPr/>
+              <a:t> </a:t>
+            </a:r>
+            <a:r>
+              <a:rPr/>
+              <a:t>to</a:t>
+            </a:r>
+            <a:r>
+              <a:rPr/>
+              <a:t> </a:t>
+            </a:r>
+            <a:r>
+              <a:rPr/>
+              <a:t>black</a:t>
+            </a:r>
+            <a:r>
+              <a:rPr/>
+              <a:t> </a:t>
+            </a:r>
+            <a:r>
+              <a:rPr/>
+              <a:t>on</a:t>
+            </a:r>
+            <a:r>
+              <a:rPr/>
+              <a:t> </a:t>
+            </a:r>
+            <a:r>
+              <a:rPr/>
+              <a:t>the</a:t>
+            </a:r>
+            <a:r>
+              <a:rPr/>
+              <a:t> </a:t>
+            </a:r>
+            <a:r>
+              <a:rPr/>
+              <a:t>color</a:t>
+            </a:r>
+            <a:r>
+              <a:rPr/>
+              <a:t> </a:t>
+            </a:r>
+            <a:r>
+              <a:rPr/>
+              <a:t>spectrum.</a:t>
+            </a:r>
+          </a:p>
+          <a:p>
+            <a:pPr lvl="0" marL="0" indent="0">
+              <a:buNone/>
+            </a:pPr>
+          </a:p>
+          <a:p>
+            <a:pPr lvl="0" marL="0" indent="0">
+              <a:buNone/>
+            </a:pPr>
+            <a:r>
+              <a:rPr/>
+              <a:t>The</a:t>
+            </a:r>
+            <a:r>
+              <a:rPr/>
+              <a:t> </a:t>
+            </a:r>
+            <a:r>
+              <a:rPr/>
+              <a:t>translation</a:t>
+            </a:r>
+            <a:r>
+              <a:rPr/>
+              <a:t> </a:t>
+            </a:r>
+            <a:r>
+              <a:rPr/>
+              <a:t>of</a:t>
+            </a:r>
+            <a:r>
+              <a:rPr/>
+              <a:t> </a:t>
+            </a:r>
+            <a:r>
+              <a:rPr/>
+              <a:t>colors</a:t>
+            </a:r>
+            <a:r>
+              <a:rPr/>
+              <a:t> </a:t>
+            </a:r>
+            <a:r>
+              <a:rPr/>
+              <a:t>from</a:t>
+            </a:r>
+            <a:r>
+              <a:rPr/>
+              <a:t> </a:t>
+            </a:r>
+            <a:r>
+              <a:rPr/>
+              <a:t>an</a:t>
+            </a:r>
+            <a:r>
+              <a:rPr/>
+              <a:t> </a:t>
+            </a:r>
+            <a:r>
+              <a:rPr/>
+              <a:t>additive</a:t>
+            </a:r>
+            <a:r>
+              <a:rPr/>
+              <a:t> </a:t>
+            </a:r>
+            <a:r>
+              <a:rPr/>
+              <a:t>system</a:t>
+            </a:r>
+            <a:r>
+              <a:rPr/>
+              <a:t> </a:t>
+            </a:r>
+            <a:r>
+              <a:rPr/>
+              <a:t>like</a:t>
+            </a:r>
+            <a:r>
+              <a:rPr/>
+              <a:t> </a:t>
+            </a:r>
+            <a:r>
+              <a:rPr/>
+              <a:t>RGB</a:t>
+            </a:r>
+            <a:r>
+              <a:rPr/>
+              <a:t> </a:t>
+            </a:r>
+            <a:r>
+              <a:rPr/>
+              <a:t>to</a:t>
+            </a:r>
+            <a:r>
+              <a:rPr/>
+              <a:t> </a:t>
+            </a:r>
+            <a:r>
+              <a:rPr/>
+              <a:t>a</a:t>
+            </a:r>
+            <a:r>
+              <a:rPr/>
+              <a:t> </a:t>
+            </a:r>
+            <a:r>
+              <a:rPr/>
+              <a:t>subtractive</a:t>
+            </a:r>
+            <a:r>
+              <a:rPr/>
+              <a:t> </a:t>
+            </a:r>
+            <a:r>
+              <a:rPr/>
+              <a:t>system</a:t>
+            </a:r>
+            <a:r>
+              <a:rPr/>
+              <a:t> </a:t>
+            </a:r>
+            <a:r>
+              <a:rPr/>
+              <a:t>like</a:t>
+            </a:r>
+            <a:r>
+              <a:rPr/>
+              <a:t> </a:t>
+            </a:r>
+            <a:r>
+              <a:rPr/>
+              <a:t>CMYK</a:t>
+            </a:r>
+            <a:r>
+              <a:rPr/>
+              <a:t> </a:t>
+            </a:r>
+            <a:r>
+              <a:rPr/>
+              <a:t>is</a:t>
+            </a:r>
+            <a:r>
+              <a:rPr/>
+              <a:t> </a:t>
+            </a:r>
+            <a:r>
+              <a:rPr/>
+              <a:t>complicated</a:t>
+            </a:r>
+            <a:r>
+              <a:rPr/>
+              <a:t> </a:t>
+            </a:r>
+            <a:r>
+              <a:rPr/>
+              <a:t>and</a:t>
+            </a:r>
+            <a:r>
+              <a:rPr/>
+              <a:t> </a:t>
+            </a:r>
+            <a:r>
+              <a:rPr/>
+              <a:t>it</a:t>
+            </a:r>
+            <a:r>
+              <a:rPr/>
+              <a:t> </a:t>
+            </a:r>
+            <a:r>
+              <a:rPr/>
+              <a:t>is</a:t>
+            </a:r>
+            <a:r>
+              <a:rPr/>
+              <a:t> </a:t>
+            </a:r>
+            <a:r>
+              <a:rPr/>
+              <a:t>difficult</a:t>
+            </a:r>
+            <a:r>
+              <a:rPr/>
+              <a:t> </a:t>
+            </a:r>
+            <a:r>
+              <a:rPr/>
+              <a:t>to</a:t>
+            </a:r>
+            <a:r>
+              <a:rPr/>
+              <a:t> </a:t>
+            </a:r>
+            <a:r>
+              <a:rPr/>
+              <a:t>get</a:t>
+            </a:r>
+            <a:r>
+              <a:rPr/>
+              <a:t> </a:t>
+            </a:r>
+            <a:r>
+              <a:rPr/>
+              <a:t>something</a:t>
+            </a:r>
+            <a:r>
+              <a:rPr/>
+              <a:t> </a:t>
+            </a:r>
+            <a:r>
+              <a:rPr/>
+              <a:t>on</a:t>
+            </a:r>
+            <a:r>
+              <a:rPr/>
+              <a:t> </a:t>
+            </a:r>
+            <a:r>
+              <a:rPr/>
+              <a:t>the</a:t>
+            </a:r>
+            <a:r>
+              <a:rPr/>
+              <a:t> </a:t>
+            </a:r>
+            <a:r>
+              <a:rPr/>
+              <a:t>computer</a:t>
+            </a:r>
+            <a:r>
+              <a:rPr/>
+              <a:t> </a:t>
+            </a:r>
+            <a:r>
+              <a:rPr/>
+              <a:t>screen</a:t>
+            </a:r>
+            <a:r>
+              <a:rPr/>
+              <a:t> </a:t>
+            </a:r>
+            <a:r>
+              <a:rPr/>
+              <a:t>to</a:t>
+            </a:r>
+            <a:r>
+              <a:rPr/>
+              <a:t> </a:t>
+            </a:r>
+            <a:r>
+              <a:rPr/>
+              <a:t>match</a:t>
+            </a:r>
+            <a:r>
+              <a:rPr/>
+              <a:t> </a:t>
+            </a:r>
+            <a:r>
+              <a:rPr/>
+              <a:t>perfectly</a:t>
+            </a:r>
+            <a:r>
+              <a:rPr/>
+              <a:t> </a:t>
+            </a:r>
+            <a:r>
+              <a:rPr/>
+              <a:t>with</a:t>
+            </a:r>
+            <a:r>
+              <a:rPr/>
+              <a:t> </a:t>
+            </a:r>
+            <a:r>
+              <a:rPr/>
+              <a:t>what</a:t>
+            </a:r>
+            <a:r>
+              <a:rPr/>
+              <a:t> </a:t>
+            </a:r>
+            <a:r>
+              <a:rPr/>
+              <a:t>gets</a:t>
+            </a:r>
+            <a:r>
+              <a:rPr/>
+              <a:t> </a:t>
+            </a:r>
+            <a:r>
+              <a:rPr/>
+              <a:t>printed.</a:t>
+            </a:r>
+            <a:r>
+              <a:rPr/>
+              <a:t> </a:t>
+            </a:r>
+            <a:r>
+              <a:rPr/>
+              <a:t>If</a:t>
+            </a:r>
+            <a:r>
+              <a:rPr/>
+              <a:t> </a:t>
+            </a:r>
+            <a:r>
+              <a:rPr/>
+              <a:t>you</a:t>
             </a:r>
             <a:r>
               <a:rPr/>
@@ -13438,7 +15925,63 @@
             </a:r>
             <a:r>
               <a:rPr/>
-              <a:t>on</a:t>
+              <a:t>with</a:t>
+            </a:r>
+            <a:r>
+              <a:rPr/>
+              <a:t> </a:t>
+            </a:r>
+            <a:r>
+              <a:rPr/>
+              <a:t>printed</a:t>
+            </a:r>
+            <a:r>
+              <a:rPr/>
+              <a:t> </a:t>
+            </a:r>
+            <a:r>
+              <a:rPr/>
+              <a:t>color</a:t>
+            </a:r>
+            <a:r>
+              <a:rPr/>
+              <a:t> </a:t>
+            </a:r>
+            <a:r>
+              <a:rPr/>
+              <a:t>materials,</a:t>
+            </a:r>
+            <a:r>
+              <a:rPr/>
+              <a:t> </a:t>
+            </a:r>
+            <a:r>
+              <a:rPr/>
+              <a:t>you</a:t>
+            </a:r>
+            <a:r>
+              <a:rPr/>
+              <a:t> </a:t>
+            </a:r>
+            <a:r>
+              <a:rPr/>
+              <a:t>have</a:t>
+            </a:r>
+            <a:r>
+              <a:rPr/>
+              <a:t> </a:t>
+            </a:r>
+            <a:r>
+              <a:rPr/>
+              <a:t>to</a:t>
+            </a:r>
+            <a:r>
+              <a:rPr/>
+              <a:t> </a:t>
+            </a:r>
+            <a:r>
+              <a:rPr/>
+              <a:t>do</a:t>
             </a:r>
             <a:r>
               <a:rPr/>
@@ -13454,55 +15997,7 @@
             </a:r>
             <a:r>
               <a:rPr/>
-              <a:t>computer</a:t>
-            </a:r>
-            <a:r>
-              <a:rPr/>
-              <a:t> </a:t>
-            </a:r>
-            <a:r>
-              <a:rPr/>
-              <a:t>screen</a:t>
-            </a:r>
-            <a:r>
-              <a:rPr/>
-              <a:t> </a:t>
-            </a:r>
-            <a:r>
-              <a:rPr/>
-              <a:t>because</a:t>
-            </a:r>
-            <a:r>
-              <a:rPr/>
-              <a:t> </a:t>
-            </a:r>
-            <a:r>
-              <a:rPr/>
-              <a:t>the</a:t>
-            </a:r>
-            <a:r>
-              <a:rPr/>
-              <a:t> </a:t>
-            </a:r>
-            <a:r>
-              <a:rPr/>
-              <a:t>screen</a:t>
-            </a:r>
-            <a:r>
-              <a:rPr/>
-              <a:t> </a:t>
-            </a:r>
-            <a:r>
-              <a:rPr/>
-              <a:t>uses</a:t>
-            </a:r>
-            <a:r>
-              <a:rPr/>
-              <a:t> </a:t>
-            </a:r>
-            <a:r>
-              <a:rPr/>
-              <a:t>mixtures</a:t>
+              <a:t>lot</a:t>
             </a:r>
             <a:r>
               <a:rPr/>
@@ -13518,7 +16013,15 @@
             </a:r>
             <a:r>
               <a:rPr/>
-              <a:t>light</a:t>
+              <a:t>extra</a:t>
+            </a:r>
+            <a:r>
+              <a:rPr/>
+              <a:t> </a:t>
+            </a:r>
+            <a:r>
+              <a:rPr/>
+              <a:t>work</a:t>
             </a:r>
             <a:r>
               <a:rPr/>
@@ -13534,71 +16037,15 @@
             </a:r>
             <a:r>
               <a:rPr/>
-              <a:t>combine</a:t>
-            </a:r>
-            <a:r>
-              <a:rPr/>
-              <a:t> </a:t>
-            </a:r>
-            <a:r>
-              <a:rPr/>
-              <a:t>colors.</a:t>
-            </a:r>
-            <a:r>
-              <a:rPr/>
-              <a:t> </a:t>
-            </a:r>
-            <a:r>
-              <a:rPr/>
-              <a:t>We</a:t>
-            </a:r>
-            <a:r>
-              <a:rPr/>
-              <a:t> </a:t>
-            </a:r>
-            <a:r>
-              <a:rPr/>
-              <a:t>covered</a:t>
-            </a:r>
-            <a:r>
-              <a:rPr/>
-              <a:t> </a:t>
-            </a:r>
-            <a:r>
-              <a:rPr/>
-              <a:t>the</a:t>
-            </a:r>
-            <a:r>
-              <a:rPr/>
-              <a:t> </a:t>
-            </a:r>
-            <a:r>
-              <a:rPr/>
-              <a:t>RGB</a:t>
-            </a:r>
-            <a:r>
-              <a:rPr/>
-              <a:t> </a:t>
-            </a:r>
-            <a:r>
-              <a:rPr/>
-              <a:t>system</a:t>
-            </a:r>
-            <a:r>
-              <a:rPr/>
-              <a:t> </a:t>
-            </a:r>
-            <a:r>
-              <a:rPr/>
-              <a:t>including</a:t>
-            </a:r>
-            <a:r>
-              <a:rPr/>
-              <a:t> </a:t>
-            </a:r>
-            <a:r>
-              <a:rPr/>
-              <a:t>how</a:t>
+              <a:t>get</a:t>
+            </a:r>
+            <a:r>
+              <a:rPr/>
+              <a:t> </a:t>
+            </a:r>
+            <a:r>
+              <a:rPr/>
+              <a:t>things</a:t>
             </a:r>
             <a:r>
               <a:rPr/>
@@ -13614,223 +16061,15 @@
             </a:r>
             <a:r>
               <a:rPr/>
-              <a:t>create</a:t>
-            </a:r>
-            <a:r>
-              <a:rPr/>
-              <a:t> </a:t>
-            </a:r>
-            <a:r>
-              <a:rPr/>
-              <a:t>gradients.</a:t>
-            </a:r>
-            <a:r>
-              <a:rPr/>
-              <a:t> </a:t>
-            </a:r>
-            <a:r>
-              <a:rPr/>
-              <a:t>The</a:t>
-            </a:r>
-            <a:r>
-              <a:rPr/>
-              <a:t> </a:t>
-            </a:r>
-            <a:r>
-              <a:rPr/>
-              <a:t>HSV</a:t>
-            </a:r>
-            <a:r>
-              <a:rPr/>
-              <a:t> </a:t>
-            </a:r>
-            <a:r>
-              <a:rPr/>
-              <a:t>system</a:t>
-            </a:r>
-            <a:r>
-              <a:rPr/>
-              <a:t> </a:t>
-            </a:r>
-            <a:r>
-              <a:rPr/>
-              <a:t>provides</a:t>
-            </a:r>
-            <a:r>
-              <a:rPr/>
-              <a:t> </a:t>
-            </a:r>
-            <a:r>
-              <a:rPr/>
-              <a:t>a</a:t>
-            </a:r>
-            <a:r>
-              <a:rPr/>
-              <a:t> </a:t>
-            </a:r>
-            <a:r>
-              <a:rPr/>
-              <a:t>more</a:t>
-            </a:r>
-            <a:r>
-              <a:rPr/>
-              <a:t> </a:t>
-            </a:r>
-            <a:r>
-              <a:rPr/>
-              <a:t>intuitive</a:t>
-            </a:r>
-            <a:r>
-              <a:rPr/>
-              <a:t> </a:t>
-            </a:r>
-            <a:r>
-              <a:rPr/>
-              <a:t>description</a:t>
-            </a:r>
-            <a:r>
-              <a:rPr/>
-              <a:t> </a:t>
-            </a:r>
-            <a:r>
-              <a:rPr/>
-              <a:t>of</a:t>
-            </a:r>
-            <a:r>
-              <a:rPr/>
-              <a:t> </a:t>
-            </a:r>
-            <a:r>
-              <a:rPr/>
-              <a:t>colors,</a:t>
-            </a:r>
-            <a:r>
-              <a:rPr/>
-              <a:t> </a:t>
-            </a:r>
-            <a:r>
-              <a:rPr/>
-              <a:t>while</a:t>
-            </a:r>
-            <a:r>
-              <a:rPr/>
-              <a:t> </a:t>
-            </a:r>
-            <a:r>
-              <a:rPr/>
-              <a:t>CMYK</a:t>
-            </a:r>
-            <a:r>
-              <a:rPr/>
-              <a:t> </a:t>
-            </a:r>
-            <a:r>
-              <a:rPr/>
-              <a:t>is</a:t>
-            </a:r>
-            <a:r>
-              <a:rPr/>
-              <a:t> </a:t>
-            </a:r>
-            <a:r>
-              <a:rPr/>
-              <a:t>used</a:t>
-            </a:r>
-            <a:r>
-              <a:rPr/>
-              <a:t> </a:t>
-            </a:r>
-            <a:r>
-              <a:rPr/>
-              <a:t>when</a:t>
-            </a:r>
-            <a:r>
-              <a:rPr/>
-              <a:t> </a:t>
-            </a:r>
-            <a:r>
-              <a:rPr/>
-              <a:t>printing,</a:t>
-            </a:r>
-            <a:r>
-              <a:rPr/>
-              <a:t> </a:t>
-            </a:r>
-            <a:r>
-              <a:rPr/>
-              <a:t>where</a:t>
-            </a:r>
-            <a:r>
-              <a:rPr/>
-              <a:t> </a:t>
-            </a:r>
-            <a:r>
-              <a:rPr/>
-              <a:t>a</a:t>
-            </a:r>
-            <a:r>
-              <a:rPr/>
-              <a:t> </a:t>
-            </a:r>
-            <a:r>
-              <a:rPr/>
-              <a:t>substractive</a:t>
-            </a:r>
-            <a:r>
-              <a:rPr/>
-              <a:t> </a:t>
-            </a:r>
-            <a:r>
-              <a:rPr/>
-              <a:t>rather</a:t>
-            </a:r>
-            <a:r>
-              <a:rPr/>
-              <a:t> </a:t>
-            </a:r>
-            <a:r>
-              <a:rPr/>
-              <a:t>than</a:t>
-            </a:r>
-            <a:r>
-              <a:rPr/>
-              <a:t> </a:t>
-            </a:r>
-            <a:r>
-              <a:rPr/>
-              <a:t>additive</a:t>
-            </a:r>
-            <a:r>
-              <a:rPr/>
-              <a:t> </a:t>
-            </a:r>
-            <a:r>
-              <a:rPr/>
-              <a:t>color</a:t>
-            </a:r>
-            <a:r>
-              <a:rPr/>
-              <a:t> </a:t>
-            </a:r>
-            <a:r>
-              <a:rPr/>
-              <a:t>system</a:t>
-            </a:r>
-            <a:r>
-              <a:rPr/>
-              <a:t> </a:t>
-            </a:r>
-            <a:r>
-              <a:rPr/>
-              <a:t>is</a:t>
-            </a:r>
-            <a:r>
-              <a:rPr/>
-              <a:t> </a:t>
-            </a:r>
-            <a:r>
-              <a:rPr/>
-              <a:t>needed.</a:t>
+              <a:t>look</a:t>
+            </a:r>
+            <a:r>
+              <a:rPr/>
+              <a:t> </a:t>
+            </a:r>
+            <a:r>
+              <a:rPr/>
+              <a:t>right.</a:t>
             </a:r>
           </a:p>
         </p:txBody>
@@ -15965,6 +18204,576 @@
             <a:fld id="{18BDFEC3-8487-43E8-A154-7C12CBC1FFF2}" type="slidenum">
               <a:rPr lang="en-US"/>
               <a:t>5</a:t>
+            </a:fld>
+            <a:endParaRPr lang="en-US"/>
+          </a:p>
+        </p:txBody>
+      </p:sp>
+    </p:spTree>
+  </p:cSld>
+</p:notes>
+</file>
+
+<file path=ppt/notesSlides/notesSlide40.xml><?xml version="1.0" encoding="utf-8"?>
+<p:notes xmlns:a="http://schemas.openxmlformats.org/drawingml/2006/main" xmlns:r="http://schemas.openxmlformats.org/officeDocument/2006/relationships" xmlns:p="http://schemas.openxmlformats.org/presentationml/2006/main">
+  <p:cSld>
+    <p:spTree>
+      <p:nvGrpSpPr>
+        <p:cNvPr id="1" name=""/>
+        <p:cNvGrpSpPr/>
+        <p:nvPr/>
+      </p:nvGrpSpPr>
+      <p:grpSpPr>
+        <a:xfrm>
+          <a:off x="0" y="0"/>
+          <a:ext cx="0" cy="0"/>
+          <a:chOff x="0" y="0"/>
+          <a:chExt cx="0" cy="0"/>
+        </a:xfrm>
+      </p:grpSpPr>
+      <p:sp>
+        <p:nvSpPr>
+          <p:cNvPr id="2" name="Slide Image Placeholder 1"/>
+          <p:cNvSpPr>
+            <a:spLocks noGrp="1" noRot="1" noChangeAspect="1"/>
+          </p:cNvSpPr>
+          <p:nvPr>
+            <p:ph type="sldImg"/>
+          </p:nvPr>
+        </p:nvSpPr>
+        <p:spPr/>
+      </p:sp>
+      <p:sp>
+        <p:nvSpPr>
+          <p:cNvPr id="3" name="Notes Placeholder 2"/>
+          <p:cNvSpPr>
+            <a:spLocks noGrp="1"/>
+          </p:cNvSpPr>
+          <p:nvPr>
+            <p:ph type="body" idx="1"/>
+          </p:nvPr>
+        </p:nvSpPr>
+        <p:spPr/>
+        <p:txBody>
+          <a:bodyPr/>
+          <a:lstStyle/>
+          <a:p>
+            <a:pPr lvl="0" marL="0" indent="0">
+              <a:buNone/>
+            </a:pPr>
+            <a:r>
+              <a:rPr/>
+              <a:t>The</a:t>
+            </a:r>
+            <a:r>
+              <a:rPr/>
+              <a:t> </a:t>
+            </a:r>
+            <a:r>
+              <a:rPr/>
+              <a:t>kindergarten</a:t>
+            </a:r>
+            <a:r>
+              <a:rPr/>
+              <a:t> </a:t>
+            </a:r>
+            <a:r>
+              <a:rPr/>
+              <a:t>view</a:t>
+            </a:r>
+            <a:r>
+              <a:rPr/>
+              <a:t> </a:t>
+            </a:r>
+            <a:r>
+              <a:rPr/>
+              <a:t>of</a:t>
+            </a:r>
+            <a:r>
+              <a:rPr/>
+              <a:t> </a:t>
+            </a:r>
+            <a:r>
+              <a:rPr/>
+              <a:t>colors</a:t>
+            </a:r>
+            <a:r>
+              <a:rPr/>
+              <a:t> </a:t>
+            </a:r>
+            <a:r>
+              <a:rPr/>
+              <a:t>(red</a:t>
+            </a:r>
+            <a:r>
+              <a:rPr/>
+              <a:t> </a:t>
+            </a:r>
+            <a:r>
+              <a:rPr/>
+              <a:t>plus</a:t>
+            </a:r>
+            <a:r>
+              <a:rPr/>
+              <a:t> </a:t>
+            </a:r>
+            <a:r>
+              <a:rPr/>
+              <a:t>yellow</a:t>
+            </a:r>
+            <a:r>
+              <a:rPr/>
+              <a:t> </a:t>
+            </a:r>
+            <a:r>
+              <a:rPr/>
+              <a:t>equals</a:t>
+            </a:r>
+            <a:r>
+              <a:rPr/>
+              <a:t> </a:t>
+            </a:r>
+            <a:r>
+              <a:rPr/>
+              <a:t>orange)</a:t>
+            </a:r>
+            <a:r>
+              <a:rPr/>
+              <a:t> </a:t>
+            </a:r>
+            <a:r>
+              <a:rPr/>
+              <a:t>doesn’t</a:t>
+            </a:r>
+            <a:r>
+              <a:rPr/>
+              <a:t> </a:t>
+            </a:r>
+            <a:r>
+              <a:rPr/>
+              <a:t>work</a:t>
+            </a:r>
+            <a:r>
+              <a:rPr/>
+              <a:t> </a:t>
+            </a:r>
+            <a:r>
+              <a:rPr/>
+              <a:t>on</a:t>
+            </a:r>
+            <a:r>
+              <a:rPr/>
+              <a:t> </a:t>
+            </a:r>
+            <a:r>
+              <a:rPr/>
+              <a:t>a</a:t>
+            </a:r>
+            <a:r>
+              <a:rPr/>
+              <a:t> </a:t>
+            </a:r>
+            <a:r>
+              <a:rPr/>
+              <a:t>computer</a:t>
+            </a:r>
+            <a:r>
+              <a:rPr/>
+              <a:t> </a:t>
+            </a:r>
+            <a:r>
+              <a:rPr/>
+              <a:t>screen</a:t>
+            </a:r>
+            <a:r>
+              <a:rPr/>
+              <a:t> </a:t>
+            </a:r>
+            <a:r>
+              <a:rPr/>
+              <a:t>because</a:t>
+            </a:r>
+            <a:r>
+              <a:rPr/>
+              <a:t> </a:t>
+            </a:r>
+            <a:r>
+              <a:rPr/>
+              <a:t>the</a:t>
+            </a:r>
+            <a:r>
+              <a:rPr/>
+              <a:t> </a:t>
+            </a:r>
+            <a:r>
+              <a:rPr/>
+              <a:t>screen</a:t>
+            </a:r>
+            <a:r>
+              <a:rPr/>
+              <a:t> </a:t>
+            </a:r>
+            <a:r>
+              <a:rPr/>
+              <a:t>uses</a:t>
+            </a:r>
+            <a:r>
+              <a:rPr/>
+              <a:t> </a:t>
+            </a:r>
+            <a:r>
+              <a:rPr/>
+              <a:t>mixtures</a:t>
+            </a:r>
+            <a:r>
+              <a:rPr/>
+              <a:t> </a:t>
+            </a:r>
+            <a:r>
+              <a:rPr/>
+              <a:t>of</a:t>
+            </a:r>
+            <a:r>
+              <a:rPr/>
+              <a:t> </a:t>
+            </a:r>
+            <a:r>
+              <a:rPr/>
+              <a:t>light</a:t>
+            </a:r>
+            <a:r>
+              <a:rPr/>
+              <a:t> </a:t>
+            </a:r>
+            <a:r>
+              <a:rPr/>
+              <a:t>to</a:t>
+            </a:r>
+            <a:r>
+              <a:rPr/>
+              <a:t> </a:t>
+            </a:r>
+            <a:r>
+              <a:rPr/>
+              <a:t>combine</a:t>
+            </a:r>
+            <a:r>
+              <a:rPr/>
+              <a:t> </a:t>
+            </a:r>
+            <a:r>
+              <a:rPr/>
+              <a:t>colors.</a:t>
+            </a:r>
+            <a:r>
+              <a:rPr/>
+              <a:t> </a:t>
+            </a:r>
+            <a:r>
+              <a:rPr/>
+              <a:t>We</a:t>
+            </a:r>
+            <a:r>
+              <a:rPr/>
+              <a:t> </a:t>
+            </a:r>
+            <a:r>
+              <a:rPr/>
+              <a:t>covered</a:t>
+            </a:r>
+            <a:r>
+              <a:rPr/>
+              <a:t> </a:t>
+            </a:r>
+            <a:r>
+              <a:rPr/>
+              <a:t>the</a:t>
+            </a:r>
+            <a:r>
+              <a:rPr/>
+              <a:t> </a:t>
+            </a:r>
+            <a:r>
+              <a:rPr/>
+              <a:t>RGB</a:t>
+            </a:r>
+            <a:r>
+              <a:rPr/>
+              <a:t> </a:t>
+            </a:r>
+            <a:r>
+              <a:rPr/>
+              <a:t>system</a:t>
+            </a:r>
+            <a:r>
+              <a:rPr/>
+              <a:t> </a:t>
+            </a:r>
+            <a:r>
+              <a:rPr/>
+              <a:t>including</a:t>
+            </a:r>
+            <a:r>
+              <a:rPr/>
+              <a:t> </a:t>
+            </a:r>
+            <a:r>
+              <a:rPr/>
+              <a:t>how</a:t>
+            </a:r>
+            <a:r>
+              <a:rPr/>
+              <a:t> </a:t>
+            </a:r>
+            <a:r>
+              <a:rPr/>
+              <a:t>to</a:t>
+            </a:r>
+            <a:r>
+              <a:rPr/>
+              <a:t> </a:t>
+            </a:r>
+            <a:r>
+              <a:rPr/>
+              <a:t>create</a:t>
+            </a:r>
+            <a:r>
+              <a:rPr/>
+              <a:t> </a:t>
+            </a:r>
+            <a:r>
+              <a:rPr/>
+              <a:t>gradients.</a:t>
+            </a:r>
+            <a:r>
+              <a:rPr/>
+              <a:t> </a:t>
+            </a:r>
+            <a:r>
+              <a:rPr/>
+              <a:t>The</a:t>
+            </a:r>
+            <a:r>
+              <a:rPr/>
+              <a:t> </a:t>
+            </a:r>
+            <a:r>
+              <a:rPr/>
+              <a:t>HSV</a:t>
+            </a:r>
+            <a:r>
+              <a:rPr/>
+              <a:t> </a:t>
+            </a:r>
+            <a:r>
+              <a:rPr/>
+              <a:t>system</a:t>
+            </a:r>
+            <a:r>
+              <a:rPr/>
+              <a:t> </a:t>
+            </a:r>
+            <a:r>
+              <a:rPr/>
+              <a:t>provides</a:t>
+            </a:r>
+            <a:r>
+              <a:rPr/>
+              <a:t> </a:t>
+            </a:r>
+            <a:r>
+              <a:rPr/>
+              <a:t>a</a:t>
+            </a:r>
+            <a:r>
+              <a:rPr/>
+              <a:t> </a:t>
+            </a:r>
+            <a:r>
+              <a:rPr/>
+              <a:t>more</a:t>
+            </a:r>
+            <a:r>
+              <a:rPr/>
+              <a:t> </a:t>
+            </a:r>
+            <a:r>
+              <a:rPr/>
+              <a:t>intuitive</a:t>
+            </a:r>
+            <a:r>
+              <a:rPr/>
+              <a:t> </a:t>
+            </a:r>
+            <a:r>
+              <a:rPr/>
+              <a:t>description</a:t>
+            </a:r>
+            <a:r>
+              <a:rPr/>
+              <a:t> </a:t>
+            </a:r>
+            <a:r>
+              <a:rPr/>
+              <a:t>of</a:t>
+            </a:r>
+            <a:r>
+              <a:rPr/>
+              <a:t> </a:t>
+            </a:r>
+            <a:r>
+              <a:rPr/>
+              <a:t>colors,</a:t>
+            </a:r>
+            <a:r>
+              <a:rPr/>
+              <a:t> </a:t>
+            </a:r>
+            <a:r>
+              <a:rPr/>
+              <a:t>while</a:t>
+            </a:r>
+            <a:r>
+              <a:rPr/>
+              <a:t> </a:t>
+            </a:r>
+            <a:r>
+              <a:rPr/>
+              <a:t>CMYK</a:t>
+            </a:r>
+            <a:r>
+              <a:rPr/>
+              <a:t> </a:t>
+            </a:r>
+            <a:r>
+              <a:rPr/>
+              <a:t>is</a:t>
+            </a:r>
+            <a:r>
+              <a:rPr/>
+              <a:t> </a:t>
+            </a:r>
+            <a:r>
+              <a:rPr/>
+              <a:t>used</a:t>
+            </a:r>
+            <a:r>
+              <a:rPr/>
+              <a:t> </a:t>
+            </a:r>
+            <a:r>
+              <a:rPr/>
+              <a:t>when</a:t>
+            </a:r>
+            <a:r>
+              <a:rPr/>
+              <a:t> </a:t>
+            </a:r>
+            <a:r>
+              <a:rPr/>
+              <a:t>printing,</a:t>
+            </a:r>
+            <a:r>
+              <a:rPr/>
+              <a:t> </a:t>
+            </a:r>
+            <a:r>
+              <a:rPr/>
+              <a:t>where</a:t>
+            </a:r>
+            <a:r>
+              <a:rPr/>
+              <a:t> </a:t>
+            </a:r>
+            <a:r>
+              <a:rPr/>
+              <a:t>a</a:t>
+            </a:r>
+            <a:r>
+              <a:rPr/>
+              <a:t> </a:t>
+            </a:r>
+            <a:r>
+              <a:rPr/>
+              <a:t>subtractive</a:t>
+            </a:r>
+            <a:r>
+              <a:rPr/>
+              <a:t> </a:t>
+            </a:r>
+            <a:r>
+              <a:rPr/>
+              <a:t>rather</a:t>
+            </a:r>
+            <a:r>
+              <a:rPr/>
+              <a:t> </a:t>
+            </a:r>
+            <a:r>
+              <a:rPr/>
+              <a:t>than</a:t>
+            </a:r>
+            <a:r>
+              <a:rPr/>
+              <a:t> </a:t>
+            </a:r>
+            <a:r>
+              <a:rPr/>
+              <a:t>additive</a:t>
+            </a:r>
+            <a:r>
+              <a:rPr/>
+              <a:t> </a:t>
+            </a:r>
+            <a:r>
+              <a:rPr/>
+              <a:t>color</a:t>
+            </a:r>
+            <a:r>
+              <a:rPr/>
+              <a:t> </a:t>
+            </a:r>
+            <a:r>
+              <a:rPr/>
+              <a:t>system</a:t>
+            </a:r>
+            <a:r>
+              <a:rPr/>
+              <a:t> </a:t>
+            </a:r>
+            <a:r>
+              <a:rPr/>
+              <a:t>is</a:t>
+            </a:r>
+            <a:r>
+              <a:rPr/>
+              <a:t> </a:t>
+            </a:r>
+            <a:r>
+              <a:rPr/>
+              <a:t>needed.</a:t>
+            </a:r>
+          </a:p>
+        </p:txBody>
+      </p:sp>
+      <p:sp>
+        <p:nvSpPr>
+          <p:cNvPr id="4" name="Slide Number Placeholder 3"/>
+          <p:cNvSpPr>
+            <a:spLocks noGrp="1"/>
+          </p:cNvSpPr>
+          <p:nvPr>
+            <p:ph type="sldNum" sz="quarter" idx="10"/>
+          </p:nvPr>
+        </p:nvSpPr>
+        <p:spPr/>
+        <p:txBody>
+          <a:bodyPr/>
+          <a:lstStyle/>
+          <a:p>
+            <a:fld id="{18BDFEC3-8487-43E8-A154-7C12CBC1FFF2}" type="slidenum">
+              <a:rPr lang="en-US"/>
+              <a:t>53</a:t>
             </a:fld>
             <a:endParaRPr lang="en-US"/>
           </a:p>
@@ -25605,6 +28414,98 @@
           </a:p>
         </p:txBody>
       </p:sp>
+      <p:pic>
+        <p:nvPicPr>
+          <p:cNvPr descr="../images/tableau/red-gradient.png" id="0" name="Picture 1"/>
+          <p:cNvPicPr>
+            <a:picLocks noGrp="1" noChangeAspect="1"/>
+          </p:cNvPicPr>
+          <p:nvPr/>
+        </p:nvPicPr>
+        <p:blipFill>
+          <a:blip r:embed="rId3"/>
+          <a:stretch>
+            <a:fillRect/>
+          </a:stretch>
+        </p:blipFill>
+        <p:spPr bwMode="auto">
+          <a:xfrm>
+            <a:off x="558800" y="1600200"/>
+            <a:ext cx="8026400" cy="4013200"/>
+          </a:xfrm>
+          <a:prstGeom prst="rect">
+            <a:avLst/>
+          </a:prstGeom>
+          <a:noFill/>
+          <a:ln w="9525">
+            <a:noFill/>
+            <a:headEnd/>
+            <a:tailEnd/>
+          </a:ln>
+        </p:spPr>
+      </p:pic>
+      <p:sp>
+        <p:nvSpPr>
+          <p:cNvPr id="1" name="TextBox 3"/>
+          <p:cNvSpPr txBox="1"/>
+          <p:nvPr/>
+        </p:nvSpPr>
+        <p:spPr>
+          <a:xfrm>
+            <a:off x="457200" y="5613400"/>
+            <a:ext cx="8229600" cy="508000"/>
+          </a:xfrm>
+          <a:prstGeom prst="rect">
+            <a:avLst/>
+          </a:prstGeom>
+          <a:noFill/>
+        </p:spPr>
+        <p:txBody>
+          <a:bodyPr/>
+          <a:lstStyle/>
+          <a:p>
+            <a:pPr lvl="0" marL="0" indent="0" algn="ctr">
+              <a:buNone/>
+            </a:pPr>
+            <a:r>
+              <a:rPr/>
+              <a:t>Tableau</a:t>
+            </a:r>
+            <a:r>
+              <a:rPr/>
+              <a:t> </a:t>
+            </a:r>
+            <a:r>
+              <a:rPr/>
+              <a:t>scatterplot</a:t>
+            </a:r>
+            <a:r>
+              <a:rPr/>
+              <a:t> </a:t>
+            </a:r>
+            <a:r>
+              <a:rPr/>
+              <a:t>with</a:t>
+            </a:r>
+            <a:r>
+              <a:rPr/>
+              <a:t> </a:t>
+            </a:r>
+            <a:r>
+              <a:rPr/>
+              <a:t>red</a:t>
+            </a:r>
+            <a:r>
+              <a:rPr/>
+              <a:t> </a:t>
+            </a:r>
+            <a:r>
+              <a:rPr/>
+              <a:t>gradient</a:t>
+            </a:r>
+          </a:p>
+        </p:txBody>
+      </p:sp>
     </p:spTree>
   </p:cSld>
 </p:sld>
@@ -26577,7 +29478,7 @@
             <a:pPr lvl="2"/>
             <a:r>
               <a:rPr/>
-              <a:t>colorfulness relative to a gray of equal luminence</a:t>
+              <a:t>colorfulness relative to a gray of equal luminance</a:t>
             </a:r>
           </a:p>
           <a:p>
@@ -26591,7 +29492,7 @@
             <a:pPr lvl="1"/>
             <a:r>
               <a:rPr/>
-              <a:t>L = luminence</a:t>
+              <a:t>L = luminance</a:t>
             </a:r>
           </a:p>
           <a:p>
@@ -26675,22 +29576,30 @@
             </a:r>
             <a:r>
               <a:rPr/>
-              <a:t>=</a:t>
-            </a:r>
-            <a:r>
-              <a:rPr/>
-              <a:t> </a:t>
-            </a:r>
-            <a:r>
-              <a:rPr/>
-              <a:t>90%</a:t>
+              <a:t>of</a:t>
+            </a:r>
+            <a:r>
+              <a:rPr/>
+              <a:t> </a:t>
+            </a:r>
+            <a:r>
+              <a:rPr/>
+              <a:t>pure</a:t>
+            </a:r>
+            <a:r>
+              <a:rPr/>
+              <a:t> </a:t>
+            </a:r>
+            <a:r>
+              <a:rPr/>
+              <a:t>colors</a:t>
             </a:r>
           </a:p>
         </p:txBody>
       </p:sp>
       <p:pic>
         <p:nvPicPr>
-          <p:cNvPr descr="../images/r/hcl-90.png" id="0" name="Picture 1"/>
+          <p:cNvPr descr="../images/external/color-wheel-luminance.gif" id="0" name="Picture 1"/>
           <p:cNvPicPr>
             <a:picLocks noGrp="1" noChangeAspect="1"/>
           </p:cNvPicPr>
@@ -26704,8 +29613,8 @@
         </p:blipFill>
         <p:spPr bwMode="auto">
           <a:xfrm>
-            <a:off x="2311400" y="1600200"/>
-            <a:ext cx="4521200" cy="4521200"/>
+            <a:off x="457200" y="1600200"/>
+            <a:ext cx="8229600" cy="4013200"/>
           </a:xfrm>
           <a:prstGeom prst="rect">
             <a:avLst/>
@@ -26718,6 +29627,68 @@
           </a:ln>
         </p:spPr>
       </p:pic>
+      <p:sp>
+        <p:nvSpPr>
+          <p:cNvPr id="1" name="TextBox 3"/>
+          <p:cNvSpPr txBox="1"/>
+          <p:nvPr/>
+        </p:nvSpPr>
+        <p:spPr>
+          <a:xfrm>
+            <a:off x="457200" y="5613400"/>
+            <a:ext cx="8229600" cy="508000"/>
+          </a:xfrm>
+          <a:prstGeom prst="rect">
+            <a:avLst/>
+          </a:prstGeom>
+          <a:noFill/>
+        </p:spPr>
+        <p:txBody>
+          <a:bodyPr/>
+          <a:lstStyle/>
+          <a:p>
+            <a:pPr lvl="0" marL="0" indent="0" algn="ctr">
+              <a:buNone/>
+            </a:pPr>
+            <a:r>
+              <a:rPr/>
+              <a:t>Luminance</a:t>
+            </a:r>
+            <a:r>
+              <a:rPr/>
+              <a:t> </a:t>
+            </a:r>
+            <a:r>
+              <a:rPr/>
+              <a:t>of</a:t>
+            </a:r>
+            <a:r>
+              <a:rPr/>
+              <a:t> </a:t>
+            </a:r>
+            <a:r>
+              <a:rPr/>
+              <a:t>the</a:t>
+            </a:r>
+            <a:r>
+              <a:rPr/>
+              <a:t> </a:t>
+            </a:r>
+            <a:r>
+              <a:rPr/>
+              <a:t>color</a:t>
+            </a:r>
+            <a:r>
+              <a:rPr/>
+              <a:t> </a:t>
+            </a:r>
+            <a:r>
+              <a:rPr/>
+              <a:t>wheel</a:t>
+            </a:r>
+          </a:p>
+        </p:txBody>
+      </p:sp>
     </p:spTree>
   </p:cSld>
 </p:sld>
@@ -26768,21 +29739,37 @@
             </a:r>
             <a:r>
               <a:rPr/>
-              <a:t>Luminance=70%</a:t>
+              <a:t>Luminance</a:t>
+            </a:r>
+            <a:r>
+              <a:rPr/>
+              <a:t> </a:t>
+            </a:r>
+            <a:r>
+              <a:rPr/>
+              <a:t>=</a:t>
+            </a:r>
+            <a:r>
+              <a:rPr/>
+              <a:t> </a:t>
+            </a:r>
+            <a:r>
+              <a:rPr/>
+              <a:t>90%</a:t>
             </a:r>
           </a:p>
         </p:txBody>
       </p:sp>
       <p:pic>
         <p:nvPicPr>
-          <p:cNvPr descr="../images/r/hcl-70.png" id="0" name="Picture 1"/>
+          <p:cNvPr descr="../images/r/hcl-90.png" id="0" name="Picture 1"/>
           <p:cNvPicPr>
             <a:picLocks noGrp="1" noChangeAspect="1"/>
           </p:cNvPicPr>
           <p:nvPr/>
         </p:nvPicPr>
         <p:blipFill>
-          <a:blip r:embed="rId2"/>
+          <a:blip r:embed="rId3"/>
           <a:stretch>
             <a:fillRect/>
           </a:stretch>
@@ -26853,14 +29840,14 @@
             </a:r>
             <a:r>
               <a:rPr/>
-              <a:t>Luminance=50%</a:t>
+              <a:t>Luminance=70%</a:t>
             </a:r>
           </a:p>
         </p:txBody>
       </p:sp>
       <p:pic>
         <p:nvPicPr>
-          <p:cNvPr descr="../images/r/hcl-50.png" id="0" name="Picture 1"/>
+          <p:cNvPr descr="../images/r/hcl-70.png" id="0" name="Picture 1"/>
           <p:cNvPicPr>
             <a:picLocks noGrp="1" noChangeAspect="1"/>
           </p:cNvPicPr>
@@ -26938,14 +29925,14 @@
             </a:r>
             <a:r>
               <a:rPr/>
-              <a:t>Luminance=30%</a:t>
+              <a:t>Luminance=50%</a:t>
             </a:r>
           </a:p>
         </p:txBody>
       </p:sp>
       <p:pic>
         <p:nvPicPr>
-          <p:cNvPr descr="../images/r/hcl-30.png" id="0" name="Picture 1"/>
+          <p:cNvPr descr="../images/r/hcl-50.png" id="0" name="Picture 1"/>
           <p:cNvPicPr>
             <a:picLocks noGrp="1" noChangeAspect="1"/>
           </p:cNvPicPr>
@@ -27023,29 +30010,21 @@
             </a:r>
             <a:r>
               <a:rPr/>
-              <a:t>Opacity</a:t>
-            </a:r>
-            <a:r>
-              <a:rPr/>
-              <a:t> </a:t>
-            </a:r>
-            <a:r>
-              <a:rPr/>
-              <a:t>(1/3)</a:t>
+              <a:t>Luminance=30%</a:t>
             </a:r>
           </a:p>
         </p:txBody>
       </p:sp>
       <p:pic>
         <p:nvPicPr>
-          <p:cNvPr descr="../images/r/opacity-1.png" id="0" name="Picture 1"/>
+          <p:cNvPr descr="../images/r/hcl-30.png" id="0" name="Picture 1"/>
           <p:cNvPicPr>
             <a:picLocks noGrp="1" noChangeAspect="1"/>
           </p:cNvPicPr>
           <p:nvPr/>
         </p:nvPicPr>
         <p:blipFill>
-          <a:blip r:embed="rId3"/>
+          <a:blip r:embed="rId2"/>
           <a:stretch>
             <a:fillRect/>
           </a:stretch>
@@ -27116,22 +30095,22 @@
             </a:r>
             <a:r>
               <a:rPr/>
-              <a:t>opacity</a:t>
-            </a:r>
-            <a:r>
-              <a:rPr/>
-              <a:t> </a:t>
-            </a:r>
-            <a:r>
-              <a:rPr/>
-              <a:t>(2/3)</a:t>
+              <a:t>Opacity</a:t>
+            </a:r>
+            <a:r>
+              <a:rPr/>
+              <a:t> </a:t>
+            </a:r>
+            <a:r>
+              <a:rPr/>
+              <a:t>(1/3)</a:t>
             </a:r>
           </a:p>
         </p:txBody>
       </p:sp>
       <p:pic>
         <p:nvPicPr>
-          <p:cNvPr descr="../images/r/opacity-2.png" id="0" name="Picture 1"/>
+          <p:cNvPr descr="../images/r/opacity-1.png" id="0" name="Picture 1"/>
           <p:cNvPicPr>
             <a:picLocks noGrp="1" noChangeAspect="1"/>
           </p:cNvPicPr>
@@ -27209,22 +30188,22 @@
             </a:r>
             <a:r>
               <a:rPr/>
-              <a:t>Opacity</a:t>
-            </a:r>
-            <a:r>
-              <a:rPr/>
-              <a:t> </a:t>
-            </a:r>
-            <a:r>
-              <a:rPr/>
-              <a:t>(3/3)</a:t>
+              <a:t>opacity</a:t>
+            </a:r>
+            <a:r>
+              <a:rPr/>
+              <a:t> </a:t>
+            </a:r>
+            <a:r>
+              <a:rPr/>
+              <a:t>(2/3)</a:t>
             </a:r>
           </a:p>
         </p:txBody>
       </p:sp>
       <p:pic>
         <p:nvPicPr>
-          <p:cNvPr descr="../images/r/opacity-3.png" id="0" name="Picture 1"/>
+          <p:cNvPr descr="../images/r/opacity-2.png" id="0" name="Picture 1"/>
           <p:cNvPicPr>
             <a:picLocks noGrp="1" noChangeAspect="1"/>
           </p:cNvPicPr>
@@ -27302,22 +30281,22 @@
             </a:r>
             <a:r>
               <a:rPr/>
-              <a:t>CMYK</a:t>
-            </a:r>
-            <a:r>
-              <a:rPr/>
-              <a:t> </a:t>
-            </a:r>
-            <a:r>
-              <a:rPr/>
-              <a:t>system</a:t>
+              <a:t>Opacity</a:t>
+            </a:r>
+            <a:r>
+              <a:rPr/>
+              <a:t> </a:t>
+            </a:r>
+            <a:r>
+              <a:rPr/>
+              <a:t>(3/3)</a:t>
             </a:r>
           </a:p>
         </p:txBody>
       </p:sp>
       <p:pic>
         <p:nvPicPr>
-          <p:cNvPr descr="../images/external/cymk-subtractive.png" id="0" name="Picture 1"/>
+          <p:cNvPr descr="../images/r/opacity-3.png" id="0" name="Picture 1"/>
           <p:cNvPicPr>
             <a:picLocks noGrp="1" noChangeAspect="1"/>
           </p:cNvPicPr>
@@ -27331,8 +30310,8 @@
         </p:blipFill>
         <p:spPr bwMode="auto">
           <a:xfrm>
-            <a:off x="2565400" y="1600200"/>
-            <a:ext cx="4013200" cy="4013200"/>
+            <a:off x="2311400" y="1600200"/>
+            <a:ext cx="4521200" cy="4521200"/>
           </a:xfrm>
           <a:prstGeom prst="rect">
             <a:avLst/>
@@ -27345,68 +30324,6 @@
           </a:ln>
         </p:spPr>
       </p:pic>
-      <p:sp>
-        <p:nvSpPr>
-          <p:cNvPr id="1" name="TextBox 3"/>
-          <p:cNvSpPr txBox="1"/>
-          <p:nvPr/>
-        </p:nvSpPr>
-        <p:spPr>
-          <a:xfrm>
-            <a:off x="457200" y="5613400"/>
-            <a:ext cx="8229600" cy="508000"/>
-          </a:xfrm>
-          <a:prstGeom prst="rect">
-            <a:avLst/>
-          </a:prstGeom>
-          <a:noFill/>
-        </p:spPr>
-        <p:txBody>
-          <a:bodyPr/>
-          <a:lstStyle/>
-          <a:p>
-            <a:pPr lvl="0" marL="0" indent="0" algn="ctr">
-              <a:buNone/>
-            </a:pPr>
-            <a:r>
-              <a:rPr/>
-              <a:t>Illustration</a:t>
-            </a:r>
-            <a:r>
-              <a:rPr/>
-              <a:t> </a:t>
-            </a:r>
-            <a:r>
-              <a:rPr/>
-              <a:t>of</a:t>
-            </a:r>
-            <a:r>
-              <a:rPr/>
-              <a:t> </a:t>
-            </a:r>
-            <a:r>
-              <a:rPr/>
-              <a:t>subtractive</a:t>
-            </a:r>
-            <a:r>
-              <a:rPr/>
-              <a:t> </a:t>
-            </a:r>
-            <a:r>
-              <a:rPr/>
-              <a:t>color</a:t>
-            </a:r>
-            <a:r>
-              <a:rPr/>
-              <a:t> </a:t>
-            </a:r>
-            <a:r>
-              <a:rPr/>
-              <a:t>scheme</a:t>
-            </a:r>
-          </a:p>
-        </p:txBody>
-      </p:sp>
     </p:spTree>
   </p:cSld>
 </p:sld>
@@ -27647,66 +30564,99 @@
             </a:r>
             <a:r>
               <a:rPr/>
-              <a:t>system,</a:t>
-            </a:r>
-            <a:r>
-              <a:rPr/>
-              <a:t> </a:t>
-            </a:r>
-            <a:r>
-              <a:rPr/>
-              <a:t>combinations</a:t>
+              <a:t>system</a:t>
             </a:r>
           </a:p>
         </p:txBody>
       </p:sp>
+      <p:pic>
+        <p:nvPicPr>
+          <p:cNvPr descr="../images/external/cymk-subtractive.png" id="0" name="Picture 1"/>
+          <p:cNvPicPr>
+            <a:picLocks noGrp="1" noChangeAspect="1"/>
+          </p:cNvPicPr>
+          <p:nvPr/>
+        </p:nvPicPr>
+        <p:blipFill>
+          <a:blip r:embed="rId3"/>
+          <a:stretch>
+            <a:fillRect/>
+          </a:stretch>
+        </p:blipFill>
+        <p:spPr bwMode="auto">
+          <a:xfrm>
+            <a:off x="2565400" y="1600200"/>
+            <a:ext cx="4013200" cy="4013200"/>
+          </a:xfrm>
+          <a:prstGeom prst="rect">
+            <a:avLst/>
+          </a:prstGeom>
+          <a:noFill/>
+          <a:ln w="9525">
+            <a:noFill/>
+            <a:headEnd/>
+            <a:tailEnd/>
+          </a:ln>
+        </p:spPr>
+      </p:pic>
       <p:sp>
         <p:nvSpPr>
-          <p:cNvPr id="3" name="Content Placeholder 2"/>
-          <p:cNvSpPr>
-            <a:spLocks noGrp="1"/>
-          </p:cNvSpPr>
-          <p:nvPr>
-            <p:ph idx="1"/>
-          </p:nvPr>
+          <p:cNvPr id="1" name="TextBox 3"/>
+          <p:cNvSpPr txBox="1"/>
+          <p:nvPr/>
         </p:nvSpPr>
-        <p:spPr/>
+        <p:spPr>
+          <a:xfrm>
+            <a:off x="457200" y="5613400"/>
+            <a:ext cx="8229600" cy="508000"/>
+          </a:xfrm>
+          <a:prstGeom prst="rect">
+            <a:avLst/>
+          </a:prstGeom>
+          <a:noFill/>
+        </p:spPr>
         <p:txBody>
           <a:bodyPr/>
           <a:lstStyle/>
           <a:p>
-            <a:pPr lvl="1"/>
-            <a:r>
-              <a:rPr/>
-              <a:t>Building blocks Cyan (C), Magenta (M), Yellow (Y), Black (K).</a:t>
-            </a:r>
-          </a:p>
-          <a:p>
-            <a:pPr lvl="1"/>
-            <a:r>
-              <a:rPr/>
-              <a:t>Cyan plus Magenta equals Blue</a:t>
-            </a:r>
-          </a:p>
-          <a:p>
-            <a:pPr lvl="1"/>
-            <a:r>
-              <a:rPr/>
-              <a:t>Cyan plus Yellow equals Green</a:t>
-            </a:r>
-          </a:p>
-          <a:p>
-            <a:pPr lvl="1"/>
-            <a:r>
-              <a:rPr/>
-              <a:t>Magenta plus Yellow equals Red</a:t>
-            </a:r>
-          </a:p>
-          <a:p>
-            <a:pPr lvl="1"/>
-            <a:r>
-              <a:rPr/>
-              <a:t>All three combined equals Black</a:t>
+            <a:pPr lvl="0" marL="0" indent="0" algn="ctr">
+              <a:buNone/>
+            </a:pPr>
+            <a:r>
+              <a:rPr/>
+              <a:t>Illustration</a:t>
+            </a:r>
+            <a:r>
+              <a:rPr/>
+              <a:t> </a:t>
+            </a:r>
+            <a:r>
+              <a:rPr/>
+              <a:t>of</a:t>
+            </a:r>
+            <a:r>
+              <a:rPr/>
+              <a:t> </a:t>
+            </a:r>
+            <a:r>
+              <a:rPr/>
+              <a:t>subtractive</a:t>
+            </a:r>
+            <a:r>
+              <a:rPr/>
+              <a:t> </a:t>
+            </a:r>
+            <a:r>
+              <a:rPr/>
+              <a:t>color</a:t>
+            </a:r>
+            <a:r>
+              <a:rPr/>
+              <a:t> </a:t>
+            </a:r>
+            <a:r>
+              <a:rPr/>
+              <a:t>scheme</a:t>
             </a:r>
           </a:p>
         </p:txBody>
@@ -27777,31 +30727,7 @@
             </a:r>
             <a:r>
               <a:rPr/>
-              <a:t>Why</a:t>
-            </a:r>
-            <a:r>
-              <a:rPr/>
-              <a:t> </a:t>
-            </a:r>
-            <a:r>
-              <a:rPr/>
-              <a:t>you</a:t>
-            </a:r>
-            <a:r>
-              <a:rPr/>
-              <a:t> </a:t>
-            </a:r>
-            <a:r>
-              <a:rPr/>
-              <a:t>need</a:t>
-            </a:r>
-            <a:r>
-              <a:rPr/>
-              <a:t> </a:t>
-            </a:r>
-            <a:r>
-              <a:rPr/>
-              <a:t>black</a:t>
+              <a:t>combinations</a:t>
             </a:r>
           </a:p>
         </p:txBody>
@@ -27824,21 +30750,42 @@
             <a:pPr lvl="1"/>
             <a:r>
               <a:rPr/>
-              <a:t>Only in theory does, C+M+Y = Black</a:t>
+              <a:t>Building blocks Cyan (C), Magenta (M), Yellow (Y), Black (K).</a:t>
             </a:r>
           </a:p>
           <a:p>
             <a:pPr lvl="2"/>
             <a:r>
               <a:rPr/>
-              <a:t>Too much ink</a:t>
-            </a:r>
-          </a:p>
-          <a:p>
-            <a:pPr lvl="2"/>
-            <a:r>
-              <a:rPr/>
-              <a:t>Dull muddy color</a:t>
+              <a:t>Subtractive system</a:t>
+            </a:r>
+          </a:p>
+          <a:p>
+            <a:pPr lvl="1"/>
+            <a:r>
+              <a:rPr/>
+              <a:t>Cyan plus Magenta equals Blue</a:t>
+            </a:r>
+          </a:p>
+          <a:p>
+            <a:pPr lvl="1"/>
+            <a:r>
+              <a:rPr/>
+              <a:t>Cyan plus Yellow equals Green</a:t>
+            </a:r>
+          </a:p>
+          <a:p>
+            <a:pPr lvl="1"/>
+            <a:r>
+              <a:rPr/>
+              <a:t>Magenta plus Yellow equals Red</a:t>
+            </a:r>
+          </a:p>
+          <a:p>
+            <a:pPr lvl="1"/>
+            <a:r>
+              <a:rPr/>
+              <a:t>All three combined equals Black</a:t>
             </a:r>
           </a:p>
         </p:txBody>
@@ -27893,7 +30840,47 @@
             </a:r>
             <a:r>
               <a:rPr/>
-              <a:t>review</a:t>
+              <a:t>CMYK</a:t>
+            </a:r>
+            <a:r>
+              <a:rPr/>
+              <a:t> </a:t>
+            </a:r>
+            <a:r>
+              <a:rPr/>
+              <a:t>system,</a:t>
+            </a:r>
+            <a:r>
+              <a:rPr/>
+              <a:t> </a:t>
+            </a:r>
+            <a:r>
+              <a:rPr/>
+              <a:t>Why</a:t>
+            </a:r>
+            <a:r>
+              <a:rPr/>
+              <a:t> </a:t>
+            </a:r>
+            <a:r>
+              <a:rPr/>
+              <a:t>you</a:t>
+            </a:r>
+            <a:r>
+              <a:rPr/>
+              <a:t> </a:t>
+            </a:r>
+            <a:r>
+              <a:rPr/>
+              <a:t>need</a:t>
+            </a:r>
+            <a:r>
+              <a:rPr/>
+              <a:t> </a:t>
+            </a:r>
+            <a:r>
+              <a:rPr/>
+              <a:t>black</a:t>
             </a:r>
           </a:p>
         </p:txBody>
@@ -27916,6 +30903,105 @@
             <a:pPr lvl="1"/>
             <a:r>
               <a:rPr/>
+              <a:t>Only in theory does, C+M+Y = Black</a:t>
+            </a:r>
+          </a:p>
+          <a:p>
+            <a:pPr lvl="2"/>
+            <a:r>
+              <a:rPr/>
+              <a:t>Too much ink</a:t>
+            </a:r>
+          </a:p>
+          <a:p>
+            <a:pPr lvl="2"/>
+            <a:r>
+              <a:rPr/>
+              <a:t>Dull muddy color</a:t>
+            </a:r>
+          </a:p>
+          <a:p>
+            <a:pPr lvl="1"/>
+            <a:r>
+              <a:rPr/>
+              <a:t>On screen versus print</a:t>
+            </a:r>
+          </a:p>
+        </p:txBody>
+      </p:sp>
+    </p:spTree>
+  </p:cSld>
+</p:sld>
+</file>
+
+<file path=ppt/slides/slide53.xml><?xml version="1.0" encoding="utf-8"?>
+<p:sld xmlns:a="http://schemas.openxmlformats.org/drawingml/2006/main" xmlns:r="http://schemas.openxmlformats.org/officeDocument/2006/relationships" xmlns:p="http://schemas.openxmlformats.org/presentationml/2006/main">
+  <p:cSld>
+    <p:spTree>
+      <p:nvGrpSpPr>
+        <p:cNvPr id="1" name=""/>
+        <p:cNvGrpSpPr/>
+        <p:nvPr/>
+      </p:nvGrpSpPr>
+      <p:grpSpPr>
+        <a:xfrm>
+          <a:off x="0" y="0"/>
+          <a:ext cx="0" cy="0"/>
+          <a:chOff x="0" y="0"/>
+          <a:chExt cx="0" cy="0"/>
+        </a:xfrm>
+      </p:grpSpPr>
+      <p:sp>
+        <p:nvSpPr>
+          <p:cNvPr id="2" name="Title 1"/>
+          <p:cNvSpPr>
+            <a:spLocks noGrp="1"/>
+          </p:cNvSpPr>
+          <p:nvPr>
+            <p:ph type="title"/>
+          </p:nvPr>
+        </p:nvSpPr>
+        <p:spPr/>
+        <p:txBody>
+          <a:bodyPr/>
+          <a:lstStyle/>
+          <a:p>
+            <a:pPr lvl="0" marL="0" indent="0">
+              <a:buNone/>
+            </a:pPr>
+            <a:r>
+              <a:rPr/>
+              <a:t>Colors,</a:t>
+            </a:r>
+            <a:r>
+              <a:rPr/>
+              <a:t> </a:t>
+            </a:r>
+            <a:r>
+              <a:rPr/>
+              <a:t>review</a:t>
+            </a:r>
+          </a:p>
+        </p:txBody>
+      </p:sp>
+      <p:sp>
+        <p:nvSpPr>
+          <p:cNvPr id="3" name="Content Placeholder 2"/>
+          <p:cNvSpPr>
+            <a:spLocks noGrp="1"/>
+          </p:cNvSpPr>
+          <p:nvPr>
+            <p:ph idx="1"/>
+          </p:nvPr>
+        </p:nvSpPr>
+        <p:spPr/>
+        <p:txBody>
+          <a:bodyPr/>
+          <a:lstStyle/>
+          <a:p>
+            <a:pPr lvl="1"/>
+            <a:r>
+              <a:rPr/>
               <a:t>Kindergarten view of colors</a:t>
             </a:r>
           </a:p>
@@ -27945,6 +31031,20 @@
             <a:r>
               <a:rPr/>
               <a:t>Discrete color palettes</a:t>
+            </a:r>
+          </a:p>
+          <a:p>
+            <a:pPr lvl="1"/>
+            <a:r>
+              <a:rPr/>
+              <a:t>HCL color system</a:t>
+            </a:r>
+          </a:p>
+          <a:p>
+            <a:pPr lvl="2"/>
+            <a:r>
+              <a:rPr/>
+              <a:t>Equal luminance</a:t>
             </a:r>
           </a:p>
           <a:p>

--- a/data-viz-02/component/tutorial-colors.pptx
+++ b/data-viz-02/component/tutorial-colors.pptx
@@ -31045,6 +31045,13 @@
             <a:r>
               <a:rPr/>
               <a:t>Equal luminance</a:t>
+            </a:r>
+          </a:p>
+          <a:p>
+            <a:pPr lvl="1"/>
+            <a:r>
+              <a:rPr/>
+              <a:t>Opacity</a:t>
             </a:r>
           </a:p>
           <a:p>
